--- a/slides/main.pptx
+++ b/slides/main.pptx
@@ -314,7 +314,7 @@
             <a:fld id="{5ADA3B83-9FAA-490E-9199-5F3FD89CBF95}" type="datetimeFigureOut">
               <a:rPr lang="da-DK" smtClean="0"/>
               <a:pPr/>
-              <a:t>fredag 21 jun</a:t>
+              <a:t>23-06-2013</a:t>
             </a:fld>
             <a:endParaRPr lang="da-DK"/>
           </a:p>
@@ -481,7 +481,7 @@
             <a:fld id="{5ADA3B83-9FAA-490E-9199-5F3FD89CBF95}" type="datetimeFigureOut">
               <a:rPr lang="da-DK" smtClean="0"/>
               <a:pPr/>
-              <a:t>fredag 21 jun</a:t>
+              <a:t>23-06-2013</a:t>
             </a:fld>
             <a:endParaRPr lang="da-DK"/>
           </a:p>
@@ -658,7 +658,7 @@
             <a:fld id="{5ADA3B83-9FAA-490E-9199-5F3FD89CBF95}" type="datetimeFigureOut">
               <a:rPr lang="da-DK" smtClean="0"/>
               <a:pPr/>
-              <a:t>fredag 21 jun</a:t>
+              <a:t>23-06-2013</a:t>
             </a:fld>
             <a:endParaRPr lang="da-DK"/>
           </a:p>
@@ -825,7 +825,7 @@
             <a:fld id="{17825FAC-110F-4E9C-A697-DFBD29A877EF}" type="datetimeFigureOut">
               <a:rPr lang="da-DK" smtClean="0"/>
               <a:pPr/>
-              <a:t>fredag 21 jun</a:t>
+              <a:t>23-06-2013</a:t>
             </a:fld>
             <a:endParaRPr lang="da-DK"/>
           </a:p>
@@ -877,7 +877,7 @@
     </p:spTree>
     <p:extLst>
       <p:ext uri="{BB962C8B-B14F-4D97-AF65-F5344CB8AC3E}">
-        <p14:creationId xmlns:p14="http://schemas.microsoft.com/office/powerpoint/2010/main" xmlns="" val="2128366257"/>
+        <p14:creationId xmlns:p14="http://schemas.microsoft.com/office/powerpoint/2010/main" val="2128366257"/>
       </p:ext>
     </p:extLst>
   </p:cSld>
@@ -907,7 +907,7 @@
     </p:spTree>
     <p:extLst>
       <p:ext uri="{BB962C8B-B14F-4D97-AF65-F5344CB8AC3E}">
-        <p14:creationId xmlns:p14="http://schemas.microsoft.com/office/powerpoint/2010/main" xmlns="" val="195677046"/>
+        <p14:creationId xmlns:p14="http://schemas.microsoft.com/office/powerpoint/2010/main" val="195677046"/>
       </p:ext>
     </p:extLst>
   </p:cSld>
@@ -937,7 +937,7 @@
     </p:spTree>
     <p:extLst>
       <p:ext uri="{BB962C8B-B14F-4D97-AF65-F5344CB8AC3E}">
-        <p14:creationId xmlns:p14="http://schemas.microsoft.com/office/powerpoint/2010/main" xmlns="" val="1997685105"/>
+        <p14:creationId xmlns:p14="http://schemas.microsoft.com/office/powerpoint/2010/main" val="1997685105"/>
       </p:ext>
     </p:extLst>
   </p:cSld>
@@ -1158,7 +1158,7 @@
             <a:fld id="{5ADA3B83-9FAA-490E-9199-5F3FD89CBF95}" type="datetimeFigureOut">
               <a:rPr lang="da-DK" smtClean="0"/>
               <a:pPr/>
-              <a:t>fredag 21 jun</a:t>
+              <a:t>23-06-2013</a:t>
             </a:fld>
             <a:endParaRPr lang="da-DK"/>
           </a:p>
@@ -1443,7 +1443,7 @@
             <a:fld id="{5ADA3B83-9FAA-490E-9199-5F3FD89CBF95}" type="datetimeFigureOut">
               <a:rPr lang="da-DK" smtClean="0"/>
               <a:pPr/>
-              <a:t>fredag 21 jun</a:t>
+              <a:t>23-06-2013</a:t>
             </a:fld>
             <a:endParaRPr lang="da-DK"/>
           </a:p>
@@ -1862,7 +1862,7 @@
             <a:fld id="{5ADA3B83-9FAA-490E-9199-5F3FD89CBF95}" type="datetimeFigureOut">
               <a:rPr lang="da-DK" smtClean="0"/>
               <a:pPr/>
-              <a:t>fredag 21 jun</a:t>
+              <a:t>23-06-2013</a:t>
             </a:fld>
             <a:endParaRPr lang="da-DK"/>
           </a:p>
@@ -1977,7 +1977,7 @@
             <a:fld id="{5ADA3B83-9FAA-490E-9199-5F3FD89CBF95}" type="datetimeFigureOut">
               <a:rPr lang="da-DK" smtClean="0"/>
               <a:pPr/>
-              <a:t>fredag 21 jun</a:t>
+              <a:t>23-06-2013</a:t>
             </a:fld>
             <a:endParaRPr lang="da-DK"/>
           </a:p>
@@ -2069,7 +2069,7 @@
             <a:fld id="{5ADA3B83-9FAA-490E-9199-5F3FD89CBF95}" type="datetimeFigureOut">
               <a:rPr lang="da-DK" smtClean="0"/>
               <a:pPr/>
-              <a:t>fredag 21 jun</a:t>
+              <a:t>23-06-2013</a:t>
             </a:fld>
             <a:endParaRPr lang="da-DK"/>
           </a:p>
@@ -2343,7 +2343,7 @@
             <a:fld id="{5ADA3B83-9FAA-490E-9199-5F3FD89CBF95}" type="datetimeFigureOut">
               <a:rPr lang="da-DK" smtClean="0"/>
               <a:pPr/>
-              <a:t>fredag 21 jun</a:t>
+              <a:t>23-06-2013</a:t>
             </a:fld>
             <a:endParaRPr lang="da-DK"/>
           </a:p>
@@ -2593,7 +2593,7 @@
             <a:fld id="{5ADA3B83-9FAA-490E-9199-5F3FD89CBF95}" type="datetimeFigureOut">
               <a:rPr lang="da-DK" smtClean="0"/>
               <a:pPr/>
-              <a:t>fredag 21 jun</a:t>
+              <a:t>23-06-2013</a:t>
             </a:fld>
             <a:endParaRPr lang="da-DK"/>
           </a:p>
@@ -2803,7 +2803,7 @@
             <a:fld id="{5ADA3B83-9FAA-490E-9199-5F3FD89CBF95}" type="datetimeFigureOut">
               <a:rPr lang="da-DK" smtClean="0"/>
               <a:pPr/>
-              <a:t>fredag 21 jun</a:t>
+              <a:t>23-06-2013</a:t>
             </a:fld>
             <a:endParaRPr lang="da-DK"/>
           </a:p>
@@ -3189,7 +3189,7 @@
           <a:blip r:embed="rId2" cstate="print">
             <a:extLst>
               <a:ext uri="{28A0092B-C50C-407E-A947-70E740481C1C}">
-                <a14:useLocalDpi xmlns:a14="http://schemas.microsoft.com/office/drawing/2010/main" xmlns="" val="0"/>
+                <a14:useLocalDpi xmlns:a14="http://schemas.microsoft.com/office/drawing/2010/main" val="0"/>
               </a:ext>
             </a:extLst>
           </a:blip>
@@ -3273,7 +3273,7 @@
           <a:blip r:embed="rId3" cstate="print">
             <a:extLst>
               <a:ext uri="{28A0092B-C50C-407E-A947-70E740481C1C}">
-                <a14:useLocalDpi xmlns:a14="http://schemas.microsoft.com/office/drawing/2010/main" xmlns="" val="0"/>
+                <a14:useLocalDpi xmlns:a14="http://schemas.microsoft.com/office/drawing/2010/main" val="0"/>
               </a:ext>
             </a:extLst>
           </a:blip>
@@ -3577,13 +3577,13 @@
   <p:clrMapOvr>
     <a:masterClrMapping/>
   </p:clrMapOvr>
-  <mc:AlternateContent xmlns:mc="http://schemas.openxmlformats.org/markup-compatibility/2006">
-    <mc:Choice xmlns:p14="http://schemas.microsoft.com/office/powerpoint/2010/main" xmlns="" Requires="p14">
+  <mc:AlternateContent xmlns:mc="http://schemas.openxmlformats.org/markup-compatibility/2006" xmlns:p14="http://schemas.microsoft.com/office/powerpoint/2010/main">
+    <mc:Choice Requires="p14">
       <p:transition p14:dur="250">
         <p:fade/>
       </p:transition>
     </mc:Choice>
-    <mc:Fallback>
+    <mc:Fallback xmlns="">
       <p:transition>
         <p:fade/>
       </p:transition>
@@ -3953,20 +3953,20 @@
     </p:spTree>
     <p:extLst>
       <p:ext uri="{BB962C8B-B14F-4D97-AF65-F5344CB8AC3E}">
-        <p14:creationId xmlns:p14="http://schemas.microsoft.com/office/powerpoint/2010/main" xmlns="" val="585023994"/>
+        <p14:creationId xmlns:p14="http://schemas.microsoft.com/office/powerpoint/2010/main" val="585023994"/>
       </p:ext>
     </p:extLst>
   </p:cSld>
   <p:clrMapOvr>
     <a:masterClrMapping/>
   </p:clrMapOvr>
-  <mc:AlternateContent xmlns:mc="http://schemas.openxmlformats.org/markup-compatibility/2006">
-    <mc:Choice xmlns:p14="http://schemas.microsoft.com/office/powerpoint/2010/main" xmlns="" Requires="p14">
+  <mc:AlternateContent xmlns:mc="http://schemas.openxmlformats.org/markup-compatibility/2006" xmlns:p14="http://schemas.microsoft.com/office/powerpoint/2010/main">
+    <mc:Choice Requires="p14">
       <p:transition p14:dur="250">
         <p:fade/>
       </p:transition>
     </mc:Choice>
-    <mc:Fallback>
+    <mc:Fallback xmlns="">
       <p:transition>
         <p:fade/>
       </p:transition>
@@ -4414,20 +4414,20 @@
     </p:spTree>
     <p:extLst>
       <p:ext uri="{BB962C8B-B14F-4D97-AF65-F5344CB8AC3E}">
-        <p14:creationId xmlns:p14="http://schemas.microsoft.com/office/powerpoint/2010/main" xmlns="" val="585023994"/>
+        <p14:creationId xmlns:p14="http://schemas.microsoft.com/office/powerpoint/2010/main" val="585023994"/>
       </p:ext>
     </p:extLst>
   </p:cSld>
   <p:clrMapOvr>
     <a:masterClrMapping/>
   </p:clrMapOvr>
-  <mc:AlternateContent xmlns:mc="http://schemas.openxmlformats.org/markup-compatibility/2006">
-    <mc:Choice xmlns:p14="http://schemas.microsoft.com/office/powerpoint/2010/main" xmlns="" Requires="p14">
+  <mc:AlternateContent xmlns:mc="http://schemas.openxmlformats.org/markup-compatibility/2006" xmlns:p14="http://schemas.microsoft.com/office/powerpoint/2010/main">
+    <mc:Choice Requires="p14">
       <p:transition p14:dur="250">
         <p:fade/>
       </p:transition>
     </mc:Choice>
-    <mc:Fallback>
+    <mc:Fallback xmlns="">
       <p:transition>
         <p:fade/>
       </p:transition>
@@ -4812,20 +4812,20 @@
     </p:spTree>
     <p:extLst>
       <p:ext uri="{BB962C8B-B14F-4D97-AF65-F5344CB8AC3E}">
-        <p14:creationId xmlns:p14="http://schemas.microsoft.com/office/powerpoint/2010/main" xmlns="" val="585023994"/>
+        <p14:creationId xmlns:p14="http://schemas.microsoft.com/office/powerpoint/2010/main" val="585023994"/>
       </p:ext>
     </p:extLst>
   </p:cSld>
   <p:clrMapOvr>
     <a:masterClrMapping/>
   </p:clrMapOvr>
-  <mc:AlternateContent xmlns:mc="http://schemas.openxmlformats.org/markup-compatibility/2006">
-    <mc:Choice xmlns:p14="http://schemas.microsoft.com/office/powerpoint/2010/main" xmlns="" Requires="p14">
+  <mc:AlternateContent xmlns:mc="http://schemas.openxmlformats.org/markup-compatibility/2006" xmlns:p14="http://schemas.microsoft.com/office/powerpoint/2010/main">
+    <mc:Choice Requires="p14">
       <p:transition p14:dur="250">
         <p:fade/>
       </p:transition>
     </mc:Choice>
-    <mc:Fallback>
+    <mc:Fallback xmlns="">
       <p:transition>
         <p:fade/>
       </p:transition>
@@ -4927,7 +4927,7 @@
           <a:blip r:embed="rId2" cstate="print">
             <a:extLst>
               <a:ext uri="{28A0092B-C50C-407E-A947-70E740481C1C}">
-                <a14:useLocalDpi xmlns:a14="http://schemas.microsoft.com/office/drawing/2010/main" xmlns="" val="0"/>
+                <a14:useLocalDpi xmlns:a14="http://schemas.microsoft.com/office/drawing/2010/main" val="0"/>
               </a:ext>
             </a:extLst>
           </a:blip>
@@ -5034,20 +5034,20 @@
     </p:spTree>
     <p:extLst>
       <p:ext uri="{BB962C8B-B14F-4D97-AF65-F5344CB8AC3E}">
-        <p14:creationId xmlns:p14="http://schemas.microsoft.com/office/powerpoint/2010/main" xmlns="" val="3425622471"/>
+        <p14:creationId xmlns:p14="http://schemas.microsoft.com/office/powerpoint/2010/main" val="3425622471"/>
       </p:ext>
     </p:extLst>
   </p:cSld>
   <p:clrMapOvr>
     <a:masterClrMapping/>
   </p:clrMapOvr>
-  <mc:AlternateContent xmlns:mc="http://schemas.openxmlformats.org/markup-compatibility/2006">
-    <mc:Choice xmlns:p14="http://schemas.microsoft.com/office/powerpoint/2010/main" xmlns="" Requires="p14">
+  <mc:AlternateContent xmlns:mc="http://schemas.openxmlformats.org/markup-compatibility/2006" xmlns:p14="http://schemas.microsoft.com/office/powerpoint/2010/main">
+    <mc:Choice Requires="p14">
       <p:transition p14:dur="250">
         <p:fade/>
       </p:transition>
     </mc:Choice>
-    <mc:Fallback>
+    <mc:Fallback xmlns="">
       <p:transition>
         <p:fade/>
       </p:transition>
@@ -5457,20 +5457,20 @@
     </p:spTree>
     <p:extLst>
       <p:ext uri="{BB962C8B-B14F-4D97-AF65-F5344CB8AC3E}">
-        <p14:creationId xmlns:p14="http://schemas.microsoft.com/office/powerpoint/2010/main" xmlns="" val="585023994"/>
+        <p14:creationId xmlns:p14="http://schemas.microsoft.com/office/powerpoint/2010/main" val="585023994"/>
       </p:ext>
     </p:extLst>
   </p:cSld>
   <p:clrMapOvr>
     <a:masterClrMapping/>
   </p:clrMapOvr>
-  <mc:AlternateContent xmlns:mc="http://schemas.openxmlformats.org/markup-compatibility/2006">
-    <mc:Choice xmlns:p14="http://schemas.microsoft.com/office/powerpoint/2010/main" xmlns="" Requires="p14">
+  <mc:AlternateContent xmlns:mc="http://schemas.openxmlformats.org/markup-compatibility/2006" xmlns:p14="http://schemas.microsoft.com/office/powerpoint/2010/main">
+    <mc:Choice Requires="p14">
       <p:transition p14:dur="250">
         <p:fade/>
       </p:transition>
     </mc:Choice>
-    <mc:Fallback>
+    <mc:Fallback xmlns="">
       <p:transition>
         <p:fade/>
       </p:transition>
@@ -5855,20 +5855,20 @@
     </p:spTree>
     <p:extLst>
       <p:ext uri="{BB962C8B-B14F-4D97-AF65-F5344CB8AC3E}">
-        <p14:creationId xmlns:p14="http://schemas.microsoft.com/office/powerpoint/2010/main" xmlns="" val="585023994"/>
+        <p14:creationId xmlns:p14="http://schemas.microsoft.com/office/powerpoint/2010/main" val="585023994"/>
       </p:ext>
     </p:extLst>
   </p:cSld>
   <p:clrMapOvr>
     <a:masterClrMapping/>
   </p:clrMapOvr>
-  <mc:AlternateContent xmlns:mc="http://schemas.openxmlformats.org/markup-compatibility/2006">
-    <mc:Choice xmlns:p14="http://schemas.microsoft.com/office/powerpoint/2010/main" xmlns="" Requires="p14">
+  <mc:AlternateContent xmlns:mc="http://schemas.openxmlformats.org/markup-compatibility/2006" xmlns:p14="http://schemas.microsoft.com/office/powerpoint/2010/main">
+    <mc:Choice Requires="p14">
       <p:transition p14:dur="250">
         <p:fade/>
       </p:transition>
     </mc:Choice>
-    <mc:Fallback>
+    <mc:Fallback xmlns="">
       <p:transition>
         <p:fade/>
       </p:transition>
@@ -6281,20 +6281,20 @@
     </p:spTree>
     <p:extLst>
       <p:ext uri="{BB962C8B-B14F-4D97-AF65-F5344CB8AC3E}">
-        <p14:creationId xmlns:p14="http://schemas.microsoft.com/office/powerpoint/2010/main" xmlns="" val="585023994"/>
+        <p14:creationId xmlns:p14="http://schemas.microsoft.com/office/powerpoint/2010/main" val="585023994"/>
       </p:ext>
     </p:extLst>
   </p:cSld>
   <p:clrMapOvr>
     <a:masterClrMapping/>
   </p:clrMapOvr>
-  <mc:AlternateContent xmlns:mc="http://schemas.openxmlformats.org/markup-compatibility/2006">
-    <mc:Choice xmlns:p14="http://schemas.microsoft.com/office/powerpoint/2010/main" xmlns="" Requires="p14">
+  <mc:AlternateContent xmlns:mc="http://schemas.openxmlformats.org/markup-compatibility/2006" xmlns:p14="http://schemas.microsoft.com/office/powerpoint/2010/main">
+    <mc:Choice Requires="p14">
       <p:transition p14:dur="250">
         <p:fade/>
       </p:transition>
     </mc:Choice>
-    <mc:Fallback>
+    <mc:Fallback xmlns="">
       <p:transition>
         <p:fade/>
       </p:transition>
@@ -6803,20 +6803,20 @@
     </p:spTree>
     <p:extLst>
       <p:ext uri="{BB962C8B-B14F-4D97-AF65-F5344CB8AC3E}">
-        <p14:creationId xmlns:p14="http://schemas.microsoft.com/office/powerpoint/2010/main" xmlns="" val="585023994"/>
+        <p14:creationId xmlns:p14="http://schemas.microsoft.com/office/powerpoint/2010/main" val="585023994"/>
       </p:ext>
     </p:extLst>
   </p:cSld>
   <p:clrMapOvr>
     <a:masterClrMapping/>
   </p:clrMapOvr>
-  <mc:AlternateContent xmlns:mc="http://schemas.openxmlformats.org/markup-compatibility/2006">
-    <mc:Choice xmlns:p14="http://schemas.microsoft.com/office/powerpoint/2010/main" xmlns="" Requires="p14">
+  <mc:AlternateContent xmlns:mc="http://schemas.openxmlformats.org/markup-compatibility/2006" xmlns:p14="http://schemas.microsoft.com/office/powerpoint/2010/main">
+    <mc:Choice Requires="p14">
       <p:transition p14:dur="250">
         <p:fade/>
       </p:transition>
     </mc:Choice>
-    <mc:Fallback>
+    <mc:Fallback xmlns="">
       <p:transition>
         <p:fade/>
       </p:transition>
@@ -7233,20 +7233,20 @@
     </p:spTree>
     <p:extLst>
       <p:ext uri="{BB962C8B-B14F-4D97-AF65-F5344CB8AC3E}">
-        <p14:creationId xmlns:p14="http://schemas.microsoft.com/office/powerpoint/2010/main" xmlns="" val="585023994"/>
+        <p14:creationId xmlns:p14="http://schemas.microsoft.com/office/powerpoint/2010/main" val="585023994"/>
       </p:ext>
     </p:extLst>
   </p:cSld>
   <p:clrMapOvr>
     <a:masterClrMapping/>
   </p:clrMapOvr>
-  <mc:AlternateContent xmlns:mc="http://schemas.openxmlformats.org/markup-compatibility/2006">
-    <mc:Choice xmlns:p14="http://schemas.microsoft.com/office/powerpoint/2010/main" xmlns="" Requires="p14">
+  <mc:AlternateContent xmlns:mc="http://schemas.openxmlformats.org/markup-compatibility/2006" xmlns:p14="http://schemas.microsoft.com/office/powerpoint/2010/main">
+    <mc:Choice Requires="p14">
       <p:transition p14:dur="250">
         <p:fade/>
       </p:transition>
     </mc:Choice>
-    <mc:Fallback>
+    <mc:Fallback xmlns="">
       <p:transition>
         <p:fade/>
       </p:transition>
@@ -7660,20 +7660,20 @@
     </p:spTree>
     <p:extLst>
       <p:ext uri="{BB962C8B-B14F-4D97-AF65-F5344CB8AC3E}">
-        <p14:creationId xmlns:p14="http://schemas.microsoft.com/office/powerpoint/2010/main" xmlns="" val="585023994"/>
+        <p14:creationId xmlns:p14="http://schemas.microsoft.com/office/powerpoint/2010/main" val="585023994"/>
       </p:ext>
     </p:extLst>
   </p:cSld>
   <p:clrMapOvr>
     <a:masterClrMapping/>
   </p:clrMapOvr>
-  <mc:AlternateContent xmlns:mc="http://schemas.openxmlformats.org/markup-compatibility/2006">
-    <mc:Choice xmlns:p14="http://schemas.microsoft.com/office/powerpoint/2010/main" xmlns="" Requires="p14">
+  <mc:AlternateContent xmlns:mc="http://schemas.openxmlformats.org/markup-compatibility/2006" xmlns:p14="http://schemas.microsoft.com/office/powerpoint/2010/main">
+    <mc:Choice Requires="p14">
       <p:transition p14:dur="250">
         <p:fade/>
       </p:transition>
     </mc:Choice>
-    <mc:Fallback>
+    <mc:Fallback xmlns="">
       <p:transition>
         <p:fade/>
       </p:transition>
@@ -7799,6 +7799,13 @@
               </a:rPr>
               <a:t>GIRAF</a:t>
             </a:r>
+          </a:p>
+          <a:p>
+            <a:pPr marL="12700">
+              <a:lnSpc>
+                <a:spcPct val="100000"/>
+              </a:lnSpc>
+            </a:pPr>
             <a:endParaRPr lang="da-DK" sz="1600" b="1" cap="all" spc="200" dirty="0" smtClean="0">
               <a:solidFill>
                 <a:schemeClr val="accent1">
@@ -7815,6 +7822,25 @@
                 <a:spcPct val="100000"/>
               </a:lnSpc>
             </a:pPr>
+            <a:r>
+              <a:rPr lang="da-DK" sz="1600" b="1" cap="all" spc="200" dirty="0" smtClean="0">
+                <a:solidFill>
+                  <a:schemeClr val="accent1">
+                    <a:lumMod val="75000"/>
+                  </a:schemeClr>
+                </a:solidFill>
+                <a:latin typeface="Arial"/>
+                <a:cs typeface="Arial"/>
+              </a:rPr>
+              <a:t>Game Design</a:t>
+            </a:r>
+          </a:p>
+          <a:p>
+            <a:pPr marL="12700">
+              <a:lnSpc>
+                <a:spcPct val="100000"/>
+              </a:lnSpc>
+            </a:pPr>
             <a:endParaRPr lang="da-DK" sz="1600" b="1" cap="all" spc="200" dirty="0" smtClean="0">
               <a:solidFill>
                 <a:schemeClr val="accent1">
@@ -7841,8 +7867,68 @@
                 <a:latin typeface="Arial"/>
                 <a:cs typeface="Arial"/>
               </a:rPr>
-              <a:t>Game Design</a:t>
-            </a:r>
+              <a:t>OpenGL ES</a:t>
+            </a:r>
+            <a:endParaRPr lang="da-DK" sz="1200" cap="all" spc="200" dirty="0">
+              <a:solidFill>
+                <a:schemeClr val="accent1">
+                  <a:lumMod val="75000"/>
+                </a:schemeClr>
+              </a:solidFill>
+              <a:latin typeface="Arial"/>
+              <a:cs typeface="Arial"/>
+            </a:endParaRPr>
+          </a:p>
+          <a:p>
+            <a:pPr marL="12700">
+              <a:lnSpc>
+                <a:spcPct val="100000"/>
+              </a:lnSpc>
+            </a:pPr>
+            <a:endParaRPr lang="da-DK" sz="1600" b="1" cap="all" spc="200" dirty="0">
+              <a:solidFill>
+                <a:schemeClr val="accent1">
+                  <a:lumMod val="75000"/>
+                </a:schemeClr>
+              </a:solidFill>
+              <a:latin typeface="Arial"/>
+              <a:cs typeface="Arial"/>
+            </a:endParaRPr>
+          </a:p>
+          <a:p>
+            <a:pPr marL="12700">
+              <a:lnSpc>
+                <a:spcPct val="100000"/>
+              </a:lnSpc>
+            </a:pPr>
+            <a:r>
+              <a:rPr lang="da-DK" sz="1600" b="1" cap="all" spc="200" dirty="0" smtClean="0">
+                <a:solidFill>
+                  <a:schemeClr val="accent1">
+                    <a:lumMod val="75000"/>
+                  </a:schemeClr>
+                </a:solidFill>
+                <a:latin typeface="Arial"/>
+                <a:cs typeface="Arial"/>
+              </a:rPr>
+              <a:t>Game Implementation</a:t>
+            </a:r>
+            <a:endParaRPr lang="da-DK" sz="1200" cap="all" spc="200" dirty="0" smtClean="0">
+              <a:solidFill>
+                <a:schemeClr val="accent1">
+                  <a:lumMod val="75000"/>
+                </a:schemeClr>
+              </a:solidFill>
+              <a:latin typeface="Arial"/>
+              <a:cs typeface="Arial"/>
+            </a:endParaRPr>
+          </a:p>
+          <a:p>
+            <a:pPr marL="12700">
+              <a:lnSpc>
+                <a:spcPct val="100000"/>
+              </a:lnSpc>
+            </a:pPr>
             <a:endParaRPr lang="da-DK" sz="1600" b="1" cap="all" spc="200" dirty="0" smtClean="0">
               <a:solidFill>
                 <a:schemeClr val="accent1">
@@ -7859,6 +7945,34 @@
                 <a:spcPct val="100000"/>
               </a:lnSpc>
             </a:pPr>
+            <a:r>
+              <a:rPr lang="da-DK" sz="1600" b="1" cap="all" spc="200" dirty="0" err="1" smtClean="0">
+                <a:solidFill>
+                  <a:schemeClr val="accent1">
+                    <a:lumMod val="75000"/>
+                  </a:schemeClr>
+                </a:solidFill>
+                <a:latin typeface="Arial"/>
+                <a:cs typeface="Arial"/>
+              </a:rPr>
+              <a:t>Conclusion</a:t>
+            </a:r>
+            <a:endParaRPr lang="da-DK" sz="1600" b="1" cap="all" spc="200" dirty="0">
+              <a:solidFill>
+                <a:schemeClr val="accent1">
+                  <a:lumMod val="75000"/>
+                </a:schemeClr>
+              </a:solidFill>
+              <a:latin typeface="Arial"/>
+              <a:cs typeface="Arial"/>
+            </a:endParaRPr>
+          </a:p>
+          <a:p>
+            <a:pPr marL="12700">
+              <a:lnSpc>
+                <a:spcPct val="100000"/>
+              </a:lnSpc>
+            </a:pPr>
             <a:endParaRPr lang="da-DK" sz="1600" b="1" cap="all" spc="200" dirty="0" smtClean="0">
               <a:solidFill>
                 <a:schemeClr val="accent1">
@@ -7885,149 +7999,8 @@
                 <a:latin typeface="Arial"/>
                 <a:cs typeface="Arial"/>
               </a:rPr>
-              <a:t>OpenGL ES</a:t>
-            </a:r>
-            <a:endParaRPr lang="da-DK" sz="1200" cap="all" spc="200" dirty="0">
-              <a:solidFill>
-                <a:schemeClr val="accent1">
-                  <a:lumMod val="75000"/>
-                </a:schemeClr>
-              </a:solidFill>
-              <a:latin typeface="Arial"/>
-              <a:cs typeface="Arial"/>
-            </a:endParaRPr>
-          </a:p>
-          <a:p>
-            <a:pPr marL="12700">
-              <a:lnSpc>
-                <a:spcPct val="100000"/>
-              </a:lnSpc>
-            </a:pPr>
-            <a:endParaRPr lang="da-DK" sz="1600" b="1" cap="all" spc="200" dirty="0">
-              <a:solidFill>
-                <a:schemeClr val="accent1">
-                  <a:lumMod val="75000"/>
-                </a:schemeClr>
-              </a:solidFill>
-              <a:latin typeface="Arial"/>
-              <a:cs typeface="Arial"/>
-            </a:endParaRPr>
-          </a:p>
-          <a:p>
-            <a:pPr marL="12700">
-              <a:lnSpc>
-                <a:spcPct val="100000"/>
-              </a:lnSpc>
-            </a:pPr>
-            <a:r>
-              <a:rPr lang="da-DK" sz="1600" b="1" cap="all" spc="200" dirty="0" smtClean="0">
-                <a:solidFill>
-                  <a:schemeClr val="accent1">
-                    <a:lumMod val="75000"/>
-                  </a:schemeClr>
-                </a:solidFill>
-                <a:latin typeface="Arial"/>
-                <a:cs typeface="Arial"/>
-              </a:rPr>
-              <a:t>Game Implementation</a:t>
-            </a:r>
-            <a:endParaRPr lang="da-DK" sz="1200" cap="all" spc="200" dirty="0" smtClean="0">
-              <a:solidFill>
-                <a:schemeClr val="accent1">
-                  <a:lumMod val="75000"/>
-                </a:schemeClr>
-              </a:solidFill>
-              <a:latin typeface="Arial"/>
-              <a:cs typeface="Arial"/>
-            </a:endParaRPr>
-          </a:p>
-          <a:p>
-            <a:pPr marL="12700">
-              <a:lnSpc>
-                <a:spcPct val="100000"/>
-              </a:lnSpc>
-            </a:pPr>
-            <a:endParaRPr lang="da-DK" sz="1600" b="1" cap="all" spc="200" dirty="0" smtClean="0">
-              <a:solidFill>
-                <a:schemeClr val="accent1">
-                  <a:lumMod val="75000"/>
-                </a:schemeClr>
-              </a:solidFill>
-              <a:latin typeface="Arial"/>
-              <a:cs typeface="Arial"/>
-            </a:endParaRPr>
-          </a:p>
-          <a:p>
-            <a:pPr marL="12700">
-              <a:lnSpc>
-                <a:spcPct val="100000"/>
-              </a:lnSpc>
-            </a:pPr>
-            <a:r>
-              <a:rPr lang="da-DK" sz="1600" b="1" cap="all" spc="200" dirty="0" err="1" smtClean="0">
-                <a:solidFill>
-                  <a:schemeClr val="accent1">
-                    <a:lumMod val="75000"/>
-                  </a:schemeClr>
-                </a:solidFill>
-                <a:latin typeface="Arial"/>
-                <a:cs typeface="Arial"/>
-              </a:rPr>
-              <a:t>Conclusion</a:t>
-            </a:r>
-            <a:endParaRPr lang="da-DK" sz="1600" b="1" cap="all" spc="200" dirty="0">
-              <a:solidFill>
-                <a:schemeClr val="accent1">
-                  <a:lumMod val="75000"/>
-                </a:schemeClr>
-              </a:solidFill>
-              <a:latin typeface="Arial"/>
-              <a:cs typeface="Arial"/>
-            </a:endParaRPr>
-          </a:p>
-          <a:p>
-            <a:pPr marL="12700">
-              <a:lnSpc>
-                <a:spcPct val="100000"/>
-              </a:lnSpc>
-            </a:pPr>
-            <a:endParaRPr lang="da-DK" sz="1600" b="1" cap="all" spc="200" dirty="0" smtClean="0">
-              <a:solidFill>
-                <a:schemeClr val="accent1">
-                  <a:lumMod val="75000"/>
-                </a:schemeClr>
-              </a:solidFill>
-              <a:latin typeface="Arial"/>
-              <a:cs typeface="Arial"/>
-            </a:endParaRPr>
-          </a:p>
-          <a:p>
-            <a:pPr marL="12700">
-              <a:lnSpc>
-                <a:spcPct val="100000"/>
-              </a:lnSpc>
-            </a:pPr>
-            <a:r>
-              <a:rPr lang="da-DK" sz="1600" b="1" cap="all" spc="200" dirty="0" smtClean="0">
-                <a:solidFill>
-                  <a:schemeClr val="accent1">
-                    <a:lumMod val="75000"/>
-                  </a:schemeClr>
-                </a:solidFill>
-                <a:latin typeface="Arial"/>
-                <a:cs typeface="Arial"/>
-              </a:rPr>
               <a:t>demonstration</a:t>
             </a:r>
-            <a:endParaRPr lang="da-DK" sz="1600" b="1" cap="all" spc="200" dirty="0" smtClean="0">
-              <a:solidFill>
-                <a:schemeClr val="accent1">
-                  <a:lumMod val="75000"/>
-                </a:schemeClr>
-              </a:solidFill>
-              <a:latin typeface="Arial"/>
-              <a:cs typeface="Arial"/>
-            </a:endParaRPr>
           </a:p>
         </p:txBody>
       </p:sp>
@@ -8260,13 +8233,13 @@
   <p:clrMapOvr>
     <a:masterClrMapping/>
   </p:clrMapOvr>
-  <mc:AlternateContent xmlns:mc="http://schemas.openxmlformats.org/markup-compatibility/2006">
-    <mc:Choice xmlns:p14="http://schemas.microsoft.com/office/powerpoint/2010/main" xmlns="" Requires="p14">
+  <mc:AlternateContent xmlns:mc="http://schemas.openxmlformats.org/markup-compatibility/2006" xmlns:p14="http://schemas.microsoft.com/office/powerpoint/2010/main">
+    <mc:Choice Requires="p14">
       <p:transition p14:dur="250">
         <p:fade/>
       </p:transition>
     </mc:Choice>
-    <mc:Fallback>
+    <mc:Fallback xmlns="">
       <p:transition>
         <p:fade/>
       </p:transition>
@@ -8778,20 +8751,20 @@
     </p:spTree>
     <p:extLst>
       <p:ext uri="{BB962C8B-B14F-4D97-AF65-F5344CB8AC3E}">
-        <p14:creationId xmlns:p14="http://schemas.microsoft.com/office/powerpoint/2010/main" xmlns="" val="585023994"/>
+        <p14:creationId xmlns:p14="http://schemas.microsoft.com/office/powerpoint/2010/main" val="585023994"/>
       </p:ext>
     </p:extLst>
   </p:cSld>
   <p:clrMapOvr>
     <a:masterClrMapping/>
   </p:clrMapOvr>
-  <mc:AlternateContent xmlns:mc="http://schemas.openxmlformats.org/markup-compatibility/2006">
-    <mc:Choice xmlns:p14="http://schemas.microsoft.com/office/powerpoint/2010/main" xmlns="" Requires="p14">
+  <mc:AlternateContent xmlns:mc="http://schemas.openxmlformats.org/markup-compatibility/2006" xmlns:p14="http://schemas.microsoft.com/office/powerpoint/2010/main">
+    <mc:Choice Requires="p14">
       <p:transition p14:dur="250">
         <p:fade/>
       </p:transition>
     </mc:Choice>
-    <mc:Fallback>
+    <mc:Fallback xmlns="">
       <p:transition>
         <p:fade/>
       </p:transition>
@@ -8893,7 +8866,7 @@
           <a:blip r:embed="rId2" cstate="print">
             <a:extLst>
               <a:ext uri="{28A0092B-C50C-407E-A947-70E740481C1C}">
-                <a14:useLocalDpi xmlns:a14="http://schemas.microsoft.com/office/drawing/2010/main" xmlns="" val="0"/>
+                <a14:useLocalDpi xmlns:a14="http://schemas.microsoft.com/office/drawing/2010/main" val="0"/>
               </a:ext>
             </a:extLst>
           </a:blip>
@@ -8988,20 +8961,20 @@
     </p:spTree>
     <p:extLst>
       <p:ext uri="{BB962C8B-B14F-4D97-AF65-F5344CB8AC3E}">
-        <p14:creationId xmlns:p14="http://schemas.microsoft.com/office/powerpoint/2010/main" xmlns="" val="3425622471"/>
+        <p14:creationId xmlns:p14="http://schemas.microsoft.com/office/powerpoint/2010/main" val="3425622471"/>
       </p:ext>
     </p:extLst>
   </p:cSld>
   <p:clrMapOvr>
     <a:masterClrMapping/>
   </p:clrMapOvr>
-  <mc:AlternateContent xmlns:mc="http://schemas.openxmlformats.org/markup-compatibility/2006">
-    <mc:Choice xmlns:p14="http://schemas.microsoft.com/office/powerpoint/2010/main" xmlns="" Requires="p14">
+  <mc:AlternateContent xmlns:mc="http://schemas.openxmlformats.org/markup-compatibility/2006" xmlns:p14="http://schemas.microsoft.com/office/powerpoint/2010/main">
+    <mc:Choice Requires="p14">
       <p:transition p14:dur="250">
         <p:fade/>
       </p:transition>
     </mc:Choice>
-    <mc:Fallback>
+    <mc:Fallback xmlns="">
       <p:transition>
         <p:fade/>
       </p:transition>
@@ -9366,20 +9339,20 @@
     </p:spTree>
     <p:extLst>
       <p:ext uri="{BB962C8B-B14F-4D97-AF65-F5344CB8AC3E}">
-        <p14:creationId xmlns:p14="http://schemas.microsoft.com/office/powerpoint/2010/main" xmlns="" val="585023994"/>
+        <p14:creationId xmlns:p14="http://schemas.microsoft.com/office/powerpoint/2010/main" val="585023994"/>
       </p:ext>
     </p:extLst>
   </p:cSld>
   <p:clrMapOvr>
     <a:masterClrMapping/>
   </p:clrMapOvr>
-  <mc:AlternateContent xmlns:mc="http://schemas.openxmlformats.org/markup-compatibility/2006">
-    <mc:Choice xmlns:p14="http://schemas.microsoft.com/office/powerpoint/2010/main" xmlns="" Requires="p14">
+  <mc:AlternateContent xmlns:mc="http://schemas.openxmlformats.org/markup-compatibility/2006" xmlns:p14="http://schemas.microsoft.com/office/powerpoint/2010/main">
+    <mc:Choice Requires="p14">
       <p:transition p14:dur="250">
         <p:fade/>
       </p:transition>
     </mc:Choice>
-    <mc:Fallback>
+    <mc:Fallback xmlns="">
       <p:transition>
         <p:fade/>
       </p:transition>
@@ -9720,15 +9693,6 @@
               </a:rPr>
               <a:t>Clouds</a:t>
             </a:r>
-            <a:endParaRPr lang="en-GB" sz="1200" cap="all" spc="200" dirty="0" smtClean="0">
-              <a:solidFill>
-                <a:schemeClr val="accent1">
-                  <a:lumMod val="75000"/>
-                </a:schemeClr>
-              </a:solidFill>
-              <a:latin typeface="Arial"/>
-              <a:cs typeface="Arial"/>
-            </a:endParaRPr>
           </a:p>
         </p:txBody>
       </p:sp>
@@ -9959,20 +9923,20 @@
     </p:spTree>
     <p:extLst>
       <p:ext uri="{BB962C8B-B14F-4D97-AF65-F5344CB8AC3E}">
-        <p14:creationId xmlns:p14="http://schemas.microsoft.com/office/powerpoint/2010/main" xmlns="" val="585023994"/>
+        <p14:creationId xmlns:p14="http://schemas.microsoft.com/office/powerpoint/2010/main" val="585023994"/>
       </p:ext>
     </p:extLst>
   </p:cSld>
   <p:clrMapOvr>
     <a:masterClrMapping/>
   </p:clrMapOvr>
-  <mc:AlternateContent xmlns:mc="http://schemas.openxmlformats.org/markup-compatibility/2006">
-    <mc:Choice xmlns:p14="http://schemas.microsoft.com/office/powerpoint/2010/main" xmlns="" Requires="p14">
+  <mc:AlternateContent xmlns:mc="http://schemas.openxmlformats.org/markup-compatibility/2006" xmlns:p14="http://schemas.microsoft.com/office/powerpoint/2010/main">
+    <mc:Choice Requires="p14">
       <p:transition p14:dur="250">
         <p:fade/>
       </p:transition>
     </mc:Choice>
-    <mc:Fallback>
+    <mc:Fallback xmlns="">
       <p:transition>
         <p:fade/>
       </p:transition>
@@ -10074,7 +10038,7 @@
           <a:blip r:embed="rId2" cstate="print">
             <a:extLst>
               <a:ext uri="{28A0092B-C50C-407E-A947-70E740481C1C}">
-                <a14:useLocalDpi xmlns:a14="http://schemas.microsoft.com/office/drawing/2010/main" xmlns="" val="0"/>
+                <a14:useLocalDpi xmlns:a14="http://schemas.microsoft.com/office/drawing/2010/main" val="0"/>
               </a:ext>
             </a:extLst>
           </a:blip>
@@ -10169,20 +10133,20 @@
     </p:spTree>
     <p:extLst>
       <p:ext uri="{BB962C8B-B14F-4D97-AF65-F5344CB8AC3E}">
-        <p14:creationId xmlns:p14="http://schemas.microsoft.com/office/powerpoint/2010/main" xmlns="" val="3425622471"/>
+        <p14:creationId xmlns:p14="http://schemas.microsoft.com/office/powerpoint/2010/main" val="3425622471"/>
       </p:ext>
     </p:extLst>
   </p:cSld>
   <p:clrMapOvr>
     <a:masterClrMapping/>
   </p:clrMapOvr>
-  <mc:AlternateContent xmlns:mc="http://schemas.openxmlformats.org/markup-compatibility/2006">
-    <mc:Choice xmlns:p14="http://schemas.microsoft.com/office/powerpoint/2010/main" xmlns="" Requires="p14">
+  <mc:AlternateContent xmlns:mc="http://schemas.openxmlformats.org/markup-compatibility/2006" xmlns:p14="http://schemas.microsoft.com/office/powerpoint/2010/main">
+    <mc:Choice Requires="p14">
       <p:transition p14:dur="250">
         <p:fade/>
       </p:transition>
     </mc:Choice>
-    <mc:Fallback>
+    <mc:Fallback xmlns="">
       <p:transition>
         <p:fade/>
       </p:transition>
@@ -10380,7 +10344,7 @@
               </a:lnSpc>
             </a:pPr>
             <a:r>
-              <a:rPr lang="en-GB" sz="1600" b="1" cap="all" spc="200" smtClean="0">
+              <a:rPr lang="en-GB" sz="1600" b="1" cap="all" spc="200" dirty="0" smtClean="0">
                 <a:solidFill>
                   <a:schemeClr val="accent1">
                     <a:lumMod val="75000"/>
@@ -10389,8 +10353,34 @@
                 <a:latin typeface="Arial"/>
                 <a:cs typeface="Arial"/>
               </a:rPr>
-              <a:t>Hest?</a:t>
-            </a:r>
+              <a:t>Customization</a:t>
+            </a:r>
+          </a:p>
+          <a:p>
+            <a:pPr marL="12700">
+              <a:lnSpc>
+                <a:spcPct val="100000"/>
+              </a:lnSpc>
+            </a:pPr>
+            <a:r>
+              <a:rPr lang="da-DK" sz="1600" b="1" cap="all" spc="200" dirty="0" smtClean="0">
+                <a:solidFill>
+                  <a:schemeClr val="accent1">
+                    <a:lumMod val="75000"/>
+                  </a:schemeClr>
+                </a:solidFill>
+                <a:latin typeface="Arial"/>
+                <a:cs typeface="Arial"/>
+              </a:rPr>
+              <a:t>Managing games</a:t>
+            </a:r>
+          </a:p>
+          <a:p>
+            <a:pPr marL="12700">
+              <a:lnSpc>
+                <a:spcPct val="100000"/>
+              </a:lnSpc>
+            </a:pPr>
             <a:endParaRPr lang="da-DK" sz="1600" b="1" cap="all" spc="200" dirty="0" smtClean="0">
               <a:solidFill>
                 <a:schemeClr val="accent1">
@@ -10689,20 +10679,20 @@
     </p:spTree>
     <p:extLst>
       <p:ext uri="{BB962C8B-B14F-4D97-AF65-F5344CB8AC3E}">
-        <p14:creationId xmlns:p14="http://schemas.microsoft.com/office/powerpoint/2010/main" xmlns="" val="772562590"/>
+        <p14:creationId xmlns:p14="http://schemas.microsoft.com/office/powerpoint/2010/main" val="772562590"/>
       </p:ext>
     </p:extLst>
   </p:cSld>
   <p:clrMapOvr>
     <a:masterClrMapping/>
   </p:clrMapOvr>
-  <mc:AlternateContent xmlns:mc="http://schemas.openxmlformats.org/markup-compatibility/2006">
-    <mc:Choice xmlns:p14="http://schemas.microsoft.com/office/powerpoint/2010/main" xmlns="" Requires="p14">
+  <mc:AlternateContent xmlns:mc="http://schemas.openxmlformats.org/markup-compatibility/2006" xmlns:p14="http://schemas.microsoft.com/office/powerpoint/2010/main">
+    <mc:Choice Requires="p14">
       <p:transition p14:dur="250">
         <p:fade/>
       </p:transition>
     </mc:Choice>
-    <mc:Fallback>
+    <mc:Fallback xmlns="">
       <p:transition>
         <p:fade/>
       </p:transition>
@@ -10804,7 +10794,7 @@
           <a:blip r:embed="rId2" cstate="print">
             <a:extLst>
               <a:ext uri="{28A0092B-C50C-407E-A947-70E740481C1C}">
-                <a14:useLocalDpi xmlns:a14="http://schemas.microsoft.com/office/drawing/2010/main" xmlns="" val="0"/>
+                <a14:useLocalDpi xmlns:a14="http://schemas.microsoft.com/office/drawing/2010/main" val="0"/>
               </a:ext>
             </a:extLst>
           </a:blip>
@@ -10899,20 +10889,20 @@
     </p:spTree>
     <p:extLst>
       <p:ext uri="{BB962C8B-B14F-4D97-AF65-F5344CB8AC3E}">
-        <p14:creationId xmlns:p14="http://schemas.microsoft.com/office/powerpoint/2010/main" xmlns="" val="3425622471"/>
+        <p14:creationId xmlns:p14="http://schemas.microsoft.com/office/powerpoint/2010/main" val="3425622471"/>
       </p:ext>
     </p:extLst>
   </p:cSld>
   <p:clrMapOvr>
     <a:masterClrMapping/>
   </p:clrMapOvr>
-  <mc:AlternateContent xmlns:mc="http://schemas.openxmlformats.org/markup-compatibility/2006">
-    <mc:Choice xmlns:p14="http://schemas.microsoft.com/office/powerpoint/2010/main" xmlns="" Requires="p14">
+  <mc:AlternateContent xmlns:mc="http://schemas.openxmlformats.org/markup-compatibility/2006" xmlns:p14="http://schemas.microsoft.com/office/powerpoint/2010/main">
+    <mc:Choice Requires="p14">
       <p:transition p14:dur="250">
         <p:fade/>
       </p:transition>
     </mc:Choice>
-    <mc:Fallback>
+    <mc:Fallback xmlns="">
       <p:transition>
         <p:fade/>
       </p:transition>
@@ -11014,7 +11004,7 @@
           <a:blip r:embed="rId2" cstate="print">
             <a:extLst>
               <a:ext uri="{28A0092B-C50C-407E-A947-70E740481C1C}">
-                <a14:useLocalDpi xmlns:a14="http://schemas.microsoft.com/office/drawing/2010/main" xmlns="" val="0"/>
+                <a14:useLocalDpi xmlns:a14="http://schemas.microsoft.com/office/drawing/2010/main" val="0"/>
               </a:ext>
             </a:extLst>
           </a:blip>
@@ -11109,20 +11099,20 @@
     </p:spTree>
     <p:extLst>
       <p:ext uri="{BB962C8B-B14F-4D97-AF65-F5344CB8AC3E}">
-        <p14:creationId xmlns:p14="http://schemas.microsoft.com/office/powerpoint/2010/main" xmlns="" val="3425622471"/>
+        <p14:creationId xmlns:p14="http://schemas.microsoft.com/office/powerpoint/2010/main" val="3425622471"/>
       </p:ext>
     </p:extLst>
   </p:cSld>
   <p:clrMapOvr>
     <a:masterClrMapping/>
   </p:clrMapOvr>
-  <mc:AlternateContent xmlns:mc="http://schemas.openxmlformats.org/markup-compatibility/2006">
-    <mc:Choice xmlns:p14="http://schemas.microsoft.com/office/powerpoint/2010/main" xmlns="" Requires="p14">
+  <mc:AlternateContent xmlns:mc="http://schemas.openxmlformats.org/markup-compatibility/2006" xmlns:p14="http://schemas.microsoft.com/office/powerpoint/2010/main">
+    <mc:Choice Requires="p14">
       <p:transition p14:dur="250">
         <p:fade/>
       </p:transition>
     </mc:Choice>
-    <mc:Fallback>
+    <mc:Fallback xmlns="">
       <p:transition>
         <p:fade/>
       </p:transition>
@@ -11321,15 +11311,6 @@
               </a:rPr>
               <a:t>Weekly meetings</a:t>
             </a:r>
-            <a:endParaRPr lang="en-GB" sz="1200" cap="all" spc="200" dirty="0" smtClean="0">
-              <a:solidFill>
-                <a:schemeClr val="accent1">
-                  <a:lumMod val="75000"/>
-                </a:schemeClr>
-              </a:solidFill>
-              <a:latin typeface="Arial"/>
-              <a:cs typeface="Arial"/>
-            </a:endParaRPr>
           </a:p>
           <a:p>
             <a:pPr marL="12700">
@@ -11403,15 +11384,6 @@
               </a:rPr>
               <a:t>Committees</a:t>
             </a:r>
-            <a:endParaRPr lang="da-DK" sz="1600" b="1" cap="all" spc="200" dirty="0" smtClean="0">
-              <a:solidFill>
-                <a:schemeClr val="accent1">
-                  <a:lumMod val="75000"/>
-                </a:schemeClr>
-              </a:solidFill>
-              <a:latin typeface="Arial"/>
-              <a:cs typeface="Arial"/>
-            </a:endParaRPr>
           </a:p>
           <a:p>
             <a:pPr marL="12700">
@@ -11658,20 +11630,20 @@
     </p:spTree>
     <p:extLst>
       <p:ext uri="{BB962C8B-B14F-4D97-AF65-F5344CB8AC3E}">
-        <p14:creationId xmlns:p14="http://schemas.microsoft.com/office/powerpoint/2010/main" xmlns="" val="585023994"/>
+        <p14:creationId xmlns:p14="http://schemas.microsoft.com/office/powerpoint/2010/main" val="585023994"/>
       </p:ext>
     </p:extLst>
   </p:cSld>
   <p:clrMapOvr>
     <a:masterClrMapping/>
   </p:clrMapOvr>
-  <mc:AlternateContent xmlns:mc="http://schemas.openxmlformats.org/markup-compatibility/2006">
-    <mc:Choice xmlns:p14="http://schemas.microsoft.com/office/powerpoint/2010/main" xmlns="" Requires="p14">
+  <mc:AlternateContent xmlns:mc="http://schemas.openxmlformats.org/markup-compatibility/2006" xmlns:p14="http://schemas.microsoft.com/office/powerpoint/2010/main">
+    <mc:Choice Requires="p14">
       <p:transition p14:dur="250">
         <p:fade/>
       </p:transition>
     </mc:Choice>
-    <mc:Fallback>
+    <mc:Fallback xmlns="">
       <p:transition>
         <p:fade/>
       </p:transition>
@@ -12214,20 +12186,20 @@
     </p:spTree>
     <p:extLst>
       <p:ext uri="{BB962C8B-B14F-4D97-AF65-F5344CB8AC3E}">
-        <p14:creationId xmlns:p14="http://schemas.microsoft.com/office/powerpoint/2010/main" xmlns="" val="585023994"/>
+        <p14:creationId xmlns:p14="http://schemas.microsoft.com/office/powerpoint/2010/main" val="585023994"/>
       </p:ext>
     </p:extLst>
   </p:cSld>
   <p:clrMapOvr>
     <a:masterClrMapping/>
   </p:clrMapOvr>
-  <mc:AlternateContent xmlns:mc="http://schemas.openxmlformats.org/markup-compatibility/2006">
-    <mc:Choice xmlns:p14="http://schemas.microsoft.com/office/powerpoint/2010/main" xmlns="" Requires="p14">
+  <mc:AlternateContent xmlns:mc="http://schemas.openxmlformats.org/markup-compatibility/2006" xmlns:p14="http://schemas.microsoft.com/office/powerpoint/2010/main">
+    <mc:Choice Requires="p14">
       <p:transition p14:dur="250">
         <p:fade/>
       </p:transition>
     </mc:Choice>
-    <mc:Fallback>
+    <mc:Fallback xmlns="">
       <p:transition>
         <p:fade/>
       </p:transition>
@@ -12693,20 +12665,20 @@
     </p:spTree>
     <p:extLst>
       <p:ext uri="{BB962C8B-B14F-4D97-AF65-F5344CB8AC3E}">
-        <p14:creationId xmlns:p14="http://schemas.microsoft.com/office/powerpoint/2010/main" xmlns="" val="585023994"/>
+        <p14:creationId xmlns:p14="http://schemas.microsoft.com/office/powerpoint/2010/main" val="585023994"/>
       </p:ext>
     </p:extLst>
   </p:cSld>
   <p:clrMapOvr>
     <a:masterClrMapping/>
   </p:clrMapOvr>
-  <mc:AlternateContent xmlns:mc="http://schemas.openxmlformats.org/markup-compatibility/2006">
-    <mc:Choice xmlns:p14="http://schemas.microsoft.com/office/powerpoint/2010/main" xmlns="" Requires="p14">
+  <mc:AlternateContent xmlns:mc="http://schemas.openxmlformats.org/markup-compatibility/2006" xmlns:p14="http://schemas.microsoft.com/office/powerpoint/2010/main">
+    <mc:Choice Requires="p14">
       <p:transition p14:dur="250">
         <p:fade/>
       </p:transition>
     </mc:Choice>
-    <mc:Fallback>
+    <mc:Fallback xmlns="">
       <p:transition>
         <p:fade/>
       </p:transition>
@@ -12808,7 +12780,7 @@
           <a:blip r:embed="rId2" cstate="print">
             <a:extLst>
               <a:ext uri="{28A0092B-C50C-407E-A947-70E740481C1C}">
-                <a14:useLocalDpi xmlns:a14="http://schemas.microsoft.com/office/drawing/2010/main" xmlns="" val="0"/>
+                <a14:useLocalDpi xmlns:a14="http://schemas.microsoft.com/office/drawing/2010/main" val="0"/>
               </a:ext>
             </a:extLst>
           </a:blip>
@@ -12891,20 +12863,20 @@
     </p:spTree>
     <p:extLst>
       <p:ext uri="{BB962C8B-B14F-4D97-AF65-F5344CB8AC3E}">
-        <p14:creationId xmlns:p14="http://schemas.microsoft.com/office/powerpoint/2010/main" xmlns="" val="3425622471"/>
+        <p14:creationId xmlns:p14="http://schemas.microsoft.com/office/powerpoint/2010/main" val="3425622471"/>
       </p:ext>
     </p:extLst>
   </p:cSld>
   <p:clrMapOvr>
     <a:masterClrMapping/>
   </p:clrMapOvr>
-  <mc:AlternateContent xmlns:mc="http://schemas.openxmlformats.org/markup-compatibility/2006">
-    <mc:Choice xmlns:p14="http://schemas.microsoft.com/office/powerpoint/2010/main" xmlns="" Requires="p14">
+  <mc:AlternateContent xmlns:mc="http://schemas.openxmlformats.org/markup-compatibility/2006" xmlns:p14="http://schemas.microsoft.com/office/powerpoint/2010/main">
+    <mc:Choice Requires="p14">
       <p:transition p14:dur="250">
         <p:fade/>
       </p:transition>
     </mc:Choice>
-    <mc:Fallback>
+    <mc:Fallback xmlns="">
       <p:transition>
         <p:fade/>
       </p:transition>
@@ -13372,20 +13344,20 @@
     </p:spTree>
     <p:extLst>
       <p:ext uri="{BB962C8B-B14F-4D97-AF65-F5344CB8AC3E}">
-        <p14:creationId xmlns:p14="http://schemas.microsoft.com/office/powerpoint/2010/main" xmlns="" val="585023994"/>
+        <p14:creationId xmlns:p14="http://schemas.microsoft.com/office/powerpoint/2010/main" val="585023994"/>
       </p:ext>
     </p:extLst>
   </p:cSld>
   <p:clrMapOvr>
     <a:masterClrMapping/>
   </p:clrMapOvr>
-  <mc:AlternateContent xmlns:mc="http://schemas.openxmlformats.org/markup-compatibility/2006">
-    <mc:Choice xmlns:p14="http://schemas.microsoft.com/office/powerpoint/2010/main" xmlns="" Requires="p14">
+  <mc:AlternateContent xmlns:mc="http://schemas.openxmlformats.org/markup-compatibility/2006" xmlns:p14="http://schemas.microsoft.com/office/powerpoint/2010/main">
+    <mc:Choice Requires="p14">
       <p:transition p14:dur="250">
         <p:fade/>
       </p:transition>
     </mc:Choice>
-    <mc:Fallback>
+    <mc:Fallback xmlns="">
       <p:transition>
         <p:fade/>
       </p:transition>
@@ -13830,20 +13802,20 @@
     </p:spTree>
     <p:extLst>
       <p:ext uri="{BB962C8B-B14F-4D97-AF65-F5344CB8AC3E}">
-        <p14:creationId xmlns:p14="http://schemas.microsoft.com/office/powerpoint/2010/main" xmlns="" val="585023994"/>
+        <p14:creationId xmlns:p14="http://schemas.microsoft.com/office/powerpoint/2010/main" val="585023994"/>
       </p:ext>
     </p:extLst>
   </p:cSld>
   <p:clrMapOvr>
     <a:masterClrMapping/>
   </p:clrMapOvr>
-  <mc:AlternateContent xmlns:mc="http://schemas.openxmlformats.org/markup-compatibility/2006">
-    <mc:Choice xmlns:p14="http://schemas.microsoft.com/office/powerpoint/2010/main" xmlns="" Requires="p14">
+  <mc:AlternateContent xmlns:mc="http://schemas.openxmlformats.org/markup-compatibility/2006" xmlns:p14="http://schemas.microsoft.com/office/powerpoint/2010/main">
+    <mc:Choice Requires="p14">
       <p:transition p14:dur="250">
         <p:fade/>
       </p:transition>
     </mc:Choice>
-    <mc:Fallback>
+    <mc:Fallback xmlns="">
       <p:transition>
         <p:fade/>
       </p:transition>

--- a/slides/main.pptx
+++ b/slides/main.pptx
@@ -22,7 +22,7 @@
     <p:sldId id="295" r:id="rId16"/>
     <p:sldId id="296" r:id="rId17"/>
     <p:sldId id="297" r:id="rId18"/>
-    <p:sldId id="299" r:id="rId19"/>
+    <p:sldId id="304" r:id="rId19"/>
     <p:sldId id="300" r:id="rId20"/>
     <p:sldId id="303" r:id="rId21"/>
     <p:sldId id="282" r:id="rId22"/>
@@ -314,7 +314,7 @@
             <a:fld id="{5ADA3B83-9FAA-490E-9199-5F3FD89CBF95}" type="datetimeFigureOut">
               <a:rPr lang="da-DK" smtClean="0"/>
               <a:pPr/>
-              <a:t>fredag 21 jun</a:t>
+              <a:t>mandag 24 jun</a:t>
             </a:fld>
             <a:endParaRPr lang="da-DK"/>
           </a:p>
@@ -481,7 +481,7 @@
             <a:fld id="{5ADA3B83-9FAA-490E-9199-5F3FD89CBF95}" type="datetimeFigureOut">
               <a:rPr lang="da-DK" smtClean="0"/>
               <a:pPr/>
-              <a:t>fredag 21 jun</a:t>
+              <a:t>mandag 24 jun</a:t>
             </a:fld>
             <a:endParaRPr lang="da-DK"/>
           </a:p>
@@ -658,7 +658,7 @@
             <a:fld id="{5ADA3B83-9FAA-490E-9199-5F3FD89CBF95}" type="datetimeFigureOut">
               <a:rPr lang="da-DK" smtClean="0"/>
               <a:pPr/>
-              <a:t>fredag 21 jun</a:t>
+              <a:t>mandag 24 jun</a:t>
             </a:fld>
             <a:endParaRPr lang="da-DK"/>
           </a:p>
@@ -825,7 +825,7 @@
             <a:fld id="{17825FAC-110F-4E9C-A697-DFBD29A877EF}" type="datetimeFigureOut">
               <a:rPr lang="da-DK" smtClean="0"/>
               <a:pPr/>
-              <a:t>fredag 21 jun</a:t>
+              <a:t>mandag 24 jun</a:t>
             </a:fld>
             <a:endParaRPr lang="da-DK"/>
           </a:p>
@@ -877,7 +877,7 @@
     </p:spTree>
     <p:extLst>
       <p:ext uri="{BB962C8B-B14F-4D97-AF65-F5344CB8AC3E}">
-        <p14:creationId xmlns:p14="http://schemas.microsoft.com/office/powerpoint/2010/main" xmlns="" val="2128366257"/>
+        <p14:creationId xmlns="" xmlns:p14="http://schemas.microsoft.com/office/powerpoint/2010/main" val="2128366257"/>
       </p:ext>
     </p:extLst>
   </p:cSld>
@@ -907,7 +907,7 @@
     </p:spTree>
     <p:extLst>
       <p:ext uri="{BB962C8B-B14F-4D97-AF65-F5344CB8AC3E}">
-        <p14:creationId xmlns:p14="http://schemas.microsoft.com/office/powerpoint/2010/main" xmlns="" val="195677046"/>
+        <p14:creationId xmlns="" xmlns:p14="http://schemas.microsoft.com/office/powerpoint/2010/main" val="195677046"/>
       </p:ext>
     </p:extLst>
   </p:cSld>
@@ -937,7 +937,7 @@
     </p:spTree>
     <p:extLst>
       <p:ext uri="{BB962C8B-B14F-4D97-AF65-F5344CB8AC3E}">
-        <p14:creationId xmlns:p14="http://schemas.microsoft.com/office/powerpoint/2010/main" xmlns="" val="1997685105"/>
+        <p14:creationId xmlns="" xmlns:p14="http://schemas.microsoft.com/office/powerpoint/2010/main" val="1997685105"/>
       </p:ext>
     </p:extLst>
   </p:cSld>
@@ -1158,7 +1158,7 @@
             <a:fld id="{5ADA3B83-9FAA-490E-9199-5F3FD89CBF95}" type="datetimeFigureOut">
               <a:rPr lang="da-DK" smtClean="0"/>
               <a:pPr/>
-              <a:t>fredag 21 jun</a:t>
+              <a:t>mandag 24 jun</a:t>
             </a:fld>
             <a:endParaRPr lang="da-DK"/>
           </a:p>
@@ -1443,7 +1443,7 @@
             <a:fld id="{5ADA3B83-9FAA-490E-9199-5F3FD89CBF95}" type="datetimeFigureOut">
               <a:rPr lang="da-DK" smtClean="0"/>
               <a:pPr/>
-              <a:t>fredag 21 jun</a:t>
+              <a:t>mandag 24 jun</a:t>
             </a:fld>
             <a:endParaRPr lang="da-DK"/>
           </a:p>
@@ -1862,7 +1862,7 @@
             <a:fld id="{5ADA3B83-9FAA-490E-9199-5F3FD89CBF95}" type="datetimeFigureOut">
               <a:rPr lang="da-DK" smtClean="0"/>
               <a:pPr/>
-              <a:t>fredag 21 jun</a:t>
+              <a:t>mandag 24 jun</a:t>
             </a:fld>
             <a:endParaRPr lang="da-DK"/>
           </a:p>
@@ -1977,7 +1977,7 @@
             <a:fld id="{5ADA3B83-9FAA-490E-9199-5F3FD89CBF95}" type="datetimeFigureOut">
               <a:rPr lang="da-DK" smtClean="0"/>
               <a:pPr/>
-              <a:t>fredag 21 jun</a:t>
+              <a:t>mandag 24 jun</a:t>
             </a:fld>
             <a:endParaRPr lang="da-DK"/>
           </a:p>
@@ -2069,7 +2069,7 @@
             <a:fld id="{5ADA3B83-9FAA-490E-9199-5F3FD89CBF95}" type="datetimeFigureOut">
               <a:rPr lang="da-DK" smtClean="0"/>
               <a:pPr/>
-              <a:t>fredag 21 jun</a:t>
+              <a:t>mandag 24 jun</a:t>
             </a:fld>
             <a:endParaRPr lang="da-DK"/>
           </a:p>
@@ -2343,7 +2343,7 @@
             <a:fld id="{5ADA3B83-9FAA-490E-9199-5F3FD89CBF95}" type="datetimeFigureOut">
               <a:rPr lang="da-DK" smtClean="0"/>
               <a:pPr/>
-              <a:t>fredag 21 jun</a:t>
+              <a:t>mandag 24 jun</a:t>
             </a:fld>
             <a:endParaRPr lang="da-DK"/>
           </a:p>
@@ -2593,7 +2593,7 @@
             <a:fld id="{5ADA3B83-9FAA-490E-9199-5F3FD89CBF95}" type="datetimeFigureOut">
               <a:rPr lang="da-DK" smtClean="0"/>
               <a:pPr/>
-              <a:t>fredag 21 jun</a:t>
+              <a:t>mandag 24 jun</a:t>
             </a:fld>
             <a:endParaRPr lang="da-DK"/>
           </a:p>
@@ -2803,7 +2803,7 @@
             <a:fld id="{5ADA3B83-9FAA-490E-9199-5F3FD89CBF95}" type="datetimeFigureOut">
               <a:rPr lang="da-DK" smtClean="0"/>
               <a:pPr/>
-              <a:t>fredag 21 jun</a:t>
+              <a:t>mandag 24 jun</a:t>
             </a:fld>
             <a:endParaRPr lang="da-DK"/>
           </a:p>
@@ -3189,7 +3189,7 @@
           <a:blip r:embed="rId2" cstate="print">
             <a:extLst>
               <a:ext uri="{28A0092B-C50C-407E-A947-70E740481C1C}">
-                <a14:useLocalDpi xmlns:a14="http://schemas.microsoft.com/office/drawing/2010/main" xmlns="" val="0"/>
+                <a14:useLocalDpi xmlns="" xmlns:a14="http://schemas.microsoft.com/office/drawing/2010/main" val="0"/>
               </a:ext>
             </a:extLst>
           </a:blip>
@@ -3273,7 +3273,7 @@
           <a:blip r:embed="rId3" cstate="print">
             <a:extLst>
               <a:ext uri="{28A0092B-C50C-407E-A947-70E740481C1C}">
-                <a14:useLocalDpi xmlns:a14="http://schemas.microsoft.com/office/drawing/2010/main" xmlns="" val="0"/>
+                <a14:useLocalDpi xmlns="" xmlns:a14="http://schemas.microsoft.com/office/drawing/2010/main" val="0"/>
               </a:ext>
             </a:extLst>
           </a:blip>
@@ -3578,7 +3578,7 @@
     <a:masterClrMapping/>
   </p:clrMapOvr>
   <mc:AlternateContent xmlns:mc="http://schemas.openxmlformats.org/markup-compatibility/2006">
-    <mc:Choice xmlns:p14="http://schemas.microsoft.com/office/powerpoint/2010/main" xmlns="" Requires="p14">
+    <mc:Choice xmlns="" xmlns:p14="http://schemas.microsoft.com/office/powerpoint/2010/main" Requires="p14">
       <p:transition p14:dur="250">
         <p:fade/>
       </p:transition>
@@ -3801,17 +3801,17 @@
               <a:t>24  | </a:t>
             </a:r>
             <a:r>
-              <a:rPr lang="da-DK" sz="850" b="1" kern="0" spc="200" dirty="0">
-                <a:solidFill>
-                  <a:schemeClr val="tx1">
-                    <a:lumMod val="50000"/>
-                    <a:lumOff val="50000"/>
-                  </a:schemeClr>
-                </a:solidFill>
-                <a:latin typeface="Arial"/>
-                <a:cs typeface="Arial"/>
-              </a:rPr>
-              <a:t>11.01.2013</a:t>
+              <a:rPr lang="da-DK" sz="850" b="1" kern="0" spc="200" dirty="0" smtClean="0">
+                <a:solidFill>
+                  <a:schemeClr val="tx1">
+                    <a:lumMod val="50000"/>
+                    <a:lumOff val="50000"/>
+                  </a:schemeClr>
+                </a:solidFill>
+                <a:latin typeface="Arial"/>
+                <a:cs typeface="Arial"/>
+              </a:rPr>
+              <a:t>26.06.2013</a:t>
             </a:r>
             <a:endParaRPr sz="850" kern="0" cap="all" spc="200" dirty="0">
               <a:solidFill>
@@ -3953,7 +3953,7 @@
     </p:spTree>
     <p:extLst>
       <p:ext uri="{BB962C8B-B14F-4D97-AF65-F5344CB8AC3E}">
-        <p14:creationId xmlns:p14="http://schemas.microsoft.com/office/powerpoint/2010/main" xmlns="" val="585023994"/>
+        <p14:creationId xmlns="" xmlns:p14="http://schemas.microsoft.com/office/powerpoint/2010/main" val="585023994"/>
       </p:ext>
     </p:extLst>
   </p:cSld>
@@ -3961,7 +3961,7 @@
     <a:masterClrMapping/>
   </p:clrMapOvr>
   <mc:AlternateContent xmlns:mc="http://schemas.openxmlformats.org/markup-compatibility/2006">
-    <mc:Choice xmlns:p14="http://schemas.microsoft.com/office/powerpoint/2010/main" xmlns="" Requires="p14">
+    <mc:Choice xmlns="" xmlns:p14="http://schemas.microsoft.com/office/powerpoint/2010/main" Requires="p14">
       <p:transition p14:dur="250">
         <p:fade/>
       </p:transition>
@@ -4256,17 +4256,17 @@
               <a:t>24  | </a:t>
             </a:r>
             <a:r>
-              <a:rPr lang="da-DK" sz="850" b="1" kern="0" spc="200" dirty="0">
-                <a:solidFill>
-                  <a:schemeClr val="tx1">
-                    <a:lumMod val="50000"/>
-                    <a:lumOff val="50000"/>
-                  </a:schemeClr>
-                </a:solidFill>
-                <a:latin typeface="Arial"/>
-                <a:cs typeface="Arial"/>
-              </a:rPr>
-              <a:t>11.01.2013</a:t>
+              <a:rPr lang="da-DK" sz="850" b="1" kern="0" spc="200" dirty="0" smtClean="0">
+                <a:solidFill>
+                  <a:schemeClr val="tx1">
+                    <a:lumMod val="50000"/>
+                    <a:lumOff val="50000"/>
+                  </a:schemeClr>
+                </a:solidFill>
+                <a:latin typeface="Arial"/>
+                <a:cs typeface="Arial"/>
+              </a:rPr>
+              <a:t>26.06.2013</a:t>
             </a:r>
             <a:endParaRPr sz="850" kern="0" cap="all" spc="200" dirty="0">
               <a:solidFill>
@@ -4396,7 +4396,7 @@
         </p:blipFill>
         <p:spPr bwMode="auto">
           <a:xfrm>
-            <a:off x="467544" y="2564904"/>
+            <a:off x="539552" y="2241547"/>
             <a:ext cx="8166323" cy="2339581"/>
           </a:xfrm>
           <a:prstGeom prst="rect">
@@ -4411,10 +4411,79 @@
           </a:ln>
         </p:spPr>
       </p:pic>
+      <p:sp>
+        <p:nvSpPr>
+          <p:cNvPr id="7" name="TextBox 6"/>
+          <p:cNvSpPr txBox="1"/>
+          <p:nvPr/>
+        </p:nvSpPr>
+        <p:spPr>
+          <a:xfrm>
+            <a:off x="827584" y="4869160"/>
+            <a:ext cx="7488832" cy="523220"/>
+          </a:xfrm>
+          <a:prstGeom prst="rect">
+            <a:avLst/>
+          </a:prstGeom>
+          <a:noFill/>
+        </p:spPr>
+        <p:txBody>
+          <a:bodyPr wrap="square" rtlCol="0">
+            <a:spAutoFit/>
+          </a:bodyPr>
+          <a:lstStyle/>
+          <a:p>
+            <a:r>
+              <a:rPr lang="en-GB" sz="1400" dirty="0" smtClean="0">
+                <a:solidFill>
+                  <a:schemeClr val="accent1">
+                    <a:lumMod val="75000"/>
+                  </a:schemeClr>
+                </a:solidFill>
+                <a:latin typeface="Arial" pitchFamily="34" charset="0"/>
+                <a:cs typeface="Arial" pitchFamily="34" charset="0"/>
+              </a:rPr>
+              <a:t>FORMAT:</a:t>
+            </a:r>
+            <a:endParaRPr lang="da-DK" sz="1400" dirty="0" smtClean="0">
+              <a:solidFill>
+                <a:schemeClr val="accent1">
+                  <a:lumMod val="75000"/>
+                </a:schemeClr>
+              </a:solidFill>
+              <a:latin typeface="Arial" pitchFamily="34" charset="0"/>
+              <a:cs typeface="Arial" pitchFamily="34" charset="0"/>
+            </a:endParaRPr>
+          </a:p>
+          <a:p>
+            <a:r>
+              <a:rPr lang="da-DK" sz="1400" dirty="0" smtClean="0">
+                <a:solidFill>
+                  <a:schemeClr val="accent1">
+                    <a:lumMod val="75000"/>
+                  </a:schemeClr>
+                </a:solidFill>
+                <a:latin typeface="Arial" pitchFamily="34" charset="0"/>
+                <a:cs typeface="Arial" pitchFamily="34" charset="0"/>
+              </a:rPr>
+              <a:t>gameID,guardianID,childID,gameName;category,pictogram,pictogram;category,pictogram\n</a:t>
+            </a:r>
+            <a:endParaRPr lang="da-DK" sz="1400" dirty="0">
+              <a:solidFill>
+                <a:schemeClr val="accent1">
+                  <a:lumMod val="75000"/>
+                </a:schemeClr>
+              </a:solidFill>
+              <a:latin typeface="Arial" pitchFamily="34" charset="0"/>
+              <a:cs typeface="Arial" pitchFamily="34" charset="0"/>
+            </a:endParaRPr>
+          </a:p>
+        </p:txBody>
+      </p:sp>
     </p:spTree>
     <p:extLst>
       <p:ext uri="{BB962C8B-B14F-4D97-AF65-F5344CB8AC3E}">
-        <p14:creationId xmlns:p14="http://schemas.microsoft.com/office/powerpoint/2010/main" xmlns="" val="585023994"/>
+        <p14:creationId xmlns="" xmlns:p14="http://schemas.microsoft.com/office/powerpoint/2010/main" val="585023994"/>
       </p:ext>
     </p:extLst>
   </p:cSld>
@@ -4422,7 +4491,7 @@
     <a:masterClrMapping/>
   </p:clrMapOvr>
   <mc:AlternateContent xmlns:mc="http://schemas.openxmlformats.org/markup-compatibility/2006">
-    <mc:Choice xmlns:p14="http://schemas.microsoft.com/office/powerpoint/2010/main" xmlns="" Requires="p14">
+    <mc:Choice xmlns="" xmlns:p14="http://schemas.microsoft.com/office/powerpoint/2010/main" Requires="p14">
       <p:transition p14:dur="250">
         <p:fade/>
       </p:transition>
@@ -4501,7 +4570,7 @@
                 <a:latin typeface="Arial"/>
                 <a:cs typeface="Arial"/>
               </a:rPr>
-              <a:t>configurations</a:t>
+              <a:t>Activity Flow</a:t>
             </a:r>
             <a:endParaRPr sz="2400" kern="0" cap="all" spc="200" dirty="0">
               <a:solidFill>
@@ -4654,17 +4723,17 @@
               <a:t>24  | </a:t>
             </a:r>
             <a:r>
-              <a:rPr lang="da-DK" sz="850" b="1" kern="0" spc="200" dirty="0">
-                <a:solidFill>
-                  <a:schemeClr val="tx1">
-                    <a:lumMod val="50000"/>
-                    <a:lumOff val="50000"/>
-                  </a:schemeClr>
-                </a:solidFill>
-                <a:latin typeface="Arial"/>
-                <a:cs typeface="Arial"/>
-              </a:rPr>
-              <a:t>11.01.2013</a:t>
+              <a:rPr lang="da-DK" sz="850" b="1" kern="0" spc="200" dirty="0" smtClean="0">
+                <a:solidFill>
+                  <a:schemeClr val="tx1">
+                    <a:lumMod val="50000"/>
+                    <a:lumOff val="50000"/>
+                  </a:schemeClr>
+                </a:solidFill>
+                <a:latin typeface="Arial"/>
+                <a:cs typeface="Arial"/>
+              </a:rPr>
+              <a:t>26.06.2013</a:t>
             </a:r>
             <a:endParaRPr sz="850" kern="0" cap="all" spc="200" dirty="0">
               <a:solidFill>
@@ -4812,7 +4881,7 @@
     </p:spTree>
     <p:extLst>
       <p:ext uri="{BB962C8B-B14F-4D97-AF65-F5344CB8AC3E}">
-        <p14:creationId xmlns:p14="http://schemas.microsoft.com/office/powerpoint/2010/main" xmlns="" val="585023994"/>
+        <p14:creationId xmlns="" xmlns:p14="http://schemas.microsoft.com/office/powerpoint/2010/main" val="585023994"/>
       </p:ext>
     </p:extLst>
   </p:cSld>
@@ -4820,7 +4889,7 @@
     <a:masterClrMapping/>
   </p:clrMapOvr>
   <mc:AlternateContent xmlns:mc="http://schemas.openxmlformats.org/markup-compatibility/2006">
-    <mc:Choice xmlns:p14="http://schemas.microsoft.com/office/powerpoint/2010/main" xmlns="" Requires="p14">
+    <mc:Choice xmlns="" xmlns:p14="http://schemas.microsoft.com/office/powerpoint/2010/main" Requires="p14">
       <p:transition p14:dur="250">
         <p:fade/>
       </p:transition>
@@ -4927,7 +4996,7 @@
           <a:blip r:embed="rId2" cstate="print">
             <a:extLst>
               <a:ext uri="{28A0092B-C50C-407E-A947-70E740481C1C}">
-                <a14:useLocalDpi xmlns:a14="http://schemas.microsoft.com/office/drawing/2010/main" xmlns="" val="0"/>
+                <a14:useLocalDpi xmlns="" xmlns:a14="http://schemas.microsoft.com/office/drawing/2010/main" val="0"/>
               </a:ext>
             </a:extLst>
           </a:blip>
@@ -5034,7 +5103,7 @@
     </p:spTree>
     <p:extLst>
       <p:ext uri="{BB962C8B-B14F-4D97-AF65-F5344CB8AC3E}">
-        <p14:creationId xmlns:p14="http://schemas.microsoft.com/office/powerpoint/2010/main" xmlns="" val="3425622471"/>
+        <p14:creationId xmlns="" xmlns:p14="http://schemas.microsoft.com/office/powerpoint/2010/main" val="3425622471"/>
       </p:ext>
     </p:extLst>
   </p:cSld>
@@ -5042,7 +5111,7 @@
     <a:masterClrMapping/>
   </p:clrMapOvr>
   <mc:AlternateContent xmlns:mc="http://schemas.openxmlformats.org/markup-compatibility/2006">
-    <mc:Choice xmlns:p14="http://schemas.microsoft.com/office/powerpoint/2010/main" xmlns="" Requires="p14">
+    <mc:Choice xmlns="" xmlns:p14="http://schemas.microsoft.com/office/powerpoint/2010/main" Requires="p14">
       <p:transition p14:dur="250">
         <p:fade/>
       </p:transition>
@@ -5331,17 +5400,17 @@
               <a:t>24  | </a:t>
             </a:r>
             <a:r>
-              <a:rPr lang="da-DK" sz="850" b="1" kern="0" spc="200" dirty="0">
-                <a:solidFill>
-                  <a:schemeClr val="tx1">
-                    <a:lumMod val="50000"/>
-                    <a:lumOff val="50000"/>
-                  </a:schemeClr>
-                </a:solidFill>
-                <a:latin typeface="Arial"/>
-                <a:cs typeface="Arial"/>
-              </a:rPr>
-              <a:t>11.01.2013</a:t>
+              <a:rPr lang="da-DK" sz="850" b="1" kern="0" spc="200" dirty="0" smtClean="0">
+                <a:solidFill>
+                  <a:schemeClr val="tx1">
+                    <a:lumMod val="50000"/>
+                    <a:lumOff val="50000"/>
+                  </a:schemeClr>
+                </a:solidFill>
+                <a:latin typeface="Arial"/>
+                <a:cs typeface="Arial"/>
+              </a:rPr>
+              <a:t>26.06.2013</a:t>
             </a:r>
             <a:endParaRPr sz="850" kern="0" cap="all" spc="200" dirty="0">
               <a:solidFill>
@@ -5457,7 +5526,7 @@
     </p:spTree>
     <p:extLst>
       <p:ext uri="{BB962C8B-B14F-4D97-AF65-F5344CB8AC3E}">
-        <p14:creationId xmlns:p14="http://schemas.microsoft.com/office/powerpoint/2010/main" xmlns="" val="585023994"/>
+        <p14:creationId xmlns="" xmlns:p14="http://schemas.microsoft.com/office/powerpoint/2010/main" val="585023994"/>
       </p:ext>
     </p:extLst>
   </p:cSld>
@@ -5465,7 +5534,7 @@
     <a:masterClrMapping/>
   </p:clrMapOvr>
   <mc:AlternateContent xmlns:mc="http://schemas.openxmlformats.org/markup-compatibility/2006">
-    <mc:Choice xmlns:p14="http://schemas.microsoft.com/office/powerpoint/2010/main" xmlns="" Requires="p14">
+    <mc:Choice xmlns="" xmlns:p14="http://schemas.microsoft.com/office/powerpoint/2010/main" Requires="p14">
       <p:transition p14:dur="250">
         <p:fade/>
       </p:transition>
@@ -5642,17 +5711,17 @@
               <a:t>24  | </a:t>
             </a:r>
             <a:r>
-              <a:rPr lang="da-DK" sz="850" b="1" kern="0" spc="200" dirty="0">
-                <a:solidFill>
-                  <a:schemeClr val="tx1">
-                    <a:lumMod val="50000"/>
-                    <a:lumOff val="50000"/>
-                  </a:schemeClr>
-                </a:solidFill>
-                <a:latin typeface="Arial"/>
-                <a:cs typeface="Arial"/>
-              </a:rPr>
-              <a:t>11.01.2013</a:t>
+              <a:rPr lang="da-DK" sz="850" b="1" kern="0" spc="200" dirty="0" smtClean="0">
+                <a:solidFill>
+                  <a:schemeClr val="tx1">
+                    <a:lumMod val="50000"/>
+                    <a:lumOff val="50000"/>
+                  </a:schemeClr>
+                </a:solidFill>
+                <a:latin typeface="Arial"/>
+                <a:cs typeface="Arial"/>
+              </a:rPr>
+              <a:t>26.06.2013</a:t>
             </a:r>
             <a:endParaRPr sz="850" kern="0" cap="all" spc="200" dirty="0">
               <a:solidFill>
@@ -5855,7 +5924,7 @@
     </p:spTree>
     <p:extLst>
       <p:ext uri="{BB962C8B-B14F-4D97-AF65-F5344CB8AC3E}">
-        <p14:creationId xmlns:p14="http://schemas.microsoft.com/office/powerpoint/2010/main" xmlns="" val="585023994"/>
+        <p14:creationId xmlns="" xmlns:p14="http://schemas.microsoft.com/office/powerpoint/2010/main" val="585023994"/>
       </p:ext>
     </p:extLst>
   </p:cSld>
@@ -5863,7 +5932,7 @@
     <a:masterClrMapping/>
   </p:clrMapOvr>
   <mc:AlternateContent xmlns:mc="http://schemas.openxmlformats.org/markup-compatibility/2006">
-    <mc:Choice xmlns:p14="http://schemas.microsoft.com/office/powerpoint/2010/main" xmlns="" Requires="p14">
+    <mc:Choice xmlns="" xmlns:p14="http://schemas.microsoft.com/office/powerpoint/2010/main" Requires="p14">
       <p:transition p14:dur="250">
         <p:fade/>
       </p:transition>
@@ -6002,17 +6071,17 @@
               <a:t>24  | </a:t>
             </a:r>
             <a:r>
-              <a:rPr lang="da-DK" sz="850" b="1" kern="0" spc="200" dirty="0">
-                <a:solidFill>
-                  <a:schemeClr val="tx1">
-                    <a:lumMod val="50000"/>
-                    <a:lumOff val="50000"/>
-                  </a:schemeClr>
-                </a:solidFill>
-                <a:latin typeface="Arial"/>
-                <a:cs typeface="Arial"/>
-              </a:rPr>
-              <a:t>11.01.2013</a:t>
+              <a:rPr lang="da-DK" sz="850" b="1" kern="0" spc="200" dirty="0" smtClean="0">
+                <a:solidFill>
+                  <a:schemeClr val="tx1">
+                    <a:lumMod val="50000"/>
+                    <a:lumOff val="50000"/>
+                  </a:schemeClr>
+                </a:solidFill>
+                <a:latin typeface="Arial"/>
+                <a:cs typeface="Arial"/>
+              </a:rPr>
+              <a:t>26.06.2013</a:t>
             </a:r>
             <a:endParaRPr sz="850" kern="0" cap="all" spc="200" dirty="0">
               <a:solidFill>
@@ -6167,6 +6236,18 @@
                 <a:cs typeface="Arial"/>
               </a:rPr>
               <a:t>Renderables</a:t>
+            </a:r>
+            <a:r>
+              <a:rPr lang="en-GB" sz="2400" kern="0" cap="all" spc="200" dirty="0" smtClean="0">
+                <a:solidFill>
+                  <a:schemeClr val="tx2">
+                    <a:lumMod val="50000"/>
+                  </a:schemeClr>
+                </a:solidFill>
+                <a:latin typeface="Arial"/>
+                <a:cs typeface="Arial"/>
+              </a:rPr>
+              <a:t> Continued</a:t>
             </a:r>
             <a:endParaRPr sz="2400" kern="0" cap="all" spc="200" dirty="0">
               <a:solidFill>
@@ -6281,7 +6362,7 @@
     </p:spTree>
     <p:extLst>
       <p:ext uri="{BB962C8B-B14F-4D97-AF65-F5344CB8AC3E}">
-        <p14:creationId xmlns:p14="http://schemas.microsoft.com/office/powerpoint/2010/main" xmlns="" val="585023994"/>
+        <p14:creationId xmlns="" xmlns:p14="http://schemas.microsoft.com/office/powerpoint/2010/main" val="585023994"/>
       </p:ext>
     </p:extLst>
   </p:cSld>
@@ -6289,7 +6370,7 @@
     <a:masterClrMapping/>
   </p:clrMapOvr>
   <mc:AlternateContent xmlns:mc="http://schemas.openxmlformats.org/markup-compatibility/2006">
-    <mc:Choice xmlns:p14="http://schemas.microsoft.com/office/powerpoint/2010/main" xmlns="" Requires="p14">
+    <mc:Choice xmlns="" xmlns:p14="http://schemas.microsoft.com/office/powerpoint/2010/main" Requires="p14">
       <p:transition p14:dur="250">
         <p:fade/>
       </p:transition>
@@ -6498,17 +6579,17 @@
               <a:t>24  | </a:t>
             </a:r>
             <a:r>
-              <a:rPr lang="da-DK" sz="850" b="1" kern="0" spc="200" dirty="0">
-                <a:solidFill>
-                  <a:schemeClr val="tx1">
-                    <a:lumMod val="50000"/>
-                    <a:lumOff val="50000"/>
-                  </a:schemeClr>
-                </a:solidFill>
-                <a:latin typeface="Arial"/>
-                <a:cs typeface="Arial"/>
-              </a:rPr>
-              <a:t>11.01.2013</a:t>
+              <a:rPr lang="da-DK" sz="850" b="1" kern="0" spc="200" dirty="0" smtClean="0">
+                <a:solidFill>
+                  <a:schemeClr val="tx1">
+                    <a:lumMod val="50000"/>
+                    <a:lumOff val="50000"/>
+                  </a:schemeClr>
+                </a:solidFill>
+                <a:latin typeface="Arial"/>
+                <a:cs typeface="Arial"/>
+              </a:rPr>
+              <a:t>26.06.2013</a:t>
             </a:r>
             <a:endParaRPr sz="850" kern="0" cap="all" spc="200" dirty="0">
               <a:solidFill>
@@ -6630,7 +6711,7 @@
         <p:spPr>
           <a:xfrm>
             <a:off x="626300" y="562800"/>
-            <a:ext cx="6231700" cy="368935"/>
+            <a:ext cx="7618108" cy="368935"/>
           </a:xfrm>
           <a:prstGeom prst="rect">
             <a:avLst/>
@@ -6662,7 +6743,19 @@
                 <a:latin typeface="Arial"/>
                 <a:cs typeface="Arial"/>
               </a:rPr>
-              <a:t>Power-of-two conversion</a:t>
+              <a:t>Power-of-two </a:t>
+            </a:r>
+            <a:r>
+              <a:rPr lang="en-GB" sz="2400" kern="0" cap="all" spc="200" dirty="0" smtClean="0">
+                <a:solidFill>
+                  <a:schemeClr val="tx2">
+                    <a:lumMod val="50000"/>
+                  </a:schemeClr>
+                </a:solidFill>
+                <a:latin typeface="Arial"/>
+                <a:cs typeface="Arial"/>
+              </a:rPr>
+              <a:t>conversion: Part 1 </a:t>
             </a:r>
             <a:endParaRPr sz="2400" kern="0" cap="all" spc="200" dirty="0">
               <a:solidFill>
@@ -6800,10 +6893,110 @@
           </a:p>
         </p:txBody>
       </p:sp>
+      <p:sp>
+        <p:nvSpPr>
+          <p:cNvPr id="10" name="object 3"/>
+          <p:cNvSpPr txBox="1"/>
+          <p:nvPr/>
+        </p:nvSpPr>
+        <p:spPr>
+          <a:xfrm>
+            <a:off x="683568" y="1340768"/>
+            <a:ext cx="1656184" cy="288032"/>
+          </a:xfrm>
+          <a:prstGeom prst="rect">
+            <a:avLst/>
+          </a:prstGeom>
+        </p:spPr>
+        <p:txBody>
+          <a:bodyPr vert="horz" wrap="square" lIns="0" tIns="0" rIns="0" bIns="0" rtlCol="0">
+            <a:noAutofit/>
+          </a:bodyPr>
+          <a:lstStyle/>
+          <a:p>
+            <a:pPr marL="12700">
+              <a:lnSpc>
+                <a:spcPct val="100000"/>
+              </a:lnSpc>
+            </a:pPr>
+            <a:r>
+              <a:rPr lang="en-GB" sz="1200" cap="all" spc="200" dirty="0" smtClean="0">
+                <a:solidFill>
+                  <a:schemeClr val="accent1">
+                    <a:lumMod val="75000"/>
+                  </a:schemeClr>
+                </a:solidFill>
+                <a:latin typeface="Arial"/>
+                <a:cs typeface="Arial"/>
+              </a:rPr>
+              <a:t>Original</a:t>
+            </a:r>
+            <a:endParaRPr lang="en-GB" sz="1200" cap="all" spc="200" dirty="0" smtClean="0">
+              <a:solidFill>
+                <a:schemeClr val="accent1">
+                  <a:lumMod val="75000"/>
+                </a:schemeClr>
+              </a:solidFill>
+              <a:latin typeface="Arial"/>
+              <a:cs typeface="Arial"/>
+            </a:endParaRPr>
+          </a:p>
+        </p:txBody>
+      </p:sp>
+      <p:sp>
+        <p:nvSpPr>
+          <p:cNvPr id="11" name="object 3"/>
+          <p:cNvSpPr txBox="1"/>
+          <p:nvPr/>
+        </p:nvSpPr>
+        <p:spPr>
+          <a:xfrm>
+            <a:off x="4355976" y="1340768"/>
+            <a:ext cx="1656184" cy="288032"/>
+          </a:xfrm>
+          <a:prstGeom prst="rect">
+            <a:avLst/>
+          </a:prstGeom>
+        </p:spPr>
+        <p:txBody>
+          <a:bodyPr vert="horz" wrap="square" lIns="0" tIns="0" rIns="0" bIns="0" rtlCol="0">
+            <a:noAutofit/>
+          </a:bodyPr>
+          <a:lstStyle/>
+          <a:p>
+            <a:pPr marL="12700">
+              <a:lnSpc>
+                <a:spcPct val="100000"/>
+              </a:lnSpc>
+            </a:pPr>
+            <a:r>
+              <a:rPr lang="en-GB" sz="1200" cap="all" spc="200" dirty="0" smtClean="0">
+                <a:solidFill>
+                  <a:schemeClr val="accent1">
+                    <a:lumMod val="75000"/>
+                  </a:schemeClr>
+                </a:solidFill>
+                <a:latin typeface="Arial"/>
+                <a:cs typeface="Arial"/>
+              </a:rPr>
+              <a:t>Converted</a:t>
+            </a:r>
+            <a:endParaRPr lang="en-GB" sz="1200" cap="all" spc="200" dirty="0" smtClean="0">
+              <a:solidFill>
+                <a:schemeClr val="accent1">
+                  <a:lumMod val="75000"/>
+                </a:schemeClr>
+              </a:solidFill>
+              <a:latin typeface="Arial"/>
+              <a:cs typeface="Arial"/>
+            </a:endParaRPr>
+          </a:p>
+        </p:txBody>
+      </p:sp>
     </p:spTree>
     <p:extLst>
       <p:ext uri="{BB962C8B-B14F-4D97-AF65-F5344CB8AC3E}">
-        <p14:creationId xmlns:p14="http://schemas.microsoft.com/office/powerpoint/2010/main" xmlns="" val="585023994"/>
+        <p14:creationId xmlns="" xmlns:p14="http://schemas.microsoft.com/office/powerpoint/2010/main" val="585023994"/>
       </p:ext>
     </p:extLst>
   </p:cSld>
@@ -6811,7 +7004,7 @@
     <a:masterClrMapping/>
   </p:clrMapOvr>
   <mc:AlternateContent xmlns:mc="http://schemas.openxmlformats.org/markup-compatibility/2006">
-    <mc:Choice xmlns:p14="http://schemas.microsoft.com/office/powerpoint/2010/main" xmlns="" Requires="p14">
+    <mc:Choice xmlns="" xmlns:p14="http://schemas.microsoft.com/office/powerpoint/2010/main" Requires="p14">
       <p:transition p14:dur="250">
         <p:fade/>
       </p:transition>
@@ -7052,17 +7245,17 @@
               <a:t>24  | </a:t>
             </a:r>
             <a:r>
-              <a:rPr lang="da-DK" sz="850" b="1" kern="0" spc="200" dirty="0">
-                <a:solidFill>
-                  <a:schemeClr val="tx1">
-                    <a:lumMod val="50000"/>
-                    <a:lumOff val="50000"/>
-                  </a:schemeClr>
-                </a:solidFill>
-                <a:latin typeface="Arial"/>
-                <a:cs typeface="Arial"/>
-              </a:rPr>
-              <a:t>11.01.2013</a:t>
+              <a:rPr lang="da-DK" sz="850" b="1" kern="0" spc="200" dirty="0" smtClean="0">
+                <a:solidFill>
+                  <a:schemeClr val="tx1">
+                    <a:lumMod val="50000"/>
+                    <a:lumOff val="50000"/>
+                  </a:schemeClr>
+                </a:solidFill>
+                <a:latin typeface="Arial"/>
+                <a:cs typeface="Arial"/>
+              </a:rPr>
+              <a:t>26.06.2013</a:t>
             </a:r>
             <a:endParaRPr sz="850" kern="0" cap="all" spc="200" dirty="0">
               <a:solidFill>
@@ -7184,7 +7377,7 @@
         <p:spPr>
           <a:xfrm>
             <a:off x="626300" y="562800"/>
-            <a:ext cx="6231700" cy="368935"/>
+            <a:ext cx="7546100" cy="368935"/>
           </a:xfrm>
           <a:prstGeom prst="rect">
             <a:avLst/>
@@ -7216,7 +7409,19 @@
                 <a:latin typeface="Arial"/>
                 <a:cs typeface="Arial"/>
               </a:rPr>
-              <a:t>Power-of-two conversion</a:t>
+              <a:t>Power-of-two </a:t>
+            </a:r>
+            <a:r>
+              <a:rPr lang="en-GB" sz="2400" kern="0" cap="all" spc="200" dirty="0" smtClean="0">
+                <a:solidFill>
+                  <a:schemeClr val="tx2">
+                    <a:lumMod val="50000"/>
+                  </a:schemeClr>
+                </a:solidFill>
+                <a:latin typeface="Arial"/>
+                <a:cs typeface="Arial"/>
+              </a:rPr>
+              <a:t>conversion: Part 2</a:t>
             </a:r>
             <a:endParaRPr sz="2400" kern="0" cap="all" spc="200" dirty="0">
               <a:solidFill>
@@ -7230,10 +7435,110 @@
           </a:p>
         </p:txBody>
       </p:sp>
+      <p:sp>
+        <p:nvSpPr>
+          <p:cNvPr id="12" name="object 3"/>
+          <p:cNvSpPr txBox="1"/>
+          <p:nvPr/>
+        </p:nvSpPr>
+        <p:spPr>
+          <a:xfrm>
+            <a:off x="4355976" y="1340768"/>
+            <a:ext cx="1656184" cy="288032"/>
+          </a:xfrm>
+          <a:prstGeom prst="rect">
+            <a:avLst/>
+          </a:prstGeom>
+        </p:spPr>
+        <p:txBody>
+          <a:bodyPr vert="horz" wrap="square" lIns="0" tIns="0" rIns="0" bIns="0" rtlCol="0">
+            <a:noAutofit/>
+          </a:bodyPr>
+          <a:lstStyle/>
+          <a:p>
+            <a:pPr marL="12700">
+              <a:lnSpc>
+                <a:spcPct val="100000"/>
+              </a:lnSpc>
+            </a:pPr>
+            <a:r>
+              <a:rPr lang="en-GB" sz="1200" cap="all" spc="200" dirty="0" smtClean="0">
+                <a:solidFill>
+                  <a:schemeClr val="accent1">
+                    <a:lumMod val="75000"/>
+                  </a:schemeClr>
+                </a:solidFill>
+                <a:latin typeface="Arial"/>
+                <a:cs typeface="Arial"/>
+              </a:rPr>
+              <a:t>Result</a:t>
+            </a:r>
+            <a:endParaRPr lang="en-GB" sz="1200" cap="all" spc="200" dirty="0" smtClean="0">
+              <a:solidFill>
+                <a:schemeClr val="accent1">
+                  <a:lumMod val="75000"/>
+                </a:schemeClr>
+              </a:solidFill>
+              <a:latin typeface="Arial"/>
+              <a:cs typeface="Arial"/>
+            </a:endParaRPr>
+          </a:p>
+        </p:txBody>
+      </p:sp>
+      <p:sp>
+        <p:nvSpPr>
+          <p:cNvPr id="13" name="object 3"/>
+          <p:cNvSpPr txBox="1"/>
+          <p:nvPr/>
+        </p:nvSpPr>
+        <p:spPr>
+          <a:xfrm>
+            <a:off x="683568" y="1340768"/>
+            <a:ext cx="1656184" cy="288032"/>
+          </a:xfrm>
+          <a:prstGeom prst="rect">
+            <a:avLst/>
+          </a:prstGeom>
+        </p:spPr>
+        <p:txBody>
+          <a:bodyPr vert="horz" wrap="square" lIns="0" tIns="0" rIns="0" bIns="0" rtlCol="0">
+            <a:noAutofit/>
+          </a:bodyPr>
+          <a:lstStyle/>
+          <a:p>
+            <a:pPr marL="12700">
+              <a:lnSpc>
+                <a:spcPct val="100000"/>
+              </a:lnSpc>
+            </a:pPr>
+            <a:r>
+              <a:rPr lang="en-GB" sz="1200" cap="all" spc="200" dirty="0" smtClean="0">
+                <a:solidFill>
+                  <a:schemeClr val="accent1">
+                    <a:lumMod val="75000"/>
+                  </a:schemeClr>
+                </a:solidFill>
+                <a:latin typeface="Arial"/>
+                <a:cs typeface="Arial"/>
+              </a:rPr>
+              <a:t>Clamped</a:t>
+            </a:r>
+            <a:endParaRPr lang="en-GB" sz="1200" cap="all" spc="200" dirty="0" smtClean="0">
+              <a:solidFill>
+                <a:schemeClr val="accent1">
+                  <a:lumMod val="75000"/>
+                </a:schemeClr>
+              </a:solidFill>
+              <a:latin typeface="Arial"/>
+              <a:cs typeface="Arial"/>
+            </a:endParaRPr>
+          </a:p>
+        </p:txBody>
+      </p:sp>
     </p:spTree>
     <p:extLst>
       <p:ext uri="{BB962C8B-B14F-4D97-AF65-F5344CB8AC3E}">
-        <p14:creationId xmlns:p14="http://schemas.microsoft.com/office/powerpoint/2010/main" xmlns="" val="585023994"/>
+        <p14:creationId xmlns="" xmlns:p14="http://schemas.microsoft.com/office/powerpoint/2010/main" val="585023994"/>
       </p:ext>
     </p:extLst>
   </p:cSld>
@@ -7241,7 +7546,7 @@
     <a:masterClrMapping/>
   </p:clrMapOvr>
   <mc:AlternateContent xmlns:mc="http://schemas.openxmlformats.org/markup-compatibility/2006">
-    <mc:Choice xmlns:p14="http://schemas.microsoft.com/office/powerpoint/2010/main" xmlns="" Requires="p14">
+    <mc:Choice xmlns="" xmlns:p14="http://schemas.microsoft.com/office/powerpoint/2010/main" Requires="p14">
       <p:transition p14:dur="250">
         <p:fade/>
       </p:transition>
@@ -7370,7 +7675,38 @@
                 <a:latin typeface="Arial"/>
                 <a:cs typeface="Arial"/>
               </a:rPr>
-              <a:t>THREE-DIMENSIONAL SPACE</a:t>
+              <a:t>THREE-DIMENSIONAL </a:t>
+            </a:r>
+            <a:r>
+              <a:rPr lang="en-GB" sz="1600" b="1" spc="200" dirty="0" smtClean="0">
+                <a:solidFill>
+                  <a:schemeClr val="accent1">
+                    <a:lumMod val="75000"/>
+                  </a:schemeClr>
+                </a:solidFill>
+                <a:latin typeface="Arial"/>
+                <a:cs typeface="Arial"/>
+              </a:rPr>
+              <a:t>SPACE</a:t>
+            </a:r>
+          </a:p>
+          <a:p>
+            <a:pPr marL="12700">
+              <a:lnSpc>
+                <a:spcPct val="100000"/>
+              </a:lnSpc>
+            </a:pPr>
+            <a:r>
+              <a:rPr lang="en-GB" sz="1200" spc="200" dirty="0" smtClean="0">
+                <a:solidFill>
+                  <a:schemeClr val="accent1">
+                    <a:lumMod val="75000"/>
+                  </a:schemeClr>
+                </a:solidFill>
+                <a:latin typeface="Arial"/>
+                <a:cs typeface="Arial"/>
+              </a:rPr>
+              <a:t>MATRIX STACK</a:t>
             </a:r>
           </a:p>
           <a:p>
@@ -7508,17 +7844,17 @@
               <a:t>24  | </a:t>
             </a:r>
             <a:r>
-              <a:rPr lang="da-DK" sz="850" b="1" kern="0" spc="200" dirty="0">
-                <a:solidFill>
-                  <a:schemeClr val="tx1">
-                    <a:lumMod val="50000"/>
-                    <a:lumOff val="50000"/>
-                  </a:schemeClr>
-                </a:solidFill>
-                <a:latin typeface="Arial"/>
-                <a:cs typeface="Arial"/>
-              </a:rPr>
-              <a:t>11.01.2013</a:t>
+              <a:rPr lang="da-DK" sz="850" b="1" kern="0" spc="200" dirty="0" smtClean="0">
+                <a:solidFill>
+                  <a:schemeClr val="tx1">
+                    <a:lumMod val="50000"/>
+                    <a:lumOff val="50000"/>
+                  </a:schemeClr>
+                </a:solidFill>
+                <a:latin typeface="Arial"/>
+                <a:cs typeface="Arial"/>
+              </a:rPr>
+              <a:t>26.06.2013</a:t>
             </a:r>
             <a:endParaRPr sz="850" kern="0" cap="all" spc="200" dirty="0">
               <a:solidFill>
@@ -7648,7 +7984,7 @@
         </p:blipFill>
         <p:spPr bwMode="auto">
           <a:xfrm>
-            <a:off x="1475656" y="2276872"/>
+            <a:off x="1475656" y="2204864"/>
             <a:ext cx="6073778" cy="2664296"/>
           </a:xfrm>
           <a:prstGeom prst="rect">
@@ -7660,7 +7996,7 @@
     </p:spTree>
     <p:extLst>
       <p:ext uri="{BB962C8B-B14F-4D97-AF65-F5344CB8AC3E}">
-        <p14:creationId xmlns:p14="http://schemas.microsoft.com/office/powerpoint/2010/main" xmlns="" val="585023994"/>
+        <p14:creationId xmlns="" xmlns:p14="http://schemas.microsoft.com/office/powerpoint/2010/main" val="585023994"/>
       </p:ext>
     </p:extLst>
   </p:cSld>
@@ -7668,7 +8004,7 @@
     <a:masterClrMapping/>
   </p:clrMapOvr>
   <mc:AlternateContent xmlns:mc="http://schemas.openxmlformats.org/markup-compatibility/2006">
-    <mc:Choice xmlns:p14="http://schemas.microsoft.com/office/powerpoint/2010/main" xmlns="" Requires="p14">
+    <mc:Choice xmlns="" xmlns:p14="http://schemas.microsoft.com/office/powerpoint/2010/main" Requires="p14">
       <p:transition p14:dur="250">
         <p:fade/>
       </p:transition>
@@ -7799,6 +8135,13 @@
               </a:rPr>
               <a:t>GIRAF</a:t>
             </a:r>
+          </a:p>
+          <a:p>
+            <a:pPr marL="12700">
+              <a:lnSpc>
+                <a:spcPct val="100000"/>
+              </a:lnSpc>
+            </a:pPr>
             <a:endParaRPr lang="da-DK" sz="1600" b="1" cap="all" spc="200" dirty="0" smtClean="0">
               <a:solidFill>
                 <a:schemeClr val="accent1">
@@ -7815,6 +8158,25 @@
                 <a:spcPct val="100000"/>
               </a:lnSpc>
             </a:pPr>
+            <a:r>
+              <a:rPr lang="da-DK" sz="1600" b="1" cap="all" spc="200" dirty="0" smtClean="0">
+                <a:solidFill>
+                  <a:schemeClr val="accent1">
+                    <a:lumMod val="75000"/>
+                  </a:schemeClr>
+                </a:solidFill>
+                <a:latin typeface="Arial"/>
+                <a:cs typeface="Arial"/>
+              </a:rPr>
+              <a:t>Game Design</a:t>
+            </a:r>
+          </a:p>
+          <a:p>
+            <a:pPr marL="12700">
+              <a:lnSpc>
+                <a:spcPct val="100000"/>
+              </a:lnSpc>
+            </a:pPr>
             <a:endParaRPr lang="da-DK" sz="1600" b="1" cap="all" spc="200" dirty="0" smtClean="0">
               <a:solidFill>
                 <a:schemeClr val="accent1">
@@ -7841,9 +8203,9 @@
                 <a:latin typeface="Arial"/>
                 <a:cs typeface="Arial"/>
               </a:rPr>
-              <a:t>Game Design</a:t>
-            </a:r>
-            <a:endParaRPr lang="da-DK" sz="1600" b="1" cap="all" spc="200" dirty="0" smtClean="0">
+              <a:t>OpenGL ES</a:t>
+            </a:r>
+            <a:endParaRPr lang="da-DK" sz="1200" cap="all" spc="200" dirty="0">
               <a:solidFill>
                 <a:schemeClr val="accent1">
                   <a:lumMod val="75000"/>
@@ -7859,7 +8221,7 @@
                 <a:spcPct val="100000"/>
               </a:lnSpc>
             </a:pPr>
-            <a:endParaRPr lang="da-DK" sz="1600" b="1" cap="all" spc="200" dirty="0" smtClean="0">
+            <a:endParaRPr lang="da-DK" sz="1600" b="1" cap="all" spc="200" dirty="0">
               <a:solidFill>
                 <a:schemeClr val="accent1">
                   <a:lumMod val="75000"/>
@@ -7885,9 +8247,9 @@
                 <a:latin typeface="Arial"/>
                 <a:cs typeface="Arial"/>
               </a:rPr>
-              <a:t>OpenGL ES</a:t>
-            </a:r>
-            <a:endParaRPr lang="da-DK" sz="1200" cap="all" spc="200" dirty="0">
+              <a:t>Game Implementation</a:t>
+            </a:r>
+            <a:endParaRPr lang="da-DK" sz="1200" cap="all" spc="200" dirty="0" smtClean="0">
               <a:solidFill>
                 <a:schemeClr val="accent1">
                   <a:lumMod val="75000"/>
@@ -7903,7 +8265,7 @@
                 <a:spcPct val="100000"/>
               </a:lnSpc>
             </a:pPr>
-            <a:endParaRPr lang="da-DK" sz="1600" b="1" cap="all" spc="200" dirty="0">
+            <a:endParaRPr lang="da-DK" sz="1600" b="1" cap="all" spc="200" dirty="0" smtClean="0">
               <a:solidFill>
                 <a:schemeClr val="accent1">
                   <a:lumMod val="75000"/>
@@ -7920,7 +8282,7 @@
               </a:lnSpc>
             </a:pPr>
             <a:r>
-              <a:rPr lang="da-DK" sz="1600" b="1" cap="all" spc="200" dirty="0" smtClean="0">
+              <a:rPr lang="da-DK" sz="1600" b="1" cap="all" spc="200" dirty="0" err="1" smtClean="0">
                 <a:solidFill>
                   <a:schemeClr val="accent1">
                     <a:lumMod val="75000"/>
@@ -7929,9 +8291,9 @@
                 <a:latin typeface="Arial"/>
                 <a:cs typeface="Arial"/>
               </a:rPr>
-              <a:t>Game Implementation</a:t>
-            </a:r>
-            <a:endParaRPr lang="da-DK" sz="1200" cap="all" spc="200" dirty="0" smtClean="0">
+              <a:t>Conclusion</a:t>
+            </a:r>
+            <a:endParaRPr lang="da-DK" sz="1600" b="1" cap="all" spc="200" dirty="0">
               <a:solidFill>
                 <a:schemeClr val="accent1">
                   <a:lumMod val="75000"/>
@@ -7964,7 +8326,7 @@
               </a:lnSpc>
             </a:pPr>
             <a:r>
-              <a:rPr lang="da-DK" sz="1600" b="1" cap="all" spc="200" dirty="0" err="1" smtClean="0">
+              <a:rPr lang="da-DK" sz="1600" b="1" cap="all" spc="200" dirty="0" smtClean="0">
                 <a:solidFill>
                   <a:schemeClr val="accent1">
                     <a:lumMod val="75000"/>
@@ -7973,61 +8335,8 @@
                 <a:latin typeface="Arial"/>
                 <a:cs typeface="Arial"/>
               </a:rPr>
-              <a:t>Conclusion</a:t>
-            </a:r>
-            <a:endParaRPr lang="da-DK" sz="1600" b="1" cap="all" spc="200" dirty="0">
-              <a:solidFill>
-                <a:schemeClr val="accent1">
-                  <a:lumMod val="75000"/>
-                </a:schemeClr>
-              </a:solidFill>
-              <a:latin typeface="Arial"/>
-              <a:cs typeface="Arial"/>
-            </a:endParaRPr>
-          </a:p>
-          <a:p>
-            <a:pPr marL="12700">
-              <a:lnSpc>
-                <a:spcPct val="100000"/>
-              </a:lnSpc>
-            </a:pPr>
-            <a:endParaRPr lang="da-DK" sz="1600" b="1" cap="all" spc="200" dirty="0" smtClean="0">
-              <a:solidFill>
-                <a:schemeClr val="accent1">
-                  <a:lumMod val="75000"/>
-                </a:schemeClr>
-              </a:solidFill>
-              <a:latin typeface="Arial"/>
-              <a:cs typeface="Arial"/>
-            </a:endParaRPr>
-          </a:p>
-          <a:p>
-            <a:pPr marL="12700">
-              <a:lnSpc>
-                <a:spcPct val="100000"/>
-              </a:lnSpc>
-            </a:pPr>
-            <a:r>
-              <a:rPr lang="da-DK" sz="1600" b="1" cap="all" spc="200" dirty="0" smtClean="0">
-                <a:solidFill>
-                  <a:schemeClr val="accent1">
-                    <a:lumMod val="75000"/>
-                  </a:schemeClr>
-                </a:solidFill>
-                <a:latin typeface="Arial"/>
-                <a:cs typeface="Arial"/>
-              </a:rPr>
               <a:t>demonstration</a:t>
             </a:r>
-            <a:endParaRPr lang="da-DK" sz="1600" b="1" cap="all" spc="200" dirty="0" smtClean="0">
-              <a:solidFill>
-                <a:schemeClr val="accent1">
-                  <a:lumMod val="75000"/>
-                </a:schemeClr>
-              </a:solidFill>
-              <a:latin typeface="Arial"/>
-              <a:cs typeface="Arial"/>
-            </a:endParaRPr>
           </a:p>
         </p:txBody>
       </p:sp>
@@ -8132,17 +8441,30 @@
               <a:t>24  | </a:t>
             </a:r>
             <a:r>
-              <a:rPr lang="da-DK" sz="850" b="1" kern="0" spc="200" dirty="0">
-                <a:solidFill>
-                  <a:schemeClr val="tx1">
-                    <a:lumMod val="50000"/>
-                    <a:lumOff val="50000"/>
-                  </a:schemeClr>
-                </a:solidFill>
-                <a:latin typeface="Arial"/>
-                <a:cs typeface="Arial"/>
-              </a:rPr>
-              <a:t>11.01.2013</a:t>
+              <a:rPr lang="da-DK" sz="850" b="1" kern="0" spc="200" dirty="0" smtClean="0">
+                <a:solidFill>
+                  <a:schemeClr val="tx1">
+                    <a:lumMod val="50000"/>
+                    <a:lumOff val="50000"/>
+                  </a:schemeClr>
+                </a:solidFill>
+                <a:latin typeface="Arial"/>
+                <a:cs typeface="Arial"/>
+              </a:rPr>
+              <a:t>26</a:t>
+            </a:r>
+            <a:r>
+              <a:rPr lang="da-DK" sz="850" b="1" kern="0" spc="200" dirty="0" smtClean="0">
+                <a:solidFill>
+                  <a:schemeClr val="tx1">
+                    <a:lumMod val="50000"/>
+                    <a:lumOff val="50000"/>
+                  </a:schemeClr>
+                </a:solidFill>
+                <a:latin typeface="Arial"/>
+                <a:cs typeface="Arial"/>
+              </a:rPr>
+              <a:t>.06.2013</a:t>
             </a:r>
             <a:endParaRPr sz="850" kern="0" cap="all" spc="200" dirty="0">
               <a:solidFill>
@@ -8261,7 +8583,7 @@
     <a:masterClrMapping/>
   </p:clrMapOvr>
   <mc:AlternateContent xmlns:mc="http://schemas.openxmlformats.org/markup-compatibility/2006">
-    <mc:Choice xmlns:p14="http://schemas.microsoft.com/office/powerpoint/2010/main" xmlns="" Requires="p14">
+    <mc:Choice xmlns="" xmlns:p14="http://schemas.microsoft.com/office/powerpoint/2010/main" Requires="p14">
       <p:transition p14:dur="250">
         <p:fade/>
       </p:transition>
@@ -8455,17 +8777,17 @@
               <a:t>24  | </a:t>
             </a:r>
             <a:r>
-              <a:rPr lang="da-DK" sz="850" b="1" kern="0" spc="200" dirty="0">
-                <a:solidFill>
-                  <a:schemeClr val="tx1">
-                    <a:lumMod val="50000"/>
-                    <a:lumOff val="50000"/>
-                  </a:schemeClr>
-                </a:solidFill>
-                <a:latin typeface="Arial"/>
-                <a:cs typeface="Arial"/>
-              </a:rPr>
-              <a:t>11.01.2013</a:t>
+              <a:rPr lang="da-DK" sz="850" b="1" kern="0" spc="200" dirty="0" smtClean="0">
+                <a:solidFill>
+                  <a:schemeClr val="tx1">
+                    <a:lumMod val="50000"/>
+                    <a:lumOff val="50000"/>
+                  </a:schemeClr>
+                </a:solidFill>
+                <a:latin typeface="Arial"/>
+                <a:cs typeface="Arial"/>
+              </a:rPr>
+              <a:t>26.06.2013</a:t>
             </a:r>
             <a:endParaRPr sz="850" kern="0" cap="all" spc="200" dirty="0">
               <a:solidFill>
@@ -8778,7 +9100,7 @@
     </p:spTree>
     <p:extLst>
       <p:ext uri="{BB962C8B-B14F-4D97-AF65-F5344CB8AC3E}">
-        <p14:creationId xmlns:p14="http://schemas.microsoft.com/office/powerpoint/2010/main" xmlns="" val="585023994"/>
+        <p14:creationId xmlns="" xmlns:p14="http://schemas.microsoft.com/office/powerpoint/2010/main" val="585023994"/>
       </p:ext>
     </p:extLst>
   </p:cSld>
@@ -8786,7 +9108,7 @@
     <a:masterClrMapping/>
   </p:clrMapOvr>
   <mc:AlternateContent xmlns:mc="http://schemas.openxmlformats.org/markup-compatibility/2006">
-    <mc:Choice xmlns:p14="http://schemas.microsoft.com/office/powerpoint/2010/main" xmlns="" Requires="p14">
+    <mc:Choice xmlns="" xmlns:p14="http://schemas.microsoft.com/office/powerpoint/2010/main" Requires="p14">
       <p:transition p14:dur="250">
         <p:fade/>
       </p:transition>
@@ -8893,7 +9215,7 @@
           <a:blip r:embed="rId2" cstate="print">
             <a:extLst>
               <a:ext uri="{28A0092B-C50C-407E-A947-70E740481C1C}">
-                <a14:useLocalDpi xmlns:a14="http://schemas.microsoft.com/office/drawing/2010/main" xmlns="" val="0"/>
+                <a14:useLocalDpi xmlns="" xmlns:a14="http://schemas.microsoft.com/office/drawing/2010/main" val="0"/>
               </a:ext>
             </a:extLst>
           </a:blip>
@@ -8988,7 +9310,7 @@
     </p:spTree>
     <p:extLst>
       <p:ext uri="{BB962C8B-B14F-4D97-AF65-F5344CB8AC3E}">
-        <p14:creationId xmlns:p14="http://schemas.microsoft.com/office/powerpoint/2010/main" xmlns="" val="3425622471"/>
+        <p14:creationId xmlns="" xmlns:p14="http://schemas.microsoft.com/office/powerpoint/2010/main" val="3425622471"/>
       </p:ext>
     </p:extLst>
   </p:cSld>
@@ -8996,7 +9318,7 @@
     <a:masterClrMapping/>
   </p:clrMapOvr>
   <mc:AlternateContent xmlns:mc="http://schemas.openxmlformats.org/markup-compatibility/2006">
-    <mc:Choice xmlns:p14="http://schemas.microsoft.com/office/powerpoint/2010/main" xmlns="" Requires="p14">
+    <mc:Choice xmlns="" xmlns:p14="http://schemas.microsoft.com/office/powerpoint/2010/main" Requires="p14">
       <p:transition p14:dur="250">
         <p:fade/>
       </p:transition>
@@ -9240,17 +9562,17 @@
               <a:t>24  | </a:t>
             </a:r>
             <a:r>
-              <a:rPr lang="da-DK" sz="850" b="1" kern="0" spc="200" dirty="0">
-                <a:solidFill>
-                  <a:schemeClr val="tx1">
-                    <a:lumMod val="50000"/>
-                    <a:lumOff val="50000"/>
-                  </a:schemeClr>
-                </a:solidFill>
-                <a:latin typeface="Arial"/>
-                <a:cs typeface="Arial"/>
-              </a:rPr>
-              <a:t>11.01.2013</a:t>
+              <a:rPr lang="da-DK" sz="850" b="1" kern="0" spc="200" dirty="0" smtClean="0">
+                <a:solidFill>
+                  <a:schemeClr val="tx1">
+                    <a:lumMod val="50000"/>
+                    <a:lumOff val="50000"/>
+                  </a:schemeClr>
+                </a:solidFill>
+                <a:latin typeface="Arial"/>
+                <a:cs typeface="Arial"/>
+              </a:rPr>
+              <a:t>26.06.2013</a:t>
             </a:r>
             <a:endParaRPr sz="850" kern="0" cap="all" spc="200" dirty="0">
               <a:solidFill>
@@ -9366,7 +9688,7 @@
     </p:spTree>
     <p:extLst>
       <p:ext uri="{BB962C8B-B14F-4D97-AF65-F5344CB8AC3E}">
-        <p14:creationId xmlns:p14="http://schemas.microsoft.com/office/powerpoint/2010/main" xmlns="" val="585023994"/>
+        <p14:creationId xmlns="" xmlns:p14="http://schemas.microsoft.com/office/powerpoint/2010/main" val="585023994"/>
       </p:ext>
     </p:extLst>
   </p:cSld>
@@ -9374,7 +9696,7 @@
     <a:masterClrMapping/>
   </p:clrMapOvr>
   <mc:AlternateContent xmlns:mc="http://schemas.openxmlformats.org/markup-compatibility/2006">
-    <mc:Choice xmlns:p14="http://schemas.microsoft.com/office/powerpoint/2010/main" xmlns="" Requires="p14">
+    <mc:Choice xmlns="" xmlns:p14="http://schemas.microsoft.com/office/powerpoint/2010/main" Requires="p14">
       <p:transition p14:dur="250">
         <p:fade/>
       </p:transition>
@@ -9720,15 +10042,6 @@
               </a:rPr>
               <a:t>Clouds</a:t>
             </a:r>
-            <a:endParaRPr lang="en-GB" sz="1200" cap="all" spc="200" dirty="0" smtClean="0">
-              <a:solidFill>
-                <a:schemeClr val="accent1">
-                  <a:lumMod val="75000"/>
-                </a:schemeClr>
-              </a:solidFill>
-              <a:latin typeface="Arial"/>
-              <a:cs typeface="Arial"/>
-            </a:endParaRPr>
           </a:p>
         </p:txBody>
       </p:sp>
@@ -9833,17 +10146,17 @@
               <a:t>24  | </a:t>
             </a:r>
             <a:r>
-              <a:rPr lang="da-DK" sz="850" b="1" kern="0" spc="200" dirty="0">
-                <a:solidFill>
-                  <a:schemeClr val="tx1">
-                    <a:lumMod val="50000"/>
-                    <a:lumOff val="50000"/>
-                  </a:schemeClr>
-                </a:solidFill>
-                <a:latin typeface="Arial"/>
-                <a:cs typeface="Arial"/>
-              </a:rPr>
-              <a:t>11.01.2013</a:t>
+              <a:rPr lang="da-DK" sz="850" b="1" kern="0" spc="200" dirty="0" smtClean="0">
+                <a:solidFill>
+                  <a:schemeClr val="tx1">
+                    <a:lumMod val="50000"/>
+                    <a:lumOff val="50000"/>
+                  </a:schemeClr>
+                </a:solidFill>
+                <a:latin typeface="Arial"/>
+                <a:cs typeface="Arial"/>
+              </a:rPr>
+              <a:t>26.06.2013</a:t>
             </a:r>
             <a:endParaRPr sz="850" kern="0" cap="all" spc="200" dirty="0">
               <a:solidFill>
@@ -9959,7 +10272,7 @@
     </p:spTree>
     <p:extLst>
       <p:ext uri="{BB962C8B-B14F-4D97-AF65-F5344CB8AC3E}">
-        <p14:creationId xmlns:p14="http://schemas.microsoft.com/office/powerpoint/2010/main" xmlns="" val="585023994"/>
+        <p14:creationId xmlns="" xmlns:p14="http://schemas.microsoft.com/office/powerpoint/2010/main" val="585023994"/>
       </p:ext>
     </p:extLst>
   </p:cSld>
@@ -9967,7 +10280,7 @@
     <a:masterClrMapping/>
   </p:clrMapOvr>
   <mc:AlternateContent xmlns:mc="http://schemas.openxmlformats.org/markup-compatibility/2006">
-    <mc:Choice xmlns:p14="http://schemas.microsoft.com/office/powerpoint/2010/main" xmlns="" Requires="p14">
+    <mc:Choice xmlns="" xmlns:p14="http://schemas.microsoft.com/office/powerpoint/2010/main" Requires="p14">
       <p:transition p14:dur="250">
         <p:fade/>
       </p:transition>
@@ -10074,7 +10387,7 @@
           <a:blip r:embed="rId2" cstate="print">
             <a:extLst>
               <a:ext uri="{28A0092B-C50C-407E-A947-70E740481C1C}">
-                <a14:useLocalDpi xmlns:a14="http://schemas.microsoft.com/office/drawing/2010/main" xmlns="" val="0"/>
+                <a14:useLocalDpi xmlns="" xmlns:a14="http://schemas.microsoft.com/office/drawing/2010/main" val="0"/>
               </a:ext>
             </a:extLst>
           </a:blip>
@@ -10169,7 +10482,7 @@
     </p:spTree>
     <p:extLst>
       <p:ext uri="{BB962C8B-B14F-4D97-AF65-F5344CB8AC3E}">
-        <p14:creationId xmlns:p14="http://schemas.microsoft.com/office/powerpoint/2010/main" xmlns="" val="3425622471"/>
+        <p14:creationId xmlns="" xmlns:p14="http://schemas.microsoft.com/office/powerpoint/2010/main" val="3425622471"/>
       </p:ext>
     </p:extLst>
   </p:cSld>
@@ -10177,7 +10490,7 @@
     <a:masterClrMapping/>
   </p:clrMapOvr>
   <mc:AlternateContent xmlns:mc="http://schemas.openxmlformats.org/markup-compatibility/2006">
-    <mc:Choice xmlns:p14="http://schemas.microsoft.com/office/powerpoint/2010/main" xmlns="" Requires="p14">
+    <mc:Choice xmlns="" xmlns:p14="http://schemas.microsoft.com/office/powerpoint/2010/main" Requires="p14">
       <p:transition p14:dur="250">
         <p:fade/>
       </p:transition>
@@ -10527,7 +10840,7 @@
                 <a:latin typeface="Arial"/>
                 <a:cs typeface="Arial"/>
               </a:rPr>
-              <a:t>11.01.2013</a:t>
+              <a:t>26.06.2013</a:t>
             </a:r>
             <a:endParaRPr sz="850" kern="0" cap="all" spc="200" dirty="0">
               <a:solidFill>
@@ -10689,7 +11002,7 @@
     </p:spTree>
     <p:extLst>
       <p:ext uri="{BB962C8B-B14F-4D97-AF65-F5344CB8AC3E}">
-        <p14:creationId xmlns:p14="http://schemas.microsoft.com/office/powerpoint/2010/main" xmlns="" val="772562590"/>
+        <p14:creationId xmlns="" xmlns:p14="http://schemas.microsoft.com/office/powerpoint/2010/main" val="772562590"/>
       </p:ext>
     </p:extLst>
   </p:cSld>
@@ -10697,7 +11010,7 @@
     <a:masterClrMapping/>
   </p:clrMapOvr>
   <mc:AlternateContent xmlns:mc="http://schemas.openxmlformats.org/markup-compatibility/2006">
-    <mc:Choice xmlns:p14="http://schemas.microsoft.com/office/powerpoint/2010/main" xmlns="" Requires="p14">
+    <mc:Choice xmlns="" xmlns:p14="http://schemas.microsoft.com/office/powerpoint/2010/main" Requires="p14">
       <p:transition p14:dur="250">
         <p:fade/>
       </p:transition>
@@ -10804,7 +11117,7 @@
           <a:blip r:embed="rId2" cstate="print">
             <a:extLst>
               <a:ext uri="{28A0092B-C50C-407E-A947-70E740481C1C}">
-                <a14:useLocalDpi xmlns:a14="http://schemas.microsoft.com/office/drawing/2010/main" xmlns="" val="0"/>
+                <a14:useLocalDpi xmlns="" xmlns:a14="http://schemas.microsoft.com/office/drawing/2010/main" val="0"/>
               </a:ext>
             </a:extLst>
           </a:blip>
@@ -10899,7 +11212,7 @@
     </p:spTree>
     <p:extLst>
       <p:ext uri="{BB962C8B-B14F-4D97-AF65-F5344CB8AC3E}">
-        <p14:creationId xmlns:p14="http://schemas.microsoft.com/office/powerpoint/2010/main" xmlns="" val="3425622471"/>
+        <p14:creationId xmlns="" xmlns:p14="http://schemas.microsoft.com/office/powerpoint/2010/main" val="3425622471"/>
       </p:ext>
     </p:extLst>
   </p:cSld>
@@ -10907,7 +11220,7 @@
     <a:masterClrMapping/>
   </p:clrMapOvr>
   <mc:AlternateContent xmlns:mc="http://schemas.openxmlformats.org/markup-compatibility/2006">
-    <mc:Choice xmlns:p14="http://schemas.microsoft.com/office/powerpoint/2010/main" xmlns="" Requires="p14">
+    <mc:Choice xmlns="" xmlns:p14="http://schemas.microsoft.com/office/powerpoint/2010/main" Requires="p14">
       <p:transition p14:dur="250">
         <p:fade/>
       </p:transition>
@@ -11014,7 +11327,7 @@
           <a:blip r:embed="rId2" cstate="print">
             <a:extLst>
               <a:ext uri="{28A0092B-C50C-407E-A947-70E740481C1C}">
-                <a14:useLocalDpi xmlns:a14="http://schemas.microsoft.com/office/drawing/2010/main" xmlns="" val="0"/>
+                <a14:useLocalDpi xmlns="" xmlns:a14="http://schemas.microsoft.com/office/drawing/2010/main" val="0"/>
               </a:ext>
             </a:extLst>
           </a:blip>
@@ -11109,7 +11422,7 @@
     </p:spTree>
     <p:extLst>
       <p:ext uri="{BB962C8B-B14F-4D97-AF65-F5344CB8AC3E}">
-        <p14:creationId xmlns:p14="http://schemas.microsoft.com/office/powerpoint/2010/main" xmlns="" val="3425622471"/>
+        <p14:creationId xmlns="" xmlns:p14="http://schemas.microsoft.com/office/powerpoint/2010/main" val="3425622471"/>
       </p:ext>
     </p:extLst>
   </p:cSld>
@@ -11117,7 +11430,7 @@
     <a:masterClrMapping/>
   </p:clrMapOvr>
   <mc:AlternateContent xmlns:mc="http://schemas.openxmlformats.org/markup-compatibility/2006">
-    <mc:Choice xmlns:p14="http://schemas.microsoft.com/office/powerpoint/2010/main" xmlns="" Requires="p14">
+    <mc:Choice xmlns="" xmlns:p14="http://schemas.microsoft.com/office/powerpoint/2010/main" Requires="p14">
       <p:transition p14:dur="250">
         <p:fade/>
       </p:transition>
@@ -11321,7 +11634,52 @@
               </a:rPr>
               <a:t>Weekly meetings</a:t>
             </a:r>
-            <a:endParaRPr lang="en-GB" sz="1200" cap="all" spc="200" dirty="0" smtClean="0">
+          </a:p>
+          <a:p>
+            <a:pPr marL="12700">
+              <a:lnSpc>
+                <a:spcPct val="100000"/>
+              </a:lnSpc>
+            </a:pPr>
+            <a:r>
+              <a:rPr lang="en-GB" sz="1200" cap="all" spc="200" dirty="0" smtClean="0">
+                <a:solidFill>
+                  <a:schemeClr val="accent1">
+                    <a:lumMod val="75000"/>
+                  </a:schemeClr>
+                </a:solidFill>
+                <a:latin typeface="Arial"/>
+                <a:cs typeface="Arial"/>
+              </a:rPr>
+              <a:t>Issue tracking</a:t>
+            </a:r>
+          </a:p>
+          <a:p>
+            <a:pPr marL="12700">
+              <a:lnSpc>
+                <a:spcPct val="100000"/>
+              </a:lnSpc>
+            </a:pPr>
+            <a:r>
+              <a:rPr lang="en-GB" sz="1200" cap="all" spc="200" dirty="0" smtClean="0">
+                <a:solidFill>
+                  <a:schemeClr val="accent1">
+                    <a:lumMod val="75000"/>
+                  </a:schemeClr>
+                </a:solidFill>
+                <a:latin typeface="Arial"/>
+                <a:cs typeface="Arial"/>
+              </a:rPr>
+              <a:t>GIT</a:t>
+            </a:r>
+          </a:p>
+          <a:p>
+            <a:pPr marL="12700">
+              <a:lnSpc>
+                <a:spcPct val="100000"/>
+              </a:lnSpc>
+            </a:pPr>
+            <a:endParaRPr lang="da-DK" sz="1600" b="1" cap="all" spc="200" dirty="0" smtClean="0">
               <a:solidFill>
                 <a:schemeClr val="accent1">
                   <a:lumMod val="75000"/>
@@ -11338,7 +11696,7 @@
               </a:lnSpc>
             </a:pPr>
             <a:r>
-              <a:rPr lang="en-GB" sz="1200" cap="all" spc="200" dirty="0" smtClean="0">
+              <a:rPr lang="da-DK" sz="1600" b="1" cap="all" spc="200" dirty="0" smtClean="0">
                 <a:solidFill>
                   <a:schemeClr val="accent1">
                     <a:lumMod val="75000"/>
@@ -11347,71 +11705,8 @@
                 <a:latin typeface="Arial"/>
                 <a:cs typeface="Arial"/>
               </a:rPr>
-              <a:t>Issue tracking</a:t>
-            </a:r>
-          </a:p>
-          <a:p>
-            <a:pPr marL="12700">
-              <a:lnSpc>
-                <a:spcPct val="100000"/>
-              </a:lnSpc>
-            </a:pPr>
-            <a:r>
-              <a:rPr lang="en-GB" sz="1200" cap="all" spc="200" dirty="0" smtClean="0">
-                <a:solidFill>
-                  <a:schemeClr val="accent1">
-                    <a:lumMod val="75000"/>
-                  </a:schemeClr>
-                </a:solidFill>
-                <a:latin typeface="Arial"/>
-                <a:cs typeface="Arial"/>
-              </a:rPr>
-              <a:t>GIT</a:t>
-            </a:r>
-          </a:p>
-          <a:p>
-            <a:pPr marL="12700">
-              <a:lnSpc>
-                <a:spcPct val="100000"/>
-              </a:lnSpc>
-            </a:pPr>
-            <a:endParaRPr lang="da-DK" sz="1600" b="1" cap="all" spc="200" dirty="0" smtClean="0">
-              <a:solidFill>
-                <a:schemeClr val="accent1">
-                  <a:lumMod val="75000"/>
-                </a:schemeClr>
-              </a:solidFill>
-              <a:latin typeface="Arial"/>
-              <a:cs typeface="Arial"/>
-            </a:endParaRPr>
-          </a:p>
-          <a:p>
-            <a:pPr marL="12700">
-              <a:lnSpc>
-                <a:spcPct val="100000"/>
-              </a:lnSpc>
-            </a:pPr>
-            <a:r>
-              <a:rPr lang="da-DK" sz="1600" b="1" cap="all" spc="200" dirty="0" smtClean="0">
-                <a:solidFill>
-                  <a:schemeClr val="accent1">
-                    <a:lumMod val="75000"/>
-                  </a:schemeClr>
-                </a:solidFill>
-                <a:latin typeface="Arial"/>
-                <a:cs typeface="Arial"/>
-              </a:rPr>
               <a:t>Committees</a:t>
             </a:r>
-            <a:endParaRPr lang="da-DK" sz="1600" b="1" cap="all" spc="200" dirty="0" smtClean="0">
-              <a:solidFill>
-                <a:schemeClr val="accent1">
-                  <a:lumMod val="75000"/>
-                </a:schemeClr>
-              </a:solidFill>
-              <a:latin typeface="Arial"/>
-              <a:cs typeface="Arial"/>
-            </a:endParaRPr>
           </a:p>
           <a:p>
             <a:pPr marL="12700">
@@ -11456,11 +11751,7 @@
           </a:bodyPr>
           <a:lstStyle/>
           <a:p>
-            <a:pPr marL="12700">
-              <a:lnSpc>
-                <a:spcPct val="100000"/>
-              </a:lnSpc>
-            </a:pPr>
+            <a:pPr marL="12700"/>
             <a:fld id="{9561DEC8-19EE-4A79-9D71-66FF6B3E3434}" type="slidenum">
               <a:rPr lang="da-DK" sz="850" b="1" kern="0" cap="all" spc="200" smtClean="0">
                 <a:solidFill>
@@ -11472,11 +11763,7 @@
                 <a:latin typeface="Arial"/>
                 <a:cs typeface="Arial"/>
               </a:rPr>
-              <a:pPr marL="12700">
-                <a:lnSpc>
-                  <a:spcPct val="100000"/>
-                </a:lnSpc>
-              </a:pPr>
+              <a:pPr marL="12700"/>
               <a:t>4</a:t>
             </a:fld>
             <a:r>
@@ -11516,33 +11803,20 @@
                 <a:latin typeface="Arial"/>
                 <a:cs typeface="Arial"/>
               </a:rPr>
-              <a:t> </a:t>
-            </a:r>
-            <a:r>
-              <a:rPr lang="da-DK" sz="850" b="1" kern="0" cap="all" spc="200" dirty="0">
-                <a:solidFill>
-                  <a:schemeClr val="tx1">
-                    <a:lumMod val="50000"/>
-                    <a:lumOff val="50000"/>
-                  </a:schemeClr>
-                </a:solidFill>
-                <a:latin typeface="Arial"/>
-                <a:cs typeface="Arial"/>
-              </a:rPr>
-              <a:t>24  | </a:t>
-            </a:r>
-            <a:r>
-              <a:rPr lang="da-DK" sz="850" b="1" kern="0" spc="200" dirty="0">
-                <a:solidFill>
-                  <a:schemeClr val="tx1">
-                    <a:lumMod val="50000"/>
-                    <a:lumOff val="50000"/>
-                  </a:schemeClr>
-                </a:solidFill>
-                <a:latin typeface="Arial"/>
-                <a:cs typeface="Arial"/>
-              </a:rPr>
-              <a:t>11.01.2013</a:t>
+              <a:t> 24  | </a:t>
+            </a:r>
+            <a:r>
+              <a:rPr lang="da-DK" sz="850" b="1" kern="0" spc="200" dirty="0" smtClean="0">
+                <a:solidFill>
+                  <a:schemeClr val="tx1">
+                    <a:lumMod val="50000"/>
+                    <a:lumOff val="50000"/>
+                  </a:schemeClr>
+                </a:solidFill>
+                <a:latin typeface="Arial"/>
+                <a:cs typeface="Arial"/>
+              </a:rPr>
+              <a:t>26.06.2013</a:t>
             </a:r>
             <a:endParaRPr sz="850" kern="0" cap="all" spc="200" dirty="0">
               <a:solidFill>
@@ -11658,7 +11932,7 @@
     </p:spTree>
     <p:extLst>
       <p:ext uri="{BB962C8B-B14F-4D97-AF65-F5344CB8AC3E}">
-        <p14:creationId xmlns:p14="http://schemas.microsoft.com/office/powerpoint/2010/main" xmlns="" val="585023994"/>
+        <p14:creationId xmlns="" xmlns:p14="http://schemas.microsoft.com/office/powerpoint/2010/main" val="585023994"/>
       </p:ext>
     </p:extLst>
   </p:cSld>
@@ -11666,7 +11940,7 @@
     <a:masterClrMapping/>
   </p:clrMapOvr>
   <mc:AlternateContent xmlns:mc="http://schemas.openxmlformats.org/markup-compatibility/2006">
-    <mc:Choice xmlns:p14="http://schemas.microsoft.com/office/powerpoint/2010/main" xmlns="" Requires="p14">
+    <mc:Choice xmlns="" xmlns:p14="http://schemas.microsoft.com/office/powerpoint/2010/main" Requires="p14">
       <p:transition p14:dur="250">
         <p:fade/>
       </p:transition>
@@ -11898,17 +12172,17 @@
               <a:t>24  | </a:t>
             </a:r>
             <a:r>
-              <a:rPr lang="da-DK" sz="850" b="1" kern="0" spc="200" dirty="0">
-                <a:solidFill>
-                  <a:schemeClr val="tx1">
-                    <a:lumMod val="50000"/>
-                    <a:lumOff val="50000"/>
-                  </a:schemeClr>
-                </a:solidFill>
-                <a:latin typeface="Arial"/>
-                <a:cs typeface="Arial"/>
-              </a:rPr>
-              <a:t>11.01.2013</a:t>
+              <a:rPr lang="da-DK" sz="850" b="1" kern="0" spc="200" dirty="0" smtClean="0">
+                <a:solidFill>
+                  <a:schemeClr val="tx1">
+                    <a:lumMod val="50000"/>
+                    <a:lumOff val="50000"/>
+                  </a:schemeClr>
+                </a:solidFill>
+                <a:latin typeface="Arial"/>
+                <a:cs typeface="Arial"/>
+              </a:rPr>
+              <a:t>26.06.2013</a:t>
             </a:r>
             <a:endParaRPr sz="850" kern="0" cap="all" spc="200" dirty="0">
               <a:solidFill>
@@ -12214,7 +12488,7 @@
     </p:spTree>
     <p:extLst>
       <p:ext uri="{BB962C8B-B14F-4D97-AF65-F5344CB8AC3E}">
-        <p14:creationId xmlns:p14="http://schemas.microsoft.com/office/powerpoint/2010/main" xmlns="" val="585023994"/>
+        <p14:creationId xmlns="" xmlns:p14="http://schemas.microsoft.com/office/powerpoint/2010/main" val="585023994"/>
       </p:ext>
     </p:extLst>
   </p:cSld>
@@ -12222,7 +12496,7 @@
     <a:masterClrMapping/>
   </p:clrMapOvr>
   <mc:AlternateContent xmlns:mc="http://schemas.openxmlformats.org/markup-compatibility/2006">
-    <mc:Choice xmlns:p14="http://schemas.microsoft.com/office/powerpoint/2010/main" xmlns="" Requires="p14">
+    <mc:Choice xmlns="" xmlns:p14="http://schemas.microsoft.com/office/powerpoint/2010/main" Requires="p14">
       <p:transition p14:dur="250">
         <p:fade/>
       </p:transition>
@@ -12521,17 +12795,17 @@
               <a:t>24  | </a:t>
             </a:r>
             <a:r>
-              <a:rPr lang="da-DK" sz="850" b="1" kern="0" spc="200" dirty="0">
-                <a:solidFill>
-                  <a:schemeClr val="tx1">
-                    <a:lumMod val="50000"/>
-                    <a:lumOff val="50000"/>
-                  </a:schemeClr>
-                </a:solidFill>
-                <a:latin typeface="Arial"/>
-                <a:cs typeface="Arial"/>
-              </a:rPr>
-              <a:t>11.01.2013</a:t>
+              <a:rPr lang="da-DK" sz="850" b="1" kern="0" spc="200" dirty="0" smtClean="0">
+                <a:solidFill>
+                  <a:schemeClr val="tx1">
+                    <a:lumMod val="50000"/>
+                    <a:lumOff val="50000"/>
+                  </a:schemeClr>
+                </a:solidFill>
+                <a:latin typeface="Arial"/>
+                <a:cs typeface="Arial"/>
+              </a:rPr>
+              <a:t>26.06.2013</a:t>
             </a:r>
             <a:endParaRPr sz="850" kern="0" cap="all" spc="200" dirty="0">
               <a:solidFill>
@@ -12693,7 +12967,7 @@
     </p:spTree>
     <p:extLst>
       <p:ext uri="{BB962C8B-B14F-4D97-AF65-F5344CB8AC3E}">
-        <p14:creationId xmlns:p14="http://schemas.microsoft.com/office/powerpoint/2010/main" xmlns="" val="585023994"/>
+        <p14:creationId xmlns="" xmlns:p14="http://schemas.microsoft.com/office/powerpoint/2010/main" val="585023994"/>
       </p:ext>
     </p:extLst>
   </p:cSld>
@@ -12701,7 +12975,7 @@
     <a:masterClrMapping/>
   </p:clrMapOvr>
   <mc:AlternateContent xmlns:mc="http://schemas.openxmlformats.org/markup-compatibility/2006">
-    <mc:Choice xmlns:p14="http://schemas.microsoft.com/office/powerpoint/2010/main" xmlns="" Requires="p14">
+    <mc:Choice xmlns="" xmlns:p14="http://schemas.microsoft.com/office/powerpoint/2010/main" Requires="p14">
       <p:transition p14:dur="250">
         <p:fade/>
       </p:transition>
@@ -12808,7 +13082,7 @@
           <a:blip r:embed="rId2" cstate="print">
             <a:extLst>
               <a:ext uri="{28A0092B-C50C-407E-A947-70E740481C1C}">
-                <a14:useLocalDpi xmlns:a14="http://schemas.microsoft.com/office/drawing/2010/main" xmlns="" val="0"/>
+                <a14:useLocalDpi xmlns="" xmlns:a14="http://schemas.microsoft.com/office/drawing/2010/main" val="0"/>
               </a:ext>
             </a:extLst>
           </a:blip>
@@ -12891,7 +13165,7 @@
     </p:spTree>
     <p:extLst>
       <p:ext uri="{BB962C8B-B14F-4D97-AF65-F5344CB8AC3E}">
-        <p14:creationId xmlns:p14="http://schemas.microsoft.com/office/powerpoint/2010/main" xmlns="" val="3425622471"/>
+        <p14:creationId xmlns="" xmlns:p14="http://schemas.microsoft.com/office/powerpoint/2010/main" val="3425622471"/>
       </p:ext>
     </p:extLst>
   </p:cSld>
@@ -12899,7 +13173,7 @@
     <a:masterClrMapping/>
   </p:clrMapOvr>
   <mc:AlternateContent xmlns:mc="http://schemas.openxmlformats.org/markup-compatibility/2006">
-    <mc:Choice xmlns:p14="http://schemas.microsoft.com/office/powerpoint/2010/main" xmlns="" Requires="p14">
+    <mc:Choice xmlns="" xmlns:p14="http://schemas.microsoft.com/office/powerpoint/2010/main" Requires="p14">
       <p:transition p14:dur="250">
         <p:fade/>
       </p:transition>
@@ -13246,17 +13520,17 @@
               <a:t>24  | </a:t>
             </a:r>
             <a:r>
-              <a:rPr lang="da-DK" sz="850" b="1" kern="0" spc="200" dirty="0">
-                <a:solidFill>
-                  <a:schemeClr val="tx1">
-                    <a:lumMod val="50000"/>
-                    <a:lumOff val="50000"/>
-                  </a:schemeClr>
-                </a:solidFill>
-                <a:latin typeface="Arial"/>
-                <a:cs typeface="Arial"/>
-              </a:rPr>
-              <a:t>11.01.2013</a:t>
+              <a:rPr lang="da-DK" sz="850" b="1" kern="0" spc="200" dirty="0" smtClean="0">
+                <a:solidFill>
+                  <a:schemeClr val="tx1">
+                    <a:lumMod val="50000"/>
+                    <a:lumOff val="50000"/>
+                  </a:schemeClr>
+                </a:solidFill>
+                <a:latin typeface="Arial"/>
+                <a:cs typeface="Arial"/>
+              </a:rPr>
+              <a:t>26.06.2013</a:t>
             </a:r>
             <a:endParaRPr sz="850" kern="0" cap="all" spc="200" dirty="0">
               <a:solidFill>
@@ -13369,10 +13643,36 @@
           </a:p>
         </p:txBody>
       </p:sp>
+      <p:pic>
+        <p:nvPicPr>
+          <p:cNvPr id="6" name="Picture 2" descr="C:\Local git workspace\sw606f13\report\img\screenshots\prototype1.jpg"/>
+          <p:cNvPicPr>
+            <a:picLocks noChangeAspect="1" noChangeArrowheads="1"/>
+          </p:cNvPicPr>
+          <p:nvPr/>
+        </p:nvPicPr>
+        <p:blipFill>
+          <a:blip r:embed="rId2" cstate="print"/>
+          <a:srcRect/>
+          <a:stretch>
+            <a:fillRect/>
+          </a:stretch>
+        </p:blipFill>
+        <p:spPr bwMode="auto">
+          <a:xfrm>
+            <a:off x="3131840" y="1232756"/>
+            <a:ext cx="4752528" cy="3564396"/>
+          </a:xfrm>
+          <a:prstGeom prst="rect">
+            <a:avLst/>
+          </a:prstGeom>
+          <a:noFill/>
+        </p:spPr>
+      </p:pic>
     </p:spTree>
     <p:extLst>
       <p:ext uri="{BB962C8B-B14F-4D97-AF65-F5344CB8AC3E}">
-        <p14:creationId xmlns:p14="http://schemas.microsoft.com/office/powerpoint/2010/main" xmlns="" val="585023994"/>
+        <p14:creationId xmlns="" xmlns:p14="http://schemas.microsoft.com/office/powerpoint/2010/main" val="585023994"/>
       </p:ext>
     </p:extLst>
   </p:cSld>
@@ -13380,7 +13680,7 @@
     <a:masterClrMapping/>
   </p:clrMapOvr>
   <mc:AlternateContent xmlns:mc="http://schemas.openxmlformats.org/markup-compatibility/2006">
-    <mc:Choice xmlns:p14="http://schemas.microsoft.com/office/powerpoint/2010/main" xmlns="" Requires="p14">
+    <mc:Choice xmlns="" xmlns:p14="http://schemas.microsoft.com/office/powerpoint/2010/main" Requires="p14">
       <p:transition p14:dur="250">
         <p:fade/>
       </p:transition>
@@ -13612,17 +13912,17 @@
               <a:t>24  | </a:t>
             </a:r>
             <a:r>
-              <a:rPr lang="da-DK" sz="850" b="1" kern="0" spc="200" dirty="0">
-                <a:solidFill>
-                  <a:schemeClr val="tx1">
-                    <a:lumMod val="50000"/>
-                    <a:lumOff val="50000"/>
-                  </a:schemeClr>
-                </a:solidFill>
-                <a:latin typeface="Arial"/>
-                <a:cs typeface="Arial"/>
-              </a:rPr>
-              <a:t>11.01.2013</a:t>
+              <a:rPr lang="da-DK" sz="850" b="1" kern="0" spc="200" dirty="0" smtClean="0">
+                <a:solidFill>
+                  <a:schemeClr val="tx1">
+                    <a:lumMod val="50000"/>
+                    <a:lumOff val="50000"/>
+                  </a:schemeClr>
+                </a:solidFill>
+                <a:latin typeface="Arial"/>
+                <a:cs typeface="Arial"/>
+              </a:rPr>
+              <a:t>26.06.2013</a:t>
             </a:r>
             <a:endParaRPr sz="850" kern="0" cap="all" spc="200" dirty="0">
               <a:solidFill>
@@ -13830,7 +14130,7 @@
     </p:spTree>
     <p:extLst>
       <p:ext uri="{BB962C8B-B14F-4D97-AF65-F5344CB8AC3E}">
-        <p14:creationId xmlns:p14="http://schemas.microsoft.com/office/powerpoint/2010/main" xmlns="" val="585023994"/>
+        <p14:creationId xmlns="" xmlns:p14="http://schemas.microsoft.com/office/powerpoint/2010/main" val="585023994"/>
       </p:ext>
     </p:extLst>
   </p:cSld>
@@ -13838,7 +14138,7 @@
     <a:masterClrMapping/>
   </p:clrMapOvr>
   <mc:AlternateContent xmlns:mc="http://schemas.openxmlformats.org/markup-compatibility/2006">
-    <mc:Choice xmlns:p14="http://schemas.microsoft.com/office/powerpoint/2010/main" xmlns="" Requires="p14">
+    <mc:Choice xmlns="" xmlns:p14="http://schemas.microsoft.com/office/powerpoint/2010/main" Requires="p14">
       <p:transition p14:dur="250">
         <p:fade/>
       </p:transition>

--- a/slides/main.pptx
+++ b/slides/main.pptx
@@ -27,10 +27,11 @@
     <p:sldId id="303" r:id="rId21"/>
     <p:sldId id="282" r:id="rId22"/>
     <p:sldId id="301" r:id="rId23"/>
-    <p:sldId id="302" r:id="rId24"/>
-    <p:sldId id="284" r:id="rId25"/>
-    <p:sldId id="280" r:id="rId26"/>
-    <p:sldId id="285" r:id="rId27"/>
+    <p:sldId id="305" r:id="rId24"/>
+    <p:sldId id="302" r:id="rId25"/>
+    <p:sldId id="284" r:id="rId26"/>
+    <p:sldId id="280" r:id="rId27"/>
+    <p:sldId id="285" r:id="rId28"/>
   </p:sldIdLst>
   <p:sldSz cx="9144000" cy="6858000" type="screen4x3"/>
   <p:notesSz cx="6858000" cy="9144000"/>
@@ -877,7 +878,7 @@
     </p:spTree>
     <p:extLst>
       <p:ext uri="{BB962C8B-B14F-4D97-AF65-F5344CB8AC3E}">
-        <p14:creationId xmlns:p14="http://schemas.microsoft.com/office/powerpoint/2010/main" xmlns="" val="2128366257"/>
+        <p14:creationId xmlns="" xmlns:p14="http://schemas.microsoft.com/office/powerpoint/2010/main" val="2128366257"/>
       </p:ext>
     </p:extLst>
   </p:cSld>
@@ -907,7 +908,7 @@
     </p:spTree>
     <p:extLst>
       <p:ext uri="{BB962C8B-B14F-4D97-AF65-F5344CB8AC3E}">
-        <p14:creationId xmlns:p14="http://schemas.microsoft.com/office/powerpoint/2010/main" xmlns="" val="195677046"/>
+        <p14:creationId xmlns="" xmlns:p14="http://schemas.microsoft.com/office/powerpoint/2010/main" val="195677046"/>
       </p:ext>
     </p:extLst>
   </p:cSld>
@@ -937,7 +938,7 @@
     </p:spTree>
     <p:extLst>
       <p:ext uri="{BB962C8B-B14F-4D97-AF65-F5344CB8AC3E}">
-        <p14:creationId xmlns:p14="http://schemas.microsoft.com/office/powerpoint/2010/main" xmlns="" val="1997685105"/>
+        <p14:creationId xmlns="" xmlns:p14="http://schemas.microsoft.com/office/powerpoint/2010/main" val="1997685105"/>
       </p:ext>
     </p:extLst>
   </p:cSld>
@@ -3189,7 +3190,7 @@
           <a:blip r:embed="rId2" cstate="print">
             <a:extLst>
               <a:ext uri="{28A0092B-C50C-407E-A947-70E740481C1C}">
-                <a14:useLocalDpi xmlns:a14="http://schemas.microsoft.com/office/drawing/2010/main" xmlns="" val="0"/>
+                <a14:useLocalDpi xmlns="" xmlns:a14="http://schemas.microsoft.com/office/drawing/2010/main" val="0"/>
               </a:ext>
             </a:extLst>
           </a:blip>
@@ -3273,7 +3274,7 @@
           <a:blip r:embed="rId3" cstate="print">
             <a:extLst>
               <a:ext uri="{28A0092B-C50C-407E-A947-70E740481C1C}">
-                <a14:useLocalDpi xmlns:a14="http://schemas.microsoft.com/office/drawing/2010/main" xmlns="" val="0"/>
+                <a14:useLocalDpi xmlns="" xmlns:a14="http://schemas.microsoft.com/office/drawing/2010/main" val="0"/>
               </a:ext>
             </a:extLst>
           </a:blip>
@@ -3578,7 +3579,7 @@
     <a:masterClrMapping/>
   </p:clrMapOvr>
   <mc:AlternateContent xmlns:mc="http://schemas.openxmlformats.org/markup-compatibility/2006">
-    <mc:Choice xmlns:p14="http://schemas.microsoft.com/office/powerpoint/2010/main" xmlns="" Requires="p14">
+    <mc:Choice xmlns="" xmlns:p14="http://schemas.microsoft.com/office/powerpoint/2010/main" Requires="p14">
       <p:transition p14:dur="250">
         <p:fade/>
       </p:transition>
@@ -3616,317 +3617,9 @@
           <a:chExt cx="0" cy="0"/>
         </a:xfrm>
       </p:grpSpPr>
-      <p:sp>
-        <p:nvSpPr>
-          <p:cNvPr id="2" name="object 2"/>
-          <p:cNvSpPr txBox="1"/>
-          <p:nvPr/>
-        </p:nvSpPr>
-        <p:spPr>
-          <a:xfrm>
-            <a:off x="626300" y="562800"/>
-            <a:ext cx="6231700" cy="368935"/>
-          </a:xfrm>
-          <a:prstGeom prst="rect">
-            <a:avLst/>
-          </a:prstGeom>
-        </p:spPr>
-        <p:txBody>
-          <a:bodyPr vert="horz" wrap="square" lIns="0" tIns="0" rIns="0" bIns="0" rtlCol="0">
-            <a:noAutofit/>
-          </a:bodyPr>
-          <a:lstStyle/>
-          <a:p>
-            <a:pPr marL="12700">
-              <a:lnSpc>
-                <a:spcPct val="100000"/>
-              </a:lnSpc>
-              <a:tabLst>
-                <a:tab pos="1641475" algn="l"/>
-                <a:tab pos="2152650" algn="l"/>
-                <a:tab pos="3412490" algn="l"/>
-              </a:tabLst>
-            </a:pPr>
-            <a:r>
-              <a:rPr lang="en-GB" sz="2400" kern="0" cap="all" spc="200" dirty="0" smtClean="0">
-                <a:solidFill>
-                  <a:schemeClr val="tx2">
-                    <a:lumMod val="50000"/>
-                  </a:schemeClr>
-                </a:solidFill>
-                <a:latin typeface="Arial"/>
-                <a:cs typeface="Arial"/>
-              </a:rPr>
-              <a:t>Game Customization</a:t>
-            </a:r>
-          </a:p>
-        </p:txBody>
-      </p:sp>
-      <p:sp>
-        <p:nvSpPr>
-          <p:cNvPr id="3" name="object 3"/>
-          <p:cNvSpPr txBox="1"/>
-          <p:nvPr/>
-        </p:nvSpPr>
-        <p:spPr>
-          <a:xfrm>
-            <a:off x="626300" y="1155199"/>
-            <a:ext cx="5283200" cy="4074001"/>
-          </a:xfrm>
-          <a:prstGeom prst="rect">
-            <a:avLst/>
-          </a:prstGeom>
-        </p:spPr>
-        <p:txBody>
-          <a:bodyPr vert="horz" wrap="square" lIns="0" tIns="0" rIns="0" bIns="0" rtlCol="0">
-            <a:noAutofit/>
-          </a:bodyPr>
-          <a:lstStyle/>
-          <a:p>
-            <a:pPr marL="12700">
-              <a:lnSpc>
-                <a:spcPct val="100000"/>
-              </a:lnSpc>
-            </a:pPr>
-            <a:endParaRPr lang="da-DK" sz="1600" b="1" cap="all" spc="200" dirty="0" smtClean="0">
-              <a:solidFill>
-                <a:schemeClr val="accent1">
-                  <a:lumMod val="75000"/>
-                </a:schemeClr>
-              </a:solidFill>
-              <a:latin typeface="Arial"/>
-              <a:cs typeface="Arial"/>
-            </a:endParaRPr>
-          </a:p>
-        </p:txBody>
-      </p:sp>
-      <p:sp>
-        <p:nvSpPr>
-          <p:cNvPr id="8" name="object 4"/>
-          <p:cNvSpPr txBox="1">
-            <a:spLocks noGrp="1"/>
-          </p:cNvSpPr>
-          <p:nvPr>
-            <p:ph type="ftr" sz="quarter" idx="4294967295"/>
-          </p:nvPr>
-        </p:nvSpPr>
-        <p:spPr>
-          <a:xfrm>
-            <a:off x="2540146" y="5952019"/>
-            <a:ext cx="4343400" cy="143981"/>
-          </a:xfrm>
-          <a:prstGeom prst="rect">
-            <a:avLst/>
-          </a:prstGeom>
-        </p:spPr>
-        <p:txBody>
-          <a:bodyPr vert="horz" wrap="square" lIns="0" tIns="0" rIns="0" bIns="0" rtlCol="0">
-            <a:noAutofit/>
-          </a:bodyPr>
-          <a:lstStyle/>
-          <a:p>
-            <a:pPr marL="12700">
-              <a:lnSpc>
-                <a:spcPct val="100000"/>
-              </a:lnSpc>
-            </a:pPr>
-            <a:fld id="{9561DEC8-19EE-4A79-9D71-66FF6B3E3434}" type="slidenum">
-              <a:rPr lang="da-DK" sz="850" b="1" kern="0" cap="all" spc="200" smtClean="0">
-                <a:solidFill>
-                  <a:schemeClr val="tx1">
-                    <a:lumMod val="50000"/>
-                    <a:lumOff val="50000"/>
-                  </a:schemeClr>
-                </a:solidFill>
-                <a:latin typeface="Arial"/>
-                <a:cs typeface="Arial"/>
-              </a:rPr>
-              <a:pPr marL="12700">
-                <a:lnSpc>
-                  <a:spcPct val="100000"/>
-                </a:lnSpc>
-              </a:pPr>
-              <a:t>10</a:t>
-            </a:fld>
-            <a:r>
-              <a:rPr lang="da-DK" sz="850" b="1" kern="0" cap="all" spc="200" dirty="0" smtClean="0">
-                <a:solidFill>
-                  <a:schemeClr val="tx1">
-                    <a:lumMod val="50000"/>
-                    <a:lumOff val="50000"/>
-                  </a:schemeClr>
-                </a:solidFill>
-                <a:latin typeface="Arial"/>
-                <a:cs typeface="Arial"/>
-              </a:rPr>
-              <a:t> </a:t>
-            </a:r>
-            <a:r>
-              <a:rPr sz="850" b="1" kern="0" cap="all" spc="200" dirty="0" smtClean="0">
-                <a:solidFill>
-                  <a:schemeClr val="tx1">
-                    <a:lumMod val="50000"/>
-                    <a:lumOff val="50000"/>
-                  </a:schemeClr>
-                </a:solidFill>
-                <a:latin typeface="Arial"/>
-                <a:cs typeface="Arial"/>
-              </a:rPr>
-              <a:t>OF</a:t>
-            </a:r>
-            <a:r>
-              <a:rPr lang="da-DK" sz="850" b="1" kern="0" cap="all" spc="200" dirty="0" smtClean="0">
-                <a:solidFill>
-                  <a:schemeClr val="tx1">
-                    <a:lumMod val="50000"/>
-                    <a:lumOff val="50000"/>
-                  </a:schemeClr>
-                </a:solidFill>
-                <a:latin typeface="Arial"/>
-                <a:cs typeface="Arial"/>
-              </a:rPr>
-              <a:t> </a:t>
-            </a:r>
-            <a:r>
-              <a:rPr lang="da-DK" sz="850" b="1" kern="0" cap="all" spc="200" dirty="0">
-                <a:solidFill>
-                  <a:schemeClr val="tx1">
-                    <a:lumMod val="50000"/>
-                    <a:lumOff val="50000"/>
-                  </a:schemeClr>
-                </a:solidFill>
-                <a:latin typeface="Arial"/>
-                <a:cs typeface="Arial"/>
-              </a:rPr>
-              <a:t>24  | </a:t>
-            </a:r>
-            <a:r>
-              <a:rPr lang="da-DK" sz="850" b="1" kern="0" spc="200" dirty="0" smtClean="0">
-                <a:solidFill>
-                  <a:schemeClr val="tx1">
-                    <a:lumMod val="50000"/>
-                    <a:lumOff val="50000"/>
-                  </a:schemeClr>
-                </a:solidFill>
-                <a:latin typeface="Arial"/>
-                <a:cs typeface="Arial"/>
-              </a:rPr>
-              <a:t>26.06.2013</a:t>
-            </a:r>
-            <a:endParaRPr sz="850" kern="0" cap="all" spc="200" dirty="0">
-              <a:solidFill>
-                <a:schemeClr val="tx1">
-                  <a:lumMod val="50000"/>
-                  <a:lumOff val="50000"/>
-                </a:schemeClr>
-              </a:solidFill>
-              <a:latin typeface="Arial"/>
-              <a:cs typeface="Arial"/>
-            </a:endParaRPr>
-          </a:p>
-        </p:txBody>
-      </p:sp>
-      <p:sp>
-        <p:nvSpPr>
-          <p:cNvPr id="9" name="object 7"/>
-          <p:cNvSpPr txBox="1"/>
-          <p:nvPr/>
-        </p:nvSpPr>
-        <p:spPr>
-          <a:xfrm>
-            <a:off x="2743200" y="6137888"/>
-            <a:ext cx="3682706" cy="294005"/>
-          </a:xfrm>
-          <a:prstGeom prst="rect">
-            <a:avLst/>
-          </a:prstGeom>
-        </p:spPr>
-        <p:txBody>
-          <a:bodyPr vert="horz" wrap="square" lIns="0" tIns="0" rIns="0" bIns="0" rtlCol="0">
-            <a:noAutofit/>
-          </a:bodyPr>
-          <a:lstStyle/>
-          <a:p>
-            <a:pPr algn="ctr">
-              <a:lnSpc>
-                <a:spcPct val="100000"/>
-              </a:lnSpc>
-            </a:pPr>
-            <a:r>
-              <a:rPr lang="da-DK" sz="850" b="1" kern="0" cap="all" spc="200" dirty="0" smtClean="0">
-                <a:solidFill>
-                  <a:schemeClr val="tx1">
-                    <a:lumMod val="50000"/>
-                    <a:lumOff val="50000"/>
-                  </a:schemeClr>
-                </a:solidFill>
-                <a:latin typeface="Arial"/>
-                <a:cs typeface="Arial"/>
-              </a:rPr>
-              <a:t>Department of computer science</a:t>
-            </a:r>
-            <a:endParaRPr sz="850" b="1" kern="0" cap="all" spc="200" dirty="0" smtClean="0">
-              <a:solidFill>
-                <a:schemeClr val="tx1">
-                  <a:lumMod val="50000"/>
-                  <a:lumOff val="50000"/>
-                </a:schemeClr>
-              </a:solidFill>
-              <a:latin typeface="Arial"/>
-              <a:cs typeface="Arial"/>
-            </a:endParaRPr>
-          </a:p>
-          <a:p>
-            <a:pPr marR="20320" algn="ctr">
-              <a:lnSpc>
-                <a:spcPct val="100000"/>
-              </a:lnSpc>
-              <a:spcBef>
-                <a:spcPts val="180"/>
-              </a:spcBef>
-            </a:pPr>
-            <a:r>
-              <a:rPr sz="850" kern="0" cap="all" spc="200" dirty="0" smtClean="0">
-                <a:solidFill>
-                  <a:schemeClr val="tx1">
-                    <a:lumMod val="50000"/>
-                    <a:lumOff val="50000"/>
-                  </a:schemeClr>
-                </a:solidFill>
-                <a:latin typeface="Arial"/>
-                <a:cs typeface="Arial"/>
-              </a:rPr>
-              <a:t>AALBORG</a:t>
-            </a:r>
-            <a:r>
-              <a:rPr lang="da-DK" sz="850" kern="0" cap="all" spc="200" dirty="0" smtClean="0">
-                <a:solidFill>
-                  <a:schemeClr val="tx1">
-                    <a:lumMod val="50000"/>
-                    <a:lumOff val="50000"/>
-                  </a:schemeClr>
-                </a:solidFill>
-                <a:latin typeface="Arial"/>
-                <a:cs typeface="Arial"/>
-              </a:rPr>
-              <a:t> UNIVERSITy</a:t>
-            </a:r>
-            <a:endParaRPr sz="850" kern="0" cap="all" spc="200" dirty="0">
-              <a:solidFill>
-                <a:schemeClr val="tx1">
-                  <a:lumMod val="50000"/>
-                  <a:lumOff val="50000"/>
-                </a:schemeClr>
-              </a:solidFill>
-              <a:latin typeface="Arial"/>
-              <a:cs typeface="Arial"/>
-            </a:endParaRPr>
-          </a:p>
-        </p:txBody>
-      </p:sp>
       <p:pic>
         <p:nvPicPr>
-          <p:cNvPr id="3074" name="Picture 2" descr="C:\Local git workspace\sw606f13\report\img\screenshots\profile_flow_5.jpg"/>
+          <p:cNvPr id="1026" name="Picture 2" descr="C:\Local git workspace\sw606f13\report\img\screenshots\profile_flow_8.jpg"/>
           <p:cNvPicPr>
             <a:picLocks noChangeAspect="1" noChangeArrowheads="1"/>
           </p:cNvPicPr>
@@ -3941,8 +3634,8 @@
         </p:blipFill>
         <p:spPr bwMode="auto">
           <a:xfrm>
-            <a:off x="971600" y="1200599"/>
-            <a:ext cx="7021826" cy="4388641"/>
+            <a:off x="971599" y="1196752"/>
+            <a:ext cx="7027981" cy="4392488"/>
           </a:xfrm>
           <a:prstGeom prst="rect">
             <a:avLst/>
@@ -3950,10 +3643,318 @@
           <a:noFill/>
         </p:spPr>
       </p:pic>
+      <p:sp>
+        <p:nvSpPr>
+          <p:cNvPr id="2" name="object 2"/>
+          <p:cNvSpPr txBox="1"/>
+          <p:nvPr/>
+        </p:nvSpPr>
+        <p:spPr>
+          <a:xfrm>
+            <a:off x="626300" y="562800"/>
+            <a:ext cx="6231700" cy="368935"/>
+          </a:xfrm>
+          <a:prstGeom prst="rect">
+            <a:avLst/>
+          </a:prstGeom>
+        </p:spPr>
+        <p:txBody>
+          <a:bodyPr vert="horz" wrap="square" lIns="0" tIns="0" rIns="0" bIns="0" rtlCol="0">
+            <a:noAutofit/>
+          </a:bodyPr>
+          <a:lstStyle/>
+          <a:p>
+            <a:pPr marL="12700">
+              <a:lnSpc>
+                <a:spcPct val="100000"/>
+              </a:lnSpc>
+              <a:tabLst>
+                <a:tab pos="1641475" algn="l"/>
+                <a:tab pos="2152650" algn="l"/>
+                <a:tab pos="3412490" algn="l"/>
+              </a:tabLst>
+            </a:pPr>
+            <a:r>
+              <a:rPr lang="en-GB" sz="2400" kern="0" cap="all" spc="200" dirty="0" smtClean="0">
+                <a:solidFill>
+                  <a:schemeClr val="tx2">
+                    <a:lumMod val="50000"/>
+                  </a:schemeClr>
+                </a:solidFill>
+                <a:latin typeface="Arial"/>
+                <a:cs typeface="Arial"/>
+              </a:rPr>
+              <a:t>Game Customization</a:t>
+            </a:r>
+          </a:p>
+        </p:txBody>
+      </p:sp>
+      <p:sp>
+        <p:nvSpPr>
+          <p:cNvPr id="3" name="object 3"/>
+          <p:cNvSpPr txBox="1"/>
+          <p:nvPr/>
+        </p:nvSpPr>
+        <p:spPr>
+          <a:xfrm>
+            <a:off x="626300" y="1155199"/>
+            <a:ext cx="5283200" cy="4074001"/>
+          </a:xfrm>
+          <a:prstGeom prst="rect">
+            <a:avLst/>
+          </a:prstGeom>
+        </p:spPr>
+        <p:txBody>
+          <a:bodyPr vert="horz" wrap="square" lIns="0" tIns="0" rIns="0" bIns="0" rtlCol="0">
+            <a:noAutofit/>
+          </a:bodyPr>
+          <a:lstStyle/>
+          <a:p>
+            <a:pPr marL="12700">
+              <a:lnSpc>
+                <a:spcPct val="100000"/>
+              </a:lnSpc>
+            </a:pPr>
+            <a:endParaRPr lang="da-DK" sz="1600" b="1" cap="all" spc="200" dirty="0" smtClean="0">
+              <a:solidFill>
+                <a:schemeClr val="accent1">
+                  <a:lumMod val="75000"/>
+                </a:schemeClr>
+              </a:solidFill>
+              <a:latin typeface="Arial"/>
+              <a:cs typeface="Arial"/>
+            </a:endParaRPr>
+          </a:p>
+        </p:txBody>
+      </p:sp>
+      <p:sp>
+        <p:nvSpPr>
+          <p:cNvPr id="8" name="object 4"/>
+          <p:cNvSpPr txBox="1">
+            <a:spLocks noGrp="1"/>
+          </p:cNvSpPr>
+          <p:nvPr>
+            <p:ph type="ftr" sz="quarter" idx="4294967295"/>
+          </p:nvPr>
+        </p:nvSpPr>
+        <p:spPr>
+          <a:xfrm>
+            <a:off x="2540146" y="5952019"/>
+            <a:ext cx="4343400" cy="143981"/>
+          </a:xfrm>
+          <a:prstGeom prst="rect">
+            <a:avLst/>
+          </a:prstGeom>
+        </p:spPr>
+        <p:txBody>
+          <a:bodyPr vert="horz" wrap="square" lIns="0" tIns="0" rIns="0" bIns="0" rtlCol="0">
+            <a:noAutofit/>
+          </a:bodyPr>
+          <a:lstStyle/>
+          <a:p>
+            <a:pPr marL="12700">
+              <a:lnSpc>
+                <a:spcPct val="100000"/>
+              </a:lnSpc>
+            </a:pPr>
+            <a:fld id="{9561DEC8-19EE-4A79-9D71-66FF6B3E3434}" type="slidenum">
+              <a:rPr lang="da-DK" sz="850" b="1" kern="0" cap="all" spc="200" smtClean="0">
+                <a:solidFill>
+                  <a:schemeClr val="tx1">
+                    <a:lumMod val="50000"/>
+                    <a:lumOff val="50000"/>
+                  </a:schemeClr>
+                </a:solidFill>
+                <a:latin typeface="Arial"/>
+                <a:cs typeface="Arial"/>
+              </a:rPr>
+              <a:pPr marL="12700">
+                <a:lnSpc>
+                  <a:spcPct val="100000"/>
+                </a:lnSpc>
+              </a:pPr>
+              <a:t>10</a:t>
+            </a:fld>
+            <a:r>
+              <a:rPr lang="da-DK" sz="850" b="1" kern="0" cap="all" spc="200" dirty="0" smtClean="0">
+                <a:solidFill>
+                  <a:schemeClr val="tx1">
+                    <a:lumMod val="50000"/>
+                    <a:lumOff val="50000"/>
+                  </a:schemeClr>
+                </a:solidFill>
+                <a:latin typeface="Arial"/>
+                <a:cs typeface="Arial"/>
+              </a:rPr>
+              <a:t> </a:t>
+            </a:r>
+            <a:r>
+              <a:rPr sz="850" b="1" kern="0" cap="all" spc="200" dirty="0" smtClean="0">
+                <a:solidFill>
+                  <a:schemeClr val="tx1">
+                    <a:lumMod val="50000"/>
+                    <a:lumOff val="50000"/>
+                  </a:schemeClr>
+                </a:solidFill>
+                <a:latin typeface="Arial"/>
+                <a:cs typeface="Arial"/>
+              </a:rPr>
+              <a:t>OF</a:t>
+            </a:r>
+            <a:r>
+              <a:rPr lang="da-DK" sz="850" b="1" kern="0" cap="all" spc="200" dirty="0" smtClean="0">
+                <a:solidFill>
+                  <a:schemeClr val="tx1">
+                    <a:lumMod val="50000"/>
+                    <a:lumOff val="50000"/>
+                  </a:schemeClr>
+                </a:solidFill>
+                <a:latin typeface="Arial"/>
+                <a:cs typeface="Arial"/>
+              </a:rPr>
+              <a:t> </a:t>
+            </a:r>
+            <a:r>
+              <a:rPr lang="da-DK" sz="850" b="1" kern="0" cap="all" spc="200" dirty="0">
+                <a:solidFill>
+                  <a:schemeClr val="tx1">
+                    <a:lumMod val="50000"/>
+                    <a:lumOff val="50000"/>
+                  </a:schemeClr>
+                </a:solidFill>
+                <a:latin typeface="Arial"/>
+                <a:cs typeface="Arial"/>
+              </a:rPr>
+              <a:t>24  | </a:t>
+            </a:r>
+            <a:r>
+              <a:rPr lang="da-DK" sz="850" b="1" kern="0" spc="200" dirty="0" smtClean="0">
+                <a:solidFill>
+                  <a:schemeClr val="tx1">
+                    <a:lumMod val="50000"/>
+                    <a:lumOff val="50000"/>
+                  </a:schemeClr>
+                </a:solidFill>
+                <a:latin typeface="Arial"/>
+                <a:cs typeface="Arial"/>
+              </a:rPr>
+              <a:t>26.06.2013</a:t>
+            </a:r>
+            <a:endParaRPr sz="850" kern="0" cap="all" spc="200" dirty="0">
+              <a:solidFill>
+                <a:schemeClr val="tx1">
+                  <a:lumMod val="50000"/>
+                  <a:lumOff val="50000"/>
+                </a:schemeClr>
+              </a:solidFill>
+              <a:latin typeface="Arial"/>
+              <a:cs typeface="Arial"/>
+            </a:endParaRPr>
+          </a:p>
+        </p:txBody>
+      </p:sp>
+      <p:sp>
+        <p:nvSpPr>
+          <p:cNvPr id="9" name="object 7"/>
+          <p:cNvSpPr txBox="1"/>
+          <p:nvPr/>
+        </p:nvSpPr>
+        <p:spPr>
+          <a:xfrm>
+            <a:off x="2743200" y="6137888"/>
+            <a:ext cx="3682706" cy="294005"/>
+          </a:xfrm>
+          <a:prstGeom prst="rect">
+            <a:avLst/>
+          </a:prstGeom>
+        </p:spPr>
+        <p:txBody>
+          <a:bodyPr vert="horz" wrap="square" lIns="0" tIns="0" rIns="0" bIns="0" rtlCol="0">
+            <a:noAutofit/>
+          </a:bodyPr>
+          <a:lstStyle/>
+          <a:p>
+            <a:pPr algn="ctr">
+              <a:lnSpc>
+                <a:spcPct val="100000"/>
+              </a:lnSpc>
+            </a:pPr>
+            <a:r>
+              <a:rPr lang="da-DK" sz="850" b="1" kern="0" cap="all" spc="200" dirty="0" smtClean="0">
+                <a:solidFill>
+                  <a:schemeClr val="tx1">
+                    <a:lumMod val="50000"/>
+                    <a:lumOff val="50000"/>
+                  </a:schemeClr>
+                </a:solidFill>
+                <a:latin typeface="Arial"/>
+                <a:cs typeface="Arial"/>
+              </a:rPr>
+              <a:t>Department of computer science</a:t>
+            </a:r>
+            <a:endParaRPr sz="850" b="1" kern="0" cap="all" spc="200" dirty="0" smtClean="0">
+              <a:solidFill>
+                <a:schemeClr val="tx1">
+                  <a:lumMod val="50000"/>
+                  <a:lumOff val="50000"/>
+                </a:schemeClr>
+              </a:solidFill>
+              <a:latin typeface="Arial"/>
+              <a:cs typeface="Arial"/>
+            </a:endParaRPr>
+          </a:p>
+          <a:p>
+            <a:pPr marR="20320" algn="ctr">
+              <a:lnSpc>
+                <a:spcPct val="100000"/>
+              </a:lnSpc>
+              <a:spcBef>
+                <a:spcPts val="180"/>
+              </a:spcBef>
+            </a:pPr>
+            <a:r>
+              <a:rPr sz="850" kern="0" cap="all" spc="200" dirty="0" smtClean="0">
+                <a:solidFill>
+                  <a:schemeClr val="tx1">
+                    <a:lumMod val="50000"/>
+                    <a:lumOff val="50000"/>
+                  </a:schemeClr>
+                </a:solidFill>
+                <a:latin typeface="Arial"/>
+                <a:cs typeface="Arial"/>
+              </a:rPr>
+              <a:t>AALBORG</a:t>
+            </a:r>
+            <a:r>
+              <a:rPr lang="da-DK" sz="850" kern="0" cap="all" spc="200" dirty="0" smtClean="0">
+                <a:solidFill>
+                  <a:schemeClr val="tx1">
+                    <a:lumMod val="50000"/>
+                    <a:lumOff val="50000"/>
+                  </a:schemeClr>
+                </a:solidFill>
+                <a:latin typeface="Arial"/>
+                <a:cs typeface="Arial"/>
+              </a:rPr>
+              <a:t> UNIVERSITy</a:t>
+            </a:r>
+            <a:endParaRPr sz="850" kern="0" cap="all" spc="200" dirty="0">
+              <a:solidFill>
+                <a:schemeClr val="tx1">
+                  <a:lumMod val="50000"/>
+                  <a:lumOff val="50000"/>
+                </a:schemeClr>
+              </a:solidFill>
+              <a:latin typeface="Arial"/>
+              <a:cs typeface="Arial"/>
+            </a:endParaRPr>
+          </a:p>
+        </p:txBody>
+      </p:sp>
     </p:spTree>
     <p:extLst>
       <p:ext uri="{BB962C8B-B14F-4D97-AF65-F5344CB8AC3E}">
-        <p14:creationId xmlns:p14="http://schemas.microsoft.com/office/powerpoint/2010/main" xmlns="" val="585023994"/>
+        <p14:creationId xmlns="" xmlns:p14="http://schemas.microsoft.com/office/powerpoint/2010/main" val="585023994"/>
       </p:ext>
     </p:extLst>
   </p:cSld>
@@ -3961,7 +3962,7 @@
     <a:masterClrMapping/>
   </p:clrMapOvr>
   <mc:AlternateContent xmlns:mc="http://schemas.openxmlformats.org/markup-compatibility/2006">
-    <mc:Choice xmlns:p14="http://schemas.microsoft.com/office/powerpoint/2010/main" xmlns="" Requires="p14">
+    <mc:Choice xmlns="" xmlns:p14="http://schemas.microsoft.com/office/powerpoint/2010/main" Requires="p14">
       <p:transition p14:dur="250">
         <p:fade/>
       </p:transition>
@@ -4483,7 +4484,7 @@
     </p:spTree>
     <p:extLst>
       <p:ext uri="{BB962C8B-B14F-4D97-AF65-F5344CB8AC3E}">
-        <p14:creationId xmlns:p14="http://schemas.microsoft.com/office/powerpoint/2010/main" xmlns="" val="585023994"/>
+        <p14:creationId xmlns="" xmlns:p14="http://schemas.microsoft.com/office/powerpoint/2010/main" val="585023994"/>
       </p:ext>
     </p:extLst>
   </p:cSld>
@@ -4491,7 +4492,7 @@
     <a:masterClrMapping/>
   </p:clrMapOvr>
   <mc:AlternateContent xmlns:mc="http://schemas.openxmlformats.org/markup-compatibility/2006">
-    <mc:Choice xmlns:p14="http://schemas.microsoft.com/office/powerpoint/2010/main" xmlns="" Requires="p14">
+    <mc:Choice xmlns="" xmlns:p14="http://schemas.microsoft.com/office/powerpoint/2010/main" Requires="p14">
       <p:transition p14:dur="250">
         <p:fade/>
       </p:transition>
@@ -4881,7 +4882,7 @@
     </p:spTree>
     <p:extLst>
       <p:ext uri="{BB962C8B-B14F-4D97-AF65-F5344CB8AC3E}">
-        <p14:creationId xmlns:p14="http://schemas.microsoft.com/office/powerpoint/2010/main" xmlns="" val="585023994"/>
+        <p14:creationId xmlns="" xmlns:p14="http://schemas.microsoft.com/office/powerpoint/2010/main" val="585023994"/>
       </p:ext>
     </p:extLst>
   </p:cSld>
@@ -4889,7 +4890,7 @@
     <a:masterClrMapping/>
   </p:clrMapOvr>
   <mc:AlternateContent xmlns:mc="http://schemas.openxmlformats.org/markup-compatibility/2006">
-    <mc:Choice xmlns:p14="http://schemas.microsoft.com/office/powerpoint/2010/main" xmlns="" Requires="p14">
+    <mc:Choice xmlns="" xmlns:p14="http://schemas.microsoft.com/office/powerpoint/2010/main" Requires="p14">
       <p:transition p14:dur="250">
         <p:fade/>
       </p:transition>
@@ -4996,7 +4997,7 @@
           <a:blip r:embed="rId2" cstate="print">
             <a:extLst>
               <a:ext uri="{28A0092B-C50C-407E-A947-70E740481C1C}">
-                <a14:useLocalDpi xmlns:a14="http://schemas.microsoft.com/office/drawing/2010/main" xmlns="" val="0"/>
+                <a14:useLocalDpi xmlns="" xmlns:a14="http://schemas.microsoft.com/office/drawing/2010/main" val="0"/>
               </a:ext>
             </a:extLst>
           </a:blip>
@@ -5103,7 +5104,7 @@
     </p:spTree>
     <p:extLst>
       <p:ext uri="{BB962C8B-B14F-4D97-AF65-F5344CB8AC3E}">
-        <p14:creationId xmlns:p14="http://schemas.microsoft.com/office/powerpoint/2010/main" xmlns="" val="3425622471"/>
+        <p14:creationId xmlns="" xmlns:p14="http://schemas.microsoft.com/office/powerpoint/2010/main" val="3425622471"/>
       </p:ext>
     </p:extLst>
   </p:cSld>
@@ -5111,7 +5112,7 @@
     <a:masterClrMapping/>
   </p:clrMapOvr>
   <mc:AlternateContent xmlns:mc="http://schemas.openxmlformats.org/markup-compatibility/2006">
-    <mc:Choice xmlns:p14="http://schemas.microsoft.com/office/powerpoint/2010/main" xmlns="" Requires="p14">
+    <mc:Choice xmlns="" xmlns:p14="http://schemas.microsoft.com/office/powerpoint/2010/main" Requires="p14">
       <p:transition p14:dur="250">
         <p:fade/>
       </p:transition>
@@ -5526,7 +5527,7 @@
     </p:spTree>
     <p:extLst>
       <p:ext uri="{BB962C8B-B14F-4D97-AF65-F5344CB8AC3E}">
-        <p14:creationId xmlns:p14="http://schemas.microsoft.com/office/powerpoint/2010/main" xmlns="" val="585023994"/>
+        <p14:creationId xmlns="" xmlns:p14="http://schemas.microsoft.com/office/powerpoint/2010/main" val="585023994"/>
       </p:ext>
     </p:extLst>
   </p:cSld>
@@ -5534,7 +5535,7 @@
     <a:masterClrMapping/>
   </p:clrMapOvr>
   <mc:AlternateContent xmlns:mc="http://schemas.openxmlformats.org/markup-compatibility/2006">
-    <mc:Choice xmlns:p14="http://schemas.microsoft.com/office/powerpoint/2010/main" xmlns="" Requires="p14">
+    <mc:Choice xmlns="" xmlns:p14="http://schemas.microsoft.com/office/powerpoint/2010/main" Requires="p14">
       <p:transition p14:dur="250">
         <p:fade/>
       </p:transition>
@@ -5924,7 +5925,7 @@
     </p:spTree>
     <p:extLst>
       <p:ext uri="{BB962C8B-B14F-4D97-AF65-F5344CB8AC3E}">
-        <p14:creationId xmlns:p14="http://schemas.microsoft.com/office/powerpoint/2010/main" xmlns="" val="585023994"/>
+        <p14:creationId xmlns="" xmlns:p14="http://schemas.microsoft.com/office/powerpoint/2010/main" val="585023994"/>
       </p:ext>
     </p:extLst>
   </p:cSld>
@@ -5932,7 +5933,7 @@
     <a:masterClrMapping/>
   </p:clrMapOvr>
   <mc:AlternateContent xmlns:mc="http://schemas.openxmlformats.org/markup-compatibility/2006">
-    <mc:Choice xmlns:p14="http://schemas.microsoft.com/office/powerpoint/2010/main" xmlns="" Requires="p14">
+    <mc:Choice xmlns="" xmlns:p14="http://schemas.microsoft.com/office/powerpoint/2010/main" Requires="p14">
       <p:transition p14:dur="250">
         <p:fade/>
       </p:transition>
@@ -6362,7 +6363,7 @@
     </p:spTree>
     <p:extLst>
       <p:ext uri="{BB962C8B-B14F-4D97-AF65-F5344CB8AC3E}">
-        <p14:creationId xmlns:p14="http://schemas.microsoft.com/office/powerpoint/2010/main" xmlns="" val="585023994"/>
+        <p14:creationId xmlns="" xmlns:p14="http://schemas.microsoft.com/office/powerpoint/2010/main" val="585023994"/>
       </p:ext>
     </p:extLst>
   </p:cSld>
@@ -6370,7 +6371,7 @@
     <a:masterClrMapping/>
   </p:clrMapOvr>
   <mc:AlternateContent xmlns:mc="http://schemas.openxmlformats.org/markup-compatibility/2006">
-    <mc:Choice xmlns:p14="http://schemas.microsoft.com/office/powerpoint/2010/main" xmlns="" Requires="p14">
+    <mc:Choice xmlns="" xmlns:p14="http://schemas.microsoft.com/office/powerpoint/2010/main" Requires="p14">
       <p:transition p14:dur="250">
         <p:fade/>
       </p:transition>
@@ -6966,7 +6967,7 @@
     </p:spTree>
     <p:extLst>
       <p:ext uri="{BB962C8B-B14F-4D97-AF65-F5344CB8AC3E}">
-        <p14:creationId xmlns:p14="http://schemas.microsoft.com/office/powerpoint/2010/main" xmlns="" val="585023994"/>
+        <p14:creationId xmlns="" xmlns:p14="http://schemas.microsoft.com/office/powerpoint/2010/main" val="585023994"/>
       </p:ext>
     </p:extLst>
   </p:cSld>
@@ -6974,7 +6975,7 @@
     <a:masterClrMapping/>
   </p:clrMapOvr>
   <mc:AlternateContent xmlns:mc="http://schemas.openxmlformats.org/markup-compatibility/2006">
-    <mc:Choice xmlns:p14="http://schemas.microsoft.com/office/powerpoint/2010/main" xmlns="" Requires="p14">
+    <mc:Choice xmlns="" xmlns:p14="http://schemas.microsoft.com/office/powerpoint/2010/main" Requires="p14">
       <p:transition p14:dur="250">
         <p:fade/>
       </p:transition>
@@ -7478,7 +7479,7 @@
     </p:spTree>
     <p:extLst>
       <p:ext uri="{BB962C8B-B14F-4D97-AF65-F5344CB8AC3E}">
-        <p14:creationId xmlns:p14="http://schemas.microsoft.com/office/powerpoint/2010/main" xmlns="" val="585023994"/>
+        <p14:creationId xmlns="" xmlns:p14="http://schemas.microsoft.com/office/powerpoint/2010/main" val="585023994"/>
       </p:ext>
     </p:extLst>
   </p:cSld>
@@ -7486,7 +7487,7 @@
     <a:masterClrMapping/>
   </p:clrMapOvr>
   <mc:AlternateContent xmlns:mc="http://schemas.openxmlformats.org/markup-compatibility/2006">
-    <mc:Choice xmlns:p14="http://schemas.microsoft.com/office/powerpoint/2010/main" xmlns="" Requires="p14">
+    <mc:Choice xmlns="" xmlns:p14="http://schemas.microsoft.com/office/powerpoint/2010/main" Requires="p14">
       <p:transition p14:dur="250">
         <p:fade/>
       </p:transition>
@@ -7924,7 +7925,7 @@
     </p:spTree>
     <p:extLst>
       <p:ext uri="{BB962C8B-B14F-4D97-AF65-F5344CB8AC3E}">
-        <p14:creationId xmlns:p14="http://schemas.microsoft.com/office/powerpoint/2010/main" xmlns="" val="585023994"/>
+        <p14:creationId xmlns="" xmlns:p14="http://schemas.microsoft.com/office/powerpoint/2010/main" val="585023994"/>
       </p:ext>
     </p:extLst>
   </p:cSld>
@@ -7932,7 +7933,7 @@
     <a:masterClrMapping/>
   </p:clrMapOvr>
   <mc:AlternateContent xmlns:mc="http://schemas.openxmlformats.org/markup-compatibility/2006">
-    <mc:Choice xmlns:p14="http://schemas.microsoft.com/office/powerpoint/2010/main" xmlns="" Requires="p14">
+    <mc:Choice xmlns="" xmlns:p14="http://schemas.microsoft.com/office/powerpoint/2010/main" Requires="p14">
       <p:transition p14:dur="250">
         <p:fade/>
       </p:transition>
@@ -8498,7 +8499,7 @@
     <a:masterClrMapping/>
   </p:clrMapOvr>
   <mc:AlternateContent xmlns:mc="http://schemas.openxmlformats.org/markup-compatibility/2006">
-    <mc:Choice xmlns:p14="http://schemas.microsoft.com/office/powerpoint/2010/main" xmlns="" Requires="p14">
+    <mc:Choice xmlns="" xmlns:p14="http://schemas.microsoft.com/office/powerpoint/2010/main" Requires="p14">
       <p:transition p14:dur="250">
         <p:fade/>
       </p:transition>
@@ -9015,7 +9016,7 @@
     </p:spTree>
     <p:extLst>
       <p:ext uri="{BB962C8B-B14F-4D97-AF65-F5344CB8AC3E}">
-        <p14:creationId xmlns:p14="http://schemas.microsoft.com/office/powerpoint/2010/main" xmlns="" val="585023994"/>
+        <p14:creationId xmlns="" xmlns:p14="http://schemas.microsoft.com/office/powerpoint/2010/main" val="585023994"/>
       </p:ext>
     </p:extLst>
   </p:cSld>
@@ -9023,7 +9024,7 @@
     <a:masterClrMapping/>
   </p:clrMapOvr>
   <mc:AlternateContent xmlns:mc="http://schemas.openxmlformats.org/markup-compatibility/2006">
-    <mc:Choice xmlns:p14="http://schemas.microsoft.com/office/powerpoint/2010/main" xmlns="" Requires="p14">
+    <mc:Choice xmlns="" xmlns:p14="http://schemas.microsoft.com/office/powerpoint/2010/main" Requires="p14">
       <p:transition p14:dur="250">
         <p:fade/>
       </p:transition>
@@ -9130,7 +9131,7 @@
           <a:blip r:embed="rId2" cstate="print">
             <a:extLst>
               <a:ext uri="{28A0092B-C50C-407E-A947-70E740481C1C}">
-                <a14:useLocalDpi xmlns:a14="http://schemas.microsoft.com/office/drawing/2010/main" xmlns="" val="0"/>
+                <a14:useLocalDpi xmlns="" xmlns:a14="http://schemas.microsoft.com/office/drawing/2010/main" val="0"/>
               </a:ext>
             </a:extLst>
           </a:blip>
@@ -9225,7 +9226,7 @@
     </p:spTree>
     <p:extLst>
       <p:ext uri="{BB962C8B-B14F-4D97-AF65-F5344CB8AC3E}">
-        <p14:creationId xmlns:p14="http://schemas.microsoft.com/office/powerpoint/2010/main" xmlns="" val="3425622471"/>
+        <p14:creationId xmlns="" xmlns:p14="http://schemas.microsoft.com/office/powerpoint/2010/main" val="3425622471"/>
       </p:ext>
     </p:extLst>
   </p:cSld>
@@ -9233,7 +9234,7 @@
     <a:masterClrMapping/>
   </p:clrMapOvr>
   <mc:AlternateContent xmlns:mc="http://schemas.openxmlformats.org/markup-compatibility/2006">
-    <mc:Choice xmlns:p14="http://schemas.microsoft.com/office/powerpoint/2010/main" xmlns="" Requires="p14">
+    <mc:Choice xmlns="" xmlns:p14="http://schemas.microsoft.com/office/powerpoint/2010/main" Requires="p14">
       <p:transition p14:dur="250">
         <p:fade/>
       </p:transition>
@@ -9362,7 +9363,42 @@
                 <a:latin typeface="Arial"/>
                 <a:cs typeface="Arial"/>
               </a:rPr>
-              <a:t>Events</a:t>
+              <a:t>Touch listener</a:t>
+            </a:r>
+          </a:p>
+          <a:p>
+            <a:pPr marL="12700">
+              <a:lnSpc>
+                <a:spcPct val="100000"/>
+              </a:lnSpc>
+            </a:pPr>
+            <a:endParaRPr lang="en-GB" sz="1600" b="1" cap="all" spc="200" dirty="0" smtClean="0">
+              <a:solidFill>
+                <a:schemeClr val="accent1">
+                  <a:lumMod val="75000"/>
+                </a:schemeClr>
+              </a:solidFill>
+              <a:latin typeface="Arial"/>
+              <a:cs typeface="Arial"/>
+            </a:endParaRPr>
+          </a:p>
+          <a:p>
+            <a:pPr marL="12700">
+              <a:lnSpc>
+                <a:spcPct val="100000"/>
+              </a:lnSpc>
+            </a:pPr>
+            <a:r>
+              <a:rPr lang="en-GB" sz="1600" b="1" cap="all" spc="200" dirty="0" smtClean="0">
+                <a:solidFill>
+                  <a:schemeClr val="accent1">
+                    <a:lumMod val="75000"/>
+                  </a:schemeClr>
+                </a:solidFill>
+                <a:latin typeface="Arial"/>
+                <a:cs typeface="Arial"/>
+              </a:rPr>
+              <a:t>Drag listener</a:t>
             </a:r>
             <a:endParaRPr lang="da-DK" sz="1600" b="1" cap="all" spc="200" dirty="0" smtClean="0">
               <a:solidFill>
@@ -9600,10 +9636,36 @@
           </a:p>
         </p:txBody>
       </p:sp>
+      <p:pic>
+        <p:nvPicPr>
+          <p:cNvPr id="2050" name="Picture 2" descr="C:\Local git workspace\sw606f13\report\img\layoutexample.png"/>
+          <p:cNvPicPr>
+            <a:picLocks noChangeAspect="1" noChangeArrowheads="1"/>
+          </p:cNvPicPr>
+          <p:nvPr/>
+        </p:nvPicPr>
+        <p:blipFill>
+          <a:blip r:embed="rId2" cstate="print"/>
+          <a:srcRect/>
+          <a:stretch>
+            <a:fillRect/>
+          </a:stretch>
+        </p:blipFill>
+        <p:spPr bwMode="auto">
+          <a:xfrm>
+            <a:off x="4788024" y="2552745"/>
+            <a:ext cx="4059188" cy="1641732"/>
+          </a:xfrm>
+          <a:prstGeom prst="rect">
+            <a:avLst/>
+          </a:prstGeom>
+          <a:noFill/>
+        </p:spPr>
+      </p:pic>
     </p:spTree>
     <p:extLst>
       <p:ext uri="{BB962C8B-B14F-4D97-AF65-F5344CB8AC3E}">
-        <p14:creationId xmlns:p14="http://schemas.microsoft.com/office/powerpoint/2010/main" xmlns="" val="585023994"/>
+        <p14:creationId xmlns="" xmlns:p14="http://schemas.microsoft.com/office/powerpoint/2010/main" val="585023994"/>
       </p:ext>
     </p:extLst>
   </p:cSld>
@@ -9611,7 +9673,7 @@
     <a:masterClrMapping/>
   </p:clrMapOvr>
   <mc:AlternateContent xmlns:mc="http://schemas.openxmlformats.org/markup-compatibility/2006">
-    <mc:Choice xmlns:p14="http://schemas.microsoft.com/office/powerpoint/2010/main" xmlns="" Requires="p14">
+    <mc:Choice xmlns="" xmlns:p14="http://schemas.microsoft.com/office/powerpoint/2010/main" Requires="p14">
       <p:transition p14:dur="250">
         <p:fade/>
       </p:transition>
@@ -9690,10 +9752,10 @@
                 <a:latin typeface="Arial"/>
                 <a:cs typeface="Arial"/>
               </a:rPr>
-              <a:t>Game </a:t>
-            </a:r>
-            <a:r>
-              <a:rPr lang="en-GB" sz="2400" kern="0" cap="all" spc="200" dirty="0" err="1" smtClean="0">
+              <a:t>Drag </a:t>
+            </a:r>
+            <a:r>
+              <a:rPr lang="en-GB" sz="2400" kern="0" cap="all" spc="200" dirty="0" smtClean="0">
                 <a:solidFill>
                   <a:schemeClr val="tx2">
                     <a:lumMod val="50000"/>
@@ -9702,7 +9764,7 @@
                 <a:latin typeface="Arial"/>
                 <a:cs typeface="Arial"/>
               </a:rPr>
-              <a:t>Drawables</a:t>
+              <a:t>events</a:t>
             </a:r>
             <a:endParaRPr sz="2400" kern="0" cap="all" spc="200" dirty="0">
               <a:solidFill>
@@ -9752,7 +9814,7 @@
                 <a:latin typeface="Arial"/>
                 <a:cs typeface="Arial"/>
               </a:rPr>
-              <a:t>Trains and wagons</a:t>
+              <a:t>Events</a:t>
             </a:r>
           </a:p>
           <a:p>
@@ -9762,7 +9824,7 @@
               </a:lnSpc>
             </a:pPr>
             <a:r>
-              <a:rPr lang="en-GB" sz="1200" cap="all" spc="200" dirty="0" smtClean="0">
+              <a:rPr lang="en-GB" sz="1200" spc="200" dirty="0" smtClean="0">
                 <a:solidFill>
                   <a:schemeClr val="accent1">
                     <a:lumMod val="75000"/>
@@ -9771,17 +9833,10 @@
                 <a:latin typeface="Arial"/>
                 <a:cs typeface="Arial"/>
               </a:rPr>
-              <a:t>Wheels</a:t>
-            </a:r>
-          </a:p>
-          <a:p>
-            <a:pPr marL="12700">
-              <a:lnSpc>
-                <a:spcPct val="100000"/>
-              </a:lnSpc>
-            </a:pPr>
-            <a:r>
-              <a:rPr lang="en-GB" sz="1200" cap="all" spc="200" dirty="0" smtClean="0">
+              <a:t>ACTION</a:t>
+            </a:r>
+            <a:r>
+              <a:rPr lang="en-GB" sz="1200" spc="200" dirty="0" smtClean="0">
                 <a:solidFill>
                   <a:schemeClr val="accent1">
                     <a:lumMod val="75000"/>
@@ -9790,7 +9845,7 @@
                 <a:latin typeface="Arial"/>
                 <a:cs typeface="Arial"/>
               </a:rPr>
-              <a:t>Train Smoke</a:t>
+              <a:t>_DRAG_START</a:t>
             </a:r>
           </a:p>
           <a:p>
@@ -9799,7 +9854,45 @@
                 <a:spcPct val="100000"/>
               </a:lnSpc>
             </a:pPr>
-            <a:endParaRPr lang="en-GB" sz="1600" b="1" cap="all" spc="200" dirty="0" smtClean="0">
+            <a:r>
+              <a:rPr lang="en-GB" sz="1200" spc="200" dirty="0" smtClean="0">
+                <a:solidFill>
+                  <a:schemeClr val="accent1">
+                    <a:lumMod val="75000"/>
+                  </a:schemeClr>
+                </a:solidFill>
+                <a:latin typeface="Arial"/>
+                <a:cs typeface="Arial"/>
+              </a:rPr>
+              <a:t>ACTION_DROP</a:t>
+            </a:r>
+          </a:p>
+          <a:p>
+            <a:pPr marL="12700">
+              <a:lnSpc>
+                <a:spcPct val="100000"/>
+              </a:lnSpc>
+            </a:pPr>
+            <a:r>
+              <a:rPr lang="en-GB" sz="1200" spc="200" dirty="0" smtClean="0">
+                <a:solidFill>
+                  <a:schemeClr val="accent1">
+                    <a:lumMod val="75000"/>
+                  </a:schemeClr>
+                </a:solidFill>
+                <a:latin typeface="Arial"/>
+                <a:cs typeface="Arial"/>
+              </a:rPr>
+              <a:t>ACTION_DRAG_ENDED</a:t>
+            </a:r>
+          </a:p>
+          <a:p>
+            <a:pPr marL="12700">
+              <a:lnSpc>
+                <a:spcPct val="100000"/>
+              </a:lnSpc>
+            </a:pPr>
+            <a:endParaRPr lang="da-DK" sz="1200" spc="200" dirty="0" smtClean="0">
               <a:solidFill>
                 <a:schemeClr val="accent1">
                   <a:lumMod val="75000"/>
@@ -9808,155 +9901,6 @@
               <a:latin typeface="Arial"/>
               <a:cs typeface="Arial"/>
             </a:endParaRPr>
-          </a:p>
-          <a:p>
-            <a:pPr marL="12700">
-              <a:lnSpc>
-                <a:spcPct val="100000"/>
-              </a:lnSpc>
-            </a:pPr>
-            <a:r>
-              <a:rPr lang="en-GB" sz="1600" b="1" cap="all" spc="200" dirty="0" smtClean="0">
-                <a:solidFill>
-                  <a:schemeClr val="accent1">
-                    <a:lumMod val="75000"/>
-                  </a:schemeClr>
-                </a:solidFill>
-                <a:latin typeface="Arial"/>
-                <a:cs typeface="Arial"/>
-              </a:rPr>
-              <a:t>Station</a:t>
-            </a:r>
-          </a:p>
-          <a:p>
-            <a:pPr marL="12700">
-              <a:lnSpc>
-                <a:spcPct val="100000"/>
-              </a:lnSpc>
-            </a:pPr>
-            <a:r>
-              <a:rPr lang="en-GB" sz="1200" cap="all" spc="200" dirty="0" smtClean="0">
-                <a:solidFill>
-                  <a:schemeClr val="accent1">
-                    <a:lumMod val="75000"/>
-                  </a:schemeClr>
-                </a:solidFill>
-                <a:latin typeface="Arial"/>
-                <a:cs typeface="Arial"/>
-              </a:rPr>
-              <a:t>Random sequence</a:t>
-            </a:r>
-          </a:p>
-          <a:p>
-            <a:pPr marL="12700">
-              <a:lnSpc>
-                <a:spcPct val="100000"/>
-              </a:lnSpc>
-            </a:pPr>
-            <a:endParaRPr lang="en-GB" sz="1600" b="1" cap="all" spc="200" dirty="0" smtClean="0">
-              <a:solidFill>
-                <a:schemeClr val="accent1">
-                  <a:lumMod val="75000"/>
-                </a:schemeClr>
-              </a:solidFill>
-              <a:latin typeface="Arial"/>
-              <a:cs typeface="Arial"/>
-            </a:endParaRPr>
-          </a:p>
-          <a:p>
-            <a:pPr marL="12700">
-              <a:lnSpc>
-                <a:spcPct val="100000"/>
-              </a:lnSpc>
-            </a:pPr>
-            <a:r>
-              <a:rPr lang="en-GB" sz="1600" b="1" cap="all" spc="200" dirty="0" smtClean="0">
-                <a:solidFill>
-                  <a:schemeClr val="accent1">
-                    <a:lumMod val="75000"/>
-                  </a:schemeClr>
-                </a:solidFill>
-                <a:latin typeface="Arial"/>
-                <a:cs typeface="Arial"/>
-              </a:rPr>
-              <a:t>Game Background</a:t>
-            </a:r>
-          </a:p>
-          <a:p>
-            <a:pPr marL="12700">
-              <a:lnSpc>
-                <a:spcPct val="100000"/>
-              </a:lnSpc>
-            </a:pPr>
-            <a:r>
-              <a:rPr lang="en-GB" sz="1200" cap="all" spc="200" dirty="0" smtClean="0">
-                <a:solidFill>
-                  <a:schemeClr val="accent1">
-                    <a:lumMod val="75000"/>
-                  </a:schemeClr>
-                </a:solidFill>
-                <a:latin typeface="Arial"/>
-                <a:cs typeface="Arial"/>
-              </a:rPr>
-              <a:t>Hills</a:t>
-            </a:r>
-          </a:p>
-          <a:p>
-            <a:pPr marL="12700">
-              <a:lnSpc>
-                <a:spcPct val="100000"/>
-              </a:lnSpc>
-            </a:pPr>
-            <a:r>
-              <a:rPr lang="en-GB" sz="1200" cap="all" spc="200" dirty="0" smtClean="0">
-                <a:solidFill>
-                  <a:schemeClr val="accent1">
-                    <a:lumMod val="75000"/>
-                  </a:schemeClr>
-                </a:solidFill>
-                <a:latin typeface="Arial"/>
-                <a:cs typeface="Arial"/>
-              </a:rPr>
-              <a:t>Trees</a:t>
-            </a:r>
-          </a:p>
-          <a:p>
-            <a:pPr marL="12700">
-              <a:lnSpc>
-                <a:spcPct val="100000"/>
-              </a:lnSpc>
-            </a:pPr>
-            <a:r>
-              <a:rPr lang="en-GB" sz="1200" cap="all" spc="200" dirty="0" smtClean="0">
-                <a:solidFill>
-                  <a:schemeClr val="accent1">
-                    <a:lumMod val="75000"/>
-                  </a:schemeClr>
-                </a:solidFill>
-                <a:latin typeface="Arial"/>
-                <a:cs typeface="Arial"/>
-              </a:rPr>
-              <a:t>Cows</a:t>
-            </a:r>
-          </a:p>
-          <a:p>
-            <a:pPr marL="12700">
-              <a:lnSpc>
-                <a:spcPct val="100000"/>
-              </a:lnSpc>
-            </a:pPr>
-            <a:r>
-              <a:rPr lang="en-GB" sz="1200" cap="all" spc="200" dirty="0" smtClean="0">
-                <a:solidFill>
-                  <a:schemeClr val="accent1">
-                    <a:lumMod val="75000"/>
-                  </a:schemeClr>
-                </a:solidFill>
-                <a:latin typeface="Arial"/>
-                <a:cs typeface="Arial"/>
-              </a:rPr>
-              <a:t>Clouds</a:t>
-            </a:r>
           </a:p>
         </p:txBody>
       </p:sp>
@@ -10187,7 +10131,7 @@
     </p:spTree>
     <p:extLst>
       <p:ext uri="{BB962C8B-B14F-4D97-AF65-F5344CB8AC3E}">
-        <p14:creationId xmlns:p14="http://schemas.microsoft.com/office/powerpoint/2010/main" xmlns="" val="585023994"/>
+        <p14:creationId xmlns="" xmlns:p14="http://schemas.microsoft.com/office/powerpoint/2010/main" val="585023994"/>
       </p:ext>
     </p:extLst>
   </p:cSld>
@@ -10195,7 +10139,7 @@
     <a:masterClrMapping/>
   </p:clrMapOvr>
   <mc:AlternateContent xmlns:mc="http://schemas.openxmlformats.org/markup-compatibility/2006">
-    <mc:Choice xmlns:p14="http://schemas.microsoft.com/office/powerpoint/2010/main" xmlns="" Requires="p14">
+    <mc:Choice xmlns="" xmlns:p14="http://schemas.microsoft.com/office/powerpoint/2010/main" Requires="p14">
       <p:transition p14:dur="250">
         <p:fade/>
       </p:transition>
@@ -10236,17 +10180,328 @@
       <p:sp>
         <p:nvSpPr>
           <p:cNvPr id="2" name="object 2"/>
+          <p:cNvSpPr txBox="1"/>
+          <p:nvPr/>
+        </p:nvSpPr>
+        <p:spPr>
+          <a:xfrm>
+            <a:off x="626300" y="562800"/>
+            <a:ext cx="6231700" cy="368935"/>
+          </a:xfrm>
+          <a:prstGeom prst="rect">
+            <a:avLst/>
+          </a:prstGeom>
+        </p:spPr>
+        <p:txBody>
+          <a:bodyPr vert="horz" wrap="square" lIns="0" tIns="0" rIns="0" bIns="0" rtlCol="0">
+            <a:noAutofit/>
+          </a:bodyPr>
+          <a:lstStyle/>
+          <a:p>
+            <a:pPr marL="12700">
+              <a:lnSpc>
+                <a:spcPct val="100000"/>
+              </a:lnSpc>
+              <a:tabLst>
+                <a:tab pos="1641475" algn="l"/>
+                <a:tab pos="2152650" algn="l"/>
+                <a:tab pos="3412490" algn="l"/>
+              </a:tabLst>
+            </a:pPr>
+            <a:r>
+              <a:rPr lang="en-GB" sz="2400" kern="0" cap="all" spc="200" dirty="0" smtClean="0">
+                <a:solidFill>
+                  <a:schemeClr val="tx2">
+                    <a:lumMod val="50000"/>
+                  </a:schemeClr>
+                </a:solidFill>
+                <a:latin typeface="Arial"/>
+                <a:cs typeface="Arial"/>
+              </a:rPr>
+              <a:t>Game </a:t>
+            </a:r>
+            <a:r>
+              <a:rPr lang="en-GB" sz="2400" kern="0" cap="all" spc="200" dirty="0" err="1" smtClean="0">
+                <a:solidFill>
+                  <a:schemeClr val="tx2">
+                    <a:lumMod val="50000"/>
+                  </a:schemeClr>
+                </a:solidFill>
+                <a:latin typeface="Arial"/>
+                <a:cs typeface="Arial"/>
+              </a:rPr>
+              <a:t>Drawables</a:t>
+            </a:r>
+            <a:endParaRPr sz="2400" kern="0" cap="all" spc="200" dirty="0">
+              <a:solidFill>
+                <a:schemeClr val="tx2">
+                  <a:lumMod val="50000"/>
+                </a:schemeClr>
+              </a:solidFill>
+              <a:latin typeface="Arial"/>
+              <a:cs typeface="Arial"/>
+            </a:endParaRPr>
+          </a:p>
+        </p:txBody>
+      </p:sp>
+      <p:sp>
+        <p:nvSpPr>
+          <p:cNvPr id="3" name="object 3"/>
+          <p:cNvSpPr txBox="1"/>
+          <p:nvPr/>
+        </p:nvSpPr>
+        <p:spPr>
+          <a:xfrm>
+            <a:off x="626300" y="1155199"/>
+            <a:ext cx="5283200" cy="4074001"/>
+          </a:xfrm>
+          <a:prstGeom prst="rect">
+            <a:avLst/>
+          </a:prstGeom>
+        </p:spPr>
+        <p:txBody>
+          <a:bodyPr vert="horz" wrap="square" lIns="0" tIns="0" rIns="0" bIns="0" rtlCol="0">
+            <a:noAutofit/>
+          </a:bodyPr>
+          <a:lstStyle/>
+          <a:p>
+            <a:pPr marL="12700">
+              <a:lnSpc>
+                <a:spcPct val="100000"/>
+              </a:lnSpc>
+            </a:pPr>
+            <a:r>
+              <a:rPr lang="en-GB" sz="1600" b="1" cap="all" spc="200" dirty="0" smtClean="0">
+                <a:solidFill>
+                  <a:schemeClr val="accent1">
+                    <a:lumMod val="75000"/>
+                  </a:schemeClr>
+                </a:solidFill>
+                <a:latin typeface="Arial"/>
+                <a:cs typeface="Arial"/>
+              </a:rPr>
+              <a:t>Trains and wagons</a:t>
+            </a:r>
+          </a:p>
+          <a:p>
+            <a:pPr marL="12700">
+              <a:lnSpc>
+                <a:spcPct val="100000"/>
+              </a:lnSpc>
+            </a:pPr>
+            <a:r>
+              <a:rPr lang="en-GB" sz="1200" cap="all" spc="200" dirty="0" smtClean="0">
+                <a:solidFill>
+                  <a:schemeClr val="accent1">
+                    <a:lumMod val="75000"/>
+                  </a:schemeClr>
+                </a:solidFill>
+                <a:latin typeface="Arial"/>
+                <a:cs typeface="Arial"/>
+              </a:rPr>
+              <a:t>Wheels</a:t>
+            </a:r>
+          </a:p>
+          <a:p>
+            <a:pPr marL="12700">
+              <a:lnSpc>
+                <a:spcPct val="100000"/>
+              </a:lnSpc>
+            </a:pPr>
+            <a:r>
+              <a:rPr lang="en-GB" sz="1200" cap="all" spc="200" dirty="0" smtClean="0">
+                <a:solidFill>
+                  <a:schemeClr val="accent1">
+                    <a:lumMod val="75000"/>
+                  </a:schemeClr>
+                </a:solidFill>
+                <a:latin typeface="Arial"/>
+                <a:cs typeface="Arial"/>
+              </a:rPr>
+              <a:t>Train Smoke</a:t>
+            </a:r>
+          </a:p>
+          <a:p>
+            <a:pPr marL="12700">
+              <a:lnSpc>
+                <a:spcPct val="100000"/>
+              </a:lnSpc>
+            </a:pPr>
+            <a:endParaRPr lang="en-GB" sz="1600" b="1" cap="all" spc="200" dirty="0" smtClean="0">
+              <a:solidFill>
+                <a:schemeClr val="accent1">
+                  <a:lumMod val="75000"/>
+                </a:schemeClr>
+              </a:solidFill>
+              <a:latin typeface="Arial"/>
+              <a:cs typeface="Arial"/>
+            </a:endParaRPr>
+          </a:p>
+          <a:p>
+            <a:pPr marL="12700">
+              <a:lnSpc>
+                <a:spcPct val="100000"/>
+              </a:lnSpc>
+            </a:pPr>
+            <a:r>
+              <a:rPr lang="en-GB" sz="1600" b="1" cap="all" spc="200" dirty="0" smtClean="0">
+                <a:solidFill>
+                  <a:schemeClr val="accent1">
+                    <a:lumMod val="75000"/>
+                  </a:schemeClr>
+                </a:solidFill>
+                <a:latin typeface="Arial"/>
+                <a:cs typeface="Arial"/>
+              </a:rPr>
+              <a:t>Station</a:t>
+            </a:r>
+          </a:p>
+          <a:p>
+            <a:pPr marL="12700">
+              <a:lnSpc>
+                <a:spcPct val="100000"/>
+              </a:lnSpc>
+            </a:pPr>
+            <a:r>
+              <a:rPr lang="en-GB" sz="1200" cap="all" spc="200" dirty="0" smtClean="0">
+                <a:solidFill>
+                  <a:schemeClr val="accent1">
+                    <a:lumMod val="75000"/>
+                  </a:schemeClr>
+                </a:solidFill>
+                <a:latin typeface="Arial"/>
+                <a:cs typeface="Arial"/>
+              </a:rPr>
+              <a:t>Random sequence</a:t>
+            </a:r>
+          </a:p>
+          <a:p>
+            <a:pPr marL="12700">
+              <a:lnSpc>
+                <a:spcPct val="100000"/>
+              </a:lnSpc>
+            </a:pPr>
+            <a:endParaRPr lang="en-GB" sz="1600" b="1" cap="all" spc="200" dirty="0" smtClean="0">
+              <a:solidFill>
+                <a:schemeClr val="accent1">
+                  <a:lumMod val="75000"/>
+                </a:schemeClr>
+              </a:solidFill>
+              <a:latin typeface="Arial"/>
+              <a:cs typeface="Arial"/>
+            </a:endParaRPr>
+          </a:p>
+          <a:p>
+            <a:pPr marL="12700">
+              <a:lnSpc>
+                <a:spcPct val="100000"/>
+              </a:lnSpc>
+            </a:pPr>
+            <a:r>
+              <a:rPr lang="en-GB" sz="1600" b="1" cap="all" spc="200" dirty="0" smtClean="0">
+                <a:solidFill>
+                  <a:schemeClr val="accent1">
+                    <a:lumMod val="75000"/>
+                  </a:schemeClr>
+                </a:solidFill>
+                <a:latin typeface="Arial"/>
+                <a:cs typeface="Arial"/>
+              </a:rPr>
+              <a:t>Game Background</a:t>
+            </a:r>
+          </a:p>
+          <a:p>
+            <a:pPr marL="12700">
+              <a:lnSpc>
+                <a:spcPct val="100000"/>
+              </a:lnSpc>
+            </a:pPr>
+            <a:r>
+              <a:rPr lang="en-GB" sz="1200" cap="all" spc="200" dirty="0" smtClean="0">
+                <a:solidFill>
+                  <a:schemeClr val="accent1">
+                    <a:lumMod val="75000"/>
+                  </a:schemeClr>
+                </a:solidFill>
+                <a:latin typeface="Arial"/>
+                <a:cs typeface="Arial"/>
+              </a:rPr>
+              <a:t>Hills</a:t>
+            </a:r>
+          </a:p>
+          <a:p>
+            <a:pPr marL="12700">
+              <a:lnSpc>
+                <a:spcPct val="100000"/>
+              </a:lnSpc>
+            </a:pPr>
+            <a:r>
+              <a:rPr lang="en-GB" sz="1200" cap="all" spc="200" dirty="0" smtClean="0">
+                <a:solidFill>
+                  <a:schemeClr val="accent1">
+                    <a:lumMod val="75000"/>
+                  </a:schemeClr>
+                </a:solidFill>
+                <a:latin typeface="Arial"/>
+                <a:cs typeface="Arial"/>
+              </a:rPr>
+              <a:t>Trees</a:t>
+            </a:r>
+          </a:p>
+          <a:p>
+            <a:pPr marL="12700">
+              <a:lnSpc>
+                <a:spcPct val="100000"/>
+              </a:lnSpc>
+            </a:pPr>
+            <a:r>
+              <a:rPr lang="en-GB" sz="1200" cap="all" spc="200" dirty="0" smtClean="0">
+                <a:solidFill>
+                  <a:schemeClr val="accent1">
+                    <a:lumMod val="75000"/>
+                  </a:schemeClr>
+                </a:solidFill>
+                <a:latin typeface="Arial"/>
+                <a:cs typeface="Arial"/>
+              </a:rPr>
+              <a:t>Cows</a:t>
+            </a:r>
+          </a:p>
+          <a:p>
+            <a:pPr marL="12700">
+              <a:lnSpc>
+                <a:spcPct val="100000"/>
+              </a:lnSpc>
+            </a:pPr>
+            <a:r>
+              <a:rPr lang="en-GB" sz="1200" cap="all" spc="200" dirty="0" smtClean="0">
+                <a:solidFill>
+                  <a:schemeClr val="accent1">
+                    <a:lumMod val="75000"/>
+                  </a:schemeClr>
+                </a:solidFill>
+                <a:latin typeface="Arial"/>
+                <a:cs typeface="Arial"/>
+              </a:rPr>
+              <a:t>Clouds</a:t>
+            </a:r>
+          </a:p>
+        </p:txBody>
+      </p:sp>
+      <p:sp>
+        <p:nvSpPr>
+          <p:cNvPr id="8" name="object 4"/>
           <p:cNvSpPr txBox="1">
             <a:spLocks noGrp="1"/>
           </p:cNvSpPr>
           <p:nvPr>
-            <p:ph type="title"/>
+            <p:ph type="ftr" sz="quarter" idx="4294967295"/>
           </p:nvPr>
         </p:nvSpPr>
         <p:spPr>
           <a:xfrm>
-            <a:off x="1827956" y="2420888"/>
-            <a:ext cx="5536756" cy="1023270"/>
+            <a:off x="2540146" y="5952019"/>
+            <a:ext cx="4343400" cy="143981"/>
           </a:xfrm>
           <a:prstGeom prst="rect">
             <a:avLst/>
@@ -10258,30 +10513,99 @@
           </a:bodyPr>
           <a:lstStyle/>
           <a:p>
-            <a:pPr marR="0" algn="ctr">
-              <a:lnSpc>
-                <a:spcPts val="3960"/>
-              </a:lnSpc>
-              <a:tabLst>
-                <a:tab pos="1676400" algn="l"/>
-              </a:tabLst>
-            </a:pPr>
-            <a:r>
-              <a:rPr lang="da-DK" sz="3600" b="1" dirty="0" smtClean="0">
-                <a:solidFill>
-                  <a:schemeClr val="tx2">
-                    <a:lumMod val="50000"/>
-                  </a:schemeClr>
-                </a:solidFill>
-                <a:latin typeface="Arial"/>
-                <a:cs typeface="Arial"/>
-              </a:rPr>
-              <a:t>Conclusion</a:t>
-            </a:r>
-            <a:endParaRPr sz="3600" b="1" dirty="0">
-              <a:solidFill>
-                <a:schemeClr val="tx2">
+            <a:pPr marL="12700">
+              <a:lnSpc>
+                <a:spcPct val="100000"/>
+              </a:lnSpc>
+            </a:pPr>
+            <a:fld id="{9561DEC8-19EE-4A79-9D71-66FF6B3E3434}" type="slidenum">
+              <a:rPr lang="da-DK" sz="850" b="1" kern="0" cap="all" spc="200" smtClean="0">
+                <a:solidFill>
+                  <a:schemeClr val="tx1">
+                    <a:lumMod val="50000"/>
+                    <a:lumOff val="50000"/>
+                  </a:schemeClr>
+                </a:solidFill>
+                <a:latin typeface="Arial"/>
+                <a:cs typeface="Arial"/>
+              </a:rPr>
+              <a:pPr marL="12700">
+                <a:lnSpc>
+                  <a:spcPct val="100000"/>
+                </a:lnSpc>
+              </a:pPr>
+              <a:t>24</a:t>
+            </a:fld>
+            <a:r>
+              <a:rPr lang="da-DK" sz="850" b="1" kern="0" cap="all" spc="200" dirty="0" smtClean="0">
+                <a:solidFill>
+                  <a:schemeClr val="tx1">
+                    <a:lumMod val="50000"/>
+                    <a:lumOff val="50000"/>
+                  </a:schemeClr>
+                </a:solidFill>
+                <a:latin typeface="Arial"/>
+                <a:cs typeface="Arial"/>
+              </a:rPr>
+              <a:t> </a:t>
+            </a:r>
+            <a:r>
+              <a:rPr sz="850" b="1" kern="0" cap="all" spc="200" dirty="0" smtClean="0">
+                <a:solidFill>
+                  <a:schemeClr val="tx1">
+                    <a:lumMod val="50000"/>
+                    <a:lumOff val="50000"/>
+                  </a:schemeClr>
+                </a:solidFill>
+                <a:latin typeface="Arial"/>
+                <a:cs typeface="Arial"/>
+              </a:rPr>
+              <a:t>OF</a:t>
+            </a:r>
+            <a:r>
+              <a:rPr lang="da-DK" sz="850" b="1" kern="0" cap="all" spc="200" dirty="0" smtClean="0">
+                <a:solidFill>
+                  <a:schemeClr val="tx1">
+                    <a:lumMod val="50000"/>
+                    <a:lumOff val="50000"/>
+                  </a:schemeClr>
+                </a:solidFill>
+                <a:latin typeface="Arial"/>
+                <a:cs typeface="Arial"/>
+              </a:rPr>
+              <a:t> </a:t>
+            </a:r>
+            <a:r>
+              <a:rPr lang="da-DK" sz="850" b="1" kern="0" cap="all" spc="200" dirty="0">
+                <a:solidFill>
+                  <a:schemeClr val="tx1">
+                    <a:lumMod val="50000"/>
+                    <a:lumOff val="50000"/>
+                  </a:schemeClr>
+                </a:solidFill>
+                <a:latin typeface="Arial"/>
+                <a:cs typeface="Arial"/>
+              </a:rPr>
+              <a:t>24  | </a:t>
+            </a:r>
+            <a:r>
+              <a:rPr lang="da-DK" sz="850" b="1" kern="0" spc="200" dirty="0" smtClean="0">
+                <a:solidFill>
+                  <a:schemeClr val="tx1">
+                    <a:lumMod val="50000"/>
+                    <a:lumOff val="50000"/>
+                  </a:schemeClr>
+                </a:solidFill>
+                <a:latin typeface="Arial"/>
+                <a:cs typeface="Arial"/>
+              </a:rPr>
+              <a:t>26.06.2013</a:t>
+            </a:r>
+            <a:endParaRPr sz="850" kern="0" cap="all" spc="200" dirty="0">
+              <a:solidFill>
+                <a:schemeClr val="tx1">
                   <a:lumMod val="50000"/>
+                  <a:lumOff val="50000"/>
                 </a:schemeClr>
               </a:solidFill>
               <a:latin typeface="Arial"/>
@@ -10290,102 +10614,96 @@
           </a:p>
         </p:txBody>
       </p:sp>
-      <p:pic>
-        <p:nvPicPr>
-          <p:cNvPr id="10" name="Billede 9"/>
-          <p:cNvPicPr>
-            <a:picLocks noChangeAspect="1"/>
-          </p:cNvPicPr>
+      <p:sp>
+        <p:nvSpPr>
+          <p:cNvPr id="9" name="object 7"/>
+          <p:cNvSpPr txBox="1"/>
           <p:nvPr/>
-        </p:nvPicPr>
-        <p:blipFill>
-          <a:blip r:embed="rId2" cstate="print">
-            <a:extLst>
-              <a:ext uri="{28A0092B-C50C-407E-A947-70E740481C1C}">
-                <a14:useLocalDpi xmlns:a14="http://schemas.microsoft.com/office/drawing/2010/main" xmlns="" val="0"/>
-              </a:ext>
-            </a:extLst>
-          </a:blip>
-          <a:stretch>
-            <a:fillRect/>
-          </a:stretch>
-        </p:blipFill>
+        </p:nvSpPr>
         <p:spPr>
           <a:xfrm>
-            <a:off x="3824699" y="5576322"/>
-            <a:ext cx="1543270" cy="1009770"/>
+            <a:off x="2743200" y="6137888"/>
+            <a:ext cx="3682706" cy="294005"/>
           </a:xfrm>
           <a:prstGeom prst="rect">
             <a:avLst/>
           </a:prstGeom>
         </p:spPr>
-      </p:pic>
-      <p:sp>
-        <p:nvSpPr>
-          <p:cNvPr id="4" name="Rektangel 3"/>
-          <p:cNvSpPr/>
-          <p:nvPr/>
-        </p:nvSpPr>
-        <p:spPr>
-          <a:xfrm>
-            <a:off x="2286000" y="3516166"/>
-            <a:ext cx="4572000" cy="276999"/>
-          </a:xfrm>
-          <a:prstGeom prst="rect">
-            <a:avLst/>
-          </a:prstGeom>
-        </p:spPr>
-        <p:txBody>
-          <a:bodyPr>
-            <a:spAutoFit/>
+        <p:txBody>
+          <a:bodyPr vert="horz" wrap="square" lIns="0" tIns="0" rIns="0" bIns="0" rtlCol="0">
+            <a:noAutofit/>
           </a:bodyPr>
           <a:lstStyle/>
           <a:p>
-            <a:pPr marR="28575" algn="ctr">
-              <a:lnSpc>
-                <a:spcPct val="100000"/>
-              </a:lnSpc>
-            </a:pPr>
-            <a:r>
-              <a:rPr lang="en-US" sz="1200" kern="0" cap="all" spc="200" dirty="0" smtClean="0">
-                <a:solidFill>
-                  <a:schemeClr val="tx2">
-                    <a:lumMod val="50000"/>
-                  </a:schemeClr>
-                </a:solidFill>
-                <a:latin typeface="Arial"/>
-                <a:cs typeface="Arial"/>
-              </a:rPr>
-              <a:t>Jacob </a:t>
-            </a:r>
-            <a:r>
-              <a:rPr lang="en-US" sz="1200" kern="0" cap="all" spc="200" dirty="0" err="1" smtClean="0">
-                <a:solidFill>
-                  <a:schemeClr val="tx2">
-                    <a:lumMod val="50000"/>
-                  </a:schemeClr>
-                </a:solidFill>
-                <a:latin typeface="Arial"/>
-                <a:cs typeface="Arial"/>
-              </a:rPr>
-              <a:t>Karstensen</a:t>
-            </a:r>
-            <a:r>
-              <a:rPr lang="en-US" sz="1200" kern="0" cap="all" spc="200" dirty="0" smtClean="0">
-                <a:solidFill>
-                  <a:schemeClr val="tx2">
-                    <a:lumMod val="50000"/>
-                  </a:schemeClr>
-                </a:solidFill>
-                <a:latin typeface="Arial"/>
-                <a:cs typeface="Arial"/>
-              </a:rPr>
-              <a:t> Wortmann</a:t>
-            </a:r>
-            <a:endParaRPr lang="en-US" sz="1200" kern="0" cap="all" spc="200" dirty="0">
-              <a:solidFill>
-                <a:schemeClr val="tx2">
+            <a:pPr algn="ctr">
+              <a:lnSpc>
+                <a:spcPct val="100000"/>
+              </a:lnSpc>
+            </a:pPr>
+            <a:r>
+              <a:rPr lang="da-DK" sz="850" b="1" kern="0" cap="all" spc="200" dirty="0" smtClean="0">
+                <a:solidFill>
+                  <a:schemeClr val="tx1">
+                    <a:lumMod val="50000"/>
+                    <a:lumOff val="50000"/>
+                  </a:schemeClr>
+                </a:solidFill>
+                <a:latin typeface="Arial"/>
+                <a:cs typeface="Arial"/>
+              </a:rPr>
+              <a:t>Department of computer science</a:t>
+            </a:r>
+            <a:endParaRPr sz="850" b="1" kern="0" cap="all" spc="200" dirty="0" smtClean="0">
+              <a:solidFill>
+                <a:schemeClr val="tx1">
                   <a:lumMod val="50000"/>
+                  <a:lumOff val="50000"/>
+                </a:schemeClr>
+              </a:solidFill>
+              <a:latin typeface="Arial"/>
+              <a:cs typeface="Arial"/>
+            </a:endParaRPr>
+          </a:p>
+          <a:p>
+            <a:pPr marR="20320" algn="ctr">
+              <a:lnSpc>
+                <a:spcPct val="100000"/>
+              </a:lnSpc>
+              <a:spcBef>
+                <a:spcPts val="180"/>
+              </a:spcBef>
+            </a:pPr>
+            <a:r>
+              <a:rPr sz="850" kern="0" cap="all" spc="200" dirty="0" smtClean="0">
+                <a:solidFill>
+                  <a:schemeClr val="tx1">
+                    <a:lumMod val="50000"/>
+                    <a:lumOff val="50000"/>
+                  </a:schemeClr>
+                </a:solidFill>
+                <a:latin typeface="Arial"/>
+                <a:cs typeface="Arial"/>
+              </a:rPr>
+              <a:t>AALBORG</a:t>
+            </a:r>
+            <a:r>
+              <a:rPr lang="da-DK" sz="850" kern="0" cap="all" spc="200" dirty="0" smtClean="0">
+                <a:solidFill>
+                  <a:schemeClr val="tx1">
+                    <a:lumMod val="50000"/>
+                    <a:lumOff val="50000"/>
+                  </a:schemeClr>
+                </a:solidFill>
+                <a:latin typeface="Arial"/>
+                <a:cs typeface="Arial"/>
+              </a:rPr>
+              <a:t> UNIVERSITy</a:t>
+            </a:r>
+            <a:endParaRPr sz="850" kern="0" cap="all" spc="200" dirty="0">
+              <a:solidFill>
+                <a:schemeClr val="tx1">
+                  <a:lumMod val="50000"/>
+                  <a:lumOff val="50000"/>
                 </a:schemeClr>
               </a:solidFill>
               <a:latin typeface="Arial"/>
@@ -10397,7 +10715,7 @@
     </p:spTree>
     <p:extLst>
       <p:ext uri="{BB962C8B-B14F-4D97-AF65-F5344CB8AC3E}">
-        <p14:creationId xmlns:p14="http://schemas.microsoft.com/office/powerpoint/2010/main" xmlns="" val="3425622471"/>
+        <p14:creationId xmlns="" xmlns:p14="http://schemas.microsoft.com/office/powerpoint/2010/main" val="585023994"/>
       </p:ext>
     </p:extLst>
   </p:cSld>
@@ -10405,7 +10723,7 @@
     <a:masterClrMapping/>
   </p:clrMapOvr>
   <mc:AlternateContent xmlns:mc="http://schemas.openxmlformats.org/markup-compatibility/2006">
-    <mc:Choice xmlns:p14="http://schemas.microsoft.com/office/powerpoint/2010/main" xmlns="" Requires="p14">
+    <mc:Choice xmlns="" xmlns:p14="http://schemas.microsoft.com/office/powerpoint/2010/main" Requires="p14">
       <p:transition p14:dur="250">
         <p:fade/>
       </p:transition>
@@ -10446,205 +10764,17 @@
       <p:sp>
         <p:nvSpPr>
           <p:cNvPr id="2" name="object 2"/>
-          <p:cNvSpPr txBox="1"/>
-          <p:nvPr/>
-        </p:nvSpPr>
-        <p:spPr>
-          <a:xfrm>
-            <a:off x="626300" y="562800"/>
-            <a:ext cx="6231700" cy="368935"/>
-          </a:xfrm>
-          <a:prstGeom prst="rect">
-            <a:avLst/>
-          </a:prstGeom>
-        </p:spPr>
-        <p:txBody>
-          <a:bodyPr vert="horz" wrap="square" lIns="0" tIns="0" rIns="0" bIns="0" rtlCol="0">
-            <a:noAutofit/>
-          </a:bodyPr>
-          <a:lstStyle/>
-          <a:p>
-            <a:pPr marL="12700">
-              <a:lnSpc>
-                <a:spcPct val="100000"/>
-              </a:lnSpc>
-              <a:tabLst>
-                <a:tab pos="1641475" algn="l"/>
-                <a:tab pos="2152650" algn="l"/>
-                <a:tab pos="3412490" algn="l"/>
-              </a:tabLst>
-            </a:pPr>
-            <a:r>
-              <a:rPr lang="da-DK" sz="2400" b="1" kern="0" cap="all" spc="200" dirty="0" smtClean="0">
-                <a:solidFill>
-                  <a:schemeClr val="tx2">
-                    <a:lumMod val="50000"/>
-                  </a:schemeClr>
-                </a:solidFill>
-                <a:latin typeface="Arial"/>
-                <a:cs typeface="Arial"/>
-              </a:rPr>
-              <a:t>Conclusion</a:t>
-            </a:r>
-            <a:endParaRPr sz="2400" kern="0" cap="all" spc="200" dirty="0">
-              <a:solidFill>
-                <a:schemeClr val="tx2">
-                  <a:lumMod val="50000"/>
-                </a:schemeClr>
-              </a:solidFill>
-              <a:latin typeface="Arial"/>
-              <a:cs typeface="Arial"/>
-            </a:endParaRPr>
-          </a:p>
-        </p:txBody>
-      </p:sp>
-      <p:sp>
-        <p:nvSpPr>
-          <p:cNvPr id="3" name="object 3"/>
-          <p:cNvSpPr txBox="1"/>
-          <p:nvPr/>
-        </p:nvSpPr>
-        <p:spPr>
-          <a:xfrm>
-            <a:off x="626300" y="1155199"/>
-            <a:ext cx="5283200" cy="4074001"/>
-          </a:xfrm>
-          <a:prstGeom prst="rect">
-            <a:avLst/>
-          </a:prstGeom>
-        </p:spPr>
-        <p:txBody>
-          <a:bodyPr vert="horz" wrap="square" lIns="0" tIns="0" rIns="0" bIns="0" rtlCol="0">
-            <a:noAutofit/>
-          </a:bodyPr>
-          <a:lstStyle/>
-          <a:p>
-            <a:pPr marL="12700">
-              <a:lnSpc>
-                <a:spcPct val="100000"/>
-              </a:lnSpc>
-            </a:pPr>
-            <a:r>
-              <a:rPr lang="en-GB" sz="1600" b="1" cap="all" spc="200" dirty="0" smtClean="0">
-                <a:solidFill>
-                  <a:schemeClr val="accent1">
-                    <a:lumMod val="75000"/>
-                  </a:schemeClr>
-                </a:solidFill>
-                <a:latin typeface="Arial"/>
-                <a:cs typeface="Arial"/>
-              </a:rPr>
-              <a:t>Problem statement</a:t>
-            </a:r>
-          </a:p>
-          <a:p>
-            <a:pPr marL="12700">
-              <a:lnSpc>
-                <a:spcPct val="100000"/>
-              </a:lnSpc>
-            </a:pPr>
-            <a:endParaRPr lang="en-GB" sz="1600" b="1" cap="all" spc="200" dirty="0" smtClean="0">
-              <a:solidFill>
-                <a:schemeClr val="accent1">
-                  <a:lumMod val="75000"/>
-                </a:schemeClr>
-              </a:solidFill>
-              <a:latin typeface="Arial"/>
-              <a:cs typeface="Arial"/>
-            </a:endParaRPr>
-          </a:p>
-          <a:p>
-            <a:pPr marL="12700">
-              <a:lnSpc>
-                <a:spcPct val="100000"/>
-              </a:lnSpc>
-            </a:pPr>
-            <a:endParaRPr lang="en-GB" sz="1600" b="1" cap="all" spc="200" dirty="0" smtClean="0">
-              <a:solidFill>
-                <a:schemeClr val="accent1">
-                  <a:lumMod val="75000"/>
-                </a:schemeClr>
-              </a:solidFill>
-              <a:latin typeface="Arial"/>
-              <a:cs typeface="Arial"/>
-            </a:endParaRPr>
-          </a:p>
-          <a:p>
-            <a:pPr marL="12700">
-              <a:lnSpc>
-                <a:spcPct val="100000"/>
-              </a:lnSpc>
-            </a:pPr>
-            <a:endParaRPr lang="en-GB" sz="1600" b="1" cap="all" spc="200" dirty="0" smtClean="0">
-              <a:solidFill>
-                <a:schemeClr val="accent1">
-                  <a:lumMod val="75000"/>
-                </a:schemeClr>
-              </a:solidFill>
-              <a:latin typeface="Arial"/>
-              <a:cs typeface="Arial"/>
-            </a:endParaRPr>
-          </a:p>
-          <a:p>
-            <a:pPr marL="12700">
-              <a:lnSpc>
-                <a:spcPct val="100000"/>
-              </a:lnSpc>
-            </a:pPr>
-            <a:endParaRPr lang="en-GB" sz="1600" b="1" cap="all" spc="200" dirty="0" smtClean="0">
-              <a:solidFill>
-                <a:schemeClr val="accent1">
-                  <a:lumMod val="75000"/>
-                </a:schemeClr>
-              </a:solidFill>
-              <a:latin typeface="Arial"/>
-              <a:cs typeface="Arial"/>
-            </a:endParaRPr>
-          </a:p>
-          <a:p>
-            <a:pPr marL="12700">
-              <a:lnSpc>
-                <a:spcPct val="100000"/>
-              </a:lnSpc>
-            </a:pPr>
-            <a:r>
-              <a:rPr lang="en-GB" sz="1600" b="1" cap="all" spc="200" smtClean="0">
-                <a:solidFill>
-                  <a:schemeClr val="accent1">
-                    <a:lumMod val="75000"/>
-                  </a:schemeClr>
-                </a:solidFill>
-                <a:latin typeface="Arial"/>
-                <a:cs typeface="Arial"/>
-              </a:rPr>
-              <a:t>Hest?</a:t>
-            </a:r>
-            <a:endParaRPr lang="da-DK" sz="1600" b="1" cap="all" spc="200" dirty="0" smtClean="0">
-              <a:solidFill>
-                <a:schemeClr val="accent1">
-                  <a:lumMod val="75000"/>
-                </a:schemeClr>
-              </a:solidFill>
-              <a:latin typeface="Arial"/>
-              <a:cs typeface="Arial"/>
-            </a:endParaRPr>
-          </a:p>
-        </p:txBody>
-      </p:sp>
-      <p:sp>
-        <p:nvSpPr>
-          <p:cNvPr id="8" name="object 4"/>
           <p:cNvSpPr txBox="1">
             <a:spLocks noGrp="1"/>
           </p:cNvSpPr>
           <p:nvPr>
-            <p:ph type="ftr" sz="quarter" idx="4294967295"/>
+            <p:ph type="title"/>
           </p:nvPr>
         </p:nvSpPr>
         <p:spPr>
           <a:xfrm>
-            <a:off x="2540146" y="5952019"/>
-            <a:ext cx="4343400" cy="143981"/>
+            <a:off x="1827956" y="2420888"/>
+            <a:ext cx="5536756" cy="1023270"/>
           </a:xfrm>
           <a:prstGeom prst="rect">
             <a:avLst/>
@@ -10656,112 +10786,30 @@
           </a:bodyPr>
           <a:lstStyle/>
           <a:p>
-            <a:pPr marL="12700">
-              <a:lnSpc>
-                <a:spcPct val="100000"/>
-              </a:lnSpc>
-            </a:pPr>
-            <a:fld id="{9561DEC8-19EE-4A79-9D71-66FF6B3E3434}" type="slidenum">
-              <a:rPr lang="da-DK" sz="850" b="1" kern="0" cap="all" spc="200" smtClean="0">
-                <a:solidFill>
-                  <a:schemeClr val="tx1">
-                    <a:lumMod val="50000"/>
-                    <a:lumOff val="50000"/>
-                  </a:schemeClr>
-                </a:solidFill>
-                <a:latin typeface="Arial"/>
-                <a:cs typeface="Arial"/>
-              </a:rPr>
-              <a:pPr marL="12700">
-                <a:lnSpc>
-                  <a:spcPct val="100000"/>
-                </a:lnSpc>
-              </a:pPr>
-              <a:t>25</a:t>
-            </a:fld>
-            <a:r>
-              <a:rPr lang="da-DK" sz="850" b="1" kern="0" cap="all" spc="200" dirty="0" smtClean="0">
-                <a:solidFill>
-                  <a:schemeClr val="tx1">
-                    <a:lumMod val="50000"/>
-                    <a:lumOff val="50000"/>
-                  </a:schemeClr>
-                </a:solidFill>
-                <a:latin typeface="Arial"/>
-                <a:cs typeface="Arial"/>
-              </a:rPr>
-              <a:t> </a:t>
-            </a:r>
-            <a:r>
-              <a:rPr sz="850" b="1" kern="0" cap="all" spc="200" dirty="0" smtClean="0">
-                <a:solidFill>
-                  <a:schemeClr val="tx1">
-                    <a:lumMod val="50000"/>
-                    <a:lumOff val="50000"/>
-                  </a:schemeClr>
-                </a:solidFill>
-                <a:latin typeface="Arial"/>
-                <a:cs typeface="Arial"/>
-              </a:rPr>
-              <a:t>OF</a:t>
-            </a:r>
-            <a:r>
-              <a:rPr lang="da-DK" sz="850" b="1" kern="0" cap="all" spc="200" dirty="0" smtClean="0">
-                <a:solidFill>
-                  <a:schemeClr val="tx1">
-                    <a:lumMod val="50000"/>
-                    <a:lumOff val="50000"/>
-                  </a:schemeClr>
-                </a:solidFill>
-                <a:latin typeface="Arial"/>
-                <a:cs typeface="Arial"/>
-              </a:rPr>
-              <a:t> 24</a:t>
-            </a:r>
-            <a:r>
-              <a:rPr sz="850" b="1" kern="0" cap="all" spc="200" dirty="0" smtClean="0">
-                <a:solidFill>
-                  <a:schemeClr val="tx1">
-                    <a:lumMod val="50000"/>
-                    <a:lumOff val="50000"/>
-                  </a:schemeClr>
-                </a:solidFill>
-                <a:latin typeface="Arial"/>
-                <a:cs typeface="Arial"/>
-              </a:rPr>
-              <a:t> </a:t>
-            </a:r>
-            <a:r>
-              <a:rPr lang="da-DK" sz="850" b="1" kern="0" cap="all" spc="200" dirty="0" smtClean="0">
-                <a:solidFill>
-                  <a:schemeClr val="tx1">
-                    <a:lumMod val="50000"/>
-                    <a:lumOff val="50000"/>
-                  </a:schemeClr>
-                </a:solidFill>
-                <a:latin typeface="Arial"/>
-                <a:cs typeface="Arial"/>
-              </a:rPr>
-              <a:t> | </a:t>
-            </a:r>
-            <a:r>
-              <a:rPr lang="da-DK" sz="850" b="1" kern="0" spc="200" dirty="0" smtClean="0">
-                <a:solidFill>
-                  <a:schemeClr val="tx1">
-                    <a:lumMod val="50000"/>
-                    <a:lumOff val="50000"/>
-                  </a:schemeClr>
-                </a:solidFill>
-                <a:latin typeface="Arial"/>
-                <a:cs typeface="Arial"/>
-              </a:rPr>
-              <a:t>26.06.2013</a:t>
-            </a:r>
-            <a:endParaRPr sz="850" kern="0" cap="all" spc="200" dirty="0">
-              <a:solidFill>
-                <a:schemeClr val="tx1">
+            <a:pPr marR="0" algn="ctr">
+              <a:lnSpc>
+                <a:spcPts val="3960"/>
+              </a:lnSpc>
+              <a:tabLst>
+                <a:tab pos="1676400" algn="l"/>
+              </a:tabLst>
+            </a:pPr>
+            <a:r>
+              <a:rPr lang="da-DK" sz="3600" b="1" dirty="0" smtClean="0">
+                <a:solidFill>
+                  <a:schemeClr val="tx2">
+                    <a:lumMod val="50000"/>
+                  </a:schemeClr>
+                </a:solidFill>
+                <a:latin typeface="Arial"/>
+                <a:cs typeface="Arial"/>
+              </a:rPr>
+              <a:t>Conclusion</a:t>
+            </a:r>
+            <a:endParaRPr sz="3600" b="1" dirty="0">
+              <a:solidFill>
+                <a:schemeClr val="tx2">
                   <a:lumMod val="50000"/>
-                  <a:lumOff val="50000"/>
                 </a:schemeClr>
               </a:solidFill>
               <a:latin typeface="Arial"/>
@@ -10770,146 +10818,106 @@
           </a:p>
         </p:txBody>
       </p:sp>
-      <p:sp>
-        <p:nvSpPr>
-          <p:cNvPr id="9" name="object 7"/>
-          <p:cNvSpPr txBox="1"/>
+      <p:pic>
+        <p:nvPicPr>
+          <p:cNvPr id="10" name="Billede 9"/>
+          <p:cNvPicPr>
+            <a:picLocks noChangeAspect="1"/>
+          </p:cNvPicPr>
           <p:nvPr/>
-        </p:nvSpPr>
+        </p:nvPicPr>
+        <p:blipFill>
+          <a:blip r:embed="rId2" cstate="print">
+            <a:extLst>
+              <a:ext uri="{28A0092B-C50C-407E-A947-70E740481C1C}">
+                <a14:useLocalDpi xmlns="" xmlns:a14="http://schemas.microsoft.com/office/drawing/2010/main" val="0"/>
+              </a:ext>
+            </a:extLst>
+          </a:blip>
+          <a:stretch>
+            <a:fillRect/>
+          </a:stretch>
+        </p:blipFill>
         <p:spPr>
           <a:xfrm>
-            <a:off x="2743200" y="6137888"/>
-            <a:ext cx="3682706" cy="294005"/>
+            <a:off x="3824699" y="5576322"/>
+            <a:ext cx="1543270" cy="1009770"/>
           </a:xfrm>
           <a:prstGeom prst="rect">
             <a:avLst/>
           </a:prstGeom>
         </p:spPr>
-        <p:txBody>
-          <a:bodyPr vert="horz" wrap="square" lIns="0" tIns="0" rIns="0" bIns="0" rtlCol="0">
-            <a:noAutofit/>
-          </a:bodyPr>
-          <a:lstStyle/>
-          <a:p>
-            <a:pPr algn="ctr">
-              <a:lnSpc>
-                <a:spcPct val="100000"/>
-              </a:lnSpc>
-            </a:pPr>
-            <a:r>
-              <a:rPr lang="da-DK" sz="850" b="1" kern="0" cap="all" spc="200" dirty="0" smtClean="0">
-                <a:solidFill>
-                  <a:schemeClr val="tx1">
-                    <a:lumMod val="50000"/>
-                    <a:lumOff val="50000"/>
-                  </a:schemeClr>
-                </a:solidFill>
-                <a:latin typeface="Arial"/>
-                <a:cs typeface="Arial"/>
-              </a:rPr>
-              <a:t>Department of computer science</a:t>
-            </a:r>
-            <a:endParaRPr sz="850" b="1" kern="0" cap="all" spc="200" dirty="0" smtClean="0">
-              <a:solidFill>
-                <a:schemeClr val="tx1">
-                  <a:lumMod val="50000"/>
-                  <a:lumOff val="50000"/>
-                </a:schemeClr>
-              </a:solidFill>
-              <a:latin typeface="Arial"/>
-              <a:cs typeface="Arial"/>
-            </a:endParaRPr>
-          </a:p>
-          <a:p>
-            <a:pPr marR="20320" algn="ctr">
-              <a:lnSpc>
-                <a:spcPct val="100000"/>
-              </a:lnSpc>
-              <a:spcBef>
-                <a:spcPts val="180"/>
-              </a:spcBef>
-            </a:pPr>
-            <a:r>
-              <a:rPr sz="850" kern="0" cap="all" spc="200" dirty="0" smtClean="0">
-                <a:solidFill>
-                  <a:schemeClr val="tx1">
-                    <a:lumMod val="50000"/>
-                    <a:lumOff val="50000"/>
-                  </a:schemeClr>
-                </a:solidFill>
-                <a:latin typeface="Arial"/>
-                <a:cs typeface="Arial"/>
-              </a:rPr>
-              <a:t>AALBORG</a:t>
-            </a:r>
-            <a:r>
-              <a:rPr lang="da-DK" sz="850" kern="0" cap="all" spc="200" dirty="0" smtClean="0">
-                <a:solidFill>
-                  <a:schemeClr val="tx1">
-                    <a:lumMod val="50000"/>
-                    <a:lumOff val="50000"/>
-                  </a:schemeClr>
-                </a:solidFill>
-                <a:latin typeface="Arial"/>
-                <a:cs typeface="Arial"/>
-              </a:rPr>
-              <a:t> UNIVERSITy</a:t>
-            </a:r>
-            <a:endParaRPr sz="850" kern="0" cap="all" spc="200" dirty="0">
-              <a:solidFill>
-                <a:schemeClr val="tx1">
-                  <a:lumMod val="50000"/>
-                  <a:lumOff val="50000"/>
-                </a:schemeClr>
-              </a:solidFill>
-              <a:latin typeface="Arial"/>
-              <a:cs typeface="Arial"/>
-            </a:endParaRPr>
-          </a:p>
-        </p:txBody>
-      </p:sp>
-      <p:sp>
-        <p:nvSpPr>
-          <p:cNvPr id="6" name="TextBox 5"/>
-          <p:cNvSpPr txBox="1"/>
+      </p:pic>
+      <p:sp>
+        <p:nvSpPr>
+          <p:cNvPr id="4" name="Rektangel 3"/>
+          <p:cNvSpPr/>
           <p:nvPr/>
         </p:nvSpPr>
         <p:spPr>
           <a:xfrm>
-            <a:off x="971600" y="1628800"/>
-            <a:ext cx="6768752" cy="461665"/>
+            <a:off x="2286000" y="3516166"/>
+            <a:ext cx="4572000" cy="276999"/>
           </a:xfrm>
           <a:prstGeom prst="rect">
             <a:avLst/>
           </a:prstGeom>
-          <a:noFill/>
-        </p:spPr>
-        <p:txBody>
-          <a:bodyPr wrap="square" rtlCol="0">
+        </p:spPr>
+        <p:txBody>
+          <a:bodyPr>
             <a:spAutoFit/>
           </a:bodyPr>
           <a:lstStyle/>
           <a:p>
-            <a:r>
-              <a:rPr lang="en-US" sz="1200" dirty="0" smtClean="0">
-                <a:solidFill>
-                  <a:schemeClr val="accent1">
-                    <a:lumMod val="75000"/>
-                  </a:schemeClr>
-                </a:solidFill>
-                <a:latin typeface="Arial" pitchFamily="34" charset="0"/>
-                <a:cs typeface="Arial" pitchFamily="34" charset="0"/>
-              </a:rPr>
-              <a:t>“IN WHAT WAYS CAN WE AID THE PEDAGOGUES IN THEIR WORK WITH CHILDREN WITH AUTISM, BY DIGITALIZING A PHYSICAL EXERCISE ONTO AN ANDROID TABLET?”</a:t>
-            </a:r>
-            <a:endParaRPr lang="da-DK" sz="1200" dirty="0">
-              <a:solidFill>
-                <a:schemeClr val="accent1">
-                  <a:lumMod val="75000"/>
+            <a:pPr marR="28575" algn="ctr">
+              <a:lnSpc>
+                <a:spcPct val="100000"/>
+              </a:lnSpc>
+            </a:pPr>
+            <a:r>
+              <a:rPr lang="en-US" sz="1200" kern="0" cap="all" spc="200" dirty="0" smtClean="0">
+                <a:solidFill>
+                  <a:schemeClr val="tx2">
+                    <a:lumMod val="50000"/>
+                  </a:schemeClr>
+                </a:solidFill>
+                <a:latin typeface="Arial"/>
+                <a:cs typeface="Arial"/>
+              </a:rPr>
+              <a:t>Jacob </a:t>
+            </a:r>
+            <a:r>
+              <a:rPr lang="en-US" sz="1200" kern="0" cap="all" spc="200" dirty="0" err="1" smtClean="0">
+                <a:solidFill>
+                  <a:schemeClr val="tx2">
+                    <a:lumMod val="50000"/>
+                  </a:schemeClr>
+                </a:solidFill>
+                <a:latin typeface="Arial"/>
+                <a:cs typeface="Arial"/>
+              </a:rPr>
+              <a:t>Karstensen</a:t>
+            </a:r>
+            <a:r>
+              <a:rPr lang="en-US" sz="1200" kern="0" cap="all" spc="200" dirty="0" smtClean="0">
+                <a:solidFill>
+                  <a:schemeClr val="tx2">
+                    <a:lumMod val="50000"/>
+                  </a:schemeClr>
+                </a:solidFill>
+                <a:latin typeface="Arial"/>
+                <a:cs typeface="Arial"/>
+              </a:rPr>
+              <a:t> Wortmann</a:t>
+            </a:r>
+            <a:endParaRPr lang="en-US" sz="1200" kern="0" cap="all" spc="200" dirty="0">
+              <a:solidFill>
+                <a:schemeClr val="tx2">
+                  <a:lumMod val="50000"/>
                 </a:schemeClr>
               </a:solidFill>
-              <a:latin typeface="Arial" pitchFamily="34" charset="0"/>
-              <a:cs typeface="Arial" pitchFamily="34" charset="0"/>
+              <a:latin typeface="Arial"/>
+              <a:cs typeface="Arial"/>
             </a:endParaRPr>
           </a:p>
         </p:txBody>
@@ -10917,7 +10925,7 @@
     </p:spTree>
     <p:extLst>
       <p:ext uri="{BB962C8B-B14F-4D97-AF65-F5344CB8AC3E}">
-        <p14:creationId xmlns:p14="http://schemas.microsoft.com/office/powerpoint/2010/main" xmlns="" val="772562590"/>
+        <p14:creationId xmlns="" xmlns:p14="http://schemas.microsoft.com/office/powerpoint/2010/main" val="3425622471"/>
       </p:ext>
     </p:extLst>
   </p:cSld>
@@ -10925,7 +10933,7 @@
     <a:masterClrMapping/>
   </p:clrMapOvr>
   <mc:AlternateContent xmlns:mc="http://schemas.openxmlformats.org/markup-compatibility/2006">
-    <mc:Choice xmlns:p14="http://schemas.microsoft.com/office/powerpoint/2010/main" xmlns="" Requires="p14">
+    <mc:Choice xmlns="" xmlns:p14="http://schemas.microsoft.com/office/powerpoint/2010/main" Requires="p14">
       <p:transition p14:dur="250">
         <p:fade/>
       </p:transition>
@@ -10966,6 +10974,596 @@
       <p:sp>
         <p:nvSpPr>
           <p:cNvPr id="2" name="object 2"/>
+          <p:cNvSpPr txBox="1"/>
+          <p:nvPr/>
+        </p:nvSpPr>
+        <p:spPr>
+          <a:xfrm>
+            <a:off x="626300" y="562800"/>
+            <a:ext cx="6231700" cy="368935"/>
+          </a:xfrm>
+          <a:prstGeom prst="rect">
+            <a:avLst/>
+          </a:prstGeom>
+        </p:spPr>
+        <p:txBody>
+          <a:bodyPr vert="horz" wrap="square" lIns="0" tIns="0" rIns="0" bIns="0" rtlCol="0">
+            <a:noAutofit/>
+          </a:bodyPr>
+          <a:lstStyle/>
+          <a:p>
+            <a:pPr marL="12700">
+              <a:lnSpc>
+                <a:spcPct val="100000"/>
+              </a:lnSpc>
+              <a:tabLst>
+                <a:tab pos="1641475" algn="l"/>
+                <a:tab pos="2152650" algn="l"/>
+                <a:tab pos="3412490" algn="l"/>
+              </a:tabLst>
+            </a:pPr>
+            <a:r>
+              <a:rPr lang="da-DK" sz="2400" b="1" kern="0" cap="all" spc="200" dirty="0" smtClean="0">
+                <a:solidFill>
+                  <a:schemeClr val="tx2">
+                    <a:lumMod val="50000"/>
+                  </a:schemeClr>
+                </a:solidFill>
+                <a:latin typeface="Arial"/>
+                <a:cs typeface="Arial"/>
+              </a:rPr>
+              <a:t>Conclusion</a:t>
+            </a:r>
+            <a:endParaRPr sz="2400" kern="0" cap="all" spc="200" dirty="0">
+              <a:solidFill>
+                <a:schemeClr val="tx2">
+                  <a:lumMod val="50000"/>
+                </a:schemeClr>
+              </a:solidFill>
+              <a:latin typeface="Arial"/>
+              <a:cs typeface="Arial"/>
+            </a:endParaRPr>
+          </a:p>
+        </p:txBody>
+      </p:sp>
+      <p:sp>
+        <p:nvSpPr>
+          <p:cNvPr id="3" name="object 3"/>
+          <p:cNvSpPr txBox="1"/>
+          <p:nvPr/>
+        </p:nvSpPr>
+        <p:spPr>
+          <a:xfrm>
+            <a:off x="626300" y="1155199"/>
+            <a:ext cx="5283200" cy="4074001"/>
+          </a:xfrm>
+          <a:prstGeom prst="rect">
+            <a:avLst/>
+          </a:prstGeom>
+        </p:spPr>
+        <p:txBody>
+          <a:bodyPr vert="horz" wrap="square" lIns="0" tIns="0" rIns="0" bIns="0" rtlCol="0">
+            <a:noAutofit/>
+          </a:bodyPr>
+          <a:lstStyle/>
+          <a:p>
+            <a:pPr marL="12700">
+              <a:lnSpc>
+                <a:spcPct val="100000"/>
+              </a:lnSpc>
+            </a:pPr>
+            <a:r>
+              <a:rPr lang="en-GB" sz="1600" b="1" cap="all" spc="200" dirty="0" smtClean="0">
+                <a:solidFill>
+                  <a:schemeClr val="accent1">
+                    <a:lumMod val="75000"/>
+                  </a:schemeClr>
+                </a:solidFill>
+                <a:latin typeface="Arial"/>
+                <a:cs typeface="Arial"/>
+              </a:rPr>
+              <a:t>Problem statement</a:t>
+            </a:r>
+          </a:p>
+          <a:p>
+            <a:pPr marL="12700">
+              <a:lnSpc>
+                <a:spcPct val="100000"/>
+              </a:lnSpc>
+            </a:pPr>
+            <a:endParaRPr lang="en-GB" sz="1600" b="1" cap="all" spc="200" dirty="0" smtClean="0">
+              <a:solidFill>
+                <a:schemeClr val="accent1">
+                  <a:lumMod val="75000"/>
+                </a:schemeClr>
+              </a:solidFill>
+              <a:latin typeface="Arial"/>
+              <a:cs typeface="Arial"/>
+            </a:endParaRPr>
+          </a:p>
+          <a:p>
+            <a:pPr marL="12700">
+              <a:lnSpc>
+                <a:spcPct val="100000"/>
+              </a:lnSpc>
+            </a:pPr>
+            <a:endParaRPr lang="en-GB" sz="1600" b="1" cap="all" spc="200" dirty="0" smtClean="0">
+              <a:solidFill>
+                <a:schemeClr val="accent1">
+                  <a:lumMod val="75000"/>
+                </a:schemeClr>
+              </a:solidFill>
+              <a:latin typeface="Arial"/>
+              <a:cs typeface="Arial"/>
+            </a:endParaRPr>
+          </a:p>
+          <a:p>
+            <a:pPr marL="12700">
+              <a:lnSpc>
+                <a:spcPct val="100000"/>
+              </a:lnSpc>
+            </a:pPr>
+            <a:endParaRPr lang="en-GB" sz="1600" b="1" cap="all" spc="200" dirty="0" smtClean="0">
+              <a:solidFill>
+                <a:schemeClr val="accent1">
+                  <a:lumMod val="75000"/>
+                </a:schemeClr>
+              </a:solidFill>
+              <a:latin typeface="Arial"/>
+              <a:cs typeface="Arial"/>
+            </a:endParaRPr>
+          </a:p>
+          <a:p>
+            <a:pPr marL="12700">
+              <a:lnSpc>
+                <a:spcPct val="100000"/>
+              </a:lnSpc>
+            </a:pPr>
+            <a:endParaRPr lang="en-GB" sz="1600" b="1" cap="all" spc="200" dirty="0" smtClean="0">
+              <a:solidFill>
+                <a:schemeClr val="accent1">
+                  <a:lumMod val="75000"/>
+                </a:schemeClr>
+              </a:solidFill>
+              <a:latin typeface="Arial"/>
+              <a:cs typeface="Arial"/>
+            </a:endParaRPr>
+          </a:p>
+          <a:p>
+            <a:pPr marL="12700">
+              <a:lnSpc>
+                <a:spcPct val="100000"/>
+              </a:lnSpc>
+            </a:pPr>
+            <a:r>
+              <a:rPr lang="en-GB" sz="1600" b="1" cap="all" spc="200" dirty="0" smtClean="0">
+                <a:solidFill>
+                  <a:schemeClr val="accent1">
+                    <a:lumMod val="75000"/>
+                  </a:schemeClr>
+                </a:solidFill>
+                <a:latin typeface="Arial"/>
+                <a:cs typeface="Arial"/>
+              </a:rPr>
+              <a:t>Customization</a:t>
+            </a:r>
+          </a:p>
+          <a:p>
+            <a:pPr marL="12700">
+              <a:lnSpc>
+                <a:spcPct val="100000"/>
+              </a:lnSpc>
+            </a:pPr>
+            <a:endParaRPr lang="en-GB" sz="1600" b="1" cap="all" spc="200" dirty="0" smtClean="0">
+              <a:solidFill>
+                <a:schemeClr val="accent1">
+                  <a:lumMod val="75000"/>
+                </a:schemeClr>
+              </a:solidFill>
+              <a:latin typeface="Arial"/>
+              <a:cs typeface="Arial"/>
+            </a:endParaRPr>
+          </a:p>
+          <a:p>
+            <a:pPr marL="12700">
+              <a:lnSpc>
+                <a:spcPct val="100000"/>
+              </a:lnSpc>
+            </a:pPr>
+            <a:r>
+              <a:rPr lang="en-GB" sz="1600" b="1" cap="all" spc="200" dirty="0" smtClean="0">
+                <a:solidFill>
+                  <a:schemeClr val="accent1">
+                    <a:lumMod val="75000"/>
+                  </a:schemeClr>
+                </a:solidFill>
+                <a:latin typeface="Arial"/>
+                <a:cs typeface="Arial"/>
+              </a:rPr>
+              <a:t>Managing games</a:t>
+            </a:r>
+          </a:p>
+          <a:p>
+            <a:pPr marL="12700">
+              <a:lnSpc>
+                <a:spcPct val="100000"/>
+              </a:lnSpc>
+            </a:pPr>
+            <a:endParaRPr lang="en-GB" sz="1600" b="1" cap="all" spc="200" dirty="0" smtClean="0">
+              <a:solidFill>
+                <a:schemeClr val="accent1">
+                  <a:lumMod val="75000"/>
+                </a:schemeClr>
+              </a:solidFill>
+              <a:latin typeface="Arial"/>
+              <a:cs typeface="Arial"/>
+            </a:endParaRPr>
+          </a:p>
+          <a:p>
+            <a:pPr marL="12700">
+              <a:lnSpc>
+                <a:spcPct val="100000"/>
+              </a:lnSpc>
+            </a:pPr>
+            <a:r>
+              <a:rPr lang="en-GB" sz="1600" b="1" cap="all" spc="200" dirty="0" smtClean="0">
+                <a:solidFill>
+                  <a:schemeClr val="accent1">
+                    <a:lumMod val="75000"/>
+                  </a:schemeClr>
+                </a:solidFill>
+                <a:latin typeface="Arial"/>
+                <a:cs typeface="Arial"/>
+              </a:rPr>
+              <a:t>Easy to start</a:t>
+            </a:r>
+            <a:endParaRPr lang="en-GB" sz="1600" b="1" cap="all" spc="200" dirty="0" smtClean="0">
+              <a:solidFill>
+                <a:schemeClr val="accent1">
+                  <a:lumMod val="75000"/>
+                </a:schemeClr>
+              </a:solidFill>
+              <a:latin typeface="Arial"/>
+              <a:cs typeface="Arial"/>
+            </a:endParaRPr>
+          </a:p>
+        </p:txBody>
+      </p:sp>
+      <p:sp>
+        <p:nvSpPr>
+          <p:cNvPr id="8" name="object 4"/>
+          <p:cNvSpPr txBox="1">
+            <a:spLocks noGrp="1"/>
+          </p:cNvSpPr>
+          <p:nvPr>
+            <p:ph type="ftr" sz="quarter" idx="4294967295"/>
+          </p:nvPr>
+        </p:nvSpPr>
+        <p:spPr>
+          <a:xfrm>
+            <a:off x="2540146" y="5952019"/>
+            <a:ext cx="4343400" cy="143981"/>
+          </a:xfrm>
+          <a:prstGeom prst="rect">
+            <a:avLst/>
+          </a:prstGeom>
+        </p:spPr>
+        <p:txBody>
+          <a:bodyPr vert="horz" wrap="square" lIns="0" tIns="0" rIns="0" bIns="0" rtlCol="0">
+            <a:noAutofit/>
+          </a:bodyPr>
+          <a:lstStyle/>
+          <a:p>
+            <a:pPr marL="12700">
+              <a:lnSpc>
+                <a:spcPct val="100000"/>
+              </a:lnSpc>
+            </a:pPr>
+            <a:fld id="{9561DEC8-19EE-4A79-9D71-66FF6B3E3434}" type="slidenum">
+              <a:rPr lang="da-DK" sz="850" b="1" kern="0" cap="all" spc="200" smtClean="0">
+                <a:solidFill>
+                  <a:schemeClr val="tx1">
+                    <a:lumMod val="50000"/>
+                    <a:lumOff val="50000"/>
+                  </a:schemeClr>
+                </a:solidFill>
+                <a:latin typeface="Arial"/>
+                <a:cs typeface="Arial"/>
+              </a:rPr>
+              <a:pPr marL="12700">
+                <a:lnSpc>
+                  <a:spcPct val="100000"/>
+                </a:lnSpc>
+              </a:pPr>
+              <a:t>26</a:t>
+            </a:fld>
+            <a:r>
+              <a:rPr lang="da-DK" sz="850" b="1" kern="0" cap="all" spc="200" dirty="0" smtClean="0">
+                <a:solidFill>
+                  <a:schemeClr val="tx1">
+                    <a:lumMod val="50000"/>
+                    <a:lumOff val="50000"/>
+                  </a:schemeClr>
+                </a:solidFill>
+                <a:latin typeface="Arial"/>
+                <a:cs typeface="Arial"/>
+              </a:rPr>
+              <a:t> </a:t>
+            </a:r>
+            <a:r>
+              <a:rPr sz="850" b="1" kern="0" cap="all" spc="200" dirty="0" smtClean="0">
+                <a:solidFill>
+                  <a:schemeClr val="tx1">
+                    <a:lumMod val="50000"/>
+                    <a:lumOff val="50000"/>
+                  </a:schemeClr>
+                </a:solidFill>
+                <a:latin typeface="Arial"/>
+                <a:cs typeface="Arial"/>
+              </a:rPr>
+              <a:t>OF</a:t>
+            </a:r>
+            <a:r>
+              <a:rPr lang="da-DK" sz="850" b="1" kern="0" cap="all" spc="200" dirty="0" smtClean="0">
+                <a:solidFill>
+                  <a:schemeClr val="tx1">
+                    <a:lumMod val="50000"/>
+                    <a:lumOff val="50000"/>
+                  </a:schemeClr>
+                </a:solidFill>
+                <a:latin typeface="Arial"/>
+                <a:cs typeface="Arial"/>
+              </a:rPr>
+              <a:t> 24</a:t>
+            </a:r>
+            <a:r>
+              <a:rPr sz="850" b="1" kern="0" cap="all" spc="200" dirty="0" smtClean="0">
+                <a:solidFill>
+                  <a:schemeClr val="tx1">
+                    <a:lumMod val="50000"/>
+                    <a:lumOff val="50000"/>
+                  </a:schemeClr>
+                </a:solidFill>
+                <a:latin typeface="Arial"/>
+                <a:cs typeface="Arial"/>
+              </a:rPr>
+              <a:t> </a:t>
+            </a:r>
+            <a:r>
+              <a:rPr lang="da-DK" sz="850" b="1" kern="0" cap="all" spc="200" dirty="0" smtClean="0">
+                <a:solidFill>
+                  <a:schemeClr val="tx1">
+                    <a:lumMod val="50000"/>
+                    <a:lumOff val="50000"/>
+                  </a:schemeClr>
+                </a:solidFill>
+                <a:latin typeface="Arial"/>
+                <a:cs typeface="Arial"/>
+              </a:rPr>
+              <a:t> | </a:t>
+            </a:r>
+            <a:r>
+              <a:rPr lang="da-DK" sz="850" b="1" kern="0" spc="200" dirty="0" smtClean="0">
+                <a:solidFill>
+                  <a:schemeClr val="tx1">
+                    <a:lumMod val="50000"/>
+                    <a:lumOff val="50000"/>
+                  </a:schemeClr>
+                </a:solidFill>
+                <a:latin typeface="Arial"/>
+                <a:cs typeface="Arial"/>
+              </a:rPr>
+              <a:t>26.06.2013</a:t>
+            </a:r>
+            <a:endParaRPr sz="850" kern="0" cap="all" spc="200" dirty="0">
+              <a:solidFill>
+                <a:schemeClr val="tx1">
+                  <a:lumMod val="50000"/>
+                  <a:lumOff val="50000"/>
+                </a:schemeClr>
+              </a:solidFill>
+              <a:latin typeface="Arial"/>
+              <a:cs typeface="Arial"/>
+            </a:endParaRPr>
+          </a:p>
+        </p:txBody>
+      </p:sp>
+      <p:sp>
+        <p:nvSpPr>
+          <p:cNvPr id="9" name="object 7"/>
+          <p:cNvSpPr txBox="1"/>
+          <p:nvPr/>
+        </p:nvSpPr>
+        <p:spPr>
+          <a:xfrm>
+            <a:off x="2743200" y="6137888"/>
+            <a:ext cx="3682706" cy="294005"/>
+          </a:xfrm>
+          <a:prstGeom prst="rect">
+            <a:avLst/>
+          </a:prstGeom>
+        </p:spPr>
+        <p:txBody>
+          <a:bodyPr vert="horz" wrap="square" lIns="0" tIns="0" rIns="0" bIns="0" rtlCol="0">
+            <a:noAutofit/>
+          </a:bodyPr>
+          <a:lstStyle/>
+          <a:p>
+            <a:pPr algn="ctr">
+              <a:lnSpc>
+                <a:spcPct val="100000"/>
+              </a:lnSpc>
+            </a:pPr>
+            <a:r>
+              <a:rPr lang="da-DK" sz="850" b="1" kern="0" cap="all" spc="200" dirty="0" smtClean="0">
+                <a:solidFill>
+                  <a:schemeClr val="tx1">
+                    <a:lumMod val="50000"/>
+                    <a:lumOff val="50000"/>
+                  </a:schemeClr>
+                </a:solidFill>
+                <a:latin typeface="Arial"/>
+                <a:cs typeface="Arial"/>
+              </a:rPr>
+              <a:t>Department of computer science</a:t>
+            </a:r>
+            <a:endParaRPr sz="850" b="1" kern="0" cap="all" spc="200" dirty="0" smtClean="0">
+              <a:solidFill>
+                <a:schemeClr val="tx1">
+                  <a:lumMod val="50000"/>
+                  <a:lumOff val="50000"/>
+                </a:schemeClr>
+              </a:solidFill>
+              <a:latin typeface="Arial"/>
+              <a:cs typeface="Arial"/>
+            </a:endParaRPr>
+          </a:p>
+          <a:p>
+            <a:pPr marR="20320" algn="ctr">
+              <a:lnSpc>
+                <a:spcPct val="100000"/>
+              </a:lnSpc>
+              <a:spcBef>
+                <a:spcPts val="180"/>
+              </a:spcBef>
+            </a:pPr>
+            <a:r>
+              <a:rPr sz="850" kern="0" cap="all" spc="200" dirty="0" smtClean="0">
+                <a:solidFill>
+                  <a:schemeClr val="tx1">
+                    <a:lumMod val="50000"/>
+                    <a:lumOff val="50000"/>
+                  </a:schemeClr>
+                </a:solidFill>
+                <a:latin typeface="Arial"/>
+                <a:cs typeface="Arial"/>
+              </a:rPr>
+              <a:t>AALBORG</a:t>
+            </a:r>
+            <a:r>
+              <a:rPr lang="da-DK" sz="850" kern="0" cap="all" spc="200" dirty="0" smtClean="0">
+                <a:solidFill>
+                  <a:schemeClr val="tx1">
+                    <a:lumMod val="50000"/>
+                    <a:lumOff val="50000"/>
+                  </a:schemeClr>
+                </a:solidFill>
+                <a:latin typeface="Arial"/>
+                <a:cs typeface="Arial"/>
+              </a:rPr>
+              <a:t> UNIVERSITy</a:t>
+            </a:r>
+            <a:endParaRPr sz="850" kern="0" cap="all" spc="200" dirty="0">
+              <a:solidFill>
+                <a:schemeClr val="tx1">
+                  <a:lumMod val="50000"/>
+                  <a:lumOff val="50000"/>
+                </a:schemeClr>
+              </a:solidFill>
+              <a:latin typeface="Arial"/>
+              <a:cs typeface="Arial"/>
+            </a:endParaRPr>
+          </a:p>
+        </p:txBody>
+      </p:sp>
+      <p:sp>
+        <p:nvSpPr>
+          <p:cNvPr id="6" name="TextBox 5"/>
+          <p:cNvSpPr txBox="1"/>
+          <p:nvPr/>
+        </p:nvSpPr>
+        <p:spPr>
+          <a:xfrm>
+            <a:off x="971600" y="1628800"/>
+            <a:ext cx="6768752" cy="461665"/>
+          </a:xfrm>
+          <a:prstGeom prst="rect">
+            <a:avLst/>
+          </a:prstGeom>
+          <a:noFill/>
+        </p:spPr>
+        <p:txBody>
+          <a:bodyPr wrap="square" rtlCol="0">
+            <a:spAutoFit/>
+          </a:bodyPr>
+          <a:lstStyle/>
+          <a:p>
+            <a:r>
+              <a:rPr lang="en-US" sz="1200" dirty="0" smtClean="0">
+                <a:solidFill>
+                  <a:schemeClr val="accent1">
+                    <a:lumMod val="75000"/>
+                  </a:schemeClr>
+                </a:solidFill>
+                <a:latin typeface="Arial" pitchFamily="34" charset="0"/>
+                <a:cs typeface="Arial" pitchFamily="34" charset="0"/>
+              </a:rPr>
+              <a:t>“IN WHAT WAYS CAN WE AID THE PEDAGOGUES IN THEIR WORK WITH CHILDREN WITH AUTISM, BY DIGITALIZING A PHYSICAL EXERCISE ONTO AN ANDROID TABLET?”</a:t>
+            </a:r>
+            <a:endParaRPr lang="da-DK" sz="1200" dirty="0">
+              <a:solidFill>
+                <a:schemeClr val="accent1">
+                  <a:lumMod val="75000"/>
+                </a:schemeClr>
+              </a:solidFill>
+              <a:latin typeface="Arial" pitchFamily="34" charset="0"/>
+              <a:cs typeface="Arial" pitchFamily="34" charset="0"/>
+            </a:endParaRPr>
+          </a:p>
+        </p:txBody>
+      </p:sp>
+    </p:spTree>
+    <p:extLst>
+      <p:ext uri="{BB962C8B-B14F-4D97-AF65-F5344CB8AC3E}">
+        <p14:creationId xmlns="" xmlns:p14="http://schemas.microsoft.com/office/powerpoint/2010/main" val="772562590"/>
+      </p:ext>
+    </p:extLst>
+  </p:cSld>
+  <p:clrMapOvr>
+    <a:masterClrMapping/>
+  </p:clrMapOvr>
+  <mc:AlternateContent xmlns:mc="http://schemas.openxmlformats.org/markup-compatibility/2006">
+    <mc:Choice xmlns="" xmlns:p14="http://schemas.microsoft.com/office/powerpoint/2010/main" Requires="p14">
+      <p:transition p14:dur="250">
+        <p:fade/>
+      </p:transition>
+    </mc:Choice>
+    <mc:Fallback>
+      <p:transition>
+        <p:fade/>
+      </p:transition>
+    </mc:Fallback>
+  </mc:AlternateContent>
+  <p:timing>
+    <p:tnLst>
+      <p:par>
+        <p:cTn id="1" dur="indefinite" restart="never" nodeType="tmRoot"/>
+      </p:par>
+    </p:tnLst>
+  </p:timing>
+</p:sld>
+</file>
+
+<file path=ppt/slides/slide27.xml><?xml version="1.0" encoding="utf-8"?>
+<p:sld xmlns:a="http://schemas.openxmlformats.org/drawingml/2006/main" xmlns:r="http://schemas.openxmlformats.org/officeDocument/2006/relationships" xmlns:p="http://schemas.openxmlformats.org/presentationml/2006/main">
+  <p:cSld>
+    <p:spTree>
+      <p:nvGrpSpPr>
+        <p:cNvPr id="1" name=""/>
+        <p:cNvGrpSpPr/>
+        <p:nvPr/>
+      </p:nvGrpSpPr>
+      <p:grpSpPr>
+        <a:xfrm>
+          <a:off x="0" y="0"/>
+          <a:ext cx="0" cy="0"/>
+          <a:chOff x="0" y="0"/>
+          <a:chExt cx="0" cy="0"/>
+        </a:xfrm>
+      </p:grpSpPr>
+      <p:sp>
+        <p:nvSpPr>
+          <p:cNvPr id="2" name="object 2"/>
           <p:cNvSpPr txBox="1">
             <a:spLocks noGrp="1"/>
           </p:cNvSpPr>
@@ -11032,7 +11630,7 @@
           <a:blip r:embed="rId2" cstate="print">
             <a:extLst>
               <a:ext uri="{28A0092B-C50C-407E-A947-70E740481C1C}">
-                <a14:useLocalDpi xmlns:a14="http://schemas.microsoft.com/office/drawing/2010/main" xmlns="" val="0"/>
+                <a14:useLocalDpi xmlns="" xmlns:a14="http://schemas.microsoft.com/office/drawing/2010/main" val="0"/>
               </a:ext>
             </a:extLst>
           </a:blip>
@@ -11127,7 +11725,7 @@
     </p:spTree>
     <p:extLst>
       <p:ext uri="{BB962C8B-B14F-4D97-AF65-F5344CB8AC3E}">
-        <p14:creationId xmlns:p14="http://schemas.microsoft.com/office/powerpoint/2010/main" xmlns="" val="3425622471"/>
+        <p14:creationId xmlns="" xmlns:p14="http://schemas.microsoft.com/office/powerpoint/2010/main" val="3425622471"/>
       </p:ext>
     </p:extLst>
   </p:cSld>
@@ -11135,7 +11733,7 @@
     <a:masterClrMapping/>
   </p:clrMapOvr>
   <mc:AlternateContent xmlns:mc="http://schemas.openxmlformats.org/markup-compatibility/2006">
-    <mc:Choice xmlns:p14="http://schemas.microsoft.com/office/powerpoint/2010/main" xmlns="" Requires="p14">
+    <mc:Choice xmlns="" xmlns:p14="http://schemas.microsoft.com/office/powerpoint/2010/main" Requires="p14">
       <p:transition p14:dur="250">
         <p:fade/>
       </p:transition>
@@ -11242,7 +11840,7 @@
           <a:blip r:embed="rId2" cstate="print">
             <a:extLst>
               <a:ext uri="{28A0092B-C50C-407E-A947-70E740481C1C}">
-                <a14:useLocalDpi xmlns:a14="http://schemas.microsoft.com/office/drawing/2010/main" xmlns="" val="0"/>
+                <a14:useLocalDpi xmlns="" xmlns:a14="http://schemas.microsoft.com/office/drawing/2010/main" val="0"/>
               </a:ext>
             </a:extLst>
           </a:blip>
@@ -11337,7 +11935,7 @@
     </p:spTree>
     <p:extLst>
       <p:ext uri="{BB962C8B-B14F-4D97-AF65-F5344CB8AC3E}">
-        <p14:creationId xmlns:p14="http://schemas.microsoft.com/office/powerpoint/2010/main" xmlns="" val="3425622471"/>
+        <p14:creationId xmlns="" xmlns:p14="http://schemas.microsoft.com/office/powerpoint/2010/main" val="3425622471"/>
       </p:ext>
     </p:extLst>
   </p:cSld>
@@ -11345,7 +11943,7 @@
     <a:masterClrMapping/>
   </p:clrMapOvr>
   <mc:AlternateContent xmlns:mc="http://schemas.openxmlformats.org/markup-compatibility/2006">
-    <mc:Choice xmlns:p14="http://schemas.microsoft.com/office/powerpoint/2010/main" xmlns="" Requires="p14">
+    <mc:Choice xmlns="" xmlns:p14="http://schemas.microsoft.com/office/powerpoint/2010/main" Requires="p14">
       <p:transition p14:dur="250">
         <p:fade/>
       </p:transition>
@@ -11847,7 +12445,7 @@
     </p:spTree>
     <p:extLst>
       <p:ext uri="{BB962C8B-B14F-4D97-AF65-F5344CB8AC3E}">
-        <p14:creationId xmlns:p14="http://schemas.microsoft.com/office/powerpoint/2010/main" xmlns="" val="585023994"/>
+        <p14:creationId xmlns="" xmlns:p14="http://schemas.microsoft.com/office/powerpoint/2010/main" val="585023994"/>
       </p:ext>
     </p:extLst>
   </p:cSld>
@@ -11855,7 +12453,7 @@
     <a:masterClrMapping/>
   </p:clrMapOvr>
   <mc:AlternateContent xmlns:mc="http://schemas.openxmlformats.org/markup-compatibility/2006">
-    <mc:Choice xmlns:p14="http://schemas.microsoft.com/office/powerpoint/2010/main" xmlns="" Requires="p14">
+    <mc:Choice xmlns="" xmlns:p14="http://schemas.microsoft.com/office/powerpoint/2010/main" Requires="p14">
       <p:transition p14:dur="250">
         <p:fade/>
       </p:transition>
@@ -12403,7 +13001,7 @@
     </p:spTree>
     <p:extLst>
       <p:ext uri="{BB962C8B-B14F-4D97-AF65-F5344CB8AC3E}">
-        <p14:creationId xmlns:p14="http://schemas.microsoft.com/office/powerpoint/2010/main" xmlns="" val="585023994"/>
+        <p14:creationId xmlns="" xmlns:p14="http://schemas.microsoft.com/office/powerpoint/2010/main" val="585023994"/>
       </p:ext>
     </p:extLst>
   </p:cSld>
@@ -12411,7 +13009,7 @@
     <a:masterClrMapping/>
   </p:clrMapOvr>
   <mc:AlternateContent xmlns:mc="http://schemas.openxmlformats.org/markup-compatibility/2006">
-    <mc:Choice xmlns:p14="http://schemas.microsoft.com/office/powerpoint/2010/main" xmlns="" Requires="p14">
+    <mc:Choice xmlns="" xmlns:p14="http://schemas.microsoft.com/office/powerpoint/2010/main" Requires="p14">
       <p:transition p14:dur="250">
         <p:fade/>
       </p:transition>
@@ -12882,7 +13480,7 @@
     </p:spTree>
     <p:extLst>
       <p:ext uri="{BB962C8B-B14F-4D97-AF65-F5344CB8AC3E}">
-        <p14:creationId xmlns:p14="http://schemas.microsoft.com/office/powerpoint/2010/main" xmlns="" val="585023994"/>
+        <p14:creationId xmlns="" xmlns:p14="http://schemas.microsoft.com/office/powerpoint/2010/main" val="585023994"/>
       </p:ext>
     </p:extLst>
   </p:cSld>
@@ -12890,7 +13488,7 @@
     <a:masterClrMapping/>
   </p:clrMapOvr>
   <mc:AlternateContent xmlns:mc="http://schemas.openxmlformats.org/markup-compatibility/2006">
-    <mc:Choice xmlns:p14="http://schemas.microsoft.com/office/powerpoint/2010/main" xmlns="" Requires="p14">
+    <mc:Choice xmlns="" xmlns:p14="http://schemas.microsoft.com/office/powerpoint/2010/main" Requires="p14">
       <p:transition p14:dur="250">
         <p:fade/>
       </p:transition>
@@ -12997,7 +13595,7 @@
           <a:blip r:embed="rId2" cstate="print">
             <a:extLst>
               <a:ext uri="{28A0092B-C50C-407E-A947-70E740481C1C}">
-                <a14:useLocalDpi xmlns:a14="http://schemas.microsoft.com/office/drawing/2010/main" xmlns="" val="0"/>
+                <a14:useLocalDpi xmlns="" xmlns:a14="http://schemas.microsoft.com/office/drawing/2010/main" val="0"/>
               </a:ext>
             </a:extLst>
           </a:blip>
@@ -13080,7 +13678,7 @@
     </p:spTree>
     <p:extLst>
       <p:ext uri="{BB962C8B-B14F-4D97-AF65-F5344CB8AC3E}">
-        <p14:creationId xmlns:p14="http://schemas.microsoft.com/office/powerpoint/2010/main" xmlns="" val="3425622471"/>
+        <p14:creationId xmlns="" xmlns:p14="http://schemas.microsoft.com/office/powerpoint/2010/main" val="3425622471"/>
       </p:ext>
     </p:extLst>
   </p:cSld>
@@ -13088,7 +13686,7 @@
     <a:masterClrMapping/>
   </p:clrMapOvr>
   <mc:AlternateContent xmlns:mc="http://schemas.openxmlformats.org/markup-compatibility/2006">
-    <mc:Choice xmlns:p14="http://schemas.microsoft.com/office/powerpoint/2010/main" xmlns="" Requires="p14">
+    <mc:Choice xmlns="" xmlns:p14="http://schemas.microsoft.com/office/powerpoint/2010/main" Requires="p14">
       <p:transition p14:dur="250">
         <p:fade/>
       </p:transition>
@@ -13587,7 +14185,7 @@
     </p:spTree>
     <p:extLst>
       <p:ext uri="{BB962C8B-B14F-4D97-AF65-F5344CB8AC3E}">
-        <p14:creationId xmlns:p14="http://schemas.microsoft.com/office/powerpoint/2010/main" xmlns="" val="585023994"/>
+        <p14:creationId xmlns="" xmlns:p14="http://schemas.microsoft.com/office/powerpoint/2010/main" val="585023994"/>
       </p:ext>
     </p:extLst>
   </p:cSld>
@@ -13595,7 +14193,7 @@
     <a:masterClrMapping/>
   </p:clrMapOvr>
   <mc:AlternateContent xmlns:mc="http://schemas.openxmlformats.org/markup-compatibility/2006">
-    <mc:Choice xmlns:p14="http://schemas.microsoft.com/office/powerpoint/2010/main" xmlns="" Requires="p14">
+    <mc:Choice xmlns="" xmlns:p14="http://schemas.microsoft.com/office/powerpoint/2010/main" Requires="p14">
       <p:transition p14:dur="250">
         <p:fade/>
       </p:transition>
@@ -14045,7 +14643,7 @@
     </p:spTree>
     <p:extLst>
       <p:ext uri="{BB962C8B-B14F-4D97-AF65-F5344CB8AC3E}">
-        <p14:creationId xmlns:p14="http://schemas.microsoft.com/office/powerpoint/2010/main" xmlns="" val="585023994"/>
+        <p14:creationId xmlns="" xmlns:p14="http://schemas.microsoft.com/office/powerpoint/2010/main" val="585023994"/>
       </p:ext>
     </p:extLst>
   </p:cSld>
@@ -14053,7 +14651,7 @@
     <a:masterClrMapping/>
   </p:clrMapOvr>
   <mc:AlternateContent xmlns:mc="http://schemas.openxmlformats.org/markup-compatibility/2006">
-    <mc:Choice xmlns:p14="http://schemas.microsoft.com/office/powerpoint/2010/main" xmlns="" Requires="p14">
+    <mc:Choice xmlns="" xmlns:p14="http://schemas.microsoft.com/office/powerpoint/2010/main" Requires="p14">
       <p:transition p14:dur="250">
         <p:fade/>
       </p:transition>

--- a/slides/main.pptx
+++ b/slides/main.pptx
@@ -878,7 +878,7 @@
     </p:spTree>
     <p:extLst>
       <p:ext uri="{BB962C8B-B14F-4D97-AF65-F5344CB8AC3E}">
-        <p14:creationId xmlns="" xmlns:p14="http://schemas.microsoft.com/office/powerpoint/2010/main" val="2128366257"/>
+        <p14:creationId xmlns:p14="http://schemas.microsoft.com/office/powerpoint/2010/main" xmlns="" val="2128366257"/>
       </p:ext>
     </p:extLst>
   </p:cSld>
@@ -908,7 +908,7 @@
     </p:spTree>
     <p:extLst>
       <p:ext uri="{BB962C8B-B14F-4D97-AF65-F5344CB8AC3E}">
-        <p14:creationId xmlns="" xmlns:p14="http://schemas.microsoft.com/office/powerpoint/2010/main" val="195677046"/>
+        <p14:creationId xmlns:p14="http://schemas.microsoft.com/office/powerpoint/2010/main" xmlns="" val="195677046"/>
       </p:ext>
     </p:extLst>
   </p:cSld>
@@ -938,7 +938,7 @@
     </p:spTree>
     <p:extLst>
       <p:ext uri="{BB962C8B-B14F-4D97-AF65-F5344CB8AC3E}">
-        <p14:creationId xmlns="" xmlns:p14="http://schemas.microsoft.com/office/powerpoint/2010/main" val="1997685105"/>
+        <p14:creationId xmlns:p14="http://schemas.microsoft.com/office/powerpoint/2010/main" xmlns="" val="1997685105"/>
       </p:ext>
     </p:extLst>
   </p:cSld>
@@ -3190,7 +3190,7 @@
           <a:blip r:embed="rId2" cstate="print">
             <a:extLst>
               <a:ext uri="{28A0092B-C50C-407E-A947-70E740481C1C}">
-                <a14:useLocalDpi xmlns="" xmlns:a14="http://schemas.microsoft.com/office/drawing/2010/main" val="0"/>
+                <a14:useLocalDpi xmlns:a14="http://schemas.microsoft.com/office/drawing/2010/main" xmlns="" val="0"/>
               </a:ext>
             </a:extLst>
           </a:blip>
@@ -3274,7 +3274,7 @@
           <a:blip r:embed="rId3" cstate="print">
             <a:extLst>
               <a:ext uri="{28A0092B-C50C-407E-A947-70E740481C1C}">
-                <a14:useLocalDpi xmlns="" xmlns:a14="http://schemas.microsoft.com/office/drawing/2010/main" val="0"/>
+                <a14:useLocalDpi xmlns:a14="http://schemas.microsoft.com/office/drawing/2010/main" xmlns="" val="0"/>
               </a:ext>
             </a:extLst>
           </a:blip>
@@ -3579,7 +3579,7 @@
     <a:masterClrMapping/>
   </p:clrMapOvr>
   <mc:AlternateContent xmlns:mc="http://schemas.openxmlformats.org/markup-compatibility/2006">
-    <mc:Choice xmlns="" xmlns:p14="http://schemas.microsoft.com/office/powerpoint/2010/main" Requires="p14">
+    <mc:Choice xmlns:p14="http://schemas.microsoft.com/office/powerpoint/2010/main" xmlns="" Requires="p14">
       <p:transition p14:dur="250">
         <p:fade/>
       </p:transition>
@@ -3954,7 +3954,7 @@
     </p:spTree>
     <p:extLst>
       <p:ext uri="{BB962C8B-B14F-4D97-AF65-F5344CB8AC3E}">
-        <p14:creationId xmlns="" xmlns:p14="http://schemas.microsoft.com/office/powerpoint/2010/main" val="585023994"/>
+        <p14:creationId xmlns:p14="http://schemas.microsoft.com/office/powerpoint/2010/main" xmlns="" val="585023994"/>
       </p:ext>
     </p:extLst>
   </p:cSld>
@@ -3962,7 +3962,7 @@
     <a:masterClrMapping/>
   </p:clrMapOvr>
   <mc:AlternateContent xmlns:mc="http://schemas.openxmlformats.org/markup-compatibility/2006">
-    <mc:Choice xmlns="" xmlns:p14="http://schemas.microsoft.com/office/powerpoint/2010/main" Requires="p14">
+    <mc:Choice xmlns:p14="http://schemas.microsoft.com/office/powerpoint/2010/main" xmlns="" Requires="p14">
       <p:transition p14:dur="250">
         <p:fade/>
       </p:transition>
@@ -4098,7 +4098,7 @@
               </a:lnSpc>
             </a:pPr>
             <a:r>
-              <a:rPr lang="en-GB" sz="1600" b="1" cap="all" spc="200" dirty="0" smtClean="0">
+              <a:rPr lang="en-GB" b="1" cap="all" spc="200" dirty="0" smtClean="0">
                 <a:solidFill>
                   <a:schemeClr val="accent1">
                     <a:lumMod val="75000"/>
@@ -4116,7 +4116,7 @@
                 <a:spcPct val="100000"/>
               </a:lnSpc>
             </a:pPr>
-            <a:endParaRPr lang="en-GB" sz="1600" b="1" cap="all" spc="200" dirty="0" smtClean="0">
+            <a:endParaRPr lang="en-GB" b="1" cap="all" spc="200" dirty="0" smtClean="0">
               <a:solidFill>
                 <a:schemeClr val="accent1">
                   <a:lumMod val="75000"/>
@@ -4133,7 +4133,7 @@
               </a:lnSpc>
             </a:pPr>
             <a:r>
-              <a:rPr lang="en-GB" sz="1600" b="1" cap="all" spc="200" dirty="0" smtClean="0">
+              <a:rPr lang="en-GB" b="1" cap="all" spc="200" dirty="0" smtClean="0">
                 <a:solidFill>
                   <a:schemeClr val="accent1">
                     <a:lumMod val="75000"/>
@@ -4144,7 +4144,7 @@
               </a:rPr>
               <a:t>Station Configurations</a:t>
             </a:r>
-            <a:endParaRPr lang="da-DK" sz="1600" b="1" cap="all" spc="200" dirty="0" smtClean="0">
+            <a:endParaRPr lang="da-DK" b="1" cap="all" spc="200" dirty="0" smtClean="0">
               <a:solidFill>
                 <a:schemeClr val="accent1">
                   <a:lumMod val="75000"/>
@@ -4397,7 +4397,7 @@
         </p:blipFill>
         <p:spPr bwMode="auto">
           <a:xfrm>
-            <a:off x="539552" y="2241547"/>
+            <a:off x="539552" y="2457571"/>
             <a:ext cx="8166323" cy="2339581"/>
           </a:xfrm>
           <a:prstGeom prst="rect">
@@ -4420,7 +4420,7 @@
         </p:nvSpPr>
         <p:spPr>
           <a:xfrm>
-            <a:off x="827584" y="4869160"/>
+            <a:off x="827584" y="5013176"/>
             <a:ext cx="7488832" cy="523220"/>
           </a:xfrm>
           <a:prstGeom prst="rect">
@@ -4484,7 +4484,7 @@
     </p:spTree>
     <p:extLst>
       <p:ext uri="{BB962C8B-B14F-4D97-AF65-F5344CB8AC3E}">
-        <p14:creationId xmlns="" xmlns:p14="http://schemas.microsoft.com/office/powerpoint/2010/main" val="585023994"/>
+        <p14:creationId xmlns:p14="http://schemas.microsoft.com/office/powerpoint/2010/main" xmlns="" val="585023994"/>
       </p:ext>
     </p:extLst>
   </p:cSld>
@@ -4492,7 +4492,7 @@
     <a:masterClrMapping/>
   </p:clrMapOvr>
   <mc:AlternateContent xmlns:mc="http://schemas.openxmlformats.org/markup-compatibility/2006">
-    <mc:Choice xmlns="" xmlns:p14="http://schemas.microsoft.com/office/powerpoint/2010/main" Requires="p14">
+    <mc:Choice xmlns:p14="http://schemas.microsoft.com/office/powerpoint/2010/main" xmlns="" Requires="p14">
       <p:transition p14:dur="250">
         <p:fade/>
       </p:transition>
@@ -4882,7 +4882,7 @@
     </p:spTree>
     <p:extLst>
       <p:ext uri="{BB962C8B-B14F-4D97-AF65-F5344CB8AC3E}">
-        <p14:creationId xmlns="" xmlns:p14="http://schemas.microsoft.com/office/powerpoint/2010/main" val="585023994"/>
+        <p14:creationId xmlns:p14="http://schemas.microsoft.com/office/powerpoint/2010/main" xmlns="" val="585023994"/>
       </p:ext>
     </p:extLst>
   </p:cSld>
@@ -4890,7 +4890,7 @@
     <a:masterClrMapping/>
   </p:clrMapOvr>
   <mc:AlternateContent xmlns:mc="http://schemas.openxmlformats.org/markup-compatibility/2006">
-    <mc:Choice xmlns="" xmlns:p14="http://schemas.microsoft.com/office/powerpoint/2010/main" Requires="p14">
+    <mc:Choice xmlns:p14="http://schemas.microsoft.com/office/powerpoint/2010/main" xmlns="" Requires="p14">
       <p:transition p14:dur="250">
         <p:fade/>
       </p:transition>
@@ -4997,7 +4997,7 @@
           <a:blip r:embed="rId2" cstate="print">
             <a:extLst>
               <a:ext uri="{28A0092B-C50C-407E-A947-70E740481C1C}">
-                <a14:useLocalDpi xmlns="" xmlns:a14="http://schemas.microsoft.com/office/drawing/2010/main" val="0"/>
+                <a14:useLocalDpi xmlns:a14="http://schemas.microsoft.com/office/drawing/2010/main" xmlns="" val="0"/>
               </a:ext>
             </a:extLst>
           </a:blip>
@@ -5104,7 +5104,7 @@
     </p:spTree>
     <p:extLst>
       <p:ext uri="{BB962C8B-B14F-4D97-AF65-F5344CB8AC3E}">
-        <p14:creationId xmlns="" xmlns:p14="http://schemas.microsoft.com/office/powerpoint/2010/main" val="3425622471"/>
+        <p14:creationId xmlns:p14="http://schemas.microsoft.com/office/powerpoint/2010/main" xmlns="" val="3425622471"/>
       </p:ext>
     </p:extLst>
   </p:cSld>
@@ -5112,7 +5112,7 @@
     <a:masterClrMapping/>
   </p:clrMapOvr>
   <mc:AlternateContent xmlns:mc="http://schemas.openxmlformats.org/markup-compatibility/2006">
-    <mc:Choice xmlns="" xmlns:p14="http://schemas.microsoft.com/office/powerpoint/2010/main" Requires="p14">
+    <mc:Choice xmlns:p14="http://schemas.microsoft.com/office/powerpoint/2010/main" xmlns="" Requires="p14">
       <p:transition p14:dur="250">
         <p:fade/>
       </p:transition>
@@ -5232,7 +5232,7 @@
               </a:lnSpc>
             </a:pPr>
             <a:r>
-              <a:rPr lang="en-GB" sz="1600" b="1" cap="all" spc="200" dirty="0" smtClean="0">
+              <a:rPr lang="en-GB" b="1" cap="all" spc="200" dirty="0" smtClean="0">
                 <a:solidFill>
                   <a:schemeClr val="accent1">
                     <a:lumMod val="75000"/>
@@ -5250,7 +5250,7 @@
                 <a:spcPct val="100000"/>
               </a:lnSpc>
             </a:pPr>
-            <a:endParaRPr lang="en-GB" sz="1600" b="1" cap="all" spc="200" dirty="0" smtClean="0">
+            <a:endParaRPr lang="en-GB" b="1" cap="all" spc="200" dirty="0" smtClean="0">
               <a:solidFill>
                 <a:schemeClr val="accent1">
                   <a:lumMod val="75000"/>
@@ -5267,7 +5267,7 @@
               </a:lnSpc>
             </a:pPr>
             <a:r>
-              <a:rPr lang="en-GB" sz="1600" b="1" cap="all" spc="200" dirty="0" smtClean="0">
+              <a:rPr lang="en-GB" b="1" cap="all" spc="200" dirty="0" smtClean="0">
                 <a:solidFill>
                   <a:schemeClr val="accent1">
                     <a:lumMod val="75000"/>
@@ -5286,7 +5286,7 @@
               </a:lnSpc>
             </a:pPr>
             <a:r>
-              <a:rPr lang="en-GB" sz="1200" cap="all" spc="200" dirty="0" smtClean="0">
+              <a:rPr lang="en-GB" sz="1400" cap="all" spc="200" dirty="0" smtClean="0">
                 <a:solidFill>
                   <a:schemeClr val="accent1">
                     <a:lumMod val="75000"/>
@@ -5527,7 +5527,7 @@
     </p:spTree>
     <p:extLst>
       <p:ext uri="{BB962C8B-B14F-4D97-AF65-F5344CB8AC3E}">
-        <p14:creationId xmlns="" xmlns:p14="http://schemas.microsoft.com/office/powerpoint/2010/main" val="585023994"/>
+        <p14:creationId xmlns:p14="http://schemas.microsoft.com/office/powerpoint/2010/main" xmlns="" val="585023994"/>
       </p:ext>
     </p:extLst>
   </p:cSld>
@@ -5535,7 +5535,7 @@
     <a:masterClrMapping/>
   </p:clrMapOvr>
   <mc:AlternateContent xmlns:mc="http://schemas.openxmlformats.org/markup-compatibility/2006">
-    <mc:Choice xmlns="" xmlns:p14="http://schemas.microsoft.com/office/powerpoint/2010/main" Requires="p14">
+    <mc:Choice xmlns:p14="http://schemas.microsoft.com/office/powerpoint/2010/main" xmlns="" Requires="p14">
       <p:transition p14:dur="250">
         <p:fade/>
       </p:transition>
@@ -5925,7 +5925,7 @@
     </p:spTree>
     <p:extLst>
       <p:ext uri="{BB962C8B-B14F-4D97-AF65-F5344CB8AC3E}">
-        <p14:creationId xmlns="" xmlns:p14="http://schemas.microsoft.com/office/powerpoint/2010/main" val="585023994"/>
+        <p14:creationId xmlns:p14="http://schemas.microsoft.com/office/powerpoint/2010/main" xmlns="" val="585023994"/>
       </p:ext>
     </p:extLst>
   </p:cSld>
@@ -5933,7 +5933,7 @@
     <a:masterClrMapping/>
   </p:clrMapOvr>
   <mc:AlternateContent xmlns:mc="http://schemas.openxmlformats.org/markup-compatibility/2006">
-    <mc:Choice xmlns="" xmlns:p14="http://schemas.microsoft.com/office/powerpoint/2010/main" Requires="p14">
+    <mc:Choice xmlns:p14="http://schemas.microsoft.com/office/powerpoint/2010/main" xmlns="" Requires="p14">
       <p:transition p14:dur="250">
         <p:fade/>
       </p:transition>
@@ -6337,7 +6337,7 @@
               </a:lnSpc>
             </a:pPr>
             <a:r>
-              <a:rPr lang="en-GB" sz="1600" b="1" cap="all" spc="200" dirty="0" smtClean="0">
+              <a:rPr lang="en-GB" b="1" cap="all" spc="200" dirty="0" smtClean="0">
                 <a:solidFill>
                   <a:schemeClr val="accent1">
                     <a:lumMod val="75000"/>
@@ -6348,7 +6348,7 @@
               </a:rPr>
               <a:t>Max Texture Size</a:t>
             </a:r>
-            <a:endParaRPr lang="en-GB" sz="1600" cap="all" spc="200" dirty="0" smtClean="0">
+            <a:endParaRPr lang="en-GB" cap="all" spc="200" dirty="0" smtClean="0">
               <a:solidFill>
                 <a:schemeClr val="accent1">
                   <a:lumMod val="75000"/>
@@ -6363,7 +6363,7 @@
     </p:spTree>
     <p:extLst>
       <p:ext uri="{BB962C8B-B14F-4D97-AF65-F5344CB8AC3E}">
-        <p14:creationId xmlns="" xmlns:p14="http://schemas.microsoft.com/office/powerpoint/2010/main" val="585023994"/>
+        <p14:creationId xmlns:p14="http://schemas.microsoft.com/office/powerpoint/2010/main" xmlns="" val="585023994"/>
       </p:ext>
     </p:extLst>
   </p:cSld>
@@ -6371,7 +6371,7 @@
     <a:masterClrMapping/>
   </p:clrMapOvr>
   <mc:AlternateContent xmlns:mc="http://schemas.openxmlformats.org/markup-compatibility/2006">
-    <mc:Choice xmlns="" xmlns:p14="http://schemas.microsoft.com/office/powerpoint/2010/main" Requires="p14">
+    <mc:Choice xmlns:p14="http://schemas.microsoft.com/office/powerpoint/2010/main" xmlns="" Requires="p14">
       <p:transition p14:dur="250">
         <p:fade/>
       </p:transition>
@@ -6798,8 +6798,8 @@
         </p:nvSpPr>
         <p:spPr>
           <a:xfrm>
-            <a:off x="1691680" y="3933056"/>
-            <a:ext cx="936104" cy="288032"/>
+            <a:off x="1619672" y="3933056"/>
+            <a:ext cx="1008112" cy="307777"/>
           </a:xfrm>
           <a:prstGeom prst="rect">
             <a:avLst/>
@@ -6813,7 +6813,7 @@
           <a:lstStyle/>
           <a:p>
             <a:r>
-              <a:rPr lang="en-GB" sz="1200" dirty="0" smtClean="0">
+              <a:rPr lang="en-GB" sz="1400" dirty="0" smtClean="0">
                 <a:solidFill>
                   <a:schemeClr val="accent1">
                     <a:lumMod val="75000"/>
@@ -6824,7 +6824,7 @@
               </a:rPr>
               <a:t>396 x 284</a:t>
             </a:r>
-            <a:endParaRPr lang="da-DK" sz="1200" dirty="0">
+            <a:endParaRPr lang="da-DK" sz="1400" dirty="0">
               <a:solidFill>
                 <a:schemeClr val="accent1">
                   <a:lumMod val="75000"/>
@@ -6844,8 +6844,8 @@
         </p:nvSpPr>
         <p:spPr>
           <a:xfrm>
-            <a:off x="5796136" y="5445224"/>
-            <a:ext cx="864096" cy="288032"/>
+            <a:off x="5724128" y="5445224"/>
+            <a:ext cx="1008112" cy="307777"/>
           </a:xfrm>
           <a:prstGeom prst="rect">
             <a:avLst/>
@@ -6859,7 +6859,7 @@
           <a:lstStyle/>
           <a:p>
             <a:r>
-              <a:rPr lang="en-GB" sz="1200" dirty="0" smtClean="0">
+              <a:rPr lang="en-GB" sz="1400" dirty="0" smtClean="0">
                 <a:solidFill>
                   <a:schemeClr val="accent1">
                     <a:lumMod val="75000"/>
@@ -6870,7 +6870,7 @@
               </a:rPr>
               <a:t>512 x 512</a:t>
             </a:r>
-            <a:endParaRPr lang="da-DK" sz="1200" dirty="0">
+            <a:endParaRPr lang="da-DK" sz="1400" dirty="0">
               <a:solidFill>
                 <a:schemeClr val="accent1">
                   <a:lumMod val="75000"/>
@@ -6909,7 +6909,7 @@
               </a:lnSpc>
             </a:pPr>
             <a:r>
-              <a:rPr lang="en-GB" sz="1200" cap="all" spc="200" dirty="0" smtClean="0">
+              <a:rPr lang="en-GB" sz="1400" cap="all" spc="200" dirty="0" smtClean="0">
                 <a:solidFill>
                   <a:schemeClr val="accent1">
                     <a:lumMod val="75000"/>
@@ -6950,7 +6950,7 @@
               </a:lnSpc>
             </a:pPr>
             <a:r>
-              <a:rPr lang="en-GB" sz="1200" cap="all" spc="200" dirty="0" smtClean="0">
+              <a:rPr lang="en-GB" sz="1400" cap="all" spc="200" dirty="0" smtClean="0">
                 <a:solidFill>
                   <a:schemeClr val="accent1">
                     <a:lumMod val="75000"/>
@@ -6967,7 +6967,7 @@
     </p:spTree>
     <p:extLst>
       <p:ext uri="{BB962C8B-B14F-4D97-AF65-F5344CB8AC3E}">
-        <p14:creationId xmlns="" xmlns:p14="http://schemas.microsoft.com/office/powerpoint/2010/main" val="585023994"/>
+        <p14:creationId xmlns:p14="http://schemas.microsoft.com/office/powerpoint/2010/main" xmlns="" val="585023994"/>
       </p:ext>
     </p:extLst>
   </p:cSld>
@@ -6975,7 +6975,7 @@
     <a:masterClrMapping/>
   </p:clrMapOvr>
   <mc:AlternateContent xmlns:mc="http://schemas.openxmlformats.org/markup-compatibility/2006">
-    <mc:Choice xmlns="" xmlns:p14="http://schemas.microsoft.com/office/powerpoint/2010/main" Requires="p14">
+    <mc:Choice xmlns:p14="http://schemas.microsoft.com/office/powerpoint/2010/main" xmlns="" Requires="p14">
       <p:transition p14:dur="250">
         <p:fade/>
       </p:transition>
@@ -7421,7 +7421,7 @@
               </a:lnSpc>
             </a:pPr>
             <a:r>
-              <a:rPr lang="en-GB" sz="1200" cap="all" spc="200" dirty="0" smtClean="0">
+              <a:rPr lang="en-GB" sz="1400" cap="all" spc="200" dirty="0" smtClean="0">
                 <a:solidFill>
                   <a:schemeClr val="accent1">
                     <a:lumMod val="75000"/>
@@ -7462,7 +7462,7 @@
               </a:lnSpc>
             </a:pPr>
             <a:r>
-              <a:rPr lang="en-GB" sz="1200" cap="all" spc="200" dirty="0" smtClean="0">
+              <a:rPr lang="en-GB" sz="1400" cap="all" spc="200" dirty="0" smtClean="0">
                 <a:solidFill>
                   <a:schemeClr val="accent1">
                     <a:lumMod val="75000"/>
@@ -7479,7 +7479,7 @@
     </p:spTree>
     <p:extLst>
       <p:ext uri="{BB962C8B-B14F-4D97-AF65-F5344CB8AC3E}">
-        <p14:creationId xmlns="" xmlns:p14="http://schemas.microsoft.com/office/powerpoint/2010/main" val="585023994"/>
+        <p14:creationId xmlns:p14="http://schemas.microsoft.com/office/powerpoint/2010/main" xmlns="" val="585023994"/>
       </p:ext>
     </p:extLst>
   </p:cSld>
@@ -7487,7 +7487,7 @@
     <a:masterClrMapping/>
   </p:clrMapOvr>
   <mc:AlternateContent xmlns:mc="http://schemas.openxmlformats.org/markup-compatibility/2006">
-    <mc:Choice xmlns="" xmlns:p14="http://schemas.microsoft.com/office/powerpoint/2010/main" Requires="p14">
+    <mc:Choice xmlns:p14="http://schemas.microsoft.com/office/powerpoint/2010/main" xmlns="" Requires="p14">
       <p:transition p14:dur="250">
         <p:fade/>
       </p:transition>
@@ -7607,7 +7607,7 @@
               </a:lnSpc>
             </a:pPr>
             <a:r>
-              <a:rPr lang="en-GB" sz="1600" b="1" spc="200" dirty="0" smtClean="0">
+              <a:rPr lang="en-GB" b="1" spc="200" dirty="0" smtClean="0">
                 <a:solidFill>
                   <a:schemeClr val="accent1">
                     <a:lumMod val="75000"/>
@@ -7635,7 +7635,19 @@
                 <a:latin typeface="Arial"/>
                 <a:cs typeface="Arial"/>
               </a:rPr>
-              <a:t>MATRIX STACK</a:t>
+              <a:t>M</a:t>
+            </a:r>
+            <a:r>
+              <a:rPr lang="en-GB" sz="1400" spc="200" dirty="0" smtClean="0">
+                <a:solidFill>
+                  <a:schemeClr val="accent1">
+                    <a:lumMod val="75000"/>
+                  </a:schemeClr>
+                </a:solidFill>
+                <a:latin typeface="Arial"/>
+                <a:cs typeface="Arial"/>
+              </a:rPr>
+              <a:t>ATRIX STACK</a:t>
             </a:r>
           </a:p>
           <a:p>
@@ -7925,7 +7937,7 @@
     </p:spTree>
     <p:extLst>
       <p:ext uri="{BB962C8B-B14F-4D97-AF65-F5344CB8AC3E}">
-        <p14:creationId xmlns="" xmlns:p14="http://schemas.microsoft.com/office/powerpoint/2010/main" val="585023994"/>
+        <p14:creationId xmlns:p14="http://schemas.microsoft.com/office/powerpoint/2010/main" xmlns="" val="585023994"/>
       </p:ext>
     </p:extLst>
   </p:cSld>
@@ -7933,7 +7945,7 @@
     <a:masterClrMapping/>
   </p:clrMapOvr>
   <mc:AlternateContent xmlns:mc="http://schemas.openxmlformats.org/markup-compatibility/2006">
-    <mc:Choice xmlns="" xmlns:p14="http://schemas.microsoft.com/office/powerpoint/2010/main" Requires="p14">
+    <mc:Choice xmlns:p14="http://schemas.microsoft.com/office/powerpoint/2010/main" xmlns="" Requires="p14">
       <p:transition p14:dur="250">
         <p:fade/>
       </p:transition>
@@ -8053,7 +8065,7 @@
               </a:lnSpc>
             </a:pPr>
             <a:r>
-              <a:rPr lang="da-DK" sz="1600" b="1" cap="all" spc="200" dirty="0" smtClean="0">
+              <a:rPr lang="da-DK" b="1" cap="all" spc="200" dirty="0" smtClean="0">
                 <a:solidFill>
                   <a:schemeClr val="accent1">
                     <a:lumMod val="75000"/>
@@ -8071,7 +8083,7 @@
                 <a:spcPct val="100000"/>
               </a:lnSpc>
             </a:pPr>
-            <a:endParaRPr lang="da-DK" sz="1600" b="1" cap="all" spc="200" dirty="0" smtClean="0">
+            <a:endParaRPr lang="da-DK" b="1" cap="all" spc="200" dirty="0" smtClean="0">
               <a:solidFill>
                 <a:schemeClr val="accent1">
                   <a:lumMod val="75000"/>
@@ -8088,7 +8100,7 @@
               </a:lnSpc>
             </a:pPr>
             <a:r>
-              <a:rPr lang="da-DK" sz="1600" b="1" cap="all" spc="200" dirty="0" smtClean="0">
+              <a:rPr lang="da-DK" b="1" cap="all" spc="200" dirty="0" smtClean="0">
                 <a:solidFill>
                   <a:schemeClr val="accent1">
                     <a:lumMod val="75000"/>
@@ -8106,7 +8118,7 @@
                 <a:spcPct val="100000"/>
               </a:lnSpc>
             </a:pPr>
-            <a:endParaRPr lang="da-DK" sz="1600" b="1" cap="all" spc="200" dirty="0" smtClean="0">
+            <a:endParaRPr lang="da-DK" b="1" cap="all" spc="200" dirty="0" smtClean="0">
               <a:solidFill>
                 <a:schemeClr val="accent1">
                   <a:lumMod val="75000"/>
@@ -8123,7 +8135,7 @@
               </a:lnSpc>
             </a:pPr>
             <a:r>
-              <a:rPr lang="da-DK" sz="1600" b="1" cap="all" spc="200" dirty="0" smtClean="0">
+              <a:rPr lang="da-DK" b="1" cap="all" spc="200" dirty="0" smtClean="0">
                 <a:solidFill>
                   <a:schemeClr val="accent1">
                     <a:lumMod val="75000"/>
@@ -8134,7 +8146,7 @@
               </a:rPr>
               <a:t>OpenGL ES</a:t>
             </a:r>
-            <a:endParaRPr lang="da-DK" sz="1200" cap="all" spc="200" dirty="0">
+            <a:endParaRPr lang="da-DK" cap="all" spc="200" dirty="0">
               <a:solidFill>
                 <a:schemeClr val="accent1">
                   <a:lumMod val="75000"/>
@@ -8150,7 +8162,7 @@
                 <a:spcPct val="100000"/>
               </a:lnSpc>
             </a:pPr>
-            <a:endParaRPr lang="da-DK" sz="1600" b="1" cap="all" spc="200" dirty="0">
+            <a:endParaRPr lang="da-DK" b="1" cap="all" spc="200" dirty="0">
               <a:solidFill>
                 <a:schemeClr val="accent1">
                   <a:lumMod val="75000"/>
@@ -8167,7 +8179,7 @@
               </a:lnSpc>
             </a:pPr>
             <a:r>
-              <a:rPr lang="da-DK" sz="1600" b="1" cap="all" spc="200" dirty="0" smtClean="0">
+              <a:rPr lang="da-DK" b="1" cap="all" spc="200" dirty="0" smtClean="0">
                 <a:solidFill>
                   <a:schemeClr val="accent1">
                     <a:lumMod val="75000"/>
@@ -8178,7 +8190,7 @@
               </a:rPr>
               <a:t>Game Implementation</a:t>
             </a:r>
-            <a:endParaRPr lang="da-DK" sz="1200" cap="all" spc="200" dirty="0" smtClean="0">
+            <a:endParaRPr lang="da-DK" cap="all" spc="200" dirty="0" smtClean="0">
               <a:solidFill>
                 <a:schemeClr val="accent1">
                   <a:lumMod val="75000"/>
@@ -8194,7 +8206,7 @@
                 <a:spcPct val="100000"/>
               </a:lnSpc>
             </a:pPr>
-            <a:endParaRPr lang="da-DK" sz="1600" b="1" cap="all" spc="200" dirty="0" smtClean="0">
+            <a:endParaRPr lang="da-DK" b="1" cap="all" spc="200" dirty="0" smtClean="0">
               <a:solidFill>
                 <a:schemeClr val="accent1">
                   <a:lumMod val="75000"/>
@@ -8211,7 +8223,7 @@
               </a:lnSpc>
             </a:pPr>
             <a:r>
-              <a:rPr lang="da-DK" sz="1600" b="1" cap="all" spc="200" smtClean="0">
+              <a:rPr lang="da-DK" b="1" cap="all" spc="200" dirty="0" smtClean="0">
                 <a:solidFill>
                   <a:schemeClr val="accent1">
                     <a:lumMod val="75000"/>
@@ -8222,7 +8234,7 @@
               </a:rPr>
               <a:t>Conclusion</a:t>
             </a:r>
-            <a:endParaRPr lang="da-DK" sz="1600" b="1" cap="all" spc="200" dirty="0">
+            <a:endParaRPr lang="da-DK" b="1" cap="all" spc="200" dirty="0">
               <a:solidFill>
                 <a:schemeClr val="accent1">
                   <a:lumMod val="75000"/>
@@ -8238,7 +8250,7 @@
                 <a:spcPct val="100000"/>
               </a:lnSpc>
             </a:pPr>
-            <a:endParaRPr lang="da-DK" sz="1600" b="1" cap="all" spc="200" dirty="0" smtClean="0">
+            <a:endParaRPr lang="da-DK" b="1" cap="all" spc="200" dirty="0" smtClean="0">
               <a:solidFill>
                 <a:schemeClr val="accent1">
                   <a:lumMod val="75000"/>
@@ -8255,7 +8267,7 @@
               </a:lnSpc>
             </a:pPr>
             <a:r>
-              <a:rPr lang="da-DK" sz="1600" b="1" cap="all" spc="200" dirty="0" smtClean="0">
+              <a:rPr lang="da-DK" b="1" cap="all" spc="200" dirty="0" smtClean="0">
                 <a:solidFill>
                   <a:schemeClr val="accent1">
                     <a:lumMod val="75000"/>
@@ -8499,7 +8511,7 @@
     <a:masterClrMapping/>
   </p:clrMapOvr>
   <mc:AlternateContent xmlns:mc="http://schemas.openxmlformats.org/markup-compatibility/2006">
-    <mc:Choice xmlns="" xmlns:p14="http://schemas.microsoft.com/office/powerpoint/2010/main" Requires="p14">
+    <mc:Choice xmlns:p14="http://schemas.microsoft.com/office/powerpoint/2010/main" xmlns="" Requires="p14">
       <p:transition p14:dur="250">
         <p:fade/>
       </p:transition>
@@ -8843,7 +8855,7 @@
               </a:lnSpc>
             </a:pPr>
             <a:r>
-              <a:rPr lang="en-GB" sz="1600" b="1" spc="200" dirty="0" smtClean="0">
+              <a:rPr lang="en-GB" b="1" spc="200" dirty="0" smtClean="0">
                 <a:solidFill>
                   <a:schemeClr val="accent1">
                     <a:lumMod val="75000"/>
@@ -8862,7 +8874,7 @@
               </a:lnSpc>
             </a:pPr>
             <a:r>
-              <a:rPr lang="en-GB" sz="1200" spc="200" dirty="0" err="1" smtClean="0">
+              <a:rPr lang="en-GB" sz="1400" spc="200" dirty="0" err="1" smtClean="0">
                 <a:solidFill>
                   <a:schemeClr val="accent1">
                     <a:lumMod val="75000"/>
@@ -8873,7 +8885,7 @@
               </a:rPr>
               <a:t>android.opengl.GLSurfaceView</a:t>
             </a:r>
-            <a:endParaRPr lang="en-GB" sz="1200" spc="200" dirty="0" smtClean="0">
+            <a:endParaRPr lang="en-GB" sz="1400" spc="200" dirty="0" smtClean="0">
               <a:solidFill>
                 <a:schemeClr val="accent1">
                   <a:lumMod val="75000"/>
@@ -8890,7 +8902,7 @@
               </a:lnSpc>
             </a:pPr>
             <a:r>
-              <a:rPr lang="en-GB" sz="1200" spc="200" dirty="0" err="1" smtClean="0">
+              <a:rPr lang="en-GB" sz="1400" spc="200" dirty="0" err="1" smtClean="0">
                 <a:solidFill>
                   <a:schemeClr val="accent1">
                     <a:lumMod val="75000"/>
@@ -8901,7 +8913,7 @@
               </a:rPr>
               <a:t>android.opengl.GLSurfaceView.Renderer</a:t>
             </a:r>
-            <a:endParaRPr lang="en-GB" sz="1200" spc="200" dirty="0" smtClean="0">
+            <a:endParaRPr lang="en-GB" sz="1400" spc="200" dirty="0" smtClean="0">
               <a:solidFill>
                 <a:schemeClr val="accent1">
                   <a:lumMod val="75000"/>
@@ -9016,7 +9028,7 @@
     </p:spTree>
     <p:extLst>
       <p:ext uri="{BB962C8B-B14F-4D97-AF65-F5344CB8AC3E}">
-        <p14:creationId xmlns="" xmlns:p14="http://schemas.microsoft.com/office/powerpoint/2010/main" val="585023994"/>
+        <p14:creationId xmlns:p14="http://schemas.microsoft.com/office/powerpoint/2010/main" xmlns="" val="585023994"/>
       </p:ext>
     </p:extLst>
   </p:cSld>
@@ -9024,7 +9036,7 @@
     <a:masterClrMapping/>
   </p:clrMapOvr>
   <mc:AlternateContent xmlns:mc="http://schemas.openxmlformats.org/markup-compatibility/2006">
-    <mc:Choice xmlns="" xmlns:p14="http://schemas.microsoft.com/office/powerpoint/2010/main" Requires="p14">
+    <mc:Choice xmlns:p14="http://schemas.microsoft.com/office/powerpoint/2010/main" xmlns="" Requires="p14">
       <p:transition p14:dur="250">
         <p:fade/>
       </p:transition>
@@ -9131,7 +9143,7 @@
           <a:blip r:embed="rId2" cstate="print">
             <a:extLst>
               <a:ext uri="{28A0092B-C50C-407E-A947-70E740481C1C}">
-                <a14:useLocalDpi xmlns="" xmlns:a14="http://schemas.microsoft.com/office/drawing/2010/main" val="0"/>
+                <a14:useLocalDpi xmlns:a14="http://schemas.microsoft.com/office/drawing/2010/main" xmlns="" val="0"/>
               </a:ext>
             </a:extLst>
           </a:blip>
@@ -9226,7 +9238,7 @@
     </p:spTree>
     <p:extLst>
       <p:ext uri="{BB962C8B-B14F-4D97-AF65-F5344CB8AC3E}">
-        <p14:creationId xmlns="" xmlns:p14="http://schemas.microsoft.com/office/powerpoint/2010/main" val="3425622471"/>
+        <p14:creationId xmlns:p14="http://schemas.microsoft.com/office/powerpoint/2010/main" xmlns="" val="3425622471"/>
       </p:ext>
     </p:extLst>
   </p:cSld>
@@ -9234,7 +9246,7 @@
     <a:masterClrMapping/>
   </p:clrMapOvr>
   <mc:AlternateContent xmlns:mc="http://schemas.openxmlformats.org/markup-compatibility/2006">
-    <mc:Choice xmlns="" xmlns:p14="http://schemas.microsoft.com/office/powerpoint/2010/main" Requires="p14">
+    <mc:Choice xmlns:p14="http://schemas.microsoft.com/office/powerpoint/2010/main" xmlns="" Requires="p14">
       <p:transition p14:dur="250">
         <p:fade/>
       </p:transition>
@@ -9354,7 +9366,7 @@
               </a:lnSpc>
             </a:pPr>
             <a:r>
-              <a:rPr lang="en-GB" sz="1600" b="1" cap="all" spc="200" dirty="0" smtClean="0">
+              <a:rPr lang="en-GB" b="1" cap="all" spc="200" dirty="0" smtClean="0">
                 <a:solidFill>
                   <a:schemeClr val="accent1">
                     <a:lumMod val="75000"/>
@@ -9372,7 +9384,7 @@
                 <a:spcPct val="100000"/>
               </a:lnSpc>
             </a:pPr>
-            <a:endParaRPr lang="en-GB" sz="1600" b="1" cap="all" spc="200" dirty="0" smtClean="0">
+            <a:endParaRPr lang="en-GB" b="1" cap="all" spc="200" dirty="0" smtClean="0">
               <a:solidFill>
                 <a:schemeClr val="accent1">
                   <a:lumMod val="75000"/>
@@ -9389,7 +9401,7 @@
               </a:lnSpc>
             </a:pPr>
             <a:r>
-              <a:rPr lang="en-GB" sz="1600" b="1" cap="all" spc="200" dirty="0" smtClean="0">
+              <a:rPr lang="en-GB" b="1" cap="all" spc="200" dirty="0" smtClean="0">
                 <a:solidFill>
                   <a:schemeClr val="accent1">
                     <a:lumMod val="75000"/>
@@ -9400,7 +9412,7 @@
               </a:rPr>
               <a:t>Drag listener</a:t>
             </a:r>
-            <a:endParaRPr lang="da-DK" sz="1600" b="1" cap="all" spc="200" dirty="0" smtClean="0">
+            <a:endParaRPr lang="da-DK" b="1" cap="all" spc="200" dirty="0" smtClean="0">
               <a:solidFill>
                 <a:schemeClr val="accent1">
                   <a:lumMod val="75000"/>
@@ -9665,7 +9677,7 @@
     </p:spTree>
     <p:extLst>
       <p:ext uri="{BB962C8B-B14F-4D97-AF65-F5344CB8AC3E}">
-        <p14:creationId xmlns="" xmlns:p14="http://schemas.microsoft.com/office/powerpoint/2010/main" val="585023994"/>
+        <p14:creationId xmlns:p14="http://schemas.microsoft.com/office/powerpoint/2010/main" xmlns="" val="585023994"/>
       </p:ext>
     </p:extLst>
   </p:cSld>
@@ -9673,7 +9685,7 @@
     <a:masterClrMapping/>
   </p:clrMapOvr>
   <mc:AlternateContent xmlns:mc="http://schemas.openxmlformats.org/markup-compatibility/2006">
-    <mc:Choice xmlns="" xmlns:p14="http://schemas.microsoft.com/office/powerpoint/2010/main" Requires="p14">
+    <mc:Choice xmlns:p14="http://schemas.microsoft.com/office/powerpoint/2010/main" xmlns="" Requires="p14">
       <p:transition p14:dur="250">
         <p:fade/>
       </p:transition>
@@ -9752,19 +9764,7 @@
                 <a:latin typeface="Arial"/>
                 <a:cs typeface="Arial"/>
               </a:rPr>
-              <a:t>Drag </a:t>
-            </a:r>
-            <a:r>
-              <a:rPr lang="en-GB" sz="2400" kern="0" cap="all" spc="200" dirty="0" smtClean="0">
-                <a:solidFill>
-                  <a:schemeClr val="tx2">
-                    <a:lumMod val="50000"/>
-                  </a:schemeClr>
-                </a:solidFill>
-                <a:latin typeface="Arial"/>
-                <a:cs typeface="Arial"/>
-              </a:rPr>
-              <a:t>events</a:t>
+              <a:t>Drag events</a:t>
             </a:r>
             <a:endParaRPr sz="2400" kern="0" cap="all" spc="200" dirty="0">
               <a:solidFill>
@@ -9805,7 +9805,7 @@
               </a:lnSpc>
             </a:pPr>
             <a:r>
-              <a:rPr lang="en-GB" sz="1600" b="1" cap="all" spc="200" dirty="0" smtClean="0">
+              <a:rPr lang="en-GB" b="1" cap="all" spc="200" dirty="0" smtClean="0">
                 <a:solidFill>
                   <a:schemeClr val="accent1">
                     <a:lumMod val="75000"/>
@@ -9824,7 +9824,7 @@
               </a:lnSpc>
             </a:pPr>
             <a:r>
-              <a:rPr lang="en-GB" sz="1200" spc="200" dirty="0" smtClean="0">
+              <a:rPr lang="en-GB" sz="1400" spc="200" dirty="0" smtClean="0">
                 <a:solidFill>
                   <a:schemeClr val="accent1">
                     <a:lumMod val="75000"/>
@@ -9833,10 +9833,17 @@
                 <a:latin typeface="Arial"/>
                 <a:cs typeface="Arial"/>
               </a:rPr>
-              <a:t>ACTION</a:t>
-            </a:r>
-            <a:r>
-              <a:rPr lang="en-GB" sz="1200" spc="200" dirty="0" smtClean="0">
+              <a:t>ACTION_DRAG_START</a:t>
+            </a:r>
+          </a:p>
+          <a:p>
+            <a:pPr marL="12700">
+              <a:lnSpc>
+                <a:spcPct val="100000"/>
+              </a:lnSpc>
+            </a:pPr>
+            <a:r>
+              <a:rPr lang="en-GB" sz="1400" spc="200" dirty="0" smtClean="0">
                 <a:solidFill>
                   <a:schemeClr val="accent1">
                     <a:lumMod val="75000"/>
@@ -9845,7 +9852,7 @@
                 <a:latin typeface="Arial"/>
                 <a:cs typeface="Arial"/>
               </a:rPr>
-              <a:t>_DRAG_START</a:t>
+              <a:t>ACTION_DROP</a:t>
             </a:r>
           </a:p>
           <a:p>
@@ -9855,26 +9862,7 @@
               </a:lnSpc>
             </a:pPr>
             <a:r>
-              <a:rPr lang="en-GB" sz="1200" spc="200" dirty="0" smtClean="0">
-                <a:solidFill>
-                  <a:schemeClr val="accent1">
-                    <a:lumMod val="75000"/>
-                  </a:schemeClr>
-                </a:solidFill>
-                <a:latin typeface="Arial"/>
-                <a:cs typeface="Arial"/>
-              </a:rPr>
-              <a:t>ACTION_DROP</a:t>
-            </a:r>
-          </a:p>
-          <a:p>
-            <a:pPr marL="12700">
-              <a:lnSpc>
-                <a:spcPct val="100000"/>
-              </a:lnSpc>
-            </a:pPr>
-            <a:r>
-              <a:rPr lang="en-GB" sz="1200" spc="200" dirty="0" smtClean="0">
+              <a:rPr lang="en-GB" sz="1400" spc="200" dirty="0" smtClean="0">
                 <a:solidFill>
                   <a:schemeClr val="accent1">
                     <a:lumMod val="75000"/>
@@ -10131,7 +10119,7 @@
     </p:spTree>
     <p:extLst>
       <p:ext uri="{BB962C8B-B14F-4D97-AF65-F5344CB8AC3E}">
-        <p14:creationId xmlns="" xmlns:p14="http://schemas.microsoft.com/office/powerpoint/2010/main" val="585023994"/>
+        <p14:creationId xmlns:p14="http://schemas.microsoft.com/office/powerpoint/2010/main" xmlns="" val="585023994"/>
       </p:ext>
     </p:extLst>
   </p:cSld>
@@ -10139,7 +10127,7 @@
     <a:masterClrMapping/>
   </p:clrMapOvr>
   <mc:AlternateContent xmlns:mc="http://schemas.openxmlformats.org/markup-compatibility/2006">
-    <mc:Choice xmlns="" xmlns:p14="http://schemas.microsoft.com/office/powerpoint/2010/main" Requires="p14">
+    <mc:Choice xmlns:p14="http://schemas.microsoft.com/office/powerpoint/2010/main" xmlns="" Requires="p14">
       <p:transition p14:dur="250">
         <p:fade/>
       </p:transition>
@@ -10271,7 +10259,7 @@
               </a:lnSpc>
             </a:pPr>
             <a:r>
-              <a:rPr lang="en-GB" sz="1600" b="1" cap="all" spc="200" dirty="0" smtClean="0">
+              <a:rPr lang="en-GB" b="1" cap="all" spc="200" dirty="0" smtClean="0">
                 <a:solidFill>
                   <a:schemeClr val="accent1">
                     <a:lumMod val="75000"/>
@@ -10290,7 +10278,7 @@
               </a:lnSpc>
             </a:pPr>
             <a:r>
-              <a:rPr lang="en-GB" sz="1200" cap="all" spc="200" dirty="0" smtClean="0">
+              <a:rPr lang="en-GB" sz="1400" cap="all" spc="200" dirty="0" smtClean="0">
                 <a:solidFill>
                   <a:schemeClr val="accent1">
                     <a:lumMod val="75000"/>
@@ -10309,7 +10297,7 @@
               </a:lnSpc>
             </a:pPr>
             <a:r>
-              <a:rPr lang="en-GB" sz="1200" cap="all" spc="200" dirty="0" smtClean="0">
+              <a:rPr lang="en-GB" sz="1400" cap="all" spc="200" dirty="0" smtClean="0">
                 <a:solidFill>
                   <a:schemeClr val="accent1">
                     <a:lumMod val="75000"/>
@@ -10344,7 +10332,7 @@
               </a:lnSpc>
             </a:pPr>
             <a:r>
-              <a:rPr lang="en-GB" sz="1600" b="1" cap="all" spc="200" dirty="0" smtClean="0">
+              <a:rPr lang="en-GB" b="1" cap="all" spc="200" dirty="0" smtClean="0">
                 <a:solidFill>
                   <a:schemeClr val="accent1">
                     <a:lumMod val="75000"/>
@@ -10363,7 +10351,7 @@
               </a:lnSpc>
             </a:pPr>
             <a:r>
-              <a:rPr lang="en-GB" sz="1200" cap="all" spc="200" dirty="0" smtClean="0">
+              <a:rPr lang="en-GB" sz="1400" cap="all" spc="200" dirty="0" smtClean="0">
                 <a:solidFill>
                   <a:schemeClr val="accent1">
                     <a:lumMod val="75000"/>
@@ -10398,7 +10386,7 @@
               </a:lnSpc>
             </a:pPr>
             <a:r>
-              <a:rPr lang="en-GB" sz="1600" b="1" cap="all" spc="200" dirty="0" smtClean="0">
+              <a:rPr lang="en-GB" b="1" cap="all" spc="200" dirty="0" smtClean="0">
                 <a:solidFill>
                   <a:schemeClr val="accent1">
                     <a:lumMod val="75000"/>
@@ -10417,7 +10405,7 @@
               </a:lnSpc>
             </a:pPr>
             <a:r>
-              <a:rPr lang="en-GB" sz="1200" cap="all" spc="200" dirty="0" smtClean="0">
+              <a:rPr lang="en-GB" sz="1400" cap="all" spc="200" dirty="0" smtClean="0">
                 <a:solidFill>
                   <a:schemeClr val="accent1">
                     <a:lumMod val="75000"/>
@@ -10436,7 +10424,7 @@
               </a:lnSpc>
             </a:pPr>
             <a:r>
-              <a:rPr lang="en-GB" sz="1200" cap="all" spc="200" dirty="0" smtClean="0">
+              <a:rPr lang="en-GB" sz="1400" cap="all" spc="200" dirty="0" smtClean="0">
                 <a:solidFill>
                   <a:schemeClr val="accent1">
                     <a:lumMod val="75000"/>
@@ -10455,7 +10443,7 @@
               </a:lnSpc>
             </a:pPr>
             <a:r>
-              <a:rPr lang="en-GB" sz="1200" cap="all" spc="200" dirty="0" smtClean="0">
+              <a:rPr lang="en-GB" sz="1400" cap="all" spc="200" dirty="0" smtClean="0">
                 <a:solidFill>
                   <a:schemeClr val="accent1">
                     <a:lumMod val="75000"/>
@@ -10474,7 +10462,7 @@
               </a:lnSpc>
             </a:pPr>
             <a:r>
-              <a:rPr lang="en-GB" sz="1200" cap="all" spc="200" dirty="0" smtClean="0">
+              <a:rPr lang="en-GB" sz="1400" cap="all" spc="200" dirty="0" smtClean="0">
                 <a:solidFill>
                   <a:schemeClr val="accent1">
                     <a:lumMod val="75000"/>
@@ -10715,7 +10703,7 @@
     </p:spTree>
     <p:extLst>
       <p:ext uri="{BB962C8B-B14F-4D97-AF65-F5344CB8AC3E}">
-        <p14:creationId xmlns="" xmlns:p14="http://schemas.microsoft.com/office/powerpoint/2010/main" val="585023994"/>
+        <p14:creationId xmlns:p14="http://schemas.microsoft.com/office/powerpoint/2010/main" xmlns="" val="585023994"/>
       </p:ext>
     </p:extLst>
   </p:cSld>
@@ -10723,7 +10711,7 @@
     <a:masterClrMapping/>
   </p:clrMapOvr>
   <mc:AlternateContent xmlns:mc="http://schemas.openxmlformats.org/markup-compatibility/2006">
-    <mc:Choice xmlns="" xmlns:p14="http://schemas.microsoft.com/office/powerpoint/2010/main" Requires="p14">
+    <mc:Choice xmlns:p14="http://schemas.microsoft.com/office/powerpoint/2010/main" xmlns="" Requires="p14">
       <p:transition p14:dur="250">
         <p:fade/>
       </p:transition>
@@ -10830,7 +10818,7 @@
           <a:blip r:embed="rId2" cstate="print">
             <a:extLst>
               <a:ext uri="{28A0092B-C50C-407E-A947-70E740481C1C}">
-                <a14:useLocalDpi xmlns="" xmlns:a14="http://schemas.microsoft.com/office/drawing/2010/main" val="0"/>
+                <a14:useLocalDpi xmlns:a14="http://schemas.microsoft.com/office/drawing/2010/main" xmlns="" val="0"/>
               </a:ext>
             </a:extLst>
           </a:blip>
@@ -10925,7 +10913,7 @@
     </p:spTree>
     <p:extLst>
       <p:ext uri="{BB962C8B-B14F-4D97-AF65-F5344CB8AC3E}">
-        <p14:creationId xmlns="" xmlns:p14="http://schemas.microsoft.com/office/powerpoint/2010/main" val="3425622471"/>
+        <p14:creationId xmlns:p14="http://schemas.microsoft.com/office/powerpoint/2010/main" xmlns="" val="3425622471"/>
       </p:ext>
     </p:extLst>
   </p:cSld>
@@ -10933,7 +10921,7 @@
     <a:masterClrMapping/>
   </p:clrMapOvr>
   <mc:AlternateContent xmlns:mc="http://schemas.openxmlformats.org/markup-compatibility/2006">
-    <mc:Choice xmlns="" xmlns:p14="http://schemas.microsoft.com/office/powerpoint/2010/main" Requires="p14">
+    <mc:Choice xmlns:p14="http://schemas.microsoft.com/office/powerpoint/2010/main" xmlns="" Requires="p14">
       <p:transition p14:dur="250">
         <p:fade/>
       </p:transition>
@@ -11053,7 +11041,7 @@
               </a:lnSpc>
             </a:pPr>
             <a:r>
-              <a:rPr lang="en-GB" sz="1600" b="1" cap="all" spc="200" dirty="0" smtClean="0">
+              <a:rPr lang="en-GB" b="1" cap="all" spc="200" dirty="0" smtClean="0">
                 <a:solidFill>
                   <a:schemeClr val="accent1">
                     <a:lumMod val="75000"/>
@@ -11071,7 +11059,7 @@
                 <a:spcPct val="100000"/>
               </a:lnSpc>
             </a:pPr>
-            <a:endParaRPr lang="en-GB" sz="1600" b="1" cap="all" spc="200" dirty="0" smtClean="0">
+            <a:endParaRPr lang="en-GB" b="1" cap="all" spc="200" dirty="0" smtClean="0">
               <a:solidFill>
                 <a:schemeClr val="accent1">
                   <a:lumMod val="75000"/>
@@ -11087,7 +11075,7 @@
                 <a:spcPct val="100000"/>
               </a:lnSpc>
             </a:pPr>
-            <a:endParaRPr lang="en-GB" sz="1600" b="1" cap="all" spc="200" dirty="0" smtClean="0">
+            <a:endParaRPr lang="en-GB" b="1" cap="all" spc="200" dirty="0" smtClean="0">
               <a:solidFill>
                 <a:schemeClr val="accent1">
                   <a:lumMod val="75000"/>
@@ -11103,7 +11091,7 @@
                 <a:spcPct val="100000"/>
               </a:lnSpc>
             </a:pPr>
-            <a:endParaRPr lang="en-GB" sz="1600" b="1" cap="all" spc="200" dirty="0" smtClean="0">
+            <a:endParaRPr lang="en-GB" b="1" cap="all" spc="200" dirty="0" smtClean="0">
               <a:solidFill>
                 <a:schemeClr val="accent1">
                   <a:lumMod val="75000"/>
@@ -11119,7 +11107,7 @@
                 <a:spcPct val="100000"/>
               </a:lnSpc>
             </a:pPr>
-            <a:endParaRPr lang="en-GB" sz="1600" b="1" cap="all" spc="200" dirty="0" smtClean="0">
+            <a:endParaRPr lang="en-GB" b="1" cap="all" spc="200" dirty="0" smtClean="0">
               <a:solidFill>
                 <a:schemeClr val="accent1">
                   <a:lumMod val="75000"/>
@@ -11136,7 +11124,7 @@
               </a:lnSpc>
             </a:pPr>
             <a:r>
-              <a:rPr lang="en-GB" sz="1600" b="1" cap="all" spc="200" dirty="0" smtClean="0">
+              <a:rPr lang="en-GB" b="1" cap="all" spc="200" dirty="0" smtClean="0">
                 <a:solidFill>
                   <a:schemeClr val="accent1">
                     <a:lumMod val="75000"/>
@@ -11154,7 +11142,7 @@
                 <a:spcPct val="100000"/>
               </a:lnSpc>
             </a:pPr>
-            <a:endParaRPr lang="en-GB" sz="1600" b="1" cap="all" spc="200" dirty="0" smtClean="0">
+            <a:endParaRPr lang="en-GB" b="1" cap="all" spc="200" dirty="0" smtClean="0">
               <a:solidFill>
                 <a:schemeClr val="accent1">
                   <a:lumMod val="75000"/>
@@ -11171,7 +11159,7 @@
               </a:lnSpc>
             </a:pPr>
             <a:r>
-              <a:rPr lang="en-GB" sz="1600" b="1" cap="all" spc="200" dirty="0" smtClean="0">
+              <a:rPr lang="en-GB" b="1" cap="all" spc="200" dirty="0" smtClean="0">
                 <a:solidFill>
                   <a:schemeClr val="accent1">
                     <a:lumMod val="75000"/>
@@ -11189,7 +11177,7 @@
                 <a:spcPct val="100000"/>
               </a:lnSpc>
             </a:pPr>
-            <a:endParaRPr lang="en-GB" sz="1600" b="1" cap="all" spc="200" dirty="0" smtClean="0">
+            <a:endParaRPr lang="en-GB" b="1" cap="all" spc="200" dirty="0" smtClean="0">
               <a:solidFill>
                 <a:schemeClr val="accent1">
                   <a:lumMod val="75000"/>
@@ -11206,7 +11194,7 @@
               </a:lnSpc>
             </a:pPr>
             <a:r>
-              <a:rPr lang="en-GB" sz="1600" b="1" cap="all" spc="200" dirty="0" smtClean="0">
+              <a:rPr lang="en-GB" b="1" cap="all" spc="200" dirty="0" smtClean="0">
                 <a:solidFill>
                   <a:schemeClr val="accent1">
                     <a:lumMod val="75000"/>
@@ -11217,15 +11205,6 @@
               </a:rPr>
               <a:t>Easy to start</a:t>
             </a:r>
-            <a:endParaRPr lang="en-GB" sz="1600" b="1" cap="all" spc="200" dirty="0" smtClean="0">
-              <a:solidFill>
-                <a:schemeClr val="accent1">
-                  <a:lumMod val="75000"/>
-                </a:schemeClr>
-              </a:solidFill>
-              <a:latin typeface="Arial"/>
-              <a:cs typeface="Arial"/>
-            </a:endParaRPr>
           </a:p>
         </p:txBody>
       </p:sp>
@@ -11474,8 +11453,8 @@
         </p:nvSpPr>
         <p:spPr>
           <a:xfrm>
-            <a:off x="971600" y="1628800"/>
-            <a:ext cx="6768752" cy="461665"/>
+            <a:off x="827584" y="1681644"/>
+            <a:ext cx="7488832" cy="523220"/>
           </a:xfrm>
           <a:prstGeom prst="rect">
             <a:avLst/>
@@ -11489,7 +11468,7 @@
           <a:lstStyle/>
           <a:p>
             <a:r>
-              <a:rPr lang="en-US" sz="1200" dirty="0" smtClean="0">
+              <a:rPr lang="en-US" sz="1400" dirty="0" smtClean="0">
                 <a:solidFill>
                   <a:schemeClr val="accent1">
                     <a:lumMod val="75000"/>
@@ -11500,7 +11479,7 @@
               </a:rPr>
               <a:t>“IN WHAT WAYS CAN WE AID THE PEDAGOGUES IN THEIR WORK WITH CHILDREN WITH AUTISM, BY DIGITALIZING A PHYSICAL EXERCISE ONTO AN ANDROID TABLET?”</a:t>
             </a:r>
-            <a:endParaRPr lang="da-DK" sz="1200" dirty="0">
+            <a:endParaRPr lang="da-DK" sz="1400" dirty="0">
               <a:solidFill>
                 <a:schemeClr val="accent1">
                   <a:lumMod val="75000"/>
@@ -11515,7 +11494,7 @@
     </p:spTree>
     <p:extLst>
       <p:ext uri="{BB962C8B-B14F-4D97-AF65-F5344CB8AC3E}">
-        <p14:creationId xmlns="" xmlns:p14="http://schemas.microsoft.com/office/powerpoint/2010/main" val="772562590"/>
+        <p14:creationId xmlns:p14="http://schemas.microsoft.com/office/powerpoint/2010/main" xmlns="" val="772562590"/>
       </p:ext>
     </p:extLst>
   </p:cSld>
@@ -11523,7 +11502,7 @@
     <a:masterClrMapping/>
   </p:clrMapOvr>
   <mc:AlternateContent xmlns:mc="http://schemas.openxmlformats.org/markup-compatibility/2006">
-    <mc:Choice xmlns="" xmlns:p14="http://schemas.microsoft.com/office/powerpoint/2010/main" Requires="p14">
+    <mc:Choice xmlns:p14="http://schemas.microsoft.com/office/powerpoint/2010/main" xmlns="" Requires="p14">
       <p:transition p14:dur="250">
         <p:fade/>
       </p:transition>
@@ -11630,7 +11609,7 @@
           <a:blip r:embed="rId2" cstate="print">
             <a:extLst>
               <a:ext uri="{28A0092B-C50C-407E-A947-70E740481C1C}">
-                <a14:useLocalDpi xmlns="" xmlns:a14="http://schemas.microsoft.com/office/drawing/2010/main" val="0"/>
+                <a14:useLocalDpi xmlns:a14="http://schemas.microsoft.com/office/drawing/2010/main" xmlns="" val="0"/>
               </a:ext>
             </a:extLst>
           </a:blip>
@@ -11725,7 +11704,7 @@
     </p:spTree>
     <p:extLst>
       <p:ext uri="{BB962C8B-B14F-4D97-AF65-F5344CB8AC3E}">
-        <p14:creationId xmlns="" xmlns:p14="http://schemas.microsoft.com/office/powerpoint/2010/main" val="3425622471"/>
+        <p14:creationId xmlns:p14="http://schemas.microsoft.com/office/powerpoint/2010/main" xmlns="" val="3425622471"/>
       </p:ext>
     </p:extLst>
   </p:cSld>
@@ -11733,7 +11712,7 @@
     <a:masterClrMapping/>
   </p:clrMapOvr>
   <mc:AlternateContent xmlns:mc="http://schemas.openxmlformats.org/markup-compatibility/2006">
-    <mc:Choice xmlns="" xmlns:p14="http://schemas.microsoft.com/office/powerpoint/2010/main" Requires="p14">
+    <mc:Choice xmlns:p14="http://schemas.microsoft.com/office/powerpoint/2010/main" xmlns="" Requires="p14">
       <p:transition p14:dur="250">
         <p:fade/>
       </p:transition>
@@ -11840,7 +11819,7 @@
           <a:blip r:embed="rId2" cstate="print">
             <a:extLst>
               <a:ext uri="{28A0092B-C50C-407E-A947-70E740481C1C}">
-                <a14:useLocalDpi xmlns="" xmlns:a14="http://schemas.microsoft.com/office/drawing/2010/main" val="0"/>
+                <a14:useLocalDpi xmlns:a14="http://schemas.microsoft.com/office/drawing/2010/main" xmlns="" val="0"/>
               </a:ext>
             </a:extLst>
           </a:blip>
@@ -11935,7 +11914,7 @@
     </p:spTree>
     <p:extLst>
       <p:ext uri="{BB962C8B-B14F-4D97-AF65-F5344CB8AC3E}">
-        <p14:creationId xmlns="" xmlns:p14="http://schemas.microsoft.com/office/powerpoint/2010/main" val="3425622471"/>
+        <p14:creationId xmlns:p14="http://schemas.microsoft.com/office/powerpoint/2010/main" xmlns="" val="3425622471"/>
       </p:ext>
     </p:extLst>
   </p:cSld>
@@ -11943,7 +11922,7 @@
     <a:masterClrMapping/>
   </p:clrMapOvr>
   <mc:AlternateContent xmlns:mc="http://schemas.openxmlformats.org/markup-compatibility/2006">
-    <mc:Choice xmlns="" xmlns:p14="http://schemas.microsoft.com/office/powerpoint/2010/main" Requires="p14">
+    <mc:Choice xmlns:p14="http://schemas.microsoft.com/office/powerpoint/2010/main" xmlns="" Requires="p14">
       <p:transition p14:dur="250">
         <p:fade/>
       </p:transition>
@@ -12063,7 +12042,7 @@
               </a:lnSpc>
             </a:pPr>
             <a:r>
-              <a:rPr lang="da-DK" sz="1600" b="1" cap="all" spc="200" dirty="0" smtClean="0">
+              <a:rPr lang="da-DK" b="1" cap="all" spc="200" dirty="0" smtClean="0">
                 <a:solidFill>
                   <a:schemeClr val="accent1">
                     <a:lumMod val="75000"/>
@@ -12098,7 +12077,7 @@
               </a:lnSpc>
             </a:pPr>
             <a:r>
-              <a:rPr lang="da-DK" sz="1600" b="1" cap="all" spc="200" dirty="0" smtClean="0">
+              <a:rPr lang="da-DK" b="1" cap="all" spc="200" dirty="0" smtClean="0">
                 <a:solidFill>
                   <a:schemeClr val="accent1">
                     <a:lumMod val="75000"/>
@@ -12117,7 +12096,7 @@
               </a:lnSpc>
             </a:pPr>
             <a:r>
-              <a:rPr lang="en-GB" sz="1200" cap="all" spc="200" dirty="0" smtClean="0">
+              <a:rPr lang="en-GB" sz="1400" cap="all" spc="200" dirty="0" smtClean="0">
                 <a:solidFill>
                   <a:schemeClr val="accent1">
                     <a:lumMod val="75000"/>
@@ -12136,7 +12115,7 @@
               </a:lnSpc>
             </a:pPr>
             <a:r>
-              <a:rPr lang="en-GB" sz="1200" cap="all" spc="200" dirty="0" smtClean="0">
+              <a:rPr lang="en-GB" sz="1400" cap="all" spc="200" dirty="0" smtClean="0">
                 <a:solidFill>
                   <a:schemeClr val="accent1">
                     <a:lumMod val="75000"/>
@@ -12155,7 +12134,7 @@
               </a:lnSpc>
             </a:pPr>
             <a:r>
-              <a:rPr lang="en-GB" sz="1200" cap="all" spc="200" dirty="0" smtClean="0">
+              <a:rPr lang="en-GB" sz="1400" cap="all" spc="200" dirty="0" smtClean="0">
                 <a:solidFill>
                   <a:schemeClr val="accent1">
                     <a:lumMod val="75000"/>
@@ -12174,7 +12153,7 @@
               </a:lnSpc>
             </a:pPr>
             <a:r>
-              <a:rPr lang="en-GB" sz="1200" cap="all" spc="200" dirty="0" smtClean="0">
+              <a:rPr lang="en-GB" sz="1400" cap="all" spc="200" dirty="0" smtClean="0">
                 <a:solidFill>
                   <a:schemeClr val="accent1">
                     <a:lumMod val="75000"/>
@@ -12209,7 +12188,7 @@
               </a:lnSpc>
             </a:pPr>
             <a:r>
-              <a:rPr lang="da-DK" sz="1600" b="1" cap="all" spc="200" dirty="0" smtClean="0">
+              <a:rPr lang="da-DK" b="1" cap="all" spc="200" dirty="0" smtClean="0">
                 <a:solidFill>
                   <a:schemeClr val="accent1">
                     <a:lumMod val="75000"/>
@@ -12445,7 +12424,7 @@
     </p:spTree>
     <p:extLst>
       <p:ext uri="{BB962C8B-B14F-4D97-AF65-F5344CB8AC3E}">
-        <p14:creationId xmlns="" xmlns:p14="http://schemas.microsoft.com/office/powerpoint/2010/main" val="585023994"/>
+        <p14:creationId xmlns:p14="http://schemas.microsoft.com/office/powerpoint/2010/main" xmlns="" val="585023994"/>
       </p:ext>
     </p:extLst>
   </p:cSld>
@@ -12453,7 +12432,7 @@
     <a:masterClrMapping/>
   </p:clrMapOvr>
   <mc:AlternateContent xmlns:mc="http://schemas.openxmlformats.org/markup-compatibility/2006">
-    <mc:Choice xmlns="" xmlns:p14="http://schemas.microsoft.com/office/powerpoint/2010/main" Requires="p14">
+    <mc:Choice xmlns:p14="http://schemas.microsoft.com/office/powerpoint/2010/main" xmlns="" Requires="p14">
       <p:transition p14:dur="250">
         <p:fade/>
       </p:transition>
@@ -13001,7 +12980,7 @@
     </p:spTree>
     <p:extLst>
       <p:ext uri="{BB962C8B-B14F-4D97-AF65-F5344CB8AC3E}">
-        <p14:creationId xmlns="" xmlns:p14="http://schemas.microsoft.com/office/powerpoint/2010/main" val="585023994"/>
+        <p14:creationId xmlns:p14="http://schemas.microsoft.com/office/powerpoint/2010/main" xmlns="" val="585023994"/>
       </p:ext>
     </p:extLst>
   </p:cSld>
@@ -13009,7 +12988,7 @@
     <a:masterClrMapping/>
   </p:clrMapOvr>
   <mc:AlternateContent xmlns:mc="http://schemas.openxmlformats.org/markup-compatibility/2006">
-    <mc:Choice xmlns="" xmlns:p14="http://schemas.microsoft.com/office/powerpoint/2010/main" Requires="p14">
+    <mc:Choice xmlns:p14="http://schemas.microsoft.com/office/powerpoint/2010/main" xmlns="" Requires="p14">
       <p:transition p14:dur="250">
         <p:fade/>
       </p:transition>
@@ -13145,7 +13124,7 @@
               </a:lnSpc>
             </a:pPr>
             <a:r>
-              <a:rPr lang="en-GB" sz="1600" b="1" cap="all" spc="200" dirty="0" smtClean="0">
+              <a:rPr lang="en-GB" b="1" cap="all" spc="200" dirty="0" smtClean="0">
                 <a:solidFill>
                   <a:schemeClr val="accent1">
                     <a:lumMod val="75000"/>
@@ -13439,8 +13418,8 @@
         </p:nvSpPr>
         <p:spPr>
           <a:xfrm>
-            <a:off x="827584" y="1772816"/>
-            <a:ext cx="6768752" cy="461665"/>
+            <a:off x="755576" y="1772816"/>
+            <a:ext cx="7488832" cy="523220"/>
           </a:xfrm>
           <a:prstGeom prst="rect">
             <a:avLst/>
@@ -13454,7 +13433,7 @@
           <a:lstStyle/>
           <a:p>
             <a:r>
-              <a:rPr lang="en-US" sz="1200" dirty="0" smtClean="0">
+              <a:rPr lang="en-US" sz="1400" dirty="0" smtClean="0">
                 <a:solidFill>
                   <a:schemeClr val="accent1">
                     <a:lumMod val="75000"/>
@@ -13465,7 +13444,7 @@
               </a:rPr>
               <a:t>“IN WHAT WAYS CAN WE AID THE PEDAGOGUES IN THEIR WORK WITH CHILDREN WITH AUTISM, BY DIGITALIZING A PHYSICAL EXERCISE ONTO AN ANDROID TABLET?”</a:t>
             </a:r>
-            <a:endParaRPr lang="da-DK" sz="1200" dirty="0">
+            <a:endParaRPr lang="da-DK" sz="1400" dirty="0">
               <a:solidFill>
                 <a:schemeClr val="accent1">
                   <a:lumMod val="75000"/>
@@ -13480,7 +13459,7 @@
     </p:spTree>
     <p:extLst>
       <p:ext uri="{BB962C8B-B14F-4D97-AF65-F5344CB8AC3E}">
-        <p14:creationId xmlns="" xmlns:p14="http://schemas.microsoft.com/office/powerpoint/2010/main" val="585023994"/>
+        <p14:creationId xmlns:p14="http://schemas.microsoft.com/office/powerpoint/2010/main" xmlns="" val="585023994"/>
       </p:ext>
     </p:extLst>
   </p:cSld>
@@ -13488,7 +13467,7 @@
     <a:masterClrMapping/>
   </p:clrMapOvr>
   <mc:AlternateContent xmlns:mc="http://schemas.openxmlformats.org/markup-compatibility/2006">
-    <mc:Choice xmlns="" xmlns:p14="http://schemas.microsoft.com/office/powerpoint/2010/main" Requires="p14">
+    <mc:Choice xmlns:p14="http://schemas.microsoft.com/office/powerpoint/2010/main" xmlns="" Requires="p14">
       <p:transition p14:dur="250">
         <p:fade/>
       </p:transition>
@@ -13595,7 +13574,7 @@
           <a:blip r:embed="rId2" cstate="print">
             <a:extLst>
               <a:ext uri="{28A0092B-C50C-407E-A947-70E740481C1C}">
-                <a14:useLocalDpi xmlns="" xmlns:a14="http://schemas.microsoft.com/office/drawing/2010/main" val="0"/>
+                <a14:useLocalDpi xmlns:a14="http://schemas.microsoft.com/office/drawing/2010/main" xmlns="" val="0"/>
               </a:ext>
             </a:extLst>
           </a:blip>
@@ -13678,7 +13657,7 @@
     </p:spTree>
     <p:extLst>
       <p:ext uri="{BB962C8B-B14F-4D97-AF65-F5344CB8AC3E}">
-        <p14:creationId xmlns="" xmlns:p14="http://schemas.microsoft.com/office/powerpoint/2010/main" val="3425622471"/>
+        <p14:creationId xmlns:p14="http://schemas.microsoft.com/office/powerpoint/2010/main" xmlns="" val="3425622471"/>
       </p:ext>
     </p:extLst>
   </p:cSld>
@@ -13686,7 +13665,7 @@
     <a:masterClrMapping/>
   </p:clrMapOvr>
   <mc:AlternateContent xmlns:mc="http://schemas.openxmlformats.org/markup-compatibility/2006">
-    <mc:Choice xmlns="" xmlns:p14="http://schemas.microsoft.com/office/powerpoint/2010/main" Requires="p14">
+    <mc:Choice xmlns:p14="http://schemas.microsoft.com/office/powerpoint/2010/main" xmlns="" Requires="p14">
       <p:transition p14:dur="250">
         <p:fade/>
       </p:transition>
@@ -13806,7 +13785,7 @@
               </a:lnSpc>
             </a:pPr>
             <a:r>
-              <a:rPr lang="en-GB" sz="1600" b="1" cap="all" spc="200" dirty="0" smtClean="0">
+              <a:rPr lang="en-GB" b="1" cap="all" spc="200" dirty="0" smtClean="0">
                 <a:solidFill>
                   <a:schemeClr val="accent1">
                     <a:lumMod val="75000"/>
@@ -13824,7 +13803,7 @@
                 <a:spcPct val="100000"/>
               </a:lnSpc>
             </a:pPr>
-            <a:endParaRPr lang="en-GB" sz="1600" b="1" cap="all" spc="200" dirty="0" smtClean="0">
+            <a:endParaRPr lang="en-GB" b="1" cap="all" spc="200" dirty="0" smtClean="0">
               <a:solidFill>
                 <a:schemeClr val="accent1">
                   <a:lumMod val="75000"/>
@@ -13841,7 +13820,7 @@
               </a:lnSpc>
             </a:pPr>
             <a:r>
-              <a:rPr lang="en-GB" sz="1600" b="1" cap="all" spc="200" dirty="0" err="1" smtClean="0">
+              <a:rPr lang="en-GB" b="1" cap="all" spc="200" dirty="0" err="1" smtClean="0">
                 <a:solidFill>
                   <a:schemeClr val="accent1">
                     <a:lumMod val="75000"/>
@@ -13853,7 +13832,7 @@
               <a:t>Tove</a:t>
             </a:r>
             <a:r>
-              <a:rPr lang="en-GB" sz="1600" b="1" cap="all" spc="200" dirty="0" smtClean="0">
+              <a:rPr lang="en-GB" b="1" cap="all" spc="200" dirty="0" smtClean="0">
                 <a:solidFill>
                   <a:schemeClr val="accent1">
                     <a:lumMod val="75000"/>
@@ -13865,7 +13844,7 @@
               <a:t> </a:t>
             </a:r>
             <a:r>
-              <a:rPr lang="en-GB" sz="1600" b="1" cap="all" spc="200" dirty="0" err="1" smtClean="0">
+              <a:rPr lang="en-GB" b="1" cap="all" spc="200" dirty="0" err="1" smtClean="0">
                 <a:solidFill>
                   <a:schemeClr val="accent1">
                     <a:lumMod val="75000"/>
@@ -13876,7 +13855,7 @@
               </a:rPr>
               <a:t>Søby</a:t>
             </a:r>
-            <a:endParaRPr lang="en-GB" sz="1600" b="1" cap="all" spc="200" dirty="0" smtClean="0">
+            <a:endParaRPr lang="en-GB" b="1" cap="all" spc="200" dirty="0" smtClean="0">
               <a:solidFill>
                 <a:schemeClr val="accent1">
                   <a:lumMod val="75000"/>
@@ -13892,7 +13871,7 @@
                 <a:spcPct val="100000"/>
               </a:lnSpc>
             </a:pPr>
-            <a:endParaRPr lang="en-GB" sz="1600" b="1" cap="all" spc="200" dirty="0" smtClean="0">
+            <a:endParaRPr lang="en-GB" b="1" cap="all" spc="200" dirty="0" smtClean="0">
               <a:solidFill>
                 <a:schemeClr val="accent1">
                   <a:lumMod val="75000"/>
@@ -13909,7 +13888,7 @@
               </a:lnSpc>
             </a:pPr>
             <a:r>
-              <a:rPr lang="en-GB" sz="1600" b="1" cap="all" spc="200" dirty="0" smtClean="0">
+              <a:rPr lang="en-GB" b="1" cap="all" spc="200" dirty="0" smtClean="0">
                 <a:solidFill>
                   <a:schemeClr val="accent1">
                     <a:lumMod val="75000"/>
@@ -13920,7 +13899,7 @@
               </a:rPr>
               <a:t>Prototype</a:t>
             </a:r>
-            <a:endParaRPr lang="da-DK" sz="1600" b="1" cap="all" spc="200" dirty="0" smtClean="0">
+            <a:endParaRPr lang="da-DK" b="1" cap="all" spc="200" dirty="0" smtClean="0">
               <a:solidFill>
                 <a:schemeClr val="accent1">
                   <a:lumMod val="75000"/>
@@ -14185,7 +14164,7 @@
     </p:spTree>
     <p:extLst>
       <p:ext uri="{BB962C8B-B14F-4D97-AF65-F5344CB8AC3E}">
-        <p14:creationId xmlns="" xmlns:p14="http://schemas.microsoft.com/office/powerpoint/2010/main" val="585023994"/>
+        <p14:creationId xmlns:p14="http://schemas.microsoft.com/office/powerpoint/2010/main" xmlns="" val="585023994"/>
       </p:ext>
     </p:extLst>
   </p:cSld>
@@ -14193,7 +14172,7 @@
     <a:masterClrMapping/>
   </p:clrMapOvr>
   <mc:AlternateContent xmlns:mc="http://schemas.openxmlformats.org/markup-compatibility/2006">
-    <mc:Choice xmlns="" xmlns:p14="http://schemas.microsoft.com/office/powerpoint/2010/main" Requires="p14">
+    <mc:Choice xmlns:p14="http://schemas.microsoft.com/office/powerpoint/2010/main" xmlns="" Requires="p14">
       <p:transition p14:dur="250">
         <p:fade/>
       </p:transition>
@@ -14643,7 +14622,7 @@
     </p:spTree>
     <p:extLst>
       <p:ext uri="{BB962C8B-B14F-4D97-AF65-F5344CB8AC3E}">
-        <p14:creationId xmlns="" xmlns:p14="http://schemas.microsoft.com/office/powerpoint/2010/main" val="585023994"/>
+        <p14:creationId xmlns:p14="http://schemas.microsoft.com/office/powerpoint/2010/main" xmlns="" val="585023994"/>
       </p:ext>
     </p:extLst>
   </p:cSld>
@@ -14651,7 +14630,7 @@
     <a:masterClrMapping/>
   </p:clrMapOvr>
   <mc:AlternateContent xmlns:mc="http://schemas.openxmlformats.org/markup-compatibility/2006">
-    <mc:Choice xmlns="" xmlns:p14="http://schemas.microsoft.com/office/powerpoint/2010/main" Requires="p14">
+    <mc:Choice xmlns:p14="http://schemas.microsoft.com/office/powerpoint/2010/main" xmlns="" Requires="p14">
       <p:transition p14:dur="250">
         <p:fade/>
       </p:transition>

--- a/slides/main.pptx
+++ b/slides/main.pptx
@@ -5241,7 +5241,43 @@
                 <a:latin typeface="Arial"/>
                 <a:cs typeface="Arial"/>
               </a:rPr>
-              <a:t>Alternative: Surface View</a:t>
+              <a:t>OpenGL ES </a:t>
+            </a:r>
+            <a:r>
+              <a:rPr lang="en-GB" b="1" spc="200" dirty="0" err="1" smtClean="0">
+                <a:solidFill>
+                  <a:schemeClr val="accent1">
+                    <a:lumMod val="75000"/>
+                  </a:schemeClr>
+                </a:solidFill>
+                <a:latin typeface="Arial"/>
+                <a:cs typeface="Arial"/>
+              </a:rPr>
+              <a:t>vs</a:t>
+            </a:r>
+            <a:r>
+              <a:rPr lang="en-GB" b="1" cap="all" spc="200" dirty="0" smtClean="0">
+                <a:solidFill>
+                  <a:schemeClr val="accent1">
+                    <a:lumMod val="75000"/>
+                  </a:schemeClr>
+                </a:solidFill>
+                <a:latin typeface="Arial"/>
+                <a:cs typeface="Arial"/>
+              </a:rPr>
+              <a:t> </a:t>
+            </a:r>
+            <a:r>
+              <a:rPr lang="en-GB" b="1" cap="all" spc="200" dirty="0" smtClean="0">
+                <a:solidFill>
+                  <a:schemeClr val="accent1">
+                    <a:lumMod val="75000"/>
+                  </a:schemeClr>
+                </a:solidFill>
+                <a:latin typeface="Arial"/>
+                <a:cs typeface="Arial"/>
+              </a:rPr>
+              <a:t>Surface View</a:t>
             </a:r>
           </a:p>
           <a:p>
@@ -6798,8 +6834,8 @@
         </p:nvSpPr>
         <p:spPr>
           <a:xfrm>
-            <a:off x="1619672" y="3933056"/>
-            <a:ext cx="1008112" cy="307777"/>
+            <a:off x="1259632" y="3933056"/>
+            <a:ext cx="1656184" cy="738664"/>
           </a:xfrm>
           <a:prstGeom prst="rect">
             <a:avLst/>
@@ -6822,8 +6858,57 @@
                 <a:latin typeface="Arial" pitchFamily="34" charset="0"/>
                 <a:cs typeface="Arial" pitchFamily="34" charset="0"/>
               </a:rPr>
-              <a:t>396 x 284</a:t>
-            </a:r>
+              <a:t>Texture: 396 </a:t>
+            </a:r>
+            <a:r>
+              <a:rPr lang="en-GB" sz="1400" dirty="0" smtClean="0">
+                <a:solidFill>
+                  <a:schemeClr val="accent1">
+                    <a:lumMod val="75000"/>
+                  </a:schemeClr>
+                </a:solidFill>
+                <a:latin typeface="Arial" pitchFamily="34" charset="0"/>
+                <a:cs typeface="Arial" pitchFamily="34" charset="0"/>
+              </a:rPr>
+              <a:t>x </a:t>
+            </a:r>
+            <a:r>
+              <a:rPr lang="en-GB" sz="1400" dirty="0" smtClean="0">
+                <a:solidFill>
+                  <a:schemeClr val="accent1">
+                    <a:lumMod val="75000"/>
+                  </a:schemeClr>
+                </a:solidFill>
+                <a:latin typeface="Arial" pitchFamily="34" charset="0"/>
+                <a:cs typeface="Arial" pitchFamily="34" charset="0"/>
+              </a:rPr>
+              <a:t>284</a:t>
+            </a:r>
+          </a:p>
+          <a:p>
+            <a:r>
+              <a:rPr lang="en-GB" sz="1400" dirty="0" smtClean="0">
+                <a:solidFill>
+                  <a:schemeClr val="accent1">
+                    <a:lumMod val="75000"/>
+                  </a:schemeClr>
+                </a:solidFill>
+                <a:latin typeface="Arial" pitchFamily="34" charset="0"/>
+                <a:cs typeface="Arial" pitchFamily="34" charset="0"/>
+              </a:rPr>
+              <a:t>Square: 396 x 284</a:t>
+            </a:r>
+            <a:endParaRPr lang="en-GB" sz="1400" dirty="0" smtClean="0">
+              <a:solidFill>
+                <a:schemeClr val="accent1">
+                  <a:lumMod val="75000"/>
+                </a:schemeClr>
+              </a:solidFill>
+              <a:latin typeface="Arial" pitchFamily="34" charset="0"/>
+              <a:cs typeface="Arial" pitchFamily="34" charset="0"/>
+            </a:endParaRPr>
+          </a:p>
+          <a:p>
             <a:endParaRPr lang="da-DK" sz="1400" dirty="0">
               <a:solidFill>
                 <a:schemeClr val="accent1">
@@ -7476,6 +7561,203 @@
           </a:p>
         </p:txBody>
       </p:sp>
+      <p:sp>
+        <p:nvSpPr>
+          <p:cNvPr id="15" name="TextBox 14"/>
+          <p:cNvSpPr txBox="1"/>
+          <p:nvPr/>
+        </p:nvSpPr>
+        <p:spPr>
+          <a:xfrm>
+            <a:off x="1259632" y="3933056"/>
+            <a:ext cx="1656184" cy="738664"/>
+          </a:xfrm>
+          <a:prstGeom prst="rect">
+            <a:avLst/>
+          </a:prstGeom>
+          <a:noFill/>
+        </p:spPr>
+        <p:txBody>
+          <a:bodyPr wrap="square" rtlCol="0">
+            <a:spAutoFit/>
+          </a:bodyPr>
+          <a:lstStyle/>
+          <a:p>
+            <a:r>
+              <a:rPr lang="en-GB" sz="1400" dirty="0" smtClean="0">
+                <a:solidFill>
+                  <a:schemeClr val="accent1">
+                    <a:lumMod val="75000"/>
+                  </a:schemeClr>
+                </a:solidFill>
+                <a:latin typeface="Arial" pitchFamily="34" charset="0"/>
+                <a:cs typeface="Arial" pitchFamily="34" charset="0"/>
+              </a:rPr>
+              <a:t>Texture: 512 </a:t>
+            </a:r>
+            <a:r>
+              <a:rPr lang="en-GB" sz="1400" dirty="0" smtClean="0">
+                <a:solidFill>
+                  <a:schemeClr val="accent1">
+                    <a:lumMod val="75000"/>
+                  </a:schemeClr>
+                </a:solidFill>
+                <a:latin typeface="Arial" pitchFamily="34" charset="0"/>
+                <a:cs typeface="Arial" pitchFamily="34" charset="0"/>
+              </a:rPr>
+              <a:t>x </a:t>
+            </a:r>
+            <a:r>
+              <a:rPr lang="en-GB" sz="1400" dirty="0" smtClean="0">
+                <a:solidFill>
+                  <a:schemeClr val="accent1">
+                    <a:lumMod val="75000"/>
+                  </a:schemeClr>
+                </a:solidFill>
+                <a:latin typeface="Arial" pitchFamily="34" charset="0"/>
+                <a:cs typeface="Arial" pitchFamily="34" charset="0"/>
+              </a:rPr>
+              <a:t>512</a:t>
+            </a:r>
+            <a:endParaRPr lang="en-GB" sz="1400" dirty="0" smtClean="0">
+              <a:solidFill>
+                <a:schemeClr val="accent1">
+                  <a:lumMod val="75000"/>
+                </a:schemeClr>
+              </a:solidFill>
+              <a:latin typeface="Arial" pitchFamily="34" charset="0"/>
+              <a:cs typeface="Arial" pitchFamily="34" charset="0"/>
+            </a:endParaRPr>
+          </a:p>
+          <a:p>
+            <a:r>
+              <a:rPr lang="en-GB" sz="1400" dirty="0" smtClean="0">
+                <a:solidFill>
+                  <a:schemeClr val="accent1">
+                    <a:lumMod val="75000"/>
+                  </a:schemeClr>
+                </a:solidFill>
+                <a:latin typeface="Arial" pitchFamily="34" charset="0"/>
+                <a:cs typeface="Arial" pitchFamily="34" charset="0"/>
+              </a:rPr>
+              <a:t>Square: 396 x 284</a:t>
+            </a:r>
+            <a:endParaRPr lang="en-GB" sz="1400" dirty="0" smtClean="0">
+              <a:solidFill>
+                <a:schemeClr val="accent1">
+                  <a:lumMod val="75000"/>
+                </a:schemeClr>
+              </a:solidFill>
+              <a:latin typeface="Arial" pitchFamily="34" charset="0"/>
+              <a:cs typeface="Arial" pitchFamily="34" charset="0"/>
+            </a:endParaRPr>
+          </a:p>
+          <a:p>
+            <a:endParaRPr lang="da-DK" sz="1400" dirty="0">
+              <a:solidFill>
+                <a:schemeClr val="accent1">
+                  <a:lumMod val="75000"/>
+                </a:schemeClr>
+              </a:solidFill>
+              <a:latin typeface="Arial" pitchFamily="34" charset="0"/>
+              <a:cs typeface="Arial" pitchFamily="34" charset="0"/>
+            </a:endParaRPr>
+          </a:p>
+        </p:txBody>
+      </p:sp>
+      <p:sp>
+        <p:nvSpPr>
+          <p:cNvPr id="16" name="TextBox 15"/>
+          <p:cNvSpPr txBox="1"/>
+          <p:nvPr/>
+        </p:nvSpPr>
+        <p:spPr>
+          <a:xfrm>
+            <a:off x="5364088" y="5373216"/>
+            <a:ext cx="1656184" cy="523220"/>
+          </a:xfrm>
+          <a:prstGeom prst="rect">
+            <a:avLst/>
+          </a:prstGeom>
+          <a:noFill/>
+        </p:spPr>
+        <p:txBody>
+          <a:bodyPr wrap="square" rtlCol="0">
+            <a:spAutoFit/>
+          </a:bodyPr>
+          <a:lstStyle/>
+          <a:p>
+            <a:r>
+              <a:rPr lang="en-GB" sz="1400" dirty="0" smtClean="0">
+                <a:solidFill>
+                  <a:schemeClr val="accent1">
+                    <a:lumMod val="75000"/>
+                  </a:schemeClr>
+                </a:solidFill>
+                <a:latin typeface="Arial" pitchFamily="34" charset="0"/>
+                <a:cs typeface="Arial" pitchFamily="34" charset="0"/>
+              </a:rPr>
+              <a:t>Texture: 512 </a:t>
+            </a:r>
+            <a:r>
+              <a:rPr lang="en-GB" sz="1400" dirty="0" smtClean="0">
+                <a:solidFill>
+                  <a:schemeClr val="accent1">
+                    <a:lumMod val="75000"/>
+                  </a:schemeClr>
+                </a:solidFill>
+                <a:latin typeface="Arial" pitchFamily="34" charset="0"/>
+                <a:cs typeface="Arial" pitchFamily="34" charset="0"/>
+              </a:rPr>
+              <a:t>x </a:t>
+            </a:r>
+            <a:r>
+              <a:rPr lang="en-GB" sz="1400" dirty="0" smtClean="0">
+                <a:solidFill>
+                  <a:schemeClr val="accent1">
+                    <a:lumMod val="75000"/>
+                  </a:schemeClr>
+                </a:solidFill>
+                <a:latin typeface="Arial" pitchFamily="34" charset="0"/>
+                <a:cs typeface="Arial" pitchFamily="34" charset="0"/>
+              </a:rPr>
+              <a:t>512</a:t>
+            </a:r>
+            <a:endParaRPr lang="en-GB" sz="1400" dirty="0" smtClean="0">
+              <a:solidFill>
+                <a:schemeClr val="accent1">
+                  <a:lumMod val="75000"/>
+                </a:schemeClr>
+              </a:solidFill>
+              <a:latin typeface="Arial" pitchFamily="34" charset="0"/>
+              <a:cs typeface="Arial" pitchFamily="34" charset="0"/>
+            </a:endParaRPr>
+          </a:p>
+          <a:p>
+            <a:r>
+              <a:rPr lang="en-GB" sz="1400" dirty="0" smtClean="0">
+                <a:solidFill>
+                  <a:schemeClr val="accent1">
+                    <a:lumMod val="75000"/>
+                  </a:schemeClr>
+                </a:solidFill>
+                <a:latin typeface="Arial" pitchFamily="34" charset="0"/>
+                <a:cs typeface="Arial" pitchFamily="34" charset="0"/>
+              </a:rPr>
+              <a:t>Square: 396 x 284</a:t>
+            </a:r>
+            <a:endParaRPr lang="en-GB" sz="1400" dirty="0" smtClean="0">
+              <a:solidFill>
+                <a:schemeClr val="accent1">
+                  <a:lumMod val="75000"/>
+                </a:schemeClr>
+              </a:solidFill>
+              <a:latin typeface="Arial" pitchFamily="34" charset="0"/>
+              <a:cs typeface="Arial" pitchFamily="34" charset="0"/>
+            </a:endParaRPr>
+          </a:p>
+        </p:txBody>
+      </p:sp>
     </p:spTree>
     <p:extLst>
       <p:ext uri="{BB962C8B-B14F-4D97-AF65-F5344CB8AC3E}">
@@ -8828,151 +9110,6 @@
           </a:p>
         </p:txBody>
       </p:sp>
-      <p:sp>
-        <p:nvSpPr>
-          <p:cNvPr id="3" name="object 3"/>
-          <p:cNvSpPr txBox="1"/>
-          <p:nvPr/>
-        </p:nvSpPr>
-        <p:spPr>
-          <a:xfrm>
-            <a:off x="626300" y="1155199"/>
-            <a:ext cx="5889916" cy="4074001"/>
-          </a:xfrm>
-          <a:prstGeom prst="rect">
-            <a:avLst/>
-          </a:prstGeom>
-        </p:spPr>
-        <p:txBody>
-          <a:bodyPr vert="horz" wrap="square" lIns="0" tIns="0" rIns="0" bIns="0" rtlCol="0">
-            <a:noAutofit/>
-          </a:bodyPr>
-          <a:lstStyle/>
-          <a:p>
-            <a:pPr marL="12700">
-              <a:lnSpc>
-                <a:spcPct val="100000"/>
-              </a:lnSpc>
-            </a:pPr>
-            <a:r>
-              <a:rPr lang="en-GB" b="1" spc="200" dirty="0" smtClean="0">
-                <a:solidFill>
-                  <a:schemeClr val="accent1">
-                    <a:lumMod val="75000"/>
-                  </a:schemeClr>
-                </a:solidFill>
-                <a:latin typeface="Arial"/>
-                <a:cs typeface="Arial"/>
-              </a:rPr>
-              <a:t>ANDROID OPENGL ES</a:t>
-            </a:r>
-          </a:p>
-          <a:p>
-            <a:pPr marL="12700">
-              <a:lnSpc>
-                <a:spcPct val="100000"/>
-              </a:lnSpc>
-            </a:pPr>
-            <a:r>
-              <a:rPr lang="en-GB" sz="1400" spc="200" dirty="0" err="1" smtClean="0">
-                <a:solidFill>
-                  <a:schemeClr val="accent1">
-                    <a:lumMod val="75000"/>
-                  </a:schemeClr>
-                </a:solidFill>
-                <a:latin typeface="Arial"/>
-                <a:cs typeface="Arial"/>
-              </a:rPr>
-              <a:t>android.opengl.GLSurfaceView</a:t>
-            </a:r>
-            <a:endParaRPr lang="en-GB" sz="1400" spc="200" dirty="0" smtClean="0">
-              <a:solidFill>
-                <a:schemeClr val="accent1">
-                  <a:lumMod val="75000"/>
-                </a:schemeClr>
-              </a:solidFill>
-              <a:latin typeface="Arial"/>
-              <a:cs typeface="Arial"/>
-            </a:endParaRPr>
-          </a:p>
-          <a:p>
-            <a:pPr marL="12700">
-              <a:lnSpc>
-                <a:spcPct val="100000"/>
-              </a:lnSpc>
-            </a:pPr>
-            <a:r>
-              <a:rPr lang="en-GB" sz="1400" spc="200" dirty="0" err="1" smtClean="0">
-                <a:solidFill>
-                  <a:schemeClr val="accent1">
-                    <a:lumMod val="75000"/>
-                  </a:schemeClr>
-                </a:solidFill>
-                <a:latin typeface="Arial"/>
-                <a:cs typeface="Arial"/>
-              </a:rPr>
-              <a:t>android.opengl.GLSurfaceView.Renderer</a:t>
-            </a:r>
-            <a:endParaRPr lang="en-GB" sz="1400" spc="200" dirty="0" smtClean="0">
-              <a:solidFill>
-                <a:schemeClr val="accent1">
-                  <a:lumMod val="75000"/>
-                </a:schemeClr>
-              </a:solidFill>
-              <a:latin typeface="Arial"/>
-              <a:cs typeface="Arial"/>
-            </a:endParaRPr>
-          </a:p>
-          <a:p>
-            <a:pPr marL="12700">
-              <a:lnSpc>
-                <a:spcPct val="100000"/>
-              </a:lnSpc>
-            </a:pPr>
-            <a:endParaRPr lang="en-GB" sz="1600" b="1" spc="200" dirty="0" smtClean="0">
-              <a:solidFill>
-                <a:schemeClr val="accent1">
-                  <a:lumMod val="75000"/>
-                </a:schemeClr>
-              </a:solidFill>
-              <a:latin typeface="Arial"/>
-              <a:cs typeface="Arial"/>
-            </a:endParaRPr>
-          </a:p>
-          <a:p>
-            <a:pPr marL="12700">
-              <a:lnSpc>
-                <a:spcPct val="100000"/>
-              </a:lnSpc>
-            </a:pPr>
-            <a:endParaRPr lang="en-GB" sz="1200" spc="200" dirty="0" smtClean="0">
-              <a:solidFill>
-                <a:schemeClr val="accent1">
-                  <a:lumMod val="75000"/>
-                </a:schemeClr>
-              </a:solidFill>
-              <a:latin typeface="Arial"/>
-              <a:cs typeface="Arial"/>
-            </a:endParaRPr>
-          </a:p>
-          <a:p>
-            <a:pPr marL="12700">
-              <a:lnSpc>
-                <a:spcPct val="100000"/>
-              </a:lnSpc>
-            </a:pPr>
-            <a:endParaRPr lang="en-GB" sz="1200" spc="200" dirty="0" smtClean="0">
-              <a:solidFill>
-                <a:schemeClr val="accent1">
-                  <a:lumMod val="75000"/>
-                </a:schemeClr>
-              </a:solidFill>
-              <a:latin typeface="Arial"/>
-              <a:cs typeface="Arial"/>
-            </a:endParaRPr>
-          </a:p>
-        </p:txBody>
-      </p:sp>
       <p:pic>
         <p:nvPicPr>
           <p:cNvPr id="11268" name="Picture 4" descr="C:\Users\jerian\Desktop\rendering.png"/>
@@ -8990,7 +9127,7 @@
         </p:blipFill>
         <p:spPr bwMode="auto">
           <a:xfrm>
-            <a:off x="4355976" y="332656"/>
+            <a:off x="4572000" y="332656"/>
             <a:ext cx="3672408" cy="5403769"/>
           </a:xfrm>
           <a:prstGeom prst="rect">
@@ -9025,6 +9162,151 @@
           <a:noFill/>
         </p:spPr>
       </p:pic>
+      <p:sp>
+        <p:nvSpPr>
+          <p:cNvPr id="3" name="object 3"/>
+          <p:cNvSpPr txBox="1"/>
+          <p:nvPr/>
+        </p:nvSpPr>
+        <p:spPr>
+          <a:xfrm>
+            <a:off x="626300" y="1155199"/>
+            <a:ext cx="5889916" cy="4074001"/>
+          </a:xfrm>
+          <a:prstGeom prst="rect">
+            <a:avLst/>
+          </a:prstGeom>
+        </p:spPr>
+        <p:txBody>
+          <a:bodyPr vert="horz" wrap="square" lIns="0" tIns="0" rIns="0" bIns="0" rtlCol="0">
+            <a:noAutofit/>
+          </a:bodyPr>
+          <a:lstStyle/>
+          <a:p>
+            <a:pPr marL="12700">
+              <a:lnSpc>
+                <a:spcPct val="100000"/>
+              </a:lnSpc>
+            </a:pPr>
+            <a:r>
+              <a:rPr lang="en-GB" b="1" spc="200" dirty="0" smtClean="0">
+                <a:solidFill>
+                  <a:schemeClr val="accent1">
+                    <a:lumMod val="75000"/>
+                  </a:schemeClr>
+                </a:solidFill>
+                <a:latin typeface="Arial"/>
+                <a:cs typeface="Arial"/>
+              </a:rPr>
+              <a:t>ANDROID OPENGL ES</a:t>
+            </a:r>
+          </a:p>
+          <a:p>
+            <a:pPr marL="12700">
+              <a:lnSpc>
+                <a:spcPct val="100000"/>
+              </a:lnSpc>
+            </a:pPr>
+            <a:r>
+              <a:rPr lang="en-GB" sz="1400" spc="200" dirty="0" err="1" smtClean="0">
+                <a:solidFill>
+                  <a:schemeClr val="accent1">
+                    <a:lumMod val="75000"/>
+                  </a:schemeClr>
+                </a:solidFill>
+                <a:latin typeface="Arial"/>
+                <a:cs typeface="Arial"/>
+              </a:rPr>
+              <a:t>android.opengl.GLSurfaceView</a:t>
+            </a:r>
+            <a:endParaRPr lang="en-GB" sz="1400" spc="200" dirty="0" smtClean="0">
+              <a:solidFill>
+                <a:schemeClr val="accent1">
+                  <a:lumMod val="75000"/>
+                </a:schemeClr>
+              </a:solidFill>
+              <a:latin typeface="Arial"/>
+              <a:cs typeface="Arial"/>
+            </a:endParaRPr>
+          </a:p>
+          <a:p>
+            <a:pPr marL="12700">
+              <a:lnSpc>
+                <a:spcPct val="100000"/>
+              </a:lnSpc>
+            </a:pPr>
+            <a:r>
+              <a:rPr lang="en-GB" sz="1400" spc="200" dirty="0" err="1" smtClean="0">
+                <a:solidFill>
+                  <a:schemeClr val="accent1">
+                    <a:lumMod val="75000"/>
+                  </a:schemeClr>
+                </a:solidFill>
+                <a:latin typeface="Arial"/>
+                <a:cs typeface="Arial"/>
+              </a:rPr>
+              <a:t>android.opengl.GLSurfaceView.Renderer</a:t>
+            </a:r>
+            <a:endParaRPr lang="en-GB" sz="1400" spc="200" dirty="0" smtClean="0">
+              <a:solidFill>
+                <a:schemeClr val="accent1">
+                  <a:lumMod val="75000"/>
+                </a:schemeClr>
+              </a:solidFill>
+              <a:latin typeface="Arial"/>
+              <a:cs typeface="Arial"/>
+            </a:endParaRPr>
+          </a:p>
+          <a:p>
+            <a:pPr marL="12700">
+              <a:lnSpc>
+                <a:spcPct val="100000"/>
+              </a:lnSpc>
+            </a:pPr>
+            <a:endParaRPr lang="en-GB" sz="1600" b="1" spc="200" dirty="0" smtClean="0">
+              <a:solidFill>
+                <a:schemeClr val="accent1">
+                  <a:lumMod val="75000"/>
+                </a:schemeClr>
+              </a:solidFill>
+              <a:latin typeface="Arial"/>
+              <a:cs typeface="Arial"/>
+            </a:endParaRPr>
+          </a:p>
+          <a:p>
+            <a:pPr marL="12700">
+              <a:lnSpc>
+                <a:spcPct val="100000"/>
+              </a:lnSpc>
+            </a:pPr>
+            <a:endParaRPr lang="en-GB" sz="1200" spc="200" dirty="0" smtClean="0">
+              <a:solidFill>
+                <a:schemeClr val="accent1">
+                  <a:lumMod val="75000"/>
+                </a:schemeClr>
+              </a:solidFill>
+              <a:latin typeface="Arial"/>
+              <a:cs typeface="Arial"/>
+            </a:endParaRPr>
+          </a:p>
+          <a:p>
+            <a:pPr marL="12700">
+              <a:lnSpc>
+                <a:spcPct val="100000"/>
+              </a:lnSpc>
+            </a:pPr>
+            <a:endParaRPr lang="en-GB" sz="1200" spc="200" dirty="0" smtClean="0">
+              <a:solidFill>
+                <a:schemeClr val="accent1">
+                  <a:lumMod val="75000"/>
+                </a:schemeClr>
+              </a:solidFill>
+              <a:latin typeface="Arial"/>
+              <a:cs typeface="Arial"/>
+            </a:endParaRPr>
+          </a:p>
+        </p:txBody>
+      </p:sp>
     </p:spTree>
     <p:extLst>
       <p:ext uri="{BB962C8B-B14F-4D97-AF65-F5344CB8AC3E}">
@@ -11453,8 +11735,8 @@
         </p:nvSpPr>
         <p:spPr>
           <a:xfrm>
-            <a:off x="827584" y="1681644"/>
-            <a:ext cx="7488832" cy="523220"/>
+            <a:off x="1403648" y="1700808"/>
+            <a:ext cx="6048672" cy="523220"/>
           </a:xfrm>
           <a:prstGeom prst="rect">
             <a:avLst/>
@@ -11477,7 +11759,7 @@
                 <a:latin typeface="Arial" pitchFamily="34" charset="0"/>
                 <a:cs typeface="Arial" pitchFamily="34" charset="0"/>
               </a:rPr>
-              <a:t>“IN WHAT WAYS CAN WE AID THE PEDAGOGUES IN THEIR WORK WITH CHILDREN WITH AUTISM, BY DIGITALIZING A PHYSICAL EXERCISE ONTO AN ANDROID TABLET?”</a:t>
+              <a:t>“In what ways can we aid the pedagogues in their work with children with autism, by digitalizing a physical exercise onto an android tablet?”</a:t>
             </a:r>
             <a:endParaRPr lang="da-DK" sz="1400" dirty="0">
               <a:solidFill>
@@ -12124,15 +12406,8 @@
                 <a:latin typeface="Arial"/>
                 <a:cs typeface="Arial"/>
               </a:rPr>
-              <a:t>Weekly meetings</a:t>
-            </a:r>
-          </a:p>
-          <a:p>
-            <a:pPr marL="12700">
-              <a:lnSpc>
-                <a:spcPct val="100000"/>
-              </a:lnSpc>
-            </a:pPr>
+              <a:t>Weekly </a:t>
+            </a:r>
             <a:r>
               <a:rPr lang="en-GB" sz="1400" cap="all" spc="200" dirty="0" smtClean="0">
                 <a:solidFill>
@@ -12143,7 +12418,7 @@
                 <a:latin typeface="Arial"/>
                 <a:cs typeface="Arial"/>
               </a:rPr>
-              <a:t>Issue tracking</a:t>
+              <a:t>meetings</a:t>
             </a:r>
           </a:p>
           <a:p>
@@ -12162,16 +12437,9 @@
                 <a:latin typeface="Arial"/>
                 <a:cs typeface="Arial"/>
               </a:rPr>
-              <a:t>GIT</a:t>
-            </a:r>
-          </a:p>
-          <a:p>
-            <a:pPr marL="12700">
-              <a:lnSpc>
-                <a:spcPct val="100000"/>
-              </a:lnSpc>
-            </a:pPr>
-            <a:endParaRPr lang="da-DK" sz="1600" b="1" cap="all" spc="200" dirty="0" smtClean="0">
+              <a:t>Committees</a:t>
+            </a:r>
+            <a:endParaRPr lang="en-GB" sz="1400" cap="all" spc="200" dirty="0" smtClean="0">
               <a:solidFill>
                 <a:schemeClr val="accent1">
                   <a:lumMod val="75000"/>
@@ -12188,7 +12456,7 @@
               </a:lnSpc>
             </a:pPr>
             <a:r>
-              <a:rPr lang="da-DK" b="1" cap="all" spc="200" dirty="0" smtClean="0">
+              <a:rPr lang="en-GB" sz="1400" cap="all" spc="200" dirty="0" err="1" smtClean="0">
                 <a:solidFill>
                   <a:schemeClr val="accent1">
                     <a:lumMod val="75000"/>
@@ -12197,8 +12465,17 @@
                 <a:latin typeface="Arial"/>
                 <a:cs typeface="Arial"/>
               </a:rPr>
-              <a:t>Committees</a:t>
-            </a:r>
+              <a:t>Redmine</a:t>
+            </a:r>
+            <a:endParaRPr lang="en-GB" sz="1400" cap="all" spc="200" dirty="0" smtClean="0">
+              <a:solidFill>
+                <a:schemeClr val="accent1">
+                  <a:lumMod val="75000"/>
+                </a:schemeClr>
+              </a:solidFill>
+              <a:latin typeface="Arial"/>
+              <a:cs typeface="Arial"/>
+            </a:endParaRPr>
           </a:p>
           <a:p>
             <a:pPr marL="12700">
@@ -12206,7 +12483,66 @@
                 <a:spcPct val="100000"/>
               </a:lnSpc>
             </a:pPr>
-            <a:endParaRPr lang="da-DK" sz="1600" b="1" cap="all" spc="200" dirty="0" smtClean="0">
+            <a:r>
+              <a:rPr lang="en-GB" sz="1400" cap="all" spc="200" dirty="0" smtClean="0">
+                <a:solidFill>
+                  <a:schemeClr val="accent1">
+                    <a:lumMod val="75000"/>
+                  </a:schemeClr>
+                </a:solidFill>
+                <a:latin typeface="Arial"/>
+                <a:cs typeface="Arial"/>
+              </a:rPr>
+              <a:t>GIT</a:t>
+            </a:r>
+          </a:p>
+          <a:p>
+            <a:pPr marL="12700">
+              <a:lnSpc>
+                <a:spcPct val="100000"/>
+              </a:lnSpc>
+            </a:pPr>
+            <a:r>
+              <a:rPr lang="en-GB" sz="1400" cap="all" spc="200" dirty="0" smtClean="0">
+                <a:solidFill>
+                  <a:schemeClr val="accent1">
+                    <a:lumMod val="75000"/>
+                  </a:schemeClr>
+                </a:solidFill>
+                <a:latin typeface="Arial"/>
+                <a:cs typeface="Arial"/>
+              </a:rPr>
+              <a:t>continuous </a:t>
+            </a:r>
+            <a:r>
+              <a:rPr lang="en-GB" sz="1400" cap="all" spc="200" dirty="0" smtClean="0">
+                <a:solidFill>
+                  <a:schemeClr val="accent1">
+                    <a:lumMod val="75000"/>
+                  </a:schemeClr>
+                </a:solidFill>
+                <a:latin typeface="Arial"/>
+                <a:cs typeface="Arial"/>
+              </a:rPr>
+              <a:t>integration</a:t>
+            </a:r>
+            <a:endParaRPr lang="da-DK" sz="1600" cap="all" spc="200" dirty="0" smtClean="0">
+              <a:solidFill>
+                <a:schemeClr val="accent1">
+                  <a:lumMod val="75000"/>
+                </a:schemeClr>
+              </a:solidFill>
+              <a:latin typeface="Arial"/>
+              <a:cs typeface="Arial"/>
+            </a:endParaRPr>
+          </a:p>
+          <a:p>
+            <a:pPr marL="12700">
+              <a:lnSpc>
+                <a:spcPct val="100000"/>
+              </a:lnSpc>
+            </a:pPr>
+            <a:endParaRPr lang="en-GB" sz="1400" cap="all" spc="200" dirty="0" smtClean="0">
               <a:solidFill>
                 <a:schemeClr val="accent1">
                   <a:lumMod val="75000"/>
@@ -13418,8 +13754,8 @@
         </p:nvSpPr>
         <p:spPr>
           <a:xfrm>
-            <a:off x="755576" y="1772816"/>
-            <a:ext cx="7488832" cy="523220"/>
+            <a:off x="1475656" y="1772816"/>
+            <a:ext cx="6048672" cy="523220"/>
           </a:xfrm>
           <a:prstGeom prst="rect">
             <a:avLst/>
@@ -13442,7 +13778,7 @@
                 <a:latin typeface="Arial" pitchFamily="34" charset="0"/>
                 <a:cs typeface="Arial" pitchFamily="34" charset="0"/>
               </a:rPr>
-              <a:t>“IN WHAT WAYS CAN WE AID THE PEDAGOGUES IN THEIR WORK WITH CHILDREN WITH AUTISM, BY DIGITALIZING A PHYSICAL EXERCISE ONTO AN ANDROID TABLET?”</a:t>
+              <a:t>“In what ways can we aid the pedagogues in their work with children with autism, by digitalizing a physical exercise onto an android tablet?”</a:t>
             </a:r>
             <a:endParaRPr lang="da-DK" sz="1400" dirty="0">
               <a:solidFill>

--- a/slides/main.pptx
+++ b/slides/main.pptx
@@ -24,14 +24,15 @@
     <p:sldId id="297" r:id="rId18"/>
     <p:sldId id="304" r:id="rId19"/>
     <p:sldId id="300" r:id="rId20"/>
-    <p:sldId id="303" r:id="rId21"/>
-    <p:sldId id="282" r:id="rId22"/>
-    <p:sldId id="301" r:id="rId23"/>
-    <p:sldId id="305" r:id="rId24"/>
-    <p:sldId id="302" r:id="rId25"/>
-    <p:sldId id="284" r:id="rId26"/>
-    <p:sldId id="280" r:id="rId27"/>
-    <p:sldId id="285" r:id="rId28"/>
+    <p:sldId id="306" r:id="rId21"/>
+    <p:sldId id="303" r:id="rId22"/>
+    <p:sldId id="282" r:id="rId23"/>
+    <p:sldId id="301" r:id="rId24"/>
+    <p:sldId id="305" r:id="rId25"/>
+    <p:sldId id="302" r:id="rId26"/>
+    <p:sldId id="284" r:id="rId27"/>
+    <p:sldId id="280" r:id="rId28"/>
+    <p:sldId id="285" r:id="rId29"/>
   </p:sldIdLst>
   <p:sldSz cx="9144000" cy="6858000" type="screen4x3"/>
   <p:notesSz cx="6858000" cy="9144000"/>
@@ -315,7 +316,7 @@
             <a:fld id="{5ADA3B83-9FAA-490E-9199-5F3FD89CBF95}" type="datetimeFigureOut">
               <a:rPr lang="da-DK" smtClean="0"/>
               <a:pPr/>
-              <a:t>mandag 24 jun</a:t>
+              <a:t>tirsdag 25 jun</a:t>
             </a:fld>
             <a:endParaRPr lang="da-DK"/>
           </a:p>
@@ -482,7 +483,7 @@
             <a:fld id="{5ADA3B83-9FAA-490E-9199-5F3FD89CBF95}" type="datetimeFigureOut">
               <a:rPr lang="da-DK" smtClean="0"/>
               <a:pPr/>
-              <a:t>mandag 24 jun</a:t>
+              <a:t>tirsdag 25 jun</a:t>
             </a:fld>
             <a:endParaRPr lang="da-DK"/>
           </a:p>
@@ -659,7 +660,7 @@
             <a:fld id="{5ADA3B83-9FAA-490E-9199-5F3FD89CBF95}" type="datetimeFigureOut">
               <a:rPr lang="da-DK" smtClean="0"/>
               <a:pPr/>
-              <a:t>mandag 24 jun</a:t>
+              <a:t>tirsdag 25 jun</a:t>
             </a:fld>
             <a:endParaRPr lang="da-DK"/>
           </a:p>
@@ -826,7 +827,7 @@
             <a:fld id="{17825FAC-110F-4E9C-A697-DFBD29A877EF}" type="datetimeFigureOut">
               <a:rPr lang="da-DK" smtClean="0"/>
               <a:pPr/>
-              <a:t>mandag 24 jun</a:t>
+              <a:t>tirsdag 25 jun</a:t>
             </a:fld>
             <a:endParaRPr lang="da-DK"/>
           </a:p>
@@ -878,7 +879,7 @@
     </p:spTree>
     <p:extLst>
       <p:ext uri="{BB962C8B-B14F-4D97-AF65-F5344CB8AC3E}">
-        <p14:creationId xmlns:p14="http://schemas.microsoft.com/office/powerpoint/2010/main" xmlns="" val="2128366257"/>
+        <p14:creationId xmlns="" xmlns:p14="http://schemas.microsoft.com/office/powerpoint/2010/main" val="2128366257"/>
       </p:ext>
     </p:extLst>
   </p:cSld>
@@ -908,7 +909,7 @@
     </p:spTree>
     <p:extLst>
       <p:ext uri="{BB962C8B-B14F-4D97-AF65-F5344CB8AC3E}">
-        <p14:creationId xmlns:p14="http://schemas.microsoft.com/office/powerpoint/2010/main" xmlns="" val="195677046"/>
+        <p14:creationId xmlns="" xmlns:p14="http://schemas.microsoft.com/office/powerpoint/2010/main" val="195677046"/>
       </p:ext>
     </p:extLst>
   </p:cSld>
@@ -938,7 +939,7 @@
     </p:spTree>
     <p:extLst>
       <p:ext uri="{BB962C8B-B14F-4D97-AF65-F5344CB8AC3E}">
-        <p14:creationId xmlns:p14="http://schemas.microsoft.com/office/powerpoint/2010/main" xmlns="" val="1997685105"/>
+        <p14:creationId xmlns="" xmlns:p14="http://schemas.microsoft.com/office/powerpoint/2010/main" val="1997685105"/>
       </p:ext>
     </p:extLst>
   </p:cSld>
@@ -1159,7 +1160,7 @@
             <a:fld id="{5ADA3B83-9FAA-490E-9199-5F3FD89CBF95}" type="datetimeFigureOut">
               <a:rPr lang="da-DK" smtClean="0"/>
               <a:pPr/>
-              <a:t>mandag 24 jun</a:t>
+              <a:t>tirsdag 25 jun</a:t>
             </a:fld>
             <a:endParaRPr lang="da-DK"/>
           </a:p>
@@ -1444,7 +1445,7 @@
             <a:fld id="{5ADA3B83-9FAA-490E-9199-5F3FD89CBF95}" type="datetimeFigureOut">
               <a:rPr lang="da-DK" smtClean="0"/>
               <a:pPr/>
-              <a:t>mandag 24 jun</a:t>
+              <a:t>tirsdag 25 jun</a:t>
             </a:fld>
             <a:endParaRPr lang="da-DK"/>
           </a:p>
@@ -1863,7 +1864,7 @@
             <a:fld id="{5ADA3B83-9FAA-490E-9199-5F3FD89CBF95}" type="datetimeFigureOut">
               <a:rPr lang="da-DK" smtClean="0"/>
               <a:pPr/>
-              <a:t>mandag 24 jun</a:t>
+              <a:t>tirsdag 25 jun</a:t>
             </a:fld>
             <a:endParaRPr lang="da-DK"/>
           </a:p>
@@ -1978,7 +1979,7 @@
             <a:fld id="{5ADA3B83-9FAA-490E-9199-5F3FD89CBF95}" type="datetimeFigureOut">
               <a:rPr lang="da-DK" smtClean="0"/>
               <a:pPr/>
-              <a:t>mandag 24 jun</a:t>
+              <a:t>tirsdag 25 jun</a:t>
             </a:fld>
             <a:endParaRPr lang="da-DK"/>
           </a:p>
@@ -2070,7 +2071,7 @@
             <a:fld id="{5ADA3B83-9FAA-490E-9199-5F3FD89CBF95}" type="datetimeFigureOut">
               <a:rPr lang="da-DK" smtClean="0"/>
               <a:pPr/>
-              <a:t>mandag 24 jun</a:t>
+              <a:t>tirsdag 25 jun</a:t>
             </a:fld>
             <a:endParaRPr lang="da-DK"/>
           </a:p>
@@ -2344,7 +2345,7 @@
             <a:fld id="{5ADA3B83-9FAA-490E-9199-5F3FD89CBF95}" type="datetimeFigureOut">
               <a:rPr lang="da-DK" smtClean="0"/>
               <a:pPr/>
-              <a:t>mandag 24 jun</a:t>
+              <a:t>tirsdag 25 jun</a:t>
             </a:fld>
             <a:endParaRPr lang="da-DK"/>
           </a:p>
@@ -2594,7 +2595,7 @@
             <a:fld id="{5ADA3B83-9FAA-490E-9199-5F3FD89CBF95}" type="datetimeFigureOut">
               <a:rPr lang="da-DK" smtClean="0"/>
               <a:pPr/>
-              <a:t>mandag 24 jun</a:t>
+              <a:t>tirsdag 25 jun</a:t>
             </a:fld>
             <a:endParaRPr lang="da-DK"/>
           </a:p>
@@ -2804,7 +2805,7 @@
             <a:fld id="{5ADA3B83-9FAA-490E-9199-5F3FD89CBF95}" type="datetimeFigureOut">
               <a:rPr lang="da-DK" smtClean="0"/>
               <a:pPr/>
-              <a:t>mandag 24 jun</a:t>
+              <a:t>tirsdag 25 jun</a:t>
             </a:fld>
             <a:endParaRPr lang="da-DK"/>
           </a:p>
@@ -3190,7 +3191,7 @@
           <a:blip r:embed="rId2" cstate="print">
             <a:extLst>
               <a:ext uri="{28A0092B-C50C-407E-A947-70E740481C1C}">
-                <a14:useLocalDpi xmlns:a14="http://schemas.microsoft.com/office/drawing/2010/main" xmlns="" val="0"/>
+                <a14:useLocalDpi xmlns="" xmlns:a14="http://schemas.microsoft.com/office/drawing/2010/main" val="0"/>
               </a:ext>
             </a:extLst>
           </a:blip>
@@ -3274,7 +3275,7 @@
           <a:blip r:embed="rId3" cstate="print">
             <a:extLst>
               <a:ext uri="{28A0092B-C50C-407E-A947-70E740481C1C}">
-                <a14:useLocalDpi xmlns:a14="http://schemas.microsoft.com/office/drawing/2010/main" xmlns="" val="0"/>
+                <a14:useLocalDpi xmlns="" xmlns:a14="http://schemas.microsoft.com/office/drawing/2010/main" val="0"/>
               </a:ext>
             </a:extLst>
           </a:blip>
@@ -3579,7 +3580,7 @@
     <a:masterClrMapping/>
   </p:clrMapOvr>
   <mc:AlternateContent xmlns:mc="http://schemas.openxmlformats.org/markup-compatibility/2006">
-    <mc:Choice xmlns:p14="http://schemas.microsoft.com/office/powerpoint/2010/main" xmlns="" Requires="p14">
+    <mc:Choice xmlns="" xmlns:p14="http://schemas.microsoft.com/office/powerpoint/2010/main" Requires="p14">
       <p:transition p14:dur="250">
         <p:fade/>
       </p:transition>
@@ -3954,7 +3955,7 @@
     </p:spTree>
     <p:extLst>
       <p:ext uri="{BB962C8B-B14F-4D97-AF65-F5344CB8AC3E}">
-        <p14:creationId xmlns:p14="http://schemas.microsoft.com/office/powerpoint/2010/main" xmlns="" val="585023994"/>
+        <p14:creationId xmlns="" xmlns:p14="http://schemas.microsoft.com/office/powerpoint/2010/main" val="585023994"/>
       </p:ext>
     </p:extLst>
   </p:cSld>
@@ -3962,7 +3963,7 @@
     <a:masterClrMapping/>
   </p:clrMapOvr>
   <mc:AlternateContent xmlns:mc="http://schemas.openxmlformats.org/markup-compatibility/2006">
-    <mc:Choice xmlns:p14="http://schemas.microsoft.com/office/powerpoint/2010/main" xmlns="" Requires="p14">
+    <mc:Choice xmlns="" xmlns:p14="http://schemas.microsoft.com/office/powerpoint/2010/main" Requires="p14">
       <p:transition p14:dur="250">
         <p:fade/>
       </p:transition>
@@ -4484,7 +4485,7 @@
     </p:spTree>
     <p:extLst>
       <p:ext uri="{BB962C8B-B14F-4D97-AF65-F5344CB8AC3E}">
-        <p14:creationId xmlns:p14="http://schemas.microsoft.com/office/powerpoint/2010/main" xmlns="" val="585023994"/>
+        <p14:creationId xmlns="" xmlns:p14="http://schemas.microsoft.com/office/powerpoint/2010/main" val="585023994"/>
       </p:ext>
     </p:extLst>
   </p:cSld>
@@ -4492,7 +4493,7 @@
     <a:masterClrMapping/>
   </p:clrMapOvr>
   <mc:AlternateContent xmlns:mc="http://schemas.openxmlformats.org/markup-compatibility/2006">
-    <mc:Choice xmlns:p14="http://schemas.microsoft.com/office/powerpoint/2010/main" xmlns="" Requires="p14">
+    <mc:Choice xmlns="" xmlns:p14="http://schemas.microsoft.com/office/powerpoint/2010/main" Requires="p14">
       <p:transition p14:dur="250">
         <p:fade/>
       </p:transition>
@@ -4882,7 +4883,7 @@
     </p:spTree>
     <p:extLst>
       <p:ext uri="{BB962C8B-B14F-4D97-AF65-F5344CB8AC3E}">
-        <p14:creationId xmlns:p14="http://schemas.microsoft.com/office/powerpoint/2010/main" xmlns="" val="585023994"/>
+        <p14:creationId xmlns="" xmlns:p14="http://schemas.microsoft.com/office/powerpoint/2010/main" val="585023994"/>
       </p:ext>
     </p:extLst>
   </p:cSld>
@@ -4890,7 +4891,7 @@
     <a:masterClrMapping/>
   </p:clrMapOvr>
   <mc:AlternateContent xmlns:mc="http://schemas.openxmlformats.org/markup-compatibility/2006">
-    <mc:Choice xmlns:p14="http://schemas.microsoft.com/office/powerpoint/2010/main" xmlns="" Requires="p14">
+    <mc:Choice xmlns="" xmlns:p14="http://schemas.microsoft.com/office/powerpoint/2010/main" Requires="p14">
       <p:transition p14:dur="250">
         <p:fade/>
       </p:transition>
@@ -4997,7 +4998,7 @@
           <a:blip r:embed="rId2" cstate="print">
             <a:extLst>
               <a:ext uri="{28A0092B-C50C-407E-A947-70E740481C1C}">
-                <a14:useLocalDpi xmlns:a14="http://schemas.microsoft.com/office/drawing/2010/main" xmlns="" val="0"/>
+                <a14:useLocalDpi xmlns="" xmlns:a14="http://schemas.microsoft.com/office/drawing/2010/main" val="0"/>
               </a:ext>
             </a:extLst>
           </a:blip>
@@ -5104,7 +5105,7 @@
     </p:spTree>
     <p:extLst>
       <p:ext uri="{BB962C8B-B14F-4D97-AF65-F5344CB8AC3E}">
-        <p14:creationId xmlns:p14="http://schemas.microsoft.com/office/powerpoint/2010/main" xmlns="" val="3425622471"/>
+        <p14:creationId xmlns="" xmlns:p14="http://schemas.microsoft.com/office/powerpoint/2010/main" val="3425622471"/>
       </p:ext>
     </p:extLst>
   </p:cSld>
@@ -5112,7 +5113,7 @@
     <a:masterClrMapping/>
   </p:clrMapOvr>
   <mc:AlternateContent xmlns:mc="http://schemas.openxmlformats.org/markup-compatibility/2006">
-    <mc:Choice xmlns:p14="http://schemas.microsoft.com/office/powerpoint/2010/main" xmlns="" Requires="p14">
+    <mc:Choice xmlns="" xmlns:p14="http://schemas.microsoft.com/office/powerpoint/2010/main" Requires="p14">
       <p:transition p14:dur="250">
         <p:fade/>
       </p:transition>
@@ -5265,19 +5266,7 @@
                 <a:latin typeface="Arial"/>
                 <a:cs typeface="Arial"/>
               </a:rPr>
-              <a:t> </a:t>
-            </a:r>
-            <a:r>
-              <a:rPr lang="en-GB" b="1" cap="all" spc="200" dirty="0" smtClean="0">
-                <a:solidFill>
-                  <a:schemeClr val="accent1">
-                    <a:lumMod val="75000"/>
-                  </a:schemeClr>
-                </a:solidFill>
-                <a:latin typeface="Arial"/>
-                <a:cs typeface="Arial"/>
-              </a:rPr>
-              <a:t>Surface View</a:t>
+              <a:t> Surface View</a:t>
             </a:r>
           </a:p>
           <a:p>
@@ -5563,7 +5552,7 @@
     </p:spTree>
     <p:extLst>
       <p:ext uri="{BB962C8B-B14F-4D97-AF65-F5344CB8AC3E}">
-        <p14:creationId xmlns:p14="http://schemas.microsoft.com/office/powerpoint/2010/main" xmlns="" val="585023994"/>
+        <p14:creationId xmlns="" xmlns:p14="http://schemas.microsoft.com/office/powerpoint/2010/main" val="585023994"/>
       </p:ext>
     </p:extLst>
   </p:cSld>
@@ -5571,7 +5560,7 @@
     <a:masterClrMapping/>
   </p:clrMapOvr>
   <mc:AlternateContent xmlns:mc="http://schemas.openxmlformats.org/markup-compatibility/2006">
-    <mc:Choice xmlns:p14="http://schemas.microsoft.com/office/powerpoint/2010/main" xmlns="" Requires="p14">
+    <mc:Choice xmlns="" xmlns:p14="http://schemas.microsoft.com/office/powerpoint/2010/main" Requires="p14">
       <p:transition p14:dur="250">
         <p:fade/>
       </p:transition>
@@ -5961,7 +5950,7 @@
     </p:spTree>
     <p:extLst>
       <p:ext uri="{BB962C8B-B14F-4D97-AF65-F5344CB8AC3E}">
-        <p14:creationId xmlns:p14="http://schemas.microsoft.com/office/powerpoint/2010/main" xmlns="" val="585023994"/>
+        <p14:creationId xmlns="" xmlns:p14="http://schemas.microsoft.com/office/powerpoint/2010/main" val="585023994"/>
       </p:ext>
     </p:extLst>
   </p:cSld>
@@ -5969,7 +5958,7 @@
     <a:masterClrMapping/>
   </p:clrMapOvr>
   <mc:AlternateContent xmlns:mc="http://schemas.openxmlformats.org/markup-compatibility/2006">
-    <mc:Choice xmlns:p14="http://schemas.microsoft.com/office/powerpoint/2010/main" xmlns="" Requires="p14">
+    <mc:Choice xmlns="" xmlns:p14="http://schemas.microsoft.com/office/powerpoint/2010/main" Requires="p14">
       <p:transition p14:dur="250">
         <p:fade/>
       </p:transition>
@@ -6399,7 +6388,7 @@
     </p:spTree>
     <p:extLst>
       <p:ext uri="{BB962C8B-B14F-4D97-AF65-F5344CB8AC3E}">
-        <p14:creationId xmlns:p14="http://schemas.microsoft.com/office/powerpoint/2010/main" xmlns="" val="585023994"/>
+        <p14:creationId xmlns="" xmlns:p14="http://schemas.microsoft.com/office/powerpoint/2010/main" val="585023994"/>
       </p:ext>
     </p:extLst>
   </p:cSld>
@@ -6407,7 +6396,7 @@
     <a:masterClrMapping/>
   </p:clrMapOvr>
   <mc:AlternateContent xmlns:mc="http://schemas.openxmlformats.org/markup-compatibility/2006">
-    <mc:Choice xmlns:p14="http://schemas.microsoft.com/office/powerpoint/2010/main" xmlns="" Requires="p14">
+    <mc:Choice xmlns="" xmlns:p14="http://schemas.microsoft.com/office/powerpoint/2010/main" Requires="p14">
       <p:transition p14:dur="250">
         <p:fade/>
       </p:transition>
@@ -6858,8 +6847,10 @@
                 <a:latin typeface="Arial" pitchFamily="34" charset="0"/>
                 <a:cs typeface="Arial" pitchFamily="34" charset="0"/>
               </a:rPr>
-              <a:t>Texture: 396 </a:t>
-            </a:r>
+              <a:t>Texture: 396 x 284</a:t>
+            </a:r>
+          </a:p>
+          <a:p>
             <a:r>
               <a:rPr lang="en-GB" sz="1400" dirty="0" smtClean="0">
                 <a:solidFill>
@@ -6870,43 +6861,8 @@
                 <a:latin typeface="Arial" pitchFamily="34" charset="0"/>
                 <a:cs typeface="Arial" pitchFamily="34" charset="0"/>
               </a:rPr>
-              <a:t>x </a:t>
-            </a:r>
-            <a:r>
-              <a:rPr lang="en-GB" sz="1400" dirty="0" smtClean="0">
-                <a:solidFill>
-                  <a:schemeClr val="accent1">
-                    <a:lumMod val="75000"/>
-                  </a:schemeClr>
-                </a:solidFill>
-                <a:latin typeface="Arial" pitchFamily="34" charset="0"/>
-                <a:cs typeface="Arial" pitchFamily="34" charset="0"/>
-              </a:rPr>
-              <a:t>284</a:t>
-            </a:r>
-          </a:p>
-          <a:p>
-            <a:r>
-              <a:rPr lang="en-GB" sz="1400" dirty="0" smtClean="0">
-                <a:solidFill>
-                  <a:schemeClr val="accent1">
-                    <a:lumMod val="75000"/>
-                  </a:schemeClr>
-                </a:solidFill>
-                <a:latin typeface="Arial" pitchFamily="34" charset="0"/>
-                <a:cs typeface="Arial" pitchFamily="34" charset="0"/>
-              </a:rPr>
               <a:t>Square: 396 x 284</a:t>
             </a:r>
-            <a:endParaRPr lang="en-GB" sz="1400" dirty="0" smtClean="0">
-              <a:solidFill>
-                <a:schemeClr val="accent1">
-                  <a:lumMod val="75000"/>
-                </a:schemeClr>
-              </a:solidFill>
-              <a:latin typeface="Arial" pitchFamily="34" charset="0"/>
-              <a:cs typeface="Arial" pitchFamily="34" charset="0"/>
-            </a:endParaRPr>
           </a:p>
           <a:p>
             <a:endParaRPr lang="da-DK" sz="1400" dirty="0">
@@ -7052,7 +7008,7 @@
     </p:spTree>
     <p:extLst>
       <p:ext uri="{BB962C8B-B14F-4D97-AF65-F5344CB8AC3E}">
-        <p14:creationId xmlns:p14="http://schemas.microsoft.com/office/powerpoint/2010/main" xmlns="" val="585023994"/>
+        <p14:creationId xmlns="" xmlns:p14="http://schemas.microsoft.com/office/powerpoint/2010/main" val="585023994"/>
       </p:ext>
     </p:extLst>
   </p:cSld>
@@ -7060,7 +7016,7 @@
     <a:masterClrMapping/>
   </p:clrMapOvr>
   <mc:AlternateContent xmlns:mc="http://schemas.openxmlformats.org/markup-compatibility/2006">
-    <mc:Choice xmlns:p14="http://schemas.microsoft.com/office/powerpoint/2010/main" xmlns="" Requires="p14">
+    <mc:Choice xmlns="" xmlns:p14="http://schemas.microsoft.com/office/powerpoint/2010/main" Requires="p14">
       <p:transition p14:dur="250">
         <p:fade/>
       </p:transition>
@@ -7593,8 +7549,10 @@
                 <a:latin typeface="Arial" pitchFamily="34" charset="0"/>
                 <a:cs typeface="Arial" pitchFamily="34" charset="0"/>
               </a:rPr>
-              <a:t>Texture: 512 </a:t>
-            </a:r>
+              <a:t>Texture: 512 x 512</a:t>
+            </a:r>
+          </a:p>
+          <a:p>
             <a:r>
               <a:rPr lang="en-GB" sz="1400" dirty="0" smtClean="0">
                 <a:solidFill>
@@ -7605,52 +7563,8 @@
                 <a:latin typeface="Arial" pitchFamily="34" charset="0"/>
                 <a:cs typeface="Arial" pitchFamily="34" charset="0"/>
               </a:rPr>
-              <a:t>x </a:t>
-            </a:r>
-            <a:r>
-              <a:rPr lang="en-GB" sz="1400" dirty="0" smtClean="0">
-                <a:solidFill>
-                  <a:schemeClr val="accent1">
-                    <a:lumMod val="75000"/>
-                  </a:schemeClr>
-                </a:solidFill>
-                <a:latin typeface="Arial" pitchFamily="34" charset="0"/>
-                <a:cs typeface="Arial" pitchFamily="34" charset="0"/>
-              </a:rPr>
-              <a:t>512</a:t>
-            </a:r>
-            <a:endParaRPr lang="en-GB" sz="1400" dirty="0" smtClean="0">
-              <a:solidFill>
-                <a:schemeClr val="accent1">
-                  <a:lumMod val="75000"/>
-                </a:schemeClr>
-              </a:solidFill>
-              <a:latin typeface="Arial" pitchFamily="34" charset="0"/>
-              <a:cs typeface="Arial" pitchFamily="34" charset="0"/>
-            </a:endParaRPr>
-          </a:p>
-          <a:p>
-            <a:r>
-              <a:rPr lang="en-GB" sz="1400" dirty="0" smtClean="0">
-                <a:solidFill>
-                  <a:schemeClr val="accent1">
-                    <a:lumMod val="75000"/>
-                  </a:schemeClr>
-                </a:solidFill>
-                <a:latin typeface="Arial" pitchFamily="34" charset="0"/>
-                <a:cs typeface="Arial" pitchFamily="34" charset="0"/>
-              </a:rPr>
               <a:t>Square: 396 x 284</a:t>
             </a:r>
-            <a:endParaRPr lang="en-GB" sz="1400" dirty="0" smtClean="0">
-              <a:solidFill>
-                <a:schemeClr val="accent1">
-                  <a:lumMod val="75000"/>
-                </a:schemeClr>
-              </a:solidFill>
-              <a:latin typeface="Arial" pitchFamily="34" charset="0"/>
-              <a:cs typeface="Arial" pitchFamily="34" charset="0"/>
-            </a:endParaRPr>
           </a:p>
           <a:p>
             <a:endParaRPr lang="da-DK" sz="1400" dirty="0">
@@ -7697,8 +7611,10 @@
                 <a:latin typeface="Arial" pitchFamily="34" charset="0"/>
                 <a:cs typeface="Arial" pitchFamily="34" charset="0"/>
               </a:rPr>
-              <a:t>Texture: 512 </a:t>
-            </a:r>
+              <a:t>Texture: 512 x 512</a:t>
+            </a:r>
+          </a:p>
+          <a:p>
             <a:r>
               <a:rPr lang="en-GB" sz="1400" dirty="0" smtClean="0">
                 <a:solidFill>
@@ -7709,59 +7625,15 @@
                 <a:latin typeface="Arial" pitchFamily="34" charset="0"/>
                 <a:cs typeface="Arial" pitchFamily="34" charset="0"/>
               </a:rPr>
-              <a:t>x </a:t>
-            </a:r>
-            <a:r>
-              <a:rPr lang="en-GB" sz="1400" dirty="0" smtClean="0">
-                <a:solidFill>
-                  <a:schemeClr val="accent1">
-                    <a:lumMod val="75000"/>
-                  </a:schemeClr>
-                </a:solidFill>
-                <a:latin typeface="Arial" pitchFamily="34" charset="0"/>
-                <a:cs typeface="Arial" pitchFamily="34" charset="0"/>
-              </a:rPr>
-              <a:t>512</a:t>
-            </a:r>
-            <a:endParaRPr lang="en-GB" sz="1400" dirty="0" smtClean="0">
-              <a:solidFill>
-                <a:schemeClr val="accent1">
-                  <a:lumMod val="75000"/>
-                </a:schemeClr>
-              </a:solidFill>
-              <a:latin typeface="Arial" pitchFamily="34" charset="0"/>
-              <a:cs typeface="Arial" pitchFamily="34" charset="0"/>
-            </a:endParaRPr>
-          </a:p>
-          <a:p>
-            <a:r>
-              <a:rPr lang="en-GB" sz="1400" dirty="0" smtClean="0">
-                <a:solidFill>
-                  <a:schemeClr val="accent1">
-                    <a:lumMod val="75000"/>
-                  </a:schemeClr>
-                </a:solidFill>
-                <a:latin typeface="Arial" pitchFamily="34" charset="0"/>
-                <a:cs typeface="Arial" pitchFamily="34" charset="0"/>
-              </a:rPr>
               <a:t>Square: 396 x 284</a:t>
             </a:r>
-            <a:endParaRPr lang="en-GB" sz="1400" dirty="0" smtClean="0">
-              <a:solidFill>
-                <a:schemeClr val="accent1">
-                  <a:lumMod val="75000"/>
-                </a:schemeClr>
-              </a:solidFill>
-              <a:latin typeface="Arial" pitchFamily="34" charset="0"/>
-              <a:cs typeface="Arial" pitchFamily="34" charset="0"/>
-            </a:endParaRPr>
           </a:p>
         </p:txBody>
       </p:sp>
     </p:spTree>
     <p:extLst>
       <p:ext uri="{BB962C8B-B14F-4D97-AF65-F5344CB8AC3E}">
-        <p14:creationId xmlns:p14="http://schemas.microsoft.com/office/powerpoint/2010/main" xmlns="" val="585023994"/>
+        <p14:creationId xmlns="" xmlns:p14="http://schemas.microsoft.com/office/powerpoint/2010/main" val="585023994"/>
       </p:ext>
     </p:extLst>
   </p:cSld>
@@ -7769,7 +7641,7 @@
     <a:masterClrMapping/>
   </p:clrMapOvr>
   <mc:AlternateContent xmlns:mc="http://schemas.openxmlformats.org/markup-compatibility/2006">
-    <mc:Choice xmlns:p14="http://schemas.microsoft.com/office/powerpoint/2010/main" xmlns="" Requires="p14">
+    <mc:Choice xmlns="" xmlns:p14="http://schemas.microsoft.com/office/powerpoint/2010/main" Requires="p14">
       <p:transition p14:dur="250">
         <p:fade/>
       </p:transition>
@@ -7908,7 +7780,7 @@
               </a:lnSpc>
             </a:pPr>
             <a:r>
-              <a:rPr lang="en-GB" sz="1200" spc="200" dirty="0" smtClean="0">
+              <a:rPr lang="en-GB" sz="1400" spc="200" dirty="0" smtClean="0">
                 <a:solidFill>
                   <a:schemeClr val="accent1">
                     <a:lumMod val="75000"/>
@@ -7917,19 +7789,7 @@
                 <a:latin typeface="Arial"/>
                 <a:cs typeface="Arial"/>
               </a:rPr>
-              <a:t>M</a:t>
-            </a:r>
-            <a:r>
-              <a:rPr lang="en-GB" sz="1400" spc="200" dirty="0" smtClean="0">
-                <a:solidFill>
-                  <a:schemeClr val="accent1">
-                    <a:lumMod val="75000"/>
-                  </a:schemeClr>
-                </a:solidFill>
-                <a:latin typeface="Arial"/>
-                <a:cs typeface="Arial"/>
-              </a:rPr>
-              <a:t>ATRIX STACK</a:t>
+              <a:t>MATRIX STACK</a:t>
             </a:r>
           </a:p>
           <a:p>
@@ -8207,7 +8067,7 @@
         </p:blipFill>
         <p:spPr bwMode="auto">
           <a:xfrm>
-            <a:off x="1475656" y="2204864"/>
+            <a:off x="2170630" y="2204864"/>
             <a:ext cx="6073778" cy="2664296"/>
           </a:xfrm>
           <a:prstGeom prst="rect">
@@ -8216,10 +8076,42 @@
           <a:noFill/>
         </p:spPr>
       </p:pic>
+      <p:pic>
+        <p:nvPicPr>
+          <p:cNvPr id="1026" name="Picture 2"/>
+          <p:cNvPicPr>
+            <a:picLocks noChangeAspect="1" noChangeArrowheads="1"/>
+          </p:cNvPicPr>
+          <p:nvPr/>
+        </p:nvPicPr>
+        <p:blipFill>
+          <a:blip r:embed="rId3" cstate="print"/>
+          <a:srcRect/>
+          <a:stretch>
+            <a:fillRect/>
+          </a:stretch>
+        </p:blipFill>
+        <p:spPr bwMode="auto">
+          <a:xfrm>
+            <a:off x="611560" y="2276872"/>
+            <a:ext cx="936104" cy="1398077"/>
+          </a:xfrm>
+          <a:prstGeom prst="rect">
+            <a:avLst/>
+          </a:prstGeom>
+          <a:noFill/>
+          <a:ln w="9525">
+            <a:noFill/>
+            <a:miter lim="800000"/>
+            <a:headEnd/>
+            <a:tailEnd/>
+          </a:ln>
+        </p:spPr>
+      </p:pic>
     </p:spTree>
     <p:extLst>
       <p:ext uri="{BB962C8B-B14F-4D97-AF65-F5344CB8AC3E}">
-        <p14:creationId xmlns:p14="http://schemas.microsoft.com/office/powerpoint/2010/main" xmlns="" val="585023994"/>
+        <p14:creationId xmlns="" xmlns:p14="http://schemas.microsoft.com/office/powerpoint/2010/main" val="585023994"/>
       </p:ext>
     </p:extLst>
   </p:cSld>
@@ -8227,7 +8119,7 @@
     <a:masterClrMapping/>
   </p:clrMapOvr>
   <mc:AlternateContent xmlns:mc="http://schemas.openxmlformats.org/markup-compatibility/2006">
-    <mc:Choice xmlns:p14="http://schemas.microsoft.com/office/powerpoint/2010/main" xmlns="" Requires="p14">
+    <mc:Choice xmlns="" xmlns:p14="http://schemas.microsoft.com/office/powerpoint/2010/main" Requires="p14">
       <p:transition p14:dur="250">
         <p:fade/>
       </p:transition>
@@ -8793,7 +8685,7 @@
     <a:masterClrMapping/>
   </p:clrMapOvr>
   <mc:AlternateContent xmlns:mc="http://schemas.openxmlformats.org/markup-compatibility/2006">
-    <mc:Choice xmlns:p14="http://schemas.microsoft.com/office/powerpoint/2010/main" xmlns="" Requires="p14">
+    <mc:Choice xmlns="" xmlns:p14="http://schemas.microsoft.com/office/powerpoint/2010/main" Requires="p14">
       <p:transition p14:dur="250">
         <p:fade/>
       </p:transition>
@@ -8872,12 +8764,113 @@
                 <a:latin typeface="Arial"/>
                 <a:cs typeface="Arial"/>
               </a:rPr>
-              <a:t>Rendering</a:t>
+              <a:t>Frustum</a:t>
             </a:r>
             <a:endParaRPr sz="2400" kern="0" cap="all" spc="200" dirty="0">
               <a:solidFill>
                 <a:schemeClr val="tx2">
                   <a:lumMod val="50000"/>
+                </a:schemeClr>
+              </a:solidFill>
+              <a:latin typeface="Arial"/>
+              <a:cs typeface="Arial"/>
+            </a:endParaRPr>
+          </a:p>
+        </p:txBody>
+      </p:sp>
+      <p:sp>
+        <p:nvSpPr>
+          <p:cNvPr id="3" name="object 3"/>
+          <p:cNvSpPr txBox="1"/>
+          <p:nvPr/>
+        </p:nvSpPr>
+        <p:spPr>
+          <a:xfrm>
+            <a:off x="626300" y="1155199"/>
+            <a:ext cx="5889916" cy="4074001"/>
+          </a:xfrm>
+          <a:prstGeom prst="rect">
+            <a:avLst/>
+          </a:prstGeom>
+        </p:spPr>
+        <p:txBody>
+          <a:bodyPr vert="horz" wrap="square" lIns="0" tIns="0" rIns="0" bIns="0" rtlCol="0">
+            <a:noAutofit/>
+          </a:bodyPr>
+          <a:lstStyle/>
+          <a:p>
+            <a:pPr marL="12700">
+              <a:lnSpc>
+                <a:spcPct val="100000"/>
+              </a:lnSpc>
+            </a:pPr>
+            <a:r>
+              <a:rPr lang="en-GB" b="1" spc="200" dirty="0" smtClean="0">
+                <a:solidFill>
+                  <a:schemeClr val="accent1">
+                    <a:lumMod val="75000"/>
+                  </a:schemeClr>
+                </a:solidFill>
+                <a:latin typeface="Arial"/>
+                <a:cs typeface="Arial"/>
+              </a:rPr>
+              <a:t>THREE-DIMENSIONAL SPACE</a:t>
+            </a:r>
+          </a:p>
+          <a:p>
+            <a:pPr marL="12700">
+              <a:lnSpc>
+                <a:spcPct val="100000"/>
+              </a:lnSpc>
+            </a:pPr>
+            <a:r>
+              <a:rPr lang="en-GB" sz="1400" spc="200" dirty="0" smtClean="0">
+                <a:solidFill>
+                  <a:schemeClr val="accent1">
+                    <a:lumMod val="75000"/>
+                  </a:schemeClr>
+                </a:solidFill>
+                <a:latin typeface="Arial"/>
+                <a:cs typeface="Arial"/>
+              </a:rPr>
+              <a:t>MATRIX STACK</a:t>
+            </a:r>
+            <a:endParaRPr lang="en-GB" sz="1400" spc="200" dirty="0" smtClean="0">
+              <a:solidFill>
+                <a:schemeClr val="accent1">
+                  <a:lumMod val="75000"/>
+                </a:schemeClr>
+              </a:solidFill>
+              <a:latin typeface="Arial"/>
+              <a:cs typeface="Arial"/>
+            </a:endParaRPr>
+          </a:p>
+          <a:p>
+            <a:pPr marL="12700">
+              <a:lnSpc>
+                <a:spcPct val="100000"/>
+              </a:lnSpc>
+            </a:pPr>
+            <a:endParaRPr lang="en-GB" sz="1200" spc="200" dirty="0" smtClean="0">
+              <a:solidFill>
+                <a:schemeClr val="accent1">
+                  <a:lumMod val="75000"/>
+                </a:schemeClr>
+              </a:solidFill>
+              <a:latin typeface="Arial"/>
+              <a:cs typeface="Arial"/>
+            </a:endParaRPr>
+          </a:p>
+          <a:p>
+            <a:pPr marL="12700">
+              <a:lnSpc>
+                <a:spcPct val="100000"/>
+              </a:lnSpc>
+            </a:pPr>
+            <a:endParaRPr lang="en-GB" sz="1200" spc="200" dirty="0" smtClean="0">
+              <a:solidFill>
+                <a:schemeClr val="accent1">
+                  <a:lumMod val="75000"/>
                 </a:schemeClr>
               </a:solidFill>
               <a:latin typeface="Arial"/>
@@ -9112,7 +9105,7 @@
       </p:sp>
       <p:pic>
         <p:nvPicPr>
-          <p:cNvPr id="11268" name="Picture 4" descr="C:\Users\jerian\Desktop\rendering.png"/>
+          <p:cNvPr id="9218" name="Picture 2" descr="C:\Local git workspace\sw606f13\report\img\clippingplane.jpg"/>
           <p:cNvPicPr>
             <a:picLocks noChangeAspect="1" noChangeArrowheads="1"/>
           </p:cNvPicPr>
@@ -9127,8 +9120,8 @@
         </p:blipFill>
         <p:spPr bwMode="auto">
           <a:xfrm>
-            <a:off x="4572000" y="332656"/>
-            <a:ext cx="3672408" cy="5403769"/>
+            <a:off x="2170630" y="2204864"/>
+            <a:ext cx="6073778" cy="2664296"/>
           </a:xfrm>
           <a:prstGeom prst="rect">
             <a:avLst/>
@@ -9138,7 +9131,7 @@
       </p:pic>
       <p:pic>
         <p:nvPicPr>
-          <p:cNvPr id="11270" name="Picture 6" descr="C:\Users\jerian\Desktop\rendering.png"/>
+          <p:cNvPr id="1026" name="Picture 2"/>
           <p:cNvPicPr>
             <a:picLocks noChangeAspect="1" noChangeArrowheads="1"/>
           </p:cNvPicPr>
@@ -9153,164 +9146,57 @@
         </p:blipFill>
         <p:spPr bwMode="auto">
           <a:xfrm>
-            <a:off x="683568" y="2276873"/>
-            <a:ext cx="2888401" cy="3240360"/>
+            <a:off x="611560" y="2276872"/>
+            <a:ext cx="936104" cy="1398077"/>
           </a:xfrm>
           <a:prstGeom prst="rect">
             <a:avLst/>
           </a:prstGeom>
           <a:noFill/>
+          <a:ln w="9525">
+            <a:noFill/>
+            <a:miter lim="800000"/>
+            <a:headEnd/>
+            <a:tailEnd/>
+          </a:ln>
         </p:spPr>
       </p:pic>
-      <p:sp>
-        <p:nvSpPr>
-          <p:cNvPr id="3" name="object 3"/>
-          <p:cNvSpPr txBox="1"/>
+      <p:pic>
+        <p:nvPicPr>
+          <p:cNvPr id="1027" name="Picture 3"/>
+          <p:cNvPicPr>
+            <a:picLocks noChangeAspect="1" noChangeArrowheads="1"/>
+          </p:cNvPicPr>
           <p:nvPr/>
-        </p:nvSpPr>
-        <p:spPr>
-          <a:xfrm>
-            <a:off x="626300" y="1155199"/>
-            <a:ext cx="5889916" cy="4074001"/>
+        </p:nvPicPr>
+        <p:blipFill>
+          <a:blip r:embed="rId4" cstate="print"/>
+          <a:srcRect/>
+          <a:stretch>
+            <a:fillRect/>
+          </a:stretch>
+        </p:blipFill>
+        <p:spPr bwMode="auto">
+          <a:xfrm>
+            <a:off x="611560" y="2276872"/>
+            <a:ext cx="936104" cy="1398077"/>
           </a:xfrm>
           <a:prstGeom prst="rect">
             <a:avLst/>
           </a:prstGeom>
-        </p:spPr>
-        <p:txBody>
-          <a:bodyPr vert="horz" wrap="square" lIns="0" tIns="0" rIns="0" bIns="0" rtlCol="0">
-            <a:noAutofit/>
-          </a:bodyPr>
-          <a:lstStyle/>
-          <a:p>
-            <a:pPr marL="12700">
-              <a:lnSpc>
-                <a:spcPct val="100000"/>
-              </a:lnSpc>
-            </a:pPr>
-            <a:r>
-              <a:rPr lang="en-GB" b="1" spc="200" dirty="0" smtClean="0">
-                <a:solidFill>
-                  <a:schemeClr val="accent1">
-                    <a:lumMod val="75000"/>
-                  </a:schemeClr>
-                </a:solidFill>
-                <a:latin typeface="Arial"/>
-                <a:cs typeface="Arial"/>
-              </a:rPr>
-              <a:t>ANDROID OPENGL ES</a:t>
-            </a:r>
-          </a:p>
-          <a:p>
-            <a:pPr marL="12700">
-              <a:lnSpc>
-                <a:spcPct val="100000"/>
-              </a:lnSpc>
-            </a:pPr>
-            <a:r>
-              <a:rPr lang="en-GB" sz="1400" spc="200" dirty="0" err="1" smtClean="0">
-                <a:solidFill>
-                  <a:schemeClr val="accent1">
-                    <a:lumMod val="75000"/>
-                  </a:schemeClr>
-                </a:solidFill>
-                <a:latin typeface="Arial"/>
-                <a:cs typeface="Arial"/>
-              </a:rPr>
-              <a:t>android.opengl.GLSurfaceView</a:t>
-            </a:r>
-            <a:endParaRPr lang="en-GB" sz="1400" spc="200" dirty="0" smtClean="0">
-              <a:solidFill>
-                <a:schemeClr val="accent1">
-                  <a:lumMod val="75000"/>
-                </a:schemeClr>
-              </a:solidFill>
-              <a:latin typeface="Arial"/>
-              <a:cs typeface="Arial"/>
-            </a:endParaRPr>
-          </a:p>
-          <a:p>
-            <a:pPr marL="12700">
-              <a:lnSpc>
-                <a:spcPct val="100000"/>
-              </a:lnSpc>
-            </a:pPr>
-            <a:r>
-              <a:rPr lang="en-GB" sz="1400" spc="200" dirty="0" err="1" smtClean="0">
-                <a:solidFill>
-                  <a:schemeClr val="accent1">
-                    <a:lumMod val="75000"/>
-                  </a:schemeClr>
-                </a:solidFill>
-                <a:latin typeface="Arial"/>
-                <a:cs typeface="Arial"/>
-              </a:rPr>
-              <a:t>android.opengl.GLSurfaceView.Renderer</a:t>
-            </a:r>
-            <a:endParaRPr lang="en-GB" sz="1400" spc="200" dirty="0" smtClean="0">
-              <a:solidFill>
-                <a:schemeClr val="accent1">
-                  <a:lumMod val="75000"/>
-                </a:schemeClr>
-              </a:solidFill>
-              <a:latin typeface="Arial"/>
-              <a:cs typeface="Arial"/>
-            </a:endParaRPr>
-          </a:p>
-          <a:p>
-            <a:pPr marL="12700">
-              <a:lnSpc>
-                <a:spcPct val="100000"/>
-              </a:lnSpc>
-            </a:pPr>
-            <a:endParaRPr lang="en-GB" sz="1600" b="1" spc="200" dirty="0" smtClean="0">
-              <a:solidFill>
-                <a:schemeClr val="accent1">
-                  <a:lumMod val="75000"/>
-                </a:schemeClr>
-              </a:solidFill>
-              <a:latin typeface="Arial"/>
-              <a:cs typeface="Arial"/>
-            </a:endParaRPr>
-          </a:p>
-          <a:p>
-            <a:pPr marL="12700">
-              <a:lnSpc>
-                <a:spcPct val="100000"/>
-              </a:lnSpc>
-            </a:pPr>
-            <a:endParaRPr lang="en-GB" sz="1200" spc="200" dirty="0" smtClean="0">
-              <a:solidFill>
-                <a:schemeClr val="accent1">
-                  <a:lumMod val="75000"/>
-                </a:schemeClr>
-              </a:solidFill>
-              <a:latin typeface="Arial"/>
-              <a:cs typeface="Arial"/>
-            </a:endParaRPr>
-          </a:p>
-          <a:p>
-            <a:pPr marL="12700">
-              <a:lnSpc>
-                <a:spcPct val="100000"/>
-              </a:lnSpc>
-            </a:pPr>
-            <a:endParaRPr lang="en-GB" sz="1200" spc="200" dirty="0" smtClean="0">
-              <a:solidFill>
-                <a:schemeClr val="accent1">
-                  <a:lumMod val="75000"/>
-                </a:schemeClr>
-              </a:solidFill>
-              <a:latin typeface="Arial"/>
-              <a:cs typeface="Arial"/>
-            </a:endParaRPr>
-          </a:p>
-        </p:txBody>
-      </p:sp>
+          <a:noFill/>
+          <a:ln w="9525">
+            <a:noFill/>
+            <a:miter lim="800000"/>
+            <a:headEnd/>
+            <a:tailEnd/>
+          </a:ln>
+        </p:spPr>
+      </p:pic>
     </p:spTree>
     <p:extLst>
       <p:ext uri="{BB962C8B-B14F-4D97-AF65-F5344CB8AC3E}">
-        <p14:creationId xmlns:p14="http://schemas.microsoft.com/office/powerpoint/2010/main" xmlns="" val="585023994"/>
+        <p14:creationId xmlns="" xmlns:p14="http://schemas.microsoft.com/office/powerpoint/2010/main" val="585023994"/>
       </p:ext>
     </p:extLst>
   </p:cSld>
@@ -9318,7 +9204,7 @@
     <a:masterClrMapping/>
   </p:clrMapOvr>
   <mc:AlternateContent xmlns:mc="http://schemas.openxmlformats.org/markup-compatibility/2006">
-    <mc:Choice xmlns:p14="http://schemas.microsoft.com/office/powerpoint/2010/main" xmlns="" Requires="p14">
+    <mc:Choice xmlns="" xmlns:p14="http://schemas.microsoft.com/office/powerpoint/2010/main" Requires="p14">
       <p:transition p14:dur="250">
         <p:fade/>
       </p:transition>
@@ -9359,17 +9245,72 @@
       <p:sp>
         <p:nvSpPr>
           <p:cNvPr id="2" name="object 2"/>
+          <p:cNvSpPr txBox="1"/>
+          <p:nvPr/>
+        </p:nvSpPr>
+        <p:spPr>
+          <a:xfrm>
+            <a:off x="626300" y="562800"/>
+            <a:ext cx="6231700" cy="368935"/>
+          </a:xfrm>
+          <a:prstGeom prst="rect">
+            <a:avLst/>
+          </a:prstGeom>
+        </p:spPr>
+        <p:txBody>
+          <a:bodyPr vert="horz" wrap="square" lIns="0" tIns="0" rIns="0" bIns="0" rtlCol="0">
+            <a:noAutofit/>
+          </a:bodyPr>
+          <a:lstStyle/>
+          <a:p>
+            <a:pPr marL="12700">
+              <a:lnSpc>
+                <a:spcPct val="100000"/>
+              </a:lnSpc>
+              <a:tabLst>
+                <a:tab pos="1641475" algn="l"/>
+                <a:tab pos="2152650" algn="l"/>
+                <a:tab pos="3412490" algn="l"/>
+              </a:tabLst>
+            </a:pPr>
+            <a:r>
+              <a:rPr lang="en-GB" sz="2400" kern="0" cap="all" spc="200" dirty="0" smtClean="0">
+                <a:solidFill>
+                  <a:schemeClr val="tx2">
+                    <a:lumMod val="50000"/>
+                  </a:schemeClr>
+                </a:solidFill>
+                <a:latin typeface="Arial"/>
+                <a:cs typeface="Arial"/>
+              </a:rPr>
+              <a:t>Rendering</a:t>
+            </a:r>
+            <a:endParaRPr sz="2400" kern="0" cap="all" spc="200" dirty="0">
+              <a:solidFill>
+                <a:schemeClr val="tx2">
+                  <a:lumMod val="50000"/>
+                </a:schemeClr>
+              </a:solidFill>
+              <a:latin typeface="Arial"/>
+              <a:cs typeface="Arial"/>
+            </a:endParaRPr>
+          </a:p>
+        </p:txBody>
+      </p:sp>
+      <p:sp>
+        <p:nvSpPr>
+          <p:cNvPr id="8" name="object 4"/>
           <p:cNvSpPr txBox="1">
             <a:spLocks noGrp="1"/>
           </p:cNvSpPr>
           <p:nvPr>
-            <p:ph type="title"/>
+            <p:ph type="ftr" sz="quarter" idx="4294967295"/>
           </p:nvPr>
         </p:nvSpPr>
         <p:spPr>
           <a:xfrm>
-            <a:off x="1827956" y="2420888"/>
-            <a:ext cx="5536756" cy="1023270"/>
+            <a:off x="2540146" y="5952019"/>
+            <a:ext cx="4343400" cy="143981"/>
           </a:xfrm>
           <a:prstGeom prst="rect">
             <a:avLst/>
@@ -9381,30 +9322,99 @@
           </a:bodyPr>
           <a:lstStyle/>
           <a:p>
-            <a:pPr marR="0" algn="ctr">
-              <a:lnSpc>
-                <a:spcPts val="3960"/>
-              </a:lnSpc>
-              <a:tabLst>
-                <a:tab pos="1676400" algn="l"/>
-              </a:tabLst>
-            </a:pPr>
-            <a:r>
-              <a:rPr lang="da-DK" sz="3600" b="1" dirty="0" smtClean="0">
-                <a:solidFill>
-                  <a:schemeClr val="tx2">
-                    <a:lumMod val="50000"/>
-                  </a:schemeClr>
-                </a:solidFill>
-                <a:latin typeface="Arial"/>
-                <a:cs typeface="Arial"/>
-              </a:rPr>
-              <a:t>Game Implementation</a:t>
-            </a:r>
-            <a:endParaRPr sz="3600" b="1" dirty="0">
-              <a:solidFill>
-                <a:schemeClr val="tx2">
+            <a:pPr marL="12700">
+              <a:lnSpc>
+                <a:spcPct val="100000"/>
+              </a:lnSpc>
+            </a:pPr>
+            <a:fld id="{9561DEC8-19EE-4A79-9D71-66FF6B3E3434}" type="slidenum">
+              <a:rPr lang="da-DK" sz="850" b="1" kern="0" cap="all" spc="200" smtClean="0">
+                <a:solidFill>
+                  <a:schemeClr val="tx1">
+                    <a:lumMod val="50000"/>
+                    <a:lumOff val="50000"/>
+                  </a:schemeClr>
+                </a:solidFill>
+                <a:latin typeface="Arial"/>
+                <a:cs typeface="Arial"/>
+              </a:rPr>
+              <a:pPr marL="12700">
+                <a:lnSpc>
+                  <a:spcPct val="100000"/>
+                </a:lnSpc>
+              </a:pPr>
+              <a:t>21</a:t>
+            </a:fld>
+            <a:r>
+              <a:rPr lang="da-DK" sz="850" b="1" kern="0" cap="all" spc="200" dirty="0" smtClean="0">
+                <a:solidFill>
+                  <a:schemeClr val="tx1">
+                    <a:lumMod val="50000"/>
+                    <a:lumOff val="50000"/>
+                  </a:schemeClr>
+                </a:solidFill>
+                <a:latin typeface="Arial"/>
+                <a:cs typeface="Arial"/>
+              </a:rPr>
+              <a:t> </a:t>
+            </a:r>
+            <a:r>
+              <a:rPr sz="850" b="1" kern="0" cap="all" spc="200" dirty="0" smtClean="0">
+                <a:solidFill>
+                  <a:schemeClr val="tx1">
+                    <a:lumMod val="50000"/>
+                    <a:lumOff val="50000"/>
+                  </a:schemeClr>
+                </a:solidFill>
+                <a:latin typeface="Arial"/>
+                <a:cs typeface="Arial"/>
+              </a:rPr>
+              <a:t>OF</a:t>
+            </a:r>
+            <a:r>
+              <a:rPr lang="da-DK" sz="850" b="1" kern="0" cap="all" spc="200" dirty="0" smtClean="0">
+                <a:solidFill>
+                  <a:schemeClr val="tx1">
+                    <a:lumMod val="50000"/>
+                    <a:lumOff val="50000"/>
+                  </a:schemeClr>
+                </a:solidFill>
+                <a:latin typeface="Arial"/>
+                <a:cs typeface="Arial"/>
+              </a:rPr>
+              <a:t> </a:t>
+            </a:r>
+            <a:r>
+              <a:rPr lang="da-DK" sz="850" b="1" kern="0" cap="all" spc="200" dirty="0">
+                <a:solidFill>
+                  <a:schemeClr val="tx1">
+                    <a:lumMod val="50000"/>
+                    <a:lumOff val="50000"/>
+                  </a:schemeClr>
+                </a:solidFill>
+                <a:latin typeface="Arial"/>
+                <a:cs typeface="Arial"/>
+              </a:rPr>
+              <a:t>24  | </a:t>
+            </a:r>
+            <a:r>
+              <a:rPr lang="da-DK" sz="850" b="1" kern="0" spc="200" dirty="0" smtClean="0">
+                <a:solidFill>
+                  <a:schemeClr val="tx1">
+                    <a:lumMod val="50000"/>
+                    <a:lumOff val="50000"/>
+                  </a:schemeClr>
+                </a:solidFill>
+                <a:latin typeface="Arial"/>
+                <a:cs typeface="Arial"/>
+              </a:rPr>
+              <a:t>26.06.2013</a:t>
+            </a:r>
+            <a:endParaRPr sz="850" kern="0" cap="all" spc="200" dirty="0">
+              <a:solidFill>
+                <a:schemeClr val="tx1">
                   <a:lumMod val="50000"/>
+                  <a:lumOff val="50000"/>
                 </a:schemeClr>
               </a:solidFill>
               <a:latin typeface="Arial"/>
@@ -9413,102 +9423,293 @@
           </a:p>
         </p:txBody>
       </p:sp>
+      <p:sp>
+        <p:nvSpPr>
+          <p:cNvPr id="9" name="object 7"/>
+          <p:cNvSpPr txBox="1"/>
+          <p:nvPr/>
+        </p:nvSpPr>
+        <p:spPr>
+          <a:xfrm>
+            <a:off x="2743200" y="6137888"/>
+            <a:ext cx="3682706" cy="294005"/>
+          </a:xfrm>
+          <a:prstGeom prst="rect">
+            <a:avLst/>
+          </a:prstGeom>
+        </p:spPr>
+        <p:txBody>
+          <a:bodyPr vert="horz" wrap="square" lIns="0" tIns="0" rIns="0" bIns="0" rtlCol="0">
+            <a:noAutofit/>
+          </a:bodyPr>
+          <a:lstStyle/>
+          <a:p>
+            <a:pPr algn="ctr">
+              <a:lnSpc>
+                <a:spcPct val="100000"/>
+              </a:lnSpc>
+            </a:pPr>
+            <a:r>
+              <a:rPr lang="da-DK" sz="850" b="1" kern="0" cap="all" spc="200" dirty="0" smtClean="0">
+                <a:solidFill>
+                  <a:schemeClr val="tx1">
+                    <a:lumMod val="50000"/>
+                    <a:lumOff val="50000"/>
+                  </a:schemeClr>
+                </a:solidFill>
+                <a:latin typeface="Arial"/>
+                <a:cs typeface="Arial"/>
+              </a:rPr>
+              <a:t>Department of computer science</a:t>
+            </a:r>
+            <a:endParaRPr sz="850" b="1" kern="0" cap="all" spc="200" dirty="0" smtClean="0">
+              <a:solidFill>
+                <a:schemeClr val="tx1">
+                  <a:lumMod val="50000"/>
+                  <a:lumOff val="50000"/>
+                </a:schemeClr>
+              </a:solidFill>
+              <a:latin typeface="Arial"/>
+              <a:cs typeface="Arial"/>
+            </a:endParaRPr>
+          </a:p>
+          <a:p>
+            <a:pPr marR="20320" algn="ctr">
+              <a:lnSpc>
+                <a:spcPct val="100000"/>
+              </a:lnSpc>
+              <a:spcBef>
+                <a:spcPts val="180"/>
+              </a:spcBef>
+            </a:pPr>
+            <a:r>
+              <a:rPr sz="850" kern="0" cap="all" spc="200" dirty="0" smtClean="0">
+                <a:solidFill>
+                  <a:schemeClr val="tx1">
+                    <a:lumMod val="50000"/>
+                    <a:lumOff val="50000"/>
+                  </a:schemeClr>
+                </a:solidFill>
+                <a:latin typeface="Arial"/>
+                <a:cs typeface="Arial"/>
+              </a:rPr>
+              <a:t>AALBORG</a:t>
+            </a:r>
+            <a:r>
+              <a:rPr lang="da-DK" sz="850" kern="0" cap="all" spc="200" dirty="0" smtClean="0">
+                <a:solidFill>
+                  <a:schemeClr val="tx1">
+                    <a:lumMod val="50000"/>
+                    <a:lumOff val="50000"/>
+                  </a:schemeClr>
+                </a:solidFill>
+                <a:latin typeface="Arial"/>
+                <a:cs typeface="Arial"/>
+              </a:rPr>
+              <a:t> UNIVERSITy</a:t>
+            </a:r>
+            <a:endParaRPr sz="850" kern="0" cap="all" spc="200" dirty="0">
+              <a:solidFill>
+                <a:schemeClr val="tx1">
+                  <a:lumMod val="50000"/>
+                  <a:lumOff val="50000"/>
+                </a:schemeClr>
+              </a:solidFill>
+              <a:latin typeface="Arial"/>
+              <a:cs typeface="Arial"/>
+            </a:endParaRPr>
+          </a:p>
+        </p:txBody>
+      </p:sp>
       <p:pic>
         <p:nvPicPr>
-          <p:cNvPr id="10" name="Billede 9"/>
+          <p:cNvPr id="11268" name="Picture 4" descr="C:\Users\jerian\Desktop\rendering.png"/>
           <p:cNvPicPr>
-            <a:picLocks noChangeAspect="1"/>
+            <a:picLocks noChangeAspect="1" noChangeArrowheads="1"/>
           </p:cNvPicPr>
           <p:nvPr/>
         </p:nvPicPr>
         <p:blipFill>
-          <a:blip r:embed="rId2" cstate="print">
-            <a:extLst>
-              <a:ext uri="{28A0092B-C50C-407E-A947-70E740481C1C}">
-                <a14:useLocalDpi xmlns:a14="http://schemas.microsoft.com/office/drawing/2010/main" xmlns="" val="0"/>
-              </a:ext>
-            </a:extLst>
-          </a:blip>
+          <a:blip r:embed="rId2" cstate="print"/>
+          <a:srcRect/>
           <a:stretch>
             <a:fillRect/>
           </a:stretch>
         </p:blipFill>
-        <p:spPr>
-          <a:xfrm>
-            <a:off x="3824699" y="5576322"/>
-            <a:ext cx="1543270" cy="1009770"/>
+        <p:spPr bwMode="auto">
+          <a:xfrm>
+            <a:off x="4572000" y="332656"/>
+            <a:ext cx="3672408" cy="5403769"/>
           </a:xfrm>
           <a:prstGeom prst="rect">
             <a:avLst/>
           </a:prstGeom>
+          <a:noFill/>
         </p:spPr>
       </p:pic>
-      <p:sp>
-        <p:nvSpPr>
-          <p:cNvPr id="4" name="Rektangel 3"/>
-          <p:cNvSpPr/>
+      <p:pic>
+        <p:nvPicPr>
+          <p:cNvPr id="11270" name="Picture 6" descr="C:\Users\jerian\Desktop\rendering.png"/>
+          <p:cNvPicPr>
+            <a:picLocks noChangeAspect="1" noChangeArrowheads="1"/>
+          </p:cNvPicPr>
           <p:nvPr/>
-        </p:nvSpPr>
-        <p:spPr>
-          <a:xfrm>
-            <a:off x="2286000" y="3516166"/>
-            <a:ext cx="4572000" cy="276999"/>
+        </p:nvPicPr>
+        <p:blipFill>
+          <a:blip r:embed="rId3" cstate="print"/>
+          <a:srcRect/>
+          <a:stretch>
+            <a:fillRect/>
+          </a:stretch>
+        </p:blipFill>
+        <p:spPr bwMode="auto">
+          <a:xfrm>
+            <a:off x="683568" y="2276873"/>
+            <a:ext cx="2888401" cy="3240360"/>
           </a:xfrm>
           <a:prstGeom prst="rect">
             <a:avLst/>
           </a:prstGeom>
-        </p:spPr>
-        <p:txBody>
-          <a:bodyPr>
-            <a:spAutoFit/>
+          <a:noFill/>
+        </p:spPr>
+      </p:pic>
+      <p:sp>
+        <p:nvSpPr>
+          <p:cNvPr id="3" name="object 3"/>
+          <p:cNvSpPr txBox="1"/>
+          <p:nvPr/>
+        </p:nvSpPr>
+        <p:spPr>
+          <a:xfrm>
+            <a:off x="626300" y="1155199"/>
+            <a:ext cx="5889916" cy="4074001"/>
+          </a:xfrm>
+          <a:prstGeom prst="rect">
+            <a:avLst/>
+          </a:prstGeom>
+        </p:spPr>
+        <p:txBody>
+          <a:bodyPr vert="horz" wrap="square" lIns="0" tIns="0" rIns="0" bIns="0" rtlCol="0">
+            <a:noAutofit/>
           </a:bodyPr>
           <a:lstStyle/>
           <a:p>
-            <a:pPr marR="28575" algn="ctr">
-              <a:lnSpc>
-                <a:spcPct val="100000"/>
-              </a:lnSpc>
-            </a:pPr>
-            <a:r>
-              <a:rPr lang="en-US" sz="1200" kern="0" cap="all" spc="200" dirty="0" smtClean="0">
-                <a:solidFill>
-                  <a:schemeClr val="tx2">
-                    <a:lumMod val="50000"/>
-                  </a:schemeClr>
-                </a:solidFill>
-                <a:latin typeface="Arial"/>
-                <a:cs typeface="Arial"/>
-              </a:rPr>
-              <a:t>Jacob </a:t>
-            </a:r>
-            <a:r>
-              <a:rPr lang="en-US" sz="1200" kern="0" cap="all" spc="200" dirty="0" err="1" smtClean="0">
-                <a:solidFill>
-                  <a:schemeClr val="tx2">
-                    <a:lumMod val="50000"/>
-                  </a:schemeClr>
-                </a:solidFill>
-                <a:latin typeface="Arial"/>
-                <a:cs typeface="Arial"/>
-              </a:rPr>
-              <a:t>Karstensen</a:t>
-            </a:r>
-            <a:r>
-              <a:rPr lang="en-US" sz="1200" kern="0" cap="all" spc="200" dirty="0" smtClean="0">
-                <a:solidFill>
-                  <a:schemeClr val="tx2">
-                    <a:lumMod val="50000"/>
-                  </a:schemeClr>
-                </a:solidFill>
-                <a:latin typeface="Arial"/>
-                <a:cs typeface="Arial"/>
-              </a:rPr>
-              <a:t> Wortmann</a:t>
-            </a:r>
-            <a:endParaRPr lang="en-US" sz="1200" kern="0" cap="all" spc="200" dirty="0">
-              <a:solidFill>
-                <a:schemeClr val="tx2">
-                  <a:lumMod val="50000"/>
+            <a:pPr marL="12700">
+              <a:lnSpc>
+                <a:spcPct val="100000"/>
+              </a:lnSpc>
+            </a:pPr>
+            <a:r>
+              <a:rPr lang="en-GB" b="1" spc="200" dirty="0" smtClean="0">
+                <a:solidFill>
+                  <a:schemeClr val="accent1">
+                    <a:lumMod val="75000"/>
+                  </a:schemeClr>
+                </a:solidFill>
+                <a:latin typeface="Arial"/>
+                <a:cs typeface="Arial"/>
+              </a:rPr>
+              <a:t>ANDROID OPENGL ES</a:t>
+            </a:r>
+          </a:p>
+          <a:p>
+            <a:pPr marL="12700">
+              <a:lnSpc>
+                <a:spcPct val="100000"/>
+              </a:lnSpc>
+            </a:pPr>
+            <a:r>
+              <a:rPr lang="en-GB" sz="1400" spc="200" dirty="0" err="1" smtClean="0">
+                <a:solidFill>
+                  <a:schemeClr val="accent1">
+                    <a:lumMod val="75000"/>
+                  </a:schemeClr>
+                </a:solidFill>
+                <a:latin typeface="Arial"/>
+                <a:cs typeface="Arial"/>
+              </a:rPr>
+              <a:t>android.opengl.GLSurfaceView</a:t>
+            </a:r>
+            <a:endParaRPr lang="en-GB" sz="1400" spc="200" dirty="0" smtClean="0">
+              <a:solidFill>
+                <a:schemeClr val="accent1">
+                  <a:lumMod val="75000"/>
+                </a:schemeClr>
+              </a:solidFill>
+              <a:latin typeface="Arial"/>
+              <a:cs typeface="Arial"/>
+            </a:endParaRPr>
+          </a:p>
+          <a:p>
+            <a:pPr marL="12700">
+              <a:lnSpc>
+                <a:spcPct val="100000"/>
+              </a:lnSpc>
+            </a:pPr>
+            <a:r>
+              <a:rPr lang="en-GB" sz="1400" spc="200" dirty="0" err="1" smtClean="0">
+                <a:solidFill>
+                  <a:schemeClr val="accent1">
+                    <a:lumMod val="75000"/>
+                  </a:schemeClr>
+                </a:solidFill>
+                <a:latin typeface="Arial"/>
+                <a:cs typeface="Arial"/>
+              </a:rPr>
+              <a:t>android.opengl.GLSurfaceView.Renderer</a:t>
+            </a:r>
+            <a:endParaRPr lang="en-GB" sz="1400" spc="200" dirty="0" smtClean="0">
+              <a:solidFill>
+                <a:schemeClr val="accent1">
+                  <a:lumMod val="75000"/>
+                </a:schemeClr>
+              </a:solidFill>
+              <a:latin typeface="Arial"/>
+              <a:cs typeface="Arial"/>
+            </a:endParaRPr>
+          </a:p>
+          <a:p>
+            <a:pPr marL="12700">
+              <a:lnSpc>
+                <a:spcPct val="100000"/>
+              </a:lnSpc>
+            </a:pPr>
+            <a:endParaRPr lang="en-GB" sz="1600" b="1" spc="200" dirty="0" smtClean="0">
+              <a:solidFill>
+                <a:schemeClr val="accent1">
+                  <a:lumMod val="75000"/>
+                </a:schemeClr>
+              </a:solidFill>
+              <a:latin typeface="Arial"/>
+              <a:cs typeface="Arial"/>
+            </a:endParaRPr>
+          </a:p>
+          <a:p>
+            <a:pPr marL="12700">
+              <a:lnSpc>
+                <a:spcPct val="100000"/>
+              </a:lnSpc>
+            </a:pPr>
+            <a:endParaRPr lang="en-GB" sz="1200" spc="200" dirty="0" smtClean="0">
+              <a:solidFill>
+                <a:schemeClr val="accent1">
+                  <a:lumMod val="75000"/>
+                </a:schemeClr>
+              </a:solidFill>
+              <a:latin typeface="Arial"/>
+              <a:cs typeface="Arial"/>
+            </a:endParaRPr>
+          </a:p>
+          <a:p>
+            <a:pPr marL="12700">
+              <a:lnSpc>
+                <a:spcPct val="100000"/>
+              </a:lnSpc>
+            </a:pPr>
+            <a:endParaRPr lang="en-GB" sz="1200" spc="200" dirty="0" smtClean="0">
+              <a:solidFill>
+                <a:schemeClr val="accent1">
+                  <a:lumMod val="75000"/>
                 </a:schemeClr>
               </a:solidFill>
               <a:latin typeface="Arial"/>
@@ -9520,7 +9721,7 @@
     </p:spTree>
     <p:extLst>
       <p:ext uri="{BB962C8B-B14F-4D97-AF65-F5344CB8AC3E}">
-        <p14:creationId xmlns:p14="http://schemas.microsoft.com/office/powerpoint/2010/main" xmlns="" val="3425622471"/>
+        <p14:creationId xmlns="" xmlns:p14="http://schemas.microsoft.com/office/powerpoint/2010/main" val="585023994"/>
       </p:ext>
     </p:extLst>
   </p:cSld>
@@ -9528,7 +9729,7 @@
     <a:masterClrMapping/>
   </p:clrMapOvr>
   <mc:AlternateContent xmlns:mc="http://schemas.openxmlformats.org/markup-compatibility/2006">
-    <mc:Choice xmlns:p14="http://schemas.microsoft.com/office/powerpoint/2010/main" xmlns="" Requires="p14">
+    <mc:Choice xmlns="" xmlns:p14="http://schemas.microsoft.com/office/powerpoint/2010/main" Requires="p14">
       <p:transition p14:dur="250">
         <p:fade/>
       </p:transition>
@@ -9569,13 +9770,17 @@
       <p:sp>
         <p:nvSpPr>
           <p:cNvPr id="2" name="object 2"/>
-          <p:cNvSpPr txBox="1"/>
-          <p:nvPr/>
+          <p:cNvSpPr txBox="1">
+            <a:spLocks noGrp="1"/>
+          </p:cNvSpPr>
+          <p:nvPr>
+            <p:ph type="title"/>
+          </p:nvPr>
         </p:nvSpPr>
         <p:spPr>
           <a:xfrm>
-            <a:off x="626300" y="562800"/>
-            <a:ext cx="6231700" cy="368935"/>
+            <a:off x="1827956" y="2420888"/>
+            <a:ext cx="5536756" cy="1023270"/>
           </a:xfrm>
           <a:prstGeom prst="rect">
             <a:avLst/>
@@ -9587,18 +9792,16 @@
           </a:bodyPr>
           <a:lstStyle/>
           <a:p>
-            <a:pPr marL="12700">
-              <a:lnSpc>
-                <a:spcPct val="100000"/>
+            <a:pPr marR="0" algn="ctr">
+              <a:lnSpc>
+                <a:spcPts val="3960"/>
               </a:lnSpc>
               <a:tabLst>
-                <a:tab pos="1641475" algn="l"/>
-                <a:tab pos="2152650" algn="l"/>
-                <a:tab pos="3412490" algn="l"/>
+                <a:tab pos="1676400" algn="l"/>
               </a:tabLst>
             </a:pPr>
             <a:r>
-              <a:rPr lang="en-GB" sz="2400" kern="0" cap="all" spc="200" dirty="0" smtClean="0">
+              <a:rPr lang="da-DK" sz="3600" b="1" dirty="0" smtClean="0">
                 <a:solidFill>
                   <a:schemeClr val="tx2">
                     <a:lumMod val="50000"/>
@@ -9607,9 +9810,9 @@
                 <a:latin typeface="Arial"/>
                 <a:cs typeface="Arial"/>
               </a:rPr>
-              <a:t>Drag and drop</a:t>
-            </a:r>
-            <a:endParaRPr sz="2400" kern="0" cap="all" spc="200" dirty="0">
+              <a:t>Game Implementation</a:t>
+            </a:r>
+            <a:endParaRPr sz="3600" b="1" dirty="0">
               <a:solidFill>
                 <a:schemeClr val="tx2">
                   <a:lumMod val="50000"/>
@@ -9621,345 +9824,114 @@
           </a:p>
         </p:txBody>
       </p:sp>
-      <p:sp>
-        <p:nvSpPr>
-          <p:cNvPr id="3" name="object 3"/>
-          <p:cNvSpPr txBox="1"/>
-          <p:nvPr/>
-        </p:nvSpPr>
-        <p:spPr>
-          <a:xfrm>
-            <a:off x="626300" y="1155199"/>
-            <a:ext cx="5283200" cy="4074001"/>
-          </a:xfrm>
-          <a:prstGeom prst="rect">
-            <a:avLst/>
-          </a:prstGeom>
-        </p:spPr>
-        <p:txBody>
-          <a:bodyPr vert="horz" wrap="square" lIns="0" tIns="0" rIns="0" bIns="0" rtlCol="0">
-            <a:noAutofit/>
-          </a:bodyPr>
-          <a:lstStyle/>
-          <a:p>
-            <a:pPr marL="12700">
-              <a:lnSpc>
-                <a:spcPct val="100000"/>
-              </a:lnSpc>
-            </a:pPr>
-            <a:r>
-              <a:rPr lang="en-GB" b="1" cap="all" spc="200" dirty="0" smtClean="0">
-                <a:solidFill>
-                  <a:schemeClr val="accent1">
-                    <a:lumMod val="75000"/>
-                  </a:schemeClr>
-                </a:solidFill>
-                <a:latin typeface="Arial"/>
-                <a:cs typeface="Arial"/>
-              </a:rPr>
-              <a:t>Touch listener</a:t>
-            </a:r>
-          </a:p>
-          <a:p>
-            <a:pPr marL="12700">
-              <a:lnSpc>
-                <a:spcPct val="100000"/>
-              </a:lnSpc>
-            </a:pPr>
-            <a:endParaRPr lang="en-GB" b="1" cap="all" spc="200" dirty="0" smtClean="0">
-              <a:solidFill>
-                <a:schemeClr val="accent1">
-                  <a:lumMod val="75000"/>
-                </a:schemeClr>
-              </a:solidFill>
-              <a:latin typeface="Arial"/>
-              <a:cs typeface="Arial"/>
-            </a:endParaRPr>
-          </a:p>
-          <a:p>
-            <a:pPr marL="12700">
-              <a:lnSpc>
-                <a:spcPct val="100000"/>
-              </a:lnSpc>
-            </a:pPr>
-            <a:r>
-              <a:rPr lang="en-GB" b="1" cap="all" spc="200" dirty="0" smtClean="0">
-                <a:solidFill>
-                  <a:schemeClr val="accent1">
-                    <a:lumMod val="75000"/>
-                  </a:schemeClr>
-                </a:solidFill>
-                <a:latin typeface="Arial"/>
-                <a:cs typeface="Arial"/>
-              </a:rPr>
-              <a:t>Drag listener</a:t>
-            </a:r>
-            <a:endParaRPr lang="da-DK" b="1" cap="all" spc="200" dirty="0" smtClean="0">
-              <a:solidFill>
-                <a:schemeClr val="accent1">
-                  <a:lumMod val="75000"/>
-                </a:schemeClr>
-              </a:solidFill>
-              <a:latin typeface="Arial"/>
-              <a:cs typeface="Arial"/>
-            </a:endParaRPr>
-          </a:p>
-        </p:txBody>
-      </p:sp>
-      <p:sp>
-        <p:nvSpPr>
-          <p:cNvPr id="8" name="object 4"/>
-          <p:cNvSpPr txBox="1">
-            <a:spLocks noGrp="1"/>
-          </p:cNvSpPr>
-          <p:nvPr>
-            <p:ph type="ftr" sz="quarter" idx="4294967295"/>
-          </p:nvPr>
-        </p:nvSpPr>
-        <p:spPr>
-          <a:xfrm>
-            <a:off x="2540146" y="5952019"/>
-            <a:ext cx="4343400" cy="143981"/>
-          </a:xfrm>
-          <a:prstGeom prst="rect">
-            <a:avLst/>
-          </a:prstGeom>
-        </p:spPr>
-        <p:txBody>
-          <a:bodyPr vert="horz" wrap="square" lIns="0" tIns="0" rIns="0" bIns="0" rtlCol="0">
-            <a:noAutofit/>
-          </a:bodyPr>
-          <a:lstStyle/>
-          <a:p>
-            <a:pPr marL="12700">
-              <a:lnSpc>
-                <a:spcPct val="100000"/>
-              </a:lnSpc>
-            </a:pPr>
-            <a:fld id="{9561DEC8-19EE-4A79-9D71-66FF6B3E3434}" type="slidenum">
-              <a:rPr lang="da-DK" sz="850" b="1" kern="0" cap="all" spc="200" smtClean="0">
-                <a:solidFill>
-                  <a:schemeClr val="tx1">
-                    <a:lumMod val="50000"/>
-                    <a:lumOff val="50000"/>
-                  </a:schemeClr>
-                </a:solidFill>
-                <a:latin typeface="Arial"/>
-                <a:cs typeface="Arial"/>
-              </a:rPr>
-              <a:pPr marL="12700">
-                <a:lnSpc>
-                  <a:spcPct val="100000"/>
-                </a:lnSpc>
-              </a:pPr>
-              <a:t>22</a:t>
-            </a:fld>
-            <a:r>
-              <a:rPr lang="da-DK" sz="850" b="1" kern="0" cap="all" spc="200" dirty="0" smtClean="0">
-                <a:solidFill>
-                  <a:schemeClr val="tx1">
-                    <a:lumMod val="50000"/>
-                    <a:lumOff val="50000"/>
-                  </a:schemeClr>
-                </a:solidFill>
-                <a:latin typeface="Arial"/>
-                <a:cs typeface="Arial"/>
-              </a:rPr>
-              <a:t> </a:t>
-            </a:r>
-            <a:r>
-              <a:rPr sz="850" b="1" kern="0" cap="all" spc="200" dirty="0" smtClean="0">
-                <a:solidFill>
-                  <a:schemeClr val="tx1">
-                    <a:lumMod val="50000"/>
-                    <a:lumOff val="50000"/>
-                  </a:schemeClr>
-                </a:solidFill>
-                <a:latin typeface="Arial"/>
-                <a:cs typeface="Arial"/>
-              </a:rPr>
-              <a:t>OF</a:t>
-            </a:r>
-            <a:r>
-              <a:rPr lang="da-DK" sz="850" b="1" kern="0" cap="all" spc="200" dirty="0" smtClean="0">
-                <a:solidFill>
-                  <a:schemeClr val="tx1">
-                    <a:lumMod val="50000"/>
-                    <a:lumOff val="50000"/>
-                  </a:schemeClr>
-                </a:solidFill>
-                <a:latin typeface="Arial"/>
-                <a:cs typeface="Arial"/>
-              </a:rPr>
-              <a:t> </a:t>
-            </a:r>
-            <a:r>
-              <a:rPr lang="da-DK" sz="850" b="1" kern="0" cap="all" spc="200" dirty="0">
-                <a:solidFill>
-                  <a:schemeClr val="tx1">
-                    <a:lumMod val="50000"/>
-                    <a:lumOff val="50000"/>
-                  </a:schemeClr>
-                </a:solidFill>
-                <a:latin typeface="Arial"/>
-                <a:cs typeface="Arial"/>
-              </a:rPr>
-              <a:t>24  | </a:t>
-            </a:r>
-            <a:r>
-              <a:rPr lang="da-DK" sz="850" b="1" kern="0" spc="200" dirty="0" smtClean="0">
-                <a:solidFill>
-                  <a:schemeClr val="tx1">
-                    <a:lumMod val="50000"/>
-                    <a:lumOff val="50000"/>
-                  </a:schemeClr>
-                </a:solidFill>
-                <a:latin typeface="Arial"/>
-                <a:cs typeface="Arial"/>
-              </a:rPr>
-              <a:t>26.06.2013</a:t>
-            </a:r>
-            <a:endParaRPr sz="850" kern="0" cap="all" spc="200" dirty="0">
-              <a:solidFill>
-                <a:schemeClr val="tx1">
-                  <a:lumMod val="50000"/>
-                  <a:lumOff val="50000"/>
-                </a:schemeClr>
-              </a:solidFill>
-              <a:latin typeface="Arial"/>
-              <a:cs typeface="Arial"/>
-            </a:endParaRPr>
-          </a:p>
-        </p:txBody>
-      </p:sp>
-      <p:sp>
-        <p:nvSpPr>
-          <p:cNvPr id="9" name="object 7"/>
-          <p:cNvSpPr txBox="1"/>
-          <p:nvPr/>
-        </p:nvSpPr>
-        <p:spPr>
-          <a:xfrm>
-            <a:off x="2743200" y="6137888"/>
-            <a:ext cx="3682706" cy="294005"/>
-          </a:xfrm>
-          <a:prstGeom prst="rect">
-            <a:avLst/>
-          </a:prstGeom>
-        </p:spPr>
-        <p:txBody>
-          <a:bodyPr vert="horz" wrap="square" lIns="0" tIns="0" rIns="0" bIns="0" rtlCol="0">
-            <a:noAutofit/>
-          </a:bodyPr>
-          <a:lstStyle/>
-          <a:p>
-            <a:pPr algn="ctr">
-              <a:lnSpc>
-                <a:spcPct val="100000"/>
-              </a:lnSpc>
-            </a:pPr>
-            <a:r>
-              <a:rPr lang="da-DK" sz="850" b="1" kern="0" cap="all" spc="200" dirty="0" smtClean="0">
-                <a:solidFill>
-                  <a:schemeClr val="tx1">
-                    <a:lumMod val="50000"/>
-                    <a:lumOff val="50000"/>
-                  </a:schemeClr>
-                </a:solidFill>
-                <a:latin typeface="Arial"/>
-                <a:cs typeface="Arial"/>
-              </a:rPr>
-              <a:t>Department of computer science</a:t>
-            </a:r>
-            <a:endParaRPr sz="850" b="1" kern="0" cap="all" spc="200" dirty="0" smtClean="0">
-              <a:solidFill>
-                <a:schemeClr val="tx1">
-                  <a:lumMod val="50000"/>
-                  <a:lumOff val="50000"/>
-                </a:schemeClr>
-              </a:solidFill>
-              <a:latin typeface="Arial"/>
-              <a:cs typeface="Arial"/>
-            </a:endParaRPr>
-          </a:p>
-          <a:p>
-            <a:pPr marR="20320" algn="ctr">
-              <a:lnSpc>
-                <a:spcPct val="100000"/>
-              </a:lnSpc>
-              <a:spcBef>
-                <a:spcPts val="180"/>
-              </a:spcBef>
-            </a:pPr>
-            <a:r>
-              <a:rPr sz="850" kern="0" cap="all" spc="200" dirty="0" smtClean="0">
-                <a:solidFill>
-                  <a:schemeClr val="tx1">
-                    <a:lumMod val="50000"/>
-                    <a:lumOff val="50000"/>
-                  </a:schemeClr>
-                </a:solidFill>
-                <a:latin typeface="Arial"/>
-                <a:cs typeface="Arial"/>
-              </a:rPr>
-              <a:t>AALBORG</a:t>
-            </a:r>
-            <a:r>
-              <a:rPr lang="da-DK" sz="850" kern="0" cap="all" spc="200" dirty="0" smtClean="0">
-                <a:solidFill>
-                  <a:schemeClr val="tx1">
-                    <a:lumMod val="50000"/>
-                    <a:lumOff val="50000"/>
-                  </a:schemeClr>
-                </a:solidFill>
-                <a:latin typeface="Arial"/>
-                <a:cs typeface="Arial"/>
-              </a:rPr>
-              <a:t> UNIVERSITy</a:t>
-            </a:r>
-            <a:endParaRPr sz="850" kern="0" cap="all" spc="200" dirty="0">
-              <a:solidFill>
-                <a:schemeClr val="tx1">
-                  <a:lumMod val="50000"/>
-                  <a:lumOff val="50000"/>
-                </a:schemeClr>
-              </a:solidFill>
-              <a:latin typeface="Arial"/>
-              <a:cs typeface="Arial"/>
-            </a:endParaRPr>
-          </a:p>
-        </p:txBody>
-      </p:sp>
       <p:pic>
         <p:nvPicPr>
-          <p:cNvPr id="2050" name="Picture 2" descr="C:\Local git workspace\sw606f13\report\img\layoutexample.png"/>
+          <p:cNvPr id="10" name="Billede 9"/>
           <p:cNvPicPr>
-            <a:picLocks noChangeAspect="1" noChangeArrowheads="1"/>
+            <a:picLocks noChangeAspect="1"/>
           </p:cNvPicPr>
           <p:nvPr/>
         </p:nvPicPr>
         <p:blipFill>
-          <a:blip r:embed="rId2" cstate="print"/>
-          <a:srcRect/>
+          <a:blip r:embed="rId2" cstate="print">
+            <a:extLst>
+              <a:ext uri="{28A0092B-C50C-407E-A947-70E740481C1C}">
+                <a14:useLocalDpi xmlns="" xmlns:a14="http://schemas.microsoft.com/office/drawing/2010/main" val="0"/>
+              </a:ext>
+            </a:extLst>
+          </a:blip>
           <a:stretch>
             <a:fillRect/>
           </a:stretch>
         </p:blipFill>
-        <p:spPr bwMode="auto">
-          <a:xfrm>
-            <a:off x="4788024" y="2552745"/>
-            <a:ext cx="4059188" cy="1641732"/>
+        <p:spPr>
+          <a:xfrm>
+            <a:off x="3824699" y="5576322"/>
+            <a:ext cx="1543270" cy="1009770"/>
           </a:xfrm>
           <a:prstGeom prst="rect">
             <a:avLst/>
           </a:prstGeom>
-          <a:noFill/>
         </p:spPr>
       </p:pic>
+      <p:sp>
+        <p:nvSpPr>
+          <p:cNvPr id="4" name="Rektangel 3"/>
+          <p:cNvSpPr/>
+          <p:nvPr/>
+        </p:nvSpPr>
+        <p:spPr>
+          <a:xfrm>
+            <a:off x="2286000" y="3516166"/>
+            <a:ext cx="4572000" cy="276999"/>
+          </a:xfrm>
+          <a:prstGeom prst="rect">
+            <a:avLst/>
+          </a:prstGeom>
+        </p:spPr>
+        <p:txBody>
+          <a:bodyPr>
+            <a:spAutoFit/>
+          </a:bodyPr>
+          <a:lstStyle/>
+          <a:p>
+            <a:pPr marR="28575" algn="ctr">
+              <a:lnSpc>
+                <a:spcPct val="100000"/>
+              </a:lnSpc>
+            </a:pPr>
+            <a:r>
+              <a:rPr lang="en-US" sz="1200" kern="0" cap="all" spc="200" dirty="0" smtClean="0">
+                <a:solidFill>
+                  <a:schemeClr val="tx2">
+                    <a:lumMod val="50000"/>
+                  </a:schemeClr>
+                </a:solidFill>
+                <a:latin typeface="Arial"/>
+                <a:cs typeface="Arial"/>
+              </a:rPr>
+              <a:t>Jacob </a:t>
+            </a:r>
+            <a:r>
+              <a:rPr lang="en-US" sz="1200" kern="0" cap="all" spc="200" dirty="0" err="1" smtClean="0">
+                <a:solidFill>
+                  <a:schemeClr val="tx2">
+                    <a:lumMod val="50000"/>
+                  </a:schemeClr>
+                </a:solidFill>
+                <a:latin typeface="Arial"/>
+                <a:cs typeface="Arial"/>
+              </a:rPr>
+              <a:t>Karstensen</a:t>
+            </a:r>
+            <a:r>
+              <a:rPr lang="en-US" sz="1200" kern="0" cap="all" spc="200" dirty="0" smtClean="0">
+                <a:solidFill>
+                  <a:schemeClr val="tx2">
+                    <a:lumMod val="50000"/>
+                  </a:schemeClr>
+                </a:solidFill>
+                <a:latin typeface="Arial"/>
+                <a:cs typeface="Arial"/>
+              </a:rPr>
+              <a:t> Wortmann</a:t>
+            </a:r>
+            <a:endParaRPr lang="en-US" sz="1200" kern="0" cap="all" spc="200" dirty="0">
+              <a:solidFill>
+                <a:schemeClr val="tx2">
+                  <a:lumMod val="50000"/>
+                </a:schemeClr>
+              </a:solidFill>
+              <a:latin typeface="Arial"/>
+              <a:cs typeface="Arial"/>
+            </a:endParaRPr>
+          </a:p>
+        </p:txBody>
+      </p:sp>
     </p:spTree>
     <p:extLst>
       <p:ext uri="{BB962C8B-B14F-4D97-AF65-F5344CB8AC3E}">
-        <p14:creationId xmlns:p14="http://schemas.microsoft.com/office/powerpoint/2010/main" xmlns="" val="585023994"/>
+        <p14:creationId xmlns="" xmlns:p14="http://schemas.microsoft.com/office/powerpoint/2010/main" val="3425622471"/>
       </p:ext>
     </p:extLst>
   </p:cSld>
@@ -9967,7 +9939,7 @@
     <a:masterClrMapping/>
   </p:clrMapOvr>
   <mc:AlternateContent xmlns:mc="http://schemas.openxmlformats.org/markup-compatibility/2006">
-    <mc:Choice xmlns:p14="http://schemas.microsoft.com/office/powerpoint/2010/main" xmlns="" Requires="p14">
+    <mc:Choice xmlns="" xmlns:p14="http://schemas.microsoft.com/office/powerpoint/2010/main" Requires="p14">
       <p:transition p14:dur="250">
         <p:fade/>
       </p:transition>
@@ -10046,7 +10018,7 @@
                 <a:latin typeface="Arial"/>
                 <a:cs typeface="Arial"/>
               </a:rPr>
-              <a:t>Drag events</a:t>
+              <a:t>Drag and drop</a:t>
             </a:r>
             <a:endParaRPr sz="2400" kern="0" cap="all" spc="200" dirty="0">
               <a:solidFill>
@@ -10096,7 +10068,7 @@
                 <a:latin typeface="Arial"/>
                 <a:cs typeface="Arial"/>
               </a:rPr>
-              <a:t>Events</a:t>
+              <a:t>Touch listener</a:t>
             </a:r>
           </a:p>
           <a:p>
@@ -10105,8 +10077,24 @@
                 <a:spcPct val="100000"/>
               </a:lnSpc>
             </a:pPr>
-            <a:r>
-              <a:rPr lang="en-GB" sz="1400" spc="200" dirty="0" smtClean="0">
+            <a:endParaRPr lang="en-GB" b="1" cap="all" spc="200" dirty="0" smtClean="0">
+              <a:solidFill>
+                <a:schemeClr val="accent1">
+                  <a:lumMod val="75000"/>
+                </a:schemeClr>
+              </a:solidFill>
+              <a:latin typeface="Arial"/>
+              <a:cs typeface="Arial"/>
+            </a:endParaRPr>
+          </a:p>
+          <a:p>
+            <a:pPr marL="12700">
+              <a:lnSpc>
+                <a:spcPct val="100000"/>
+              </a:lnSpc>
+            </a:pPr>
+            <a:r>
+              <a:rPr lang="en-GB" b="1" cap="all" spc="200" dirty="0" smtClean="0">
                 <a:solidFill>
                   <a:schemeClr val="accent1">
                     <a:lumMod val="75000"/>
@@ -10115,54 +10103,9 @@
                 <a:latin typeface="Arial"/>
                 <a:cs typeface="Arial"/>
               </a:rPr>
-              <a:t>ACTION_DRAG_START</a:t>
-            </a:r>
-          </a:p>
-          <a:p>
-            <a:pPr marL="12700">
-              <a:lnSpc>
-                <a:spcPct val="100000"/>
-              </a:lnSpc>
-            </a:pPr>
-            <a:r>
-              <a:rPr lang="en-GB" sz="1400" spc="200" dirty="0" smtClean="0">
-                <a:solidFill>
-                  <a:schemeClr val="accent1">
-                    <a:lumMod val="75000"/>
-                  </a:schemeClr>
-                </a:solidFill>
-                <a:latin typeface="Arial"/>
-                <a:cs typeface="Arial"/>
-              </a:rPr>
-              <a:t>ACTION_DROP</a:t>
-            </a:r>
-          </a:p>
-          <a:p>
-            <a:pPr marL="12700">
-              <a:lnSpc>
-                <a:spcPct val="100000"/>
-              </a:lnSpc>
-            </a:pPr>
-            <a:r>
-              <a:rPr lang="en-GB" sz="1400" spc="200" dirty="0" smtClean="0">
-                <a:solidFill>
-                  <a:schemeClr val="accent1">
-                    <a:lumMod val="75000"/>
-                  </a:schemeClr>
-                </a:solidFill>
-                <a:latin typeface="Arial"/>
-                <a:cs typeface="Arial"/>
-              </a:rPr>
-              <a:t>ACTION_DRAG_ENDED</a:t>
-            </a:r>
-          </a:p>
-          <a:p>
-            <a:pPr marL="12700">
-              <a:lnSpc>
-                <a:spcPct val="100000"/>
-              </a:lnSpc>
-            </a:pPr>
-            <a:endParaRPr lang="da-DK" sz="1200" spc="200" dirty="0" smtClean="0">
+              <a:t>Drag listener</a:t>
+            </a:r>
+            <a:endParaRPr lang="da-DK" b="1" cap="all" spc="200" dirty="0" smtClean="0">
               <a:solidFill>
                 <a:schemeClr val="accent1">
                   <a:lumMod val="75000"/>
@@ -10398,10 +10341,36 @@
           </a:p>
         </p:txBody>
       </p:sp>
+      <p:pic>
+        <p:nvPicPr>
+          <p:cNvPr id="2050" name="Picture 2" descr="C:\Local git workspace\sw606f13\report\img\layoutexample.png"/>
+          <p:cNvPicPr>
+            <a:picLocks noChangeAspect="1" noChangeArrowheads="1"/>
+          </p:cNvPicPr>
+          <p:nvPr/>
+        </p:nvPicPr>
+        <p:blipFill>
+          <a:blip r:embed="rId2" cstate="print"/>
+          <a:srcRect/>
+          <a:stretch>
+            <a:fillRect/>
+          </a:stretch>
+        </p:blipFill>
+        <p:spPr bwMode="auto">
+          <a:xfrm>
+            <a:off x="4788024" y="2552745"/>
+            <a:ext cx="4059188" cy="1641732"/>
+          </a:xfrm>
+          <a:prstGeom prst="rect">
+            <a:avLst/>
+          </a:prstGeom>
+          <a:noFill/>
+        </p:spPr>
+      </p:pic>
     </p:spTree>
     <p:extLst>
       <p:ext uri="{BB962C8B-B14F-4D97-AF65-F5344CB8AC3E}">
-        <p14:creationId xmlns:p14="http://schemas.microsoft.com/office/powerpoint/2010/main" xmlns="" val="585023994"/>
+        <p14:creationId xmlns="" xmlns:p14="http://schemas.microsoft.com/office/powerpoint/2010/main" val="585023994"/>
       </p:ext>
     </p:extLst>
   </p:cSld>
@@ -10409,7 +10378,7 @@
     <a:masterClrMapping/>
   </p:clrMapOvr>
   <mc:AlternateContent xmlns:mc="http://schemas.openxmlformats.org/markup-compatibility/2006">
-    <mc:Choice xmlns:p14="http://schemas.microsoft.com/office/powerpoint/2010/main" xmlns="" Requires="p14">
+    <mc:Choice xmlns="" xmlns:p14="http://schemas.microsoft.com/office/powerpoint/2010/main" Requires="p14">
       <p:transition p14:dur="250">
         <p:fade/>
       </p:transition>
@@ -10488,19 +10457,7 @@
                 <a:latin typeface="Arial"/>
                 <a:cs typeface="Arial"/>
               </a:rPr>
-              <a:t>Game </a:t>
-            </a:r>
-            <a:r>
-              <a:rPr lang="en-GB" sz="2400" kern="0" cap="all" spc="200" dirty="0" err="1" smtClean="0">
-                <a:solidFill>
-                  <a:schemeClr val="tx2">
-                    <a:lumMod val="50000"/>
-                  </a:schemeClr>
-                </a:solidFill>
-                <a:latin typeface="Arial"/>
-                <a:cs typeface="Arial"/>
-              </a:rPr>
-              <a:t>Drawables</a:t>
+              <a:t>Drag events</a:t>
             </a:r>
             <a:endParaRPr sz="2400" kern="0" cap="all" spc="200" dirty="0">
               <a:solidFill>
@@ -10550,7 +10507,7 @@
                 <a:latin typeface="Arial"/>
                 <a:cs typeface="Arial"/>
               </a:rPr>
-              <a:t>Trains and wagons</a:t>
+              <a:t>Events</a:t>
             </a:r>
           </a:p>
           <a:p>
@@ -10560,7 +10517,7 @@
               </a:lnSpc>
             </a:pPr>
             <a:r>
-              <a:rPr lang="en-GB" sz="1400" cap="all" spc="200" dirty="0" smtClean="0">
+              <a:rPr lang="en-GB" sz="1400" spc="200" dirty="0" smtClean="0">
                 <a:solidFill>
                   <a:schemeClr val="accent1">
                     <a:lumMod val="75000"/>
@@ -10569,7 +10526,7 @@
                 <a:latin typeface="Arial"/>
                 <a:cs typeface="Arial"/>
               </a:rPr>
-              <a:t>Wheels</a:t>
+              <a:t>ACTION_DRAG_START</a:t>
             </a:r>
           </a:p>
           <a:p>
@@ -10579,7 +10536,7 @@
               </a:lnSpc>
             </a:pPr>
             <a:r>
-              <a:rPr lang="en-GB" sz="1400" cap="all" spc="200" dirty="0" smtClean="0">
+              <a:rPr lang="en-GB" sz="1400" spc="200" dirty="0" smtClean="0">
                 <a:solidFill>
                   <a:schemeClr val="accent1">
                     <a:lumMod val="75000"/>
@@ -10588,7 +10545,7 @@
                 <a:latin typeface="Arial"/>
                 <a:cs typeface="Arial"/>
               </a:rPr>
-              <a:t>Train Smoke</a:t>
+              <a:t>ACTION_DROP</a:t>
             </a:r>
           </a:p>
           <a:p>
@@ -10597,7 +10554,26 @@
                 <a:spcPct val="100000"/>
               </a:lnSpc>
             </a:pPr>
-            <a:endParaRPr lang="en-GB" sz="1600" b="1" cap="all" spc="200" dirty="0" smtClean="0">
+            <a:r>
+              <a:rPr lang="en-GB" sz="1400" spc="200" dirty="0" smtClean="0">
+                <a:solidFill>
+                  <a:schemeClr val="accent1">
+                    <a:lumMod val="75000"/>
+                  </a:schemeClr>
+                </a:solidFill>
+                <a:latin typeface="Arial"/>
+                <a:cs typeface="Arial"/>
+              </a:rPr>
+              <a:t>ACTION_DRAG_ENDED</a:t>
+            </a:r>
+          </a:p>
+          <a:p>
+            <a:pPr marL="12700">
+              <a:lnSpc>
+                <a:spcPct val="100000"/>
+              </a:lnSpc>
+            </a:pPr>
+            <a:endParaRPr lang="da-DK" sz="1200" spc="200" dirty="0" smtClean="0">
               <a:solidFill>
                 <a:schemeClr val="accent1">
                   <a:lumMod val="75000"/>
@@ -10606,155 +10582,6 @@
               <a:latin typeface="Arial"/>
               <a:cs typeface="Arial"/>
             </a:endParaRPr>
-          </a:p>
-          <a:p>
-            <a:pPr marL="12700">
-              <a:lnSpc>
-                <a:spcPct val="100000"/>
-              </a:lnSpc>
-            </a:pPr>
-            <a:r>
-              <a:rPr lang="en-GB" b="1" cap="all" spc="200" dirty="0" smtClean="0">
-                <a:solidFill>
-                  <a:schemeClr val="accent1">
-                    <a:lumMod val="75000"/>
-                  </a:schemeClr>
-                </a:solidFill>
-                <a:latin typeface="Arial"/>
-                <a:cs typeface="Arial"/>
-              </a:rPr>
-              <a:t>Station</a:t>
-            </a:r>
-          </a:p>
-          <a:p>
-            <a:pPr marL="12700">
-              <a:lnSpc>
-                <a:spcPct val="100000"/>
-              </a:lnSpc>
-            </a:pPr>
-            <a:r>
-              <a:rPr lang="en-GB" sz="1400" cap="all" spc="200" dirty="0" smtClean="0">
-                <a:solidFill>
-                  <a:schemeClr val="accent1">
-                    <a:lumMod val="75000"/>
-                  </a:schemeClr>
-                </a:solidFill>
-                <a:latin typeface="Arial"/>
-                <a:cs typeface="Arial"/>
-              </a:rPr>
-              <a:t>Random sequence</a:t>
-            </a:r>
-          </a:p>
-          <a:p>
-            <a:pPr marL="12700">
-              <a:lnSpc>
-                <a:spcPct val="100000"/>
-              </a:lnSpc>
-            </a:pPr>
-            <a:endParaRPr lang="en-GB" sz="1600" b="1" cap="all" spc="200" dirty="0" smtClean="0">
-              <a:solidFill>
-                <a:schemeClr val="accent1">
-                  <a:lumMod val="75000"/>
-                </a:schemeClr>
-              </a:solidFill>
-              <a:latin typeface="Arial"/>
-              <a:cs typeface="Arial"/>
-            </a:endParaRPr>
-          </a:p>
-          <a:p>
-            <a:pPr marL="12700">
-              <a:lnSpc>
-                <a:spcPct val="100000"/>
-              </a:lnSpc>
-            </a:pPr>
-            <a:r>
-              <a:rPr lang="en-GB" b="1" cap="all" spc="200" dirty="0" smtClean="0">
-                <a:solidFill>
-                  <a:schemeClr val="accent1">
-                    <a:lumMod val="75000"/>
-                  </a:schemeClr>
-                </a:solidFill>
-                <a:latin typeface="Arial"/>
-                <a:cs typeface="Arial"/>
-              </a:rPr>
-              <a:t>Game Background</a:t>
-            </a:r>
-          </a:p>
-          <a:p>
-            <a:pPr marL="12700">
-              <a:lnSpc>
-                <a:spcPct val="100000"/>
-              </a:lnSpc>
-            </a:pPr>
-            <a:r>
-              <a:rPr lang="en-GB" sz="1400" cap="all" spc="200" dirty="0" smtClean="0">
-                <a:solidFill>
-                  <a:schemeClr val="accent1">
-                    <a:lumMod val="75000"/>
-                  </a:schemeClr>
-                </a:solidFill>
-                <a:latin typeface="Arial"/>
-                <a:cs typeface="Arial"/>
-              </a:rPr>
-              <a:t>Hills</a:t>
-            </a:r>
-          </a:p>
-          <a:p>
-            <a:pPr marL="12700">
-              <a:lnSpc>
-                <a:spcPct val="100000"/>
-              </a:lnSpc>
-            </a:pPr>
-            <a:r>
-              <a:rPr lang="en-GB" sz="1400" cap="all" spc="200" dirty="0" smtClean="0">
-                <a:solidFill>
-                  <a:schemeClr val="accent1">
-                    <a:lumMod val="75000"/>
-                  </a:schemeClr>
-                </a:solidFill>
-                <a:latin typeface="Arial"/>
-                <a:cs typeface="Arial"/>
-              </a:rPr>
-              <a:t>Trees</a:t>
-            </a:r>
-          </a:p>
-          <a:p>
-            <a:pPr marL="12700">
-              <a:lnSpc>
-                <a:spcPct val="100000"/>
-              </a:lnSpc>
-            </a:pPr>
-            <a:r>
-              <a:rPr lang="en-GB" sz="1400" cap="all" spc="200" dirty="0" smtClean="0">
-                <a:solidFill>
-                  <a:schemeClr val="accent1">
-                    <a:lumMod val="75000"/>
-                  </a:schemeClr>
-                </a:solidFill>
-                <a:latin typeface="Arial"/>
-                <a:cs typeface="Arial"/>
-              </a:rPr>
-              <a:t>Cows</a:t>
-            </a:r>
-          </a:p>
-          <a:p>
-            <a:pPr marL="12700">
-              <a:lnSpc>
-                <a:spcPct val="100000"/>
-              </a:lnSpc>
-            </a:pPr>
-            <a:r>
-              <a:rPr lang="en-GB" sz="1400" cap="all" spc="200" dirty="0" smtClean="0">
-                <a:solidFill>
-                  <a:schemeClr val="accent1">
-                    <a:lumMod val="75000"/>
-                  </a:schemeClr>
-                </a:solidFill>
-                <a:latin typeface="Arial"/>
-                <a:cs typeface="Arial"/>
-              </a:rPr>
-              <a:t>Clouds</a:t>
-            </a:r>
           </a:p>
         </p:txBody>
       </p:sp>
@@ -10985,7 +10812,7 @@
     </p:spTree>
     <p:extLst>
       <p:ext uri="{BB962C8B-B14F-4D97-AF65-F5344CB8AC3E}">
-        <p14:creationId xmlns:p14="http://schemas.microsoft.com/office/powerpoint/2010/main" xmlns="" val="585023994"/>
+        <p14:creationId xmlns="" xmlns:p14="http://schemas.microsoft.com/office/powerpoint/2010/main" val="585023994"/>
       </p:ext>
     </p:extLst>
   </p:cSld>
@@ -10993,7 +10820,7 @@
     <a:masterClrMapping/>
   </p:clrMapOvr>
   <mc:AlternateContent xmlns:mc="http://schemas.openxmlformats.org/markup-compatibility/2006">
-    <mc:Choice xmlns:p14="http://schemas.microsoft.com/office/powerpoint/2010/main" xmlns="" Requires="p14">
+    <mc:Choice xmlns="" xmlns:p14="http://schemas.microsoft.com/office/powerpoint/2010/main" Requires="p14">
       <p:transition p14:dur="250">
         <p:fade/>
       </p:transition>
@@ -11034,17 +10861,328 @@
       <p:sp>
         <p:nvSpPr>
           <p:cNvPr id="2" name="object 2"/>
+          <p:cNvSpPr txBox="1"/>
+          <p:nvPr/>
+        </p:nvSpPr>
+        <p:spPr>
+          <a:xfrm>
+            <a:off x="626300" y="562800"/>
+            <a:ext cx="6231700" cy="368935"/>
+          </a:xfrm>
+          <a:prstGeom prst="rect">
+            <a:avLst/>
+          </a:prstGeom>
+        </p:spPr>
+        <p:txBody>
+          <a:bodyPr vert="horz" wrap="square" lIns="0" tIns="0" rIns="0" bIns="0" rtlCol="0">
+            <a:noAutofit/>
+          </a:bodyPr>
+          <a:lstStyle/>
+          <a:p>
+            <a:pPr marL="12700">
+              <a:lnSpc>
+                <a:spcPct val="100000"/>
+              </a:lnSpc>
+              <a:tabLst>
+                <a:tab pos="1641475" algn="l"/>
+                <a:tab pos="2152650" algn="l"/>
+                <a:tab pos="3412490" algn="l"/>
+              </a:tabLst>
+            </a:pPr>
+            <a:r>
+              <a:rPr lang="en-GB" sz="2400" kern="0" cap="all" spc="200" dirty="0" smtClean="0">
+                <a:solidFill>
+                  <a:schemeClr val="tx2">
+                    <a:lumMod val="50000"/>
+                  </a:schemeClr>
+                </a:solidFill>
+                <a:latin typeface="Arial"/>
+                <a:cs typeface="Arial"/>
+              </a:rPr>
+              <a:t>Game </a:t>
+            </a:r>
+            <a:r>
+              <a:rPr lang="en-GB" sz="2400" kern="0" cap="all" spc="200" dirty="0" err="1" smtClean="0">
+                <a:solidFill>
+                  <a:schemeClr val="tx2">
+                    <a:lumMod val="50000"/>
+                  </a:schemeClr>
+                </a:solidFill>
+                <a:latin typeface="Arial"/>
+                <a:cs typeface="Arial"/>
+              </a:rPr>
+              <a:t>Drawables</a:t>
+            </a:r>
+            <a:endParaRPr sz="2400" kern="0" cap="all" spc="200" dirty="0">
+              <a:solidFill>
+                <a:schemeClr val="tx2">
+                  <a:lumMod val="50000"/>
+                </a:schemeClr>
+              </a:solidFill>
+              <a:latin typeface="Arial"/>
+              <a:cs typeface="Arial"/>
+            </a:endParaRPr>
+          </a:p>
+        </p:txBody>
+      </p:sp>
+      <p:sp>
+        <p:nvSpPr>
+          <p:cNvPr id="3" name="object 3"/>
+          <p:cNvSpPr txBox="1"/>
+          <p:nvPr/>
+        </p:nvSpPr>
+        <p:spPr>
+          <a:xfrm>
+            <a:off x="626300" y="1155199"/>
+            <a:ext cx="5283200" cy="4074001"/>
+          </a:xfrm>
+          <a:prstGeom prst="rect">
+            <a:avLst/>
+          </a:prstGeom>
+        </p:spPr>
+        <p:txBody>
+          <a:bodyPr vert="horz" wrap="square" lIns="0" tIns="0" rIns="0" bIns="0" rtlCol="0">
+            <a:noAutofit/>
+          </a:bodyPr>
+          <a:lstStyle/>
+          <a:p>
+            <a:pPr marL="12700">
+              <a:lnSpc>
+                <a:spcPct val="100000"/>
+              </a:lnSpc>
+            </a:pPr>
+            <a:r>
+              <a:rPr lang="en-GB" b="1" cap="all" spc="200" dirty="0" smtClean="0">
+                <a:solidFill>
+                  <a:schemeClr val="accent1">
+                    <a:lumMod val="75000"/>
+                  </a:schemeClr>
+                </a:solidFill>
+                <a:latin typeface="Arial"/>
+                <a:cs typeface="Arial"/>
+              </a:rPr>
+              <a:t>Trains and wagons</a:t>
+            </a:r>
+          </a:p>
+          <a:p>
+            <a:pPr marL="12700">
+              <a:lnSpc>
+                <a:spcPct val="100000"/>
+              </a:lnSpc>
+            </a:pPr>
+            <a:r>
+              <a:rPr lang="en-GB" sz="1400" cap="all" spc="200" dirty="0" smtClean="0">
+                <a:solidFill>
+                  <a:schemeClr val="accent1">
+                    <a:lumMod val="75000"/>
+                  </a:schemeClr>
+                </a:solidFill>
+                <a:latin typeface="Arial"/>
+                <a:cs typeface="Arial"/>
+              </a:rPr>
+              <a:t>Wheels</a:t>
+            </a:r>
+          </a:p>
+          <a:p>
+            <a:pPr marL="12700">
+              <a:lnSpc>
+                <a:spcPct val="100000"/>
+              </a:lnSpc>
+            </a:pPr>
+            <a:r>
+              <a:rPr lang="en-GB" sz="1400" cap="all" spc="200" dirty="0" smtClean="0">
+                <a:solidFill>
+                  <a:schemeClr val="accent1">
+                    <a:lumMod val="75000"/>
+                  </a:schemeClr>
+                </a:solidFill>
+                <a:latin typeface="Arial"/>
+                <a:cs typeface="Arial"/>
+              </a:rPr>
+              <a:t>Train Smoke</a:t>
+            </a:r>
+          </a:p>
+          <a:p>
+            <a:pPr marL="12700">
+              <a:lnSpc>
+                <a:spcPct val="100000"/>
+              </a:lnSpc>
+            </a:pPr>
+            <a:endParaRPr lang="en-GB" sz="1600" b="1" cap="all" spc="200" dirty="0" smtClean="0">
+              <a:solidFill>
+                <a:schemeClr val="accent1">
+                  <a:lumMod val="75000"/>
+                </a:schemeClr>
+              </a:solidFill>
+              <a:latin typeface="Arial"/>
+              <a:cs typeface="Arial"/>
+            </a:endParaRPr>
+          </a:p>
+          <a:p>
+            <a:pPr marL="12700">
+              <a:lnSpc>
+                <a:spcPct val="100000"/>
+              </a:lnSpc>
+            </a:pPr>
+            <a:r>
+              <a:rPr lang="en-GB" b="1" cap="all" spc="200" dirty="0" smtClean="0">
+                <a:solidFill>
+                  <a:schemeClr val="accent1">
+                    <a:lumMod val="75000"/>
+                  </a:schemeClr>
+                </a:solidFill>
+                <a:latin typeface="Arial"/>
+                <a:cs typeface="Arial"/>
+              </a:rPr>
+              <a:t>Station</a:t>
+            </a:r>
+          </a:p>
+          <a:p>
+            <a:pPr marL="12700">
+              <a:lnSpc>
+                <a:spcPct val="100000"/>
+              </a:lnSpc>
+            </a:pPr>
+            <a:r>
+              <a:rPr lang="en-GB" sz="1400" cap="all" spc="200" dirty="0" smtClean="0">
+                <a:solidFill>
+                  <a:schemeClr val="accent1">
+                    <a:lumMod val="75000"/>
+                  </a:schemeClr>
+                </a:solidFill>
+                <a:latin typeface="Arial"/>
+                <a:cs typeface="Arial"/>
+              </a:rPr>
+              <a:t>Random sequence</a:t>
+            </a:r>
+          </a:p>
+          <a:p>
+            <a:pPr marL="12700">
+              <a:lnSpc>
+                <a:spcPct val="100000"/>
+              </a:lnSpc>
+            </a:pPr>
+            <a:endParaRPr lang="en-GB" sz="1600" b="1" cap="all" spc="200" dirty="0" smtClean="0">
+              <a:solidFill>
+                <a:schemeClr val="accent1">
+                  <a:lumMod val="75000"/>
+                </a:schemeClr>
+              </a:solidFill>
+              <a:latin typeface="Arial"/>
+              <a:cs typeface="Arial"/>
+            </a:endParaRPr>
+          </a:p>
+          <a:p>
+            <a:pPr marL="12700">
+              <a:lnSpc>
+                <a:spcPct val="100000"/>
+              </a:lnSpc>
+            </a:pPr>
+            <a:r>
+              <a:rPr lang="en-GB" b="1" cap="all" spc="200" dirty="0" smtClean="0">
+                <a:solidFill>
+                  <a:schemeClr val="accent1">
+                    <a:lumMod val="75000"/>
+                  </a:schemeClr>
+                </a:solidFill>
+                <a:latin typeface="Arial"/>
+                <a:cs typeface="Arial"/>
+              </a:rPr>
+              <a:t>Game Background</a:t>
+            </a:r>
+          </a:p>
+          <a:p>
+            <a:pPr marL="12700">
+              <a:lnSpc>
+                <a:spcPct val="100000"/>
+              </a:lnSpc>
+            </a:pPr>
+            <a:r>
+              <a:rPr lang="en-GB" sz="1400" cap="all" spc="200" dirty="0" smtClean="0">
+                <a:solidFill>
+                  <a:schemeClr val="accent1">
+                    <a:lumMod val="75000"/>
+                  </a:schemeClr>
+                </a:solidFill>
+                <a:latin typeface="Arial"/>
+                <a:cs typeface="Arial"/>
+              </a:rPr>
+              <a:t>Hills</a:t>
+            </a:r>
+          </a:p>
+          <a:p>
+            <a:pPr marL="12700">
+              <a:lnSpc>
+                <a:spcPct val="100000"/>
+              </a:lnSpc>
+            </a:pPr>
+            <a:r>
+              <a:rPr lang="en-GB" sz="1400" cap="all" spc="200" dirty="0" smtClean="0">
+                <a:solidFill>
+                  <a:schemeClr val="accent1">
+                    <a:lumMod val="75000"/>
+                  </a:schemeClr>
+                </a:solidFill>
+                <a:latin typeface="Arial"/>
+                <a:cs typeface="Arial"/>
+              </a:rPr>
+              <a:t>Trees</a:t>
+            </a:r>
+          </a:p>
+          <a:p>
+            <a:pPr marL="12700">
+              <a:lnSpc>
+                <a:spcPct val="100000"/>
+              </a:lnSpc>
+            </a:pPr>
+            <a:r>
+              <a:rPr lang="en-GB" sz="1400" cap="all" spc="200" dirty="0" smtClean="0">
+                <a:solidFill>
+                  <a:schemeClr val="accent1">
+                    <a:lumMod val="75000"/>
+                  </a:schemeClr>
+                </a:solidFill>
+                <a:latin typeface="Arial"/>
+                <a:cs typeface="Arial"/>
+              </a:rPr>
+              <a:t>Cows</a:t>
+            </a:r>
+          </a:p>
+          <a:p>
+            <a:pPr marL="12700">
+              <a:lnSpc>
+                <a:spcPct val="100000"/>
+              </a:lnSpc>
+            </a:pPr>
+            <a:r>
+              <a:rPr lang="en-GB" sz="1400" cap="all" spc="200" dirty="0" smtClean="0">
+                <a:solidFill>
+                  <a:schemeClr val="accent1">
+                    <a:lumMod val="75000"/>
+                  </a:schemeClr>
+                </a:solidFill>
+                <a:latin typeface="Arial"/>
+                <a:cs typeface="Arial"/>
+              </a:rPr>
+              <a:t>Clouds</a:t>
+            </a:r>
+          </a:p>
+        </p:txBody>
+      </p:sp>
+      <p:sp>
+        <p:nvSpPr>
+          <p:cNvPr id="8" name="object 4"/>
           <p:cNvSpPr txBox="1">
             <a:spLocks noGrp="1"/>
           </p:cNvSpPr>
           <p:nvPr>
-            <p:ph type="title"/>
+            <p:ph type="ftr" sz="quarter" idx="4294967295"/>
           </p:nvPr>
         </p:nvSpPr>
         <p:spPr>
           <a:xfrm>
-            <a:off x="1827956" y="2420888"/>
-            <a:ext cx="5536756" cy="1023270"/>
+            <a:off x="2540146" y="5952019"/>
+            <a:ext cx="4343400" cy="143981"/>
           </a:xfrm>
           <a:prstGeom prst="rect">
             <a:avLst/>
@@ -11056,30 +11194,99 @@
           </a:bodyPr>
           <a:lstStyle/>
           <a:p>
-            <a:pPr marR="0" algn="ctr">
-              <a:lnSpc>
-                <a:spcPts val="3960"/>
-              </a:lnSpc>
-              <a:tabLst>
-                <a:tab pos="1676400" algn="l"/>
-              </a:tabLst>
-            </a:pPr>
-            <a:r>
-              <a:rPr lang="da-DK" sz="3600" b="1" dirty="0" smtClean="0">
-                <a:solidFill>
-                  <a:schemeClr val="tx2">
-                    <a:lumMod val="50000"/>
-                  </a:schemeClr>
-                </a:solidFill>
-                <a:latin typeface="Arial"/>
-                <a:cs typeface="Arial"/>
-              </a:rPr>
-              <a:t>Conclusion</a:t>
-            </a:r>
-            <a:endParaRPr sz="3600" b="1" dirty="0">
-              <a:solidFill>
-                <a:schemeClr val="tx2">
+            <a:pPr marL="12700">
+              <a:lnSpc>
+                <a:spcPct val="100000"/>
+              </a:lnSpc>
+            </a:pPr>
+            <a:fld id="{9561DEC8-19EE-4A79-9D71-66FF6B3E3434}" type="slidenum">
+              <a:rPr lang="da-DK" sz="850" b="1" kern="0" cap="all" spc="200" smtClean="0">
+                <a:solidFill>
+                  <a:schemeClr val="tx1">
+                    <a:lumMod val="50000"/>
+                    <a:lumOff val="50000"/>
+                  </a:schemeClr>
+                </a:solidFill>
+                <a:latin typeface="Arial"/>
+                <a:cs typeface="Arial"/>
+              </a:rPr>
+              <a:pPr marL="12700">
+                <a:lnSpc>
+                  <a:spcPct val="100000"/>
+                </a:lnSpc>
+              </a:pPr>
+              <a:t>25</a:t>
+            </a:fld>
+            <a:r>
+              <a:rPr lang="da-DK" sz="850" b="1" kern="0" cap="all" spc="200" dirty="0" smtClean="0">
+                <a:solidFill>
+                  <a:schemeClr val="tx1">
+                    <a:lumMod val="50000"/>
+                    <a:lumOff val="50000"/>
+                  </a:schemeClr>
+                </a:solidFill>
+                <a:latin typeface="Arial"/>
+                <a:cs typeface="Arial"/>
+              </a:rPr>
+              <a:t> </a:t>
+            </a:r>
+            <a:r>
+              <a:rPr sz="850" b="1" kern="0" cap="all" spc="200" dirty="0" smtClean="0">
+                <a:solidFill>
+                  <a:schemeClr val="tx1">
+                    <a:lumMod val="50000"/>
+                    <a:lumOff val="50000"/>
+                  </a:schemeClr>
+                </a:solidFill>
+                <a:latin typeface="Arial"/>
+                <a:cs typeface="Arial"/>
+              </a:rPr>
+              <a:t>OF</a:t>
+            </a:r>
+            <a:r>
+              <a:rPr lang="da-DK" sz="850" b="1" kern="0" cap="all" spc="200" dirty="0" smtClean="0">
+                <a:solidFill>
+                  <a:schemeClr val="tx1">
+                    <a:lumMod val="50000"/>
+                    <a:lumOff val="50000"/>
+                  </a:schemeClr>
+                </a:solidFill>
+                <a:latin typeface="Arial"/>
+                <a:cs typeface="Arial"/>
+              </a:rPr>
+              <a:t> </a:t>
+            </a:r>
+            <a:r>
+              <a:rPr lang="da-DK" sz="850" b="1" kern="0" cap="all" spc="200" dirty="0">
+                <a:solidFill>
+                  <a:schemeClr val="tx1">
+                    <a:lumMod val="50000"/>
+                    <a:lumOff val="50000"/>
+                  </a:schemeClr>
+                </a:solidFill>
+                <a:latin typeface="Arial"/>
+                <a:cs typeface="Arial"/>
+              </a:rPr>
+              <a:t>24  | </a:t>
+            </a:r>
+            <a:r>
+              <a:rPr lang="da-DK" sz="850" b="1" kern="0" spc="200" dirty="0" smtClean="0">
+                <a:solidFill>
+                  <a:schemeClr val="tx1">
+                    <a:lumMod val="50000"/>
+                    <a:lumOff val="50000"/>
+                  </a:schemeClr>
+                </a:solidFill>
+                <a:latin typeface="Arial"/>
+                <a:cs typeface="Arial"/>
+              </a:rPr>
+              <a:t>26.06.2013</a:t>
+            </a:r>
+            <a:endParaRPr sz="850" kern="0" cap="all" spc="200" dirty="0">
+              <a:solidFill>
+                <a:schemeClr val="tx1">
                   <a:lumMod val="50000"/>
+                  <a:lumOff val="50000"/>
                 </a:schemeClr>
               </a:solidFill>
               <a:latin typeface="Arial"/>
@@ -11088,102 +11295,96 @@
           </a:p>
         </p:txBody>
       </p:sp>
-      <p:pic>
-        <p:nvPicPr>
-          <p:cNvPr id="10" name="Billede 9"/>
-          <p:cNvPicPr>
-            <a:picLocks noChangeAspect="1"/>
-          </p:cNvPicPr>
+      <p:sp>
+        <p:nvSpPr>
+          <p:cNvPr id="9" name="object 7"/>
+          <p:cNvSpPr txBox="1"/>
           <p:nvPr/>
-        </p:nvPicPr>
-        <p:blipFill>
-          <a:blip r:embed="rId2" cstate="print">
-            <a:extLst>
-              <a:ext uri="{28A0092B-C50C-407E-A947-70E740481C1C}">
-                <a14:useLocalDpi xmlns:a14="http://schemas.microsoft.com/office/drawing/2010/main" xmlns="" val="0"/>
-              </a:ext>
-            </a:extLst>
-          </a:blip>
-          <a:stretch>
-            <a:fillRect/>
-          </a:stretch>
-        </p:blipFill>
+        </p:nvSpPr>
         <p:spPr>
           <a:xfrm>
-            <a:off x="3824699" y="5576322"/>
-            <a:ext cx="1543270" cy="1009770"/>
+            <a:off x="2743200" y="6137888"/>
+            <a:ext cx="3682706" cy="294005"/>
           </a:xfrm>
           <a:prstGeom prst="rect">
             <a:avLst/>
           </a:prstGeom>
         </p:spPr>
-      </p:pic>
-      <p:sp>
-        <p:nvSpPr>
-          <p:cNvPr id="4" name="Rektangel 3"/>
-          <p:cNvSpPr/>
-          <p:nvPr/>
-        </p:nvSpPr>
-        <p:spPr>
-          <a:xfrm>
-            <a:off x="2286000" y="3516166"/>
-            <a:ext cx="4572000" cy="276999"/>
-          </a:xfrm>
-          <a:prstGeom prst="rect">
-            <a:avLst/>
-          </a:prstGeom>
-        </p:spPr>
-        <p:txBody>
-          <a:bodyPr>
-            <a:spAutoFit/>
+        <p:txBody>
+          <a:bodyPr vert="horz" wrap="square" lIns="0" tIns="0" rIns="0" bIns="0" rtlCol="0">
+            <a:noAutofit/>
           </a:bodyPr>
           <a:lstStyle/>
           <a:p>
-            <a:pPr marR="28575" algn="ctr">
-              <a:lnSpc>
-                <a:spcPct val="100000"/>
-              </a:lnSpc>
-            </a:pPr>
-            <a:r>
-              <a:rPr lang="en-US" sz="1200" kern="0" cap="all" spc="200" dirty="0" smtClean="0">
-                <a:solidFill>
-                  <a:schemeClr val="tx2">
-                    <a:lumMod val="50000"/>
-                  </a:schemeClr>
-                </a:solidFill>
-                <a:latin typeface="Arial"/>
-                <a:cs typeface="Arial"/>
-              </a:rPr>
-              <a:t>Jacob </a:t>
-            </a:r>
-            <a:r>
-              <a:rPr lang="en-US" sz="1200" kern="0" cap="all" spc="200" dirty="0" err="1" smtClean="0">
-                <a:solidFill>
-                  <a:schemeClr val="tx2">
-                    <a:lumMod val="50000"/>
-                  </a:schemeClr>
-                </a:solidFill>
-                <a:latin typeface="Arial"/>
-                <a:cs typeface="Arial"/>
-              </a:rPr>
-              <a:t>Karstensen</a:t>
-            </a:r>
-            <a:r>
-              <a:rPr lang="en-US" sz="1200" kern="0" cap="all" spc="200" dirty="0" smtClean="0">
-                <a:solidFill>
-                  <a:schemeClr val="tx2">
-                    <a:lumMod val="50000"/>
-                  </a:schemeClr>
-                </a:solidFill>
-                <a:latin typeface="Arial"/>
-                <a:cs typeface="Arial"/>
-              </a:rPr>
-              <a:t> Wortmann</a:t>
-            </a:r>
-            <a:endParaRPr lang="en-US" sz="1200" kern="0" cap="all" spc="200" dirty="0">
-              <a:solidFill>
-                <a:schemeClr val="tx2">
+            <a:pPr algn="ctr">
+              <a:lnSpc>
+                <a:spcPct val="100000"/>
+              </a:lnSpc>
+            </a:pPr>
+            <a:r>
+              <a:rPr lang="da-DK" sz="850" b="1" kern="0" cap="all" spc="200" dirty="0" smtClean="0">
+                <a:solidFill>
+                  <a:schemeClr val="tx1">
+                    <a:lumMod val="50000"/>
+                    <a:lumOff val="50000"/>
+                  </a:schemeClr>
+                </a:solidFill>
+                <a:latin typeface="Arial"/>
+                <a:cs typeface="Arial"/>
+              </a:rPr>
+              <a:t>Department of computer science</a:t>
+            </a:r>
+            <a:endParaRPr sz="850" b="1" kern="0" cap="all" spc="200" dirty="0" smtClean="0">
+              <a:solidFill>
+                <a:schemeClr val="tx1">
                   <a:lumMod val="50000"/>
+                  <a:lumOff val="50000"/>
+                </a:schemeClr>
+              </a:solidFill>
+              <a:latin typeface="Arial"/>
+              <a:cs typeface="Arial"/>
+            </a:endParaRPr>
+          </a:p>
+          <a:p>
+            <a:pPr marR="20320" algn="ctr">
+              <a:lnSpc>
+                <a:spcPct val="100000"/>
+              </a:lnSpc>
+              <a:spcBef>
+                <a:spcPts val="180"/>
+              </a:spcBef>
+            </a:pPr>
+            <a:r>
+              <a:rPr sz="850" kern="0" cap="all" spc="200" dirty="0" smtClean="0">
+                <a:solidFill>
+                  <a:schemeClr val="tx1">
+                    <a:lumMod val="50000"/>
+                    <a:lumOff val="50000"/>
+                  </a:schemeClr>
+                </a:solidFill>
+                <a:latin typeface="Arial"/>
+                <a:cs typeface="Arial"/>
+              </a:rPr>
+              <a:t>AALBORG</a:t>
+            </a:r>
+            <a:r>
+              <a:rPr lang="da-DK" sz="850" kern="0" cap="all" spc="200" dirty="0" smtClean="0">
+                <a:solidFill>
+                  <a:schemeClr val="tx1">
+                    <a:lumMod val="50000"/>
+                    <a:lumOff val="50000"/>
+                  </a:schemeClr>
+                </a:solidFill>
+                <a:latin typeface="Arial"/>
+                <a:cs typeface="Arial"/>
+              </a:rPr>
+              <a:t> UNIVERSITy</a:t>
+            </a:r>
+            <a:endParaRPr sz="850" kern="0" cap="all" spc="200" dirty="0">
+              <a:solidFill>
+                <a:schemeClr val="tx1">
+                  <a:lumMod val="50000"/>
+                  <a:lumOff val="50000"/>
                 </a:schemeClr>
               </a:solidFill>
               <a:latin typeface="Arial"/>
@@ -11195,7 +11396,7 @@
     </p:spTree>
     <p:extLst>
       <p:ext uri="{BB962C8B-B14F-4D97-AF65-F5344CB8AC3E}">
-        <p14:creationId xmlns:p14="http://schemas.microsoft.com/office/powerpoint/2010/main" xmlns="" val="3425622471"/>
+        <p14:creationId xmlns="" xmlns:p14="http://schemas.microsoft.com/office/powerpoint/2010/main" val="585023994"/>
       </p:ext>
     </p:extLst>
   </p:cSld>
@@ -11203,7 +11404,7 @@
     <a:masterClrMapping/>
   </p:clrMapOvr>
   <mc:AlternateContent xmlns:mc="http://schemas.openxmlformats.org/markup-compatibility/2006">
-    <mc:Choice xmlns:p14="http://schemas.microsoft.com/office/powerpoint/2010/main" xmlns="" Requires="p14">
+    <mc:Choice xmlns="" xmlns:p14="http://schemas.microsoft.com/office/powerpoint/2010/main" Requires="p14">
       <p:transition p14:dur="250">
         <p:fade/>
       </p:transition>
@@ -11244,13 +11445,17 @@
       <p:sp>
         <p:nvSpPr>
           <p:cNvPr id="2" name="object 2"/>
-          <p:cNvSpPr txBox="1"/>
-          <p:nvPr/>
+          <p:cNvSpPr txBox="1">
+            <a:spLocks noGrp="1"/>
+          </p:cNvSpPr>
+          <p:nvPr>
+            <p:ph type="title"/>
+          </p:nvPr>
         </p:nvSpPr>
         <p:spPr>
           <a:xfrm>
-            <a:off x="626300" y="562800"/>
-            <a:ext cx="6231700" cy="368935"/>
+            <a:off x="1827956" y="2420888"/>
+            <a:ext cx="5536756" cy="1023270"/>
           </a:xfrm>
           <a:prstGeom prst="rect">
             <a:avLst/>
@@ -11262,18 +11467,16 @@
           </a:bodyPr>
           <a:lstStyle/>
           <a:p>
-            <a:pPr marL="12700">
-              <a:lnSpc>
-                <a:spcPct val="100000"/>
+            <a:pPr marR="0" algn="ctr">
+              <a:lnSpc>
+                <a:spcPts val="3960"/>
               </a:lnSpc>
               <a:tabLst>
-                <a:tab pos="1641475" algn="l"/>
-                <a:tab pos="2152650" algn="l"/>
-                <a:tab pos="3412490" algn="l"/>
+                <a:tab pos="1676400" algn="l"/>
               </a:tabLst>
             </a:pPr>
             <a:r>
-              <a:rPr lang="da-DK" sz="2400" b="1" kern="0" cap="all" spc="200" dirty="0" smtClean="0">
+              <a:rPr lang="da-DK" sz="3600" b="1" dirty="0" smtClean="0">
                 <a:solidFill>
                   <a:schemeClr val="tx2">
                     <a:lumMod val="50000"/>
@@ -11284,7 +11487,7 @@
               </a:rPr>
               <a:t>Conclusion</a:t>
             </a:r>
-            <a:endParaRPr sz="2400" kern="0" cap="all" spc="200" dirty="0">
+            <a:endParaRPr sz="3600" b="1" dirty="0">
               <a:solidFill>
                 <a:schemeClr val="tx2">
                   <a:lumMod val="50000"/>
@@ -11296,479 +11499,106 @@
           </a:p>
         </p:txBody>
       </p:sp>
-      <p:sp>
-        <p:nvSpPr>
-          <p:cNvPr id="3" name="object 3"/>
-          <p:cNvSpPr txBox="1"/>
+      <p:pic>
+        <p:nvPicPr>
+          <p:cNvPr id="10" name="Billede 9"/>
+          <p:cNvPicPr>
+            <a:picLocks noChangeAspect="1"/>
+          </p:cNvPicPr>
           <p:nvPr/>
-        </p:nvSpPr>
+        </p:nvPicPr>
+        <p:blipFill>
+          <a:blip r:embed="rId2" cstate="print">
+            <a:extLst>
+              <a:ext uri="{28A0092B-C50C-407E-A947-70E740481C1C}">
+                <a14:useLocalDpi xmlns="" xmlns:a14="http://schemas.microsoft.com/office/drawing/2010/main" val="0"/>
+              </a:ext>
+            </a:extLst>
+          </a:blip>
+          <a:stretch>
+            <a:fillRect/>
+          </a:stretch>
+        </p:blipFill>
         <p:spPr>
           <a:xfrm>
-            <a:off x="626300" y="1155199"/>
-            <a:ext cx="5283200" cy="4074001"/>
+            <a:off x="3824699" y="5576322"/>
+            <a:ext cx="1543270" cy="1009770"/>
           </a:xfrm>
           <a:prstGeom prst="rect">
             <a:avLst/>
           </a:prstGeom>
         </p:spPr>
-        <p:txBody>
-          <a:bodyPr vert="horz" wrap="square" lIns="0" tIns="0" rIns="0" bIns="0" rtlCol="0">
-            <a:noAutofit/>
-          </a:bodyPr>
-          <a:lstStyle/>
-          <a:p>
-            <a:pPr marL="12700">
-              <a:lnSpc>
-                <a:spcPct val="100000"/>
-              </a:lnSpc>
-            </a:pPr>
-            <a:r>
-              <a:rPr lang="en-GB" b="1" cap="all" spc="200" dirty="0" smtClean="0">
-                <a:solidFill>
-                  <a:schemeClr val="accent1">
-                    <a:lumMod val="75000"/>
-                  </a:schemeClr>
-                </a:solidFill>
-                <a:latin typeface="Arial"/>
-                <a:cs typeface="Arial"/>
-              </a:rPr>
-              <a:t>Problem statement</a:t>
-            </a:r>
-          </a:p>
-          <a:p>
-            <a:pPr marL="12700">
-              <a:lnSpc>
-                <a:spcPct val="100000"/>
-              </a:lnSpc>
-            </a:pPr>
-            <a:endParaRPr lang="en-GB" b="1" cap="all" spc="200" dirty="0" smtClean="0">
-              <a:solidFill>
-                <a:schemeClr val="accent1">
-                  <a:lumMod val="75000"/>
-                </a:schemeClr>
-              </a:solidFill>
-              <a:latin typeface="Arial"/>
-              <a:cs typeface="Arial"/>
-            </a:endParaRPr>
-          </a:p>
-          <a:p>
-            <a:pPr marL="12700">
-              <a:lnSpc>
-                <a:spcPct val="100000"/>
-              </a:lnSpc>
-            </a:pPr>
-            <a:endParaRPr lang="en-GB" b="1" cap="all" spc="200" dirty="0" smtClean="0">
-              <a:solidFill>
-                <a:schemeClr val="accent1">
-                  <a:lumMod val="75000"/>
-                </a:schemeClr>
-              </a:solidFill>
-              <a:latin typeface="Arial"/>
-              <a:cs typeface="Arial"/>
-            </a:endParaRPr>
-          </a:p>
-          <a:p>
-            <a:pPr marL="12700">
-              <a:lnSpc>
-                <a:spcPct val="100000"/>
-              </a:lnSpc>
-            </a:pPr>
-            <a:endParaRPr lang="en-GB" b="1" cap="all" spc="200" dirty="0" smtClean="0">
-              <a:solidFill>
-                <a:schemeClr val="accent1">
-                  <a:lumMod val="75000"/>
-                </a:schemeClr>
-              </a:solidFill>
-              <a:latin typeface="Arial"/>
-              <a:cs typeface="Arial"/>
-            </a:endParaRPr>
-          </a:p>
-          <a:p>
-            <a:pPr marL="12700">
-              <a:lnSpc>
-                <a:spcPct val="100000"/>
-              </a:lnSpc>
-            </a:pPr>
-            <a:endParaRPr lang="en-GB" b="1" cap="all" spc="200" dirty="0" smtClean="0">
-              <a:solidFill>
-                <a:schemeClr val="accent1">
-                  <a:lumMod val="75000"/>
-                </a:schemeClr>
-              </a:solidFill>
-              <a:latin typeface="Arial"/>
-              <a:cs typeface="Arial"/>
-            </a:endParaRPr>
-          </a:p>
-          <a:p>
-            <a:pPr marL="12700">
-              <a:lnSpc>
-                <a:spcPct val="100000"/>
-              </a:lnSpc>
-            </a:pPr>
-            <a:r>
-              <a:rPr lang="en-GB" b="1" cap="all" spc="200" dirty="0" smtClean="0">
-                <a:solidFill>
-                  <a:schemeClr val="accent1">
-                    <a:lumMod val="75000"/>
-                  </a:schemeClr>
-                </a:solidFill>
-                <a:latin typeface="Arial"/>
-                <a:cs typeface="Arial"/>
-              </a:rPr>
-              <a:t>Customization</a:t>
-            </a:r>
-          </a:p>
-          <a:p>
-            <a:pPr marL="12700">
-              <a:lnSpc>
-                <a:spcPct val="100000"/>
-              </a:lnSpc>
-            </a:pPr>
-            <a:endParaRPr lang="en-GB" b="1" cap="all" spc="200" dirty="0" smtClean="0">
-              <a:solidFill>
-                <a:schemeClr val="accent1">
-                  <a:lumMod val="75000"/>
-                </a:schemeClr>
-              </a:solidFill>
-              <a:latin typeface="Arial"/>
-              <a:cs typeface="Arial"/>
-            </a:endParaRPr>
-          </a:p>
-          <a:p>
-            <a:pPr marL="12700">
-              <a:lnSpc>
-                <a:spcPct val="100000"/>
-              </a:lnSpc>
-            </a:pPr>
-            <a:r>
-              <a:rPr lang="en-GB" b="1" cap="all" spc="200" dirty="0" smtClean="0">
-                <a:solidFill>
-                  <a:schemeClr val="accent1">
-                    <a:lumMod val="75000"/>
-                  </a:schemeClr>
-                </a:solidFill>
-                <a:latin typeface="Arial"/>
-                <a:cs typeface="Arial"/>
-              </a:rPr>
-              <a:t>Managing games</a:t>
-            </a:r>
-          </a:p>
-          <a:p>
-            <a:pPr marL="12700">
-              <a:lnSpc>
-                <a:spcPct val="100000"/>
-              </a:lnSpc>
-            </a:pPr>
-            <a:endParaRPr lang="en-GB" b="1" cap="all" spc="200" dirty="0" smtClean="0">
-              <a:solidFill>
-                <a:schemeClr val="accent1">
-                  <a:lumMod val="75000"/>
-                </a:schemeClr>
-              </a:solidFill>
-              <a:latin typeface="Arial"/>
-              <a:cs typeface="Arial"/>
-            </a:endParaRPr>
-          </a:p>
-          <a:p>
-            <a:pPr marL="12700">
-              <a:lnSpc>
-                <a:spcPct val="100000"/>
-              </a:lnSpc>
-            </a:pPr>
-            <a:r>
-              <a:rPr lang="en-GB" b="1" cap="all" spc="200" dirty="0" smtClean="0">
-                <a:solidFill>
-                  <a:schemeClr val="accent1">
-                    <a:lumMod val="75000"/>
-                  </a:schemeClr>
-                </a:solidFill>
-                <a:latin typeface="Arial"/>
-                <a:cs typeface="Arial"/>
-              </a:rPr>
-              <a:t>Easy to start</a:t>
-            </a:r>
-          </a:p>
-        </p:txBody>
-      </p:sp>
-      <p:sp>
-        <p:nvSpPr>
-          <p:cNvPr id="8" name="object 4"/>
-          <p:cNvSpPr txBox="1">
-            <a:spLocks noGrp="1"/>
-          </p:cNvSpPr>
-          <p:nvPr>
-            <p:ph type="ftr" sz="quarter" idx="4294967295"/>
-          </p:nvPr>
+      </p:pic>
+      <p:sp>
+        <p:nvSpPr>
+          <p:cNvPr id="4" name="Rektangel 3"/>
+          <p:cNvSpPr/>
+          <p:nvPr/>
         </p:nvSpPr>
         <p:spPr>
           <a:xfrm>
-            <a:off x="2540146" y="5952019"/>
-            <a:ext cx="4343400" cy="143981"/>
+            <a:off x="2286000" y="3516166"/>
+            <a:ext cx="4572000" cy="276999"/>
           </a:xfrm>
           <a:prstGeom prst="rect">
             <a:avLst/>
           </a:prstGeom>
         </p:spPr>
         <p:txBody>
-          <a:bodyPr vert="horz" wrap="square" lIns="0" tIns="0" rIns="0" bIns="0" rtlCol="0">
-            <a:noAutofit/>
-          </a:bodyPr>
-          <a:lstStyle/>
-          <a:p>
-            <a:pPr marL="12700">
-              <a:lnSpc>
-                <a:spcPct val="100000"/>
-              </a:lnSpc>
-            </a:pPr>
-            <a:fld id="{9561DEC8-19EE-4A79-9D71-66FF6B3E3434}" type="slidenum">
-              <a:rPr lang="da-DK" sz="850" b="1" kern="0" cap="all" spc="200" smtClean="0">
-                <a:solidFill>
-                  <a:schemeClr val="tx1">
-                    <a:lumMod val="50000"/>
-                    <a:lumOff val="50000"/>
-                  </a:schemeClr>
-                </a:solidFill>
-                <a:latin typeface="Arial"/>
-                <a:cs typeface="Arial"/>
-              </a:rPr>
-              <a:pPr marL="12700">
-                <a:lnSpc>
-                  <a:spcPct val="100000"/>
-                </a:lnSpc>
-              </a:pPr>
-              <a:t>26</a:t>
-            </a:fld>
-            <a:r>
-              <a:rPr lang="da-DK" sz="850" b="1" kern="0" cap="all" spc="200" dirty="0" smtClean="0">
-                <a:solidFill>
-                  <a:schemeClr val="tx1">
-                    <a:lumMod val="50000"/>
-                    <a:lumOff val="50000"/>
-                  </a:schemeClr>
-                </a:solidFill>
-                <a:latin typeface="Arial"/>
-                <a:cs typeface="Arial"/>
-              </a:rPr>
-              <a:t> </a:t>
-            </a:r>
-            <a:r>
-              <a:rPr sz="850" b="1" kern="0" cap="all" spc="200" dirty="0" smtClean="0">
-                <a:solidFill>
-                  <a:schemeClr val="tx1">
-                    <a:lumMod val="50000"/>
-                    <a:lumOff val="50000"/>
-                  </a:schemeClr>
-                </a:solidFill>
-                <a:latin typeface="Arial"/>
-                <a:cs typeface="Arial"/>
-              </a:rPr>
-              <a:t>OF</a:t>
-            </a:r>
-            <a:r>
-              <a:rPr lang="da-DK" sz="850" b="1" kern="0" cap="all" spc="200" dirty="0" smtClean="0">
-                <a:solidFill>
-                  <a:schemeClr val="tx1">
-                    <a:lumMod val="50000"/>
-                    <a:lumOff val="50000"/>
-                  </a:schemeClr>
-                </a:solidFill>
-                <a:latin typeface="Arial"/>
-                <a:cs typeface="Arial"/>
-              </a:rPr>
-              <a:t> 24</a:t>
-            </a:r>
-            <a:r>
-              <a:rPr sz="850" b="1" kern="0" cap="all" spc="200" dirty="0" smtClean="0">
-                <a:solidFill>
-                  <a:schemeClr val="tx1">
-                    <a:lumMod val="50000"/>
-                    <a:lumOff val="50000"/>
-                  </a:schemeClr>
-                </a:solidFill>
-                <a:latin typeface="Arial"/>
-                <a:cs typeface="Arial"/>
-              </a:rPr>
-              <a:t> </a:t>
-            </a:r>
-            <a:r>
-              <a:rPr lang="da-DK" sz="850" b="1" kern="0" cap="all" spc="200" dirty="0" smtClean="0">
-                <a:solidFill>
-                  <a:schemeClr val="tx1">
-                    <a:lumMod val="50000"/>
-                    <a:lumOff val="50000"/>
-                  </a:schemeClr>
-                </a:solidFill>
-                <a:latin typeface="Arial"/>
-                <a:cs typeface="Arial"/>
-              </a:rPr>
-              <a:t> | </a:t>
-            </a:r>
-            <a:r>
-              <a:rPr lang="da-DK" sz="850" b="1" kern="0" spc="200" dirty="0" smtClean="0">
-                <a:solidFill>
-                  <a:schemeClr val="tx1">
-                    <a:lumMod val="50000"/>
-                    <a:lumOff val="50000"/>
-                  </a:schemeClr>
-                </a:solidFill>
-                <a:latin typeface="Arial"/>
-                <a:cs typeface="Arial"/>
-              </a:rPr>
-              <a:t>26.06.2013</a:t>
-            </a:r>
-            <a:endParaRPr sz="850" kern="0" cap="all" spc="200" dirty="0">
-              <a:solidFill>
-                <a:schemeClr val="tx1">
-                  <a:lumMod val="50000"/>
-                  <a:lumOff val="50000"/>
-                </a:schemeClr>
-              </a:solidFill>
-              <a:latin typeface="Arial"/>
-              <a:cs typeface="Arial"/>
-            </a:endParaRPr>
-          </a:p>
-        </p:txBody>
-      </p:sp>
-      <p:sp>
-        <p:nvSpPr>
-          <p:cNvPr id="9" name="object 7"/>
-          <p:cNvSpPr txBox="1"/>
-          <p:nvPr/>
-        </p:nvSpPr>
-        <p:spPr>
-          <a:xfrm>
-            <a:off x="2743200" y="6137888"/>
-            <a:ext cx="3682706" cy="294005"/>
-          </a:xfrm>
-          <a:prstGeom prst="rect">
-            <a:avLst/>
-          </a:prstGeom>
-        </p:spPr>
-        <p:txBody>
-          <a:bodyPr vert="horz" wrap="square" lIns="0" tIns="0" rIns="0" bIns="0" rtlCol="0">
-            <a:noAutofit/>
-          </a:bodyPr>
-          <a:lstStyle/>
-          <a:p>
-            <a:pPr algn="ctr">
-              <a:lnSpc>
-                <a:spcPct val="100000"/>
-              </a:lnSpc>
-            </a:pPr>
-            <a:r>
-              <a:rPr lang="da-DK" sz="850" b="1" kern="0" cap="all" spc="200" dirty="0" smtClean="0">
-                <a:solidFill>
-                  <a:schemeClr val="tx1">
-                    <a:lumMod val="50000"/>
-                    <a:lumOff val="50000"/>
-                  </a:schemeClr>
-                </a:solidFill>
-                <a:latin typeface="Arial"/>
-                <a:cs typeface="Arial"/>
-              </a:rPr>
-              <a:t>Department of computer science</a:t>
-            </a:r>
-            <a:endParaRPr sz="850" b="1" kern="0" cap="all" spc="200" dirty="0" smtClean="0">
-              <a:solidFill>
-                <a:schemeClr val="tx1">
-                  <a:lumMod val="50000"/>
-                  <a:lumOff val="50000"/>
-                </a:schemeClr>
-              </a:solidFill>
-              <a:latin typeface="Arial"/>
-              <a:cs typeface="Arial"/>
-            </a:endParaRPr>
-          </a:p>
-          <a:p>
-            <a:pPr marR="20320" algn="ctr">
-              <a:lnSpc>
-                <a:spcPct val="100000"/>
-              </a:lnSpc>
-              <a:spcBef>
-                <a:spcPts val="180"/>
-              </a:spcBef>
-            </a:pPr>
-            <a:r>
-              <a:rPr sz="850" kern="0" cap="all" spc="200" dirty="0" smtClean="0">
-                <a:solidFill>
-                  <a:schemeClr val="tx1">
-                    <a:lumMod val="50000"/>
-                    <a:lumOff val="50000"/>
-                  </a:schemeClr>
-                </a:solidFill>
-                <a:latin typeface="Arial"/>
-                <a:cs typeface="Arial"/>
-              </a:rPr>
-              <a:t>AALBORG</a:t>
-            </a:r>
-            <a:r>
-              <a:rPr lang="da-DK" sz="850" kern="0" cap="all" spc="200" dirty="0" smtClean="0">
-                <a:solidFill>
-                  <a:schemeClr val="tx1">
-                    <a:lumMod val="50000"/>
-                    <a:lumOff val="50000"/>
-                  </a:schemeClr>
-                </a:solidFill>
-                <a:latin typeface="Arial"/>
-                <a:cs typeface="Arial"/>
-              </a:rPr>
-              <a:t> UNIVERSITy</a:t>
-            </a:r>
-            <a:endParaRPr sz="850" kern="0" cap="all" spc="200" dirty="0">
-              <a:solidFill>
-                <a:schemeClr val="tx1">
-                  <a:lumMod val="50000"/>
-                  <a:lumOff val="50000"/>
-                </a:schemeClr>
-              </a:solidFill>
-              <a:latin typeface="Arial"/>
-              <a:cs typeface="Arial"/>
-            </a:endParaRPr>
-          </a:p>
-        </p:txBody>
-      </p:sp>
-      <p:sp>
-        <p:nvSpPr>
-          <p:cNvPr id="6" name="TextBox 5"/>
-          <p:cNvSpPr txBox="1"/>
-          <p:nvPr/>
-        </p:nvSpPr>
-        <p:spPr>
-          <a:xfrm>
-            <a:off x="1403648" y="1700808"/>
-            <a:ext cx="6048672" cy="523220"/>
-          </a:xfrm>
-          <a:prstGeom prst="rect">
-            <a:avLst/>
-          </a:prstGeom>
-          <a:noFill/>
-        </p:spPr>
-        <p:txBody>
-          <a:bodyPr wrap="square" rtlCol="0">
+          <a:bodyPr>
             <a:spAutoFit/>
           </a:bodyPr>
           <a:lstStyle/>
           <a:p>
-            <a:r>
-              <a:rPr lang="en-US" sz="1400" dirty="0" smtClean="0">
-                <a:solidFill>
-                  <a:schemeClr val="accent1">
-                    <a:lumMod val="75000"/>
-                  </a:schemeClr>
-                </a:solidFill>
-                <a:latin typeface="Arial" pitchFamily="34" charset="0"/>
-                <a:cs typeface="Arial" pitchFamily="34" charset="0"/>
-              </a:rPr>
-              <a:t>“In what ways can we aid the pedagogues in their work with children with autism, by digitalizing a physical exercise onto an android tablet?”</a:t>
-            </a:r>
-            <a:endParaRPr lang="da-DK" sz="1400" dirty="0">
-              <a:solidFill>
-                <a:schemeClr val="accent1">
-                  <a:lumMod val="75000"/>
+            <a:pPr marR="28575" algn="ctr">
+              <a:lnSpc>
+                <a:spcPct val="100000"/>
+              </a:lnSpc>
+            </a:pPr>
+            <a:r>
+              <a:rPr lang="en-US" sz="1200" kern="0" cap="all" spc="200" dirty="0" smtClean="0">
+                <a:solidFill>
+                  <a:schemeClr val="tx2">
+                    <a:lumMod val="50000"/>
+                  </a:schemeClr>
+                </a:solidFill>
+                <a:latin typeface="Arial"/>
+                <a:cs typeface="Arial"/>
+              </a:rPr>
+              <a:t>Jacob </a:t>
+            </a:r>
+            <a:r>
+              <a:rPr lang="en-US" sz="1200" kern="0" cap="all" spc="200" dirty="0" err="1" smtClean="0">
+                <a:solidFill>
+                  <a:schemeClr val="tx2">
+                    <a:lumMod val="50000"/>
+                  </a:schemeClr>
+                </a:solidFill>
+                <a:latin typeface="Arial"/>
+                <a:cs typeface="Arial"/>
+              </a:rPr>
+              <a:t>Karstensen</a:t>
+            </a:r>
+            <a:r>
+              <a:rPr lang="en-US" sz="1200" kern="0" cap="all" spc="200" dirty="0" smtClean="0">
+                <a:solidFill>
+                  <a:schemeClr val="tx2">
+                    <a:lumMod val="50000"/>
+                  </a:schemeClr>
+                </a:solidFill>
+                <a:latin typeface="Arial"/>
+                <a:cs typeface="Arial"/>
+              </a:rPr>
+              <a:t> Wortmann</a:t>
+            </a:r>
+            <a:endParaRPr lang="en-US" sz="1200" kern="0" cap="all" spc="200" dirty="0">
+              <a:solidFill>
+                <a:schemeClr val="tx2">
+                  <a:lumMod val="50000"/>
                 </a:schemeClr>
               </a:solidFill>
-              <a:latin typeface="Arial" pitchFamily="34" charset="0"/>
-              <a:cs typeface="Arial" pitchFamily="34" charset="0"/>
+              <a:latin typeface="Arial"/>
+              <a:cs typeface="Arial"/>
             </a:endParaRPr>
           </a:p>
         </p:txBody>
@@ -11776,7 +11606,7 @@
     </p:spTree>
     <p:extLst>
       <p:ext uri="{BB962C8B-B14F-4D97-AF65-F5344CB8AC3E}">
-        <p14:creationId xmlns:p14="http://schemas.microsoft.com/office/powerpoint/2010/main" xmlns="" val="772562590"/>
+        <p14:creationId xmlns="" xmlns:p14="http://schemas.microsoft.com/office/powerpoint/2010/main" val="3425622471"/>
       </p:ext>
     </p:extLst>
   </p:cSld>
@@ -11784,7 +11614,7 @@
     <a:masterClrMapping/>
   </p:clrMapOvr>
   <mc:AlternateContent xmlns:mc="http://schemas.openxmlformats.org/markup-compatibility/2006">
-    <mc:Choice xmlns:p14="http://schemas.microsoft.com/office/powerpoint/2010/main" xmlns="" Requires="p14">
+    <mc:Choice xmlns="" xmlns:p14="http://schemas.microsoft.com/office/powerpoint/2010/main" Requires="p14">
       <p:transition p14:dur="250">
         <p:fade/>
       </p:transition>
@@ -11825,6 +11655,587 @@
       <p:sp>
         <p:nvSpPr>
           <p:cNvPr id="2" name="object 2"/>
+          <p:cNvSpPr txBox="1"/>
+          <p:nvPr/>
+        </p:nvSpPr>
+        <p:spPr>
+          <a:xfrm>
+            <a:off x="626300" y="562800"/>
+            <a:ext cx="6231700" cy="368935"/>
+          </a:xfrm>
+          <a:prstGeom prst="rect">
+            <a:avLst/>
+          </a:prstGeom>
+        </p:spPr>
+        <p:txBody>
+          <a:bodyPr vert="horz" wrap="square" lIns="0" tIns="0" rIns="0" bIns="0" rtlCol="0">
+            <a:noAutofit/>
+          </a:bodyPr>
+          <a:lstStyle/>
+          <a:p>
+            <a:pPr marL="12700">
+              <a:lnSpc>
+                <a:spcPct val="100000"/>
+              </a:lnSpc>
+              <a:tabLst>
+                <a:tab pos="1641475" algn="l"/>
+                <a:tab pos="2152650" algn="l"/>
+                <a:tab pos="3412490" algn="l"/>
+              </a:tabLst>
+            </a:pPr>
+            <a:r>
+              <a:rPr lang="da-DK" sz="2400" b="1" kern="0" cap="all" spc="200" dirty="0" smtClean="0">
+                <a:solidFill>
+                  <a:schemeClr val="tx2">
+                    <a:lumMod val="50000"/>
+                  </a:schemeClr>
+                </a:solidFill>
+                <a:latin typeface="Arial"/>
+                <a:cs typeface="Arial"/>
+              </a:rPr>
+              <a:t>Conclusion</a:t>
+            </a:r>
+            <a:endParaRPr sz="2400" kern="0" cap="all" spc="200" dirty="0">
+              <a:solidFill>
+                <a:schemeClr val="tx2">
+                  <a:lumMod val="50000"/>
+                </a:schemeClr>
+              </a:solidFill>
+              <a:latin typeface="Arial"/>
+              <a:cs typeface="Arial"/>
+            </a:endParaRPr>
+          </a:p>
+        </p:txBody>
+      </p:sp>
+      <p:sp>
+        <p:nvSpPr>
+          <p:cNvPr id="3" name="object 3"/>
+          <p:cNvSpPr txBox="1"/>
+          <p:nvPr/>
+        </p:nvSpPr>
+        <p:spPr>
+          <a:xfrm>
+            <a:off x="626300" y="1155199"/>
+            <a:ext cx="5283200" cy="4074001"/>
+          </a:xfrm>
+          <a:prstGeom prst="rect">
+            <a:avLst/>
+          </a:prstGeom>
+        </p:spPr>
+        <p:txBody>
+          <a:bodyPr vert="horz" wrap="square" lIns="0" tIns="0" rIns="0" bIns="0" rtlCol="0">
+            <a:noAutofit/>
+          </a:bodyPr>
+          <a:lstStyle/>
+          <a:p>
+            <a:pPr marL="12700">
+              <a:lnSpc>
+                <a:spcPct val="100000"/>
+              </a:lnSpc>
+            </a:pPr>
+            <a:r>
+              <a:rPr lang="en-GB" b="1" cap="all" spc="200" dirty="0" smtClean="0">
+                <a:solidFill>
+                  <a:schemeClr val="accent1">
+                    <a:lumMod val="75000"/>
+                  </a:schemeClr>
+                </a:solidFill>
+                <a:latin typeface="Arial"/>
+                <a:cs typeface="Arial"/>
+              </a:rPr>
+              <a:t>Problem statement</a:t>
+            </a:r>
+          </a:p>
+          <a:p>
+            <a:pPr marL="12700">
+              <a:lnSpc>
+                <a:spcPct val="100000"/>
+              </a:lnSpc>
+            </a:pPr>
+            <a:endParaRPr lang="en-GB" b="1" cap="all" spc="200" dirty="0" smtClean="0">
+              <a:solidFill>
+                <a:schemeClr val="accent1">
+                  <a:lumMod val="75000"/>
+                </a:schemeClr>
+              </a:solidFill>
+              <a:latin typeface="Arial"/>
+              <a:cs typeface="Arial"/>
+            </a:endParaRPr>
+          </a:p>
+          <a:p>
+            <a:pPr marL="12700">
+              <a:lnSpc>
+                <a:spcPct val="100000"/>
+              </a:lnSpc>
+            </a:pPr>
+            <a:endParaRPr lang="en-GB" b="1" cap="all" spc="200" dirty="0" smtClean="0">
+              <a:solidFill>
+                <a:schemeClr val="accent1">
+                  <a:lumMod val="75000"/>
+                </a:schemeClr>
+              </a:solidFill>
+              <a:latin typeface="Arial"/>
+              <a:cs typeface="Arial"/>
+            </a:endParaRPr>
+          </a:p>
+          <a:p>
+            <a:pPr marL="12700">
+              <a:lnSpc>
+                <a:spcPct val="100000"/>
+              </a:lnSpc>
+            </a:pPr>
+            <a:endParaRPr lang="en-GB" b="1" cap="all" spc="200" dirty="0" smtClean="0">
+              <a:solidFill>
+                <a:schemeClr val="accent1">
+                  <a:lumMod val="75000"/>
+                </a:schemeClr>
+              </a:solidFill>
+              <a:latin typeface="Arial"/>
+              <a:cs typeface="Arial"/>
+            </a:endParaRPr>
+          </a:p>
+          <a:p>
+            <a:pPr marL="12700">
+              <a:lnSpc>
+                <a:spcPct val="100000"/>
+              </a:lnSpc>
+            </a:pPr>
+            <a:endParaRPr lang="en-GB" b="1" cap="all" spc="200" dirty="0" smtClean="0">
+              <a:solidFill>
+                <a:schemeClr val="accent1">
+                  <a:lumMod val="75000"/>
+                </a:schemeClr>
+              </a:solidFill>
+              <a:latin typeface="Arial"/>
+              <a:cs typeface="Arial"/>
+            </a:endParaRPr>
+          </a:p>
+          <a:p>
+            <a:pPr marL="12700">
+              <a:lnSpc>
+                <a:spcPct val="100000"/>
+              </a:lnSpc>
+            </a:pPr>
+            <a:r>
+              <a:rPr lang="en-GB" b="1" cap="all" spc="200" dirty="0" smtClean="0">
+                <a:solidFill>
+                  <a:schemeClr val="accent1">
+                    <a:lumMod val="75000"/>
+                  </a:schemeClr>
+                </a:solidFill>
+                <a:latin typeface="Arial"/>
+                <a:cs typeface="Arial"/>
+              </a:rPr>
+              <a:t>Customization</a:t>
+            </a:r>
+          </a:p>
+          <a:p>
+            <a:pPr marL="12700">
+              <a:lnSpc>
+                <a:spcPct val="100000"/>
+              </a:lnSpc>
+            </a:pPr>
+            <a:endParaRPr lang="en-GB" b="1" cap="all" spc="200" dirty="0" smtClean="0">
+              <a:solidFill>
+                <a:schemeClr val="accent1">
+                  <a:lumMod val="75000"/>
+                </a:schemeClr>
+              </a:solidFill>
+              <a:latin typeface="Arial"/>
+              <a:cs typeface="Arial"/>
+            </a:endParaRPr>
+          </a:p>
+          <a:p>
+            <a:pPr marL="12700">
+              <a:lnSpc>
+                <a:spcPct val="100000"/>
+              </a:lnSpc>
+            </a:pPr>
+            <a:r>
+              <a:rPr lang="en-GB" b="1" cap="all" spc="200" dirty="0" smtClean="0">
+                <a:solidFill>
+                  <a:schemeClr val="accent1">
+                    <a:lumMod val="75000"/>
+                  </a:schemeClr>
+                </a:solidFill>
+                <a:latin typeface="Arial"/>
+                <a:cs typeface="Arial"/>
+              </a:rPr>
+              <a:t>Managing games</a:t>
+            </a:r>
+          </a:p>
+          <a:p>
+            <a:pPr marL="12700">
+              <a:lnSpc>
+                <a:spcPct val="100000"/>
+              </a:lnSpc>
+            </a:pPr>
+            <a:endParaRPr lang="en-GB" b="1" cap="all" spc="200" dirty="0" smtClean="0">
+              <a:solidFill>
+                <a:schemeClr val="accent1">
+                  <a:lumMod val="75000"/>
+                </a:schemeClr>
+              </a:solidFill>
+              <a:latin typeface="Arial"/>
+              <a:cs typeface="Arial"/>
+            </a:endParaRPr>
+          </a:p>
+          <a:p>
+            <a:pPr marL="12700">
+              <a:lnSpc>
+                <a:spcPct val="100000"/>
+              </a:lnSpc>
+            </a:pPr>
+            <a:r>
+              <a:rPr lang="en-GB" b="1" cap="all" spc="200" dirty="0" smtClean="0">
+                <a:solidFill>
+                  <a:schemeClr val="accent1">
+                    <a:lumMod val="75000"/>
+                  </a:schemeClr>
+                </a:solidFill>
+                <a:latin typeface="Arial"/>
+                <a:cs typeface="Arial"/>
+              </a:rPr>
+              <a:t>Easy to start</a:t>
+            </a:r>
+          </a:p>
+        </p:txBody>
+      </p:sp>
+      <p:sp>
+        <p:nvSpPr>
+          <p:cNvPr id="8" name="object 4"/>
+          <p:cNvSpPr txBox="1">
+            <a:spLocks noGrp="1"/>
+          </p:cNvSpPr>
+          <p:nvPr>
+            <p:ph type="ftr" sz="quarter" idx="4294967295"/>
+          </p:nvPr>
+        </p:nvSpPr>
+        <p:spPr>
+          <a:xfrm>
+            <a:off x="2540146" y="5952019"/>
+            <a:ext cx="4343400" cy="143981"/>
+          </a:xfrm>
+          <a:prstGeom prst="rect">
+            <a:avLst/>
+          </a:prstGeom>
+        </p:spPr>
+        <p:txBody>
+          <a:bodyPr vert="horz" wrap="square" lIns="0" tIns="0" rIns="0" bIns="0" rtlCol="0">
+            <a:noAutofit/>
+          </a:bodyPr>
+          <a:lstStyle/>
+          <a:p>
+            <a:pPr marL="12700">
+              <a:lnSpc>
+                <a:spcPct val="100000"/>
+              </a:lnSpc>
+            </a:pPr>
+            <a:fld id="{9561DEC8-19EE-4A79-9D71-66FF6B3E3434}" type="slidenum">
+              <a:rPr lang="da-DK" sz="850" b="1" kern="0" cap="all" spc="200" smtClean="0">
+                <a:solidFill>
+                  <a:schemeClr val="tx1">
+                    <a:lumMod val="50000"/>
+                    <a:lumOff val="50000"/>
+                  </a:schemeClr>
+                </a:solidFill>
+                <a:latin typeface="Arial"/>
+                <a:cs typeface="Arial"/>
+              </a:rPr>
+              <a:pPr marL="12700">
+                <a:lnSpc>
+                  <a:spcPct val="100000"/>
+                </a:lnSpc>
+              </a:pPr>
+              <a:t>27</a:t>
+            </a:fld>
+            <a:r>
+              <a:rPr lang="da-DK" sz="850" b="1" kern="0" cap="all" spc="200" dirty="0" smtClean="0">
+                <a:solidFill>
+                  <a:schemeClr val="tx1">
+                    <a:lumMod val="50000"/>
+                    <a:lumOff val="50000"/>
+                  </a:schemeClr>
+                </a:solidFill>
+                <a:latin typeface="Arial"/>
+                <a:cs typeface="Arial"/>
+              </a:rPr>
+              <a:t> </a:t>
+            </a:r>
+            <a:r>
+              <a:rPr sz="850" b="1" kern="0" cap="all" spc="200" dirty="0" smtClean="0">
+                <a:solidFill>
+                  <a:schemeClr val="tx1">
+                    <a:lumMod val="50000"/>
+                    <a:lumOff val="50000"/>
+                  </a:schemeClr>
+                </a:solidFill>
+                <a:latin typeface="Arial"/>
+                <a:cs typeface="Arial"/>
+              </a:rPr>
+              <a:t>OF</a:t>
+            </a:r>
+            <a:r>
+              <a:rPr lang="da-DK" sz="850" b="1" kern="0" cap="all" spc="200" dirty="0" smtClean="0">
+                <a:solidFill>
+                  <a:schemeClr val="tx1">
+                    <a:lumMod val="50000"/>
+                    <a:lumOff val="50000"/>
+                  </a:schemeClr>
+                </a:solidFill>
+                <a:latin typeface="Arial"/>
+                <a:cs typeface="Arial"/>
+              </a:rPr>
+              <a:t> 24</a:t>
+            </a:r>
+            <a:r>
+              <a:rPr sz="850" b="1" kern="0" cap="all" spc="200" dirty="0" smtClean="0">
+                <a:solidFill>
+                  <a:schemeClr val="tx1">
+                    <a:lumMod val="50000"/>
+                    <a:lumOff val="50000"/>
+                  </a:schemeClr>
+                </a:solidFill>
+                <a:latin typeface="Arial"/>
+                <a:cs typeface="Arial"/>
+              </a:rPr>
+              <a:t> </a:t>
+            </a:r>
+            <a:r>
+              <a:rPr lang="da-DK" sz="850" b="1" kern="0" cap="all" spc="200" dirty="0" smtClean="0">
+                <a:solidFill>
+                  <a:schemeClr val="tx1">
+                    <a:lumMod val="50000"/>
+                    <a:lumOff val="50000"/>
+                  </a:schemeClr>
+                </a:solidFill>
+                <a:latin typeface="Arial"/>
+                <a:cs typeface="Arial"/>
+              </a:rPr>
+              <a:t> | </a:t>
+            </a:r>
+            <a:r>
+              <a:rPr lang="da-DK" sz="850" b="1" kern="0" spc="200" dirty="0" smtClean="0">
+                <a:solidFill>
+                  <a:schemeClr val="tx1">
+                    <a:lumMod val="50000"/>
+                    <a:lumOff val="50000"/>
+                  </a:schemeClr>
+                </a:solidFill>
+                <a:latin typeface="Arial"/>
+                <a:cs typeface="Arial"/>
+              </a:rPr>
+              <a:t>26.06.2013</a:t>
+            </a:r>
+            <a:endParaRPr sz="850" kern="0" cap="all" spc="200" dirty="0">
+              <a:solidFill>
+                <a:schemeClr val="tx1">
+                  <a:lumMod val="50000"/>
+                  <a:lumOff val="50000"/>
+                </a:schemeClr>
+              </a:solidFill>
+              <a:latin typeface="Arial"/>
+              <a:cs typeface="Arial"/>
+            </a:endParaRPr>
+          </a:p>
+        </p:txBody>
+      </p:sp>
+      <p:sp>
+        <p:nvSpPr>
+          <p:cNvPr id="9" name="object 7"/>
+          <p:cNvSpPr txBox="1"/>
+          <p:nvPr/>
+        </p:nvSpPr>
+        <p:spPr>
+          <a:xfrm>
+            <a:off x="2743200" y="6137888"/>
+            <a:ext cx="3682706" cy="294005"/>
+          </a:xfrm>
+          <a:prstGeom prst="rect">
+            <a:avLst/>
+          </a:prstGeom>
+        </p:spPr>
+        <p:txBody>
+          <a:bodyPr vert="horz" wrap="square" lIns="0" tIns="0" rIns="0" bIns="0" rtlCol="0">
+            <a:noAutofit/>
+          </a:bodyPr>
+          <a:lstStyle/>
+          <a:p>
+            <a:pPr algn="ctr">
+              <a:lnSpc>
+                <a:spcPct val="100000"/>
+              </a:lnSpc>
+            </a:pPr>
+            <a:r>
+              <a:rPr lang="da-DK" sz="850" b="1" kern="0" cap="all" spc="200" dirty="0" smtClean="0">
+                <a:solidFill>
+                  <a:schemeClr val="tx1">
+                    <a:lumMod val="50000"/>
+                    <a:lumOff val="50000"/>
+                  </a:schemeClr>
+                </a:solidFill>
+                <a:latin typeface="Arial"/>
+                <a:cs typeface="Arial"/>
+              </a:rPr>
+              <a:t>Department of computer science</a:t>
+            </a:r>
+            <a:endParaRPr sz="850" b="1" kern="0" cap="all" spc="200" dirty="0" smtClean="0">
+              <a:solidFill>
+                <a:schemeClr val="tx1">
+                  <a:lumMod val="50000"/>
+                  <a:lumOff val="50000"/>
+                </a:schemeClr>
+              </a:solidFill>
+              <a:latin typeface="Arial"/>
+              <a:cs typeface="Arial"/>
+            </a:endParaRPr>
+          </a:p>
+          <a:p>
+            <a:pPr marR="20320" algn="ctr">
+              <a:lnSpc>
+                <a:spcPct val="100000"/>
+              </a:lnSpc>
+              <a:spcBef>
+                <a:spcPts val="180"/>
+              </a:spcBef>
+            </a:pPr>
+            <a:r>
+              <a:rPr sz="850" kern="0" cap="all" spc="200" dirty="0" smtClean="0">
+                <a:solidFill>
+                  <a:schemeClr val="tx1">
+                    <a:lumMod val="50000"/>
+                    <a:lumOff val="50000"/>
+                  </a:schemeClr>
+                </a:solidFill>
+                <a:latin typeface="Arial"/>
+                <a:cs typeface="Arial"/>
+              </a:rPr>
+              <a:t>AALBORG</a:t>
+            </a:r>
+            <a:r>
+              <a:rPr lang="da-DK" sz="850" kern="0" cap="all" spc="200" dirty="0" smtClean="0">
+                <a:solidFill>
+                  <a:schemeClr val="tx1">
+                    <a:lumMod val="50000"/>
+                    <a:lumOff val="50000"/>
+                  </a:schemeClr>
+                </a:solidFill>
+                <a:latin typeface="Arial"/>
+                <a:cs typeface="Arial"/>
+              </a:rPr>
+              <a:t> UNIVERSITy</a:t>
+            </a:r>
+            <a:endParaRPr sz="850" kern="0" cap="all" spc="200" dirty="0">
+              <a:solidFill>
+                <a:schemeClr val="tx1">
+                  <a:lumMod val="50000"/>
+                  <a:lumOff val="50000"/>
+                </a:schemeClr>
+              </a:solidFill>
+              <a:latin typeface="Arial"/>
+              <a:cs typeface="Arial"/>
+            </a:endParaRPr>
+          </a:p>
+        </p:txBody>
+      </p:sp>
+      <p:sp>
+        <p:nvSpPr>
+          <p:cNvPr id="6" name="TextBox 5"/>
+          <p:cNvSpPr txBox="1"/>
+          <p:nvPr/>
+        </p:nvSpPr>
+        <p:spPr>
+          <a:xfrm>
+            <a:off x="1403648" y="1700808"/>
+            <a:ext cx="6048672" cy="523220"/>
+          </a:xfrm>
+          <a:prstGeom prst="rect">
+            <a:avLst/>
+          </a:prstGeom>
+          <a:noFill/>
+        </p:spPr>
+        <p:txBody>
+          <a:bodyPr wrap="square" rtlCol="0">
+            <a:spAutoFit/>
+          </a:bodyPr>
+          <a:lstStyle/>
+          <a:p>
+            <a:r>
+              <a:rPr lang="en-US" sz="1400" dirty="0" smtClean="0">
+                <a:solidFill>
+                  <a:schemeClr val="accent1">
+                    <a:lumMod val="75000"/>
+                  </a:schemeClr>
+                </a:solidFill>
+                <a:latin typeface="Arial" pitchFamily="34" charset="0"/>
+                <a:cs typeface="Arial" pitchFamily="34" charset="0"/>
+              </a:rPr>
+              <a:t>“In what ways can we aid the pedagogues in their work with children with autism, by digitalizing a physical exercise onto an android tablet?”</a:t>
+            </a:r>
+            <a:endParaRPr lang="da-DK" sz="1400" dirty="0">
+              <a:solidFill>
+                <a:schemeClr val="accent1">
+                  <a:lumMod val="75000"/>
+                </a:schemeClr>
+              </a:solidFill>
+              <a:latin typeface="Arial" pitchFamily="34" charset="0"/>
+              <a:cs typeface="Arial" pitchFamily="34" charset="0"/>
+            </a:endParaRPr>
+          </a:p>
+        </p:txBody>
+      </p:sp>
+    </p:spTree>
+    <p:extLst>
+      <p:ext uri="{BB962C8B-B14F-4D97-AF65-F5344CB8AC3E}">
+        <p14:creationId xmlns="" xmlns:p14="http://schemas.microsoft.com/office/powerpoint/2010/main" val="772562590"/>
+      </p:ext>
+    </p:extLst>
+  </p:cSld>
+  <p:clrMapOvr>
+    <a:masterClrMapping/>
+  </p:clrMapOvr>
+  <mc:AlternateContent xmlns:mc="http://schemas.openxmlformats.org/markup-compatibility/2006">
+    <mc:Choice xmlns="" xmlns:p14="http://schemas.microsoft.com/office/powerpoint/2010/main" Requires="p14">
+      <p:transition p14:dur="250">
+        <p:fade/>
+      </p:transition>
+    </mc:Choice>
+    <mc:Fallback>
+      <p:transition>
+        <p:fade/>
+      </p:transition>
+    </mc:Fallback>
+  </mc:AlternateContent>
+  <p:timing>
+    <p:tnLst>
+      <p:par>
+        <p:cTn id="1" dur="indefinite" restart="never" nodeType="tmRoot"/>
+      </p:par>
+    </p:tnLst>
+  </p:timing>
+</p:sld>
+</file>
+
+<file path=ppt/slides/slide28.xml><?xml version="1.0" encoding="utf-8"?>
+<p:sld xmlns:a="http://schemas.openxmlformats.org/drawingml/2006/main" xmlns:r="http://schemas.openxmlformats.org/officeDocument/2006/relationships" xmlns:p="http://schemas.openxmlformats.org/presentationml/2006/main">
+  <p:cSld>
+    <p:spTree>
+      <p:nvGrpSpPr>
+        <p:cNvPr id="1" name=""/>
+        <p:cNvGrpSpPr/>
+        <p:nvPr/>
+      </p:nvGrpSpPr>
+      <p:grpSpPr>
+        <a:xfrm>
+          <a:off x="0" y="0"/>
+          <a:ext cx="0" cy="0"/>
+          <a:chOff x="0" y="0"/>
+          <a:chExt cx="0" cy="0"/>
+        </a:xfrm>
+      </p:grpSpPr>
+      <p:sp>
+        <p:nvSpPr>
+          <p:cNvPr id="2" name="object 2"/>
           <p:cNvSpPr txBox="1">
             <a:spLocks noGrp="1"/>
           </p:cNvSpPr>
@@ -11891,7 +12302,7 @@
           <a:blip r:embed="rId2" cstate="print">
             <a:extLst>
               <a:ext uri="{28A0092B-C50C-407E-A947-70E740481C1C}">
-                <a14:useLocalDpi xmlns:a14="http://schemas.microsoft.com/office/drawing/2010/main" xmlns="" val="0"/>
+                <a14:useLocalDpi xmlns="" xmlns:a14="http://schemas.microsoft.com/office/drawing/2010/main" val="0"/>
               </a:ext>
             </a:extLst>
           </a:blip>
@@ -11986,7 +12397,7 @@
     </p:spTree>
     <p:extLst>
       <p:ext uri="{BB962C8B-B14F-4D97-AF65-F5344CB8AC3E}">
-        <p14:creationId xmlns:p14="http://schemas.microsoft.com/office/powerpoint/2010/main" xmlns="" val="3425622471"/>
+        <p14:creationId xmlns="" xmlns:p14="http://schemas.microsoft.com/office/powerpoint/2010/main" val="3425622471"/>
       </p:ext>
     </p:extLst>
   </p:cSld>
@@ -11994,7 +12405,7 @@
     <a:masterClrMapping/>
   </p:clrMapOvr>
   <mc:AlternateContent xmlns:mc="http://schemas.openxmlformats.org/markup-compatibility/2006">
-    <mc:Choice xmlns:p14="http://schemas.microsoft.com/office/powerpoint/2010/main" xmlns="" Requires="p14">
+    <mc:Choice xmlns="" xmlns:p14="http://schemas.microsoft.com/office/powerpoint/2010/main" Requires="p14">
       <p:transition p14:dur="250">
         <p:fade/>
       </p:transition>
@@ -12101,7 +12512,7 @@
           <a:blip r:embed="rId2" cstate="print">
             <a:extLst>
               <a:ext uri="{28A0092B-C50C-407E-A947-70E740481C1C}">
-                <a14:useLocalDpi xmlns:a14="http://schemas.microsoft.com/office/drawing/2010/main" xmlns="" val="0"/>
+                <a14:useLocalDpi xmlns="" xmlns:a14="http://schemas.microsoft.com/office/drawing/2010/main" val="0"/>
               </a:ext>
             </a:extLst>
           </a:blip>
@@ -12196,7 +12607,7 @@
     </p:spTree>
     <p:extLst>
       <p:ext uri="{BB962C8B-B14F-4D97-AF65-F5344CB8AC3E}">
-        <p14:creationId xmlns:p14="http://schemas.microsoft.com/office/powerpoint/2010/main" xmlns="" val="3425622471"/>
+        <p14:creationId xmlns="" xmlns:p14="http://schemas.microsoft.com/office/powerpoint/2010/main" val="3425622471"/>
       </p:ext>
     </p:extLst>
   </p:cSld>
@@ -12204,7 +12615,7 @@
     <a:masterClrMapping/>
   </p:clrMapOvr>
   <mc:AlternateContent xmlns:mc="http://schemas.openxmlformats.org/markup-compatibility/2006">
-    <mc:Choice xmlns:p14="http://schemas.microsoft.com/office/powerpoint/2010/main" xmlns="" Requires="p14">
+    <mc:Choice xmlns="" xmlns:p14="http://schemas.microsoft.com/office/powerpoint/2010/main" Requires="p14">
       <p:transition p14:dur="250">
         <p:fade/>
       </p:transition>
@@ -12406,8 +12817,15 @@
                 <a:latin typeface="Arial"/>
                 <a:cs typeface="Arial"/>
               </a:rPr>
-              <a:t>Weekly </a:t>
-            </a:r>
+              <a:t>Weekly meetings</a:t>
+            </a:r>
+          </a:p>
+          <a:p>
+            <a:pPr marL="12700">
+              <a:lnSpc>
+                <a:spcPct val="100000"/>
+              </a:lnSpc>
+            </a:pPr>
             <a:r>
               <a:rPr lang="en-GB" sz="1400" cap="all" spc="200" dirty="0" smtClean="0">
                 <a:solidFill>
@@ -12418,7 +12836,7 @@
                 <a:latin typeface="Arial"/>
                 <a:cs typeface="Arial"/>
               </a:rPr>
-              <a:t>meetings</a:t>
+              <a:t>Committees</a:t>
             </a:r>
           </a:p>
           <a:p>
@@ -12428,7 +12846,7 @@
               </a:lnSpc>
             </a:pPr>
             <a:r>
-              <a:rPr lang="en-GB" sz="1400" cap="all" spc="200" dirty="0" smtClean="0">
+              <a:rPr lang="en-GB" sz="1400" cap="all" spc="200" dirty="0" err="1" smtClean="0">
                 <a:solidFill>
                   <a:schemeClr val="accent1">
                     <a:lumMod val="75000"/>
@@ -12437,7 +12855,7 @@
                 <a:latin typeface="Arial"/>
                 <a:cs typeface="Arial"/>
               </a:rPr>
-              <a:t>Committees</a:t>
+              <a:t>Redmine</a:t>
             </a:r>
             <a:endParaRPr lang="en-GB" sz="1400" cap="all" spc="200" dirty="0" smtClean="0">
               <a:solidFill>
@@ -12456,7 +12874,7 @@
               </a:lnSpc>
             </a:pPr>
             <a:r>
-              <a:rPr lang="en-GB" sz="1400" cap="all" spc="200" dirty="0" err="1" smtClean="0">
+              <a:rPr lang="en-GB" sz="1400" cap="all" spc="200" dirty="0" smtClean="0">
                 <a:solidFill>
                   <a:schemeClr val="accent1">
                     <a:lumMod val="75000"/>
@@ -12465,17 +12883,8 @@
                 <a:latin typeface="Arial"/>
                 <a:cs typeface="Arial"/>
               </a:rPr>
-              <a:t>Redmine</a:t>
-            </a:r>
-            <a:endParaRPr lang="en-GB" sz="1400" cap="all" spc="200" dirty="0" smtClean="0">
-              <a:solidFill>
-                <a:schemeClr val="accent1">
-                  <a:lumMod val="75000"/>
-                </a:schemeClr>
-              </a:solidFill>
-              <a:latin typeface="Arial"/>
-              <a:cs typeface="Arial"/>
-            </a:endParaRPr>
+              <a:t>GIT</a:t>
+            </a:r>
           </a:p>
           <a:p>
             <a:pPr marL="12700">
@@ -12493,38 +12902,7 @@
                 <a:latin typeface="Arial"/>
                 <a:cs typeface="Arial"/>
               </a:rPr>
-              <a:t>GIT</a:t>
-            </a:r>
-          </a:p>
-          <a:p>
-            <a:pPr marL="12700">
-              <a:lnSpc>
-                <a:spcPct val="100000"/>
-              </a:lnSpc>
-            </a:pPr>
-            <a:r>
-              <a:rPr lang="en-GB" sz="1400" cap="all" spc="200" dirty="0" smtClean="0">
-                <a:solidFill>
-                  <a:schemeClr val="accent1">
-                    <a:lumMod val="75000"/>
-                  </a:schemeClr>
-                </a:solidFill>
-                <a:latin typeface="Arial"/>
-                <a:cs typeface="Arial"/>
-              </a:rPr>
-              <a:t>continuous </a:t>
-            </a:r>
-            <a:r>
-              <a:rPr lang="en-GB" sz="1400" cap="all" spc="200" dirty="0" smtClean="0">
-                <a:solidFill>
-                  <a:schemeClr val="accent1">
-                    <a:lumMod val="75000"/>
-                  </a:schemeClr>
-                </a:solidFill>
-                <a:latin typeface="Arial"/>
-                <a:cs typeface="Arial"/>
-              </a:rPr>
-              <a:t>integration</a:t>
+              <a:t>continuous integration</a:t>
             </a:r>
             <a:endParaRPr lang="da-DK" sz="1600" cap="all" spc="200" dirty="0" smtClean="0">
               <a:solidFill>
@@ -12760,7 +13138,7 @@
     </p:spTree>
     <p:extLst>
       <p:ext uri="{BB962C8B-B14F-4D97-AF65-F5344CB8AC3E}">
-        <p14:creationId xmlns:p14="http://schemas.microsoft.com/office/powerpoint/2010/main" xmlns="" val="585023994"/>
+        <p14:creationId xmlns="" xmlns:p14="http://schemas.microsoft.com/office/powerpoint/2010/main" val="585023994"/>
       </p:ext>
     </p:extLst>
   </p:cSld>
@@ -12768,7 +13146,7 @@
     <a:masterClrMapping/>
   </p:clrMapOvr>
   <mc:AlternateContent xmlns:mc="http://schemas.openxmlformats.org/markup-compatibility/2006">
-    <mc:Choice xmlns:p14="http://schemas.microsoft.com/office/powerpoint/2010/main" xmlns="" Requires="p14">
+    <mc:Choice xmlns="" xmlns:p14="http://schemas.microsoft.com/office/powerpoint/2010/main" Requires="p14">
       <p:transition p14:dur="250">
         <p:fade/>
       </p:transition>
@@ -13316,7 +13694,7 @@
     </p:spTree>
     <p:extLst>
       <p:ext uri="{BB962C8B-B14F-4D97-AF65-F5344CB8AC3E}">
-        <p14:creationId xmlns:p14="http://schemas.microsoft.com/office/powerpoint/2010/main" xmlns="" val="585023994"/>
+        <p14:creationId xmlns="" xmlns:p14="http://schemas.microsoft.com/office/powerpoint/2010/main" val="585023994"/>
       </p:ext>
     </p:extLst>
   </p:cSld>
@@ -13324,7 +13702,7 @@
     <a:masterClrMapping/>
   </p:clrMapOvr>
   <mc:AlternateContent xmlns:mc="http://schemas.openxmlformats.org/markup-compatibility/2006">
-    <mc:Choice xmlns:p14="http://schemas.microsoft.com/office/powerpoint/2010/main" xmlns="" Requires="p14">
+    <mc:Choice xmlns="" xmlns:p14="http://schemas.microsoft.com/office/powerpoint/2010/main" Requires="p14">
       <p:transition p14:dur="250">
         <p:fade/>
       </p:transition>
@@ -13795,7 +14173,7 @@
     </p:spTree>
     <p:extLst>
       <p:ext uri="{BB962C8B-B14F-4D97-AF65-F5344CB8AC3E}">
-        <p14:creationId xmlns:p14="http://schemas.microsoft.com/office/powerpoint/2010/main" xmlns="" val="585023994"/>
+        <p14:creationId xmlns="" xmlns:p14="http://schemas.microsoft.com/office/powerpoint/2010/main" val="585023994"/>
       </p:ext>
     </p:extLst>
   </p:cSld>
@@ -13803,7 +14181,7 @@
     <a:masterClrMapping/>
   </p:clrMapOvr>
   <mc:AlternateContent xmlns:mc="http://schemas.openxmlformats.org/markup-compatibility/2006">
-    <mc:Choice xmlns:p14="http://schemas.microsoft.com/office/powerpoint/2010/main" xmlns="" Requires="p14">
+    <mc:Choice xmlns="" xmlns:p14="http://schemas.microsoft.com/office/powerpoint/2010/main" Requires="p14">
       <p:transition p14:dur="250">
         <p:fade/>
       </p:transition>
@@ -13910,7 +14288,7 @@
           <a:blip r:embed="rId2" cstate="print">
             <a:extLst>
               <a:ext uri="{28A0092B-C50C-407E-A947-70E740481C1C}">
-                <a14:useLocalDpi xmlns:a14="http://schemas.microsoft.com/office/drawing/2010/main" xmlns="" val="0"/>
+                <a14:useLocalDpi xmlns="" xmlns:a14="http://schemas.microsoft.com/office/drawing/2010/main" val="0"/>
               </a:ext>
             </a:extLst>
           </a:blip>
@@ -13993,7 +14371,7 @@
     </p:spTree>
     <p:extLst>
       <p:ext uri="{BB962C8B-B14F-4D97-AF65-F5344CB8AC3E}">
-        <p14:creationId xmlns:p14="http://schemas.microsoft.com/office/powerpoint/2010/main" xmlns="" val="3425622471"/>
+        <p14:creationId xmlns="" xmlns:p14="http://schemas.microsoft.com/office/powerpoint/2010/main" val="3425622471"/>
       </p:ext>
     </p:extLst>
   </p:cSld>
@@ -14001,7 +14379,7 @@
     <a:masterClrMapping/>
   </p:clrMapOvr>
   <mc:AlternateContent xmlns:mc="http://schemas.openxmlformats.org/markup-compatibility/2006">
-    <mc:Choice xmlns:p14="http://schemas.microsoft.com/office/powerpoint/2010/main" xmlns="" Requires="p14">
+    <mc:Choice xmlns="" xmlns:p14="http://schemas.microsoft.com/office/powerpoint/2010/main" Requires="p14">
       <p:transition p14:dur="250">
         <p:fade/>
       </p:transition>
@@ -14500,7 +14878,7 @@
     </p:spTree>
     <p:extLst>
       <p:ext uri="{BB962C8B-B14F-4D97-AF65-F5344CB8AC3E}">
-        <p14:creationId xmlns:p14="http://schemas.microsoft.com/office/powerpoint/2010/main" xmlns="" val="585023994"/>
+        <p14:creationId xmlns="" xmlns:p14="http://schemas.microsoft.com/office/powerpoint/2010/main" val="585023994"/>
       </p:ext>
     </p:extLst>
   </p:cSld>
@@ -14508,7 +14886,7 @@
     <a:masterClrMapping/>
   </p:clrMapOvr>
   <mc:AlternateContent xmlns:mc="http://schemas.openxmlformats.org/markup-compatibility/2006">
-    <mc:Choice xmlns:p14="http://schemas.microsoft.com/office/powerpoint/2010/main" xmlns="" Requires="p14">
+    <mc:Choice xmlns="" xmlns:p14="http://schemas.microsoft.com/office/powerpoint/2010/main" Requires="p14">
       <p:transition p14:dur="250">
         <p:fade/>
       </p:transition>
@@ -14958,7 +15336,7 @@
     </p:spTree>
     <p:extLst>
       <p:ext uri="{BB962C8B-B14F-4D97-AF65-F5344CB8AC3E}">
-        <p14:creationId xmlns:p14="http://schemas.microsoft.com/office/powerpoint/2010/main" xmlns="" val="585023994"/>
+        <p14:creationId xmlns="" xmlns:p14="http://schemas.microsoft.com/office/powerpoint/2010/main" val="585023994"/>
       </p:ext>
     </p:extLst>
   </p:cSld>
@@ -14966,7 +15344,7 @@
     <a:masterClrMapping/>
   </p:clrMapOvr>
   <mc:AlternateContent xmlns:mc="http://schemas.openxmlformats.org/markup-compatibility/2006">
-    <mc:Choice xmlns:p14="http://schemas.microsoft.com/office/powerpoint/2010/main" xmlns="" Requires="p14">
+    <mc:Choice xmlns="" xmlns:p14="http://schemas.microsoft.com/office/powerpoint/2010/main" Requires="p14">
       <p:transition p14:dur="250">
         <p:fade/>
       </p:transition>

--- a/slides/main.pptx
+++ b/slides/main.pptx
@@ -882,7 +882,7 @@
     </p:spTree>
     <p:extLst>
       <p:ext uri="{BB962C8B-B14F-4D97-AF65-F5344CB8AC3E}">
-        <p14:creationId xmlns="" xmlns:p14="http://schemas.microsoft.com/office/powerpoint/2010/main" val="2128366257"/>
+        <p14:creationId xmlns:p14="http://schemas.microsoft.com/office/powerpoint/2010/main" xmlns="" val="2128366257"/>
       </p:ext>
     </p:extLst>
   </p:cSld>
@@ -912,7 +912,7 @@
     </p:spTree>
     <p:extLst>
       <p:ext uri="{BB962C8B-B14F-4D97-AF65-F5344CB8AC3E}">
-        <p14:creationId xmlns="" xmlns:p14="http://schemas.microsoft.com/office/powerpoint/2010/main" val="195677046"/>
+        <p14:creationId xmlns:p14="http://schemas.microsoft.com/office/powerpoint/2010/main" xmlns="" val="195677046"/>
       </p:ext>
     </p:extLst>
   </p:cSld>
@@ -942,7 +942,7 @@
     </p:spTree>
     <p:extLst>
       <p:ext uri="{BB962C8B-B14F-4D97-AF65-F5344CB8AC3E}">
-        <p14:creationId xmlns="" xmlns:p14="http://schemas.microsoft.com/office/powerpoint/2010/main" val="1997685105"/>
+        <p14:creationId xmlns:p14="http://schemas.microsoft.com/office/powerpoint/2010/main" xmlns="" val="1997685105"/>
       </p:ext>
     </p:extLst>
   </p:cSld>
@@ -3194,7 +3194,7 @@
           <a:blip r:embed="rId2" cstate="print">
             <a:extLst>
               <a:ext uri="{28A0092B-C50C-407E-A947-70E740481C1C}">
-                <a14:useLocalDpi xmlns="" xmlns:a14="http://schemas.microsoft.com/office/drawing/2010/main" val="0"/>
+                <a14:useLocalDpi xmlns:a14="http://schemas.microsoft.com/office/drawing/2010/main" xmlns="" val="0"/>
               </a:ext>
             </a:extLst>
           </a:blip>
@@ -3278,7 +3278,7 @@
           <a:blip r:embed="rId3" cstate="print">
             <a:extLst>
               <a:ext uri="{28A0092B-C50C-407E-A947-70E740481C1C}">
-                <a14:useLocalDpi xmlns="" xmlns:a14="http://schemas.microsoft.com/office/drawing/2010/main" val="0"/>
+                <a14:useLocalDpi xmlns:a14="http://schemas.microsoft.com/office/drawing/2010/main" xmlns="" val="0"/>
               </a:ext>
             </a:extLst>
           </a:blip>
@@ -3583,7 +3583,7 @@
     <a:masterClrMapping/>
   </p:clrMapOvr>
   <mc:AlternateContent xmlns:mc="http://schemas.openxmlformats.org/markup-compatibility/2006">
-    <mc:Choice xmlns="" xmlns:p14="http://schemas.microsoft.com/office/powerpoint/2010/main" Requires="p14">
+    <mc:Choice xmlns:p14="http://schemas.microsoft.com/office/powerpoint/2010/main" xmlns="" Requires="p14">
       <p:transition p14:dur="250">
         <p:fade/>
       </p:transition>
@@ -3964,10 +3964,236 @@
           <a:noFill/>
         </p:spPr>
       </p:pic>
+      <p:sp>
+        <p:nvSpPr>
+          <p:cNvPr id="7" name="TextBox 6"/>
+          <p:cNvSpPr txBox="1"/>
+          <p:nvPr/>
+        </p:nvSpPr>
+        <p:spPr>
+          <a:xfrm>
+            <a:off x="5615608" y="188640"/>
+            <a:ext cx="3528392" cy="707886"/>
+          </a:xfrm>
+          <a:prstGeom prst="rect">
+            <a:avLst/>
+          </a:prstGeom>
+          <a:noFill/>
+        </p:spPr>
+        <p:txBody>
+          <a:bodyPr wrap="square" numCol="2" rtlCol="0">
+            <a:spAutoFit/>
+          </a:bodyPr>
+          <a:lstStyle/>
+          <a:p>
+            <a:pPr marL="12700">
+              <a:lnSpc>
+                <a:spcPct val="100000"/>
+              </a:lnSpc>
+            </a:pPr>
+            <a:r>
+              <a:rPr lang="da-DK" sz="1000" b="1" cap="all" spc="200" dirty="0" smtClean="0">
+                <a:solidFill>
+                  <a:schemeClr val="accent1">
+                    <a:lumMod val="75000"/>
+                    <a:alpha val="30000"/>
+                  </a:schemeClr>
+                </a:solidFill>
+                <a:latin typeface="Arial"/>
+                <a:cs typeface="Arial"/>
+              </a:rPr>
+              <a:t>GIRAF</a:t>
+            </a:r>
+            <a:endParaRPr lang="da-DK" sz="1000" b="1" cap="all" spc="200" dirty="0" smtClean="0">
+              <a:solidFill>
+                <a:schemeClr val="accent1">
+                  <a:lumMod val="75000"/>
+                  <a:alpha val="30000"/>
+                </a:schemeClr>
+              </a:solidFill>
+              <a:latin typeface="Arial"/>
+              <a:cs typeface="Arial"/>
+            </a:endParaRPr>
+          </a:p>
+          <a:p>
+            <a:pPr marL="12700">
+              <a:lnSpc>
+                <a:spcPct val="100000"/>
+              </a:lnSpc>
+            </a:pPr>
+            <a:r>
+              <a:rPr lang="da-DK" sz="1000" b="1" cap="all" spc="200" dirty="0" smtClean="0">
+                <a:solidFill>
+                  <a:schemeClr val="accent1">
+                    <a:lumMod val="75000"/>
+                  </a:schemeClr>
+                </a:solidFill>
+                <a:latin typeface="Arial"/>
+                <a:cs typeface="Arial"/>
+              </a:rPr>
+              <a:t>Game </a:t>
+            </a:r>
+            <a:r>
+              <a:rPr lang="da-DK" sz="1000" b="1" cap="all" spc="200" dirty="0" smtClean="0">
+                <a:solidFill>
+                  <a:schemeClr val="accent1">
+                    <a:lumMod val="75000"/>
+                  </a:schemeClr>
+                </a:solidFill>
+                <a:latin typeface="Arial"/>
+                <a:cs typeface="Arial"/>
+              </a:rPr>
+              <a:t>Design</a:t>
+            </a:r>
+            <a:endParaRPr lang="da-DK" sz="1000" b="1" cap="all" spc="200" dirty="0" smtClean="0">
+              <a:solidFill>
+                <a:schemeClr val="accent1">
+                  <a:lumMod val="75000"/>
+                </a:schemeClr>
+              </a:solidFill>
+              <a:latin typeface="Arial"/>
+              <a:cs typeface="Arial"/>
+            </a:endParaRPr>
+          </a:p>
+          <a:p>
+            <a:pPr marL="12700">
+              <a:lnSpc>
+                <a:spcPct val="100000"/>
+              </a:lnSpc>
+            </a:pPr>
+            <a:r>
+              <a:rPr lang="da-DK" sz="1000" b="1" cap="all" spc="200" dirty="0" smtClean="0">
+                <a:solidFill>
+                  <a:schemeClr val="accent1">
+                    <a:lumMod val="75000"/>
+                    <a:alpha val="30000"/>
+                  </a:schemeClr>
+                </a:solidFill>
+                <a:latin typeface="Arial"/>
+                <a:cs typeface="Arial"/>
+              </a:rPr>
+              <a:t>OpenGL </a:t>
+            </a:r>
+            <a:r>
+              <a:rPr lang="da-DK" sz="1000" b="1" cap="all" spc="200" dirty="0" smtClean="0">
+                <a:solidFill>
+                  <a:schemeClr val="accent1">
+                    <a:lumMod val="75000"/>
+                    <a:alpha val="30000"/>
+                  </a:schemeClr>
+                </a:solidFill>
+                <a:latin typeface="Arial"/>
+                <a:cs typeface="Arial"/>
+              </a:rPr>
+              <a:t>ES</a:t>
+            </a:r>
+          </a:p>
+          <a:p>
+            <a:pPr marL="12700">
+              <a:lnSpc>
+                <a:spcPct val="100000"/>
+              </a:lnSpc>
+            </a:pPr>
+            <a:endParaRPr lang="da-DK" sz="1000" b="1" cap="all" spc="200" dirty="0" smtClean="0">
+              <a:solidFill>
+                <a:schemeClr val="accent1">
+                  <a:lumMod val="75000"/>
+                  <a:alpha val="30000"/>
+                </a:schemeClr>
+              </a:solidFill>
+              <a:latin typeface="Arial"/>
+              <a:cs typeface="Arial"/>
+            </a:endParaRPr>
+          </a:p>
+          <a:p>
+            <a:pPr marL="12700">
+              <a:lnSpc>
+                <a:spcPct val="100000"/>
+              </a:lnSpc>
+            </a:pPr>
+            <a:r>
+              <a:rPr lang="da-DK" sz="1000" b="1" cap="all" spc="200" dirty="0" smtClean="0">
+                <a:solidFill>
+                  <a:schemeClr val="accent1">
+                    <a:lumMod val="75000"/>
+                    <a:alpha val="30000"/>
+                  </a:schemeClr>
+                </a:solidFill>
+                <a:latin typeface="Arial"/>
+                <a:cs typeface="Arial"/>
+              </a:rPr>
+              <a:t>Implementation</a:t>
+            </a:r>
+            <a:endParaRPr lang="da-DK" sz="1000" b="1" cap="all" spc="200" dirty="0" smtClean="0">
+              <a:solidFill>
+                <a:schemeClr val="accent1">
+                  <a:lumMod val="75000"/>
+                  <a:alpha val="30000"/>
+                </a:schemeClr>
+              </a:solidFill>
+              <a:latin typeface="Arial"/>
+              <a:cs typeface="Arial"/>
+            </a:endParaRPr>
+          </a:p>
+          <a:p>
+            <a:pPr marL="12700">
+              <a:lnSpc>
+                <a:spcPct val="100000"/>
+              </a:lnSpc>
+            </a:pPr>
+            <a:r>
+              <a:rPr lang="da-DK" sz="1000" b="1" cap="all" spc="200" dirty="0" smtClean="0">
+                <a:solidFill>
+                  <a:schemeClr val="accent1">
+                    <a:lumMod val="75000"/>
+                    <a:alpha val="30000"/>
+                  </a:schemeClr>
+                </a:solidFill>
+                <a:latin typeface="Arial"/>
+                <a:cs typeface="Arial"/>
+              </a:rPr>
+              <a:t>Conclusion</a:t>
+            </a:r>
+            <a:endParaRPr lang="da-DK" sz="1000" b="1" cap="all" spc="200" dirty="0" smtClean="0">
+              <a:solidFill>
+                <a:schemeClr val="accent1">
+                  <a:lumMod val="75000"/>
+                  <a:alpha val="30000"/>
+                </a:schemeClr>
+              </a:solidFill>
+              <a:latin typeface="Arial"/>
+              <a:cs typeface="Arial"/>
+            </a:endParaRPr>
+          </a:p>
+          <a:p>
+            <a:pPr marL="12700">
+              <a:lnSpc>
+                <a:spcPct val="100000"/>
+              </a:lnSpc>
+            </a:pPr>
+            <a:r>
+              <a:rPr lang="da-DK" sz="1000" b="1" cap="all" spc="200" dirty="0" smtClean="0">
+                <a:solidFill>
+                  <a:schemeClr val="accent1">
+                    <a:lumMod val="75000"/>
+                    <a:alpha val="30000"/>
+                  </a:schemeClr>
+                </a:solidFill>
+                <a:latin typeface="Arial"/>
+                <a:cs typeface="Arial"/>
+              </a:rPr>
+              <a:t>demonstration</a:t>
+            </a:r>
+          </a:p>
+          <a:p>
+            <a:endParaRPr lang="da-DK" sz="1000" dirty="0"/>
+          </a:p>
+        </p:txBody>
+      </p:sp>
     </p:spTree>
     <p:extLst>
       <p:ext uri="{BB962C8B-B14F-4D97-AF65-F5344CB8AC3E}">
-        <p14:creationId xmlns="" xmlns:p14="http://schemas.microsoft.com/office/powerpoint/2010/main" val="585023994"/>
+        <p14:creationId xmlns:p14="http://schemas.microsoft.com/office/powerpoint/2010/main" xmlns="" val="585023994"/>
       </p:ext>
     </p:extLst>
   </p:cSld>
@@ -3975,7 +4201,7 @@
     <a:masterClrMapping/>
   </p:clrMapOvr>
   <mc:AlternateContent xmlns:mc="http://schemas.openxmlformats.org/markup-compatibility/2006">
-    <mc:Choice xmlns="" xmlns:p14="http://schemas.microsoft.com/office/powerpoint/2010/main" Requires="p14">
+    <mc:Choice xmlns:p14="http://schemas.microsoft.com/office/powerpoint/2010/main" xmlns="" Requires="p14">
       <p:transition p14:dur="250">
         <p:fade/>
       </p:transition>
@@ -4356,10 +4582,236 @@
           </a:p>
         </p:txBody>
       </p:sp>
+      <p:sp>
+        <p:nvSpPr>
+          <p:cNvPr id="7" name="TextBox 6"/>
+          <p:cNvSpPr txBox="1"/>
+          <p:nvPr/>
+        </p:nvSpPr>
+        <p:spPr>
+          <a:xfrm>
+            <a:off x="5615608" y="188640"/>
+            <a:ext cx="3528392" cy="707886"/>
+          </a:xfrm>
+          <a:prstGeom prst="rect">
+            <a:avLst/>
+          </a:prstGeom>
+          <a:noFill/>
+        </p:spPr>
+        <p:txBody>
+          <a:bodyPr wrap="square" numCol="2" rtlCol="0">
+            <a:spAutoFit/>
+          </a:bodyPr>
+          <a:lstStyle/>
+          <a:p>
+            <a:pPr marL="12700">
+              <a:lnSpc>
+                <a:spcPct val="100000"/>
+              </a:lnSpc>
+            </a:pPr>
+            <a:r>
+              <a:rPr lang="da-DK" sz="1000" b="1" cap="all" spc="200" dirty="0" smtClean="0">
+                <a:solidFill>
+                  <a:schemeClr val="accent1">
+                    <a:lumMod val="75000"/>
+                    <a:alpha val="30000"/>
+                  </a:schemeClr>
+                </a:solidFill>
+                <a:latin typeface="Arial"/>
+                <a:cs typeface="Arial"/>
+              </a:rPr>
+              <a:t>GIRAF</a:t>
+            </a:r>
+            <a:endParaRPr lang="da-DK" sz="1000" b="1" cap="all" spc="200" dirty="0" smtClean="0">
+              <a:solidFill>
+                <a:schemeClr val="accent1">
+                  <a:lumMod val="75000"/>
+                  <a:alpha val="30000"/>
+                </a:schemeClr>
+              </a:solidFill>
+              <a:latin typeface="Arial"/>
+              <a:cs typeface="Arial"/>
+            </a:endParaRPr>
+          </a:p>
+          <a:p>
+            <a:pPr marL="12700">
+              <a:lnSpc>
+                <a:spcPct val="100000"/>
+              </a:lnSpc>
+            </a:pPr>
+            <a:r>
+              <a:rPr lang="da-DK" sz="1000" b="1" cap="all" spc="200" dirty="0" smtClean="0">
+                <a:solidFill>
+                  <a:schemeClr val="accent1">
+                    <a:lumMod val="75000"/>
+                  </a:schemeClr>
+                </a:solidFill>
+                <a:latin typeface="Arial"/>
+                <a:cs typeface="Arial"/>
+              </a:rPr>
+              <a:t>Game </a:t>
+            </a:r>
+            <a:r>
+              <a:rPr lang="da-DK" sz="1000" b="1" cap="all" spc="200" dirty="0" smtClean="0">
+                <a:solidFill>
+                  <a:schemeClr val="accent1">
+                    <a:lumMod val="75000"/>
+                  </a:schemeClr>
+                </a:solidFill>
+                <a:latin typeface="Arial"/>
+                <a:cs typeface="Arial"/>
+              </a:rPr>
+              <a:t>Design</a:t>
+            </a:r>
+            <a:endParaRPr lang="da-DK" sz="1000" b="1" cap="all" spc="200" dirty="0" smtClean="0">
+              <a:solidFill>
+                <a:schemeClr val="accent1">
+                  <a:lumMod val="75000"/>
+                </a:schemeClr>
+              </a:solidFill>
+              <a:latin typeface="Arial"/>
+              <a:cs typeface="Arial"/>
+            </a:endParaRPr>
+          </a:p>
+          <a:p>
+            <a:pPr marL="12700">
+              <a:lnSpc>
+                <a:spcPct val="100000"/>
+              </a:lnSpc>
+            </a:pPr>
+            <a:r>
+              <a:rPr lang="da-DK" sz="1000" b="1" cap="all" spc="200" dirty="0" smtClean="0">
+                <a:solidFill>
+                  <a:schemeClr val="accent1">
+                    <a:lumMod val="75000"/>
+                    <a:alpha val="30000"/>
+                  </a:schemeClr>
+                </a:solidFill>
+                <a:latin typeface="Arial"/>
+                <a:cs typeface="Arial"/>
+              </a:rPr>
+              <a:t>OpenGL </a:t>
+            </a:r>
+            <a:r>
+              <a:rPr lang="da-DK" sz="1000" b="1" cap="all" spc="200" dirty="0" smtClean="0">
+                <a:solidFill>
+                  <a:schemeClr val="accent1">
+                    <a:lumMod val="75000"/>
+                    <a:alpha val="30000"/>
+                  </a:schemeClr>
+                </a:solidFill>
+                <a:latin typeface="Arial"/>
+                <a:cs typeface="Arial"/>
+              </a:rPr>
+              <a:t>ES</a:t>
+            </a:r>
+          </a:p>
+          <a:p>
+            <a:pPr marL="12700">
+              <a:lnSpc>
+                <a:spcPct val="100000"/>
+              </a:lnSpc>
+            </a:pPr>
+            <a:endParaRPr lang="da-DK" sz="1000" b="1" cap="all" spc="200" dirty="0" smtClean="0">
+              <a:solidFill>
+                <a:schemeClr val="accent1">
+                  <a:lumMod val="75000"/>
+                  <a:alpha val="30000"/>
+                </a:schemeClr>
+              </a:solidFill>
+              <a:latin typeface="Arial"/>
+              <a:cs typeface="Arial"/>
+            </a:endParaRPr>
+          </a:p>
+          <a:p>
+            <a:pPr marL="12700">
+              <a:lnSpc>
+                <a:spcPct val="100000"/>
+              </a:lnSpc>
+            </a:pPr>
+            <a:r>
+              <a:rPr lang="da-DK" sz="1000" b="1" cap="all" spc="200" dirty="0" smtClean="0">
+                <a:solidFill>
+                  <a:schemeClr val="accent1">
+                    <a:lumMod val="75000"/>
+                    <a:alpha val="30000"/>
+                  </a:schemeClr>
+                </a:solidFill>
+                <a:latin typeface="Arial"/>
+                <a:cs typeface="Arial"/>
+              </a:rPr>
+              <a:t>Implementation</a:t>
+            </a:r>
+            <a:endParaRPr lang="da-DK" sz="1000" b="1" cap="all" spc="200" dirty="0" smtClean="0">
+              <a:solidFill>
+                <a:schemeClr val="accent1">
+                  <a:lumMod val="75000"/>
+                  <a:alpha val="30000"/>
+                </a:schemeClr>
+              </a:solidFill>
+              <a:latin typeface="Arial"/>
+              <a:cs typeface="Arial"/>
+            </a:endParaRPr>
+          </a:p>
+          <a:p>
+            <a:pPr marL="12700">
+              <a:lnSpc>
+                <a:spcPct val="100000"/>
+              </a:lnSpc>
+            </a:pPr>
+            <a:r>
+              <a:rPr lang="da-DK" sz="1000" b="1" cap="all" spc="200" dirty="0" smtClean="0">
+                <a:solidFill>
+                  <a:schemeClr val="accent1">
+                    <a:lumMod val="75000"/>
+                    <a:alpha val="30000"/>
+                  </a:schemeClr>
+                </a:solidFill>
+                <a:latin typeface="Arial"/>
+                <a:cs typeface="Arial"/>
+              </a:rPr>
+              <a:t>Conclusion</a:t>
+            </a:r>
+            <a:endParaRPr lang="da-DK" sz="1000" b="1" cap="all" spc="200" dirty="0" smtClean="0">
+              <a:solidFill>
+                <a:schemeClr val="accent1">
+                  <a:lumMod val="75000"/>
+                  <a:alpha val="30000"/>
+                </a:schemeClr>
+              </a:solidFill>
+              <a:latin typeface="Arial"/>
+              <a:cs typeface="Arial"/>
+            </a:endParaRPr>
+          </a:p>
+          <a:p>
+            <a:pPr marL="12700">
+              <a:lnSpc>
+                <a:spcPct val="100000"/>
+              </a:lnSpc>
+            </a:pPr>
+            <a:r>
+              <a:rPr lang="da-DK" sz="1000" b="1" cap="all" spc="200" dirty="0" smtClean="0">
+                <a:solidFill>
+                  <a:schemeClr val="accent1">
+                    <a:lumMod val="75000"/>
+                    <a:alpha val="30000"/>
+                  </a:schemeClr>
+                </a:solidFill>
+                <a:latin typeface="Arial"/>
+                <a:cs typeface="Arial"/>
+              </a:rPr>
+              <a:t>demonstration</a:t>
+            </a:r>
+          </a:p>
+          <a:p>
+            <a:endParaRPr lang="da-DK" sz="1000" dirty="0"/>
+          </a:p>
+        </p:txBody>
+      </p:sp>
     </p:spTree>
     <p:extLst>
       <p:ext uri="{BB962C8B-B14F-4D97-AF65-F5344CB8AC3E}">
-        <p14:creationId xmlns="" xmlns:p14="http://schemas.microsoft.com/office/powerpoint/2010/main" val="585023994"/>
+        <p14:creationId xmlns:p14="http://schemas.microsoft.com/office/powerpoint/2010/main" xmlns="" val="585023994"/>
       </p:ext>
     </p:extLst>
   </p:cSld>
@@ -4367,7 +4819,7 @@
     <a:masterClrMapping/>
   </p:clrMapOvr>
   <mc:AlternateContent xmlns:mc="http://schemas.openxmlformats.org/markup-compatibility/2006">
-    <mc:Choice xmlns="" xmlns:p14="http://schemas.microsoft.com/office/powerpoint/2010/main" Requires="p14">
+    <mc:Choice xmlns:p14="http://schemas.microsoft.com/office/powerpoint/2010/main" xmlns="" Requires="p14">
       <p:transition p14:dur="250">
         <p:fade/>
       </p:transition>
@@ -4748,10 +5200,236 @@
           </a:p>
         </p:txBody>
       </p:sp>
+      <p:sp>
+        <p:nvSpPr>
+          <p:cNvPr id="7" name="TextBox 6"/>
+          <p:cNvSpPr txBox="1"/>
+          <p:nvPr/>
+        </p:nvSpPr>
+        <p:spPr>
+          <a:xfrm>
+            <a:off x="5615608" y="188640"/>
+            <a:ext cx="3528392" cy="707886"/>
+          </a:xfrm>
+          <a:prstGeom prst="rect">
+            <a:avLst/>
+          </a:prstGeom>
+          <a:noFill/>
+        </p:spPr>
+        <p:txBody>
+          <a:bodyPr wrap="square" numCol="2" rtlCol="0">
+            <a:spAutoFit/>
+          </a:bodyPr>
+          <a:lstStyle/>
+          <a:p>
+            <a:pPr marL="12700">
+              <a:lnSpc>
+                <a:spcPct val="100000"/>
+              </a:lnSpc>
+            </a:pPr>
+            <a:r>
+              <a:rPr lang="da-DK" sz="1000" b="1" cap="all" spc="200" dirty="0" smtClean="0">
+                <a:solidFill>
+                  <a:schemeClr val="accent1">
+                    <a:lumMod val="75000"/>
+                    <a:alpha val="30000"/>
+                  </a:schemeClr>
+                </a:solidFill>
+                <a:latin typeface="Arial"/>
+                <a:cs typeface="Arial"/>
+              </a:rPr>
+              <a:t>GIRAF</a:t>
+            </a:r>
+            <a:endParaRPr lang="da-DK" sz="1000" b="1" cap="all" spc="200" dirty="0" smtClean="0">
+              <a:solidFill>
+                <a:schemeClr val="accent1">
+                  <a:lumMod val="75000"/>
+                  <a:alpha val="30000"/>
+                </a:schemeClr>
+              </a:solidFill>
+              <a:latin typeface="Arial"/>
+              <a:cs typeface="Arial"/>
+            </a:endParaRPr>
+          </a:p>
+          <a:p>
+            <a:pPr marL="12700">
+              <a:lnSpc>
+                <a:spcPct val="100000"/>
+              </a:lnSpc>
+            </a:pPr>
+            <a:r>
+              <a:rPr lang="da-DK" sz="1000" b="1" cap="all" spc="200" dirty="0" smtClean="0">
+                <a:solidFill>
+                  <a:schemeClr val="accent1">
+                    <a:lumMod val="75000"/>
+                  </a:schemeClr>
+                </a:solidFill>
+                <a:latin typeface="Arial"/>
+                <a:cs typeface="Arial"/>
+              </a:rPr>
+              <a:t>Game </a:t>
+            </a:r>
+            <a:r>
+              <a:rPr lang="da-DK" sz="1000" b="1" cap="all" spc="200" dirty="0" smtClean="0">
+                <a:solidFill>
+                  <a:schemeClr val="accent1">
+                    <a:lumMod val="75000"/>
+                  </a:schemeClr>
+                </a:solidFill>
+                <a:latin typeface="Arial"/>
+                <a:cs typeface="Arial"/>
+              </a:rPr>
+              <a:t>Design</a:t>
+            </a:r>
+            <a:endParaRPr lang="da-DK" sz="1000" b="1" cap="all" spc="200" dirty="0" smtClean="0">
+              <a:solidFill>
+                <a:schemeClr val="accent1">
+                  <a:lumMod val="75000"/>
+                </a:schemeClr>
+              </a:solidFill>
+              <a:latin typeface="Arial"/>
+              <a:cs typeface="Arial"/>
+            </a:endParaRPr>
+          </a:p>
+          <a:p>
+            <a:pPr marL="12700">
+              <a:lnSpc>
+                <a:spcPct val="100000"/>
+              </a:lnSpc>
+            </a:pPr>
+            <a:r>
+              <a:rPr lang="da-DK" sz="1000" b="1" cap="all" spc="200" dirty="0" smtClean="0">
+                <a:solidFill>
+                  <a:schemeClr val="accent1">
+                    <a:lumMod val="75000"/>
+                    <a:alpha val="30000"/>
+                  </a:schemeClr>
+                </a:solidFill>
+                <a:latin typeface="Arial"/>
+                <a:cs typeface="Arial"/>
+              </a:rPr>
+              <a:t>OpenGL </a:t>
+            </a:r>
+            <a:r>
+              <a:rPr lang="da-DK" sz="1000" b="1" cap="all" spc="200" dirty="0" smtClean="0">
+                <a:solidFill>
+                  <a:schemeClr val="accent1">
+                    <a:lumMod val="75000"/>
+                    <a:alpha val="30000"/>
+                  </a:schemeClr>
+                </a:solidFill>
+                <a:latin typeface="Arial"/>
+                <a:cs typeface="Arial"/>
+              </a:rPr>
+              <a:t>ES</a:t>
+            </a:r>
+          </a:p>
+          <a:p>
+            <a:pPr marL="12700">
+              <a:lnSpc>
+                <a:spcPct val="100000"/>
+              </a:lnSpc>
+            </a:pPr>
+            <a:endParaRPr lang="da-DK" sz="1000" b="1" cap="all" spc="200" dirty="0" smtClean="0">
+              <a:solidFill>
+                <a:schemeClr val="accent1">
+                  <a:lumMod val="75000"/>
+                  <a:alpha val="30000"/>
+                </a:schemeClr>
+              </a:solidFill>
+              <a:latin typeface="Arial"/>
+              <a:cs typeface="Arial"/>
+            </a:endParaRPr>
+          </a:p>
+          <a:p>
+            <a:pPr marL="12700">
+              <a:lnSpc>
+                <a:spcPct val="100000"/>
+              </a:lnSpc>
+            </a:pPr>
+            <a:r>
+              <a:rPr lang="da-DK" sz="1000" b="1" cap="all" spc="200" dirty="0" smtClean="0">
+                <a:solidFill>
+                  <a:schemeClr val="accent1">
+                    <a:lumMod val="75000"/>
+                    <a:alpha val="30000"/>
+                  </a:schemeClr>
+                </a:solidFill>
+                <a:latin typeface="Arial"/>
+                <a:cs typeface="Arial"/>
+              </a:rPr>
+              <a:t>Implementation</a:t>
+            </a:r>
+            <a:endParaRPr lang="da-DK" sz="1000" b="1" cap="all" spc="200" dirty="0" smtClean="0">
+              <a:solidFill>
+                <a:schemeClr val="accent1">
+                  <a:lumMod val="75000"/>
+                  <a:alpha val="30000"/>
+                </a:schemeClr>
+              </a:solidFill>
+              <a:latin typeface="Arial"/>
+              <a:cs typeface="Arial"/>
+            </a:endParaRPr>
+          </a:p>
+          <a:p>
+            <a:pPr marL="12700">
+              <a:lnSpc>
+                <a:spcPct val="100000"/>
+              </a:lnSpc>
+            </a:pPr>
+            <a:r>
+              <a:rPr lang="da-DK" sz="1000" b="1" cap="all" spc="200" dirty="0" smtClean="0">
+                <a:solidFill>
+                  <a:schemeClr val="accent1">
+                    <a:lumMod val="75000"/>
+                    <a:alpha val="30000"/>
+                  </a:schemeClr>
+                </a:solidFill>
+                <a:latin typeface="Arial"/>
+                <a:cs typeface="Arial"/>
+              </a:rPr>
+              <a:t>Conclusion</a:t>
+            </a:r>
+            <a:endParaRPr lang="da-DK" sz="1000" b="1" cap="all" spc="200" dirty="0" smtClean="0">
+              <a:solidFill>
+                <a:schemeClr val="accent1">
+                  <a:lumMod val="75000"/>
+                  <a:alpha val="30000"/>
+                </a:schemeClr>
+              </a:solidFill>
+              <a:latin typeface="Arial"/>
+              <a:cs typeface="Arial"/>
+            </a:endParaRPr>
+          </a:p>
+          <a:p>
+            <a:pPr marL="12700">
+              <a:lnSpc>
+                <a:spcPct val="100000"/>
+              </a:lnSpc>
+            </a:pPr>
+            <a:r>
+              <a:rPr lang="da-DK" sz="1000" b="1" cap="all" spc="200" dirty="0" smtClean="0">
+                <a:solidFill>
+                  <a:schemeClr val="accent1">
+                    <a:lumMod val="75000"/>
+                    <a:alpha val="30000"/>
+                  </a:schemeClr>
+                </a:solidFill>
+                <a:latin typeface="Arial"/>
+                <a:cs typeface="Arial"/>
+              </a:rPr>
+              <a:t>demonstration</a:t>
+            </a:r>
+          </a:p>
+          <a:p>
+            <a:endParaRPr lang="da-DK" sz="1000" dirty="0"/>
+          </a:p>
+        </p:txBody>
+      </p:sp>
     </p:spTree>
     <p:extLst>
       <p:ext uri="{BB962C8B-B14F-4D97-AF65-F5344CB8AC3E}">
-        <p14:creationId xmlns="" xmlns:p14="http://schemas.microsoft.com/office/powerpoint/2010/main" val="585023994"/>
+        <p14:creationId xmlns:p14="http://schemas.microsoft.com/office/powerpoint/2010/main" xmlns="" val="585023994"/>
       </p:ext>
     </p:extLst>
   </p:cSld>
@@ -4759,7 +5437,7 @@
     <a:masterClrMapping/>
   </p:clrMapOvr>
   <mc:AlternateContent xmlns:mc="http://schemas.openxmlformats.org/markup-compatibility/2006">
-    <mc:Choice xmlns="" xmlns:p14="http://schemas.microsoft.com/office/powerpoint/2010/main" Requires="p14">
+    <mc:Choice xmlns:p14="http://schemas.microsoft.com/office/powerpoint/2010/main" xmlns="" Requires="p14">
       <p:transition p14:dur="250">
         <p:fade/>
       </p:transition>
@@ -5131,10 +5809,282 @@
           </a:p>
         </p:txBody>
       </p:sp>
+      <p:sp>
+        <p:nvSpPr>
+          <p:cNvPr id="7" name="TextBox 6"/>
+          <p:cNvSpPr txBox="1"/>
+          <p:nvPr/>
+        </p:nvSpPr>
+        <p:spPr>
+          <a:xfrm>
+            <a:off x="5615608" y="188640"/>
+            <a:ext cx="3528392" cy="707886"/>
+          </a:xfrm>
+          <a:prstGeom prst="rect">
+            <a:avLst/>
+          </a:prstGeom>
+          <a:noFill/>
+        </p:spPr>
+        <p:txBody>
+          <a:bodyPr wrap="square" numCol="2" rtlCol="0">
+            <a:spAutoFit/>
+          </a:bodyPr>
+          <a:lstStyle/>
+          <a:p>
+            <a:pPr marL="12700">
+              <a:lnSpc>
+                <a:spcPct val="100000"/>
+              </a:lnSpc>
+            </a:pPr>
+            <a:r>
+              <a:rPr lang="da-DK" sz="1000" b="1" cap="all" spc="200" dirty="0" smtClean="0">
+                <a:solidFill>
+                  <a:schemeClr val="accent1">
+                    <a:lumMod val="75000"/>
+                    <a:alpha val="30000"/>
+                  </a:schemeClr>
+                </a:solidFill>
+                <a:latin typeface="Arial"/>
+                <a:cs typeface="Arial"/>
+              </a:rPr>
+              <a:t>GIRAF</a:t>
+            </a:r>
+            <a:endParaRPr lang="da-DK" sz="1000" b="1" cap="all" spc="200" dirty="0" smtClean="0">
+              <a:solidFill>
+                <a:schemeClr val="accent1">
+                  <a:lumMod val="75000"/>
+                  <a:alpha val="30000"/>
+                </a:schemeClr>
+              </a:solidFill>
+              <a:latin typeface="Arial"/>
+              <a:cs typeface="Arial"/>
+            </a:endParaRPr>
+          </a:p>
+          <a:p>
+            <a:pPr marL="12700">
+              <a:lnSpc>
+                <a:spcPct val="100000"/>
+              </a:lnSpc>
+            </a:pPr>
+            <a:r>
+              <a:rPr lang="da-DK" sz="1000" b="1" cap="all" spc="200" dirty="0" smtClean="0">
+                <a:solidFill>
+                  <a:schemeClr val="accent1">
+                    <a:lumMod val="75000"/>
+                  </a:schemeClr>
+                </a:solidFill>
+                <a:latin typeface="Arial"/>
+                <a:cs typeface="Arial"/>
+              </a:rPr>
+              <a:t>Game </a:t>
+            </a:r>
+            <a:r>
+              <a:rPr lang="da-DK" sz="1000" b="1" cap="all" spc="200" dirty="0" smtClean="0">
+                <a:solidFill>
+                  <a:schemeClr val="accent1">
+                    <a:lumMod val="75000"/>
+                  </a:schemeClr>
+                </a:solidFill>
+                <a:latin typeface="Arial"/>
+                <a:cs typeface="Arial"/>
+              </a:rPr>
+              <a:t>Design</a:t>
+            </a:r>
+            <a:endParaRPr lang="da-DK" sz="1000" b="1" cap="all" spc="200" dirty="0" smtClean="0">
+              <a:solidFill>
+                <a:schemeClr val="accent1">
+                  <a:lumMod val="75000"/>
+                </a:schemeClr>
+              </a:solidFill>
+              <a:latin typeface="Arial"/>
+              <a:cs typeface="Arial"/>
+            </a:endParaRPr>
+          </a:p>
+          <a:p>
+            <a:pPr marL="12700">
+              <a:lnSpc>
+                <a:spcPct val="100000"/>
+              </a:lnSpc>
+            </a:pPr>
+            <a:r>
+              <a:rPr lang="da-DK" sz="1000" b="1" cap="all" spc="200" dirty="0" smtClean="0">
+                <a:solidFill>
+                  <a:schemeClr val="accent1">
+                    <a:lumMod val="75000"/>
+                    <a:alpha val="30000"/>
+                  </a:schemeClr>
+                </a:solidFill>
+                <a:latin typeface="Arial"/>
+                <a:cs typeface="Arial"/>
+              </a:rPr>
+              <a:t>OpenGL </a:t>
+            </a:r>
+            <a:r>
+              <a:rPr lang="da-DK" sz="1000" b="1" cap="all" spc="200" dirty="0" smtClean="0">
+                <a:solidFill>
+                  <a:schemeClr val="accent1">
+                    <a:lumMod val="75000"/>
+                    <a:alpha val="30000"/>
+                  </a:schemeClr>
+                </a:solidFill>
+                <a:latin typeface="Arial"/>
+                <a:cs typeface="Arial"/>
+              </a:rPr>
+              <a:t>ES</a:t>
+            </a:r>
+          </a:p>
+          <a:p>
+            <a:pPr marL="12700">
+              <a:lnSpc>
+                <a:spcPct val="100000"/>
+              </a:lnSpc>
+            </a:pPr>
+            <a:endParaRPr lang="da-DK" sz="1000" b="1" cap="all" spc="200" dirty="0" smtClean="0">
+              <a:solidFill>
+                <a:schemeClr val="accent1">
+                  <a:lumMod val="75000"/>
+                  <a:alpha val="30000"/>
+                </a:schemeClr>
+              </a:solidFill>
+              <a:latin typeface="Arial"/>
+              <a:cs typeface="Arial"/>
+            </a:endParaRPr>
+          </a:p>
+          <a:p>
+            <a:pPr marL="12700">
+              <a:lnSpc>
+                <a:spcPct val="100000"/>
+              </a:lnSpc>
+            </a:pPr>
+            <a:r>
+              <a:rPr lang="da-DK" sz="1000" b="1" cap="all" spc="200" dirty="0" smtClean="0">
+                <a:solidFill>
+                  <a:schemeClr val="accent1">
+                    <a:lumMod val="75000"/>
+                    <a:alpha val="30000"/>
+                  </a:schemeClr>
+                </a:solidFill>
+                <a:latin typeface="Arial"/>
+                <a:cs typeface="Arial"/>
+              </a:rPr>
+              <a:t>Implementation</a:t>
+            </a:r>
+            <a:endParaRPr lang="da-DK" sz="1000" b="1" cap="all" spc="200" dirty="0" smtClean="0">
+              <a:solidFill>
+                <a:schemeClr val="accent1">
+                  <a:lumMod val="75000"/>
+                  <a:alpha val="30000"/>
+                </a:schemeClr>
+              </a:solidFill>
+              <a:latin typeface="Arial"/>
+              <a:cs typeface="Arial"/>
+            </a:endParaRPr>
+          </a:p>
+          <a:p>
+            <a:pPr marL="12700">
+              <a:lnSpc>
+                <a:spcPct val="100000"/>
+              </a:lnSpc>
+            </a:pPr>
+            <a:r>
+              <a:rPr lang="da-DK" sz="1000" b="1" cap="all" spc="200" dirty="0" smtClean="0">
+                <a:solidFill>
+                  <a:schemeClr val="accent1">
+                    <a:lumMod val="75000"/>
+                    <a:alpha val="30000"/>
+                  </a:schemeClr>
+                </a:solidFill>
+                <a:latin typeface="Arial"/>
+                <a:cs typeface="Arial"/>
+              </a:rPr>
+              <a:t>Conclusion</a:t>
+            </a:r>
+            <a:endParaRPr lang="da-DK" sz="1000" b="1" cap="all" spc="200" dirty="0" smtClean="0">
+              <a:solidFill>
+                <a:schemeClr val="accent1">
+                  <a:lumMod val="75000"/>
+                  <a:alpha val="30000"/>
+                </a:schemeClr>
+              </a:solidFill>
+              <a:latin typeface="Arial"/>
+              <a:cs typeface="Arial"/>
+            </a:endParaRPr>
+          </a:p>
+          <a:p>
+            <a:pPr marL="12700">
+              <a:lnSpc>
+                <a:spcPct val="100000"/>
+              </a:lnSpc>
+            </a:pPr>
+            <a:r>
+              <a:rPr lang="da-DK" sz="1000" b="1" cap="all" spc="200" dirty="0" smtClean="0">
+                <a:solidFill>
+                  <a:schemeClr val="accent1">
+                    <a:lumMod val="75000"/>
+                    <a:alpha val="30000"/>
+                  </a:schemeClr>
+                </a:solidFill>
+                <a:latin typeface="Arial"/>
+                <a:cs typeface="Arial"/>
+              </a:rPr>
+              <a:t>demonstration</a:t>
+            </a:r>
+          </a:p>
+          <a:p>
+            <a:endParaRPr lang="da-DK" sz="1000" dirty="0"/>
+          </a:p>
+        </p:txBody>
+      </p:sp>
+      <p:sp>
+        <p:nvSpPr>
+          <p:cNvPr id="10" name="TextBox 9"/>
+          <p:cNvSpPr txBox="1"/>
+          <p:nvPr/>
+        </p:nvSpPr>
+        <p:spPr>
+          <a:xfrm>
+            <a:off x="3851920" y="5600273"/>
+            <a:ext cx="1656184" cy="276999"/>
+          </a:xfrm>
+          <a:prstGeom prst="rect">
+            <a:avLst/>
+          </a:prstGeom>
+          <a:noFill/>
+        </p:spPr>
+        <p:txBody>
+          <a:bodyPr wrap="square" rtlCol="0">
+            <a:spAutoFit/>
+          </a:bodyPr>
+          <a:lstStyle/>
+          <a:p>
+            <a:r>
+              <a:rPr lang="en-GB" sz="1200" dirty="0" smtClean="0">
+                <a:solidFill>
+                  <a:schemeClr val="accent1">
+                    <a:lumMod val="75000"/>
+                  </a:schemeClr>
+                </a:solidFill>
+                <a:latin typeface="Arial" pitchFamily="34" charset="0"/>
+                <a:cs typeface="Arial" pitchFamily="34" charset="0"/>
+              </a:rPr>
+              <a:t>Figure 7.12: Page 59</a:t>
+            </a:r>
+            <a:endParaRPr lang="en-GB" sz="1200" dirty="0" smtClean="0">
+              <a:solidFill>
+                <a:schemeClr val="accent1">
+                  <a:lumMod val="75000"/>
+                </a:schemeClr>
+              </a:solidFill>
+              <a:latin typeface="Arial" pitchFamily="34" charset="0"/>
+              <a:cs typeface="Arial" pitchFamily="34" charset="0"/>
+            </a:endParaRPr>
+          </a:p>
+        </p:txBody>
+      </p:sp>
     </p:spTree>
     <p:extLst>
       <p:ext uri="{BB962C8B-B14F-4D97-AF65-F5344CB8AC3E}">
-        <p14:creationId xmlns="" xmlns:p14="http://schemas.microsoft.com/office/powerpoint/2010/main" val="585023994"/>
+        <p14:creationId xmlns:p14="http://schemas.microsoft.com/office/powerpoint/2010/main" xmlns="" val="585023994"/>
       </p:ext>
     </p:extLst>
   </p:cSld>
@@ -5142,7 +6092,7 @@
     <a:masterClrMapping/>
   </p:clrMapOvr>
   <mc:AlternateContent xmlns:mc="http://schemas.openxmlformats.org/markup-compatibility/2006">
-    <mc:Choice xmlns="" xmlns:p14="http://schemas.microsoft.com/office/powerpoint/2010/main" Requires="p14">
+    <mc:Choice xmlns:p14="http://schemas.microsoft.com/office/powerpoint/2010/main" xmlns="" Requires="p14">
       <p:transition p14:dur="250">
         <p:fade/>
       </p:transition>
@@ -5594,14 +6544,240 @@
       </p:pic>
       <p:sp>
         <p:nvSpPr>
-          <p:cNvPr id="7" name="TextBox 6"/>
+          <p:cNvPr id="10" name="TextBox 9"/>
           <p:cNvSpPr txBox="1"/>
           <p:nvPr/>
         </p:nvSpPr>
         <p:spPr>
           <a:xfrm>
-            <a:off x="827584" y="5013176"/>
-            <a:ext cx="7488832" cy="523220"/>
+            <a:off x="5615608" y="188640"/>
+            <a:ext cx="3528392" cy="707886"/>
+          </a:xfrm>
+          <a:prstGeom prst="rect">
+            <a:avLst/>
+          </a:prstGeom>
+          <a:noFill/>
+        </p:spPr>
+        <p:txBody>
+          <a:bodyPr wrap="square" numCol="2" rtlCol="0">
+            <a:spAutoFit/>
+          </a:bodyPr>
+          <a:lstStyle/>
+          <a:p>
+            <a:pPr marL="12700">
+              <a:lnSpc>
+                <a:spcPct val="100000"/>
+              </a:lnSpc>
+            </a:pPr>
+            <a:r>
+              <a:rPr lang="da-DK" sz="1000" b="1" cap="all" spc="200" dirty="0" smtClean="0">
+                <a:solidFill>
+                  <a:schemeClr val="accent1">
+                    <a:lumMod val="75000"/>
+                    <a:alpha val="30000"/>
+                  </a:schemeClr>
+                </a:solidFill>
+                <a:latin typeface="Arial"/>
+                <a:cs typeface="Arial"/>
+              </a:rPr>
+              <a:t>GIRAF</a:t>
+            </a:r>
+            <a:endParaRPr lang="da-DK" sz="1000" b="1" cap="all" spc="200" dirty="0" smtClean="0">
+              <a:solidFill>
+                <a:schemeClr val="accent1">
+                  <a:lumMod val="75000"/>
+                  <a:alpha val="30000"/>
+                </a:schemeClr>
+              </a:solidFill>
+              <a:latin typeface="Arial"/>
+              <a:cs typeface="Arial"/>
+            </a:endParaRPr>
+          </a:p>
+          <a:p>
+            <a:pPr marL="12700">
+              <a:lnSpc>
+                <a:spcPct val="100000"/>
+              </a:lnSpc>
+            </a:pPr>
+            <a:r>
+              <a:rPr lang="da-DK" sz="1000" b="1" cap="all" spc="200" dirty="0" smtClean="0">
+                <a:solidFill>
+                  <a:schemeClr val="accent1">
+                    <a:lumMod val="75000"/>
+                  </a:schemeClr>
+                </a:solidFill>
+                <a:latin typeface="Arial"/>
+                <a:cs typeface="Arial"/>
+              </a:rPr>
+              <a:t>Game </a:t>
+            </a:r>
+            <a:r>
+              <a:rPr lang="da-DK" sz="1000" b="1" cap="all" spc="200" dirty="0" smtClean="0">
+                <a:solidFill>
+                  <a:schemeClr val="accent1">
+                    <a:lumMod val="75000"/>
+                  </a:schemeClr>
+                </a:solidFill>
+                <a:latin typeface="Arial"/>
+                <a:cs typeface="Arial"/>
+              </a:rPr>
+              <a:t>Design</a:t>
+            </a:r>
+            <a:endParaRPr lang="da-DK" sz="1000" b="1" cap="all" spc="200" dirty="0" smtClean="0">
+              <a:solidFill>
+                <a:schemeClr val="accent1">
+                  <a:lumMod val="75000"/>
+                </a:schemeClr>
+              </a:solidFill>
+              <a:latin typeface="Arial"/>
+              <a:cs typeface="Arial"/>
+            </a:endParaRPr>
+          </a:p>
+          <a:p>
+            <a:pPr marL="12700">
+              <a:lnSpc>
+                <a:spcPct val="100000"/>
+              </a:lnSpc>
+            </a:pPr>
+            <a:r>
+              <a:rPr lang="da-DK" sz="1000" b="1" cap="all" spc="200" dirty="0" smtClean="0">
+                <a:solidFill>
+                  <a:schemeClr val="accent1">
+                    <a:lumMod val="75000"/>
+                    <a:alpha val="30000"/>
+                  </a:schemeClr>
+                </a:solidFill>
+                <a:latin typeface="Arial"/>
+                <a:cs typeface="Arial"/>
+              </a:rPr>
+              <a:t>OpenGL </a:t>
+            </a:r>
+            <a:r>
+              <a:rPr lang="da-DK" sz="1000" b="1" cap="all" spc="200" dirty="0" smtClean="0">
+                <a:solidFill>
+                  <a:schemeClr val="accent1">
+                    <a:lumMod val="75000"/>
+                    <a:alpha val="30000"/>
+                  </a:schemeClr>
+                </a:solidFill>
+                <a:latin typeface="Arial"/>
+                <a:cs typeface="Arial"/>
+              </a:rPr>
+              <a:t>ES</a:t>
+            </a:r>
+          </a:p>
+          <a:p>
+            <a:pPr marL="12700">
+              <a:lnSpc>
+                <a:spcPct val="100000"/>
+              </a:lnSpc>
+            </a:pPr>
+            <a:endParaRPr lang="da-DK" sz="1000" b="1" cap="all" spc="200" dirty="0" smtClean="0">
+              <a:solidFill>
+                <a:schemeClr val="accent1">
+                  <a:lumMod val="75000"/>
+                  <a:alpha val="30000"/>
+                </a:schemeClr>
+              </a:solidFill>
+              <a:latin typeface="Arial"/>
+              <a:cs typeface="Arial"/>
+            </a:endParaRPr>
+          </a:p>
+          <a:p>
+            <a:pPr marL="12700">
+              <a:lnSpc>
+                <a:spcPct val="100000"/>
+              </a:lnSpc>
+            </a:pPr>
+            <a:r>
+              <a:rPr lang="da-DK" sz="1000" b="1" cap="all" spc="200" dirty="0" smtClean="0">
+                <a:solidFill>
+                  <a:schemeClr val="accent1">
+                    <a:lumMod val="75000"/>
+                    <a:alpha val="30000"/>
+                  </a:schemeClr>
+                </a:solidFill>
+                <a:latin typeface="Arial"/>
+                <a:cs typeface="Arial"/>
+              </a:rPr>
+              <a:t>Implementation</a:t>
+            </a:r>
+            <a:endParaRPr lang="da-DK" sz="1000" b="1" cap="all" spc="200" dirty="0" smtClean="0">
+              <a:solidFill>
+                <a:schemeClr val="accent1">
+                  <a:lumMod val="75000"/>
+                  <a:alpha val="30000"/>
+                </a:schemeClr>
+              </a:solidFill>
+              <a:latin typeface="Arial"/>
+              <a:cs typeface="Arial"/>
+            </a:endParaRPr>
+          </a:p>
+          <a:p>
+            <a:pPr marL="12700">
+              <a:lnSpc>
+                <a:spcPct val="100000"/>
+              </a:lnSpc>
+            </a:pPr>
+            <a:r>
+              <a:rPr lang="da-DK" sz="1000" b="1" cap="all" spc="200" dirty="0" smtClean="0">
+                <a:solidFill>
+                  <a:schemeClr val="accent1">
+                    <a:lumMod val="75000"/>
+                    <a:alpha val="30000"/>
+                  </a:schemeClr>
+                </a:solidFill>
+                <a:latin typeface="Arial"/>
+                <a:cs typeface="Arial"/>
+              </a:rPr>
+              <a:t>Conclusion</a:t>
+            </a:r>
+            <a:endParaRPr lang="da-DK" sz="1000" b="1" cap="all" spc="200" dirty="0" smtClean="0">
+              <a:solidFill>
+                <a:schemeClr val="accent1">
+                  <a:lumMod val="75000"/>
+                  <a:alpha val="30000"/>
+                </a:schemeClr>
+              </a:solidFill>
+              <a:latin typeface="Arial"/>
+              <a:cs typeface="Arial"/>
+            </a:endParaRPr>
+          </a:p>
+          <a:p>
+            <a:pPr marL="12700">
+              <a:lnSpc>
+                <a:spcPct val="100000"/>
+              </a:lnSpc>
+            </a:pPr>
+            <a:r>
+              <a:rPr lang="da-DK" sz="1000" b="1" cap="all" spc="200" dirty="0" smtClean="0">
+                <a:solidFill>
+                  <a:schemeClr val="accent1">
+                    <a:lumMod val="75000"/>
+                    <a:alpha val="30000"/>
+                  </a:schemeClr>
+                </a:solidFill>
+                <a:latin typeface="Arial"/>
+                <a:cs typeface="Arial"/>
+              </a:rPr>
+              <a:t>demonstration</a:t>
+            </a:r>
+          </a:p>
+          <a:p>
+            <a:endParaRPr lang="da-DK" sz="1000" dirty="0"/>
+          </a:p>
+        </p:txBody>
+      </p:sp>
+      <p:sp>
+        <p:nvSpPr>
+          <p:cNvPr id="11" name="TextBox 10"/>
+          <p:cNvSpPr txBox="1"/>
+          <p:nvPr/>
+        </p:nvSpPr>
+        <p:spPr>
+          <a:xfrm>
+            <a:off x="3635896" y="4880193"/>
+            <a:ext cx="1656184" cy="276999"/>
           </a:xfrm>
           <a:prstGeom prst="rect">
             <a:avLst/>
@@ -5615,7 +6791,7 @@
           <a:lstStyle/>
           <a:p>
             <a:r>
-              <a:rPr lang="en-GB" sz="1400" dirty="0" smtClean="0">
+              <a:rPr lang="en-GB" sz="1200" dirty="0" smtClean="0">
                 <a:solidFill>
                   <a:schemeClr val="accent1">
                     <a:lumMod val="75000"/>
@@ -5624,32 +6800,9 @@
                 <a:latin typeface="Arial" pitchFamily="34" charset="0"/>
                 <a:cs typeface="Arial" pitchFamily="34" charset="0"/>
               </a:rPr>
-              <a:t>FORMAT:</a:t>
-            </a:r>
-            <a:endParaRPr lang="da-DK" sz="1400" dirty="0" smtClean="0">
-              <a:solidFill>
-                <a:schemeClr val="accent1">
-                  <a:lumMod val="75000"/>
-                </a:schemeClr>
-              </a:solidFill>
-              <a:latin typeface="Arial" pitchFamily="34" charset="0"/>
-              <a:cs typeface="Arial" pitchFamily="34" charset="0"/>
-            </a:endParaRPr>
-          </a:p>
-          <a:p>
-            <a:r>
-              <a:rPr lang="da-DK" sz="1400" dirty="0" smtClean="0">
-                <a:solidFill>
-                  <a:schemeClr val="accent1">
-                    <a:lumMod val="75000"/>
-                  </a:schemeClr>
-                </a:solidFill>
-                <a:latin typeface="Arial" pitchFamily="34" charset="0"/>
-                <a:cs typeface="Arial" pitchFamily="34" charset="0"/>
-              </a:rPr>
-              <a:t>gameID,guardianID,childID,gameName;category,pictogram,pictogram;category,pictogram\n</a:t>
-            </a:r>
-            <a:endParaRPr lang="da-DK" sz="1400" dirty="0">
+              <a:t>Figure 7.4: Page 54</a:t>
+            </a:r>
+            <a:endParaRPr lang="en-GB" sz="1200" dirty="0" smtClean="0">
               <a:solidFill>
                 <a:schemeClr val="accent1">
                   <a:lumMod val="75000"/>
@@ -5664,7 +6817,7 @@
     </p:spTree>
     <p:extLst>
       <p:ext uri="{BB962C8B-B14F-4D97-AF65-F5344CB8AC3E}">
-        <p14:creationId xmlns="" xmlns:p14="http://schemas.microsoft.com/office/powerpoint/2010/main" val="585023994"/>
+        <p14:creationId xmlns:p14="http://schemas.microsoft.com/office/powerpoint/2010/main" xmlns="" val="585023994"/>
       </p:ext>
     </p:extLst>
   </p:cSld>
@@ -5672,7 +6825,7 @@
     <a:masterClrMapping/>
   </p:clrMapOvr>
   <mc:AlternateContent xmlns:mc="http://schemas.openxmlformats.org/markup-compatibility/2006">
-    <mc:Choice xmlns="" xmlns:p14="http://schemas.microsoft.com/office/powerpoint/2010/main" Requires="p14">
+    <mc:Choice xmlns:p14="http://schemas.microsoft.com/office/powerpoint/2010/main" xmlns="" Requires="p14">
       <p:transition p14:dur="250">
         <p:fade/>
       </p:transition>
@@ -6059,10 +7212,282 @@
           </a:ln>
         </p:spPr>
       </p:pic>
+      <p:sp>
+        <p:nvSpPr>
+          <p:cNvPr id="7" name="TextBox 6"/>
+          <p:cNvSpPr txBox="1"/>
+          <p:nvPr/>
+        </p:nvSpPr>
+        <p:spPr>
+          <a:xfrm>
+            <a:off x="5615608" y="188640"/>
+            <a:ext cx="3528392" cy="707886"/>
+          </a:xfrm>
+          <a:prstGeom prst="rect">
+            <a:avLst/>
+          </a:prstGeom>
+          <a:noFill/>
+        </p:spPr>
+        <p:txBody>
+          <a:bodyPr wrap="square" numCol="2" rtlCol="0">
+            <a:spAutoFit/>
+          </a:bodyPr>
+          <a:lstStyle/>
+          <a:p>
+            <a:pPr marL="12700">
+              <a:lnSpc>
+                <a:spcPct val="100000"/>
+              </a:lnSpc>
+            </a:pPr>
+            <a:r>
+              <a:rPr lang="da-DK" sz="1000" b="1" cap="all" spc="200" dirty="0" smtClean="0">
+                <a:solidFill>
+                  <a:schemeClr val="accent1">
+                    <a:lumMod val="75000"/>
+                    <a:alpha val="30000"/>
+                  </a:schemeClr>
+                </a:solidFill>
+                <a:latin typeface="Arial"/>
+                <a:cs typeface="Arial"/>
+              </a:rPr>
+              <a:t>GIRAF</a:t>
+            </a:r>
+            <a:endParaRPr lang="da-DK" sz="1000" b="1" cap="all" spc="200" dirty="0" smtClean="0">
+              <a:solidFill>
+                <a:schemeClr val="accent1">
+                  <a:lumMod val="75000"/>
+                  <a:alpha val="30000"/>
+                </a:schemeClr>
+              </a:solidFill>
+              <a:latin typeface="Arial"/>
+              <a:cs typeface="Arial"/>
+            </a:endParaRPr>
+          </a:p>
+          <a:p>
+            <a:pPr marL="12700">
+              <a:lnSpc>
+                <a:spcPct val="100000"/>
+              </a:lnSpc>
+            </a:pPr>
+            <a:r>
+              <a:rPr lang="da-DK" sz="1000" b="1" cap="all" spc="200" dirty="0" smtClean="0">
+                <a:solidFill>
+                  <a:schemeClr val="accent1">
+                    <a:lumMod val="75000"/>
+                  </a:schemeClr>
+                </a:solidFill>
+                <a:latin typeface="Arial"/>
+                <a:cs typeface="Arial"/>
+              </a:rPr>
+              <a:t>Game </a:t>
+            </a:r>
+            <a:r>
+              <a:rPr lang="da-DK" sz="1000" b="1" cap="all" spc="200" dirty="0" smtClean="0">
+                <a:solidFill>
+                  <a:schemeClr val="accent1">
+                    <a:lumMod val="75000"/>
+                  </a:schemeClr>
+                </a:solidFill>
+                <a:latin typeface="Arial"/>
+                <a:cs typeface="Arial"/>
+              </a:rPr>
+              <a:t>Design</a:t>
+            </a:r>
+            <a:endParaRPr lang="da-DK" sz="1000" b="1" cap="all" spc="200" dirty="0" smtClean="0">
+              <a:solidFill>
+                <a:schemeClr val="accent1">
+                  <a:lumMod val="75000"/>
+                </a:schemeClr>
+              </a:solidFill>
+              <a:latin typeface="Arial"/>
+              <a:cs typeface="Arial"/>
+            </a:endParaRPr>
+          </a:p>
+          <a:p>
+            <a:pPr marL="12700">
+              <a:lnSpc>
+                <a:spcPct val="100000"/>
+              </a:lnSpc>
+            </a:pPr>
+            <a:r>
+              <a:rPr lang="da-DK" sz="1000" b="1" cap="all" spc="200" dirty="0" smtClean="0">
+                <a:solidFill>
+                  <a:schemeClr val="accent1">
+                    <a:lumMod val="75000"/>
+                    <a:alpha val="30000"/>
+                  </a:schemeClr>
+                </a:solidFill>
+                <a:latin typeface="Arial"/>
+                <a:cs typeface="Arial"/>
+              </a:rPr>
+              <a:t>OpenGL </a:t>
+            </a:r>
+            <a:r>
+              <a:rPr lang="da-DK" sz="1000" b="1" cap="all" spc="200" dirty="0" smtClean="0">
+                <a:solidFill>
+                  <a:schemeClr val="accent1">
+                    <a:lumMod val="75000"/>
+                    <a:alpha val="30000"/>
+                  </a:schemeClr>
+                </a:solidFill>
+                <a:latin typeface="Arial"/>
+                <a:cs typeface="Arial"/>
+              </a:rPr>
+              <a:t>ES</a:t>
+            </a:r>
+          </a:p>
+          <a:p>
+            <a:pPr marL="12700">
+              <a:lnSpc>
+                <a:spcPct val="100000"/>
+              </a:lnSpc>
+            </a:pPr>
+            <a:endParaRPr lang="da-DK" sz="1000" b="1" cap="all" spc="200" dirty="0" smtClean="0">
+              <a:solidFill>
+                <a:schemeClr val="accent1">
+                  <a:lumMod val="75000"/>
+                  <a:alpha val="30000"/>
+                </a:schemeClr>
+              </a:solidFill>
+              <a:latin typeface="Arial"/>
+              <a:cs typeface="Arial"/>
+            </a:endParaRPr>
+          </a:p>
+          <a:p>
+            <a:pPr marL="12700">
+              <a:lnSpc>
+                <a:spcPct val="100000"/>
+              </a:lnSpc>
+            </a:pPr>
+            <a:r>
+              <a:rPr lang="da-DK" sz="1000" b="1" cap="all" spc="200" dirty="0" smtClean="0">
+                <a:solidFill>
+                  <a:schemeClr val="accent1">
+                    <a:lumMod val="75000"/>
+                    <a:alpha val="30000"/>
+                  </a:schemeClr>
+                </a:solidFill>
+                <a:latin typeface="Arial"/>
+                <a:cs typeface="Arial"/>
+              </a:rPr>
+              <a:t>Implementation</a:t>
+            </a:r>
+            <a:endParaRPr lang="da-DK" sz="1000" b="1" cap="all" spc="200" dirty="0" smtClean="0">
+              <a:solidFill>
+                <a:schemeClr val="accent1">
+                  <a:lumMod val="75000"/>
+                  <a:alpha val="30000"/>
+                </a:schemeClr>
+              </a:solidFill>
+              <a:latin typeface="Arial"/>
+              <a:cs typeface="Arial"/>
+            </a:endParaRPr>
+          </a:p>
+          <a:p>
+            <a:pPr marL="12700">
+              <a:lnSpc>
+                <a:spcPct val="100000"/>
+              </a:lnSpc>
+            </a:pPr>
+            <a:r>
+              <a:rPr lang="da-DK" sz="1000" b="1" cap="all" spc="200" dirty="0" smtClean="0">
+                <a:solidFill>
+                  <a:schemeClr val="accent1">
+                    <a:lumMod val="75000"/>
+                    <a:alpha val="30000"/>
+                  </a:schemeClr>
+                </a:solidFill>
+                <a:latin typeface="Arial"/>
+                <a:cs typeface="Arial"/>
+              </a:rPr>
+              <a:t>Conclusion</a:t>
+            </a:r>
+            <a:endParaRPr lang="da-DK" sz="1000" b="1" cap="all" spc="200" dirty="0" smtClean="0">
+              <a:solidFill>
+                <a:schemeClr val="accent1">
+                  <a:lumMod val="75000"/>
+                  <a:alpha val="30000"/>
+                </a:schemeClr>
+              </a:solidFill>
+              <a:latin typeface="Arial"/>
+              <a:cs typeface="Arial"/>
+            </a:endParaRPr>
+          </a:p>
+          <a:p>
+            <a:pPr marL="12700">
+              <a:lnSpc>
+                <a:spcPct val="100000"/>
+              </a:lnSpc>
+            </a:pPr>
+            <a:r>
+              <a:rPr lang="da-DK" sz="1000" b="1" cap="all" spc="200" dirty="0" smtClean="0">
+                <a:solidFill>
+                  <a:schemeClr val="accent1">
+                    <a:lumMod val="75000"/>
+                    <a:alpha val="30000"/>
+                  </a:schemeClr>
+                </a:solidFill>
+                <a:latin typeface="Arial"/>
+                <a:cs typeface="Arial"/>
+              </a:rPr>
+              <a:t>demonstration</a:t>
+            </a:r>
+          </a:p>
+          <a:p>
+            <a:endParaRPr lang="da-DK" sz="1000" dirty="0"/>
+          </a:p>
+        </p:txBody>
+      </p:sp>
+      <p:sp>
+        <p:nvSpPr>
+          <p:cNvPr id="10" name="TextBox 9"/>
+          <p:cNvSpPr txBox="1"/>
+          <p:nvPr/>
+        </p:nvSpPr>
+        <p:spPr>
+          <a:xfrm>
+            <a:off x="3707904" y="5517232"/>
+            <a:ext cx="1656184" cy="276999"/>
+          </a:xfrm>
+          <a:prstGeom prst="rect">
+            <a:avLst/>
+          </a:prstGeom>
+          <a:noFill/>
+        </p:spPr>
+        <p:txBody>
+          <a:bodyPr wrap="square" rtlCol="0">
+            <a:spAutoFit/>
+          </a:bodyPr>
+          <a:lstStyle/>
+          <a:p>
+            <a:r>
+              <a:rPr lang="en-GB" sz="1200" dirty="0" smtClean="0">
+                <a:solidFill>
+                  <a:schemeClr val="accent1">
+                    <a:lumMod val="75000"/>
+                  </a:schemeClr>
+                </a:solidFill>
+                <a:latin typeface="Arial" pitchFamily="34" charset="0"/>
+                <a:cs typeface="Arial" pitchFamily="34" charset="0"/>
+              </a:rPr>
+              <a:t>Figure 7.13: Page 59</a:t>
+            </a:r>
+            <a:endParaRPr lang="en-GB" sz="1200" dirty="0" smtClean="0">
+              <a:solidFill>
+                <a:schemeClr val="accent1">
+                  <a:lumMod val="75000"/>
+                </a:schemeClr>
+              </a:solidFill>
+              <a:latin typeface="Arial" pitchFamily="34" charset="0"/>
+              <a:cs typeface="Arial" pitchFamily="34" charset="0"/>
+            </a:endParaRPr>
+          </a:p>
+        </p:txBody>
+      </p:sp>
     </p:spTree>
     <p:extLst>
       <p:ext uri="{BB962C8B-B14F-4D97-AF65-F5344CB8AC3E}">
-        <p14:creationId xmlns="" xmlns:p14="http://schemas.microsoft.com/office/powerpoint/2010/main" val="585023994"/>
+        <p14:creationId xmlns:p14="http://schemas.microsoft.com/office/powerpoint/2010/main" xmlns="" val="585023994"/>
       </p:ext>
     </p:extLst>
   </p:cSld>
@@ -6070,7 +7495,7 @@
     <a:masterClrMapping/>
   </p:clrMapOvr>
   <mc:AlternateContent xmlns:mc="http://schemas.openxmlformats.org/markup-compatibility/2006">
-    <mc:Choice xmlns="" xmlns:p14="http://schemas.microsoft.com/office/powerpoint/2010/main" Requires="p14">
+    <mc:Choice xmlns:p14="http://schemas.microsoft.com/office/powerpoint/2010/main" xmlns="" Requires="p14">
       <p:transition p14:dur="250">
         <p:fade/>
       </p:transition>
@@ -6177,7 +7602,7 @@
           <a:blip r:embed="rId2" cstate="print">
             <a:extLst>
               <a:ext uri="{28A0092B-C50C-407E-A947-70E740481C1C}">
-                <a14:useLocalDpi xmlns="" xmlns:a14="http://schemas.microsoft.com/office/drawing/2010/main" val="0"/>
+                <a14:useLocalDpi xmlns:a14="http://schemas.microsoft.com/office/drawing/2010/main" xmlns="" val="0"/>
               </a:ext>
             </a:extLst>
           </a:blip>
@@ -6284,7 +7709,7 @@
     </p:spTree>
     <p:extLst>
       <p:ext uri="{BB962C8B-B14F-4D97-AF65-F5344CB8AC3E}">
-        <p14:creationId xmlns="" xmlns:p14="http://schemas.microsoft.com/office/powerpoint/2010/main" val="3425622471"/>
+        <p14:creationId xmlns:p14="http://schemas.microsoft.com/office/powerpoint/2010/main" xmlns="" val="3425622471"/>
       </p:ext>
     </p:extLst>
   </p:cSld>
@@ -6292,7 +7717,7 @@
     <a:masterClrMapping/>
   </p:clrMapOvr>
   <mc:AlternateContent xmlns:mc="http://schemas.openxmlformats.org/markup-compatibility/2006">
-    <mc:Choice xmlns="" xmlns:p14="http://schemas.microsoft.com/office/powerpoint/2010/main" Requires="p14">
+    <mc:Choice xmlns:p14="http://schemas.microsoft.com/office/powerpoint/2010/main" xmlns="" Requires="p14">
       <p:transition p14:dur="250">
         <p:fade/>
       </p:transition>
@@ -6728,10 +8153,237 @@
           </a:p>
         </p:txBody>
       </p:sp>
+      <p:sp>
+        <p:nvSpPr>
+          <p:cNvPr id="6" name="TextBox 5"/>
+          <p:cNvSpPr txBox="1"/>
+          <p:nvPr/>
+        </p:nvSpPr>
+        <p:spPr>
+          <a:xfrm>
+            <a:off x="5615608" y="188640"/>
+            <a:ext cx="3528392" cy="707886"/>
+          </a:xfrm>
+          <a:prstGeom prst="rect">
+            <a:avLst/>
+          </a:prstGeom>
+          <a:noFill/>
+        </p:spPr>
+        <p:txBody>
+          <a:bodyPr wrap="square" numCol="2" rtlCol="0">
+            <a:spAutoFit/>
+          </a:bodyPr>
+          <a:lstStyle/>
+          <a:p>
+            <a:pPr marL="12700">
+              <a:lnSpc>
+                <a:spcPct val="100000"/>
+              </a:lnSpc>
+            </a:pPr>
+            <a:r>
+              <a:rPr lang="da-DK" sz="1000" b="1" cap="all" spc="200" dirty="0" smtClean="0">
+                <a:solidFill>
+                  <a:schemeClr val="accent1">
+                    <a:lumMod val="75000"/>
+                    <a:alpha val="30000"/>
+                  </a:schemeClr>
+                </a:solidFill>
+                <a:latin typeface="Arial"/>
+                <a:cs typeface="Arial"/>
+              </a:rPr>
+              <a:t>GIRAF</a:t>
+            </a:r>
+            <a:endParaRPr lang="da-DK" sz="1000" b="1" cap="all" spc="200" dirty="0" smtClean="0">
+              <a:solidFill>
+                <a:schemeClr val="accent1">
+                  <a:lumMod val="75000"/>
+                  <a:alpha val="30000"/>
+                </a:schemeClr>
+              </a:solidFill>
+              <a:latin typeface="Arial"/>
+              <a:cs typeface="Arial"/>
+            </a:endParaRPr>
+          </a:p>
+          <a:p>
+            <a:pPr marL="12700">
+              <a:lnSpc>
+                <a:spcPct val="100000"/>
+              </a:lnSpc>
+            </a:pPr>
+            <a:r>
+              <a:rPr lang="da-DK" sz="1000" b="1" cap="all" spc="200" dirty="0" smtClean="0">
+                <a:solidFill>
+                  <a:schemeClr val="accent1">
+                    <a:lumMod val="75000"/>
+                    <a:alpha val="30000"/>
+                  </a:schemeClr>
+                </a:solidFill>
+                <a:latin typeface="Arial"/>
+                <a:cs typeface="Arial"/>
+              </a:rPr>
+              <a:t>Game </a:t>
+            </a:r>
+            <a:r>
+              <a:rPr lang="da-DK" sz="1000" b="1" cap="all" spc="200" dirty="0" smtClean="0">
+                <a:solidFill>
+                  <a:schemeClr val="accent1">
+                    <a:lumMod val="75000"/>
+                    <a:alpha val="30000"/>
+                  </a:schemeClr>
+                </a:solidFill>
+                <a:latin typeface="Arial"/>
+                <a:cs typeface="Arial"/>
+              </a:rPr>
+              <a:t>Design</a:t>
+            </a:r>
+            <a:endParaRPr lang="da-DK" sz="1000" b="1" cap="all" spc="200" dirty="0" smtClean="0">
+              <a:solidFill>
+                <a:schemeClr val="accent1">
+                  <a:lumMod val="75000"/>
+                  <a:alpha val="30000"/>
+                </a:schemeClr>
+              </a:solidFill>
+              <a:latin typeface="Arial"/>
+              <a:cs typeface="Arial"/>
+            </a:endParaRPr>
+          </a:p>
+          <a:p>
+            <a:pPr marL="12700">
+              <a:lnSpc>
+                <a:spcPct val="100000"/>
+              </a:lnSpc>
+            </a:pPr>
+            <a:r>
+              <a:rPr lang="da-DK" sz="1000" b="1" cap="all" spc="200" dirty="0" smtClean="0">
+                <a:solidFill>
+                  <a:schemeClr val="accent1">
+                    <a:lumMod val="75000"/>
+                  </a:schemeClr>
+                </a:solidFill>
+                <a:latin typeface="Arial"/>
+                <a:cs typeface="Arial"/>
+              </a:rPr>
+              <a:t>OpenGL </a:t>
+            </a:r>
+            <a:r>
+              <a:rPr lang="da-DK" sz="1000" b="1" cap="all" spc="200" dirty="0" smtClean="0">
+                <a:solidFill>
+                  <a:schemeClr val="accent1">
+                    <a:lumMod val="75000"/>
+                  </a:schemeClr>
+                </a:solidFill>
+                <a:latin typeface="Arial"/>
+                <a:cs typeface="Arial"/>
+              </a:rPr>
+              <a:t>ES</a:t>
+            </a:r>
+          </a:p>
+          <a:p>
+            <a:pPr marL="12700">
+              <a:lnSpc>
+                <a:spcPct val="100000"/>
+              </a:lnSpc>
+            </a:pPr>
+            <a:endParaRPr lang="da-DK" sz="1000" b="1" cap="all" spc="200" dirty="0" smtClean="0">
+              <a:solidFill>
+                <a:schemeClr val="accent1">
+                  <a:lumMod val="75000"/>
+                  <a:alpha val="30000"/>
+                </a:schemeClr>
+              </a:solidFill>
+              <a:latin typeface="Arial"/>
+              <a:cs typeface="Arial"/>
+            </a:endParaRPr>
+          </a:p>
+          <a:p>
+            <a:pPr marL="12700">
+              <a:lnSpc>
+                <a:spcPct val="100000"/>
+              </a:lnSpc>
+            </a:pPr>
+            <a:r>
+              <a:rPr lang="da-DK" sz="1000" b="1" cap="all" spc="200" dirty="0" smtClean="0">
+                <a:solidFill>
+                  <a:schemeClr val="accent1">
+                    <a:lumMod val="75000"/>
+                    <a:alpha val="30000"/>
+                  </a:schemeClr>
+                </a:solidFill>
+                <a:latin typeface="Arial"/>
+                <a:cs typeface="Arial"/>
+              </a:rPr>
+              <a:t>Implementation</a:t>
+            </a:r>
+            <a:endParaRPr lang="da-DK" sz="1000" b="1" cap="all" spc="200" dirty="0" smtClean="0">
+              <a:solidFill>
+                <a:schemeClr val="accent1">
+                  <a:lumMod val="75000"/>
+                  <a:alpha val="30000"/>
+                </a:schemeClr>
+              </a:solidFill>
+              <a:latin typeface="Arial"/>
+              <a:cs typeface="Arial"/>
+            </a:endParaRPr>
+          </a:p>
+          <a:p>
+            <a:pPr marL="12700">
+              <a:lnSpc>
+                <a:spcPct val="100000"/>
+              </a:lnSpc>
+            </a:pPr>
+            <a:r>
+              <a:rPr lang="da-DK" sz="1000" b="1" cap="all" spc="200" dirty="0" smtClean="0">
+                <a:solidFill>
+                  <a:schemeClr val="accent1">
+                    <a:lumMod val="75000"/>
+                    <a:alpha val="30000"/>
+                  </a:schemeClr>
+                </a:solidFill>
+                <a:latin typeface="Arial"/>
+                <a:cs typeface="Arial"/>
+              </a:rPr>
+              <a:t>Conclusion</a:t>
+            </a:r>
+            <a:endParaRPr lang="da-DK" sz="1000" b="1" cap="all" spc="200" dirty="0" smtClean="0">
+              <a:solidFill>
+                <a:schemeClr val="accent1">
+                  <a:lumMod val="75000"/>
+                  <a:alpha val="30000"/>
+                </a:schemeClr>
+              </a:solidFill>
+              <a:latin typeface="Arial"/>
+              <a:cs typeface="Arial"/>
+            </a:endParaRPr>
+          </a:p>
+          <a:p>
+            <a:pPr marL="12700">
+              <a:lnSpc>
+                <a:spcPct val="100000"/>
+              </a:lnSpc>
+            </a:pPr>
+            <a:r>
+              <a:rPr lang="da-DK" sz="1000" b="1" cap="all" spc="200" dirty="0" smtClean="0">
+                <a:solidFill>
+                  <a:schemeClr val="accent1">
+                    <a:lumMod val="75000"/>
+                    <a:alpha val="30000"/>
+                  </a:schemeClr>
+                </a:solidFill>
+                <a:latin typeface="Arial"/>
+                <a:cs typeface="Arial"/>
+              </a:rPr>
+              <a:t>demonstration</a:t>
+            </a:r>
+          </a:p>
+          <a:p>
+            <a:endParaRPr lang="da-DK" sz="1000" dirty="0"/>
+          </a:p>
+        </p:txBody>
+      </p:sp>
     </p:spTree>
     <p:extLst>
       <p:ext uri="{BB962C8B-B14F-4D97-AF65-F5344CB8AC3E}">
-        <p14:creationId xmlns="" xmlns:p14="http://schemas.microsoft.com/office/powerpoint/2010/main" val="585023994"/>
+        <p14:creationId xmlns:p14="http://schemas.microsoft.com/office/powerpoint/2010/main" xmlns="" val="585023994"/>
       </p:ext>
     </p:extLst>
   </p:cSld>
@@ -6739,7 +8391,7 @@
     <a:masterClrMapping/>
   </p:clrMapOvr>
   <mc:AlternateContent xmlns:mc="http://schemas.openxmlformats.org/markup-compatibility/2006">
-    <mc:Choice xmlns="" xmlns:p14="http://schemas.microsoft.com/office/powerpoint/2010/main" Requires="p14">
+    <mc:Choice xmlns:p14="http://schemas.microsoft.com/office/powerpoint/2010/main" xmlns="" Requires="p14">
       <p:transition p14:dur="250">
         <p:fade/>
       </p:transition>
@@ -7126,10 +8778,283 @@
           </a:ln>
         </p:spPr>
       </p:pic>
+      <p:sp>
+        <p:nvSpPr>
+          <p:cNvPr id="7" name="TextBox 6"/>
+          <p:cNvSpPr txBox="1"/>
+          <p:nvPr/>
+        </p:nvSpPr>
+        <p:spPr>
+          <a:xfrm>
+            <a:off x="5615608" y="188640"/>
+            <a:ext cx="3528392" cy="707886"/>
+          </a:xfrm>
+          <a:prstGeom prst="rect">
+            <a:avLst/>
+          </a:prstGeom>
+          <a:noFill/>
+        </p:spPr>
+        <p:txBody>
+          <a:bodyPr wrap="square" numCol="2" rtlCol="0">
+            <a:spAutoFit/>
+          </a:bodyPr>
+          <a:lstStyle/>
+          <a:p>
+            <a:pPr marL="12700">
+              <a:lnSpc>
+                <a:spcPct val="100000"/>
+              </a:lnSpc>
+            </a:pPr>
+            <a:r>
+              <a:rPr lang="da-DK" sz="1000" b="1" cap="all" spc="200" dirty="0" smtClean="0">
+                <a:solidFill>
+                  <a:schemeClr val="accent1">
+                    <a:lumMod val="75000"/>
+                    <a:alpha val="30000"/>
+                  </a:schemeClr>
+                </a:solidFill>
+                <a:latin typeface="Arial"/>
+                <a:cs typeface="Arial"/>
+              </a:rPr>
+              <a:t>GIRAF</a:t>
+            </a:r>
+            <a:endParaRPr lang="da-DK" sz="1000" b="1" cap="all" spc="200" dirty="0" smtClean="0">
+              <a:solidFill>
+                <a:schemeClr val="accent1">
+                  <a:lumMod val="75000"/>
+                  <a:alpha val="30000"/>
+                </a:schemeClr>
+              </a:solidFill>
+              <a:latin typeface="Arial"/>
+              <a:cs typeface="Arial"/>
+            </a:endParaRPr>
+          </a:p>
+          <a:p>
+            <a:pPr marL="12700">
+              <a:lnSpc>
+                <a:spcPct val="100000"/>
+              </a:lnSpc>
+            </a:pPr>
+            <a:r>
+              <a:rPr lang="da-DK" sz="1000" b="1" cap="all" spc="200" dirty="0" smtClean="0">
+                <a:solidFill>
+                  <a:schemeClr val="accent1">
+                    <a:lumMod val="75000"/>
+                    <a:alpha val="30000"/>
+                  </a:schemeClr>
+                </a:solidFill>
+                <a:latin typeface="Arial"/>
+                <a:cs typeface="Arial"/>
+              </a:rPr>
+              <a:t>Game </a:t>
+            </a:r>
+            <a:r>
+              <a:rPr lang="da-DK" sz="1000" b="1" cap="all" spc="200" dirty="0" smtClean="0">
+                <a:solidFill>
+                  <a:schemeClr val="accent1">
+                    <a:lumMod val="75000"/>
+                    <a:alpha val="30000"/>
+                  </a:schemeClr>
+                </a:solidFill>
+                <a:latin typeface="Arial"/>
+                <a:cs typeface="Arial"/>
+              </a:rPr>
+              <a:t>Design</a:t>
+            </a:r>
+            <a:endParaRPr lang="da-DK" sz="1000" b="1" cap="all" spc="200" dirty="0" smtClean="0">
+              <a:solidFill>
+                <a:schemeClr val="accent1">
+                  <a:lumMod val="75000"/>
+                  <a:alpha val="30000"/>
+                </a:schemeClr>
+              </a:solidFill>
+              <a:latin typeface="Arial"/>
+              <a:cs typeface="Arial"/>
+            </a:endParaRPr>
+          </a:p>
+          <a:p>
+            <a:pPr marL="12700">
+              <a:lnSpc>
+                <a:spcPct val="100000"/>
+              </a:lnSpc>
+            </a:pPr>
+            <a:r>
+              <a:rPr lang="da-DK" sz="1000" b="1" cap="all" spc="200" dirty="0" smtClean="0">
+                <a:solidFill>
+                  <a:schemeClr val="accent1">
+                    <a:lumMod val="75000"/>
+                  </a:schemeClr>
+                </a:solidFill>
+                <a:latin typeface="Arial"/>
+                <a:cs typeface="Arial"/>
+              </a:rPr>
+              <a:t>OpenGL </a:t>
+            </a:r>
+            <a:r>
+              <a:rPr lang="da-DK" sz="1000" b="1" cap="all" spc="200" dirty="0" smtClean="0">
+                <a:solidFill>
+                  <a:schemeClr val="accent1">
+                    <a:lumMod val="75000"/>
+                  </a:schemeClr>
+                </a:solidFill>
+                <a:latin typeface="Arial"/>
+                <a:cs typeface="Arial"/>
+              </a:rPr>
+              <a:t>ES</a:t>
+            </a:r>
+          </a:p>
+          <a:p>
+            <a:pPr marL="12700">
+              <a:lnSpc>
+                <a:spcPct val="100000"/>
+              </a:lnSpc>
+            </a:pPr>
+            <a:endParaRPr lang="da-DK" sz="1000" b="1" cap="all" spc="200" dirty="0" smtClean="0">
+              <a:solidFill>
+                <a:schemeClr val="accent1">
+                  <a:lumMod val="75000"/>
+                  <a:alpha val="30000"/>
+                </a:schemeClr>
+              </a:solidFill>
+              <a:latin typeface="Arial"/>
+              <a:cs typeface="Arial"/>
+            </a:endParaRPr>
+          </a:p>
+          <a:p>
+            <a:pPr marL="12700">
+              <a:lnSpc>
+                <a:spcPct val="100000"/>
+              </a:lnSpc>
+            </a:pPr>
+            <a:r>
+              <a:rPr lang="da-DK" sz="1000" b="1" cap="all" spc="200" dirty="0" smtClean="0">
+                <a:solidFill>
+                  <a:schemeClr val="accent1">
+                    <a:lumMod val="75000"/>
+                    <a:alpha val="30000"/>
+                  </a:schemeClr>
+                </a:solidFill>
+                <a:latin typeface="Arial"/>
+                <a:cs typeface="Arial"/>
+              </a:rPr>
+              <a:t>Implementation</a:t>
+            </a:r>
+            <a:endParaRPr lang="da-DK" sz="1000" b="1" cap="all" spc="200" dirty="0" smtClean="0">
+              <a:solidFill>
+                <a:schemeClr val="accent1">
+                  <a:lumMod val="75000"/>
+                  <a:alpha val="30000"/>
+                </a:schemeClr>
+              </a:solidFill>
+              <a:latin typeface="Arial"/>
+              <a:cs typeface="Arial"/>
+            </a:endParaRPr>
+          </a:p>
+          <a:p>
+            <a:pPr marL="12700">
+              <a:lnSpc>
+                <a:spcPct val="100000"/>
+              </a:lnSpc>
+            </a:pPr>
+            <a:r>
+              <a:rPr lang="da-DK" sz="1000" b="1" cap="all" spc="200" dirty="0" smtClean="0">
+                <a:solidFill>
+                  <a:schemeClr val="accent1">
+                    <a:lumMod val="75000"/>
+                    <a:alpha val="30000"/>
+                  </a:schemeClr>
+                </a:solidFill>
+                <a:latin typeface="Arial"/>
+                <a:cs typeface="Arial"/>
+              </a:rPr>
+              <a:t>Conclusion</a:t>
+            </a:r>
+            <a:endParaRPr lang="da-DK" sz="1000" b="1" cap="all" spc="200" dirty="0" smtClean="0">
+              <a:solidFill>
+                <a:schemeClr val="accent1">
+                  <a:lumMod val="75000"/>
+                  <a:alpha val="30000"/>
+                </a:schemeClr>
+              </a:solidFill>
+              <a:latin typeface="Arial"/>
+              <a:cs typeface="Arial"/>
+            </a:endParaRPr>
+          </a:p>
+          <a:p>
+            <a:pPr marL="12700">
+              <a:lnSpc>
+                <a:spcPct val="100000"/>
+              </a:lnSpc>
+            </a:pPr>
+            <a:r>
+              <a:rPr lang="da-DK" sz="1000" b="1" cap="all" spc="200" dirty="0" smtClean="0">
+                <a:solidFill>
+                  <a:schemeClr val="accent1">
+                    <a:lumMod val="75000"/>
+                    <a:alpha val="30000"/>
+                  </a:schemeClr>
+                </a:solidFill>
+                <a:latin typeface="Arial"/>
+                <a:cs typeface="Arial"/>
+              </a:rPr>
+              <a:t>demonstration</a:t>
+            </a:r>
+          </a:p>
+          <a:p>
+            <a:endParaRPr lang="da-DK" sz="1000" dirty="0"/>
+          </a:p>
+        </p:txBody>
+      </p:sp>
+      <p:sp>
+        <p:nvSpPr>
+          <p:cNvPr id="10" name="TextBox 9"/>
+          <p:cNvSpPr txBox="1"/>
+          <p:nvPr/>
+        </p:nvSpPr>
+        <p:spPr>
+          <a:xfrm>
+            <a:off x="3923928" y="5517232"/>
+            <a:ext cx="1656184" cy="276999"/>
+          </a:xfrm>
+          <a:prstGeom prst="rect">
+            <a:avLst/>
+          </a:prstGeom>
+          <a:noFill/>
+        </p:spPr>
+        <p:txBody>
+          <a:bodyPr wrap="square" rtlCol="0">
+            <a:spAutoFit/>
+          </a:bodyPr>
+          <a:lstStyle/>
+          <a:p>
+            <a:r>
+              <a:rPr lang="en-GB" sz="1200" dirty="0" smtClean="0">
+                <a:solidFill>
+                  <a:schemeClr val="accent1">
+                    <a:lumMod val="75000"/>
+                  </a:schemeClr>
+                </a:solidFill>
+                <a:latin typeface="Arial" pitchFamily="34" charset="0"/>
+                <a:cs typeface="Arial" pitchFamily="34" charset="0"/>
+              </a:rPr>
+              <a:t>Figure 6.1: Page 40</a:t>
+            </a:r>
+            <a:endParaRPr lang="en-GB" sz="1200" dirty="0" smtClean="0">
+              <a:solidFill>
+                <a:schemeClr val="accent1">
+                  <a:lumMod val="75000"/>
+                </a:schemeClr>
+              </a:solidFill>
+              <a:latin typeface="Arial" pitchFamily="34" charset="0"/>
+              <a:cs typeface="Arial" pitchFamily="34" charset="0"/>
+            </a:endParaRPr>
+          </a:p>
+        </p:txBody>
+      </p:sp>
     </p:spTree>
     <p:extLst>
       <p:ext uri="{BB962C8B-B14F-4D97-AF65-F5344CB8AC3E}">
-        <p14:creationId xmlns="" xmlns:p14="http://schemas.microsoft.com/office/powerpoint/2010/main" val="585023994"/>
+        <p14:creationId xmlns:p14="http://schemas.microsoft.com/office/powerpoint/2010/main" xmlns="" val="585023994"/>
       </p:ext>
     </p:extLst>
   </p:cSld>
@@ -7137,7 +9062,7 @@
     <a:masterClrMapping/>
   </p:clrMapOvr>
   <mc:AlternateContent xmlns:mc="http://schemas.openxmlformats.org/markup-compatibility/2006">
-    <mc:Choice xmlns="" xmlns:p14="http://schemas.microsoft.com/office/powerpoint/2010/main" Requires="p14">
+    <mc:Choice xmlns:p14="http://schemas.microsoft.com/office/powerpoint/2010/main" xmlns="" Requires="p14">
       <p:transition p14:dur="250">
         <p:fade/>
       </p:transition>
@@ -7564,10 +9489,283 @@
           </a:p>
         </p:txBody>
       </p:sp>
+      <p:sp>
+        <p:nvSpPr>
+          <p:cNvPr id="7" name="TextBox 6"/>
+          <p:cNvSpPr txBox="1"/>
+          <p:nvPr/>
+        </p:nvSpPr>
+        <p:spPr>
+          <a:xfrm>
+            <a:off x="5615608" y="188640"/>
+            <a:ext cx="3528392" cy="707886"/>
+          </a:xfrm>
+          <a:prstGeom prst="rect">
+            <a:avLst/>
+          </a:prstGeom>
+          <a:noFill/>
+        </p:spPr>
+        <p:txBody>
+          <a:bodyPr wrap="square" numCol="2" rtlCol="0">
+            <a:spAutoFit/>
+          </a:bodyPr>
+          <a:lstStyle/>
+          <a:p>
+            <a:pPr marL="12700">
+              <a:lnSpc>
+                <a:spcPct val="100000"/>
+              </a:lnSpc>
+            </a:pPr>
+            <a:r>
+              <a:rPr lang="da-DK" sz="1000" b="1" cap="all" spc="200" dirty="0" smtClean="0">
+                <a:solidFill>
+                  <a:schemeClr val="accent1">
+                    <a:lumMod val="75000"/>
+                    <a:alpha val="30000"/>
+                  </a:schemeClr>
+                </a:solidFill>
+                <a:latin typeface="Arial"/>
+                <a:cs typeface="Arial"/>
+              </a:rPr>
+              <a:t>GIRAF</a:t>
+            </a:r>
+            <a:endParaRPr lang="da-DK" sz="1000" b="1" cap="all" spc="200" dirty="0" smtClean="0">
+              <a:solidFill>
+                <a:schemeClr val="accent1">
+                  <a:lumMod val="75000"/>
+                  <a:alpha val="30000"/>
+                </a:schemeClr>
+              </a:solidFill>
+              <a:latin typeface="Arial"/>
+              <a:cs typeface="Arial"/>
+            </a:endParaRPr>
+          </a:p>
+          <a:p>
+            <a:pPr marL="12700">
+              <a:lnSpc>
+                <a:spcPct val="100000"/>
+              </a:lnSpc>
+            </a:pPr>
+            <a:r>
+              <a:rPr lang="da-DK" sz="1000" b="1" cap="all" spc="200" dirty="0" smtClean="0">
+                <a:solidFill>
+                  <a:schemeClr val="accent1">
+                    <a:lumMod val="75000"/>
+                    <a:alpha val="30000"/>
+                  </a:schemeClr>
+                </a:solidFill>
+                <a:latin typeface="Arial"/>
+                <a:cs typeface="Arial"/>
+              </a:rPr>
+              <a:t>Game </a:t>
+            </a:r>
+            <a:r>
+              <a:rPr lang="da-DK" sz="1000" b="1" cap="all" spc="200" dirty="0" smtClean="0">
+                <a:solidFill>
+                  <a:schemeClr val="accent1">
+                    <a:lumMod val="75000"/>
+                    <a:alpha val="30000"/>
+                  </a:schemeClr>
+                </a:solidFill>
+                <a:latin typeface="Arial"/>
+                <a:cs typeface="Arial"/>
+              </a:rPr>
+              <a:t>Design</a:t>
+            </a:r>
+            <a:endParaRPr lang="da-DK" sz="1000" b="1" cap="all" spc="200" dirty="0" smtClean="0">
+              <a:solidFill>
+                <a:schemeClr val="accent1">
+                  <a:lumMod val="75000"/>
+                  <a:alpha val="30000"/>
+                </a:schemeClr>
+              </a:solidFill>
+              <a:latin typeface="Arial"/>
+              <a:cs typeface="Arial"/>
+            </a:endParaRPr>
+          </a:p>
+          <a:p>
+            <a:pPr marL="12700">
+              <a:lnSpc>
+                <a:spcPct val="100000"/>
+              </a:lnSpc>
+            </a:pPr>
+            <a:r>
+              <a:rPr lang="da-DK" sz="1000" b="1" cap="all" spc="200" dirty="0" smtClean="0">
+                <a:solidFill>
+                  <a:schemeClr val="accent1">
+                    <a:lumMod val="75000"/>
+                  </a:schemeClr>
+                </a:solidFill>
+                <a:latin typeface="Arial"/>
+                <a:cs typeface="Arial"/>
+              </a:rPr>
+              <a:t>OpenGL </a:t>
+            </a:r>
+            <a:r>
+              <a:rPr lang="da-DK" sz="1000" b="1" cap="all" spc="200" dirty="0" smtClean="0">
+                <a:solidFill>
+                  <a:schemeClr val="accent1">
+                    <a:lumMod val="75000"/>
+                  </a:schemeClr>
+                </a:solidFill>
+                <a:latin typeface="Arial"/>
+                <a:cs typeface="Arial"/>
+              </a:rPr>
+              <a:t>ES</a:t>
+            </a:r>
+          </a:p>
+          <a:p>
+            <a:pPr marL="12700">
+              <a:lnSpc>
+                <a:spcPct val="100000"/>
+              </a:lnSpc>
+            </a:pPr>
+            <a:endParaRPr lang="da-DK" sz="1000" b="1" cap="all" spc="200" dirty="0" smtClean="0">
+              <a:solidFill>
+                <a:schemeClr val="accent1">
+                  <a:lumMod val="75000"/>
+                  <a:alpha val="30000"/>
+                </a:schemeClr>
+              </a:solidFill>
+              <a:latin typeface="Arial"/>
+              <a:cs typeface="Arial"/>
+            </a:endParaRPr>
+          </a:p>
+          <a:p>
+            <a:pPr marL="12700">
+              <a:lnSpc>
+                <a:spcPct val="100000"/>
+              </a:lnSpc>
+            </a:pPr>
+            <a:r>
+              <a:rPr lang="da-DK" sz="1000" b="1" cap="all" spc="200" dirty="0" smtClean="0">
+                <a:solidFill>
+                  <a:schemeClr val="accent1">
+                    <a:lumMod val="75000"/>
+                    <a:alpha val="30000"/>
+                  </a:schemeClr>
+                </a:solidFill>
+                <a:latin typeface="Arial"/>
+                <a:cs typeface="Arial"/>
+              </a:rPr>
+              <a:t>Implementation</a:t>
+            </a:r>
+            <a:endParaRPr lang="da-DK" sz="1000" b="1" cap="all" spc="200" dirty="0" smtClean="0">
+              <a:solidFill>
+                <a:schemeClr val="accent1">
+                  <a:lumMod val="75000"/>
+                  <a:alpha val="30000"/>
+                </a:schemeClr>
+              </a:solidFill>
+              <a:latin typeface="Arial"/>
+              <a:cs typeface="Arial"/>
+            </a:endParaRPr>
+          </a:p>
+          <a:p>
+            <a:pPr marL="12700">
+              <a:lnSpc>
+                <a:spcPct val="100000"/>
+              </a:lnSpc>
+            </a:pPr>
+            <a:r>
+              <a:rPr lang="da-DK" sz="1000" b="1" cap="all" spc="200" dirty="0" smtClean="0">
+                <a:solidFill>
+                  <a:schemeClr val="accent1">
+                    <a:lumMod val="75000"/>
+                    <a:alpha val="30000"/>
+                  </a:schemeClr>
+                </a:solidFill>
+                <a:latin typeface="Arial"/>
+                <a:cs typeface="Arial"/>
+              </a:rPr>
+              <a:t>Conclusion</a:t>
+            </a:r>
+            <a:endParaRPr lang="da-DK" sz="1000" b="1" cap="all" spc="200" dirty="0" smtClean="0">
+              <a:solidFill>
+                <a:schemeClr val="accent1">
+                  <a:lumMod val="75000"/>
+                  <a:alpha val="30000"/>
+                </a:schemeClr>
+              </a:solidFill>
+              <a:latin typeface="Arial"/>
+              <a:cs typeface="Arial"/>
+            </a:endParaRPr>
+          </a:p>
+          <a:p>
+            <a:pPr marL="12700">
+              <a:lnSpc>
+                <a:spcPct val="100000"/>
+              </a:lnSpc>
+            </a:pPr>
+            <a:r>
+              <a:rPr lang="da-DK" sz="1000" b="1" cap="all" spc="200" dirty="0" smtClean="0">
+                <a:solidFill>
+                  <a:schemeClr val="accent1">
+                    <a:lumMod val="75000"/>
+                    <a:alpha val="30000"/>
+                  </a:schemeClr>
+                </a:solidFill>
+                <a:latin typeface="Arial"/>
+                <a:cs typeface="Arial"/>
+              </a:rPr>
+              <a:t>demonstration</a:t>
+            </a:r>
+          </a:p>
+          <a:p>
+            <a:endParaRPr lang="da-DK" sz="1000" dirty="0"/>
+          </a:p>
+        </p:txBody>
+      </p:sp>
+      <p:sp>
+        <p:nvSpPr>
+          <p:cNvPr id="10" name="TextBox 9"/>
+          <p:cNvSpPr txBox="1"/>
+          <p:nvPr/>
+        </p:nvSpPr>
+        <p:spPr>
+          <a:xfrm>
+            <a:off x="3923928" y="5517232"/>
+            <a:ext cx="1656184" cy="276999"/>
+          </a:xfrm>
+          <a:prstGeom prst="rect">
+            <a:avLst/>
+          </a:prstGeom>
+          <a:noFill/>
+        </p:spPr>
+        <p:txBody>
+          <a:bodyPr wrap="square" rtlCol="0">
+            <a:spAutoFit/>
+          </a:bodyPr>
+          <a:lstStyle/>
+          <a:p>
+            <a:r>
+              <a:rPr lang="en-GB" sz="1200" dirty="0" smtClean="0">
+                <a:solidFill>
+                  <a:schemeClr val="accent1">
+                    <a:lumMod val="75000"/>
+                  </a:schemeClr>
+                </a:solidFill>
+                <a:latin typeface="Arial" pitchFamily="34" charset="0"/>
+                <a:cs typeface="Arial" pitchFamily="34" charset="0"/>
+              </a:rPr>
+              <a:t>Figure 6.1: Page 40</a:t>
+            </a:r>
+            <a:endParaRPr lang="en-GB" sz="1200" dirty="0" smtClean="0">
+              <a:solidFill>
+                <a:schemeClr val="accent1">
+                  <a:lumMod val="75000"/>
+                </a:schemeClr>
+              </a:solidFill>
+              <a:latin typeface="Arial" pitchFamily="34" charset="0"/>
+              <a:cs typeface="Arial" pitchFamily="34" charset="0"/>
+            </a:endParaRPr>
+          </a:p>
+        </p:txBody>
+      </p:sp>
     </p:spTree>
     <p:extLst>
       <p:ext uri="{BB962C8B-B14F-4D97-AF65-F5344CB8AC3E}">
-        <p14:creationId xmlns="" xmlns:p14="http://schemas.microsoft.com/office/powerpoint/2010/main" val="585023994"/>
+        <p14:creationId xmlns:p14="http://schemas.microsoft.com/office/powerpoint/2010/main" xmlns="" val="585023994"/>
       </p:ext>
     </p:extLst>
   </p:cSld>
@@ -7575,7 +9773,7 @@
     <a:masterClrMapping/>
   </p:clrMapOvr>
   <mc:AlternateContent xmlns:mc="http://schemas.openxmlformats.org/markup-compatibility/2006">
-    <mc:Choice xmlns="" xmlns:p14="http://schemas.microsoft.com/office/powerpoint/2010/main" Requires="p14">
+    <mc:Choice xmlns:p14="http://schemas.microsoft.com/office/powerpoint/2010/main" xmlns="" Requires="p14">
       <p:transition p14:dur="250">
         <p:fade/>
       </p:transition>
@@ -7818,7 +10016,7 @@
                 <a:latin typeface="Arial"/>
                 <a:cs typeface="Arial"/>
               </a:rPr>
-              <a:t>Game Implementation</a:t>
+              <a:t>Implementation</a:t>
             </a:r>
             <a:endParaRPr lang="da-DK" cap="all" spc="200" dirty="0" smtClean="0">
               <a:solidFill>
@@ -8135,13 +10333,242 @@
           </a:p>
         </p:txBody>
       </p:sp>
+      <p:sp>
+        <p:nvSpPr>
+          <p:cNvPr id="7" name="TextBox 6"/>
+          <p:cNvSpPr txBox="1"/>
+          <p:nvPr/>
+        </p:nvSpPr>
+        <p:spPr>
+          <a:xfrm>
+            <a:off x="5615608" y="188640"/>
+            <a:ext cx="3528392" cy="707886"/>
+          </a:xfrm>
+          <a:prstGeom prst="rect">
+            <a:avLst/>
+          </a:prstGeom>
+          <a:noFill/>
+        </p:spPr>
+        <p:txBody>
+          <a:bodyPr wrap="square" numCol="2" rtlCol="0">
+            <a:spAutoFit/>
+          </a:bodyPr>
+          <a:lstStyle/>
+          <a:p>
+            <a:pPr marL="12700">
+              <a:lnSpc>
+                <a:spcPct val="100000"/>
+              </a:lnSpc>
+            </a:pPr>
+            <a:r>
+              <a:rPr lang="da-DK" sz="1000" b="1" cap="all" spc="200" dirty="0" smtClean="0">
+                <a:solidFill>
+                  <a:schemeClr val="accent1">
+                    <a:lumMod val="75000"/>
+                    <a:alpha val="30000"/>
+                  </a:schemeClr>
+                </a:solidFill>
+                <a:latin typeface="Arial"/>
+                <a:cs typeface="Arial"/>
+              </a:rPr>
+              <a:t>GIRAF</a:t>
+            </a:r>
+            <a:endParaRPr lang="da-DK" sz="1000" b="1" cap="all" spc="200" dirty="0" smtClean="0">
+              <a:solidFill>
+                <a:schemeClr val="accent1">
+                  <a:lumMod val="75000"/>
+                  <a:alpha val="30000"/>
+                </a:schemeClr>
+              </a:solidFill>
+              <a:latin typeface="Arial"/>
+              <a:cs typeface="Arial"/>
+            </a:endParaRPr>
+          </a:p>
+          <a:p>
+            <a:pPr marL="12700">
+              <a:lnSpc>
+                <a:spcPct val="100000"/>
+              </a:lnSpc>
+            </a:pPr>
+            <a:r>
+              <a:rPr lang="da-DK" sz="1000" b="1" cap="all" spc="200" dirty="0" smtClean="0">
+                <a:solidFill>
+                  <a:schemeClr val="accent1">
+                    <a:lumMod val="75000"/>
+                    <a:alpha val="30000"/>
+                  </a:schemeClr>
+                </a:solidFill>
+                <a:latin typeface="Arial"/>
+                <a:cs typeface="Arial"/>
+              </a:rPr>
+              <a:t>Game </a:t>
+            </a:r>
+            <a:r>
+              <a:rPr lang="da-DK" sz="1000" b="1" cap="all" spc="200" dirty="0" smtClean="0">
+                <a:solidFill>
+                  <a:schemeClr val="accent1">
+                    <a:lumMod val="75000"/>
+                    <a:alpha val="30000"/>
+                  </a:schemeClr>
+                </a:solidFill>
+                <a:latin typeface="Arial"/>
+                <a:cs typeface="Arial"/>
+              </a:rPr>
+              <a:t>Design</a:t>
+            </a:r>
+            <a:endParaRPr lang="da-DK" sz="1000" b="1" cap="all" spc="200" dirty="0" smtClean="0">
+              <a:solidFill>
+                <a:schemeClr val="accent1">
+                  <a:lumMod val="75000"/>
+                  <a:alpha val="30000"/>
+                </a:schemeClr>
+              </a:solidFill>
+              <a:latin typeface="Arial"/>
+              <a:cs typeface="Arial"/>
+            </a:endParaRPr>
+          </a:p>
+          <a:p>
+            <a:pPr marL="12700">
+              <a:lnSpc>
+                <a:spcPct val="100000"/>
+              </a:lnSpc>
+            </a:pPr>
+            <a:r>
+              <a:rPr lang="da-DK" sz="1000" b="1" cap="all" spc="200" dirty="0" smtClean="0">
+                <a:solidFill>
+                  <a:schemeClr val="accent1">
+                    <a:lumMod val="75000"/>
+                    <a:alpha val="30000"/>
+                  </a:schemeClr>
+                </a:solidFill>
+                <a:latin typeface="Arial"/>
+                <a:cs typeface="Arial"/>
+              </a:rPr>
+              <a:t>OpenGL </a:t>
+            </a:r>
+            <a:r>
+              <a:rPr lang="da-DK" sz="1000" b="1" cap="all" spc="200" dirty="0" smtClean="0">
+                <a:solidFill>
+                  <a:schemeClr val="accent1">
+                    <a:lumMod val="75000"/>
+                    <a:alpha val="30000"/>
+                  </a:schemeClr>
+                </a:solidFill>
+                <a:latin typeface="Arial"/>
+                <a:cs typeface="Arial"/>
+              </a:rPr>
+              <a:t>ES</a:t>
+            </a:r>
+          </a:p>
+          <a:p>
+            <a:pPr marL="12700">
+              <a:lnSpc>
+                <a:spcPct val="100000"/>
+              </a:lnSpc>
+            </a:pPr>
+            <a:endParaRPr lang="da-DK" sz="1000" b="1" cap="all" spc="200" dirty="0" smtClean="0">
+              <a:solidFill>
+                <a:schemeClr val="accent1">
+                  <a:lumMod val="75000"/>
+                  <a:alpha val="30000"/>
+                </a:schemeClr>
+              </a:solidFill>
+              <a:latin typeface="Arial"/>
+              <a:cs typeface="Arial"/>
+            </a:endParaRPr>
+          </a:p>
+          <a:p>
+            <a:pPr marL="12700">
+              <a:lnSpc>
+                <a:spcPct val="100000"/>
+              </a:lnSpc>
+            </a:pPr>
+            <a:r>
+              <a:rPr lang="da-DK" sz="1000" b="1" cap="all" spc="200" dirty="0" smtClean="0">
+                <a:solidFill>
+                  <a:schemeClr val="accent1">
+                    <a:lumMod val="75000"/>
+                    <a:alpha val="30000"/>
+                  </a:schemeClr>
+                </a:solidFill>
+                <a:latin typeface="Arial"/>
+                <a:cs typeface="Arial"/>
+              </a:rPr>
+              <a:t>Implementation</a:t>
+            </a:r>
+            <a:endParaRPr lang="da-DK" sz="1000" b="1" cap="all" spc="200" dirty="0" smtClean="0">
+              <a:solidFill>
+                <a:schemeClr val="accent1">
+                  <a:lumMod val="75000"/>
+                  <a:alpha val="30000"/>
+                </a:schemeClr>
+              </a:solidFill>
+              <a:latin typeface="Arial"/>
+              <a:cs typeface="Arial"/>
+            </a:endParaRPr>
+          </a:p>
+          <a:p>
+            <a:pPr marL="12700">
+              <a:lnSpc>
+                <a:spcPct val="100000"/>
+              </a:lnSpc>
+            </a:pPr>
+            <a:r>
+              <a:rPr lang="da-DK" sz="1000" b="1" cap="all" spc="200" dirty="0" smtClean="0">
+                <a:solidFill>
+                  <a:schemeClr val="accent1">
+                    <a:lumMod val="75000"/>
+                    <a:alpha val="30000"/>
+                  </a:schemeClr>
+                </a:solidFill>
+                <a:latin typeface="Arial"/>
+                <a:cs typeface="Arial"/>
+              </a:rPr>
+              <a:t>Conclusion</a:t>
+            </a:r>
+            <a:endParaRPr lang="da-DK" sz="1000" b="1" cap="all" spc="200" dirty="0" smtClean="0">
+              <a:solidFill>
+                <a:schemeClr val="accent1">
+                  <a:lumMod val="75000"/>
+                  <a:alpha val="30000"/>
+                </a:schemeClr>
+              </a:solidFill>
+              <a:latin typeface="Arial"/>
+              <a:cs typeface="Arial"/>
+            </a:endParaRPr>
+          </a:p>
+          <a:p>
+            <a:pPr marL="12700">
+              <a:lnSpc>
+                <a:spcPct val="100000"/>
+              </a:lnSpc>
+            </a:pPr>
+            <a:r>
+              <a:rPr lang="da-DK" sz="1000" b="1" cap="all" spc="200" dirty="0" smtClean="0">
+                <a:solidFill>
+                  <a:schemeClr val="accent1">
+                    <a:lumMod val="75000"/>
+                    <a:alpha val="30000"/>
+                  </a:schemeClr>
+                </a:solidFill>
+                <a:latin typeface="Arial"/>
+                <a:cs typeface="Arial"/>
+              </a:rPr>
+              <a:t>demonstration</a:t>
+            </a:r>
+          </a:p>
+          <a:p>
+            <a:endParaRPr lang="da-DK" sz="1000" dirty="0"/>
+          </a:p>
+        </p:txBody>
+      </p:sp>
     </p:spTree>
   </p:cSld>
   <p:clrMapOvr>
     <a:masterClrMapping/>
   </p:clrMapOvr>
   <mc:AlternateContent xmlns:mc="http://schemas.openxmlformats.org/markup-compatibility/2006">
-    <mc:Choice xmlns="" xmlns:p14="http://schemas.microsoft.com/office/powerpoint/2010/main" Requires="p14">
+    <mc:Choice xmlns:p14="http://schemas.microsoft.com/office/powerpoint/2010/main" xmlns="" Requires="p14">
       <p:transition p14:dur="250">
         <p:fade/>
       </p:transition>
@@ -8514,7 +10941,19 @@
                 <a:latin typeface="Arial"/>
                 <a:cs typeface="Arial"/>
               </a:rPr>
-              <a:t>Power-of-two conversion: Part 1 </a:t>
+              <a:t>Power-of-two: </a:t>
+            </a:r>
+            <a:r>
+              <a:rPr lang="en-GB" sz="2400" kern="0" cap="all" spc="200" dirty="0" smtClean="0">
+                <a:solidFill>
+                  <a:schemeClr val="tx2">
+                    <a:lumMod val="50000"/>
+                  </a:schemeClr>
+                </a:solidFill>
+                <a:latin typeface="Arial"/>
+                <a:cs typeface="Arial"/>
+              </a:rPr>
+              <a:t>Part 1 </a:t>
             </a:r>
             <a:endParaRPr sz="2400" kern="0" cap="all" spc="200" dirty="0">
               <a:solidFill>
@@ -8568,7 +11007,7 @@
         </p:nvSpPr>
         <p:spPr>
           <a:xfrm>
-            <a:off x="1259632" y="3933056"/>
+            <a:off x="1259632" y="4077072"/>
             <a:ext cx="1656184" cy="738664"/>
           </a:xfrm>
           <a:prstGeom prst="rect">
@@ -8630,7 +11069,7 @@
         </p:nvSpPr>
         <p:spPr>
           <a:xfrm>
-            <a:off x="5724128" y="5445224"/>
+            <a:off x="5724128" y="5569495"/>
             <a:ext cx="1008112" cy="307777"/>
           </a:xfrm>
           <a:prstGeom prst="rect">
@@ -8750,10 +11189,329 @@
           </a:p>
         </p:txBody>
       </p:sp>
+      <p:sp>
+        <p:nvSpPr>
+          <p:cNvPr id="15" name="TextBox 14"/>
+          <p:cNvSpPr txBox="1"/>
+          <p:nvPr/>
+        </p:nvSpPr>
+        <p:spPr>
+          <a:xfrm>
+            <a:off x="5615608" y="188640"/>
+            <a:ext cx="3528392" cy="707886"/>
+          </a:xfrm>
+          <a:prstGeom prst="rect">
+            <a:avLst/>
+          </a:prstGeom>
+          <a:noFill/>
+        </p:spPr>
+        <p:txBody>
+          <a:bodyPr wrap="square" numCol="2" rtlCol="0">
+            <a:spAutoFit/>
+          </a:bodyPr>
+          <a:lstStyle/>
+          <a:p>
+            <a:pPr marL="12700">
+              <a:lnSpc>
+                <a:spcPct val="100000"/>
+              </a:lnSpc>
+            </a:pPr>
+            <a:r>
+              <a:rPr lang="da-DK" sz="1000" b="1" cap="all" spc="200" dirty="0" smtClean="0">
+                <a:solidFill>
+                  <a:schemeClr val="accent1">
+                    <a:lumMod val="75000"/>
+                    <a:alpha val="30000"/>
+                  </a:schemeClr>
+                </a:solidFill>
+                <a:latin typeface="Arial"/>
+                <a:cs typeface="Arial"/>
+              </a:rPr>
+              <a:t>GIRAF</a:t>
+            </a:r>
+            <a:endParaRPr lang="da-DK" sz="1000" b="1" cap="all" spc="200" dirty="0" smtClean="0">
+              <a:solidFill>
+                <a:schemeClr val="accent1">
+                  <a:lumMod val="75000"/>
+                  <a:alpha val="30000"/>
+                </a:schemeClr>
+              </a:solidFill>
+              <a:latin typeface="Arial"/>
+              <a:cs typeface="Arial"/>
+            </a:endParaRPr>
+          </a:p>
+          <a:p>
+            <a:pPr marL="12700">
+              <a:lnSpc>
+                <a:spcPct val="100000"/>
+              </a:lnSpc>
+            </a:pPr>
+            <a:r>
+              <a:rPr lang="da-DK" sz="1000" b="1" cap="all" spc="200" dirty="0" smtClean="0">
+                <a:solidFill>
+                  <a:schemeClr val="accent1">
+                    <a:lumMod val="75000"/>
+                    <a:alpha val="30000"/>
+                  </a:schemeClr>
+                </a:solidFill>
+                <a:latin typeface="Arial"/>
+                <a:cs typeface="Arial"/>
+              </a:rPr>
+              <a:t>Game </a:t>
+            </a:r>
+            <a:r>
+              <a:rPr lang="da-DK" sz="1000" b="1" cap="all" spc="200" dirty="0" smtClean="0">
+                <a:solidFill>
+                  <a:schemeClr val="accent1">
+                    <a:lumMod val="75000"/>
+                    <a:alpha val="30000"/>
+                  </a:schemeClr>
+                </a:solidFill>
+                <a:latin typeface="Arial"/>
+                <a:cs typeface="Arial"/>
+              </a:rPr>
+              <a:t>Design</a:t>
+            </a:r>
+            <a:endParaRPr lang="da-DK" sz="1000" b="1" cap="all" spc="200" dirty="0" smtClean="0">
+              <a:solidFill>
+                <a:schemeClr val="accent1">
+                  <a:lumMod val="75000"/>
+                  <a:alpha val="30000"/>
+                </a:schemeClr>
+              </a:solidFill>
+              <a:latin typeface="Arial"/>
+              <a:cs typeface="Arial"/>
+            </a:endParaRPr>
+          </a:p>
+          <a:p>
+            <a:pPr marL="12700">
+              <a:lnSpc>
+                <a:spcPct val="100000"/>
+              </a:lnSpc>
+            </a:pPr>
+            <a:r>
+              <a:rPr lang="da-DK" sz="1000" b="1" cap="all" spc="200" dirty="0" smtClean="0">
+                <a:solidFill>
+                  <a:schemeClr val="accent1">
+                    <a:lumMod val="75000"/>
+                  </a:schemeClr>
+                </a:solidFill>
+                <a:latin typeface="Arial"/>
+                <a:cs typeface="Arial"/>
+              </a:rPr>
+              <a:t>OpenGL </a:t>
+            </a:r>
+            <a:r>
+              <a:rPr lang="da-DK" sz="1000" b="1" cap="all" spc="200" dirty="0" smtClean="0">
+                <a:solidFill>
+                  <a:schemeClr val="accent1">
+                    <a:lumMod val="75000"/>
+                  </a:schemeClr>
+                </a:solidFill>
+                <a:latin typeface="Arial"/>
+                <a:cs typeface="Arial"/>
+              </a:rPr>
+              <a:t>ES</a:t>
+            </a:r>
+          </a:p>
+          <a:p>
+            <a:pPr marL="12700">
+              <a:lnSpc>
+                <a:spcPct val="100000"/>
+              </a:lnSpc>
+            </a:pPr>
+            <a:endParaRPr lang="da-DK" sz="1000" b="1" cap="all" spc="200" dirty="0" smtClean="0">
+              <a:solidFill>
+                <a:schemeClr val="accent1">
+                  <a:lumMod val="75000"/>
+                  <a:alpha val="30000"/>
+                </a:schemeClr>
+              </a:solidFill>
+              <a:latin typeface="Arial"/>
+              <a:cs typeface="Arial"/>
+            </a:endParaRPr>
+          </a:p>
+          <a:p>
+            <a:pPr marL="12700">
+              <a:lnSpc>
+                <a:spcPct val="100000"/>
+              </a:lnSpc>
+            </a:pPr>
+            <a:r>
+              <a:rPr lang="da-DK" sz="1000" b="1" cap="all" spc="200" dirty="0" smtClean="0">
+                <a:solidFill>
+                  <a:schemeClr val="accent1">
+                    <a:lumMod val="75000"/>
+                    <a:alpha val="30000"/>
+                  </a:schemeClr>
+                </a:solidFill>
+                <a:latin typeface="Arial"/>
+                <a:cs typeface="Arial"/>
+              </a:rPr>
+              <a:t>Implementation</a:t>
+            </a:r>
+            <a:endParaRPr lang="da-DK" sz="1000" b="1" cap="all" spc="200" dirty="0" smtClean="0">
+              <a:solidFill>
+                <a:schemeClr val="accent1">
+                  <a:lumMod val="75000"/>
+                  <a:alpha val="30000"/>
+                </a:schemeClr>
+              </a:solidFill>
+              <a:latin typeface="Arial"/>
+              <a:cs typeface="Arial"/>
+            </a:endParaRPr>
+          </a:p>
+          <a:p>
+            <a:pPr marL="12700">
+              <a:lnSpc>
+                <a:spcPct val="100000"/>
+              </a:lnSpc>
+            </a:pPr>
+            <a:r>
+              <a:rPr lang="da-DK" sz="1000" b="1" cap="all" spc="200" dirty="0" smtClean="0">
+                <a:solidFill>
+                  <a:schemeClr val="accent1">
+                    <a:lumMod val="75000"/>
+                    <a:alpha val="30000"/>
+                  </a:schemeClr>
+                </a:solidFill>
+                <a:latin typeface="Arial"/>
+                <a:cs typeface="Arial"/>
+              </a:rPr>
+              <a:t>Conclusion</a:t>
+            </a:r>
+            <a:endParaRPr lang="da-DK" sz="1000" b="1" cap="all" spc="200" dirty="0" smtClean="0">
+              <a:solidFill>
+                <a:schemeClr val="accent1">
+                  <a:lumMod val="75000"/>
+                  <a:alpha val="30000"/>
+                </a:schemeClr>
+              </a:solidFill>
+              <a:latin typeface="Arial"/>
+              <a:cs typeface="Arial"/>
+            </a:endParaRPr>
+          </a:p>
+          <a:p>
+            <a:pPr marL="12700">
+              <a:lnSpc>
+                <a:spcPct val="100000"/>
+              </a:lnSpc>
+            </a:pPr>
+            <a:r>
+              <a:rPr lang="da-DK" sz="1000" b="1" cap="all" spc="200" dirty="0" smtClean="0">
+                <a:solidFill>
+                  <a:schemeClr val="accent1">
+                    <a:lumMod val="75000"/>
+                    <a:alpha val="30000"/>
+                  </a:schemeClr>
+                </a:solidFill>
+                <a:latin typeface="Arial"/>
+                <a:cs typeface="Arial"/>
+              </a:rPr>
+              <a:t>demonstration</a:t>
+            </a:r>
+          </a:p>
+          <a:p>
+            <a:endParaRPr lang="da-DK" sz="1000" dirty="0"/>
+          </a:p>
+        </p:txBody>
+      </p:sp>
+      <p:sp>
+        <p:nvSpPr>
+          <p:cNvPr id="16" name="TextBox 15"/>
+          <p:cNvSpPr txBox="1"/>
+          <p:nvPr/>
+        </p:nvSpPr>
+        <p:spPr>
+          <a:xfrm>
+            <a:off x="1331640" y="3789040"/>
+            <a:ext cx="1656184" cy="276999"/>
+          </a:xfrm>
+          <a:prstGeom prst="rect">
+            <a:avLst/>
+          </a:prstGeom>
+          <a:noFill/>
+        </p:spPr>
+        <p:txBody>
+          <a:bodyPr wrap="square" rtlCol="0">
+            <a:spAutoFit/>
+          </a:bodyPr>
+          <a:lstStyle/>
+          <a:p>
+            <a:r>
+              <a:rPr lang="en-GB" sz="1200" dirty="0" smtClean="0">
+                <a:solidFill>
+                  <a:schemeClr val="accent1">
+                    <a:lumMod val="75000"/>
+                  </a:schemeClr>
+                </a:solidFill>
+                <a:latin typeface="Arial" pitchFamily="34" charset="0"/>
+                <a:cs typeface="Arial" pitchFamily="34" charset="0"/>
+              </a:rPr>
+              <a:t>Figure 6.2: Page 42</a:t>
+            </a:r>
+            <a:endParaRPr lang="en-GB" sz="1200" dirty="0" smtClean="0">
+              <a:solidFill>
+                <a:schemeClr val="accent1">
+                  <a:lumMod val="75000"/>
+                </a:schemeClr>
+              </a:solidFill>
+              <a:latin typeface="Arial" pitchFamily="34" charset="0"/>
+              <a:cs typeface="Arial" pitchFamily="34" charset="0"/>
+            </a:endParaRPr>
+          </a:p>
+        </p:txBody>
+      </p:sp>
+      <p:sp>
+        <p:nvSpPr>
+          <p:cNvPr id="17" name="TextBox 16"/>
+          <p:cNvSpPr txBox="1"/>
+          <p:nvPr/>
+        </p:nvSpPr>
+        <p:spPr>
+          <a:xfrm>
+            <a:off x="5436096" y="5301208"/>
+            <a:ext cx="1656184" cy="276999"/>
+          </a:xfrm>
+          <a:prstGeom prst="rect">
+            <a:avLst/>
+          </a:prstGeom>
+          <a:noFill/>
+        </p:spPr>
+        <p:txBody>
+          <a:bodyPr wrap="square" rtlCol="0">
+            <a:spAutoFit/>
+          </a:bodyPr>
+          <a:lstStyle/>
+          <a:p>
+            <a:r>
+              <a:rPr lang="en-GB" sz="1200" dirty="0" smtClean="0">
+                <a:solidFill>
+                  <a:schemeClr val="accent1">
+                    <a:lumMod val="75000"/>
+                  </a:schemeClr>
+                </a:solidFill>
+                <a:latin typeface="Arial" pitchFamily="34" charset="0"/>
+                <a:cs typeface="Arial" pitchFamily="34" charset="0"/>
+              </a:rPr>
+              <a:t>Figure 6.3: Page 42</a:t>
+            </a:r>
+            <a:endParaRPr lang="en-GB" sz="1200" dirty="0" smtClean="0">
+              <a:solidFill>
+                <a:schemeClr val="accent1">
+                  <a:lumMod val="75000"/>
+                </a:schemeClr>
+              </a:solidFill>
+              <a:latin typeface="Arial" pitchFamily="34" charset="0"/>
+              <a:cs typeface="Arial" pitchFamily="34" charset="0"/>
+            </a:endParaRPr>
+          </a:p>
+        </p:txBody>
+      </p:sp>
     </p:spTree>
     <p:extLst>
       <p:ext uri="{BB962C8B-B14F-4D97-AF65-F5344CB8AC3E}">
-        <p14:creationId xmlns="" xmlns:p14="http://schemas.microsoft.com/office/powerpoint/2010/main" val="585023994"/>
+        <p14:creationId xmlns:p14="http://schemas.microsoft.com/office/powerpoint/2010/main" xmlns="" val="585023994"/>
       </p:ext>
     </p:extLst>
   </p:cSld>
@@ -8761,7 +11519,7 @@
     <a:masterClrMapping/>
   </p:clrMapOvr>
   <mc:AlternateContent xmlns:mc="http://schemas.openxmlformats.org/markup-compatibility/2006">
-    <mc:Choice xmlns="" xmlns:p14="http://schemas.microsoft.com/office/powerpoint/2010/main" Requires="p14">
+    <mc:Choice xmlns:p14="http://schemas.microsoft.com/office/powerpoint/2010/main" xmlns="" Requires="p14">
       <p:transition p14:dur="250">
         <p:fade/>
       </p:transition>
@@ -9166,7 +11924,19 @@
                 <a:latin typeface="Arial"/>
                 <a:cs typeface="Arial"/>
               </a:rPr>
-              <a:t>Power-of-two conversion: Part 2</a:t>
+              <a:t>Power-of-two: </a:t>
+            </a:r>
+            <a:r>
+              <a:rPr lang="en-GB" sz="2400" kern="0" cap="all" spc="200" dirty="0" smtClean="0">
+                <a:solidFill>
+                  <a:schemeClr val="tx2">
+                    <a:lumMod val="50000"/>
+                  </a:schemeClr>
+                </a:solidFill>
+                <a:latin typeface="Arial"/>
+                <a:cs typeface="Arial"/>
+              </a:rPr>
+              <a:t>Part 2</a:t>
             </a:r>
             <a:endParaRPr sz="2400" kern="0" cap="all" spc="200" dirty="0">
               <a:solidFill>
@@ -9270,7 +12040,7 @@
         </p:nvSpPr>
         <p:spPr>
           <a:xfrm>
-            <a:off x="1259632" y="3933056"/>
+            <a:off x="1259632" y="4077072"/>
             <a:ext cx="1656184" cy="738664"/>
           </a:xfrm>
           <a:prstGeom prst="rect">
@@ -9332,7 +12102,7 @@
         </p:nvSpPr>
         <p:spPr>
           <a:xfrm>
-            <a:off x="5364088" y="5373216"/>
+            <a:off x="5364088" y="5517232"/>
             <a:ext cx="1656184" cy="523220"/>
           </a:xfrm>
           <a:prstGeom prst="rect">
@@ -9375,10 +12145,329 @@
           </a:p>
         </p:txBody>
       </p:sp>
+      <p:sp>
+        <p:nvSpPr>
+          <p:cNvPr id="14" name="TextBox 13"/>
+          <p:cNvSpPr txBox="1"/>
+          <p:nvPr/>
+        </p:nvSpPr>
+        <p:spPr>
+          <a:xfrm>
+            <a:off x="5615608" y="188640"/>
+            <a:ext cx="3528392" cy="707886"/>
+          </a:xfrm>
+          <a:prstGeom prst="rect">
+            <a:avLst/>
+          </a:prstGeom>
+          <a:noFill/>
+        </p:spPr>
+        <p:txBody>
+          <a:bodyPr wrap="square" numCol="2" rtlCol="0">
+            <a:spAutoFit/>
+          </a:bodyPr>
+          <a:lstStyle/>
+          <a:p>
+            <a:pPr marL="12700">
+              <a:lnSpc>
+                <a:spcPct val="100000"/>
+              </a:lnSpc>
+            </a:pPr>
+            <a:r>
+              <a:rPr lang="da-DK" sz="1000" b="1" cap="all" spc="200" dirty="0" smtClean="0">
+                <a:solidFill>
+                  <a:schemeClr val="accent1">
+                    <a:lumMod val="75000"/>
+                    <a:alpha val="30000"/>
+                  </a:schemeClr>
+                </a:solidFill>
+                <a:latin typeface="Arial"/>
+                <a:cs typeface="Arial"/>
+              </a:rPr>
+              <a:t>GIRAF</a:t>
+            </a:r>
+            <a:endParaRPr lang="da-DK" sz="1000" b="1" cap="all" spc="200" dirty="0" smtClean="0">
+              <a:solidFill>
+                <a:schemeClr val="accent1">
+                  <a:lumMod val="75000"/>
+                  <a:alpha val="30000"/>
+                </a:schemeClr>
+              </a:solidFill>
+              <a:latin typeface="Arial"/>
+              <a:cs typeface="Arial"/>
+            </a:endParaRPr>
+          </a:p>
+          <a:p>
+            <a:pPr marL="12700">
+              <a:lnSpc>
+                <a:spcPct val="100000"/>
+              </a:lnSpc>
+            </a:pPr>
+            <a:r>
+              <a:rPr lang="da-DK" sz="1000" b="1" cap="all" spc="200" dirty="0" smtClean="0">
+                <a:solidFill>
+                  <a:schemeClr val="accent1">
+                    <a:lumMod val="75000"/>
+                    <a:alpha val="30000"/>
+                  </a:schemeClr>
+                </a:solidFill>
+                <a:latin typeface="Arial"/>
+                <a:cs typeface="Arial"/>
+              </a:rPr>
+              <a:t>Game </a:t>
+            </a:r>
+            <a:r>
+              <a:rPr lang="da-DK" sz="1000" b="1" cap="all" spc="200" dirty="0" smtClean="0">
+                <a:solidFill>
+                  <a:schemeClr val="accent1">
+                    <a:lumMod val="75000"/>
+                    <a:alpha val="30000"/>
+                  </a:schemeClr>
+                </a:solidFill>
+                <a:latin typeface="Arial"/>
+                <a:cs typeface="Arial"/>
+              </a:rPr>
+              <a:t>Design</a:t>
+            </a:r>
+            <a:endParaRPr lang="da-DK" sz="1000" b="1" cap="all" spc="200" dirty="0" smtClean="0">
+              <a:solidFill>
+                <a:schemeClr val="accent1">
+                  <a:lumMod val="75000"/>
+                  <a:alpha val="30000"/>
+                </a:schemeClr>
+              </a:solidFill>
+              <a:latin typeface="Arial"/>
+              <a:cs typeface="Arial"/>
+            </a:endParaRPr>
+          </a:p>
+          <a:p>
+            <a:pPr marL="12700">
+              <a:lnSpc>
+                <a:spcPct val="100000"/>
+              </a:lnSpc>
+            </a:pPr>
+            <a:r>
+              <a:rPr lang="da-DK" sz="1000" b="1" cap="all" spc="200" dirty="0" smtClean="0">
+                <a:solidFill>
+                  <a:schemeClr val="accent1">
+                    <a:lumMod val="75000"/>
+                  </a:schemeClr>
+                </a:solidFill>
+                <a:latin typeface="Arial"/>
+                <a:cs typeface="Arial"/>
+              </a:rPr>
+              <a:t>OpenGL </a:t>
+            </a:r>
+            <a:r>
+              <a:rPr lang="da-DK" sz="1000" b="1" cap="all" spc="200" dirty="0" smtClean="0">
+                <a:solidFill>
+                  <a:schemeClr val="accent1">
+                    <a:lumMod val="75000"/>
+                  </a:schemeClr>
+                </a:solidFill>
+                <a:latin typeface="Arial"/>
+                <a:cs typeface="Arial"/>
+              </a:rPr>
+              <a:t>ES</a:t>
+            </a:r>
+          </a:p>
+          <a:p>
+            <a:pPr marL="12700">
+              <a:lnSpc>
+                <a:spcPct val="100000"/>
+              </a:lnSpc>
+            </a:pPr>
+            <a:endParaRPr lang="da-DK" sz="1000" b="1" cap="all" spc="200" dirty="0" smtClean="0">
+              <a:solidFill>
+                <a:schemeClr val="accent1">
+                  <a:lumMod val="75000"/>
+                  <a:alpha val="30000"/>
+                </a:schemeClr>
+              </a:solidFill>
+              <a:latin typeface="Arial"/>
+              <a:cs typeface="Arial"/>
+            </a:endParaRPr>
+          </a:p>
+          <a:p>
+            <a:pPr marL="12700">
+              <a:lnSpc>
+                <a:spcPct val="100000"/>
+              </a:lnSpc>
+            </a:pPr>
+            <a:r>
+              <a:rPr lang="da-DK" sz="1000" b="1" cap="all" spc="200" dirty="0" smtClean="0">
+                <a:solidFill>
+                  <a:schemeClr val="accent1">
+                    <a:lumMod val="75000"/>
+                    <a:alpha val="30000"/>
+                  </a:schemeClr>
+                </a:solidFill>
+                <a:latin typeface="Arial"/>
+                <a:cs typeface="Arial"/>
+              </a:rPr>
+              <a:t>Implementation</a:t>
+            </a:r>
+            <a:endParaRPr lang="da-DK" sz="1000" b="1" cap="all" spc="200" dirty="0" smtClean="0">
+              <a:solidFill>
+                <a:schemeClr val="accent1">
+                  <a:lumMod val="75000"/>
+                  <a:alpha val="30000"/>
+                </a:schemeClr>
+              </a:solidFill>
+              <a:latin typeface="Arial"/>
+              <a:cs typeface="Arial"/>
+            </a:endParaRPr>
+          </a:p>
+          <a:p>
+            <a:pPr marL="12700">
+              <a:lnSpc>
+                <a:spcPct val="100000"/>
+              </a:lnSpc>
+            </a:pPr>
+            <a:r>
+              <a:rPr lang="da-DK" sz="1000" b="1" cap="all" spc="200" dirty="0" smtClean="0">
+                <a:solidFill>
+                  <a:schemeClr val="accent1">
+                    <a:lumMod val="75000"/>
+                    <a:alpha val="30000"/>
+                  </a:schemeClr>
+                </a:solidFill>
+                <a:latin typeface="Arial"/>
+                <a:cs typeface="Arial"/>
+              </a:rPr>
+              <a:t>Conclusion</a:t>
+            </a:r>
+            <a:endParaRPr lang="da-DK" sz="1000" b="1" cap="all" spc="200" dirty="0" smtClean="0">
+              <a:solidFill>
+                <a:schemeClr val="accent1">
+                  <a:lumMod val="75000"/>
+                  <a:alpha val="30000"/>
+                </a:schemeClr>
+              </a:solidFill>
+              <a:latin typeface="Arial"/>
+              <a:cs typeface="Arial"/>
+            </a:endParaRPr>
+          </a:p>
+          <a:p>
+            <a:pPr marL="12700">
+              <a:lnSpc>
+                <a:spcPct val="100000"/>
+              </a:lnSpc>
+            </a:pPr>
+            <a:r>
+              <a:rPr lang="da-DK" sz="1000" b="1" cap="all" spc="200" dirty="0" smtClean="0">
+                <a:solidFill>
+                  <a:schemeClr val="accent1">
+                    <a:lumMod val="75000"/>
+                    <a:alpha val="30000"/>
+                  </a:schemeClr>
+                </a:solidFill>
+                <a:latin typeface="Arial"/>
+                <a:cs typeface="Arial"/>
+              </a:rPr>
+              <a:t>demonstration</a:t>
+            </a:r>
+          </a:p>
+          <a:p>
+            <a:endParaRPr lang="da-DK" sz="1000" dirty="0"/>
+          </a:p>
+        </p:txBody>
+      </p:sp>
+      <p:sp>
+        <p:nvSpPr>
+          <p:cNvPr id="18" name="TextBox 17"/>
+          <p:cNvSpPr txBox="1"/>
+          <p:nvPr/>
+        </p:nvSpPr>
+        <p:spPr>
+          <a:xfrm>
+            <a:off x="1331640" y="3789040"/>
+            <a:ext cx="1656184" cy="276999"/>
+          </a:xfrm>
+          <a:prstGeom prst="rect">
+            <a:avLst/>
+          </a:prstGeom>
+          <a:noFill/>
+        </p:spPr>
+        <p:txBody>
+          <a:bodyPr wrap="square" rtlCol="0">
+            <a:spAutoFit/>
+          </a:bodyPr>
+          <a:lstStyle/>
+          <a:p>
+            <a:r>
+              <a:rPr lang="en-GB" sz="1200" dirty="0" smtClean="0">
+                <a:solidFill>
+                  <a:schemeClr val="accent1">
+                    <a:lumMod val="75000"/>
+                  </a:schemeClr>
+                </a:solidFill>
+                <a:latin typeface="Arial" pitchFamily="34" charset="0"/>
+                <a:cs typeface="Arial" pitchFamily="34" charset="0"/>
+              </a:rPr>
+              <a:t>Figure 6.4: Page 43</a:t>
+            </a:r>
+            <a:endParaRPr lang="en-GB" sz="1200" dirty="0" smtClean="0">
+              <a:solidFill>
+                <a:schemeClr val="accent1">
+                  <a:lumMod val="75000"/>
+                </a:schemeClr>
+              </a:solidFill>
+              <a:latin typeface="Arial" pitchFamily="34" charset="0"/>
+              <a:cs typeface="Arial" pitchFamily="34" charset="0"/>
+            </a:endParaRPr>
+          </a:p>
+        </p:txBody>
+      </p:sp>
+      <p:sp>
+        <p:nvSpPr>
+          <p:cNvPr id="19" name="TextBox 18"/>
+          <p:cNvSpPr txBox="1"/>
+          <p:nvPr/>
+        </p:nvSpPr>
+        <p:spPr>
+          <a:xfrm>
+            <a:off x="5436096" y="5312241"/>
+            <a:ext cx="1656184" cy="276999"/>
+          </a:xfrm>
+          <a:prstGeom prst="rect">
+            <a:avLst/>
+          </a:prstGeom>
+          <a:noFill/>
+        </p:spPr>
+        <p:txBody>
+          <a:bodyPr wrap="square" rtlCol="0">
+            <a:spAutoFit/>
+          </a:bodyPr>
+          <a:lstStyle/>
+          <a:p>
+            <a:r>
+              <a:rPr lang="en-GB" sz="1200" dirty="0" smtClean="0">
+                <a:solidFill>
+                  <a:schemeClr val="accent1">
+                    <a:lumMod val="75000"/>
+                  </a:schemeClr>
+                </a:solidFill>
+                <a:latin typeface="Arial" pitchFamily="34" charset="0"/>
+                <a:cs typeface="Arial" pitchFamily="34" charset="0"/>
+              </a:rPr>
+              <a:t>Figure 6.5: Page 43</a:t>
+            </a:r>
+            <a:endParaRPr lang="en-GB" sz="1200" dirty="0" smtClean="0">
+              <a:solidFill>
+                <a:schemeClr val="accent1">
+                  <a:lumMod val="75000"/>
+                </a:schemeClr>
+              </a:solidFill>
+              <a:latin typeface="Arial" pitchFamily="34" charset="0"/>
+              <a:cs typeface="Arial" pitchFamily="34" charset="0"/>
+            </a:endParaRPr>
+          </a:p>
+        </p:txBody>
+      </p:sp>
     </p:spTree>
     <p:extLst>
       <p:ext uri="{BB962C8B-B14F-4D97-AF65-F5344CB8AC3E}">
-        <p14:creationId xmlns="" xmlns:p14="http://schemas.microsoft.com/office/powerpoint/2010/main" val="585023994"/>
+        <p14:creationId xmlns:p14="http://schemas.microsoft.com/office/powerpoint/2010/main" xmlns="" val="585023994"/>
       </p:ext>
     </p:extLst>
   </p:cSld>
@@ -9386,7 +12475,7 @@
     <a:masterClrMapping/>
   </p:clrMapOvr>
   <mc:AlternateContent xmlns:mc="http://schemas.openxmlformats.org/markup-compatibility/2006">
-    <mc:Choice xmlns="" xmlns:p14="http://schemas.microsoft.com/office/powerpoint/2010/main" Requires="p14">
+    <mc:Choice xmlns:p14="http://schemas.microsoft.com/office/powerpoint/2010/main" xmlns="" Requires="p14">
       <p:transition p14:dur="250">
         <p:fade/>
       </p:transition>
@@ -9853,10 +12942,283 @@
           </a:ln>
         </p:spPr>
       </p:pic>
+      <p:sp>
+        <p:nvSpPr>
+          <p:cNvPr id="10" name="TextBox 9"/>
+          <p:cNvSpPr txBox="1"/>
+          <p:nvPr/>
+        </p:nvSpPr>
+        <p:spPr>
+          <a:xfrm>
+            <a:off x="5615608" y="188640"/>
+            <a:ext cx="3528392" cy="707886"/>
+          </a:xfrm>
+          <a:prstGeom prst="rect">
+            <a:avLst/>
+          </a:prstGeom>
+          <a:noFill/>
+        </p:spPr>
+        <p:txBody>
+          <a:bodyPr wrap="square" numCol="2" rtlCol="0">
+            <a:spAutoFit/>
+          </a:bodyPr>
+          <a:lstStyle/>
+          <a:p>
+            <a:pPr marL="12700">
+              <a:lnSpc>
+                <a:spcPct val="100000"/>
+              </a:lnSpc>
+            </a:pPr>
+            <a:r>
+              <a:rPr lang="da-DK" sz="1000" b="1" cap="all" spc="200" dirty="0" smtClean="0">
+                <a:solidFill>
+                  <a:schemeClr val="accent1">
+                    <a:lumMod val="75000"/>
+                    <a:alpha val="30000"/>
+                  </a:schemeClr>
+                </a:solidFill>
+                <a:latin typeface="Arial"/>
+                <a:cs typeface="Arial"/>
+              </a:rPr>
+              <a:t>GIRAF</a:t>
+            </a:r>
+            <a:endParaRPr lang="da-DK" sz="1000" b="1" cap="all" spc="200" dirty="0" smtClean="0">
+              <a:solidFill>
+                <a:schemeClr val="accent1">
+                  <a:lumMod val="75000"/>
+                  <a:alpha val="30000"/>
+                </a:schemeClr>
+              </a:solidFill>
+              <a:latin typeface="Arial"/>
+              <a:cs typeface="Arial"/>
+            </a:endParaRPr>
+          </a:p>
+          <a:p>
+            <a:pPr marL="12700">
+              <a:lnSpc>
+                <a:spcPct val="100000"/>
+              </a:lnSpc>
+            </a:pPr>
+            <a:r>
+              <a:rPr lang="da-DK" sz="1000" b="1" cap="all" spc="200" dirty="0" smtClean="0">
+                <a:solidFill>
+                  <a:schemeClr val="accent1">
+                    <a:lumMod val="75000"/>
+                    <a:alpha val="30000"/>
+                  </a:schemeClr>
+                </a:solidFill>
+                <a:latin typeface="Arial"/>
+                <a:cs typeface="Arial"/>
+              </a:rPr>
+              <a:t>Game </a:t>
+            </a:r>
+            <a:r>
+              <a:rPr lang="da-DK" sz="1000" b="1" cap="all" spc="200" dirty="0" smtClean="0">
+                <a:solidFill>
+                  <a:schemeClr val="accent1">
+                    <a:lumMod val="75000"/>
+                    <a:alpha val="30000"/>
+                  </a:schemeClr>
+                </a:solidFill>
+                <a:latin typeface="Arial"/>
+                <a:cs typeface="Arial"/>
+              </a:rPr>
+              <a:t>Design</a:t>
+            </a:r>
+            <a:endParaRPr lang="da-DK" sz="1000" b="1" cap="all" spc="200" dirty="0" smtClean="0">
+              <a:solidFill>
+                <a:schemeClr val="accent1">
+                  <a:lumMod val="75000"/>
+                  <a:alpha val="30000"/>
+                </a:schemeClr>
+              </a:solidFill>
+              <a:latin typeface="Arial"/>
+              <a:cs typeface="Arial"/>
+            </a:endParaRPr>
+          </a:p>
+          <a:p>
+            <a:pPr marL="12700">
+              <a:lnSpc>
+                <a:spcPct val="100000"/>
+              </a:lnSpc>
+            </a:pPr>
+            <a:r>
+              <a:rPr lang="da-DK" sz="1000" b="1" cap="all" spc="200" dirty="0" smtClean="0">
+                <a:solidFill>
+                  <a:schemeClr val="accent1">
+                    <a:lumMod val="75000"/>
+                  </a:schemeClr>
+                </a:solidFill>
+                <a:latin typeface="Arial"/>
+                <a:cs typeface="Arial"/>
+              </a:rPr>
+              <a:t>OpenGL </a:t>
+            </a:r>
+            <a:r>
+              <a:rPr lang="da-DK" sz="1000" b="1" cap="all" spc="200" dirty="0" smtClean="0">
+                <a:solidFill>
+                  <a:schemeClr val="accent1">
+                    <a:lumMod val="75000"/>
+                  </a:schemeClr>
+                </a:solidFill>
+                <a:latin typeface="Arial"/>
+                <a:cs typeface="Arial"/>
+              </a:rPr>
+              <a:t>ES</a:t>
+            </a:r>
+          </a:p>
+          <a:p>
+            <a:pPr marL="12700">
+              <a:lnSpc>
+                <a:spcPct val="100000"/>
+              </a:lnSpc>
+            </a:pPr>
+            <a:endParaRPr lang="da-DK" sz="1000" b="1" cap="all" spc="200" dirty="0" smtClean="0">
+              <a:solidFill>
+                <a:schemeClr val="accent1">
+                  <a:lumMod val="75000"/>
+                  <a:alpha val="30000"/>
+                </a:schemeClr>
+              </a:solidFill>
+              <a:latin typeface="Arial"/>
+              <a:cs typeface="Arial"/>
+            </a:endParaRPr>
+          </a:p>
+          <a:p>
+            <a:pPr marL="12700">
+              <a:lnSpc>
+                <a:spcPct val="100000"/>
+              </a:lnSpc>
+            </a:pPr>
+            <a:r>
+              <a:rPr lang="da-DK" sz="1000" b="1" cap="all" spc="200" dirty="0" smtClean="0">
+                <a:solidFill>
+                  <a:schemeClr val="accent1">
+                    <a:lumMod val="75000"/>
+                    <a:alpha val="30000"/>
+                  </a:schemeClr>
+                </a:solidFill>
+                <a:latin typeface="Arial"/>
+                <a:cs typeface="Arial"/>
+              </a:rPr>
+              <a:t>Implementation</a:t>
+            </a:r>
+            <a:endParaRPr lang="da-DK" sz="1000" b="1" cap="all" spc="200" dirty="0" smtClean="0">
+              <a:solidFill>
+                <a:schemeClr val="accent1">
+                  <a:lumMod val="75000"/>
+                  <a:alpha val="30000"/>
+                </a:schemeClr>
+              </a:solidFill>
+              <a:latin typeface="Arial"/>
+              <a:cs typeface="Arial"/>
+            </a:endParaRPr>
+          </a:p>
+          <a:p>
+            <a:pPr marL="12700">
+              <a:lnSpc>
+                <a:spcPct val="100000"/>
+              </a:lnSpc>
+            </a:pPr>
+            <a:r>
+              <a:rPr lang="da-DK" sz="1000" b="1" cap="all" spc="200" dirty="0" smtClean="0">
+                <a:solidFill>
+                  <a:schemeClr val="accent1">
+                    <a:lumMod val="75000"/>
+                    <a:alpha val="30000"/>
+                  </a:schemeClr>
+                </a:solidFill>
+                <a:latin typeface="Arial"/>
+                <a:cs typeface="Arial"/>
+              </a:rPr>
+              <a:t>Conclusion</a:t>
+            </a:r>
+            <a:endParaRPr lang="da-DK" sz="1000" b="1" cap="all" spc="200" dirty="0" smtClean="0">
+              <a:solidFill>
+                <a:schemeClr val="accent1">
+                  <a:lumMod val="75000"/>
+                  <a:alpha val="30000"/>
+                </a:schemeClr>
+              </a:solidFill>
+              <a:latin typeface="Arial"/>
+              <a:cs typeface="Arial"/>
+            </a:endParaRPr>
+          </a:p>
+          <a:p>
+            <a:pPr marL="12700">
+              <a:lnSpc>
+                <a:spcPct val="100000"/>
+              </a:lnSpc>
+            </a:pPr>
+            <a:r>
+              <a:rPr lang="da-DK" sz="1000" b="1" cap="all" spc="200" dirty="0" smtClean="0">
+                <a:solidFill>
+                  <a:schemeClr val="accent1">
+                    <a:lumMod val="75000"/>
+                    <a:alpha val="30000"/>
+                  </a:schemeClr>
+                </a:solidFill>
+                <a:latin typeface="Arial"/>
+                <a:cs typeface="Arial"/>
+              </a:rPr>
+              <a:t>demonstration</a:t>
+            </a:r>
+          </a:p>
+          <a:p>
+            <a:endParaRPr lang="da-DK" sz="1000" dirty="0"/>
+          </a:p>
+        </p:txBody>
+      </p:sp>
+      <p:sp>
+        <p:nvSpPr>
+          <p:cNvPr id="11" name="TextBox 10"/>
+          <p:cNvSpPr txBox="1"/>
+          <p:nvPr/>
+        </p:nvSpPr>
+        <p:spPr>
+          <a:xfrm>
+            <a:off x="4644008" y="4880193"/>
+            <a:ext cx="1656184" cy="276999"/>
+          </a:xfrm>
+          <a:prstGeom prst="rect">
+            <a:avLst/>
+          </a:prstGeom>
+          <a:noFill/>
+        </p:spPr>
+        <p:txBody>
+          <a:bodyPr wrap="square" rtlCol="0">
+            <a:spAutoFit/>
+          </a:bodyPr>
+          <a:lstStyle/>
+          <a:p>
+            <a:r>
+              <a:rPr lang="en-GB" sz="1200" dirty="0" smtClean="0">
+                <a:solidFill>
+                  <a:schemeClr val="accent1">
+                    <a:lumMod val="75000"/>
+                  </a:schemeClr>
+                </a:solidFill>
+                <a:latin typeface="Arial" pitchFamily="34" charset="0"/>
+                <a:cs typeface="Arial" pitchFamily="34" charset="0"/>
+              </a:rPr>
+              <a:t>Figure 6.7: Page 46</a:t>
+            </a:r>
+            <a:endParaRPr lang="en-GB" sz="1200" dirty="0" smtClean="0">
+              <a:solidFill>
+                <a:schemeClr val="accent1">
+                  <a:lumMod val="75000"/>
+                </a:schemeClr>
+              </a:solidFill>
+              <a:latin typeface="Arial" pitchFamily="34" charset="0"/>
+              <a:cs typeface="Arial" pitchFamily="34" charset="0"/>
+            </a:endParaRPr>
+          </a:p>
+        </p:txBody>
+      </p:sp>
     </p:spTree>
     <p:extLst>
       <p:ext uri="{BB962C8B-B14F-4D97-AF65-F5344CB8AC3E}">
-        <p14:creationId xmlns="" xmlns:p14="http://schemas.microsoft.com/office/powerpoint/2010/main" val="585023994"/>
+        <p14:creationId xmlns:p14="http://schemas.microsoft.com/office/powerpoint/2010/main" xmlns="" val="585023994"/>
       </p:ext>
     </p:extLst>
   </p:cSld>
@@ -9864,7 +13226,7 @@
     <a:masterClrMapping/>
   </p:clrMapOvr>
   <mc:AlternateContent xmlns:mc="http://schemas.openxmlformats.org/markup-compatibility/2006">
-    <mc:Choice xmlns="" xmlns:p14="http://schemas.microsoft.com/office/powerpoint/2010/main" Requires="p14">
+    <mc:Choice xmlns:p14="http://schemas.microsoft.com/office/powerpoint/2010/main" xmlns="" Requires="p14">
       <p:transition p14:dur="250">
         <p:fade/>
       </p:transition>
@@ -10363,10 +13725,283 @@
           </a:ln>
         </p:spPr>
       </p:pic>
+      <p:sp>
+        <p:nvSpPr>
+          <p:cNvPr id="10" name="TextBox 9"/>
+          <p:cNvSpPr txBox="1"/>
+          <p:nvPr/>
+        </p:nvSpPr>
+        <p:spPr>
+          <a:xfrm>
+            <a:off x="5615608" y="188640"/>
+            <a:ext cx="3528392" cy="707886"/>
+          </a:xfrm>
+          <a:prstGeom prst="rect">
+            <a:avLst/>
+          </a:prstGeom>
+          <a:noFill/>
+        </p:spPr>
+        <p:txBody>
+          <a:bodyPr wrap="square" numCol="2" rtlCol="0">
+            <a:spAutoFit/>
+          </a:bodyPr>
+          <a:lstStyle/>
+          <a:p>
+            <a:pPr marL="12700">
+              <a:lnSpc>
+                <a:spcPct val="100000"/>
+              </a:lnSpc>
+            </a:pPr>
+            <a:r>
+              <a:rPr lang="da-DK" sz="1000" b="1" cap="all" spc="200" dirty="0" smtClean="0">
+                <a:solidFill>
+                  <a:schemeClr val="accent1">
+                    <a:lumMod val="75000"/>
+                    <a:alpha val="30000"/>
+                  </a:schemeClr>
+                </a:solidFill>
+                <a:latin typeface="Arial"/>
+                <a:cs typeface="Arial"/>
+              </a:rPr>
+              <a:t>GIRAF</a:t>
+            </a:r>
+            <a:endParaRPr lang="da-DK" sz="1000" b="1" cap="all" spc="200" dirty="0" smtClean="0">
+              <a:solidFill>
+                <a:schemeClr val="accent1">
+                  <a:lumMod val="75000"/>
+                  <a:alpha val="30000"/>
+                </a:schemeClr>
+              </a:solidFill>
+              <a:latin typeface="Arial"/>
+              <a:cs typeface="Arial"/>
+            </a:endParaRPr>
+          </a:p>
+          <a:p>
+            <a:pPr marL="12700">
+              <a:lnSpc>
+                <a:spcPct val="100000"/>
+              </a:lnSpc>
+            </a:pPr>
+            <a:r>
+              <a:rPr lang="da-DK" sz="1000" b="1" cap="all" spc="200" dirty="0" smtClean="0">
+                <a:solidFill>
+                  <a:schemeClr val="accent1">
+                    <a:lumMod val="75000"/>
+                    <a:alpha val="30000"/>
+                  </a:schemeClr>
+                </a:solidFill>
+                <a:latin typeface="Arial"/>
+                <a:cs typeface="Arial"/>
+              </a:rPr>
+              <a:t>Game </a:t>
+            </a:r>
+            <a:r>
+              <a:rPr lang="da-DK" sz="1000" b="1" cap="all" spc="200" dirty="0" smtClean="0">
+                <a:solidFill>
+                  <a:schemeClr val="accent1">
+                    <a:lumMod val="75000"/>
+                    <a:alpha val="30000"/>
+                  </a:schemeClr>
+                </a:solidFill>
+                <a:latin typeface="Arial"/>
+                <a:cs typeface="Arial"/>
+              </a:rPr>
+              <a:t>Design</a:t>
+            </a:r>
+            <a:endParaRPr lang="da-DK" sz="1000" b="1" cap="all" spc="200" dirty="0" smtClean="0">
+              <a:solidFill>
+                <a:schemeClr val="accent1">
+                  <a:lumMod val="75000"/>
+                  <a:alpha val="30000"/>
+                </a:schemeClr>
+              </a:solidFill>
+              <a:latin typeface="Arial"/>
+              <a:cs typeface="Arial"/>
+            </a:endParaRPr>
+          </a:p>
+          <a:p>
+            <a:pPr marL="12700">
+              <a:lnSpc>
+                <a:spcPct val="100000"/>
+              </a:lnSpc>
+            </a:pPr>
+            <a:r>
+              <a:rPr lang="da-DK" sz="1000" b="1" cap="all" spc="200" dirty="0" smtClean="0">
+                <a:solidFill>
+                  <a:schemeClr val="accent1">
+                    <a:lumMod val="75000"/>
+                  </a:schemeClr>
+                </a:solidFill>
+                <a:latin typeface="Arial"/>
+                <a:cs typeface="Arial"/>
+              </a:rPr>
+              <a:t>OpenGL </a:t>
+            </a:r>
+            <a:r>
+              <a:rPr lang="da-DK" sz="1000" b="1" cap="all" spc="200" dirty="0" smtClean="0">
+                <a:solidFill>
+                  <a:schemeClr val="accent1">
+                    <a:lumMod val="75000"/>
+                  </a:schemeClr>
+                </a:solidFill>
+                <a:latin typeface="Arial"/>
+                <a:cs typeface="Arial"/>
+              </a:rPr>
+              <a:t>ES</a:t>
+            </a:r>
+          </a:p>
+          <a:p>
+            <a:pPr marL="12700">
+              <a:lnSpc>
+                <a:spcPct val="100000"/>
+              </a:lnSpc>
+            </a:pPr>
+            <a:endParaRPr lang="da-DK" sz="1000" b="1" cap="all" spc="200" dirty="0" smtClean="0">
+              <a:solidFill>
+                <a:schemeClr val="accent1">
+                  <a:lumMod val="75000"/>
+                  <a:alpha val="30000"/>
+                </a:schemeClr>
+              </a:solidFill>
+              <a:latin typeface="Arial"/>
+              <a:cs typeface="Arial"/>
+            </a:endParaRPr>
+          </a:p>
+          <a:p>
+            <a:pPr marL="12700">
+              <a:lnSpc>
+                <a:spcPct val="100000"/>
+              </a:lnSpc>
+            </a:pPr>
+            <a:r>
+              <a:rPr lang="da-DK" sz="1000" b="1" cap="all" spc="200" dirty="0" smtClean="0">
+                <a:solidFill>
+                  <a:schemeClr val="accent1">
+                    <a:lumMod val="75000"/>
+                    <a:alpha val="30000"/>
+                  </a:schemeClr>
+                </a:solidFill>
+                <a:latin typeface="Arial"/>
+                <a:cs typeface="Arial"/>
+              </a:rPr>
+              <a:t>Implementation</a:t>
+            </a:r>
+            <a:endParaRPr lang="da-DK" sz="1000" b="1" cap="all" spc="200" dirty="0" smtClean="0">
+              <a:solidFill>
+                <a:schemeClr val="accent1">
+                  <a:lumMod val="75000"/>
+                  <a:alpha val="30000"/>
+                </a:schemeClr>
+              </a:solidFill>
+              <a:latin typeface="Arial"/>
+              <a:cs typeface="Arial"/>
+            </a:endParaRPr>
+          </a:p>
+          <a:p>
+            <a:pPr marL="12700">
+              <a:lnSpc>
+                <a:spcPct val="100000"/>
+              </a:lnSpc>
+            </a:pPr>
+            <a:r>
+              <a:rPr lang="da-DK" sz="1000" b="1" cap="all" spc="200" dirty="0" smtClean="0">
+                <a:solidFill>
+                  <a:schemeClr val="accent1">
+                    <a:lumMod val="75000"/>
+                    <a:alpha val="30000"/>
+                  </a:schemeClr>
+                </a:solidFill>
+                <a:latin typeface="Arial"/>
+                <a:cs typeface="Arial"/>
+              </a:rPr>
+              <a:t>Conclusion</a:t>
+            </a:r>
+            <a:endParaRPr lang="da-DK" sz="1000" b="1" cap="all" spc="200" dirty="0" smtClean="0">
+              <a:solidFill>
+                <a:schemeClr val="accent1">
+                  <a:lumMod val="75000"/>
+                  <a:alpha val="30000"/>
+                </a:schemeClr>
+              </a:solidFill>
+              <a:latin typeface="Arial"/>
+              <a:cs typeface="Arial"/>
+            </a:endParaRPr>
+          </a:p>
+          <a:p>
+            <a:pPr marL="12700">
+              <a:lnSpc>
+                <a:spcPct val="100000"/>
+              </a:lnSpc>
+            </a:pPr>
+            <a:r>
+              <a:rPr lang="da-DK" sz="1000" b="1" cap="all" spc="200" dirty="0" smtClean="0">
+                <a:solidFill>
+                  <a:schemeClr val="accent1">
+                    <a:lumMod val="75000"/>
+                    <a:alpha val="30000"/>
+                  </a:schemeClr>
+                </a:solidFill>
+                <a:latin typeface="Arial"/>
+                <a:cs typeface="Arial"/>
+              </a:rPr>
+              <a:t>demonstration</a:t>
+            </a:r>
+          </a:p>
+          <a:p>
+            <a:endParaRPr lang="da-DK" sz="1000" dirty="0"/>
+          </a:p>
+        </p:txBody>
+      </p:sp>
+      <p:sp>
+        <p:nvSpPr>
+          <p:cNvPr id="11" name="TextBox 10"/>
+          <p:cNvSpPr txBox="1"/>
+          <p:nvPr/>
+        </p:nvSpPr>
+        <p:spPr>
+          <a:xfrm>
+            <a:off x="4644008" y="4880193"/>
+            <a:ext cx="1656184" cy="276999"/>
+          </a:xfrm>
+          <a:prstGeom prst="rect">
+            <a:avLst/>
+          </a:prstGeom>
+          <a:noFill/>
+        </p:spPr>
+        <p:txBody>
+          <a:bodyPr wrap="square" rtlCol="0">
+            <a:spAutoFit/>
+          </a:bodyPr>
+          <a:lstStyle/>
+          <a:p>
+            <a:r>
+              <a:rPr lang="en-GB" sz="1200" dirty="0" smtClean="0">
+                <a:solidFill>
+                  <a:schemeClr val="accent1">
+                    <a:lumMod val="75000"/>
+                  </a:schemeClr>
+                </a:solidFill>
+                <a:latin typeface="Arial" pitchFamily="34" charset="0"/>
+                <a:cs typeface="Arial" pitchFamily="34" charset="0"/>
+              </a:rPr>
+              <a:t>Figure 6.7: Page 46</a:t>
+            </a:r>
+            <a:endParaRPr lang="en-GB" sz="1200" dirty="0" smtClean="0">
+              <a:solidFill>
+                <a:schemeClr val="accent1">
+                  <a:lumMod val="75000"/>
+                </a:schemeClr>
+              </a:solidFill>
+              <a:latin typeface="Arial" pitchFamily="34" charset="0"/>
+              <a:cs typeface="Arial" pitchFamily="34" charset="0"/>
+            </a:endParaRPr>
+          </a:p>
+        </p:txBody>
+      </p:sp>
     </p:spTree>
     <p:extLst>
       <p:ext uri="{BB962C8B-B14F-4D97-AF65-F5344CB8AC3E}">
-        <p14:creationId xmlns="" xmlns:p14="http://schemas.microsoft.com/office/powerpoint/2010/main" val="585023994"/>
+        <p14:creationId xmlns:p14="http://schemas.microsoft.com/office/powerpoint/2010/main" xmlns="" val="585023994"/>
       </p:ext>
     </p:extLst>
   </p:cSld>
@@ -10374,7 +14009,7 @@
     <a:masterClrMapping/>
   </p:clrMapOvr>
   <mc:AlternateContent xmlns:mc="http://schemas.openxmlformats.org/markup-compatibility/2006">
-    <mc:Choice xmlns="" xmlns:p14="http://schemas.microsoft.com/office/powerpoint/2010/main" Requires="p14">
+    <mc:Choice xmlns:p14="http://schemas.microsoft.com/office/powerpoint/2010/main" xmlns="" Requires="p14">
       <p:transition p14:dur="250">
         <p:fade/>
       </p:transition>
@@ -10708,7 +14343,7 @@
         </p:blipFill>
         <p:spPr bwMode="auto">
           <a:xfrm>
-            <a:off x="4572000" y="332656"/>
+            <a:off x="4644008" y="329487"/>
             <a:ext cx="3672408" cy="5403769"/>
           </a:xfrm>
           <a:prstGeom prst="rect">
@@ -10888,10 +14523,56 @@
           </a:p>
         </p:txBody>
       </p:sp>
+      <p:sp>
+        <p:nvSpPr>
+          <p:cNvPr id="11" name="TextBox 10"/>
+          <p:cNvSpPr txBox="1"/>
+          <p:nvPr/>
+        </p:nvSpPr>
+        <p:spPr>
+          <a:xfrm>
+            <a:off x="1331640" y="5589240"/>
+            <a:ext cx="1656184" cy="276999"/>
+          </a:xfrm>
+          <a:prstGeom prst="rect">
+            <a:avLst/>
+          </a:prstGeom>
+          <a:noFill/>
+        </p:spPr>
+        <p:txBody>
+          <a:bodyPr wrap="square" rtlCol="0">
+            <a:spAutoFit/>
+          </a:bodyPr>
+          <a:lstStyle/>
+          <a:p>
+            <a:r>
+              <a:rPr lang="en-GB" sz="1200" dirty="0" smtClean="0">
+                <a:solidFill>
+                  <a:schemeClr val="accent1">
+                    <a:lumMod val="75000"/>
+                  </a:schemeClr>
+                </a:solidFill>
+                <a:latin typeface="Arial" pitchFamily="34" charset="0"/>
+                <a:cs typeface="Arial" pitchFamily="34" charset="0"/>
+              </a:rPr>
+              <a:t>Figure 6.6: Page 44</a:t>
+            </a:r>
+            <a:endParaRPr lang="en-GB" sz="1200" dirty="0" smtClean="0">
+              <a:solidFill>
+                <a:schemeClr val="accent1">
+                  <a:lumMod val="75000"/>
+                </a:schemeClr>
+              </a:solidFill>
+              <a:latin typeface="Arial" pitchFamily="34" charset="0"/>
+              <a:cs typeface="Arial" pitchFamily="34" charset="0"/>
+            </a:endParaRPr>
+          </a:p>
+        </p:txBody>
+      </p:sp>
     </p:spTree>
     <p:extLst>
       <p:ext uri="{BB962C8B-B14F-4D97-AF65-F5344CB8AC3E}">
-        <p14:creationId xmlns="" xmlns:p14="http://schemas.microsoft.com/office/powerpoint/2010/main" val="585023994"/>
+        <p14:creationId xmlns:p14="http://schemas.microsoft.com/office/powerpoint/2010/main" xmlns="" val="585023994"/>
       </p:ext>
     </p:extLst>
   </p:cSld>
@@ -10899,7 +14580,7 @@
     <a:masterClrMapping/>
   </p:clrMapOvr>
   <mc:AlternateContent xmlns:mc="http://schemas.openxmlformats.org/markup-compatibility/2006">
-    <mc:Choice xmlns="" xmlns:p14="http://schemas.microsoft.com/office/powerpoint/2010/main" Requires="p14">
+    <mc:Choice xmlns:p14="http://schemas.microsoft.com/office/powerpoint/2010/main" xmlns="" Requires="p14">
       <p:transition p14:dur="250">
         <p:fade/>
       </p:transition>
@@ -10980,7 +14661,7 @@
                 <a:latin typeface="Arial"/>
                 <a:cs typeface="Arial"/>
               </a:rPr>
-              <a:t>Game Implementation</a:t>
+              <a:t>Implementation</a:t>
             </a:r>
             <a:endParaRPr sz="3600" b="1" dirty="0">
               <a:solidFill>
@@ -11006,7 +14687,7 @@
           <a:blip r:embed="rId2" cstate="print">
             <a:extLst>
               <a:ext uri="{28A0092B-C50C-407E-A947-70E740481C1C}">
-                <a14:useLocalDpi xmlns="" xmlns:a14="http://schemas.microsoft.com/office/drawing/2010/main" val="0"/>
+                <a14:useLocalDpi xmlns:a14="http://schemas.microsoft.com/office/drawing/2010/main" xmlns="" val="0"/>
               </a:ext>
             </a:extLst>
           </a:blip>
@@ -11101,7 +14782,7 @@
     </p:spTree>
     <p:extLst>
       <p:ext uri="{BB962C8B-B14F-4D97-AF65-F5344CB8AC3E}">
-        <p14:creationId xmlns="" xmlns:p14="http://schemas.microsoft.com/office/powerpoint/2010/main" val="3425622471"/>
+        <p14:creationId xmlns:p14="http://schemas.microsoft.com/office/powerpoint/2010/main" xmlns="" val="3425622471"/>
       </p:ext>
     </p:extLst>
   </p:cSld>
@@ -11109,7 +14790,7 @@
     <a:masterClrMapping/>
   </p:clrMapOvr>
   <mc:AlternateContent xmlns:mc="http://schemas.openxmlformats.org/markup-compatibility/2006">
-    <mc:Choice xmlns="" xmlns:p14="http://schemas.microsoft.com/office/powerpoint/2010/main" Requires="p14">
+    <mc:Choice xmlns:p14="http://schemas.microsoft.com/office/powerpoint/2010/main" xmlns="" Requires="p14">
       <p:transition p14:dur="250">
         <p:fade/>
       </p:transition>
@@ -11569,10 +15250,228 @@
           </a:ln>
         </p:spPr>
       </p:pic>
+      <p:sp>
+        <p:nvSpPr>
+          <p:cNvPr id="10" name="TextBox 9"/>
+          <p:cNvSpPr txBox="1"/>
+          <p:nvPr/>
+        </p:nvSpPr>
+        <p:spPr>
+          <a:xfrm>
+            <a:off x="5615608" y="188640"/>
+            <a:ext cx="3528392" cy="707886"/>
+          </a:xfrm>
+          <a:prstGeom prst="rect">
+            <a:avLst/>
+          </a:prstGeom>
+          <a:noFill/>
+        </p:spPr>
+        <p:txBody>
+          <a:bodyPr wrap="square" numCol="2" rtlCol="0">
+            <a:spAutoFit/>
+          </a:bodyPr>
+          <a:lstStyle/>
+          <a:p>
+            <a:pPr marL="12700">
+              <a:lnSpc>
+                <a:spcPct val="100000"/>
+              </a:lnSpc>
+            </a:pPr>
+            <a:r>
+              <a:rPr lang="da-DK" sz="1000" b="1" cap="all" spc="200" dirty="0" smtClean="0">
+                <a:solidFill>
+                  <a:schemeClr val="accent1">
+                    <a:lumMod val="75000"/>
+                    <a:alpha val="30000"/>
+                  </a:schemeClr>
+                </a:solidFill>
+                <a:latin typeface="Arial"/>
+                <a:cs typeface="Arial"/>
+              </a:rPr>
+              <a:t>GIRAF</a:t>
+            </a:r>
+          </a:p>
+          <a:p>
+            <a:pPr marL="12700">
+              <a:lnSpc>
+                <a:spcPct val="100000"/>
+              </a:lnSpc>
+            </a:pPr>
+            <a:r>
+              <a:rPr lang="da-DK" sz="1000" b="1" cap="all" spc="200" dirty="0" smtClean="0">
+                <a:solidFill>
+                  <a:schemeClr val="accent1">
+                    <a:lumMod val="75000"/>
+                    <a:alpha val="30000"/>
+                  </a:schemeClr>
+                </a:solidFill>
+                <a:latin typeface="Arial"/>
+                <a:cs typeface="Arial"/>
+              </a:rPr>
+              <a:t>Game Design</a:t>
+            </a:r>
+          </a:p>
+          <a:p>
+            <a:pPr marL="12700">
+              <a:lnSpc>
+                <a:spcPct val="100000"/>
+              </a:lnSpc>
+            </a:pPr>
+            <a:r>
+              <a:rPr lang="da-DK" sz="1000" b="1" cap="all" spc="200" dirty="0" smtClean="0">
+                <a:solidFill>
+                  <a:schemeClr val="accent1">
+                    <a:lumMod val="75000"/>
+                    <a:alpha val="30000"/>
+                  </a:schemeClr>
+                </a:solidFill>
+                <a:latin typeface="Arial"/>
+                <a:cs typeface="Arial"/>
+              </a:rPr>
+              <a:t>OpenGL ES</a:t>
+            </a:r>
+          </a:p>
+          <a:p>
+            <a:pPr marL="12700">
+              <a:lnSpc>
+                <a:spcPct val="100000"/>
+              </a:lnSpc>
+            </a:pPr>
+            <a:endParaRPr lang="da-DK" sz="1000" b="1" cap="all" spc="200" dirty="0" smtClean="0">
+              <a:solidFill>
+                <a:schemeClr val="accent1">
+                  <a:lumMod val="75000"/>
+                  <a:alpha val="30000"/>
+                </a:schemeClr>
+              </a:solidFill>
+              <a:latin typeface="Arial"/>
+              <a:cs typeface="Arial"/>
+            </a:endParaRPr>
+          </a:p>
+          <a:p>
+            <a:pPr marL="12700">
+              <a:lnSpc>
+                <a:spcPct val="100000"/>
+              </a:lnSpc>
+            </a:pPr>
+            <a:r>
+              <a:rPr lang="da-DK" sz="1000" b="1" cap="all" spc="200" dirty="0" smtClean="0">
+                <a:solidFill>
+                  <a:schemeClr val="accent1">
+                    <a:lumMod val="75000"/>
+                  </a:schemeClr>
+                </a:solidFill>
+                <a:latin typeface="Arial"/>
+                <a:cs typeface="Arial"/>
+              </a:rPr>
+              <a:t>Implementation</a:t>
+            </a:r>
+          </a:p>
+          <a:p>
+            <a:pPr marL="12700">
+              <a:lnSpc>
+                <a:spcPct val="100000"/>
+              </a:lnSpc>
+            </a:pPr>
+            <a:r>
+              <a:rPr lang="da-DK" sz="1000" b="1" cap="all" spc="200" dirty="0" smtClean="0">
+                <a:solidFill>
+                  <a:schemeClr val="accent1">
+                    <a:lumMod val="75000"/>
+                    <a:alpha val="30000"/>
+                  </a:schemeClr>
+                </a:solidFill>
+                <a:latin typeface="Arial"/>
+                <a:cs typeface="Arial"/>
+              </a:rPr>
+              <a:t>Conclusion</a:t>
+            </a:r>
+          </a:p>
+          <a:p>
+            <a:pPr marL="12700">
+              <a:lnSpc>
+                <a:spcPct val="100000"/>
+              </a:lnSpc>
+            </a:pPr>
+            <a:r>
+              <a:rPr lang="da-DK" sz="1000" b="1" cap="all" spc="200" dirty="0" smtClean="0">
+                <a:solidFill>
+                  <a:schemeClr val="accent1">
+                    <a:lumMod val="75000"/>
+                    <a:alpha val="30000"/>
+                  </a:schemeClr>
+                </a:solidFill>
+                <a:latin typeface="Arial"/>
+                <a:cs typeface="Arial"/>
+              </a:rPr>
+              <a:t>demonstration</a:t>
+            </a:r>
+            <a:endParaRPr lang="da-DK" sz="1000" b="1" cap="all" spc="200" dirty="0" smtClean="0">
+              <a:solidFill>
+                <a:schemeClr val="accent1">
+                  <a:lumMod val="75000"/>
+                  <a:alpha val="30000"/>
+                </a:schemeClr>
+              </a:solidFill>
+              <a:latin typeface="Arial"/>
+              <a:cs typeface="Arial"/>
+            </a:endParaRPr>
+          </a:p>
+          <a:p>
+            <a:endParaRPr lang="da-DK" sz="1000" dirty="0"/>
+          </a:p>
+        </p:txBody>
+      </p:sp>
+      <p:sp>
+        <p:nvSpPr>
+          <p:cNvPr id="11" name="TextBox 10"/>
+          <p:cNvSpPr txBox="1"/>
+          <p:nvPr/>
+        </p:nvSpPr>
+        <p:spPr>
+          <a:xfrm>
+            <a:off x="6084168" y="4293096"/>
+            <a:ext cx="1656184" cy="276999"/>
+          </a:xfrm>
+          <a:prstGeom prst="rect">
+            <a:avLst/>
+          </a:prstGeom>
+          <a:noFill/>
+        </p:spPr>
+        <p:txBody>
+          <a:bodyPr wrap="square" rtlCol="0">
+            <a:spAutoFit/>
+          </a:bodyPr>
+          <a:lstStyle/>
+          <a:p>
+            <a:r>
+              <a:rPr lang="en-GB" sz="1200" dirty="0" smtClean="0">
+                <a:solidFill>
+                  <a:schemeClr val="accent1">
+                    <a:lumMod val="75000"/>
+                  </a:schemeClr>
+                </a:solidFill>
+                <a:latin typeface="Arial" pitchFamily="34" charset="0"/>
+                <a:cs typeface="Arial" pitchFamily="34" charset="0"/>
+              </a:rPr>
+              <a:t>Figure 9.1: Page 65</a:t>
+            </a:r>
+            <a:endParaRPr lang="en-GB" sz="1200" dirty="0" smtClean="0">
+              <a:solidFill>
+                <a:schemeClr val="accent1">
+                  <a:lumMod val="75000"/>
+                </a:schemeClr>
+              </a:solidFill>
+              <a:latin typeface="Arial" pitchFamily="34" charset="0"/>
+              <a:cs typeface="Arial" pitchFamily="34" charset="0"/>
+            </a:endParaRPr>
+          </a:p>
+        </p:txBody>
+      </p:sp>
     </p:spTree>
     <p:extLst>
       <p:ext uri="{BB962C8B-B14F-4D97-AF65-F5344CB8AC3E}">
-        <p14:creationId xmlns="" xmlns:p14="http://schemas.microsoft.com/office/powerpoint/2010/main" val="585023994"/>
+        <p14:creationId xmlns:p14="http://schemas.microsoft.com/office/powerpoint/2010/main" xmlns="" val="585023994"/>
       </p:ext>
     </p:extLst>
   </p:cSld>
@@ -11580,7 +15479,7 @@
     <a:masterClrMapping/>
   </p:clrMapOvr>
   <mc:AlternateContent xmlns:mc="http://schemas.openxmlformats.org/markup-compatibility/2006">
-    <mc:Choice xmlns="" xmlns:p14="http://schemas.microsoft.com/office/powerpoint/2010/main" Requires="p14">
+    <mc:Choice xmlns:p14="http://schemas.microsoft.com/office/powerpoint/2010/main" xmlns="" Requires="p14">
       <p:transition p14:dur="250">
         <p:fade/>
       </p:transition>
@@ -12107,10 +16006,182 @@
           </a:ln>
         </p:spPr>
       </p:pic>
+      <p:sp>
+        <p:nvSpPr>
+          <p:cNvPr id="10" name="TextBox 9"/>
+          <p:cNvSpPr txBox="1"/>
+          <p:nvPr/>
+        </p:nvSpPr>
+        <p:spPr>
+          <a:xfrm>
+            <a:off x="5615608" y="188640"/>
+            <a:ext cx="3528392" cy="707886"/>
+          </a:xfrm>
+          <a:prstGeom prst="rect">
+            <a:avLst/>
+          </a:prstGeom>
+          <a:noFill/>
+        </p:spPr>
+        <p:txBody>
+          <a:bodyPr wrap="square" numCol="2" rtlCol="0">
+            <a:spAutoFit/>
+          </a:bodyPr>
+          <a:lstStyle/>
+          <a:p>
+            <a:pPr marL="12700">
+              <a:lnSpc>
+                <a:spcPct val="100000"/>
+              </a:lnSpc>
+            </a:pPr>
+            <a:r>
+              <a:rPr lang="da-DK" sz="1000" b="1" cap="all" spc="200" dirty="0" smtClean="0">
+                <a:solidFill>
+                  <a:schemeClr val="accent1">
+                    <a:lumMod val="75000"/>
+                    <a:alpha val="30000"/>
+                  </a:schemeClr>
+                </a:solidFill>
+                <a:latin typeface="Arial"/>
+                <a:cs typeface="Arial"/>
+              </a:rPr>
+              <a:t>GIRAF</a:t>
+            </a:r>
+          </a:p>
+          <a:p>
+            <a:pPr marL="12700">
+              <a:lnSpc>
+                <a:spcPct val="100000"/>
+              </a:lnSpc>
+            </a:pPr>
+            <a:r>
+              <a:rPr lang="da-DK" sz="1000" b="1" cap="all" spc="200" dirty="0" smtClean="0">
+                <a:solidFill>
+                  <a:schemeClr val="accent1">
+                    <a:lumMod val="75000"/>
+                    <a:alpha val="30000"/>
+                  </a:schemeClr>
+                </a:solidFill>
+                <a:latin typeface="Arial"/>
+                <a:cs typeface="Arial"/>
+              </a:rPr>
+              <a:t>Game Design</a:t>
+            </a:r>
+          </a:p>
+          <a:p>
+            <a:pPr marL="12700">
+              <a:lnSpc>
+                <a:spcPct val="100000"/>
+              </a:lnSpc>
+            </a:pPr>
+            <a:r>
+              <a:rPr lang="da-DK" sz="1000" b="1" cap="all" spc="200" dirty="0" smtClean="0">
+                <a:solidFill>
+                  <a:schemeClr val="accent1">
+                    <a:lumMod val="75000"/>
+                    <a:alpha val="30000"/>
+                  </a:schemeClr>
+                </a:solidFill>
+                <a:latin typeface="Arial"/>
+                <a:cs typeface="Arial"/>
+              </a:rPr>
+              <a:t>OpenGL ES</a:t>
+            </a:r>
+          </a:p>
+          <a:p>
+            <a:pPr marL="12700">
+              <a:lnSpc>
+                <a:spcPct val="100000"/>
+              </a:lnSpc>
+            </a:pPr>
+            <a:endParaRPr lang="da-DK" sz="1000" b="1" cap="all" spc="200" dirty="0" smtClean="0">
+              <a:solidFill>
+                <a:schemeClr val="accent1">
+                  <a:lumMod val="75000"/>
+                  <a:alpha val="30000"/>
+                </a:schemeClr>
+              </a:solidFill>
+              <a:latin typeface="Arial"/>
+              <a:cs typeface="Arial"/>
+            </a:endParaRPr>
+          </a:p>
+          <a:p>
+            <a:pPr marL="12700">
+              <a:lnSpc>
+                <a:spcPct val="100000"/>
+              </a:lnSpc>
+            </a:pPr>
+            <a:r>
+              <a:rPr lang="da-DK" sz="1000" b="1" cap="all" spc="200" dirty="0" smtClean="0">
+                <a:solidFill>
+                  <a:schemeClr val="accent1">
+                    <a:lumMod val="75000"/>
+                  </a:schemeClr>
+                </a:solidFill>
+                <a:latin typeface="Arial"/>
+                <a:cs typeface="Arial"/>
+              </a:rPr>
+              <a:t>Implementation</a:t>
+            </a:r>
+          </a:p>
+          <a:p>
+            <a:pPr marL="12700">
+              <a:lnSpc>
+                <a:spcPct val="100000"/>
+              </a:lnSpc>
+            </a:pPr>
+            <a:r>
+              <a:rPr lang="da-DK" sz="1000" b="1" cap="all" spc="200" dirty="0" smtClean="0">
+                <a:solidFill>
+                  <a:schemeClr val="accent1">
+                    <a:lumMod val="75000"/>
+                    <a:alpha val="30000"/>
+                  </a:schemeClr>
+                </a:solidFill>
+                <a:latin typeface="Arial"/>
+                <a:cs typeface="Arial"/>
+              </a:rPr>
+              <a:t>Conclusion</a:t>
+            </a:r>
+          </a:p>
+          <a:p>
+            <a:pPr marL="12700">
+              <a:lnSpc>
+                <a:spcPct val="100000"/>
+              </a:lnSpc>
+            </a:pPr>
+            <a:r>
+              <a:rPr lang="da-DK" sz="1000" b="1" cap="all" spc="200" dirty="0" smtClean="0">
+                <a:solidFill>
+                  <a:schemeClr val="accent1">
+                    <a:lumMod val="75000"/>
+                    <a:alpha val="30000"/>
+                  </a:schemeClr>
+                </a:solidFill>
+                <a:latin typeface="Arial"/>
+                <a:cs typeface="Arial"/>
+              </a:rPr>
+              <a:t>demonstration</a:t>
+            </a:r>
+            <a:endParaRPr lang="da-DK" sz="1000" b="1" cap="all" spc="200" dirty="0" smtClean="0">
+              <a:solidFill>
+                <a:schemeClr val="accent1">
+                  <a:lumMod val="75000"/>
+                  <a:alpha val="30000"/>
+                </a:schemeClr>
+              </a:solidFill>
+              <a:latin typeface="Arial"/>
+              <a:cs typeface="Arial"/>
+            </a:endParaRPr>
+          </a:p>
+          <a:p>
+            <a:endParaRPr lang="da-DK" sz="1000" dirty="0"/>
+          </a:p>
+        </p:txBody>
+      </p:sp>
     </p:spTree>
     <p:extLst>
       <p:ext uri="{BB962C8B-B14F-4D97-AF65-F5344CB8AC3E}">
-        <p14:creationId xmlns="" xmlns:p14="http://schemas.microsoft.com/office/powerpoint/2010/main" val="585023994"/>
+        <p14:creationId xmlns:p14="http://schemas.microsoft.com/office/powerpoint/2010/main" xmlns="" val="585023994"/>
       </p:ext>
     </p:extLst>
   </p:cSld>
@@ -12118,7 +16189,7 @@
     <a:masterClrMapping/>
   </p:clrMapOvr>
   <mc:AlternateContent xmlns:mc="http://schemas.openxmlformats.org/markup-compatibility/2006">
-    <mc:Choice xmlns="" xmlns:p14="http://schemas.microsoft.com/office/powerpoint/2010/main" Requires="p14">
+    <mc:Choice xmlns:p14="http://schemas.microsoft.com/office/powerpoint/2010/main" xmlns="" Requires="p14">
       <p:transition p14:dur="250">
         <p:fade/>
       </p:transition>
@@ -12691,10 +16762,182 @@
           </a:p>
         </p:txBody>
       </p:sp>
+      <p:sp>
+        <p:nvSpPr>
+          <p:cNvPr id="6" name="TextBox 5"/>
+          <p:cNvSpPr txBox="1"/>
+          <p:nvPr/>
+        </p:nvSpPr>
+        <p:spPr>
+          <a:xfrm>
+            <a:off x="5615608" y="188640"/>
+            <a:ext cx="3528392" cy="707886"/>
+          </a:xfrm>
+          <a:prstGeom prst="rect">
+            <a:avLst/>
+          </a:prstGeom>
+          <a:noFill/>
+        </p:spPr>
+        <p:txBody>
+          <a:bodyPr wrap="square" numCol="2" rtlCol="0">
+            <a:spAutoFit/>
+          </a:bodyPr>
+          <a:lstStyle/>
+          <a:p>
+            <a:pPr marL="12700">
+              <a:lnSpc>
+                <a:spcPct val="100000"/>
+              </a:lnSpc>
+            </a:pPr>
+            <a:r>
+              <a:rPr lang="da-DK" sz="1000" b="1" cap="all" spc="200" dirty="0" smtClean="0">
+                <a:solidFill>
+                  <a:schemeClr val="accent1">
+                    <a:lumMod val="75000"/>
+                    <a:alpha val="30000"/>
+                  </a:schemeClr>
+                </a:solidFill>
+                <a:latin typeface="Arial"/>
+                <a:cs typeface="Arial"/>
+              </a:rPr>
+              <a:t>GIRAF</a:t>
+            </a:r>
+          </a:p>
+          <a:p>
+            <a:pPr marL="12700">
+              <a:lnSpc>
+                <a:spcPct val="100000"/>
+              </a:lnSpc>
+            </a:pPr>
+            <a:r>
+              <a:rPr lang="da-DK" sz="1000" b="1" cap="all" spc="200" dirty="0" smtClean="0">
+                <a:solidFill>
+                  <a:schemeClr val="accent1">
+                    <a:lumMod val="75000"/>
+                    <a:alpha val="30000"/>
+                  </a:schemeClr>
+                </a:solidFill>
+                <a:latin typeface="Arial"/>
+                <a:cs typeface="Arial"/>
+              </a:rPr>
+              <a:t>Game Design</a:t>
+            </a:r>
+          </a:p>
+          <a:p>
+            <a:pPr marL="12700">
+              <a:lnSpc>
+                <a:spcPct val="100000"/>
+              </a:lnSpc>
+            </a:pPr>
+            <a:r>
+              <a:rPr lang="da-DK" sz="1000" b="1" cap="all" spc="200" dirty="0" smtClean="0">
+                <a:solidFill>
+                  <a:schemeClr val="accent1">
+                    <a:lumMod val="75000"/>
+                    <a:alpha val="30000"/>
+                  </a:schemeClr>
+                </a:solidFill>
+                <a:latin typeface="Arial"/>
+                <a:cs typeface="Arial"/>
+              </a:rPr>
+              <a:t>OpenGL ES</a:t>
+            </a:r>
+          </a:p>
+          <a:p>
+            <a:pPr marL="12700">
+              <a:lnSpc>
+                <a:spcPct val="100000"/>
+              </a:lnSpc>
+            </a:pPr>
+            <a:endParaRPr lang="da-DK" sz="1000" b="1" cap="all" spc="200" dirty="0" smtClean="0">
+              <a:solidFill>
+                <a:schemeClr val="accent1">
+                  <a:lumMod val="75000"/>
+                  <a:alpha val="30000"/>
+                </a:schemeClr>
+              </a:solidFill>
+              <a:latin typeface="Arial"/>
+              <a:cs typeface="Arial"/>
+            </a:endParaRPr>
+          </a:p>
+          <a:p>
+            <a:pPr marL="12700">
+              <a:lnSpc>
+                <a:spcPct val="100000"/>
+              </a:lnSpc>
+            </a:pPr>
+            <a:r>
+              <a:rPr lang="da-DK" sz="1000" b="1" cap="all" spc="200" dirty="0" smtClean="0">
+                <a:solidFill>
+                  <a:schemeClr val="accent1">
+                    <a:lumMod val="75000"/>
+                  </a:schemeClr>
+                </a:solidFill>
+                <a:latin typeface="Arial"/>
+                <a:cs typeface="Arial"/>
+              </a:rPr>
+              <a:t>Implementation</a:t>
+            </a:r>
+          </a:p>
+          <a:p>
+            <a:pPr marL="12700">
+              <a:lnSpc>
+                <a:spcPct val="100000"/>
+              </a:lnSpc>
+            </a:pPr>
+            <a:r>
+              <a:rPr lang="da-DK" sz="1000" b="1" cap="all" spc="200" dirty="0" smtClean="0">
+                <a:solidFill>
+                  <a:schemeClr val="accent1">
+                    <a:lumMod val="75000"/>
+                    <a:alpha val="30000"/>
+                  </a:schemeClr>
+                </a:solidFill>
+                <a:latin typeface="Arial"/>
+                <a:cs typeface="Arial"/>
+              </a:rPr>
+              <a:t>Conclusion</a:t>
+            </a:r>
+          </a:p>
+          <a:p>
+            <a:pPr marL="12700">
+              <a:lnSpc>
+                <a:spcPct val="100000"/>
+              </a:lnSpc>
+            </a:pPr>
+            <a:r>
+              <a:rPr lang="da-DK" sz="1000" b="1" cap="all" spc="200" dirty="0" smtClean="0">
+                <a:solidFill>
+                  <a:schemeClr val="accent1">
+                    <a:lumMod val="75000"/>
+                    <a:alpha val="30000"/>
+                  </a:schemeClr>
+                </a:solidFill>
+                <a:latin typeface="Arial"/>
+                <a:cs typeface="Arial"/>
+              </a:rPr>
+              <a:t>demonstration</a:t>
+            </a:r>
+            <a:endParaRPr lang="da-DK" sz="1000" b="1" cap="all" spc="200" dirty="0" smtClean="0">
+              <a:solidFill>
+                <a:schemeClr val="accent1">
+                  <a:lumMod val="75000"/>
+                  <a:alpha val="30000"/>
+                </a:schemeClr>
+              </a:solidFill>
+              <a:latin typeface="Arial"/>
+              <a:cs typeface="Arial"/>
+            </a:endParaRPr>
+          </a:p>
+          <a:p>
+            <a:endParaRPr lang="da-DK" sz="1000" dirty="0"/>
+          </a:p>
+        </p:txBody>
+      </p:sp>
     </p:spTree>
     <p:extLst>
       <p:ext uri="{BB962C8B-B14F-4D97-AF65-F5344CB8AC3E}">
-        <p14:creationId xmlns="" xmlns:p14="http://schemas.microsoft.com/office/powerpoint/2010/main" val="585023994"/>
+        <p14:creationId xmlns:p14="http://schemas.microsoft.com/office/powerpoint/2010/main" xmlns="" val="585023994"/>
       </p:ext>
     </p:extLst>
   </p:cSld>
@@ -12702,7 +16945,7 @@
     <a:masterClrMapping/>
   </p:clrMapOvr>
   <mc:AlternateContent xmlns:mc="http://schemas.openxmlformats.org/markup-compatibility/2006">
-    <mc:Choice xmlns="" xmlns:p14="http://schemas.microsoft.com/office/powerpoint/2010/main" Requires="p14">
+    <mc:Choice xmlns:p14="http://schemas.microsoft.com/office/powerpoint/2010/main" xmlns="" Requires="p14">
       <p:transition p14:dur="250">
         <p:fade/>
       </p:transition>
@@ -12809,7 +17052,7 @@
           <a:blip r:embed="rId2" cstate="print">
             <a:extLst>
               <a:ext uri="{28A0092B-C50C-407E-A947-70E740481C1C}">
-                <a14:useLocalDpi xmlns="" xmlns:a14="http://schemas.microsoft.com/office/drawing/2010/main" val="0"/>
+                <a14:useLocalDpi xmlns:a14="http://schemas.microsoft.com/office/drawing/2010/main" xmlns="" val="0"/>
               </a:ext>
             </a:extLst>
           </a:blip>
@@ -12904,7 +17147,7 @@
     </p:spTree>
     <p:extLst>
       <p:ext uri="{BB962C8B-B14F-4D97-AF65-F5344CB8AC3E}">
-        <p14:creationId xmlns="" xmlns:p14="http://schemas.microsoft.com/office/powerpoint/2010/main" val="3425622471"/>
+        <p14:creationId xmlns:p14="http://schemas.microsoft.com/office/powerpoint/2010/main" xmlns="" val="3425622471"/>
       </p:ext>
     </p:extLst>
   </p:cSld>
@@ -12912,7 +17155,7 @@
     <a:masterClrMapping/>
   </p:clrMapOvr>
   <mc:AlternateContent xmlns:mc="http://schemas.openxmlformats.org/markup-compatibility/2006">
-    <mc:Choice xmlns="" xmlns:p14="http://schemas.microsoft.com/office/powerpoint/2010/main" Requires="p14">
+    <mc:Choice xmlns:p14="http://schemas.microsoft.com/office/powerpoint/2010/main" xmlns="" Requires="p14">
       <p:transition p14:dur="250">
         <p:fade/>
       </p:transition>
@@ -13019,7 +17262,7 @@
           <a:blip r:embed="rId2" cstate="print">
             <a:extLst>
               <a:ext uri="{28A0092B-C50C-407E-A947-70E740481C1C}">
-                <a14:useLocalDpi xmlns="" xmlns:a14="http://schemas.microsoft.com/office/drawing/2010/main" val="0"/>
+                <a14:useLocalDpi xmlns:a14="http://schemas.microsoft.com/office/drawing/2010/main" xmlns="" val="0"/>
               </a:ext>
             </a:extLst>
           </a:blip>
@@ -13114,7 +17357,7 @@
     </p:spTree>
     <p:extLst>
       <p:ext uri="{BB962C8B-B14F-4D97-AF65-F5344CB8AC3E}">
-        <p14:creationId xmlns="" xmlns:p14="http://schemas.microsoft.com/office/powerpoint/2010/main" val="3425622471"/>
+        <p14:creationId xmlns:p14="http://schemas.microsoft.com/office/powerpoint/2010/main" xmlns="" val="3425622471"/>
       </p:ext>
     </p:extLst>
   </p:cSld>
@@ -13122,7 +17365,7 @@
     <a:masterClrMapping/>
   </p:clrMapOvr>
   <mc:AlternateContent xmlns:mc="http://schemas.openxmlformats.org/markup-compatibility/2006">
-    <mc:Choice xmlns="" xmlns:p14="http://schemas.microsoft.com/office/powerpoint/2010/main" Requires="p14">
+    <mc:Choice xmlns:p14="http://schemas.microsoft.com/office/powerpoint/2010/main" xmlns="" Requires="p14">
       <p:transition p14:dur="250">
         <p:fade/>
       </p:transition>
@@ -13692,10 +17935,182 @@
           </a:p>
         </p:txBody>
       </p:sp>
+      <p:sp>
+        <p:nvSpPr>
+          <p:cNvPr id="7" name="TextBox 6"/>
+          <p:cNvSpPr txBox="1"/>
+          <p:nvPr/>
+        </p:nvSpPr>
+        <p:spPr>
+          <a:xfrm>
+            <a:off x="5615608" y="188640"/>
+            <a:ext cx="3528392" cy="707886"/>
+          </a:xfrm>
+          <a:prstGeom prst="rect">
+            <a:avLst/>
+          </a:prstGeom>
+          <a:noFill/>
+        </p:spPr>
+        <p:txBody>
+          <a:bodyPr wrap="square" numCol="2" rtlCol="0">
+            <a:spAutoFit/>
+          </a:bodyPr>
+          <a:lstStyle/>
+          <a:p>
+            <a:pPr marL="12700">
+              <a:lnSpc>
+                <a:spcPct val="100000"/>
+              </a:lnSpc>
+            </a:pPr>
+            <a:r>
+              <a:rPr lang="da-DK" sz="1000" b="1" cap="all" spc="200" dirty="0" smtClean="0">
+                <a:solidFill>
+                  <a:schemeClr val="accent1">
+                    <a:lumMod val="75000"/>
+                    <a:alpha val="30000"/>
+                  </a:schemeClr>
+                </a:solidFill>
+                <a:latin typeface="Arial"/>
+                <a:cs typeface="Arial"/>
+              </a:rPr>
+              <a:t>GIRAF</a:t>
+            </a:r>
+          </a:p>
+          <a:p>
+            <a:pPr marL="12700">
+              <a:lnSpc>
+                <a:spcPct val="100000"/>
+              </a:lnSpc>
+            </a:pPr>
+            <a:r>
+              <a:rPr lang="da-DK" sz="1000" b="1" cap="all" spc="200" dirty="0" smtClean="0">
+                <a:solidFill>
+                  <a:schemeClr val="accent1">
+                    <a:lumMod val="75000"/>
+                    <a:alpha val="30000"/>
+                  </a:schemeClr>
+                </a:solidFill>
+                <a:latin typeface="Arial"/>
+                <a:cs typeface="Arial"/>
+              </a:rPr>
+              <a:t>Game Design</a:t>
+            </a:r>
+          </a:p>
+          <a:p>
+            <a:pPr marL="12700">
+              <a:lnSpc>
+                <a:spcPct val="100000"/>
+              </a:lnSpc>
+            </a:pPr>
+            <a:r>
+              <a:rPr lang="da-DK" sz="1000" b="1" cap="all" spc="200" dirty="0" smtClean="0">
+                <a:solidFill>
+                  <a:schemeClr val="accent1">
+                    <a:lumMod val="75000"/>
+                    <a:alpha val="30000"/>
+                  </a:schemeClr>
+                </a:solidFill>
+                <a:latin typeface="Arial"/>
+                <a:cs typeface="Arial"/>
+              </a:rPr>
+              <a:t>OpenGL ES</a:t>
+            </a:r>
+          </a:p>
+          <a:p>
+            <a:pPr marL="12700">
+              <a:lnSpc>
+                <a:spcPct val="100000"/>
+              </a:lnSpc>
+            </a:pPr>
+            <a:endParaRPr lang="da-DK" sz="1000" b="1" cap="all" spc="200" dirty="0" smtClean="0">
+              <a:solidFill>
+                <a:schemeClr val="accent1">
+                  <a:lumMod val="75000"/>
+                  <a:alpha val="30000"/>
+                </a:schemeClr>
+              </a:solidFill>
+              <a:latin typeface="Arial"/>
+              <a:cs typeface="Arial"/>
+            </a:endParaRPr>
+          </a:p>
+          <a:p>
+            <a:pPr marL="12700">
+              <a:lnSpc>
+                <a:spcPct val="100000"/>
+              </a:lnSpc>
+            </a:pPr>
+            <a:r>
+              <a:rPr lang="da-DK" sz="1000" b="1" cap="all" spc="200" dirty="0" smtClean="0">
+                <a:solidFill>
+                  <a:schemeClr val="accent1">
+                    <a:lumMod val="75000"/>
+                    <a:alpha val="30000"/>
+                  </a:schemeClr>
+                </a:solidFill>
+                <a:latin typeface="Arial"/>
+                <a:cs typeface="Arial"/>
+              </a:rPr>
+              <a:t>Implementation</a:t>
+            </a:r>
+          </a:p>
+          <a:p>
+            <a:pPr marL="12700">
+              <a:lnSpc>
+                <a:spcPct val="100000"/>
+              </a:lnSpc>
+            </a:pPr>
+            <a:r>
+              <a:rPr lang="da-DK" sz="1000" b="1" cap="all" spc="200" dirty="0" smtClean="0">
+                <a:solidFill>
+                  <a:schemeClr val="accent1">
+                    <a:lumMod val="75000"/>
+                  </a:schemeClr>
+                </a:solidFill>
+                <a:latin typeface="Arial"/>
+                <a:cs typeface="Arial"/>
+              </a:rPr>
+              <a:t>Conclusion</a:t>
+            </a:r>
+          </a:p>
+          <a:p>
+            <a:pPr marL="12700">
+              <a:lnSpc>
+                <a:spcPct val="100000"/>
+              </a:lnSpc>
+            </a:pPr>
+            <a:r>
+              <a:rPr lang="da-DK" sz="1000" b="1" cap="all" spc="200" dirty="0" smtClean="0">
+                <a:solidFill>
+                  <a:schemeClr val="accent1">
+                    <a:lumMod val="75000"/>
+                    <a:alpha val="30000"/>
+                  </a:schemeClr>
+                </a:solidFill>
+                <a:latin typeface="Arial"/>
+                <a:cs typeface="Arial"/>
+              </a:rPr>
+              <a:t>demonstration</a:t>
+            </a:r>
+            <a:endParaRPr lang="da-DK" sz="1000" b="1" cap="all" spc="200" dirty="0" smtClean="0">
+              <a:solidFill>
+                <a:schemeClr val="accent1">
+                  <a:lumMod val="75000"/>
+                  <a:alpha val="30000"/>
+                </a:schemeClr>
+              </a:solidFill>
+              <a:latin typeface="Arial"/>
+              <a:cs typeface="Arial"/>
+            </a:endParaRPr>
+          </a:p>
+          <a:p>
+            <a:endParaRPr lang="da-DK" sz="1000" dirty="0"/>
+          </a:p>
+        </p:txBody>
+      </p:sp>
     </p:spTree>
     <p:extLst>
       <p:ext uri="{BB962C8B-B14F-4D97-AF65-F5344CB8AC3E}">
-        <p14:creationId xmlns="" xmlns:p14="http://schemas.microsoft.com/office/powerpoint/2010/main" val="772562590"/>
+        <p14:creationId xmlns:p14="http://schemas.microsoft.com/office/powerpoint/2010/main" xmlns="" val="772562590"/>
       </p:ext>
     </p:extLst>
   </p:cSld>
@@ -13703,7 +18118,7 @@
     <a:masterClrMapping/>
   </p:clrMapOvr>
   <mc:AlternateContent xmlns:mc="http://schemas.openxmlformats.org/markup-compatibility/2006">
-    <mc:Choice xmlns="" xmlns:p14="http://schemas.microsoft.com/office/powerpoint/2010/main" Requires="p14">
+    <mc:Choice xmlns:p14="http://schemas.microsoft.com/office/powerpoint/2010/main" xmlns="" Requires="p14">
       <p:transition p14:dur="250">
         <p:fade/>
       </p:transition>
@@ -13810,7 +18225,7 @@
           <a:blip r:embed="rId2" cstate="print">
             <a:extLst>
               <a:ext uri="{28A0092B-C50C-407E-A947-70E740481C1C}">
-                <a14:useLocalDpi xmlns="" xmlns:a14="http://schemas.microsoft.com/office/drawing/2010/main" val="0"/>
+                <a14:useLocalDpi xmlns:a14="http://schemas.microsoft.com/office/drawing/2010/main" xmlns="" val="0"/>
               </a:ext>
             </a:extLst>
           </a:blip>
@@ -13905,7 +18320,7 @@
     </p:spTree>
     <p:extLst>
       <p:ext uri="{BB962C8B-B14F-4D97-AF65-F5344CB8AC3E}">
-        <p14:creationId xmlns="" xmlns:p14="http://schemas.microsoft.com/office/powerpoint/2010/main" val="3425622471"/>
+        <p14:creationId xmlns:p14="http://schemas.microsoft.com/office/powerpoint/2010/main" xmlns="" val="3425622471"/>
       </p:ext>
     </p:extLst>
   </p:cSld>
@@ -13913,7 +18328,7 @@
     <a:masterClrMapping/>
   </p:clrMapOvr>
   <mc:AlternateContent xmlns:mc="http://schemas.openxmlformats.org/markup-compatibility/2006">
-    <mc:Choice xmlns="" xmlns:p14="http://schemas.microsoft.com/office/powerpoint/2010/main" Requires="p14">
+    <mc:Choice xmlns:p14="http://schemas.microsoft.com/office/powerpoint/2010/main" xmlns="" Requires="p14">
       <p:transition p14:dur="250">
         <p:fade/>
       </p:transition>
@@ -14433,10 +18848,237 @@
           </a:p>
         </p:txBody>
       </p:sp>
+      <p:sp>
+        <p:nvSpPr>
+          <p:cNvPr id="6" name="TextBox 5"/>
+          <p:cNvSpPr txBox="1"/>
+          <p:nvPr/>
+        </p:nvSpPr>
+        <p:spPr>
+          <a:xfrm>
+            <a:off x="5615608" y="188640"/>
+            <a:ext cx="3528392" cy="707886"/>
+          </a:xfrm>
+          <a:prstGeom prst="rect">
+            <a:avLst/>
+          </a:prstGeom>
+          <a:noFill/>
+        </p:spPr>
+        <p:txBody>
+          <a:bodyPr wrap="square" numCol="2" rtlCol="0">
+            <a:spAutoFit/>
+          </a:bodyPr>
+          <a:lstStyle/>
+          <a:p>
+            <a:pPr marL="12700">
+              <a:lnSpc>
+                <a:spcPct val="100000"/>
+              </a:lnSpc>
+            </a:pPr>
+            <a:r>
+              <a:rPr lang="da-DK" sz="1000" b="1" cap="all" spc="200" dirty="0" smtClean="0">
+                <a:solidFill>
+                  <a:schemeClr val="accent1">
+                    <a:lumMod val="75000"/>
+                  </a:schemeClr>
+                </a:solidFill>
+                <a:latin typeface="Arial"/>
+                <a:cs typeface="Arial"/>
+              </a:rPr>
+              <a:t>GIRAF</a:t>
+            </a:r>
+            <a:endParaRPr lang="da-DK" sz="1000" b="1" cap="all" spc="200" dirty="0" smtClean="0">
+              <a:solidFill>
+                <a:schemeClr val="accent1">
+                  <a:lumMod val="75000"/>
+                </a:schemeClr>
+              </a:solidFill>
+              <a:latin typeface="Arial"/>
+              <a:cs typeface="Arial"/>
+            </a:endParaRPr>
+          </a:p>
+          <a:p>
+            <a:pPr marL="12700">
+              <a:lnSpc>
+                <a:spcPct val="100000"/>
+              </a:lnSpc>
+            </a:pPr>
+            <a:r>
+              <a:rPr lang="da-DK" sz="1000" b="1" cap="all" spc="200" dirty="0" smtClean="0">
+                <a:solidFill>
+                  <a:schemeClr val="accent1">
+                    <a:lumMod val="75000"/>
+                    <a:alpha val="30000"/>
+                  </a:schemeClr>
+                </a:solidFill>
+                <a:latin typeface="Arial"/>
+                <a:cs typeface="Arial"/>
+              </a:rPr>
+              <a:t>Game </a:t>
+            </a:r>
+            <a:r>
+              <a:rPr lang="da-DK" sz="1000" b="1" cap="all" spc="200" dirty="0" smtClean="0">
+                <a:solidFill>
+                  <a:schemeClr val="accent1">
+                    <a:lumMod val="75000"/>
+                    <a:alpha val="30000"/>
+                  </a:schemeClr>
+                </a:solidFill>
+                <a:latin typeface="Arial"/>
+                <a:cs typeface="Arial"/>
+              </a:rPr>
+              <a:t>Design</a:t>
+            </a:r>
+            <a:endParaRPr lang="da-DK" sz="1000" b="1" cap="all" spc="200" dirty="0" smtClean="0">
+              <a:solidFill>
+                <a:schemeClr val="accent1">
+                  <a:lumMod val="75000"/>
+                  <a:alpha val="30000"/>
+                </a:schemeClr>
+              </a:solidFill>
+              <a:latin typeface="Arial"/>
+              <a:cs typeface="Arial"/>
+            </a:endParaRPr>
+          </a:p>
+          <a:p>
+            <a:pPr marL="12700">
+              <a:lnSpc>
+                <a:spcPct val="100000"/>
+              </a:lnSpc>
+            </a:pPr>
+            <a:r>
+              <a:rPr lang="da-DK" sz="1000" b="1" cap="all" spc="200" dirty="0" smtClean="0">
+                <a:solidFill>
+                  <a:schemeClr val="accent1">
+                    <a:lumMod val="75000"/>
+                    <a:alpha val="30000"/>
+                  </a:schemeClr>
+                </a:solidFill>
+                <a:latin typeface="Arial"/>
+                <a:cs typeface="Arial"/>
+              </a:rPr>
+              <a:t>OpenGL </a:t>
+            </a:r>
+            <a:r>
+              <a:rPr lang="da-DK" sz="1000" b="1" cap="all" spc="200" dirty="0" smtClean="0">
+                <a:solidFill>
+                  <a:schemeClr val="accent1">
+                    <a:lumMod val="75000"/>
+                    <a:alpha val="30000"/>
+                  </a:schemeClr>
+                </a:solidFill>
+                <a:latin typeface="Arial"/>
+                <a:cs typeface="Arial"/>
+              </a:rPr>
+              <a:t>ES</a:t>
+            </a:r>
+          </a:p>
+          <a:p>
+            <a:pPr marL="12700">
+              <a:lnSpc>
+                <a:spcPct val="100000"/>
+              </a:lnSpc>
+            </a:pPr>
+            <a:endParaRPr lang="da-DK" sz="1000" b="1" cap="all" spc="200" dirty="0" smtClean="0">
+              <a:solidFill>
+                <a:schemeClr val="accent1">
+                  <a:lumMod val="75000"/>
+                  <a:alpha val="30000"/>
+                </a:schemeClr>
+              </a:solidFill>
+              <a:latin typeface="Arial"/>
+              <a:cs typeface="Arial"/>
+            </a:endParaRPr>
+          </a:p>
+          <a:p>
+            <a:pPr marL="12700">
+              <a:lnSpc>
+                <a:spcPct val="100000"/>
+              </a:lnSpc>
+            </a:pPr>
+            <a:r>
+              <a:rPr lang="da-DK" sz="1000" b="1" cap="all" spc="200" dirty="0" smtClean="0">
+                <a:solidFill>
+                  <a:schemeClr val="accent1">
+                    <a:lumMod val="75000"/>
+                    <a:alpha val="30000"/>
+                  </a:schemeClr>
+                </a:solidFill>
+                <a:latin typeface="Arial"/>
+                <a:cs typeface="Arial"/>
+              </a:rPr>
+              <a:t>Implementation</a:t>
+            </a:r>
+            <a:endParaRPr lang="da-DK" sz="1000" b="1" cap="all" spc="200" dirty="0" smtClean="0">
+              <a:solidFill>
+                <a:schemeClr val="accent1">
+                  <a:lumMod val="75000"/>
+                  <a:alpha val="30000"/>
+                </a:schemeClr>
+              </a:solidFill>
+              <a:latin typeface="Arial"/>
+              <a:cs typeface="Arial"/>
+            </a:endParaRPr>
+          </a:p>
+          <a:p>
+            <a:pPr marL="12700">
+              <a:lnSpc>
+                <a:spcPct val="100000"/>
+              </a:lnSpc>
+            </a:pPr>
+            <a:r>
+              <a:rPr lang="da-DK" sz="1000" b="1" cap="all" spc="200" dirty="0" smtClean="0">
+                <a:solidFill>
+                  <a:schemeClr val="accent1">
+                    <a:lumMod val="75000"/>
+                    <a:alpha val="30000"/>
+                  </a:schemeClr>
+                </a:solidFill>
+                <a:latin typeface="Arial"/>
+                <a:cs typeface="Arial"/>
+              </a:rPr>
+              <a:t>Conclusion</a:t>
+            </a:r>
+            <a:endParaRPr lang="da-DK" sz="1000" b="1" cap="all" spc="200" dirty="0" smtClean="0">
+              <a:solidFill>
+                <a:schemeClr val="accent1">
+                  <a:lumMod val="75000"/>
+                  <a:alpha val="30000"/>
+                </a:schemeClr>
+              </a:solidFill>
+              <a:latin typeface="Arial"/>
+              <a:cs typeface="Arial"/>
+            </a:endParaRPr>
+          </a:p>
+          <a:p>
+            <a:pPr marL="12700">
+              <a:lnSpc>
+                <a:spcPct val="100000"/>
+              </a:lnSpc>
+            </a:pPr>
+            <a:r>
+              <a:rPr lang="da-DK" sz="1000" b="1" cap="all" spc="200" dirty="0" smtClean="0">
+                <a:solidFill>
+                  <a:schemeClr val="accent1">
+                    <a:lumMod val="75000"/>
+                    <a:alpha val="30000"/>
+                  </a:schemeClr>
+                </a:solidFill>
+                <a:latin typeface="Arial"/>
+                <a:cs typeface="Arial"/>
+              </a:rPr>
+              <a:t>demonstration</a:t>
+            </a:r>
+          </a:p>
+          <a:p>
+            <a:endParaRPr lang="da-DK" sz="1000" dirty="0"/>
+          </a:p>
+        </p:txBody>
+      </p:sp>
     </p:spTree>
     <p:extLst>
       <p:ext uri="{BB962C8B-B14F-4D97-AF65-F5344CB8AC3E}">
-        <p14:creationId xmlns="" xmlns:p14="http://schemas.microsoft.com/office/powerpoint/2010/main" val="585023994"/>
+        <p14:creationId xmlns:p14="http://schemas.microsoft.com/office/powerpoint/2010/main" xmlns="" val="585023994"/>
       </p:ext>
     </p:extLst>
   </p:cSld>
@@ -14444,7 +19086,7 @@
     <a:masterClrMapping/>
   </p:clrMapOvr>
   <mc:AlternateContent xmlns:mc="http://schemas.openxmlformats.org/markup-compatibility/2006">
-    <mc:Choice xmlns="" xmlns:p14="http://schemas.microsoft.com/office/powerpoint/2010/main" Requires="p14">
+    <mc:Choice xmlns:p14="http://schemas.microsoft.com/office/powerpoint/2010/main" xmlns="" Requires="p14">
       <p:transition p14:dur="250">
         <p:fade/>
       </p:transition>
@@ -14989,10 +19631,283 @@
           </a:ln>
         </p:spPr>
       </p:pic>
+      <p:sp>
+        <p:nvSpPr>
+          <p:cNvPr id="13" name="TextBox 12"/>
+          <p:cNvSpPr txBox="1"/>
+          <p:nvPr/>
+        </p:nvSpPr>
+        <p:spPr>
+          <a:xfrm>
+            <a:off x="5615608" y="188640"/>
+            <a:ext cx="3528392" cy="707886"/>
+          </a:xfrm>
+          <a:prstGeom prst="rect">
+            <a:avLst/>
+          </a:prstGeom>
+          <a:noFill/>
+        </p:spPr>
+        <p:txBody>
+          <a:bodyPr wrap="square" numCol="2" rtlCol="0">
+            <a:spAutoFit/>
+          </a:bodyPr>
+          <a:lstStyle/>
+          <a:p>
+            <a:pPr marL="12700">
+              <a:lnSpc>
+                <a:spcPct val="100000"/>
+              </a:lnSpc>
+            </a:pPr>
+            <a:r>
+              <a:rPr lang="da-DK" sz="1000" b="1" cap="all" spc="200" dirty="0" smtClean="0">
+                <a:solidFill>
+                  <a:schemeClr val="accent1">
+                    <a:lumMod val="75000"/>
+                  </a:schemeClr>
+                </a:solidFill>
+                <a:latin typeface="Arial"/>
+                <a:cs typeface="Arial"/>
+              </a:rPr>
+              <a:t>GIRAF</a:t>
+            </a:r>
+            <a:endParaRPr lang="da-DK" sz="1000" b="1" cap="all" spc="200" dirty="0" smtClean="0">
+              <a:solidFill>
+                <a:schemeClr val="accent1">
+                  <a:lumMod val="75000"/>
+                </a:schemeClr>
+              </a:solidFill>
+              <a:latin typeface="Arial"/>
+              <a:cs typeface="Arial"/>
+            </a:endParaRPr>
+          </a:p>
+          <a:p>
+            <a:pPr marL="12700">
+              <a:lnSpc>
+                <a:spcPct val="100000"/>
+              </a:lnSpc>
+            </a:pPr>
+            <a:r>
+              <a:rPr lang="da-DK" sz="1000" b="1" cap="all" spc="200" dirty="0" smtClean="0">
+                <a:solidFill>
+                  <a:schemeClr val="accent1">
+                    <a:lumMod val="75000"/>
+                    <a:alpha val="30000"/>
+                  </a:schemeClr>
+                </a:solidFill>
+                <a:latin typeface="Arial"/>
+                <a:cs typeface="Arial"/>
+              </a:rPr>
+              <a:t>Game </a:t>
+            </a:r>
+            <a:r>
+              <a:rPr lang="da-DK" sz="1000" b="1" cap="all" spc="200" dirty="0" smtClean="0">
+                <a:solidFill>
+                  <a:schemeClr val="accent1">
+                    <a:lumMod val="75000"/>
+                    <a:alpha val="30000"/>
+                  </a:schemeClr>
+                </a:solidFill>
+                <a:latin typeface="Arial"/>
+                <a:cs typeface="Arial"/>
+              </a:rPr>
+              <a:t>Design</a:t>
+            </a:r>
+            <a:endParaRPr lang="da-DK" sz="1000" b="1" cap="all" spc="200" dirty="0" smtClean="0">
+              <a:solidFill>
+                <a:schemeClr val="accent1">
+                  <a:lumMod val="75000"/>
+                  <a:alpha val="30000"/>
+                </a:schemeClr>
+              </a:solidFill>
+              <a:latin typeface="Arial"/>
+              <a:cs typeface="Arial"/>
+            </a:endParaRPr>
+          </a:p>
+          <a:p>
+            <a:pPr marL="12700">
+              <a:lnSpc>
+                <a:spcPct val="100000"/>
+              </a:lnSpc>
+            </a:pPr>
+            <a:r>
+              <a:rPr lang="da-DK" sz="1000" b="1" cap="all" spc="200" dirty="0" smtClean="0">
+                <a:solidFill>
+                  <a:schemeClr val="accent1">
+                    <a:lumMod val="75000"/>
+                    <a:alpha val="30000"/>
+                  </a:schemeClr>
+                </a:solidFill>
+                <a:latin typeface="Arial"/>
+                <a:cs typeface="Arial"/>
+              </a:rPr>
+              <a:t>OpenGL </a:t>
+            </a:r>
+            <a:r>
+              <a:rPr lang="da-DK" sz="1000" b="1" cap="all" spc="200" dirty="0" smtClean="0">
+                <a:solidFill>
+                  <a:schemeClr val="accent1">
+                    <a:lumMod val="75000"/>
+                    <a:alpha val="30000"/>
+                  </a:schemeClr>
+                </a:solidFill>
+                <a:latin typeface="Arial"/>
+                <a:cs typeface="Arial"/>
+              </a:rPr>
+              <a:t>ES</a:t>
+            </a:r>
+          </a:p>
+          <a:p>
+            <a:pPr marL="12700">
+              <a:lnSpc>
+                <a:spcPct val="100000"/>
+              </a:lnSpc>
+            </a:pPr>
+            <a:endParaRPr lang="da-DK" sz="1000" b="1" cap="all" spc="200" dirty="0" smtClean="0">
+              <a:solidFill>
+                <a:schemeClr val="accent1">
+                  <a:lumMod val="75000"/>
+                  <a:alpha val="30000"/>
+                </a:schemeClr>
+              </a:solidFill>
+              <a:latin typeface="Arial"/>
+              <a:cs typeface="Arial"/>
+            </a:endParaRPr>
+          </a:p>
+          <a:p>
+            <a:pPr marL="12700">
+              <a:lnSpc>
+                <a:spcPct val="100000"/>
+              </a:lnSpc>
+            </a:pPr>
+            <a:r>
+              <a:rPr lang="da-DK" sz="1000" b="1" cap="all" spc="200" dirty="0" smtClean="0">
+                <a:solidFill>
+                  <a:schemeClr val="accent1">
+                    <a:lumMod val="75000"/>
+                    <a:alpha val="30000"/>
+                  </a:schemeClr>
+                </a:solidFill>
+                <a:latin typeface="Arial"/>
+                <a:cs typeface="Arial"/>
+              </a:rPr>
+              <a:t>Implementation</a:t>
+            </a:r>
+            <a:endParaRPr lang="da-DK" sz="1000" b="1" cap="all" spc="200" dirty="0" smtClean="0">
+              <a:solidFill>
+                <a:schemeClr val="accent1">
+                  <a:lumMod val="75000"/>
+                  <a:alpha val="30000"/>
+                </a:schemeClr>
+              </a:solidFill>
+              <a:latin typeface="Arial"/>
+              <a:cs typeface="Arial"/>
+            </a:endParaRPr>
+          </a:p>
+          <a:p>
+            <a:pPr marL="12700">
+              <a:lnSpc>
+                <a:spcPct val="100000"/>
+              </a:lnSpc>
+            </a:pPr>
+            <a:r>
+              <a:rPr lang="da-DK" sz="1000" b="1" cap="all" spc="200" dirty="0" smtClean="0">
+                <a:solidFill>
+                  <a:schemeClr val="accent1">
+                    <a:lumMod val="75000"/>
+                    <a:alpha val="30000"/>
+                  </a:schemeClr>
+                </a:solidFill>
+                <a:latin typeface="Arial"/>
+                <a:cs typeface="Arial"/>
+              </a:rPr>
+              <a:t>Conclusion</a:t>
+            </a:r>
+            <a:endParaRPr lang="da-DK" sz="1000" b="1" cap="all" spc="200" dirty="0" smtClean="0">
+              <a:solidFill>
+                <a:schemeClr val="accent1">
+                  <a:lumMod val="75000"/>
+                  <a:alpha val="30000"/>
+                </a:schemeClr>
+              </a:solidFill>
+              <a:latin typeface="Arial"/>
+              <a:cs typeface="Arial"/>
+            </a:endParaRPr>
+          </a:p>
+          <a:p>
+            <a:pPr marL="12700">
+              <a:lnSpc>
+                <a:spcPct val="100000"/>
+              </a:lnSpc>
+            </a:pPr>
+            <a:r>
+              <a:rPr lang="da-DK" sz="1000" b="1" cap="all" spc="200" dirty="0" smtClean="0">
+                <a:solidFill>
+                  <a:schemeClr val="accent1">
+                    <a:lumMod val="75000"/>
+                    <a:alpha val="30000"/>
+                  </a:schemeClr>
+                </a:solidFill>
+                <a:latin typeface="Arial"/>
+                <a:cs typeface="Arial"/>
+              </a:rPr>
+              <a:t>demonstration</a:t>
+            </a:r>
+          </a:p>
+          <a:p>
+            <a:endParaRPr lang="da-DK" sz="1000" dirty="0"/>
+          </a:p>
+        </p:txBody>
+      </p:sp>
+      <p:sp>
+        <p:nvSpPr>
+          <p:cNvPr id="14" name="TextBox 13"/>
+          <p:cNvSpPr txBox="1"/>
+          <p:nvPr/>
+        </p:nvSpPr>
+        <p:spPr>
+          <a:xfrm>
+            <a:off x="1259632" y="5353471"/>
+            <a:ext cx="1800200" cy="276999"/>
+          </a:xfrm>
+          <a:prstGeom prst="rect">
+            <a:avLst/>
+          </a:prstGeom>
+          <a:noFill/>
+        </p:spPr>
+        <p:txBody>
+          <a:bodyPr wrap="square" rtlCol="0">
+            <a:spAutoFit/>
+          </a:bodyPr>
+          <a:lstStyle/>
+          <a:p>
+            <a:r>
+              <a:rPr lang="en-GB" sz="1200" dirty="0" smtClean="0">
+                <a:solidFill>
+                  <a:schemeClr val="accent1">
+                    <a:lumMod val="75000"/>
+                  </a:schemeClr>
+                </a:solidFill>
+                <a:latin typeface="Arial" pitchFamily="34" charset="0"/>
+                <a:cs typeface="Arial" pitchFamily="34" charset="0"/>
+              </a:rPr>
+              <a:t>Figure 3.1: Page 26</a:t>
+            </a:r>
+            <a:endParaRPr lang="en-GB" sz="1200" dirty="0" smtClean="0">
+              <a:solidFill>
+                <a:schemeClr val="accent1">
+                  <a:lumMod val="75000"/>
+                </a:schemeClr>
+              </a:solidFill>
+              <a:latin typeface="Arial" pitchFamily="34" charset="0"/>
+              <a:cs typeface="Arial" pitchFamily="34" charset="0"/>
+            </a:endParaRPr>
+          </a:p>
+        </p:txBody>
+      </p:sp>
     </p:spTree>
     <p:extLst>
       <p:ext uri="{BB962C8B-B14F-4D97-AF65-F5344CB8AC3E}">
-        <p14:creationId xmlns="" xmlns:p14="http://schemas.microsoft.com/office/powerpoint/2010/main" val="585023994"/>
+        <p14:creationId xmlns:p14="http://schemas.microsoft.com/office/powerpoint/2010/main" xmlns="" val="585023994"/>
       </p:ext>
     </p:extLst>
   </p:cSld>
@@ -15000,7 +19915,7 @@
     <a:masterClrMapping/>
   </p:clrMapOvr>
   <mc:AlternateContent xmlns:mc="http://schemas.openxmlformats.org/markup-compatibility/2006">
-    <mc:Choice xmlns="" xmlns:p14="http://schemas.microsoft.com/office/powerpoint/2010/main" Requires="p14">
+    <mc:Choice xmlns:p14="http://schemas.microsoft.com/office/powerpoint/2010/main" xmlns="" Requires="p14">
       <p:transition p14:dur="250">
         <p:fade/>
       </p:transition>
@@ -15468,10 +20383,237 @@
           </a:p>
         </p:txBody>
       </p:sp>
+      <p:sp>
+        <p:nvSpPr>
+          <p:cNvPr id="7" name="TextBox 6"/>
+          <p:cNvSpPr txBox="1"/>
+          <p:nvPr/>
+        </p:nvSpPr>
+        <p:spPr>
+          <a:xfrm>
+            <a:off x="5615608" y="188640"/>
+            <a:ext cx="3528392" cy="707886"/>
+          </a:xfrm>
+          <a:prstGeom prst="rect">
+            <a:avLst/>
+          </a:prstGeom>
+          <a:noFill/>
+        </p:spPr>
+        <p:txBody>
+          <a:bodyPr wrap="square" numCol="2" rtlCol="0">
+            <a:spAutoFit/>
+          </a:bodyPr>
+          <a:lstStyle/>
+          <a:p>
+            <a:pPr marL="12700">
+              <a:lnSpc>
+                <a:spcPct val="100000"/>
+              </a:lnSpc>
+            </a:pPr>
+            <a:r>
+              <a:rPr lang="da-DK" sz="1000" b="1" cap="all" spc="200" dirty="0" smtClean="0">
+                <a:solidFill>
+                  <a:schemeClr val="accent1">
+                    <a:lumMod val="75000"/>
+                  </a:schemeClr>
+                </a:solidFill>
+                <a:latin typeface="Arial"/>
+                <a:cs typeface="Arial"/>
+              </a:rPr>
+              <a:t>GIRAF</a:t>
+            </a:r>
+            <a:endParaRPr lang="da-DK" sz="1000" b="1" cap="all" spc="200" dirty="0" smtClean="0">
+              <a:solidFill>
+                <a:schemeClr val="accent1">
+                  <a:lumMod val="75000"/>
+                </a:schemeClr>
+              </a:solidFill>
+              <a:latin typeface="Arial"/>
+              <a:cs typeface="Arial"/>
+            </a:endParaRPr>
+          </a:p>
+          <a:p>
+            <a:pPr marL="12700">
+              <a:lnSpc>
+                <a:spcPct val="100000"/>
+              </a:lnSpc>
+            </a:pPr>
+            <a:r>
+              <a:rPr lang="da-DK" sz="1000" b="1" cap="all" spc="200" dirty="0" smtClean="0">
+                <a:solidFill>
+                  <a:schemeClr val="accent1">
+                    <a:lumMod val="75000"/>
+                    <a:alpha val="30000"/>
+                  </a:schemeClr>
+                </a:solidFill>
+                <a:latin typeface="Arial"/>
+                <a:cs typeface="Arial"/>
+              </a:rPr>
+              <a:t>Game </a:t>
+            </a:r>
+            <a:r>
+              <a:rPr lang="da-DK" sz="1000" b="1" cap="all" spc="200" dirty="0" smtClean="0">
+                <a:solidFill>
+                  <a:schemeClr val="accent1">
+                    <a:lumMod val="75000"/>
+                    <a:alpha val="30000"/>
+                  </a:schemeClr>
+                </a:solidFill>
+                <a:latin typeface="Arial"/>
+                <a:cs typeface="Arial"/>
+              </a:rPr>
+              <a:t>Design</a:t>
+            </a:r>
+            <a:endParaRPr lang="da-DK" sz="1000" b="1" cap="all" spc="200" dirty="0" smtClean="0">
+              <a:solidFill>
+                <a:schemeClr val="accent1">
+                  <a:lumMod val="75000"/>
+                  <a:alpha val="30000"/>
+                </a:schemeClr>
+              </a:solidFill>
+              <a:latin typeface="Arial"/>
+              <a:cs typeface="Arial"/>
+            </a:endParaRPr>
+          </a:p>
+          <a:p>
+            <a:pPr marL="12700">
+              <a:lnSpc>
+                <a:spcPct val="100000"/>
+              </a:lnSpc>
+            </a:pPr>
+            <a:r>
+              <a:rPr lang="da-DK" sz="1000" b="1" cap="all" spc="200" dirty="0" smtClean="0">
+                <a:solidFill>
+                  <a:schemeClr val="accent1">
+                    <a:lumMod val="75000"/>
+                    <a:alpha val="30000"/>
+                  </a:schemeClr>
+                </a:solidFill>
+                <a:latin typeface="Arial"/>
+                <a:cs typeface="Arial"/>
+              </a:rPr>
+              <a:t>OpenGL </a:t>
+            </a:r>
+            <a:r>
+              <a:rPr lang="da-DK" sz="1000" b="1" cap="all" spc="200" dirty="0" smtClean="0">
+                <a:solidFill>
+                  <a:schemeClr val="accent1">
+                    <a:lumMod val="75000"/>
+                    <a:alpha val="30000"/>
+                  </a:schemeClr>
+                </a:solidFill>
+                <a:latin typeface="Arial"/>
+                <a:cs typeface="Arial"/>
+              </a:rPr>
+              <a:t>ES</a:t>
+            </a:r>
+          </a:p>
+          <a:p>
+            <a:pPr marL="12700">
+              <a:lnSpc>
+                <a:spcPct val="100000"/>
+              </a:lnSpc>
+            </a:pPr>
+            <a:endParaRPr lang="da-DK" sz="1000" b="1" cap="all" spc="200" dirty="0" smtClean="0">
+              <a:solidFill>
+                <a:schemeClr val="accent1">
+                  <a:lumMod val="75000"/>
+                  <a:alpha val="30000"/>
+                </a:schemeClr>
+              </a:solidFill>
+              <a:latin typeface="Arial"/>
+              <a:cs typeface="Arial"/>
+            </a:endParaRPr>
+          </a:p>
+          <a:p>
+            <a:pPr marL="12700">
+              <a:lnSpc>
+                <a:spcPct val="100000"/>
+              </a:lnSpc>
+            </a:pPr>
+            <a:r>
+              <a:rPr lang="da-DK" sz="1000" b="1" cap="all" spc="200" dirty="0" smtClean="0">
+                <a:solidFill>
+                  <a:schemeClr val="accent1">
+                    <a:lumMod val="75000"/>
+                    <a:alpha val="30000"/>
+                  </a:schemeClr>
+                </a:solidFill>
+                <a:latin typeface="Arial"/>
+                <a:cs typeface="Arial"/>
+              </a:rPr>
+              <a:t>Implementation</a:t>
+            </a:r>
+            <a:endParaRPr lang="da-DK" sz="1000" b="1" cap="all" spc="200" dirty="0" smtClean="0">
+              <a:solidFill>
+                <a:schemeClr val="accent1">
+                  <a:lumMod val="75000"/>
+                  <a:alpha val="30000"/>
+                </a:schemeClr>
+              </a:solidFill>
+              <a:latin typeface="Arial"/>
+              <a:cs typeface="Arial"/>
+            </a:endParaRPr>
+          </a:p>
+          <a:p>
+            <a:pPr marL="12700">
+              <a:lnSpc>
+                <a:spcPct val="100000"/>
+              </a:lnSpc>
+            </a:pPr>
+            <a:r>
+              <a:rPr lang="da-DK" sz="1000" b="1" cap="all" spc="200" dirty="0" smtClean="0">
+                <a:solidFill>
+                  <a:schemeClr val="accent1">
+                    <a:lumMod val="75000"/>
+                    <a:alpha val="30000"/>
+                  </a:schemeClr>
+                </a:solidFill>
+                <a:latin typeface="Arial"/>
+                <a:cs typeface="Arial"/>
+              </a:rPr>
+              <a:t>Conclusion</a:t>
+            </a:r>
+            <a:endParaRPr lang="da-DK" sz="1000" b="1" cap="all" spc="200" dirty="0" smtClean="0">
+              <a:solidFill>
+                <a:schemeClr val="accent1">
+                  <a:lumMod val="75000"/>
+                  <a:alpha val="30000"/>
+                </a:schemeClr>
+              </a:solidFill>
+              <a:latin typeface="Arial"/>
+              <a:cs typeface="Arial"/>
+            </a:endParaRPr>
+          </a:p>
+          <a:p>
+            <a:pPr marL="12700">
+              <a:lnSpc>
+                <a:spcPct val="100000"/>
+              </a:lnSpc>
+            </a:pPr>
+            <a:r>
+              <a:rPr lang="da-DK" sz="1000" b="1" cap="all" spc="200" dirty="0" smtClean="0">
+                <a:solidFill>
+                  <a:schemeClr val="accent1">
+                    <a:lumMod val="75000"/>
+                    <a:alpha val="30000"/>
+                  </a:schemeClr>
+                </a:solidFill>
+                <a:latin typeface="Arial"/>
+                <a:cs typeface="Arial"/>
+              </a:rPr>
+              <a:t>demonstration</a:t>
+            </a:r>
+          </a:p>
+          <a:p>
+            <a:endParaRPr lang="da-DK" sz="1000" dirty="0"/>
+          </a:p>
+        </p:txBody>
+      </p:sp>
     </p:spTree>
     <p:extLst>
       <p:ext uri="{BB962C8B-B14F-4D97-AF65-F5344CB8AC3E}">
-        <p14:creationId xmlns="" xmlns:p14="http://schemas.microsoft.com/office/powerpoint/2010/main" val="585023994"/>
+        <p14:creationId xmlns:p14="http://schemas.microsoft.com/office/powerpoint/2010/main" xmlns="" val="585023994"/>
       </p:ext>
     </p:extLst>
   </p:cSld>
@@ -15479,7 +20621,7 @@
     <a:masterClrMapping/>
   </p:clrMapOvr>
   <mc:AlternateContent xmlns:mc="http://schemas.openxmlformats.org/markup-compatibility/2006">
-    <mc:Choice xmlns="" xmlns:p14="http://schemas.microsoft.com/office/powerpoint/2010/main" Requires="p14">
+    <mc:Choice xmlns:p14="http://schemas.microsoft.com/office/powerpoint/2010/main" xmlns="" Requires="p14">
       <p:transition p14:dur="250">
         <p:fade/>
       </p:transition>
@@ -15586,7 +20728,7 @@
           <a:blip r:embed="rId2" cstate="print">
             <a:extLst>
               <a:ext uri="{28A0092B-C50C-407E-A947-70E740481C1C}">
-                <a14:useLocalDpi xmlns="" xmlns:a14="http://schemas.microsoft.com/office/drawing/2010/main" val="0"/>
+                <a14:useLocalDpi xmlns:a14="http://schemas.microsoft.com/office/drawing/2010/main" xmlns="" val="0"/>
               </a:ext>
             </a:extLst>
           </a:blip>
@@ -15669,7 +20811,7 @@
     </p:spTree>
     <p:extLst>
       <p:ext uri="{BB962C8B-B14F-4D97-AF65-F5344CB8AC3E}">
-        <p14:creationId xmlns="" xmlns:p14="http://schemas.microsoft.com/office/powerpoint/2010/main" val="3425622471"/>
+        <p14:creationId xmlns:p14="http://schemas.microsoft.com/office/powerpoint/2010/main" xmlns="" val="3425622471"/>
       </p:ext>
     </p:extLst>
   </p:cSld>
@@ -15677,7 +20819,7 @@
     <a:masterClrMapping/>
   </p:clrMapOvr>
   <mc:AlternateContent xmlns:mc="http://schemas.openxmlformats.org/markup-compatibility/2006">
-    <mc:Choice xmlns="" xmlns:p14="http://schemas.microsoft.com/office/powerpoint/2010/main" Requires="p14">
+    <mc:Choice xmlns:p14="http://schemas.microsoft.com/office/powerpoint/2010/main" xmlns="" Requires="p14">
       <p:transition p14:dur="250">
         <p:fade/>
       </p:transition>
@@ -16173,10 +21315,282 @@
           <a:noFill/>
         </p:spPr>
       </p:pic>
+      <p:sp>
+        <p:nvSpPr>
+          <p:cNvPr id="7" name="TextBox 6"/>
+          <p:cNvSpPr txBox="1"/>
+          <p:nvPr/>
+        </p:nvSpPr>
+        <p:spPr>
+          <a:xfrm>
+            <a:off x="5615608" y="188640"/>
+            <a:ext cx="3528392" cy="707886"/>
+          </a:xfrm>
+          <a:prstGeom prst="rect">
+            <a:avLst/>
+          </a:prstGeom>
+          <a:noFill/>
+        </p:spPr>
+        <p:txBody>
+          <a:bodyPr wrap="square" numCol="2" rtlCol="0">
+            <a:spAutoFit/>
+          </a:bodyPr>
+          <a:lstStyle/>
+          <a:p>
+            <a:pPr marL="12700">
+              <a:lnSpc>
+                <a:spcPct val="100000"/>
+              </a:lnSpc>
+            </a:pPr>
+            <a:r>
+              <a:rPr lang="da-DK" sz="1000" b="1" cap="all" spc="200" dirty="0" smtClean="0">
+                <a:solidFill>
+                  <a:schemeClr val="accent1">
+                    <a:lumMod val="75000"/>
+                    <a:alpha val="30000"/>
+                  </a:schemeClr>
+                </a:solidFill>
+                <a:latin typeface="Arial"/>
+                <a:cs typeface="Arial"/>
+              </a:rPr>
+              <a:t>GIRAF</a:t>
+            </a:r>
+            <a:endParaRPr lang="da-DK" sz="1000" b="1" cap="all" spc="200" dirty="0" smtClean="0">
+              <a:solidFill>
+                <a:schemeClr val="accent1">
+                  <a:lumMod val="75000"/>
+                  <a:alpha val="30000"/>
+                </a:schemeClr>
+              </a:solidFill>
+              <a:latin typeface="Arial"/>
+              <a:cs typeface="Arial"/>
+            </a:endParaRPr>
+          </a:p>
+          <a:p>
+            <a:pPr marL="12700">
+              <a:lnSpc>
+                <a:spcPct val="100000"/>
+              </a:lnSpc>
+            </a:pPr>
+            <a:r>
+              <a:rPr lang="da-DK" sz="1000" b="1" cap="all" spc="200" dirty="0" smtClean="0">
+                <a:solidFill>
+                  <a:schemeClr val="accent1">
+                    <a:lumMod val="75000"/>
+                  </a:schemeClr>
+                </a:solidFill>
+                <a:latin typeface="Arial"/>
+                <a:cs typeface="Arial"/>
+              </a:rPr>
+              <a:t>Game </a:t>
+            </a:r>
+            <a:r>
+              <a:rPr lang="da-DK" sz="1000" b="1" cap="all" spc="200" dirty="0" smtClean="0">
+                <a:solidFill>
+                  <a:schemeClr val="accent1">
+                    <a:lumMod val="75000"/>
+                  </a:schemeClr>
+                </a:solidFill>
+                <a:latin typeface="Arial"/>
+                <a:cs typeface="Arial"/>
+              </a:rPr>
+              <a:t>Design</a:t>
+            </a:r>
+            <a:endParaRPr lang="da-DK" sz="1000" b="1" cap="all" spc="200" dirty="0" smtClean="0">
+              <a:solidFill>
+                <a:schemeClr val="accent1">
+                  <a:lumMod val="75000"/>
+                </a:schemeClr>
+              </a:solidFill>
+              <a:latin typeface="Arial"/>
+              <a:cs typeface="Arial"/>
+            </a:endParaRPr>
+          </a:p>
+          <a:p>
+            <a:pPr marL="12700">
+              <a:lnSpc>
+                <a:spcPct val="100000"/>
+              </a:lnSpc>
+            </a:pPr>
+            <a:r>
+              <a:rPr lang="da-DK" sz="1000" b="1" cap="all" spc="200" dirty="0" smtClean="0">
+                <a:solidFill>
+                  <a:schemeClr val="accent1">
+                    <a:lumMod val="75000"/>
+                    <a:alpha val="30000"/>
+                  </a:schemeClr>
+                </a:solidFill>
+                <a:latin typeface="Arial"/>
+                <a:cs typeface="Arial"/>
+              </a:rPr>
+              <a:t>OpenGL </a:t>
+            </a:r>
+            <a:r>
+              <a:rPr lang="da-DK" sz="1000" b="1" cap="all" spc="200" dirty="0" smtClean="0">
+                <a:solidFill>
+                  <a:schemeClr val="accent1">
+                    <a:lumMod val="75000"/>
+                    <a:alpha val="30000"/>
+                  </a:schemeClr>
+                </a:solidFill>
+                <a:latin typeface="Arial"/>
+                <a:cs typeface="Arial"/>
+              </a:rPr>
+              <a:t>ES</a:t>
+            </a:r>
+          </a:p>
+          <a:p>
+            <a:pPr marL="12700">
+              <a:lnSpc>
+                <a:spcPct val="100000"/>
+              </a:lnSpc>
+            </a:pPr>
+            <a:endParaRPr lang="da-DK" sz="1000" b="1" cap="all" spc="200" dirty="0" smtClean="0">
+              <a:solidFill>
+                <a:schemeClr val="accent1">
+                  <a:lumMod val="75000"/>
+                  <a:alpha val="30000"/>
+                </a:schemeClr>
+              </a:solidFill>
+              <a:latin typeface="Arial"/>
+              <a:cs typeface="Arial"/>
+            </a:endParaRPr>
+          </a:p>
+          <a:p>
+            <a:pPr marL="12700">
+              <a:lnSpc>
+                <a:spcPct val="100000"/>
+              </a:lnSpc>
+            </a:pPr>
+            <a:r>
+              <a:rPr lang="da-DK" sz="1000" b="1" cap="all" spc="200" dirty="0" smtClean="0">
+                <a:solidFill>
+                  <a:schemeClr val="accent1">
+                    <a:lumMod val="75000"/>
+                    <a:alpha val="30000"/>
+                  </a:schemeClr>
+                </a:solidFill>
+                <a:latin typeface="Arial"/>
+                <a:cs typeface="Arial"/>
+              </a:rPr>
+              <a:t>Implementation</a:t>
+            </a:r>
+            <a:endParaRPr lang="da-DK" sz="1000" b="1" cap="all" spc="200" dirty="0" smtClean="0">
+              <a:solidFill>
+                <a:schemeClr val="accent1">
+                  <a:lumMod val="75000"/>
+                  <a:alpha val="30000"/>
+                </a:schemeClr>
+              </a:solidFill>
+              <a:latin typeface="Arial"/>
+              <a:cs typeface="Arial"/>
+            </a:endParaRPr>
+          </a:p>
+          <a:p>
+            <a:pPr marL="12700">
+              <a:lnSpc>
+                <a:spcPct val="100000"/>
+              </a:lnSpc>
+            </a:pPr>
+            <a:r>
+              <a:rPr lang="da-DK" sz="1000" b="1" cap="all" spc="200" dirty="0" smtClean="0">
+                <a:solidFill>
+                  <a:schemeClr val="accent1">
+                    <a:lumMod val="75000"/>
+                    <a:alpha val="30000"/>
+                  </a:schemeClr>
+                </a:solidFill>
+                <a:latin typeface="Arial"/>
+                <a:cs typeface="Arial"/>
+              </a:rPr>
+              <a:t>Conclusion</a:t>
+            </a:r>
+            <a:endParaRPr lang="da-DK" sz="1000" b="1" cap="all" spc="200" dirty="0" smtClean="0">
+              <a:solidFill>
+                <a:schemeClr val="accent1">
+                  <a:lumMod val="75000"/>
+                  <a:alpha val="30000"/>
+                </a:schemeClr>
+              </a:solidFill>
+              <a:latin typeface="Arial"/>
+              <a:cs typeface="Arial"/>
+            </a:endParaRPr>
+          </a:p>
+          <a:p>
+            <a:pPr marL="12700">
+              <a:lnSpc>
+                <a:spcPct val="100000"/>
+              </a:lnSpc>
+            </a:pPr>
+            <a:r>
+              <a:rPr lang="da-DK" sz="1000" b="1" cap="all" spc="200" dirty="0" smtClean="0">
+                <a:solidFill>
+                  <a:schemeClr val="accent1">
+                    <a:lumMod val="75000"/>
+                    <a:alpha val="30000"/>
+                  </a:schemeClr>
+                </a:solidFill>
+                <a:latin typeface="Arial"/>
+                <a:cs typeface="Arial"/>
+              </a:rPr>
+              <a:t>demonstration</a:t>
+            </a:r>
+          </a:p>
+          <a:p>
+            <a:endParaRPr lang="da-DK" sz="1000" dirty="0"/>
+          </a:p>
+        </p:txBody>
+      </p:sp>
+      <p:sp>
+        <p:nvSpPr>
+          <p:cNvPr id="10" name="TextBox 9"/>
+          <p:cNvSpPr txBox="1"/>
+          <p:nvPr/>
+        </p:nvSpPr>
+        <p:spPr>
+          <a:xfrm>
+            <a:off x="4716016" y="4941168"/>
+            <a:ext cx="1800200" cy="276999"/>
+          </a:xfrm>
+          <a:prstGeom prst="rect">
+            <a:avLst/>
+          </a:prstGeom>
+          <a:noFill/>
+        </p:spPr>
+        <p:txBody>
+          <a:bodyPr wrap="square" rtlCol="0">
+            <a:spAutoFit/>
+          </a:bodyPr>
+          <a:lstStyle/>
+          <a:p>
+            <a:r>
+              <a:rPr lang="en-GB" sz="1200" dirty="0" smtClean="0">
+                <a:solidFill>
+                  <a:schemeClr val="accent1">
+                    <a:lumMod val="75000"/>
+                  </a:schemeClr>
+                </a:solidFill>
+                <a:latin typeface="Arial" pitchFamily="34" charset="0"/>
+                <a:cs typeface="Arial" pitchFamily="34" charset="0"/>
+              </a:rPr>
+              <a:t>Figure 7.1: Page 52</a:t>
+            </a:r>
+            <a:endParaRPr lang="en-GB" sz="1200" dirty="0" smtClean="0">
+              <a:solidFill>
+                <a:schemeClr val="accent1">
+                  <a:lumMod val="75000"/>
+                </a:schemeClr>
+              </a:solidFill>
+              <a:latin typeface="Arial" pitchFamily="34" charset="0"/>
+              <a:cs typeface="Arial" pitchFamily="34" charset="0"/>
+            </a:endParaRPr>
+          </a:p>
+        </p:txBody>
+      </p:sp>
     </p:spTree>
     <p:extLst>
       <p:ext uri="{BB962C8B-B14F-4D97-AF65-F5344CB8AC3E}">
-        <p14:creationId xmlns="" xmlns:p14="http://schemas.microsoft.com/office/powerpoint/2010/main" val="585023994"/>
+        <p14:creationId xmlns:p14="http://schemas.microsoft.com/office/powerpoint/2010/main" xmlns="" val="585023994"/>
       </p:ext>
     </p:extLst>
   </p:cSld>
@@ -16184,7 +21598,7 @@
     <a:masterClrMapping/>
   </p:clrMapOvr>
   <mc:AlternateContent xmlns:mc="http://schemas.openxmlformats.org/markup-compatibility/2006">
-    <mc:Choice xmlns="" xmlns:p14="http://schemas.microsoft.com/office/powerpoint/2010/main" Requires="p14">
+    <mc:Choice xmlns:p14="http://schemas.microsoft.com/office/powerpoint/2010/main" xmlns="" Requires="p14">
       <p:transition p14:dur="250">
         <p:fade/>
       </p:transition>
@@ -16631,10 +22045,328 @@
           </a:p>
         </p:txBody>
       </p:sp>
+      <p:sp>
+        <p:nvSpPr>
+          <p:cNvPr id="11" name="TextBox 10"/>
+          <p:cNvSpPr txBox="1"/>
+          <p:nvPr/>
+        </p:nvSpPr>
+        <p:spPr>
+          <a:xfrm>
+            <a:off x="5615608" y="188640"/>
+            <a:ext cx="3528392" cy="707886"/>
+          </a:xfrm>
+          <a:prstGeom prst="rect">
+            <a:avLst/>
+          </a:prstGeom>
+          <a:noFill/>
+        </p:spPr>
+        <p:txBody>
+          <a:bodyPr wrap="square" numCol="2" rtlCol="0">
+            <a:spAutoFit/>
+          </a:bodyPr>
+          <a:lstStyle/>
+          <a:p>
+            <a:pPr marL="12700">
+              <a:lnSpc>
+                <a:spcPct val="100000"/>
+              </a:lnSpc>
+            </a:pPr>
+            <a:r>
+              <a:rPr lang="da-DK" sz="1000" b="1" cap="all" spc="200" dirty="0" smtClean="0">
+                <a:solidFill>
+                  <a:schemeClr val="accent1">
+                    <a:lumMod val="75000"/>
+                    <a:alpha val="30000"/>
+                  </a:schemeClr>
+                </a:solidFill>
+                <a:latin typeface="Arial"/>
+                <a:cs typeface="Arial"/>
+              </a:rPr>
+              <a:t>GIRAF</a:t>
+            </a:r>
+            <a:endParaRPr lang="da-DK" sz="1000" b="1" cap="all" spc="200" dirty="0" smtClean="0">
+              <a:solidFill>
+                <a:schemeClr val="accent1">
+                  <a:lumMod val="75000"/>
+                  <a:alpha val="30000"/>
+                </a:schemeClr>
+              </a:solidFill>
+              <a:latin typeface="Arial"/>
+              <a:cs typeface="Arial"/>
+            </a:endParaRPr>
+          </a:p>
+          <a:p>
+            <a:pPr marL="12700">
+              <a:lnSpc>
+                <a:spcPct val="100000"/>
+              </a:lnSpc>
+            </a:pPr>
+            <a:r>
+              <a:rPr lang="da-DK" sz="1000" b="1" cap="all" spc="200" dirty="0" smtClean="0">
+                <a:solidFill>
+                  <a:schemeClr val="accent1">
+                    <a:lumMod val="75000"/>
+                  </a:schemeClr>
+                </a:solidFill>
+                <a:latin typeface="Arial"/>
+                <a:cs typeface="Arial"/>
+              </a:rPr>
+              <a:t>Game </a:t>
+            </a:r>
+            <a:r>
+              <a:rPr lang="da-DK" sz="1000" b="1" cap="all" spc="200" dirty="0" smtClean="0">
+                <a:solidFill>
+                  <a:schemeClr val="accent1">
+                    <a:lumMod val="75000"/>
+                  </a:schemeClr>
+                </a:solidFill>
+                <a:latin typeface="Arial"/>
+                <a:cs typeface="Arial"/>
+              </a:rPr>
+              <a:t>Design</a:t>
+            </a:r>
+            <a:endParaRPr lang="da-DK" sz="1000" b="1" cap="all" spc="200" dirty="0" smtClean="0">
+              <a:solidFill>
+                <a:schemeClr val="accent1">
+                  <a:lumMod val="75000"/>
+                </a:schemeClr>
+              </a:solidFill>
+              <a:latin typeface="Arial"/>
+              <a:cs typeface="Arial"/>
+            </a:endParaRPr>
+          </a:p>
+          <a:p>
+            <a:pPr marL="12700">
+              <a:lnSpc>
+                <a:spcPct val="100000"/>
+              </a:lnSpc>
+            </a:pPr>
+            <a:r>
+              <a:rPr lang="da-DK" sz="1000" b="1" cap="all" spc="200" dirty="0" smtClean="0">
+                <a:solidFill>
+                  <a:schemeClr val="accent1">
+                    <a:lumMod val="75000"/>
+                    <a:alpha val="30000"/>
+                  </a:schemeClr>
+                </a:solidFill>
+                <a:latin typeface="Arial"/>
+                <a:cs typeface="Arial"/>
+              </a:rPr>
+              <a:t>OpenGL </a:t>
+            </a:r>
+            <a:r>
+              <a:rPr lang="da-DK" sz="1000" b="1" cap="all" spc="200" dirty="0" smtClean="0">
+                <a:solidFill>
+                  <a:schemeClr val="accent1">
+                    <a:lumMod val="75000"/>
+                    <a:alpha val="30000"/>
+                  </a:schemeClr>
+                </a:solidFill>
+                <a:latin typeface="Arial"/>
+                <a:cs typeface="Arial"/>
+              </a:rPr>
+              <a:t>ES</a:t>
+            </a:r>
+          </a:p>
+          <a:p>
+            <a:pPr marL="12700">
+              <a:lnSpc>
+                <a:spcPct val="100000"/>
+              </a:lnSpc>
+            </a:pPr>
+            <a:endParaRPr lang="da-DK" sz="1000" b="1" cap="all" spc="200" dirty="0" smtClean="0">
+              <a:solidFill>
+                <a:schemeClr val="accent1">
+                  <a:lumMod val="75000"/>
+                  <a:alpha val="30000"/>
+                </a:schemeClr>
+              </a:solidFill>
+              <a:latin typeface="Arial"/>
+              <a:cs typeface="Arial"/>
+            </a:endParaRPr>
+          </a:p>
+          <a:p>
+            <a:pPr marL="12700">
+              <a:lnSpc>
+                <a:spcPct val="100000"/>
+              </a:lnSpc>
+            </a:pPr>
+            <a:r>
+              <a:rPr lang="da-DK" sz="1000" b="1" cap="all" spc="200" dirty="0" smtClean="0">
+                <a:solidFill>
+                  <a:schemeClr val="accent1">
+                    <a:lumMod val="75000"/>
+                    <a:alpha val="30000"/>
+                  </a:schemeClr>
+                </a:solidFill>
+                <a:latin typeface="Arial"/>
+                <a:cs typeface="Arial"/>
+              </a:rPr>
+              <a:t>Implementation</a:t>
+            </a:r>
+            <a:endParaRPr lang="da-DK" sz="1000" b="1" cap="all" spc="200" dirty="0" smtClean="0">
+              <a:solidFill>
+                <a:schemeClr val="accent1">
+                  <a:lumMod val="75000"/>
+                  <a:alpha val="30000"/>
+                </a:schemeClr>
+              </a:solidFill>
+              <a:latin typeface="Arial"/>
+              <a:cs typeface="Arial"/>
+            </a:endParaRPr>
+          </a:p>
+          <a:p>
+            <a:pPr marL="12700">
+              <a:lnSpc>
+                <a:spcPct val="100000"/>
+              </a:lnSpc>
+            </a:pPr>
+            <a:r>
+              <a:rPr lang="da-DK" sz="1000" b="1" cap="all" spc="200" dirty="0" smtClean="0">
+                <a:solidFill>
+                  <a:schemeClr val="accent1">
+                    <a:lumMod val="75000"/>
+                    <a:alpha val="30000"/>
+                  </a:schemeClr>
+                </a:solidFill>
+                <a:latin typeface="Arial"/>
+                <a:cs typeface="Arial"/>
+              </a:rPr>
+              <a:t>Conclusion</a:t>
+            </a:r>
+            <a:endParaRPr lang="da-DK" sz="1000" b="1" cap="all" spc="200" dirty="0" smtClean="0">
+              <a:solidFill>
+                <a:schemeClr val="accent1">
+                  <a:lumMod val="75000"/>
+                  <a:alpha val="30000"/>
+                </a:schemeClr>
+              </a:solidFill>
+              <a:latin typeface="Arial"/>
+              <a:cs typeface="Arial"/>
+            </a:endParaRPr>
+          </a:p>
+          <a:p>
+            <a:pPr marL="12700">
+              <a:lnSpc>
+                <a:spcPct val="100000"/>
+              </a:lnSpc>
+            </a:pPr>
+            <a:r>
+              <a:rPr lang="da-DK" sz="1000" b="1" cap="all" spc="200" dirty="0" smtClean="0">
+                <a:solidFill>
+                  <a:schemeClr val="accent1">
+                    <a:lumMod val="75000"/>
+                    <a:alpha val="30000"/>
+                  </a:schemeClr>
+                </a:solidFill>
+                <a:latin typeface="Arial"/>
+                <a:cs typeface="Arial"/>
+              </a:rPr>
+              <a:t>demonstration</a:t>
+            </a:r>
+          </a:p>
+          <a:p>
+            <a:endParaRPr lang="da-DK" sz="1000" dirty="0"/>
+          </a:p>
+        </p:txBody>
+      </p:sp>
+      <p:sp>
+        <p:nvSpPr>
+          <p:cNvPr id="12" name="TextBox 11"/>
+          <p:cNvSpPr txBox="1"/>
+          <p:nvPr/>
+        </p:nvSpPr>
+        <p:spPr>
+          <a:xfrm>
+            <a:off x="1259632" y="4725144"/>
+            <a:ext cx="1584176" cy="276999"/>
+          </a:xfrm>
+          <a:prstGeom prst="rect">
+            <a:avLst/>
+          </a:prstGeom>
+          <a:noFill/>
+        </p:spPr>
+        <p:txBody>
+          <a:bodyPr wrap="square" rtlCol="0">
+            <a:spAutoFit/>
+          </a:bodyPr>
+          <a:lstStyle/>
+          <a:p>
+            <a:r>
+              <a:rPr lang="en-GB" sz="1200" dirty="0" smtClean="0">
+                <a:solidFill>
+                  <a:schemeClr val="accent1">
+                    <a:lumMod val="75000"/>
+                  </a:schemeClr>
+                </a:solidFill>
+                <a:latin typeface="Arial" pitchFamily="34" charset="0"/>
+                <a:cs typeface="Arial" pitchFamily="34" charset="0"/>
+              </a:rPr>
+              <a:t>Figure 7.1: Page 52</a:t>
+            </a:r>
+            <a:endParaRPr lang="en-GB" sz="1200" dirty="0" smtClean="0">
+              <a:solidFill>
+                <a:schemeClr val="accent1">
+                  <a:lumMod val="75000"/>
+                </a:schemeClr>
+              </a:solidFill>
+              <a:latin typeface="Arial" pitchFamily="34" charset="0"/>
+              <a:cs typeface="Arial" pitchFamily="34" charset="0"/>
+            </a:endParaRPr>
+          </a:p>
+        </p:txBody>
+      </p:sp>
+      <p:sp>
+        <p:nvSpPr>
+          <p:cNvPr id="13" name="TextBox 12"/>
+          <p:cNvSpPr txBox="1"/>
+          <p:nvPr/>
+        </p:nvSpPr>
+        <p:spPr>
+          <a:xfrm>
+            <a:off x="5868144" y="4725144"/>
+            <a:ext cx="1656184" cy="276999"/>
+          </a:xfrm>
+          <a:prstGeom prst="rect">
+            <a:avLst/>
+          </a:prstGeom>
+          <a:noFill/>
+        </p:spPr>
+        <p:txBody>
+          <a:bodyPr wrap="square" rtlCol="0">
+            <a:spAutoFit/>
+          </a:bodyPr>
+          <a:lstStyle/>
+          <a:p>
+            <a:r>
+              <a:rPr lang="en-GB" sz="1200" dirty="0" smtClean="0">
+                <a:solidFill>
+                  <a:schemeClr val="accent1">
+                    <a:lumMod val="75000"/>
+                  </a:schemeClr>
+                </a:solidFill>
+                <a:latin typeface="Arial" pitchFamily="34" charset="0"/>
+                <a:cs typeface="Arial" pitchFamily="34" charset="0"/>
+              </a:rPr>
+              <a:t>Figure 7.2: Page 53</a:t>
+            </a:r>
+            <a:endParaRPr lang="en-GB" sz="1200" dirty="0" smtClean="0">
+              <a:solidFill>
+                <a:schemeClr val="accent1">
+                  <a:lumMod val="75000"/>
+                </a:schemeClr>
+              </a:solidFill>
+              <a:latin typeface="Arial" pitchFamily="34" charset="0"/>
+              <a:cs typeface="Arial" pitchFamily="34" charset="0"/>
+            </a:endParaRPr>
+          </a:p>
+        </p:txBody>
+      </p:sp>
     </p:spTree>
     <p:extLst>
       <p:ext uri="{BB962C8B-B14F-4D97-AF65-F5344CB8AC3E}">
-        <p14:creationId xmlns="" xmlns:p14="http://schemas.microsoft.com/office/powerpoint/2010/main" val="585023994"/>
+        <p14:creationId xmlns:p14="http://schemas.microsoft.com/office/powerpoint/2010/main" xmlns="" val="585023994"/>
       </p:ext>
     </p:extLst>
   </p:cSld>
@@ -16642,7 +22374,7 @@
     <a:masterClrMapping/>
   </p:clrMapOvr>
   <mc:AlternateContent xmlns:mc="http://schemas.openxmlformats.org/markup-compatibility/2006">
-    <mc:Choice xmlns="" xmlns:p14="http://schemas.microsoft.com/office/powerpoint/2010/main" Requires="p14">
+    <mc:Choice xmlns:p14="http://schemas.microsoft.com/office/powerpoint/2010/main" xmlns="" Requires="p14">
       <p:transition p14:dur="250">
         <p:fade/>
       </p:transition>

--- a/slides/main.pptx
+++ b/slides/main.pptx
@@ -882,7 +882,7 @@
     </p:spTree>
     <p:extLst>
       <p:ext uri="{BB962C8B-B14F-4D97-AF65-F5344CB8AC3E}">
-        <p14:creationId xmlns:p14="http://schemas.microsoft.com/office/powerpoint/2010/main" xmlns="" val="2128366257"/>
+        <p14:creationId xmlns="" xmlns:p14="http://schemas.microsoft.com/office/powerpoint/2010/main" val="2128366257"/>
       </p:ext>
     </p:extLst>
   </p:cSld>
@@ -912,7 +912,7 @@
     </p:spTree>
     <p:extLst>
       <p:ext uri="{BB962C8B-B14F-4D97-AF65-F5344CB8AC3E}">
-        <p14:creationId xmlns:p14="http://schemas.microsoft.com/office/powerpoint/2010/main" xmlns="" val="195677046"/>
+        <p14:creationId xmlns="" xmlns:p14="http://schemas.microsoft.com/office/powerpoint/2010/main" val="195677046"/>
       </p:ext>
     </p:extLst>
   </p:cSld>
@@ -942,7 +942,7 @@
     </p:spTree>
     <p:extLst>
       <p:ext uri="{BB962C8B-B14F-4D97-AF65-F5344CB8AC3E}">
-        <p14:creationId xmlns:p14="http://schemas.microsoft.com/office/powerpoint/2010/main" xmlns="" val="1997685105"/>
+        <p14:creationId xmlns="" xmlns:p14="http://schemas.microsoft.com/office/powerpoint/2010/main" val="1997685105"/>
       </p:ext>
     </p:extLst>
   </p:cSld>
@@ -3194,7 +3194,7 @@
           <a:blip r:embed="rId2" cstate="print">
             <a:extLst>
               <a:ext uri="{28A0092B-C50C-407E-A947-70E740481C1C}">
-                <a14:useLocalDpi xmlns:a14="http://schemas.microsoft.com/office/drawing/2010/main" xmlns="" val="0"/>
+                <a14:useLocalDpi xmlns="" xmlns:a14="http://schemas.microsoft.com/office/drawing/2010/main" val="0"/>
               </a:ext>
             </a:extLst>
           </a:blip>
@@ -3278,7 +3278,7 @@
           <a:blip r:embed="rId3" cstate="print">
             <a:extLst>
               <a:ext uri="{28A0092B-C50C-407E-A947-70E740481C1C}">
-                <a14:useLocalDpi xmlns:a14="http://schemas.microsoft.com/office/drawing/2010/main" xmlns="" val="0"/>
+                <a14:useLocalDpi xmlns="" xmlns:a14="http://schemas.microsoft.com/office/drawing/2010/main" val="0"/>
               </a:ext>
             </a:extLst>
           </a:blip>
@@ -3583,7 +3583,7 @@
     <a:masterClrMapping/>
   </p:clrMapOvr>
   <mc:AlternateContent xmlns:mc="http://schemas.openxmlformats.org/markup-compatibility/2006">
-    <mc:Choice xmlns:p14="http://schemas.microsoft.com/office/powerpoint/2010/main" xmlns="" Requires="p14">
+    <mc:Choice xmlns="" xmlns:p14="http://schemas.microsoft.com/office/powerpoint/2010/main" Requires="p14">
       <p:transition p14:dur="250">
         <p:fade/>
       </p:transition>
@@ -3802,6 +3802,19 @@
               <a:t> </a:t>
             </a:r>
             <a:r>
+              <a:rPr lang="da-DK" sz="850" b="1" kern="0" cap="all" spc="200" dirty="0" smtClean="0">
+                <a:solidFill>
+                  <a:schemeClr val="tx1">
+                    <a:lumMod val="50000"/>
+                    <a:lumOff val="50000"/>
+                  </a:schemeClr>
+                </a:solidFill>
+                <a:latin typeface="Arial"/>
+                <a:cs typeface="Arial"/>
+              </a:rPr>
+              <a:t>31  </a:t>
+            </a:r>
+            <a:r>
               <a:rPr lang="da-DK" sz="850" b="1" kern="0" cap="all" spc="200" dirty="0">
                 <a:solidFill>
                   <a:schemeClr val="tx1">
@@ -3812,7 +3825,7 @@
                 <a:latin typeface="Arial"/>
                 <a:cs typeface="Arial"/>
               </a:rPr>
-              <a:t>24  | </a:t>
+              <a:t>| </a:t>
             </a:r>
             <a:r>
               <a:rPr lang="da-DK" sz="850" b="1" kern="0" spc="200" dirty="0" smtClean="0">
@@ -3996,7 +4009,7 @@
                 <a:solidFill>
                   <a:schemeClr val="accent1">
                     <a:lumMod val="75000"/>
-                    <a:alpha val="30000"/>
+                    <a:alpha val="50000"/>
                   </a:schemeClr>
                 </a:solidFill>
                 <a:latin typeface="Arial"/>
@@ -4004,11 +4017,57 @@
               </a:rPr>
               <a:t>GIRAF</a:t>
             </a:r>
+          </a:p>
+          <a:p>
+            <a:pPr marL="12700">
+              <a:lnSpc>
+                <a:spcPct val="100000"/>
+              </a:lnSpc>
+            </a:pPr>
+            <a:r>
+              <a:rPr lang="da-DK" sz="1000" b="1" cap="all" spc="200" dirty="0" smtClean="0">
+                <a:solidFill>
+                  <a:schemeClr val="accent1">
+                    <a:lumMod val="75000"/>
+                  </a:schemeClr>
+                </a:solidFill>
+                <a:latin typeface="Arial"/>
+                <a:cs typeface="Arial"/>
+              </a:rPr>
+              <a:t>Game Design</a:t>
+            </a:r>
+          </a:p>
+          <a:p>
+            <a:pPr marL="12700">
+              <a:lnSpc>
+                <a:spcPct val="100000"/>
+              </a:lnSpc>
+            </a:pPr>
+            <a:r>
+              <a:rPr lang="da-DK" sz="1000" b="1" cap="all" spc="200" dirty="0" smtClean="0">
+                <a:solidFill>
+                  <a:schemeClr val="accent1">
+                    <a:lumMod val="75000"/>
+                    <a:alpha val="50000"/>
+                  </a:schemeClr>
+                </a:solidFill>
+                <a:latin typeface="Arial"/>
+                <a:cs typeface="Arial"/>
+              </a:rPr>
+              <a:t>OpenGL ES</a:t>
+            </a:r>
+          </a:p>
+          <a:p>
+            <a:pPr marL="12700">
+              <a:lnSpc>
+                <a:spcPct val="100000"/>
+              </a:lnSpc>
+            </a:pPr>
             <a:endParaRPr lang="da-DK" sz="1000" b="1" cap="all" spc="200" dirty="0" smtClean="0">
               <a:solidFill>
                 <a:schemeClr val="accent1">
                   <a:lumMod val="75000"/>
-                  <a:alpha val="30000"/>
+                  <a:alpha val="50000"/>
                 </a:schemeClr>
               </a:solidFill>
               <a:latin typeface="Arial"/>
@@ -4026,34 +4085,34 @@
                 <a:solidFill>
                   <a:schemeClr val="accent1">
                     <a:lumMod val="75000"/>
-                  </a:schemeClr>
-                </a:solidFill>
-                <a:latin typeface="Arial"/>
-                <a:cs typeface="Arial"/>
-              </a:rPr>
-              <a:t>Game </a:t>
-            </a:r>
+                    <a:alpha val="50000"/>
+                  </a:schemeClr>
+                </a:solidFill>
+                <a:latin typeface="Arial"/>
+                <a:cs typeface="Arial"/>
+              </a:rPr>
+              <a:t>Implementation</a:t>
+            </a:r>
+          </a:p>
+          <a:p>
+            <a:pPr marL="12700">
+              <a:lnSpc>
+                <a:spcPct val="100000"/>
+              </a:lnSpc>
+            </a:pPr>
             <a:r>
               <a:rPr lang="da-DK" sz="1000" b="1" cap="all" spc="200" dirty="0" smtClean="0">
                 <a:solidFill>
                   <a:schemeClr val="accent1">
                     <a:lumMod val="75000"/>
-                  </a:schemeClr>
-                </a:solidFill>
-                <a:latin typeface="Arial"/>
-                <a:cs typeface="Arial"/>
-              </a:rPr>
-              <a:t>Design</a:t>
-            </a:r>
-            <a:endParaRPr lang="da-DK" sz="1000" b="1" cap="all" spc="200" dirty="0" smtClean="0">
-              <a:solidFill>
-                <a:schemeClr val="accent1">
-                  <a:lumMod val="75000"/>
-                </a:schemeClr>
-              </a:solidFill>
-              <a:latin typeface="Arial"/>
-              <a:cs typeface="Arial"/>
-            </a:endParaRPr>
+                    <a:alpha val="50000"/>
+                  </a:schemeClr>
+                </a:solidFill>
+                <a:latin typeface="Arial"/>
+                <a:cs typeface="Arial"/>
+              </a:rPr>
+              <a:t>Conclusion</a:t>
+            </a:r>
           </a:p>
           <a:p>
             <a:pPr marL="12700">
@@ -4066,117 +4125,7 @@
                 <a:solidFill>
                   <a:schemeClr val="accent1">
                     <a:lumMod val="75000"/>
-                    <a:alpha val="30000"/>
-                  </a:schemeClr>
-                </a:solidFill>
-                <a:latin typeface="Arial"/>
-                <a:cs typeface="Arial"/>
-              </a:rPr>
-              <a:t>OpenGL </a:t>
-            </a:r>
-            <a:r>
-              <a:rPr lang="da-DK" sz="1000" b="1" cap="all" spc="200" dirty="0" smtClean="0">
-                <a:solidFill>
-                  <a:schemeClr val="accent1">
-                    <a:lumMod val="75000"/>
-                    <a:alpha val="30000"/>
-                  </a:schemeClr>
-                </a:solidFill>
-                <a:latin typeface="Arial"/>
-                <a:cs typeface="Arial"/>
-              </a:rPr>
-              <a:t>ES</a:t>
-            </a:r>
-          </a:p>
-          <a:p>
-            <a:pPr marL="12700">
-              <a:lnSpc>
-                <a:spcPct val="100000"/>
-              </a:lnSpc>
-            </a:pPr>
-            <a:endParaRPr lang="da-DK" sz="1000" b="1" cap="all" spc="200" dirty="0" smtClean="0">
-              <a:solidFill>
-                <a:schemeClr val="accent1">
-                  <a:lumMod val="75000"/>
-                  <a:alpha val="30000"/>
-                </a:schemeClr>
-              </a:solidFill>
-              <a:latin typeface="Arial"/>
-              <a:cs typeface="Arial"/>
-            </a:endParaRPr>
-          </a:p>
-          <a:p>
-            <a:pPr marL="12700">
-              <a:lnSpc>
-                <a:spcPct val="100000"/>
-              </a:lnSpc>
-            </a:pPr>
-            <a:r>
-              <a:rPr lang="da-DK" sz="1000" b="1" cap="all" spc="200" dirty="0" smtClean="0">
-                <a:solidFill>
-                  <a:schemeClr val="accent1">
-                    <a:lumMod val="75000"/>
-                    <a:alpha val="30000"/>
-                  </a:schemeClr>
-                </a:solidFill>
-                <a:latin typeface="Arial"/>
-                <a:cs typeface="Arial"/>
-              </a:rPr>
-              <a:t>Implementation</a:t>
-            </a:r>
-            <a:endParaRPr lang="da-DK" sz="1000" b="1" cap="all" spc="200" dirty="0" smtClean="0">
-              <a:solidFill>
-                <a:schemeClr val="accent1">
-                  <a:lumMod val="75000"/>
-                  <a:alpha val="30000"/>
-                </a:schemeClr>
-              </a:solidFill>
-              <a:latin typeface="Arial"/>
-              <a:cs typeface="Arial"/>
-            </a:endParaRPr>
-          </a:p>
-          <a:p>
-            <a:pPr marL="12700">
-              <a:lnSpc>
-                <a:spcPct val="100000"/>
-              </a:lnSpc>
-            </a:pPr>
-            <a:r>
-              <a:rPr lang="da-DK" sz="1000" b="1" cap="all" spc="200" dirty="0" smtClean="0">
-                <a:solidFill>
-                  <a:schemeClr val="accent1">
-                    <a:lumMod val="75000"/>
-                    <a:alpha val="30000"/>
-                  </a:schemeClr>
-                </a:solidFill>
-                <a:latin typeface="Arial"/>
-                <a:cs typeface="Arial"/>
-              </a:rPr>
-              <a:t>Conclusion</a:t>
-            </a:r>
-            <a:endParaRPr lang="da-DK" sz="1000" b="1" cap="all" spc="200" dirty="0" smtClean="0">
-              <a:solidFill>
-                <a:schemeClr val="accent1">
-                  <a:lumMod val="75000"/>
-                  <a:alpha val="30000"/>
-                </a:schemeClr>
-              </a:solidFill>
-              <a:latin typeface="Arial"/>
-              <a:cs typeface="Arial"/>
-            </a:endParaRPr>
-          </a:p>
-          <a:p>
-            <a:pPr marL="12700">
-              <a:lnSpc>
-                <a:spcPct val="100000"/>
-              </a:lnSpc>
-            </a:pPr>
-            <a:r>
-              <a:rPr lang="da-DK" sz="1000" b="1" cap="all" spc="200" dirty="0" smtClean="0">
-                <a:solidFill>
-                  <a:schemeClr val="accent1">
-                    <a:lumMod val="75000"/>
-                    <a:alpha val="30000"/>
+                    <a:alpha val="50000"/>
                   </a:schemeClr>
                 </a:solidFill>
                 <a:latin typeface="Arial"/>
@@ -4193,7 +4142,7 @@
     </p:spTree>
     <p:extLst>
       <p:ext uri="{BB962C8B-B14F-4D97-AF65-F5344CB8AC3E}">
-        <p14:creationId xmlns:p14="http://schemas.microsoft.com/office/powerpoint/2010/main" xmlns="" val="585023994"/>
+        <p14:creationId xmlns="" xmlns:p14="http://schemas.microsoft.com/office/powerpoint/2010/main" val="585023994"/>
       </p:ext>
     </p:extLst>
   </p:cSld>
@@ -4201,7 +4150,7 @@
     <a:masterClrMapping/>
   </p:clrMapOvr>
   <mc:AlternateContent xmlns:mc="http://schemas.openxmlformats.org/markup-compatibility/2006">
-    <mc:Choice xmlns:p14="http://schemas.microsoft.com/office/powerpoint/2010/main" xmlns="" Requires="p14">
+    <mc:Choice xmlns="" xmlns:p14="http://schemas.microsoft.com/office/powerpoint/2010/main" Requires="p14">
       <p:transition p14:dur="250">
         <p:fade/>
       </p:transition>
@@ -4446,6 +4395,19 @@
               <a:t> </a:t>
             </a:r>
             <a:r>
+              <a:rPr lang="da-DK" sz="850" b="1" kern="0" cap="all" spc="200" dirty="0" smtClean="0">
+                <a:solidFill>
+                  <a:schemeClr val="tx1">
+                    <a:lumMod val="50000"/>
+                    <a:lumOff val="50000"/>
+                  </a:schemeClr>
+                </a:solidFill>
+                <a:latin typeface="Arial"/>
+                <a:cs typeface="Arial"/>
+              </a:rPr>
+              <a:t>31  </a:t>
+            </a:r>
+            <a:r>
               <a:rPr lang="da-DK" sz="850" b="1" kern="0" cap="all" spc="200" dirty="0">
                 <a:solidFill>
                   <a:schemeClr val="tx1">
@@ -4456,7 +4418,7 @@
                 <a:latin typeface="Arial"/>
                 <a:cs typeface="Arial"/>
               </a:rPr>
-              <a:t>24  | </a:t>
+              <a:t>| </a:t>
             </a:r>
             <a:r>
               <a:rPr lang="da-DK" sz="850" b="1" kern="0" spc="200" dirty="0" smtClean="0">
@@ -4614,7 +4576,7 @@
                 <a:solidFill>
                   <a:schemeClr val="accent1">
                     <a:lumMod val="75000"/>
-                    <a:alpha val="30000"/>
+                    <a:alpha val="50000"/>
                   </a:schemeClr>
                 </a:solidFill>
                 <a:latin typeface="Arial"/>
@@ -4622,11 +4584,57 @@
               </a:rPr>
               <a:t>GIRAF</a:t>
             </a:r>
+          </a:p>
+          <a:p>
+            <a:pPr marL="12700">
+              <a:lnSpc>
+                <a:spcPct val="100000"/>
+              </a:lnSpc>
+            </a:pPr>
+            <a:r>
+              <a:rPr lang="da-DK" sz="1000" b="1" cap="all" spc="200" dirty="0" smtClean="0">
+                <a:solidFill>
+                  <a:schemeClr val="accent1">
+                    <a:lumMod val="75000"/>
+                  </a:schemeClr>
+                </a:solidFill>
+                <a:latin typeface="Arial"/>
+                <a:cs typeface="Arial"/>
+              </a:rPr>
+              <a:t>Game Design</a:t>
+            </a:r>
+          </a:p>
+          <a:p>
+            <a:pPr marL="12700">
+              <a:lnSpc>
+                <a:spcPct val="100000"/>
+              </a:lnSpc>
+            </a:pPr>
+            <a:r>
+              <a:rPr lang="da-DK" sz="1000" b="1" cap="all" spc="200" dirty="0" smtClean="0">
+                <a:solidFill>
+                  <a:schemeClr val="accent1">
+                    <a:lumMod val="75000"/>
+                    <a:alpha val="50000"/>
+                  </a:schemeClr>
+                </a:solidFill>
+                <a:latin typeface="Arial"/>
+                <a:cs typeface="Arial"/>
+              </a:rPr>
+              <a:t>OpenGL ES</a:t>
+            </a:r>
+          </a:p>
+          <a:p>
+            <a:pPr marL="12700">
+              <a:lnSpc>
+                <a:spcPct val="100000"/>
+              </a:lnSpc>
+            </a:pPr>
             <a:endParaRPr lang="da-DK" sz="1000" b="1" cap="all" spc="200" dirty="0" smtClean="0">
               <a:solidFill>
                 <a:schemeClr val="accent1">
                   <a:lumMod val="75000"/>
-                  <a:alpha val="30000"/>
+                  <a:alpha val="50000"/>
                 </a:schemeClr>
               </a:solidFill>
               <a:latin typeface="Arial"/>
@@ -4644,34 +4652,34 @@
                 <a:solidFill>
                   <a:schemeClr val="accent1">
                     <a:lumMod val="75000"/>
-                  </a:schemeClr>
-                </a:solidFill>
-                <a:latin typeface="Arial"/>
-                <a:cs typeface="Arial"/>
-              </a:rPr>
-              <a:t>Game </a:t>
-            </a:r>
+                    <a:alpha val="50000"/>
+                  </a:schemeClr>
+                </a:solidFill>
+                <a:latin typeface="Arial"/>
+                <a:cs typeface="Arial"/>
+              </a:rPr>
+              <a:t>Implementation</a:t>
+            </a:r>
+          </a:p>
+          <a:p>
+            <a:pPr marL="12700">
+              <a:lnSpc>
+                <a:spcPct val="100000"/>
+              </a:lnSpc>
+            </a:pPr>
             <a:r>
               <a:rPr lang="da-DK" sz="1000" b="1" cap="all" spc="200" dirty="0" smtClean="0">
                 <a:solidFill>
                   <a:schemeClr val="accent1">
                     <a:lumMod val="75000"/>
-                  </a:schemeClr>
-                </a:solidFill>
-                <a:latin typeface="Arial"/>
-                <a:cs typeface="Arial"/>
-              </a:rPr>
-              <a:t>Design</a:t>
-            </a:r>
-            <a:endParaRPr lang="da-DK" sz="1000" b="1" cap="all" spc="200" dirty="0" smtClean="0">
-              <a:solidFill>
-                <a:schemeClr val="accent1">
-                  <a:lumMod val="75000"/>
-                </a:schemeClr>
-              </a:solidFill>
-              <a:latin typeface="Arial"/>
-              <a:cs typeface="Arial"/>
-            </a:endParaRPr>
+                    <a:alpha val="50000"/>
+                  </a:schemeClr>
+                </a:solidFill>
+                <a:latin typeface="Arial"/>
+                <a:cs typeface="Arial"/>
+              </a:rPr>
+              <a:t>Conclusion</a:t>
+            </a:r>
           </a:p>
           <a:p>
             <a:pPr marL="12700">
@@ -4684,117 +4692,7 @@
                 <a:solidFill>
                   <a:schemeClr val="accent1">
                     <a:lumMod val="75000"/>
-                    <a:alpha val="30000"/>
-                  </a:schemeClr>
-                </a:solidFill>
-                <a:latin typeface="Arial"/>
-                <a:cs typeface="Arial"/>
-              </a:rPr>
-              <a:t>OpenGL </a:t>
-            </a:r>
-            <a:r>
-              <a:rPr lang="da-DK" sz="1000" b="1" cap="all" spc="200" dirty="0" smtClean="0">
-                <a:solidFill>
-                  <a:schemeClr val="accent1">
-                    <a:lumMod val="75000"/>
-                    <a:alpha val="30000"/>
-                  </a:schemeClr>
-                </a:solidFill>
-                <a:latin typeface="Arial"/>
-                <a:cs typeface="Arial"/>
-              </a:rPr>
-              <a:t>ES</a:t>
-            </a:r>
-          </a:p>
-          <a:p>
-            <a:pPr marL="12700">
-              <a:lnSpc>
-                <a:spcPct val="100000"/>
-              </a:lnSpc>
-            </a:pPr>
-            <a:endParaRPr lang="da-DK" sz="1000" b="1" cap="all" spc="200" dirty="0" smtClean="0">
-              <a:solidFill>
-                <a:schemeClr val="accent1">
-                  <a:lumMod val="75000"/>
-                  <a:alpha val="30000"/>
-                </a:schemeClr>
-              </a:solidFill>
-              <a:latin typeface="Arial"/>
-              <a:cs typeface="Arial"/>
-            </a:endParaRPr>
-          </a:p>
-          <a:p>
-            <a:pPr marL="12700">
-              <a:lnSpc>
-                <a:spcPct val="100000"/>
-              </a:lnSpc>
-            </a:pPr>
-            <a:r>
-              <a:rPr lang="da-DK" sz="1000" b="1" cap="all" spc="200" dirty="0" smtClean="0">
-                <a:solidFill>
-                  <a:schemeClr val="accent1">
-                    <a:lumMod val="75000"/>
-                    <a:alpha val="30000"/>
-                  </a:schemeClr>
-                </a:solidFill>
-                <a:latin typeface="Arial"/>
-                <a:cs typeface="Arial"/>
-              </a:rPr>
-              <a:t>Implementation</a:t>
-            </a:r>
-            <a:endParaRPr lang="da-DK" sz="1000" b="1" cap="all" spc="200" dirty="0" smtClean="0">
-              <a:solidFill>
-                <a:schemeClr val="accent1">
-                  <a:lumMod val="75000"/>
-                  <a:alpha val="30000"/>
-                </a:schemeClr>
-              </a:solidFill>
-              <a:latin typeface="Arial"/>
-              <a:cs typeface="Arial"/>
-            </a:endParaRPr>
-          </a:p>
-          <a:p>
-            <a:pPr marL="12700">
-              <a:lnSpc>
-                <a:spcPct val="100000"/>
-              </a:lnSpc>
-            </a:pPr>
-            <a:r>
-              <a:rPr lang="da-DK" sz="1000" b="1" cap="all" spc="200" dirty="0" smtClean="0">
-                <a:solidFill>
-                  <a:schemeClr val="accent1">
-                    <a:lumMod val="75000"/>
-                    <a:alpha val="30000"/>
-                  </a:schemeClr>
-                </a:solidFill>
-                <a:latin typeface="Arial"/>
-                <a:cs typeface="Arial"/>
-              </a:rPr>
-              <a:t>Conclusion</a:t>
-            </a:r>
-            <a:endParaRPr lang="da-DK" sz="1000" b="1" cap="all" spc="200" dirty="0" smtClean="0">
-              <a:solidFill>
-                <a:schemeClr val="accent1">
-                  <a:lumMod val="75000"/>
-                  <a:alpha val="30000"/>
-                </a:schemeClr>
-              </a:solidFill>
-              <a:latin typeface="Arial"/>
-              <a:cs typeface="Arial"/>
-            </a:endParaRPr>
-          </a:p>
-          <a:p>
-            <a:pPr marL="12700">
-              <a:lnSpc>
-                <a:spcPct val="100000"/>
-              </a:lnSpc>
-            </a:pPr>
-            <a:r>
-              <a:rPr lang="da-DK" sz="1000" b="1" cap="all" spc="200" dirty="0" smtClean="0">
-                <a:solidFill>
-                  <a:schemeClr val="accent1">
-                    <a:lumMod val="75000"/>
-                    <a:alpha val="30000"/>
+                    <a:alpha val="50000"/>
                   </a:schemeClr>
                 </a:solidFill>
                 <a:latin typeface="Arial"/>
@@ -4811,7 +4709,7 @@
     </p:spTree>
     <p:extLst>
       <p:ext uri="{BB962C8B-B14F-4D97-AF65-F5344CB8AC3E}">
-        <p14:creationId xmlns:p14="http://schemas.microsoft.com/office/powerpoint/2010/main" xmlns="" val="585023994"/>
+        <p14:creationId xmlns="" xmlns:p14="http://schemas.microsoft.com/office/powerpoint/2010/main" val="585023994"/>
       </p:ext>
     </p:extLst>
   </p:cSld>
@@ -4819,7 +4717,7 @@
     <a:masterClrMapping/>
   </p:clrMapOvr>
   <mc:AlternateContent xmlns:mc="http://schemas.openxmlformats.org/markup-compatibility/2006">
-    <mc:Choice xmlns:p14="http://schemas.microsoft.com/office/powerpoint/2010/main" xmlns="" Requires="p14">
+    <mc:Choice xmlns="" xmlns:p14="http://schemas.microsoft.com/office/powerpoint/2010/main" Requires="p14">
       <p:transition p14:dur="250">
         <p:fade/>
       </p:transition>
@@ -5064,6 +4962,19 @@
               <a:t> </a:t>
             </a:r>
             <a:r>
+              <a:rPr lang="da-DK" sz="850" b="1" kern="0" cap="all" spc="200" dirty="0" smtClean="0">
+                <a:solidFill>
+                  <a:schemeClr val="tx1">
+                    <a:lumMod val="50000"/>
+                    <a:lumOff val="50000"/>
+                  </a:schemeClr>
+                </a:solidFill>
+                <a:latin typeface="Arial"/>
+                <a:cs typeface="Arial"/>
+              </a:rPr>
+              <a:t>31  </a:t>
+            </a:r>
+            <a:r>
               <a:rPr lang="da-DK" sz="850" b="1" kern="0" cap="all" spc="200" dirty="0">
                 <a:solidFill>
                   <a:schemeClr val="tx1">
@@ -5074,7 +4985,7 @@
                 <a:latin typeface="Arial"/>
                 <a:cs typeface="Arial"/>
               </a:rPr>
-              <a:t>24  | </a:t>
+              <a:t>| </a:t>
             </a:r>
             <a:r>
               <a:rPr lang="da-DK" sz="850" b="1" kern="0" spc="200" dirty="0" smtClean="0">
@@ -5232,7 +5143,7 @@
                 <a:solidFill>
                   <a:schemeClr val="accent1">
                     <a:lumMod val="75000"/>
-                    <a:alpha val="30000"/>
+                    <a:alpha val="50000"/>
                   </a:schemeClr>
                 </a:solidFill>
                 <a:latin typeface="Arial"/>
@@ -5240,11 +5151,57 @@
               </a:rPr>
               <a:t>GIRAF</a:t>
             </a:r>
+          </a:p>
+          <a:p>
+            <a:pPr marL="12700">
+              <a:lnSpc>
+                <a:spcPct val="100000"/>
+              </a:lnSpc>
+            </a:pPr>
+            <a:r>
+              <a:rPr lang="da-DK" sz="1000" b="1" cap="all" spc="200" dirty="0" smtClean="0">
+                <a:solidFill>
+                  <a:schemeClr val="accent1">
+                    <a:lumMod val="75000"/>
+                  </a:schemeClr>
+                </a:solidFill>
+                <a:latin typeface="Arial"/>
+                <a:cs typeface="Arial"/>
+              </a:rPr>
+              <a:t>Game Design</a:t>
+            </a:r>
+          </a:p>
+          <a:p>
+            <a:pPr marL="12700">
+              <a:lnSpc>
+                <a:spcPct val="100000"/>
+              </a:lnSpc>
+            </a:pPr>
+            <a:r>
+              <a:rPr lang="da-DK" sz="1000" b="1" cap="all" spc="200" dirty="0" smtClean="0">
+                <a:solidFill>
+                  <a:schemeClr val="accent1">
+                    <a:lumMod val="75000"/>
+                    <a:alpha val="50000"/>
+                  </a:schemeClr>
+                </a:solidFill>
+                <a:latin typeface="Arial"/>
+                <a:cs typeface="Arial"/>
+              </a:rPr>
+              <a:t>OpenGL ES</a:t>
+            </a:r>
+          </a:p>
+          <a:p>
+            <a:pPr marL="12700">
+              <a:lnSpc>
+                <a:spcPct val="100000"/>
+              </a:lnSpc>
+            </a:pPr>
             <a:endParaRPr lang="da-DK" sz="1000" b="1" cap="all" spc="200" dirty="0" smtClean="0">
               <a:solidFill>
                 <a:schemeClr val="accent1">
                   <a:lumMod val="75000"/>
-                  <a:alpha val="30000"/>
+                  <a:alpha val="50000"/>
                 </a:schemeClr>
               </a:solidFill>
               <a:latin typeface="Arial"/>
@@ -5262,34 +5219,34 @@
                 <a:solidFill>
                   <a:schemeClr val="accent1">
                     <a:lumMod val="75000"/>
-                  </a:schemeClr>
-                </a:solidFill>
-                <a:latin typeface="Arial"/>
-                <a:cs typeface="Arial"/>
-              </a:rPr>
-              <a:t>Game </a:t>
-            </a:r>
+                    <a:alpha val="50000"/>
+                  </a:schemeClr>
+                </a:solidFill>
+                <a:latin typeface="Arial"/>
+                <a:cs typeface="Arial"/>
+              </a:rPr>
+              <a:t>Implementation</a:t>
+            </a:r>
+          </a:p>
+          <a:p>
+            <a:pPr marL="12700">
+              <a:lnSpc>
+                <a:spcPct val="100000"/>
+              </a:lnSpc>
+            </a:pPr>
             <a:r>
               <a:rPr lang="da-DK" sz="1000" b="1" cap="all" spc="200" dirty="0" smtClean="0">
                 <a:solidFill>
                   <a:schemeClr val="accent1">
                     <a:lumMod val="75000"/>
-                  </a:schemeClr>
-                </a:solidFill>
-                <a:latin typeface="Arial"/>
-                <a:cs typeface="Arial"/>
-              </a:rPr>
-              <a:t>Design</a:t>
-            </a:r>
-            <a:endParaRPr lang="da-DK" sz="1000" b="1" cap="all" spc="200" dirty="0" smtClean="0">
-              <a:solidFill>
-                <a:schemeClr val="accent1">
-                  <a:lumMod val="75000"/>
-                </a:schemeClr>
-              </a:solidFill>
-              <a:latin typeface="Arial"/>
-              <a:cs typeface="Arial"/>
-            </a:endParaRPr>
+                    <a:alpha val="50000"/>
+                  </a:schemeClr>
+                </a:solidFill>
+                <a:latin typeface="Arial"/>
+                <a:cs typeface="Arial"/>
+              </a:rPr>
+              <a:t>Conclusion</a:t>
+            </a:r>
           </a:p>
           <a:p>
             <a:pPr marL="12700">
@@ -5302,117 +5259,7 @@
                 <a:solidFill>
                   <a:schemeClr val="accent1">
                     <a:lumMod val="75000"/>
-                    <a:alpha val="30000"/>
-                  </a:schemeClr>
-                </a:solidFill>
-                <a:latin typeface="Arial"/>
-                <a:cs typeface="Arial"/>
-              </a:rPr>
-              <a:t>OpenGL </a:t>
-            </a:r>
-            <a:r>
-              <a:rPr lang="da-DK" sz="1000" b="1" cap="all" spc="200" dirty="0" smtClean="0">
-                <a:solidFill>
-                  <a:schemeClr val="accent1">
-                    <a:lumMod val="75000"/>
-                    <a:alpha val="30000"/>
-                  </a:schemeClr>
-                </a:solidFill>
-                <a:latin typeface="Arial"/>
-                <a:cs typeface="Arial"/>
-              </a:rPr>
-              <a:t>ES</a:t>
-            </a:r>
-          </a:p>
-          <a:p>
-            <a:pPr marL="12700">
-              <a:lnSpc>
-                <a:spcPct val="100000"/>
-              </a:lnSpc>
-            </a:pPr>
-            <a:endParaRPr lang="da-DK" sz="1000" b="1" cap="all" spc="200" dirty="0" smtClean="0">
-              <a:solidFill>
-                <a:schemeClr val="accent1">
-                  <a:lumMod val="75000"/>
-                  <a:alpha val="30000"/>
-                </a:schemeClr>
-              </a:solidFill>
-              <a:latin typeface="Arial"/>
-              <a:cs typeface="Arial"/>
-            </a:endParaRPr>
-          </a:p>
-          <a:p>
-            <a:pPr marL="12700">
-              <a:lnSpc>
-                <a:spcPct val="100000"/>
-              </a:lnSpc>
-            </a:pPr>
-            <a:r>
-              <a:rPr lang="da-DK" sz="1000" b="1" cap="all" spc="200" dirty="0" smtClean="0">
-                <a:solidFill>
-                  <a:schemeClr val="accent1">
-                    <a:lumMod val="75000"/>
-                    <a:alpha val="30000"/>
-                  </a:schemeClr>
-                </a:solidFill>
-                <a:latin typeface="Arial"/>
-                <a:cs typeface="Arial"/>
-              </a:rPr>
-              <a:t>Implementation</a:t>
-            </a:r>
-            <a:endParaRPr lang="da-DK" sz="1000" b="1" cap="all" spc="200" dirty="0" smtClean="0">
-              <a:solidFill>
-                <a:schemeClr val="accent1">
-                  <a:lumMod val="75000"/>
-                  <a:alpha val="30000"/>
-                </a:schemeClr>
-              </a:solidFill>
-              <a:latin typeface="Arial"/>
-              <a:cs typeface="Arial"/>
-            </a:endParaRPr>
-          </a:p>
-          <a:p>
-            <a:pPr marL="12700">
-              <a:lnSpc>
-                <a:spcPct val="100000"/>
-              </a:lnSpc>
-            </a:pPr>
-            <a:r>
-              <a:rPr lang="da-DK" sz="1000" b="1" cap="all" spc="200" dirty="0" smtClean="0">
-                <a:solidFill>
-                  <a:schemeClr val="accent1">
-                    <a:lumMod val="75000"/>
-                    <a:alpha val="30000"/>
-                  </a:schemeClr>
-                </a:solidFill>
-                <a:latin typeface="Arial"/>
-                <a:cs typeface="Arial"/>
-              </a:rPr>
-              <a:t>Conclusion</a:t>
-            </a:r>
-            <a:endParaRPr lang="da-DK" sz="1000" b="1" cap="all" spc="200" dirty="0" smtClean="0">
-              <a:solidFill>
-                <a:schemeClr val="accent1">
-                  <a:lumMod val="75000"/>
-                  <a:alpha val="30000"/>
-                </a:schemeClr>
-              </a:solidFill>
-              <a:latin typeface="Arial"/>
-              <a:cs typeface="Arial"/>
-            </a:endParaRPr>
-          </a:p>
-          <a:p>
-            <a:pPr marL="12700">
-              <a:lnSpc>
-                <a:spcPct val="100000"/>
-              </a:lnSpc>
-            </a:pPr>
-            <a:r>
-              <a:rPr lang="da-DK" sz="1000" b="1" cap="all" spc="200" dirty="0" smtClean="0">
-                <a:solidFill>
-                  <a:schemeClr val="accent1">
-                    <a:lumMod val="75000"/>
-                    <a:alpha val="30000"/>
+                    <a:alpha val="50000"/>
                   </a:schemeClr>
                 </a:solidFill>
                 <a:latin typeface="Arial"/>
@@ -5429,7 +5276,7 @@
     </p:spTree>
     <p:extLst>
       <p:ext uri="{BB962C8B-B14F-4D97-AF65-F5344CB8AC3E}">
-        <p14:creationId xmlns:p14="http://schemas.microsoft.com/office/powerpoint/2010/main" xmlns="" val="585023994"/>
+        <p14:creationId xmlns="" xmlns:p14="http://schemas.microsoft.com/office/powerpoint/2010/main" val="585023994"/>
       </p:ext>
     </p:extLst>
   </p:cSld>
@@ -5437,7 +5284,7 @@
     <a:masterClrMapping/>
   </p:clrMapOvr>
   <mc:AlternateContent xmlns:mc="http://schemas.openxmlformats.org/markup-compatibility/2006">
-    <mc:Choice xmlns:p14="http://schemas.microsoft.com/office/powerpoint/2010/main" xmlns="" Requires="p14">
+    <mc:Choice xmlns="" xmlns:p14="http://schemas.microsoft.com/office/powerpoint/2010/main" Requires="p14">
       <p:transition p14:dur="250">
         <p:fade/>
       </p:transition>
@@ -5673,6 +5520,32 @@
               <a:t> </a:t>
             </a:r>
             <a:r>
+              <a:rPr lang="da-DK" sz="850" b="1" kern="0" cap="all" spc="200" dirty="0" smtClean="0">
+                <a:solidFill>
+                  <a:schemeClr val="tx1">
+                    <a:lumMod val="50000"/>
+                    <a:lumOff val="50000"/>
+                  </a:schemeClr>
+                </a:solidFill>
+                <a:latin typeface="Arial"/>
+                <a:cs typeface="Arial"/>
+              </a:rPr>
+              <a:t>31</a:t>
+            </a:r>
+            <a:r>
+              <a:rPr lang="da-DK" sz="850" b="1" kern="0" cap="all" spc="200" dirty="0" smtClean="0">
+                <a:solidFill>
+                  <a:schemeClr val="tx1">
+                    <a:lumMod val="50000"/>
+                    <a:lumOff val="50000"/>
+                  </a:schemeClr>
+                </a:solidFill>
+                <a:latin typeface="Arial"/>
+                <a:cs typeface="Arial"/>
+              </a:rPr>
+              <a:t>  </a:t>
+            </a:r>
+            <a:r>
               <a:rPr lang="da-DK" sz="850" b="1" kern="0" cap="all" spc="200" dirty="0">
                 <a:solidFill>
                   <a:schemeClr val="tx1">
@@ -5683,7 +5556,7 @@
                 <a:latin typeface="Arial"/>
                 <a:cs typeface="Arial"/>
               </a:rPr>
-              <a:t>24  | </a:t>
+              <a:t>| </a:t>
             </a:r>
             <a:r>
               <a:rPr lang="da-DK" sz="850" b="1" kern="0" spc="200" dirty="0" smtClean="0">
@@ -5841,7 +5714,7 @@
                 <a:solidFill>
                   <a:schemeClr val="accent1">
                     <a:lumMod val="75000"/>
-                    <a:alpha val="30000"/>
+                    <a:alpha val="50000"/>
                   </a:schemeClr>
                 </a:solidFill>
                 <a:latin typeface="Arial"/>
@@ -5849,11 +5722,57 @@
               </a:rPr>
               <a:t>GIRAF</a:t>
             </a:r>
+          </a:p>
+          <a:p>
+            <a:pPr marL="12700">
+              <a:lnSpc>
+                <a:spcPct val="100000"/>
+              </a:lnSpc>
+            </a:pPr>
+            <a:r>
+              <a:rPr lang="da-DK" sz="1000" b="1" cap="all" spc="200" dirty="0" smtClean="0">
+                <a:solidFill>
+                  <a:schemeClr val="accent1">
+                    <a:lumMod val="75000"/>
+                  </a:schemeClr>
+                </a:solidFill>
+                <a:latin typeface="Arial"/>
+                <a:cs typeface="Arial"/>
+              </a:rPr>
+              <a:t>Game Design</a:t>
+            </a:r>
+          </a:p>
+          <a:p>
+            <a:pPr marL="12700">
+              <a:lnSpc>
+                <a:spcPct val="100000"/>
+              </a:lnSpc>
+            </a:pPr>
+            <a:r>
+              <a:rPr lang="da-DK" sz="1000" b="1" cap="all" spc="200" dirty="0" smtClean="0">
+                <a:solidFill>
+                  <a:schemeClr val="accent1">
+                    <a:lumMod val="75000"/>
+                    <a:alpha val="50000"/>
+                  </a:schemeClr>
+                </a:solidFill>
+                <a:latin typeface="Arial"/>
+                <a:cs typeface="Arial"/>
+              </a:rPr>
+              <a:t>OpenGL ES</a:t>
+            </a:r>
+          </a:p>
+          <a:p>
+            <a:pPr marL="12700">
+              <a:lnSpc>
+                <a:spcPct val="100000"/>
+              </a:lnSpc>
+            </a:pPr>
             <a:endParaRPr lang="da-DK" sz="1000" b="1" cap="all" spc="200" dirty="0" smtClean="0">
               <a:solidFill>
                 <a:schemeClr val="accent1">
                   <a:lumMod val="75000"/>
-                  <a:alpha val="30000"/>
+                  <a:alpha val="50000"/>
                 </a:schemeClr>
               </a:solidFill>
               <a:latin typeface="Arial"/>
@@ -5871,34 +5790,34 @@
                 <a:solidFill>
                   <a:schemeClr val="accent1">
                     <a:lumMod val="75000"/>
-                  </a:schemeClr>
-                </a:solidFill>
-                <a:latin typeface="Arial"/>
-                <a:cs typeface="Arial"/>
-              </a:rPr>
-              <a:t>Game </a:t>
-            </a:r>
+                    <a:alpha val="50000"/>
+                  </a:schemeClr>
+                </a:solidFill>
+                <a:latin typeface="Arial"/>
+                <a:cs typeface="Arial"/>
+              </a:rPr>
+              <a:t>Implementation</a:t>
+            </a:r>
+          </a:p>
+          <a:p>
+            <a:pPr marL="12700">
+              <a:lnSpc>
+                <a:spcPct val="100000"/>
+              </a:lnSpc>
+            </a:pPr>
             <a:r>
               <a:rPr lang="da-DK" sz="1000" b="1" cap="all" spc="200" dirty="0" smtClean="0">
                 <a:solidFill>
                   <a:schemeClr val="accent1">
                     <a:lumMod val="75000"/>
-                  </a:schemeClr>
-                </a:solidFill>
-                <a:latin typeface="Arial"/>
-                <a:cs typeface="Arial"/>
-              </a:rPr>
-              <a:t>Design</a:t>
-            </a:r>
-            <a:endParaRPr lang="da-DK" sz="1000" b="1" cap="all" spc="200" dirty="0" smtClean="0">
-              <a:solidFill>
-                <a:schemeClr val="accent1">
-                  <a:lumMod val="75000"/>
-                </a:schemeClr>
-              </a:solidFill>
-              <a:latin typeface="Arial"/>
-              <a:cs typeface="Arial"/>
-            </a:endParaRPr>
+                    <a:alpha val="50000"/>
+                  </a:schemeClr>
+                </a:solidFill>
+                <a:latin typeface="Arial"/>
+                <a:cs typeface="Arial"/>
+              </a:rPr>
+              <a:t>Conclusion</a:t>
+            </a:r>
           </a:p>
           <a:p>
             <a:pPr marL="12700">
@@ -5911,117 +5830,7 @@
                 <a:solidFill>
                   <a:schemeClr val="accent1">
                     <a:lumMod val="75000"/>
-                    <a:alpha val="30000"/>
-                  </a:schemeClr>
-                </a:solidFill>
-                <a:latin typeface="Arial"/>
-                <a:cs typeface="Arial"/>
-              </a:rPr>
-              <a:t>OpenGL </a:t>
-            </a:r>
-            <a:r>
-              <a:rPr lang="da-DK" sz="1000" b="1" cap="all" spc="200" dirty="0" smtClean="0">
-                <a:solidFill>
-                  <a:schemeClr val="accent1">
-                    <a:lumMod val="75000"/>
-                    <a:alpha val="30000"/>
-                  </a:schemeClr>
-                </a:solidFill>
-                <a:latin typeface="Arial"/>
-                <a:cs typeface="Arial"/>
-              </a:rPr>
-              <a:t>ES</a:t>
-            </a:r>
-          </a:p>
-          <a:p>
-            <a:pPr marL="12700">
-              <a:lnSpc>
-                <a:spcPct val="100000"/>
-              </a:lnSpc>
-            </a:pPr>
-            <a:endParaRPr lang="da-DK" sz="1000" b="1" cap="all" spc="200" dirty="0" smtClean="0">
-              <a:solidFill>
-                <a:schemeClr val="accent1">
-                  <a:lumMod val="75000"/>
-                  <a:alpha val="30000"/>
-                </a:schemeClr>
-              </a:solidFill>
-              <a:latin typeface="Arial"/>
-              <a:cs typeface="Arial"/>
-            </a:endParaRPr>
-          </a:p>
-          <a:p>
-            <a:pPr marL="12700">
-              <a:lnSpc>
-                <a:spcPct val="100000"/>
-              </a:lnSpc>
-            </a:pPr>
-            <a:r>
-              <a:rPr lang="da-DK" sz="1000" b="1" cap="all" spc="200" dirty="0" smtClean="0">
-                <a:solidFill>
-                  <a:schemeClr val="accent1">
-                    <a:lumMod val="75000"/>
-                    <a:alpha val="30000"/>
-                  </a:schemeClr>
-                </a:solidFill>
-                <a:latin typeface="Arial"/>
-                <a:cs typeface="Arial"/>
-              </a:rPr>
-              <a:t>Implementation</a:t>
-            </a:r>
-            <a:endParaRPr lang="da-DK" sz="1000" b="1" cap="all" spc="200" dirty="0" smtClean="0">
-              <a:solidFill>
-                <a:schemeClr val="accent1">
-                  <a:lumMod val="75000"/>
-                  <a:alpha val="30000"/>
-                </a:schemeClr>
-              </a:solidFill>
-              <a:latin typeface="Arial"/>
-              <a:cs typeface="Arial"/>
-            </a:endParaRPr>
-          </a:p>
-          <a:p>
-            <a:pPr marL="12700">
-              <a:lnSpc>
-                <a:spcPct val="100000"/>
-              </a:lnSpc>
-            </a:pPr>
-            <a:r>
-              <a:rPr lang="da-DK" sz="1000" b="1" cap="all" spc="200" dirty="0" smtClean="0">
-                <a:solidFill>
-                  <a:schemeClr val="accent1">
-                    <a:lumMod val="75000"/>
-                    <a:alpha val="30000"/>
-                  </a:schemeClr>
-                </a:solidFill>
-                <a:latin typeface="Arial"/>
-                <a:cs typeface="Arial"/>
-              </a:rPr>
-              <a:t>Conclusion</a:t>
-            </a:r>
-            <a:endParaRPr lang="da-DK" sz="1000" b="1" cap="all" spc="200" dirty="0" smtClean="0">
-              <a:solidFill>
-                <a:schemeClr val="accent1">
-                  <a:lumMod val="75000"/>
-                  <a:alpha val="30000"/>
-                </a:schemeClr>
-              </a:solidFill>
-              <a:latin typeface="Arial"/>
-              <a:cs typeface="Arial"/>
-            </a:endParaRPr>
-          </a:p>
-          <a:p>
-            <a:pPr marL="12700">
-              <a:lnSpc>
-                <a:spcPct val="100000"/>
-              </a:lnSpc>
-            </a:pPr>
-            <a:r>
-              <a:rPr lang="da-DK" sz="1000" b="1" cap="all" spc="200" dirty="0" smtClean="0">
-                <a:solidFill>
-                  <a:schemeClr val="accent1">
-                    <a:lumMod val="75000"/>
-                    <a:alpha val="30000"/>
+                    <a:alpha val="50000"/>
                   </a:schemeClr>
                 </a:solidFill>
                 <a:latin typeface="Arial"/>
@@ -6069,22 +5878,13 @@
               </a:rPr>
               <a:t>Figure 7.12: Page 59</a:t>
             </a:r>
-            <a:endParaRPr lang="en-GB" sz="1200" dirty="0" smtClean="0">
-              <a:solidFill>
-                <a:schemeClr val="accent1">
-                  <a:lumMod val="75000"/>
-                </a:schemeClr>
-              </a:solidFill>
-              <a:latin typeface="Arial" pitchFamily="34" charset="0"/>
-              <a:cs typeface="Arial" pitchFamily="34" charset="0"/>
-            </a:endParaRPr>
           </a:p>
         </p:txBody>
       </p:sp>
     </p:spTree>
     <p:extLst>
       <p:ext uri="{BB962C8B-B14F-4D97-AF65-F5344CB8AC3E}">
-        <p14:creationId xmlns:p14="http://schemas.microsoft.com/office/powerpoint/2010/main" xmlns="" val="585023994"/>
+        <p14:creationId xmlns="" xmlns:p14="http://schemas.microsoft.com/office/powerpoint/2010/main" val="585023994"/>
       </p:ext>
     </p:extLst>
   </p:cSld>
@@ -6092,7 +5892,7 @@
     <a:masterClrMapping/>
   </p:clrMapOvr>
   <mc:AlternateContent xmlns:mc="http://schemas.openxmlformats.org/markup-compatibility/2006">
-    <mc:Choice xmlns:p14="http://schemas.microsoft.com/office/powerpoint/2010/main" xmlns="" Requires="p14">
+    <mc:Choice xmlns="" xmlns:p14="http://schemas.microsoft.com/office/powerpoint/2010/main" Requires="p14">
       <p:transition p14:dur="250">
         <p:fade/>
       </p:transition>
@@ -6374,6 +6174,32 @@
               <a:t> </a:t>
             </a:r>
             <a:r>
+              <a:rPr lang="da-DK" sz="850" b="1" kern="0" cap="all" spc="200" dirty="0" smtClean="0">
+                <a:solidFill>
+                  <a:schemeClr val="tx1">
+                    <a:lumMod val="50000"/>
+                    <a:lumOff val="50000"/>
+                  </a:schemeClr>
+                </a:solidFill>
+                <a:latin typeface="Arial"/>
+                <a:cs typeface="Arial"/>
+              </a:rPr>
+              <a:t>31</a:t>
+            </a:r>
+            <a:r>
+              <a:rPr lang="da-DK" sz="850" b="1" kern="0" cap="all" spc="200" dirty="0" smtClean="0">
+                <a:solidFill>
+                  <a:schemeClr val="tx1">
+                    <a:lumMod val="50000"/>
+                    <a:lumOff val="50000"/>
+                  </a:schemeClr>
+                </a:solidFill>
+                <a:latin typeface="Arial"/>
+                <a:cs typeface="Arial"/>
+              </a:rPr>
+              <a:t>  </a:t>
+            </a:r>
+            <a:r>
               <a:rPr lang="da-DK" sz="850" b="1" kern="0" cap="all" spc="200" dirty="0">
                 <a:solidFill>
                   <a:schemeClr val="tx1">
@@ -6384,7 +6210,7 @@
                 <a:latin typeface="Arial"/>
                 <a:cs typeface="Arial"/>
               </a:rPr>
-              <a:t>24  | </a:t>
+              <a:t>| </a:t>
             </a:r>
             <a:r>
               <a:rPr lang="da-DK" sz="850" b="1" kern="0" spc="200" dirty="0" smtClean="0">
@@ -6527,7 +6353,7 @@
         </p:blipFill>
         <p:spPr bwMode="auto">
           <a:xfrm>
-            <a:off x="539552" y="2457571"/>
+            <a:off x="539552" y="2673595"/>
             <a:ext cx="8166323" cy="2339581"/>
           </a:xfrm>
           <a:prstGeom prst="rect">
@@ -6574,7 +6400,7 @@
                 <a:solidFill>
                   <a:schemeClr val="accent1">
                     <a:lumMod val="75000"/>
-                    <a:alpha val="30000"/>
+                    <a:alpha val="50000"/>
                   </a:schemeClr>
                 </a:solidFill>
                 <a:latin typeface="Arial"/>
@@ -6582,11 +6408,57 @@
               </a:rPr>
               <a:t>GIRAF</a:t>
             </a:r>
+          </a:p>
+          <a:p>
+            <a:pPr marL="12700">
+              <a:lnSpc>
+                <a:spcPct val="100000"/>
+              </a:lnSpc>
+            </a:pPr>
+            <a:r>
+              <a:rPr lang="da-DK" sz="1000" b="1" cap="all" spc="200" dirty="0" smtClean="0">
+                <a:solidFill>
+                  <a:schemeClr val="accent1">
+                    <a:lumMod val="75000"/>
+                  </a:schemeClr>
+                </a:solidFill>
+                <a:latin typeface="Arial"/>
+                <a:cs typeface="Arial"/>
+              </a:rPr>
+              <a:t>Game Design</a:t>
+            </a:r>
+          </a:p>
+          <a:p>
+            <a:pPr marL="12700">
+              <a:lnSpc>
+                <a:spcPct val="100000"/>
+              </a:lnSpc>
+            </a:pPr>
+            <a:r>
+              <a:rPr lang="da-DK" sz="1000" b="1" cap="all" spc="200" dirty="0" smtClean="0">
+                <a:solidFill>
+                  <a:schemeClr val="accent1">
+                    <a:lumMod val="75000"/>
+                    <a:alpha val="50000"/>
+                  </a:schemeClr>
+                </a:solidFill>
+                <a:latin typeface="Arial"/>
+                <a:cs typeface="Arial"/>
+              </a:rPr>
+              <a:t>OpenGL ES</a:t>
+            </a:r>
+          </a:p>
+          <a:p>
+            <a:pPr marL="12700">
+              <a:lnSpc>
+                <a:spcPct val="100000"/>
+              </a:lnSpc>
+            </a:pPr>
             <a:endParaRPr lang="da-DK" sz="1000" b="1" cap="all" spc="200" dirty="0" smtClean="0">
               <a:solidFill>
                 <a:schemeClr val="accent1">
                   <a:lumMod val="75000"/>
-                  <a:alpha val="30000"/>
+                  <a:alpha val="50000"/>
                 </a:schemeClr>
               </a:solidFill>
               <a:latin typeface="Arial"/>
@@ -6604,34 +6476,34 @@
                 <a:solidFill>
                   <a:schemeClr val="accent1">
                     <a:lumMod val="75000"/>
-                  </a:schemeClr>
-                </a:solidFill>
-                <a:latin typeface="Arial"/>
-                <a:cs typeface="Arial"/>
-              </a:rPr>
-              <a:t>Game </a:t>
-            </a:r>
+                    <a:alpha val="50000"/>
+                  </a:schemeClr>
+                </a:solidFill>
+                <a:latin typeface="Arial"/>
+                <a:cs typeface="Arial"/>
+              </a:rPr>
+              <a:t>Implementation</a:t>
+            </a:r>
+          </a:p>
+          <a:p>
+            <a:pPr marL="12700">
+              <a:lnSpc>
+                <a:spcPct val="100000"/>
+              </a:lnSpc>
+            </a:pPr>
             <a:r>
               <a:rPr lang="da-DK" sz="1000" b="1" cap="all" spc="200" dirty="0" smtClean="0">
                 <a:solidFill>
                   <a:schemeClr val="accent1">
                     <a:lumMod val="75000"/>
-                  </a:schemeClr>
-                </a:solidFill>
-                <a:latin typeface="Arial"/>
-                <a:cs typeface="Arial"/>
-              </a:rPr>
-              <a:t>Design</a:t>
-            </a:r>
-            <a:endParaRPr lang="da-DK" sz="1000" b="1" cap="all" spc="200" dirty="0" smtClean="0">
-              <a:solidFill>
-                <a:schemeClr val="accent1">
-                  <a:lumMod val="75000"/>
-                </a:schemeClr>
-              </a:solidFill>
-              <a:latin typeface="Arial"/>
-              <a:cs typeface="Arial"/>
-            </a:endParaRPr>
+                    <a:alpha val="50000"/>
+                  </a:schemeClr>
+                </a:solidFill>
+                <a:latin typeface="Arial"/>
+                <a:cs typeface="Arial"/>
+              </a:rPr>
+              <a:t>Conclusion</a:t>
+            </a:r>
           </a:p>
           <a:p>
             <a:pPr marL="12700">
@@ -6644,117 +6516,7 @@
                 <a:solidFill>
                   <a:schemeClr val="accent1">
                     <a:lumMod val="75000"/>
-                    <a:alpha val="30000"/>
-                  </a:schemeClr>
-                </a:solidFill>
-                <a:latin typeface="Arial"/>
-                <a:cs typeface="Arial"/>
-              </a:rPr>
-              <a:t>OpenGL </a:t>
-            </a:r>
-            <a:r>
-              <a:rPr lang="da-DK" sz="1000" b="1" cap="all" spc="200" dirty="0" smtClean="0">
-                <a:solidFill>
-                  <a:schemeClr val="accent1">
-                    <a:lumMod val="75000"/>
-                    <a:alpha val="30000"/>
-                  </a:schemeClr>
-                </a:solidFill>
-                <a:latin typeface="Arial"/>
-                <a:cs typeface="Arial"/>
-              </a:rPr>
-              <a:t>ES</a:t>
-            </a:r>
-          </a:p>
-          <a:p>
-            <a:pPr marL="12700">
-              <a:lnSpc>
-                <a:spcPct val="100000"/>
-              </a:lnSpc>
-            </a:pPr>
-            <a:endParaRPr lang="da-DK" sz="1000" b="1" cap="all" spc="200" dirty="0" smtClean="0">
-              <a:solidFill>
-                <a:schemeClr val="accent1">
-                  <a:lumMod val="75000"/>
-                  <a:alpha val="30000"/>
-                </a:schemeClr>
-              </a:solidFill>
-              <a:latin typeface="Arial"/>
-              <a:cs typeface="Arial"/>
-            </a:endParaRPr>
-          </a:p>
-          <a:p>
-            <a:pPr marL="12700">
-              <a:lnSpc>
-                <a:spcPct val="100000"/>
-              </a:lnSpc>
-            </a:pPr>
-            <a:r>
-              <a:rPr lang="da-DK" sz="1000" b="1" cap="all" spc="200" dirty="0" smtClean="0">
-                <a:solidFill>
-                  <a:schemeClr val="accent1">
-                    <a:lumMod val="75000"/>
-                    <a:alpha val="30000"/>
-                  </a:schemeClr>
-                </a:solidFill>
-                <a:latin typeface="Arial"/>
-                <a:cs typeface="Arial"/>
-              </a:rPr>
-              <a:t>Implementation</a:t>
-            </a:r>
-            <a:endParaRPr lang="da-DK" sz="1000" b="1" cap="all" spc="200" dirty="0" smtClean="0">
-              <a:solidFill>
-                <a:schemeClr val="accent1">
-                  <a:lumMod val="75000"/>
-                  <a:alpha val="30000"/>
-                </a:schemeClr>
-              </a:solidFill>
-              <a:latin typeface="Arial"/>
-              <a:cs typeface="Arial"/>
-            </a:endParaRPr>
-          </a:p>
-          <a:p>
-            <a:pPr marL="12700">
-              <a:lnSpc>
-                <a:spcPct val="100000"/>
-              </a:lnSpc>
-            </a:pPr>
-            <a:r>
-              <a:rPr lang="da-DK" sz="1000" b="1" cap="all" spc="200" dirty="0" smtClean="0">
-                <a:solidFill>
-                  <a:schemeClr val="accent1">
-                    <a:lumMod val="75000"/>
-                    <a:alpha val="30000"/>
-                  </a:schemeClr>
-                </a:solidFill>
-                <a:latin typeface="Arial"/>
-                <a:cs typeface="Arial"/>
-              </a:rPr>
-              <a:t>Conclusion</a:t>
-            </a:r>
-            <a:endParaRPr lang="da-DK" sz="1000" b="1" cap="all" spc="200" dirty="0" smtClean="0">
-              <a:solidFill>
-                <a:schemeClr val="accent1">
-                  <a:lumMod val="75000"/>
-                  <a:alpha val="30000"/>
-                </a:schemeClr>
-              </a:solidFill>
-              <a:latin typeface="Arial"/>
-              <a:cs typeface="Arial"/>
-            </a:endParaRPr>
-          </a:p>
-          <a:p>
-            <a:pPr marL="12700">
-              <a:lnSpc>
-                <a:spcPct val="100000"/>
-              </a:lnSpc>
-            </a:pPr>
-            <a:r>
-              <a:rPr lang="da-DK" sz="1000" b="1" cap="all" spc="200" dirty="0" smtClean="0">
-                <a:solidFill>
-                  <a:schemeClr val="accent1">
-                    <a:lumMod val="75000"/>
-                    <a:alpha val="30000"/>
+                    <a:alpha val="50000"/>
                   </a:schemeClr>
                 </a:solidFill>
                 <a:latin typeface="Arial"/>
@@ -6776,7 +6538,7 @@
         </p:nvSpPr>
         <p:spPr>
           <a:xfrm>
-            <a:off x="3635896" y="4880193"/>
+            <a:off x="3923928" y="5096217"/>
             <a:ext cx="1656184" cy="276999"/>
           </a:xfrm>
           <a:prstGeom prst="rect">
@@ -6802,22 +6564,13 @@
               </a:rPr>
               <a:t>Figure 7.4: Page 54</a:t>
             </a:r>
-            <a:endParaRPr lang="en-GB" sz="1200" dirty="0" smtClean="0">
-              <a:solidFill>
-                <a:schemeClr val="accent1">
-                  <a:lumMod val="75000"/>
-                </a:schemeClr>
-              </a:solidFill>
-              <a:latin typeface="Arial" pitchFamily="34" charset="0"/>
-              <a:cs typeface="Arial" pitchFamily="34" charset="0"/>
-            </a:endParaRPr>
           </a:p>
         </p:txBody>
       </p:sp>
     </p:spTree>
     <p:extLst>
       <p:ext uri="{BB962C8B-B14F-4D97-AF65-F5344CB8AC3E}">
-        <p14:creationId xmlns:p14="http://schemas.microsoft.com/office/powerpoint/2010/main" xmlns="" val="585023994"/>
+        <p14:creationId xmlns="" xmlns:p14="http://schemas.microsoft.com/office/powerpoint/2010/main" val="585023994"/>
       </p:ext>
     </p:extLst>
   </p:cSld>
@@ -6825,7 +6578,7 @@
     <a:masterClrMapping/>
   </p:clrMapOvr>
   <mc:AlternateContent xmlns:mc="http://schemas.openxmlformats.org/markup-compatibility/2006">
-    <mc:Choice xmlns:p14="http://schemas.microsoft.com/office/powerpoint/2010/main" xmlns="" Requires="p14">
+    <mc:Choice xmlns="" xmlns:p14="http://schemas.microsoft.com/office/powerpoint/2010/main" Requires="p14">
       <p:transition p14:dur="250">
         <p:fade/>
       </p:transition>
@@ -7044,6 +6797,19 @@
               <a:t> </a:t>
             </a:r>
             <a:r>
+              <a:rPr lang="da-DK" sz="850" b="1" kern="0" cap="all" spc="200" dirty="0" smtClean="0">
+                <a:solidFill>
+                  <a:schemeClr val="tx1">
+                    <a:lumMod val="50000"/>
+                    <a:lumOff val="50000"/>
+                  </a:schemeClr>
+                </a:solidFill>
+                <a:latin typeface="Arial"/>
+                <a:cs typeface="Arial"/>
+              </a:rPr>
+              <a:t>31  </a:t>
+            </a:r>
+            <a:r>
               <a:rPr lang="da-DK" sz="850" b="1" kern="0" cap="all" spc="200" dirty="0">
                 <a:solidFill>
                   <a:schemeClr val="tx1">
@@ -7054,7 +6820,7 @@
                 <a:latin typeface="Arial"/>
                 <a:cs typeface="Arial"/>
               </a:rPr>
-              <a:t>24  | </a:t>
+              <a:t>| </a:t>
             </a:r>
             <a:r>
               <a:rPr lang="da-DK" sz="850" b="1" kern="0" spc="200" dirty="0" smtClean="0">
@@ -7244,7 +7010,7 @@
                 <a:solidFill>
                   <a:schemeClr val="accent1">
                     <a:lumMod val="75000"/>
-                    <a:alpha val="30000"/>
+                    <a:alpha val="50000"/>
                   </a:schemeClr>
                 </a:solidFill>
                 <a:latin typeface="Arial"/>
@@ -7252,11 +7018,57 @@
               </a:rPr>
               <a:t>GIRAF</a:t>
             </a:r>
+          </a:p>
+          <a:p>
+            <a:pPr marL="12700">
+              <a:lnSpc>
+                <a:spcPct val="100000"/>
+              </a:lnSpc>
+            </a:pPr>
+            <a:r>
+              <a:rPr lang="da-DK" sz="1000" b="1" cap="all" spc="200" dirty="0" smtClean="0">
+                <a:solidFill>
+                  <a:schemeClr val="accent1">
+                    <a:lumMod val="75000"/>
+                  </a:schemeClr>
+                </a:solidFill>
+                <a:latin typeface="Arial"/>
+                <a:cs typeface="Arial"/>
+              </a:rPr>
+              <a:t>Game Design</a:t>
+            </a:r>
+          </a:p>
+          <a:p>
+            <a:pPr marL="12700">
+              <a:lnSpc>
+                <a:spcPct val="100000"/>
+              </a:lnSpc>
+            </a:pPr>
+            <a:r>
+              <a:rPr lang="da-DK" sz="1000" b="1" cap="all" spc="200" dirty="0" smtClean="0">
+                <a:solidFill>
+                  <a:schemeClr val="accent1">
+                    <a:lumMod val="75000"/>
+                    <a:alpha val="50000"/>
+                  </a:schemeClr>
+                </a:solidFill>
+                <a:latin typeface="Arial"/>
+                <a:cs typeface="Arial"/>
+              </a:rPr>
+              <a:t>OpenGL ES</a:t>
+            </a:r>
+          </a:p>
+          <a:p>
+            <a:pPr marL="12700">
+              <a:lnSpc>
+                <a:spcPct val="100000"/>
+              </a:lnSpc>
+            </a:pPr>
             <a:endParaRPr lang="da-DK" sz="1000" b="1" cap="all" spc="200" dirty="0" smtClean="0">
               <a:solidFill>
                 <a:schemeClr val="accent1">
                   <a:lumMod val="75000"/>
-                  <a:alpha val="30000"/>
+                  <a:alpha val="50000"/>
                 </a:schemeClr>
               </a:solidFill>
               <a:latin typeface="Arial"/>
@@ -7274,34 +7086,34 @@
                 <a:solidFill>
                   <a:schemeClr val="accent1">
                     <a:lumMod val="75000"/>
-                  </a:schemeClr>
-                </a:solidFill>
-                <a:latin typeface="Arial"/>
-                <a:cs typeface="Arial"/>
-              </a:rPr>
-              <a:t>Game </a:t>
-            </a:r>
+                    <a:alpha val="50000"/>
+                  </a:schemeClr>
+                </a:solidFill>
+                <a:latin typeface="Arial"/>
+                <a:cs typeface="Arial"/>
+              </a:rPr>
+              <a:t>Implementation</a:t>
+            </a:r>
+          </a:p>
+          <a:p>
+            <a:pPr marL="12700">
+              <a:lnSpc>
+                <a:spcPct val="100000"/>
+              </a:lnSpc>
+            </a:pPr>
             <a:r>
               <a:rPr lang="da-DK" sz="1000" b="1" cap="all" spc="200" dirty="0" smtClean="0">
                 <a:solidFill>
                   <a:schemeClr val="accent1">
                     <a:lumMod val="75000"/>
-                  </a:schemeClr>
-                </a:solidFill>
-                <a:latin typeface="Arial"/>
-                <a:cs typeface="Arial"/>
-              </a:rPr>
-              <a:t>Design</a:t>
-            </a:r>
-            <a:endParaRPr lang="da-DK" sz="1000" b="1" cap="all" spc="200" dirty="0" smtClean="0">
-              <a:solidFill>
-                <a:schemeClr val="accent1">
-                  <a:lumMod val="75000"/>
-                </a:schemeClr>
-              </a:solidFill>
-              <a:latin typeface="Arial"/>
-              <a:cs typeface="Arial"/>
-            </a:endParaRPr>
+                    <a:alpha val="50000"/>
+                  </a:schemeClr>
+                </a:solidFill>
+                <a:latin typeface="Arial"/>
+                <a:cs typeface="Arial"/>
+              </a:rPr>
+              <a:t>Conclusion</a:t>
+            </a:r>
           </a:p>
           <a:p>
             <a:pPr marL="12700">
@@ -7314,117 +7126,7 @@
                 <a:solidFill>
                   <a:schemeClr val="accent1">
                     <a:lumMod val="75000"/>
-                    <a:alpha val="30000"/>
-                  </a:schemeClr>
-                </a:solidFill>
-                <a:latin typeface="Arial"/>
-                <a:cs typeface="Arial"/>
-              </a:rPr>
-              <a:t>OpenGL </a:t>
-            </a:r>
-            <a:r>
-              <a:rPr lang="da-DK" sz="1000" b="1" cap="all" spc="200" dirty="0" smtClean="0">
-                <a:solidFill>
-                  <a:schemeClr val="accent1">
-                    <a:lumMod val="75000"/>
-                    <a:alpha val="30000"/>
-                  </a:schemeClr>
-                </a:solidFill>
-                <a:latin typeface="Arial"/>
-                <a:cs typeface="Arial"/>
-              </a:rPr>
-              <a:t>ES</a:t>
-            </a:r>
-          </a:p>
-          <a:p>
-            <a:pPr marL="12700">
-              <a:lnSpc>
-                <a:spcPct val="100000"/>
-              </a:lnSpc>
-            </a:pPr>
-            <a:endParaRPr lang="da-DK" sz="1000" b="1" cap="all" spc="200" dirty="0" smtClean="0">
-              <a:solidFill>
-                <a:schemeClr val="accent1">
-                  <a:lumMod val="75000"/>
-                  <a:alpha val="30000"/>
-                </a:schemeClr>
-              </a:solidFill>
-              <a:latin typeface="Arial"/>
-              <a:cs typeface="Arial"/>
-            </a:endParaRPr>
-          </a:p>
-          <a:p>
-            <a:pPr marL="12700">
-              <a:lnSpc>
-                <a:spcPct val="100000"/>
-              </a:lnSpc>
-            </a:pPr>
-            <a:r>
-              <a:rPr lang="da-DK" sz="1000" b="1" cap="all" spc="200" dirty="0" smtClean="0">
-                <a:solidFill>
-                  <a:schemeClr val="accent1">
-                    <a:lumMod val="75000"/>
-                    <a:alpha val="30000"/>
-                  </a:schemeClr>
-                </a:solidFill>
-                <a:latin typeface="Arial"/>
-                <a:cs typeface="Arial"/>
-              </a:rPr>
-              <a:t>Implementation</a:t>
-            </a:r>
-            <a:endParaRPr lang="da-DK" sz="1000" b="1" cap="all" spc="200" dirty="0" smtClean="0">
-              <a:solidFill>
-                <a:schemeClr val="accent1">
-                  <a:lumMod val="75000"/>
-                  <a:alpha val="30000"/>
-                </a:schemeClr>
-              </a:solidFill>
-              <a:latin typeface="Arial"/>
-              <a:cs typeface="Arial"/>
-            </a:endParaRPr>
-          </a:p>
-          <a:p>
-            <a:pPr marL="12700">
-              <a:lnSpc>
-                <a:spcPct val="100000"/>
-              </a:lnSpc>
-            </a:pPr>
-            <a:r>
-              <a:rPr lang="da-DK" sz="1000" b="1" cap="all" spc="200" dirty="0" smtClean="0">
-                <a:solidFill>
-                  <a:schemeClr val="accent1">
-                    <a:lumMod val="75000"/>
-                    <a:alpha val="30000"/>
-                  </a:schemeClr>
-                </a:solidFill>
-                <a:latin typeface="Arial"/>
-                <a:cs typeface="Arial"/>
-              </a:rPr>
-              <a:t>Conclusion</a:t>
-            </a:r>
-            <a:endParaRPr lang="da-DK" sz="1000" b="1" cap="all" spc="200" dirty="0" smtClean="0">
-              <a:solidFill>
-                <a:schemeClr val="accent1">
-                  <a:lumMod val="75000"/>
-                  <a:alpha val="30000"/>
-                </a:schemeClr>
-              </a:solidFill>
-              <a:latin typeface="Arial"/>
-              <a:cs typeface="Arial"/>
-            </a:endParaRPr>
-          </a:p>
-          <a:p>
-            <a:pPr marL="12700">
-              <a:lnSpc>
-                <a:spcPct val="100000"/>
-              </a:lnSpc>
-            </a:pPr>
-            <a:r>
-              <a:rPr lang="da-DK" sz="1000" b="1" cap="all" spc="200" dirty="0" smtClean="0">
-                <a:solidFill>
-                  <a:schemeClr val="accent1">
-                    <a:lumMod val="75000"/>
-                    <a:alpha val="30000"/>
+                    <a:alpha val="50000"/>
                   </a:schemeClr>
                 </a:solidFill>
                 <a:latin typeface="Arial"/>
@@ -7446,7 +7148,7 @@
         </p:nvSpPr>
         <p:spPr>
           <a:xfrm>
-            <a:off x="3707904" y="5517232"/>
+            <a:off x="3923928" y="5517232"/>
             <a:ext cx="1656184" cy="276999"/>
           </a:xfrm>
           <a:prstGeom prst="rect">
@@ -7472,22 +7174,13 @@
               </a:rPr>
               <a:t>Figure 7.13: Page 59</a:t>
             </a:r>
-            <a:endParaRPr lang="en-GB" sz="1200" dirty="0" smtClean="0">
-              <a:solidFill>
-                <a:schemeClr val="accent1">
-                  <a:lumMod val="75000"/>
-                </a:schemeClr>
-              </a:solidFill>
-              <a:latin typeface="Arial" pitchFamily="34" charset="0"/>
-              <a:cs typeface="Arial" pitchFamily="34" charset="0"/>
-            </a:endParaRPr>
           </a:p>
         </p:txBody>
       </p:sp>
     </p:spTree>
     <p:extLst>
       <p:ext uri="{BB962C8B-B14F-4D97-AF65-F5344CB8AC3E}">
-        <p14:creationId xmlns:p14="http://schemas.microsoft.com/office/powerpoint/2010/main" xmlns="" val="585023994"/>
+        <p14:creationId xmlns="" xmlns:p14="http://schemas.microsoft.com/office/powerpoint/2010/main" val="585023994"/>
       </p:ext>
     </p:extLst>
   </p:cSld>
@@ -7495,7 +7188,7 @@
     <a:masterClrMapping/>
   </p:clrMapOvr>
   <mc:AlternateContent xmlns:mc="http://schemas.openxmlformats.org/markup-compatibility/2006">
-    <mc:Choice xmlns:p14="http://schemas.microsoft.com/office/powerpoint/2010/main" xmlns="" Requires="p14">
+    <mc:Choice xmlns="" xmlns:p14="http://schemas.microsoft.com/office/powerpoint/2010/main" Requires="p14">
       <p:transition p14:dur="250">
         <p:fade/>
       </p:transition>
@@ -7602,7 +7295,7 @@
           <a:blip r:embed="rId2" cstate="print">
             <a:extLst>
               <a:ext uri="{28A0092B-C50C-407E-A947-70E740481C1C}">
-                <a14:useLocalDpi xmlns:a14="http://schemas.microsoft.com/office/drawing/2010/main" xmlns="" val="0"/>
+                <a14:useLocalDpi xmlns="" xmlns:a14="http://schemas.microsoft.com/office/drawing/2010/main" val="0"/>
               </a:ext>
             </a:extLst>
           </a:blip>
@@ -7709,7 +7402,7 @@
     </p:spTree>
     <p:extLst>
       <p:ext uri="{BB962C8B-B14F-4D97-AF65-F5344CB8AC3E}">
-        <p14:creationId xmlns:p14="http://schemas.microsoft.com/office/powerpoint/2010/main" xmlns="" val="3425622471"/>
+        <p14:creationId xmlns="" xmlns:p14="http://schemas.microsoft.com/office/powerpoint/2010/main" val="3425622471"/>
       </p:ext>
     </p:extLst>
   </p:cSld>
@@ -7717,7 +7410,7 @@
     <a:masterClrMapping/>
   </p:clrMapOvr>
   <mc:AlternateContent xmlns:mc="http://schemas.openxmlformats.org/markup-compatibility/2006">
-    <mc:Choice xmlns:p14="http://schemas.microsoft.com/office/powerpoint/2010/main" xmlns="" Requires="p14">
+    <mc:Choice xmlns="" xmlns:p14="http://schemas.microsoft.com/office/powerpoint/2010/main" Requires="p14">
       <p:transition p14:dur="250">
         <p:fade/>
       </p:transition>
@@ -8017,6 +7710,19 @@
               <a:t> </a:t>
             </a:r>
             <a:r>
+              <a:rPr lang="da-DK" sz="850" b="1" kern="0" cap="all" spc="200" dirty="0" smtClean="0">
+                <a:solidFill>
+                  <a:schemeClr val="tx1">
+                    <a:lumMod val="50000"/>
+                    <a:lumOff val="50000"/>
+                  </a:schemeClr>
+                </a:solidFill>
+                <a:latin typeface="Arial"/>
+                <a:cs typeface="Arial"/>
+              </a:rPr>
+              <a:t>31  </a:t>
+            </a:r>
+            <a:r>
               <a:rPr lang="da-DK" sz="850" b="1" kern="0" cap="all" spc="200" dirty="0">
                 <a:solidFill>
                   <a:schemeClr val="tx1">
@@ -8027,7 +7733,7 @@
                 <a:latin typeface="Arial"/>
                 <a:cs typeface="Arial"/>
               </a:rPr>
-              <a:t>24  | </a:t>
+              <a:t>| </a:t>
             </a:r>
             <a:r>
               <a:rPr lang="da-DK" sz="850" b="1" kern="0" spc="200" dirty="0" smtClean="0">
@@ -8185,7 +7891,7 @@
                 <a:solidFill>
                   <a:schemeClr val="accent1">
                     <a:lumMod val="75000"/>
-                    <a:alpha val="30000"/>
+                    <a:alpha val="50000"/>
                   </a:schemeClr>
                 </a:solidFill>
                 <a:latin typeface="Arial"/>
@@ -8193,6 +7899,52 @@
               </a:rPr>
               <a:t>GIRAF</a:t>
             </a:r>
+          </a:p>
+          <a:p>
+            <a:pPr marL="12700">
+              <a:lnSpc>
+                <a:spcPct val="100000"/>
+              </a:lnSpc>
+            </a:pPr>
+            <a:r>
+              <a:rPr lang="da-DK" sz="1000" b="1" cap="all" spc="200" dirty="0" smtClean="0">
+                <a:solidFill>
+                  <a:schemeClr val="accent1">
+                    <a:lumMod val="75000"/>
+                    <a:alpha val="50000"/>
+                  </a:schemeClr>
+                </a:solidFill>
+                <a:latin typeface="Arial"/>
+                <a:cs typeface="Arial"/>
+              </a:rPr>
+              <a:t>Game Design</a:t>
+            </a:r>
+          </a:p>
+          <a:p>
+            <a:pPr marL="12700">
+              <a:lnSpc>
+                <a:spcPct val="100000"/>
+              </a:lnSpc>
+            </a:pPr>
+            <a:r>
+              <a:rPr lang="da-DK" sz="1000" b="1" cap="all" spc="200" dirty="0" smtClean="0">
+                <a:solidFill>
+                  <a:schemeClr val="accent1">
+                    <a:lumMod val="75000"/>
+                  </a:schemeClr>
+                </a:solidFill>
+                <a:latin typeface="Arial"/>
+                <a:cs typeface="Arial"/>
+              </a:rPr>
+              <a:t>OpenGL ES</a:t>
+            </a:r>
+          </a:p>
+          <a:p>
+            <a:pPr marL="12700">
+              <a:lnSpc>
+                <a:spcPct val="100000"/>
+              </a:lnSpc>
+            </a:pPr>
             <a:endParaRPr lang="da-DK" sz="1000" b="1" cap="all" spc="200" dirty="0" smtClean="0">
               <a:solidFill>
                 <a:schemeClr val="accent1">
@@ -8215,37 +7967,34 @@
                 <a:solidFill>
                   <a:schemeClr val="accent1">
                     <a:lumMod val="75000"/>
-                    <a:alpha val="30000"/>
-                  </a:schemeClr>
-                </a:solidFill>
-                <a:latin typeface="Arial"/>
-                <a:cs typeface="Arial"/>
-              </a:rPr>
-              <a:t>Game </a:t>
-            </a:r>
+                    <a:alpha val="50000"/>
+                  </a:schemeClr>
+                </a:solidFill>
+                <a:latin typeface="Arial"/>
+                <a:cs typeface="Arial"/>
+              </a:rPr>
+              <a:t>Implementation</a:t>
+            </a:r>
+          </a:p>
+          <a:p>
+            <a:pPr marL="12700">
+              <a:lnSpc>
+                <a:spcPct val="100000"/>
+              </a:lnSpc>
+            </a:pPr>
             <a:r>
               <a:rPr lang="da-DK" sz="1000" b="1" cap="all" spc="200" dirty="0" smtClean="0">
                 <a:solidFill>
                   <a:schemeClr val="accent1">
                     <a:lumMod val="75000"/>
-                    <a:alpha val="30000"/>
-                  </a:schemeClr>
-                </a:solidFill>
-                <a:latin typeface="Arial"/>
-                <a:cs typeface="Arial"/>
-              </a:rPr>
-              <a:t>Design</a:t>
-            </a:r>
-            <a:endParaRPr lang="da-DK" sz="1000" b="1" cap="all" spc="200" dirty="0" smtClean="0">
-              <a:solidFill>
-                <a:schemeClr val="accent1">
-                  <a:lumMod val="75000"/>
-                  <a:alpha val="30000"/>
-                </a:schemeClr>
-              </a:solidFill>
-              <a:latin typeface="Arial"/>
-              <a:cs typeface="Arial"/>
-            </a:endParaRPr>
+                    <a:alpha val="50000"/>
+                  </a:schemeClr>
+                </a:solidFill>
+                <a:latin typeface="Arial"/>
+                <a:cs typeface="Arial"/>
+              </a:rPr>
+              <a:t>Conclusion</a:t>
+            </a:r>
           </a:p>
           <a:p>
             <a:pPr marL="12700">
@@ -8258,115 +8007,7 @@
                 <a:solidFill>
                   <a:schemeClr val="accent1">
                     <a:lumMod val="75000"/>
-                  </a:schemeClr>
-                </a:solidFill>
-                <a:latin typeface="Arial"/>
-                <a:cs typeface="Arial"/>
-              </a:rPr>
-              <a:t>OpenGL </a:t>
-            </a:r>
-            <a:r>
-              <a:rPr lang="da-DK" sz="1000" b="1" cap="all" spc="200" dirty="0" smtClean="0">
-                <a:solidFill>
-                  <a:schemeClr val="accent1">
-                    <a:lumMod val="75000"/>
-                  </a:schemeClr>
-                </a:solidFill>
-                <a:latin typeface="Arial"/>
-                <a:cs typeface="Arial"/>
-              </a:rPr>
-              <a:t>ES</a:t>
-            </a:r>
-          </a:p>
-          <a:p>
-            <a:pPr marL="12700">
-              <a:lnSpc>
-                <a:spcPct val="100000"/>
-              </a:lnSpc>
-            </a:pPr>
-            <a:endParaRPr lang="da-DK" sz="1000" b="1" cap="all" spc="200" dirty="0" smtClean="0">
-              <a:solidFill>
-                <a:schemeClr val="accent1">
-                  <a:lumMod val="75000"/>
-                  <a:alpha val="30000"/>
-                </a:schemeClr>
-              </a:solidFill>
-              <a:latin typeface="Arial"/>
-              <a:cs typeface="Arial"/>
-            </a:endParaRPr>
-          </a:p>
-          <a:p>
-            <a:pPr marL="12700">
-              <a:lnSpc>
-                <a:spcPct val="100000"/>
-              </a:lnSpc>
-            </a:pPr>
-            <a:r>
-              <a:rPr lang="da-DK" sz="1000" b="1" cap="all" spc="200" dirty="0" smtClean="0">
-                <a:solidFill>
-                  <a:schemeClr val="accent1">
-                    <a:lumMod val="75000"/>
-                    <a:alpha val="30000"/>
-                  </a:schemeClr>
-                </a:solidFill>
-                <a:latin typeface="Arial"/>
-                <a:cs typeface="Arial"/>
-              </a:rPr>
-              <a:t>Implementation</a:t>
-            </a:r>
-            <a:endParaRPr lang="da-DK" sz="1000" b="1" cap="all" spc="200" dirty="0" smtClean="0">
-              <a:solidFill>
-                <a:schemeClr val="accent1">
-                  <a:lumMod val="75000"/>
-                  <a:alpha val="30000"/>
-                </a:schemeClr>
-              </a:solidFill>
-              <a:latin typeface="Arial"/>
-              <a:cs typeface="Arial"/>
-            </a:endParaRPr>
-          </a:p>
-          <a:p>
-            <a:pPr marL="12700">
-              <a:lnSpc>
-                <a:spcPct val="100000"/>
-              </a:lnSpc>
-            </a:pPr>
-            <a:r>
-              <a:rPr lang="da-DK" sz="1000" b="1" cap="all" spc="200" dirty="0" smtClean="0">
-                <a:solidFill>
-                  <a:schemeClr val="accent1">
-                    <a:lumMod val="75000"/>
-                    <a:alpha val="30000"/>
-                  </a:schemeClr>
-                </a:solidFill>
-                <a:latin typeface="Arial"/>
-                <a:cs typeface="Arial"/>
-              </a:rPr>
-              <a:t>Conclusion</a:t>
-            </a:r>
-            <a:endParaRPr lang="da-DK" sz="1000" b="1" cap="all" spc="200" dirty="0" smtClean="0">
-              <a:solidFill>
-                <a:schemeClr val="accent1">
-                  <a:lumMod val="75000"/>
-                  <a:alpha val="30000"/>
-                </a:schemeClr>
-              </a:solidFill>
-              <a:latin typeface="Arial"/>
-              <a:cs typeface="Arial"/>
-            </a:endParaRPr>
-          </a:p>
-          <a:p>
-            <a:pPr marL="12700">
-              <a:lnSpc>
-                <a:spcPct val="100000"/>
-              </a:lnSpc>
-            </a:pPr>
-            <a:r>
-              <a:rPr lang="da-DK" sz="1000" b="1" cap="all" spc="200" dirty="0" smtClean="0">
-                <a:solidFill>
-                  <a:schemeClr val="accent1">
-                    <a:lumMod val="75000"/>
-                    <a:alpha val="30000"/>
+                    <a:alpha val="50000"/>
                   </a:schemeClr>
                 </a:solidFill>
                 <a:latin typeface="Arial"/>
@@ -8383,7 +8024,7 @@
     </p:spTree>
     <p:extLst>
       <p:ext uri="{BB962C8B-B14F-4D97-AF65-F5344CB8AC3E}">
-        <p14:creationId xmlns:p14="http://schemas.microsoft.com/office/powerpoint/2010/main" xmlns="" val="585023994"/>
+        <p14:creationId xmlns="" xmlns:p14="http://schemas.microsoft.com/office/powerpoint/2010/main" val="585023994"/>
       </p:ext>
     </p:extLst>
   </p:cSld>
@@ -8391,7 +8032,7 @@
     <a:masterClrMapping/>
   </p:clrMapOvr>
   <mc:AlternateContent xmlns:mc="http://schemas.openxmlformats.org/markup-compatibility/2006">
-    <mc:Choice xmlns:p14="http://schemas.microsoft.com/office/powerpoint/2010/main" xmlns="" Requires="p14">
+    <mc:Choice xmlns="" xmlns:p14="http://schemas.microsoft.com/office/powerpoint/2010/main" Requires="p14">
       <p:transition p14:dur="250">
         <p:fade/>
       </p:transition>
@@ -8555,6 +8196,19 @@
               <a:t> </a:t>
             </a:r>
             <a:r>
+              <a:rPr lang="da-DK" sz="850" b="1" kern="0" cap="all" spc="200" dirty="0" smtClean="0">
+                <a:solidFill>
+                  <a:schemeClr val="tx1">
+                    <a:lumMod val="50000"/>
+                    <a:lumOff val="50000"/>
+                  </a:schemeClr>
+                </a:solidFill>
+                <a:latin typeface="Arial"/>
+                <a:cs typeface="Arial"/>
+              </a:rPr>
+              <a:t>31  </a:t>
+            </a:r>
+            <a:r>
               <a:rPr lang="da-DK" sz="850" b="1" kern="0" cap="all" spc="200" dirty="0">
                 <a:solidFill>
                   <a:schemeClr val="tx1">
@@ -8565,7 +8219,7 @@
                 <a:latin typeface="Arial"/>
                 <a:cs typeface="Arial"/>
               </a:rPr>
-              <a:t>24  | </a:t>
+              <a:t>| </a:t>
             </a:r>
             <a:r>
               <a:rPr lang="da-DK" sz="850" b="1" kern="0" spc="200" dirty="0" smtClean="0">
@@ -8810,7 +8464,7 @@
                 <a:solidFill>
                   <a:schemeClr val="accent1">
                     <a:lumMod val="75000"/>
-                    <a:alpha val="30000"/>
+                    <a:alpha val="50000"/>
                   </a:schemeClr>
                 </a:solidFill>
                 <a:latin typeface="Arial"/>
@@ -8818,6 +8472,52 @@
               </a:rPr>
               <a:t>GIRAF</a:t>
             </a:r>
+          </a:p>
+          <a:p>
+            <a:pPr marL="12700">
+              <a:lnSpc>
+                <a:spcPct val="100000"/>
+              </a:lnSpc>
+            </a:pPr>
+            <a:r>
+              <a:rPr lang="da-DK" sz="1000" b="1" cap="all" spc="200" dirty="0" smtClean="0">
+                <a:solidFill>
+                  <a:schemeClr val="accent1">
+                    <a:lumMod val="75000"/>
+                    <a:alpha val="50000"/>
+                  </a:schemeClr>
+                </a:solidFill>
+                <a:latin typeface="Arial"/>
+                <a:cs typeface="Arial"/>
+              </a:rPr>
+              <a:t>Game Design</a:t>
+            </a:r>
+          </a:p>
+          <a:p>
+            <a:pPr marL="12700">
+              <a:lnSpc>
+                <a:spcPct val="100000"/>
+              </a:lnSpc>
+            </a:pPr>
+            <a:r>
+              <a:rPr lang="da-DK" sz="1000" b="1" cap="all" spc="200" dirty="0" smtClean="0">
+                <a:solidFill>
+                  <a:schemeClr val="accent1">
+                    <a:lumMod val="75000"/>
+                  </a:schemeClr>
+                </a:solidFill>
+                <a:latin typeface="Arial"/>
+                <a:cs typeface="Arial"/>
+              </a:rPr>
+              <a:t>OpenGL ES</a:t>
+            </a:r>
+          </a:p>
+          <a:p>
+            <a:pPr marL="12700">
+              <a:lnSpc>
+                <a:spcPct val="100000"/>
+              </a:lnSpc>
+            </a:pPr>
             <a:endParaRPr lang="da-DK" sz="1000" b="1" cap="all" spc="200" dirty="0" smtClean="0">
               <a:solidFill>
                 <a:schemeClr val="accent1">
@@ -8840,37 +8540,34 @@
                 <a:solidFill>
                   <a:schemeClr val="accent1">
                     <a:lumMod val="75000"/>
-                    <a:alpha val="30000"/>
-                  </a:schemeClr>
-                </a:solidFill>
-                <a:latin typeface="Arial"/>
-                <a:cs typeface="Arial"/>
-              </a:rPr>
-              <a:t>Game </a:t>
-            </a:r>
+                    <a:alpha val="50000"/>
+                  </a:schemeClr>
+                </a:solidFill>
+                <a:latin typeface="Arial"/>
+                <a:cs typeface="Arial"/>
+              </a:rPr>
+              <a:t>Implementation</a:t>
+            </a:r>
+          </a:p>
+          <a:p>
+            <a:pPr marL="12700">
+              <a:lnSpc>
+                <a:spcPct val="100000"/>
+              </a:lnSpc>
+            </a:pPr>
             <a:r>
               <a:rPr lang="da-DK" sz="1000" b="1" cap="all" spc="200" dirty="0" smtClean="0">
                 <a:solidFill>
                   <a:schemeClr val="accent1">
                     <a:lumMod val="75000"/>
-                    <a:alpha val="30000"/>
-                  </a:schemeClr>
-                </a:solidFill>
-                <a:latin typeface="Arial"/>
-                <a:cs typeface="Arial"/>
-              </a:rPr>
-              <a:t>Design</a:t>
-            </a:r>
-            <a:endParaRPr lang="da-DK" sz="1000" b="1" cap="all" spc="200" dirty="0" smtClean="0">
-              <a:solidFill>
-                <a:schemeClr val="accent1">
-                  <a:lumMod val="75000"/>
-                  <a:alpha val="30000"/>
-                </a:schemeClr>
-              </a:solidFill>
-              <a:latin typeface="Arial"/>
-              <a:cs typeface="Arial"/>
-            </a:endParaRPr>
+                    <a:alpha val="50000"/>
+                  </a:schemeClr>
+                </a:solidFill>
+                <a:latin typeface="Arial"/>
+                <a:cs typeface="Arial"/>
+              </a:rPr>
+              <a:t>Conclusion</a:t>
+            </a:r>
           </a:p>
           <a:p>
             <a:pPr marL="12700">
@@ -8883,115 +8580,7 @@
                 <a:solidFill>
                   <a:schemeClr val="accent1">
                     <a:lumMod val="75000"/>
-                  </a:schemeClr>
-                </a:solidFill>
-                <a:latin typeface="Arial"/>
-                <a:cs typeface="Arial"/>
-              </a:rPr>
-              <a:t>OpenGL </a:t>
-            </a:r>
-            <a:r>
-              <a:rPr lang="da-DK" sz="1000" b="1" cap="all" spc="200" dirty="0" smtClean="0">
-                <a:solidFill>
-                  <a:schemeClr val="accent1">
-                    <a:lumMod val="75000"/>
-                  </a:schemeClr>
-                </a:solidFill>
-                <a:latin typeface="Arial"/>
-                <a:cs typeface="Arial"/>
-              </a:rPr>
-              <a:t>ES</a:t>
-            </a:r>
-          </a:p>
-          <a:p>
-            <a:pPr marL="12700">
-              <a:lnSpc>
-                <a:spcPct val="100000"/>
-              </a:lnSpc>
-            </a:pPr>
-            <a:endParaRPr lang="da-DK" sz="1000" b="1" cap="all" spc="200" dirty="0" smtClean="0">
-              <a:solidFill>
-                <a:schemeClr val="accent1">
-                  <a:lumMod val="75000"/>
-                  <a:alpha val="30000"/>
-                </a:schemeClr>
-              </a:solidFill>
-              <a:latin typeface="Arial"/>
-              <a:cs typeface="Arial"/>
-            </a:endParaRPr>
-          </a:p>
-          <a:p>
-            <a:pPr marL="12700">
-              <a:lnSpc>
-                <a:spcPct val="100000"/>
-              </a:lnSpc>
-            </a:pPr>
-            <a:r>
-              <a:rPr lang="da-DK" sz="1000" b="1" cap="all" spc="200" dirty="0" smtClean="0">
-                <a:solidFill>
-                  <a:schemeClr val="accent1">
-                    <a:lumMod val="75000"/>
-                    <a:alpha val="30000"/>
-                  </a:schemeClr>
-                </a:solidFill>
-                <a:latin typeface="Arial"/>
-                <a:cs typeface="Arial"/>
-              </a:rPr>
-              <a:t>Implementation</a:t>
-            </a:r>
-            <a:endParaRPr lang="da-DK" sz="1000" b="1" cap="all" spc="200" dirty="0" smtClean="0">
-              <a:solidFill>
-                <a:schemeClr val="accent1">
-                  <a:lumMod val="75000"/>
-                  <a:alpha val="30000"/>
-                </a:schemeClr>
-              </a:solidFill>
-              <a:latin typeface="Arial"/>
-              <a:cs typeface="Arial"/>
-            </a:endParaRPr>
-          </a:p>
-          <a:p>
-            <a:pPr marL="12700">
-              <a:lnSpc>
-                <a:spcPct val="100000"/>
-              </a:lnSpc>
-            </a:pPr>
-            <a:r>
-              <a:rPr lang="da-DK" sz="1000" b="1" cap="all" spc="200" dirty="0" smtClean="0">
-                <a:solidFill>
-                  <a:schemeClr val="accent1">
-                    <a:lumMod val="75000"/>
-                    <a:alpha val="30000"/>
-                  </a:schemeClr>
-                </a:solidFill>
-                <a:latin typeface="Arial"/>
-                <a:cs typeface="Arial"/>
-              </a:rPr>
-              <a:t>Conclusion</a:t>
-            </a:r>
-            <a:endParaRPr lang="da-DK" sz="1000" b="1" cap="all" spc="200" dirty="0" smtClean="0">
-              <a:solidFill>
-                <a:schemeClr val="accent1">
-                  <a:lumMod val="75000"/>
-                  <a:alpha val="30000"/>
-                </a:schemeClr>
-              </a:solidFill>
-              <a:latin typeface="Arial"/>
-              <a:cs typeface="Arial"/>
-            </a:endParaRPr>
-          </a:p>
-          <a:p>
-            <a:pPr marL="12700">
-              <a:lnSpc>
-                <a:spcPct val="100000"/>
-              </a:lnSpc>
-            </a:pPr>
-            <a:r>
-              <a:rPr lang="da-DK" sz="1000" b="1" cap="all" spc="200" dirty="0" smtClean="0">
-                <a:solidFill>
-                  <a:schemeClr val="accent1">
-                    <a:lumMod val="75000"/>
-                    <a:alpha val="30000"/>
+                    <a:alpha val="50000"/>
                   </a:schemeClr>
                 </a:solidFill>
                 <a:latin typeface="Arial"/>
@@ -9039,22 +8628,13 @@
               </a:rPr>
               <a:t>Figure 6.1: Page 40</a:t>
             </a:r>
-            <a:endParaRPr lang="en-GB" sz="1200" dirty="0" smtClean="0">
-              <a:solidFill>
-                <a:schemeClr val="accent1">
-                  <a:lumMod val="75000"/>
-                </a:schemeClr>
-              </a:solidFill>
-              <a:latin typeface="Arial" pitchFamily="34" charset="0"/>
-              <a:cs typeface="Arial" pitchFamily="34" charset="0"/>
-            </a:endParaRPr>
           </a:p>
         </p:txBody>
       </p:sp>
     </p:spTree>
     <p:extLst>
       <p:ext uri="{BB962C8B-B14F-4D97-AF65-F5344CB8AC3E}">
-        <p14:creationId xmlns:p14="http://schemas.microsoft.com/office/powerpoint/2010/main" xmlns="" val="585023994"/>
+        <p14:creationId xmlns="" xmlns:p14="http://schemas.microsoft.com/office/powerpoint/2010/main" val="585023994"/>
       </p:ext>
     </p:extLst>
   </p:cSld>
@@ -9062,7 +8642,7 @@
     <a:masterClrMapping/>
   </p:clrMapOvr>
   <mc:AlternateContent xmlns:mc="http://schemas.openxmlformats.org/markup-compatibility/2006">
-    <mc:Choice xmlns:p14="http://schemas.microsoft.com/office/powerpoint/2010/main" xmlns="" Requires="p14">
+    <mc:Choice xmlns="" xmlns:p14="http://schemas.microsoft.com/office/powerpoint/2010/main" Requires="p14">
       <p:transition p14:dur="250">
         <p:fade/>
       </p:transition>
@@ -9188,6 +8768,19 @@
               <a:t> </a:t>
             </a:r>
             <a:r>
+              <a:rPr lang="da-DK" sz="850" b="1" kern="0" cap="all" spc="200" dirty="0" smtClean="0">
+                <a:solidFill>
+                  <a:schemeClr val="tx1">
+                    <a:lumMod val="50000"/>
+                    <a:lumOff val="50000"/>
+                  </a:schemeClr>
+                </a:solidFill>
+                <a:latin typeface="Arial"/>
+                <a:cs typeface="Arial"/>
+              </a:rPr>
+              <a:t>31  </a:t>
+            </a:r>
+            <a:r>
               <a:rPr lang="da-DK" sz="850" b="1" kern="0" cap="all" spc="200" dirty="0">
                 <a:solidFill>
                   <a:schemeClr val="tx1">
@@ -9198,7 +8791,7 @@
                 <a:latin typeface="Arial"/>
                 <a:cs typeface="Arial"/>
               </a:rPr>
-              <a:t>24  | </a:t>
+              <a:t>| </a:t>
             </a:r>
             <a:r>
               <a:rPr lang="da-DK" sz="850" b="1" kern="0" spc="200" dirty="0" smtClean="0">
@@ -9521,7 +9114,7 @@
                 <a:solidFill>
                   <a:schemeClr val="accent1">
                     <a:lumMod val="75000"/>
-                    <a:alpha val="30000"/>
+                    <a:alpha val="50000"/>
                   </a:schemeClr>
                 </a:solidFill>
                 <a:latin typeface="Arial"/>
@@ -9529,6 +9122,52 @@
               </a:rPr>
               <a:t>GIRAF</a:t>
             </a:r>
+          </a:p>
+          <a:p>
+            <a:pPr marL="12700">
+              <a:lnSpc>
+                <a:spcPct val="100000"/>
+              </a:lnSpc>
+            </a:pPr>
+            <a:r>
+              <a:rPr lang="da-DK" sz="1000" b="1" cap="all" spc="200" dirty="0" smtClean="0">
+                <a:solidFill>
+                  <a:schemeClr val="accent1">
+                    <a:lumMod val="75000"/>
+                    <a:alpha val="50000"/>
+                  </a:schemeClr>
+                </a:solidFill>
+                <a:latin typeface="Arial"/>
+                <a:cs typeface="Arial"/>
+              </a:rPr>
+              <a:t>Game Design</a:t>
+            </a:r>
+          </a:p>
+          <a:p>
+            <a:pPr marL="12700">
+              <a:lnSpc>
+                <a:spcPct val="100000"/>
+              </a:lnSpc>
+            </a:pPr>
+            <a:r>
+              <a:rPr lang="da-DK" sz="1000" b="1" cap="all" spc="200" dirty="0" smtClean="0">
+                <a:solidFill>
+                  <a:schemeClr val="accent1">
+                    <a:lumMod val="75000"/>
+                  </a:schemeClr>
+                </a:solidFill>
+                <a:latin typeface="Arial"/>
+                <a:cs typeface="Arial"/>
+              </a:rPr>
+              <a:t>OpenGL ES</a:t>
+            </a:r>
+          </a:p>
+          <a:p>
+            <a:pPr marL="12700">
+              <a:lnSpc>
+                <a:spcPct val="100000"/>
+              </a:lnSpc>
+            </a:pPr>
             <a:endParaRPr lang="da-DK" sz="1000" b="1" cap="all" spc="200" dirty="0" smtClean="0">
               <a:solidFill>
                 <a:schemeClr val="accent1">
@@ -9551,37 +9190,34 @@
                 <a:solidFill>
                   <a:schemeClr val="accent1">
                     <a:lumMod val="75000"/>
-                    <a:alpha val="30000"/>
-                  </a:schemeClr>
-                </a:solidFill>
-                <a:latin typeface="Arial"/>
-                <a:cs typeface="Arial"/>
-              </a:rPr>
-              <a:t>Game </a:t>
-            </a:r>
+                    <a:alpha val="50000"/>
+                  </a:schemeClr>
+                </a:solidFill>
+                <a:latin typeface="Arial"/>
+                <a:cs typeface="Arial"/>
+              </a:rPr>
+              <a:t>Implementation</a:t>
+            </a:r>
+          </a:p>
+          <a:p>
+            <a:pPr marL="12700">
+              <a:lnSpc>
+                <a:spcPct val="100000"/>
+              </a:lnSpc>
+            </a:pPr>
             <a:r>
               <a:rPr lang="da-DK" sz="1000" b="1" cap="all" spc="200" dirty="0" smtClean="0">
                 <a:solidFill>
                   <a:schemeClr val="accent1">
                     <a:lumMod val="75000"/>
-                    <a:alpha val="30000"/>
-                  </a:schemeClr>
-                </a:solidFill>
-                <a:latin typeface="Arial"/>
-                <a:cs typeface="Arial"/>
-              </a:rPr>
-              <a:t>Design</a:t>
-            </a:r>
-            <a:endParaRPr lang="da-DK" sz="1000" b="1" cap="all" spc="200" dirty="0" smtClean="0">
-              <a:solidFill>
-                <a:schemeClr val="accent1">
-                  <a:lumMod val="75000"/>
-                  <a:alpha val="30000"/>
-                </a:schemeClr>
-              </a:solidFill>
-              <a:latin typeface="Arial"/>
-              <a:cs typeface="Arial"/>
-            </a:endParaRPr>
+                    <a:alpha val="50000"/>
+                  </a:schemeClr>
+                </a:solidFill>
+                <a:latin typeface="Arial"/>
+                <a:cs typeface="Arial"/>
+              </a:rPr>
+              <a:t>Conclusion</a:t>
+            </a:r>
           </a:p>
           <a:p>
             <a:pPr marL="12700">
@@ -9594,115 +9230,7 @@
                 <a:solidFill>
                   <a:schemeClr val="accent1">
                     <a:lumMod val="75000"/>
-                  </a:schemeClr>
-                </a:solidFill>
-                <a:latin typeface="Arial"/>
-                <a:cs typeface="Arial"/>
-              </a:rPr>
-              <a:t>OpenGL </a:t>
-            </a:r>
-            <a:r>
-              <a:rPr lang="da-DK" sz="1000" b="1" cap="all" spc="200" dirty="0" smtClean="0">
-                <a:solidFill>
-                  <a:schemeClr val="accent1">
-                    <a:lumMod val="75000"/>
-                  </a:schemeClr>
-                </a:solidFill>
-                <a:latin typeface="Arial"/>
-                <a:cs typeface="Arial"/>
-              </a:rPr>
-              <a:t>ES</a:t>
-            </a:r>
-          </a:p>
-          <a:p>
-            <a:pPr marL="12700">
-              <a:lnSpc>
-                <a:spcPct val="100000"/>
-              </a:lnSpc>
-            </a:pPr>
-            <a:endParaRPr lang="da-DK" sz="1000" b="1" cap="all" spc="200" dirty="0" smtClean="0">
-              <a:solidFill>
-                <a:schemeClr val="accent1">
-                  <a:lumMod val="75000"/>
-                  <a:alpha val="30000"/>
-                </a:schemeClr>
-              </a:solidFill>
-              <a:latin typeface="Arial"/>
-              <a:cs typeface="Arial"/>
-            </a:endParaRPr>
-          </a:p>
-          <a:p>
-            <a:pPr marL="12700">
-              <a:lnSpc>
-                <a:spcPct val="100000"/>
-              </a:lnSpc>
-            </a:pPr>
-            <a:r>
-              <a:rPr lang="da-DK" sz="1000" b="1" cap="all" spc="200" dirty="0" smtClean="0">
-                <a:solidFill>
-                  <a:schemeClr val="accent1">
-                    <a:lumMod val="75000"/>
-                    <a:alpha val="30000"/>
-                  </a:schemeClr>
-                </a:solidFill>
-                <a:latin typeface="Arial"/>
-                <a:cs typeface="Arial"/>
-              </a:rPr>
-              <a:t>Implementation</a:t>
-            </a:r>
-            <a:endParaRPr lang="da-DK" sz="1000" b="1" cap="all" spc="200" dirty="0" smtClean="0">
-              <a:solidFill>
-                <a:schemeClr val="accent1">
-                  <a:lumMod val="75000"/>
-                  <a:alpha val="30000"/>
-                </a:schemeClr>
-              </a:solidFill>
-              <a:latin typeface="Arial"/>
-              <a:cs typeface="Arial"/>
-            </a:endParaRPr>
-          </a:p>
-          <a:p>
-            <a:pPr marL="12700">
-              <a:lnSpc>
-                <a:spcPct val="100000"/>
-              </a:lnSpc>
-            </a:pPr>
-            <a:r>
-              <a:rPr lang="da-DK" sz="1000" b="1" cap="all" spc="200" dirty="0" smtClean="0">
-                <a:solidFill>
-                  <a:schemeClr val="accent1">
-                    <a:lumMod val="75000"/>
-                    <a:alpha val="30000"/>
-                  </a:schemeClr>
-                </a:solidFill>
-                <a:latin typeface="Arial"/>
-                <a:cs typeface="Arial"/>
-              </a:rPr>
-              <a:t>Conclusion</a:t>
-            </a:r>
-            <a:endParaRPr lang="da-DK" sz="1000" b="1" cap="all" spc="200" dirty="0" smtClean="0">
-              <a:solidFill>
-                <a:schemeClr val="accent1">
-                  <a:lumMod val="75000"/>
-                  <a:alpha val="30000"/>
-                </a:schemeClr>
-              </a:solidFill>
-              <a:latin typeface="Arial"/>
-              <a:cs typeface="Arial"/>
-            </a:endParaRPr>
-          </a:p>
-          <a:p>
-            <a:pPr marL="12700">
-              <a:lnSpc>
-                <a:spcPct val="100000"/>
-              </a:lnSpc>
-            </a:pPr>
-            <a:r>
-              <a:rPr lang="da-DK" sz="1000" b="1" cap="all" spc="200" dirty="0" smtClean="0">
-                <a:solidFill>
-                  <a:schemeClr val="accent1">
-                    <a:lumMod val="75000"/>
-                    <a:alpha val="30000"/>
+                    <a:alpha val="50000"/>
                   </a:schemeClr>
                 </a:solidFill>
                 <a:latin typeface="Arial"/>
@@ -9750,22 +9278,13 @@
               </a:rPr>
               <a:t>Figure 6.1: Page 40</a:t>
             </a:r>
-            <a:endParaRPr lang="en-GB" sz="1200" dirty="0" smtClean="0">
-              <a:solidFill>
-                <a:schemeClr val="accent1">
-                  <a:lumMod val="75000"/>
-                </a:schemeClr>
-              </a:solidFill>
-              <a:latin typeface="Arial" pitchFamily="34" charset="0"/>
-              <a:cs typeface="Arial" pitchFamily="34" charset="0"/>
-            </a:endParaRPr>
           </a:p>
         </p:txBody>
       </p:sp>
     </p:spTree>
     <p:extLst>
       <p:ext uri="{BB962C8B-B14F-4D97-AF65-F5344CB8AC3E}">
-        <p14:creationId xmlns:p14="http://schemas.microsoft.com/office/powerpoint/2010/main" xmlns="" val="585023994"/>
+        <p14:creationId xmlns="" xmlns:p14="http://schemas.microsoft.com/office/powerpoint/2010/main" val="585023994"/>
       </p:ext>
     </p:extLst>
   </p:cSld>
@@ -9773,7 +9292,7 @@
     <a:masterClrMapping/>
   </p:clrMapOvr>
   <mc:AlternateContent xmlns:mc="http://schemas.openxmlformats.org/markup-compatibility/2006">
-    <mc:Choice xmlns:p14="http://schemas.microsoft.com/office/powerpoint/2010/main" xmlns="" Requires="p14">
+    <mc:Choice xmlns="" xmlns:p14="http://schemas.microsoft.com/office/powerpoint/2010/main" Requires="p14">
       <p:transition p14:dur="250">
         <p:fade/>
       </p:transition>
@@ -10197,6 +9716,32 @@
               <a:t> </a:t>
             </a:r>
             <a:r>
+              <a:rPr lang="da-DK" sz="850" b="1" kern="0" cap="all" spc="200" dirty="0" smtClean="0">
+                <a:solidFill>
+                  <a:schemeClr val="tx1">
+                    <a:lumMod val="50000"/>
+                    <a:lumOff val="50000"/>
+                  </a:schemeClr>
+                </a:solidFill>
+                <a:latin typeface="Arial"/>
+                <a:cs typeface="Arial"/>
+              </a:rPr>
+              <a:t>31</a:t>
+            </a:r>
+            <a:r>
+              <a:rPr lang="da-DK" sz="850" b="1" kern="0" cap="all" spc="200" dirty="0" smtClean="0">
+                <a:solidFill>
+                  <a:schemeClr val="tx1">
+                    <a:lumMod val="50000"/>
+                    <a:lumOff val="50000"/>
+                  </a:schemeClr>
+                </a:solidFill>
+                <a:latin typeface="Arial"/>
+                <a:cs typeface="Arial"/>
+              </a:rPr>
+              <a:t>  </a:t>
+            </a:r>
+            <a:r>
               <a:rPr lang="da-DK" sz="850" b="1" kern="0" cap="all" spc="200" dirty="0">
                 <a:solidFill>
                   <a:schemeClr val="tx1">
@@ -10207,7 +9752,7 @@
                 <a:latin typeface="Arial"/>
                 <a:cs typeface="Arial"/>
               </a:rPr>
-              <a:t>24  | </a:t>
+              <a:t>| </a:t>
             </a:r>
             <a:r>
               <a:rPr lang="da-DK" sz="850" b="1" kern="0" spc="200" dirty="0" smtClean="0">
@@ -10365,7 +9910,7 @@
                 <a:solidFill>
                   <a:schemeClr val="accent1">
                     <a:lumMod val="75000"/>
-                    <a:alpha val="30000"/>
+                    <a:alpha val="50000"/>
                   </a:schemeClr>
                 </a:solidFill>
                 <a:latin typeface="Arial"/>
@@ -10373,11 +9918,58 @@
               </a:rPr>
               <a:t>GIRAF</a:t>
             </a:r>
+          </a:p>
+          <a:p>
+            <a:pPr marL="12700">
+              <a:lnSpc>
+                <a:spcPct val="100000"/>
+              </a:lnSpc>
+            </a:pPr>
+            <a:r>
+              <a:rPr lang="da-DK" sz="1000" b="1" cap="all" spc="200" dirty="0" smtClean="0">
+                <a:solidFill>
+                  <a:schemeClr val="accent1">
+                    <a:lumMod val="75000"/>
+                    <a:alpha val="50000"/>
+                  </a:schemeClr>
+                </a:solidFill>
+                <a:latin typeface="Arial"/>
+                <a:cs typeface="Arial"/>
+              </a:rPr>
+              <a:t>Game Design</a:t>
+            </a:r>
+          </a:p>
+          <a:p>
+            <a:pPr marL="12700">
+              <a:lnSpc>
+                <a:spcPct val="100000"/>
+              </a:lnSpc>
+            </a:pPr>
+            <a:r>
+              <a:rPr lang="da-DK" sz="1000" b="1" cap="all" spc="200" dirty="0" smtClean="0">
+                <a:solidFill>
+                  <a:schemeClr val="accent1">
+                    <a:lumMod val="75000"/>
+                    <a:alpha val="50000"/>
+                  </a:schemeClr>
+                </a:solidFill>
+                <a:latin typeface="Arial"/>
+                <a:cs typeface="Arial"/>
+              </a:rPr>
+              <a:t>OpenGL ES</a:t>
+            </a:r>
+          </a:p>
+          <a:p>
+            <a:pPr marL="12700">
+              <a:lnSpc>
+                <a:spcPct val="100000"/>
+              </a:lnSpc>
+            </a:pPr>
             <a:endParaRPr lang="da-DK" sz="1000" b="1" cap="all" spc="200" dirty="0" smtClean="0">
               <a:solidFill>
                 <a:schemeClr val="accent1">
                   <a:lumMod val="75000"/>
-                  <a:alpha val="30000"/>
+                  <a:alpha val="50000"/>
                 </a:schemeClr>
               </a:solidFill>
               <a:latin typeface="Arial"/>
@@ -10395,37 +9987,34 @@
                 <a:solidFill>
                   <a:schemeClr val="accent1">
                     <a:lumMod val="75000"/>
-                    <a:alpha val="30000"/>
-                  </a:schemeClr>
-                </a:solidFill>
-                <a:latin typeface="Arial"/>
-                <a:cs typeface="Arial"/>
-              </a:rPr>
-              <a:t>Game </a:t>
-            </a:r>
+                    <a:alpha val="50000"/>
+                  </a:schemeClr>
+                </a:solidFill>
+                <a:latin typeface="Arial"/>
+                <a:cs typeface="Arial"/>
+              </a:rPr>
+              <a:t>Implementation</a:t>
+            </a:r>
+          </a:p>
+          <a:p>
+            <a:pPr marL="12700">
+              <a:lnSpc>
+                <a:spcPct val="100000"/>
+              </a:lnSpc>
+            </a:pPr>
             <a:r>
               <a:rPr lang="da-DK" sz="1000" b="1" cap="all" spc="200" dirty="0" smtClean="0">
                 <a:solidFill>
                   <a:schemeClr val="accent1">
                     <a:lumMod val="75000"/>
-                    <a:alpha val="30000"/>
-                  </a:schemeClr>
-                </a:solidFill>
-                <a:latin typeface="Arial"/>
-                <a:cs typeface="Arial"/>
-              </a:rPr>
-              <a:t>Design</a:t>
-            </a:r>
-            <a:endParaRPr lang="da-DK" sz="1000" b="1" cap="all" spc="200" dirty="0" smtClean="0">
-              <a:solidFill>
-                <a:schemeClr val="accent1">
-                  <a:lumMod val="75000"/>
-                  <a:alpha val="30000"/>
-                </a:schemeClr>
-              </a:solidFill>
-              <a:latin typeface="Arial"/>
-              <a:cs typeface="Arial"/>
-            </a:endParaRPr>
+                    <a:alpha val="50000"/>
+                  </a:schemeClr>
+                </a:solidFill>
+                <a:latin typeface="Arial"/>
+                <a:cs typeface="Arial"/>
+              </a:rPr>
+              <a:t>Conclusion</a:t>
+            </a:r>
           </a:p>
           <a:p>
             <a:pPr marL="12700">
@@ -10438,117 +10027,7 @@
                 <a:solidFill>
                   <a:schemeClr val="accent1">
                     <a:lumMod val="75000"/>
-                    <a:alpha val="30000"/>
-                  </a:schemeClr>
-                </a:solidFill>
-                <a:latin typeface="Arial"/>
-                <a:cs typeface="Arial"/>
-              </a:rPr>
-              <a:t>OpenGL </a:t>
-            </a:r>
-            <a:r>
-              <a:rPr lang="da-DK" sz="1000" b="1" cap="all" spc="200" dirty="0" smtClean="0">
-                <a:solidFill>
-                  <a:schemeClr val="accent1">
-                    <a:lumMod val="75000"/>
-                    <a:alpha val="30000"/>
-                  </a:schemeClr>
-                </a:solidFill>
-                <a:latin typeface="Arial"/>
-                <a:cs typeface="Arial"/>
-              </a:rPr>
-              <a:t>ES</a:t>
-            </a:r>
-          </a:p>
-          <a:p>
-            <a:pPr marL="12700">
-              <a:lnSpc>
-                <a:spcPct val="100000"/>
-              </a:lnSpc>
-            </a:pPr>
-            <a:endParaRPr lang="da-DK" sz="1000" b="1" cap="all" spc="200" dirty="0" smtClean="0">
-              <a:solidFill>
-                <a:schemeClr val="accent1">
-                  <a:lumMod val="75000"/>
-                  <a:alpha val="30000"/>
-                </a:schemeClr>
-              </a:solidFill>
-              <a:latin typeface="Arial"/>
-              <a:cs typeface="Arial"/>
-            </a:endParaRPr>
-          </a:p>
-          <a:p>
-            <a:pPr marL="12700">
-              <a:lnSpc>
-                <a:spcPct val="100000"/>
-              </a:lnSpc>
-            </a:pPr>
-            <a:r>
-              <a:rPr lang="da-DK" sz="1000" b="1" cap="all" spc="200" dirty="0" smtClean="0">
-                <a:solidFill>
-                  <a:schemeClr val="accent1">
-                    <a:lumMod val="75000"/>
-                    <a:alpha val="30000"/>
-                  </a:schemeClr>
-                </a:solidFill>
-                <a:latin typeface="Arial"/>
-                <a:cs typeface="Arial"/>
-              </a:rPr>
-              <a:t>Implementation</a:t>
-            </a:r>
-            <a:endParaRPr lang="da-DK" sz="1000" b="1" cap="all" spc="200" dirty="0" smtClean="0">
-              <a:solidFill>
-                <a:schemeClr val="accent1">
-                  <a:lumMod val="75000"/>
-                  <a:alpha val="30000"/>
-                </a:schemeClr>
-              </a:solidFill>
-              <a:latin typeface="Arial"/>
-              <a:cs typeface="Arial"/>
-            </a:endParaRPr>
-          </a:p>
-          <a:p>
-            <a:pPr marL="12700">
-              <a:lnSpc>
-                <a:spcPct val="100000"/>
-              </a:lnSpc>
-            </a:pPr>
-            <a:r>
-              <a:rPr lang="da-DK" sz="1000" b="1" cap="all" spc="200" dirty="0" smtClean="0">
-                <a:solidFill>
-                  <a:schemeClr val="accent1">
-                    <a:lumMod val="75000"/>
-                    <a:alpha val="30000"/>
-                  </a:schemeClr>
-                </a:solidFill>
-                <a:latin typeface="Arial"/>
-                <a:cs typeface="Arial"/>
-              </a:rPr>
-              <a:t>Conclusion</a:t>
-            </a:r>
-            <a:endParaRPr lang="da-DK" sz="1000" b="1" cap="all" spc="200" dirty="0" smtClean="0">
-              <a:solidFill>
-                <a:schemeClr val="accent1">
-                  <a:lumMod val="75000"/>
-                  <a:alpha val="30000"/>
-                </a:schemeClr>
-              </a:solidFill>
-              <a:latin typeface="Arial"/>
-              <a:cs typeface="Arial"/>
-            </a:endParaRPr>
-          </a:p>
-          <a:p>
-            <a:pPr marL="12700">
-              <a:lnSpc>
-                <a:spcPct val="100000"/>
-              </a:lnSpc>
-            </a:pPr>
-            <a:r>
-              <a:rPr lang="da-DK" sz="1000" b="1" cap="all" spc="200" dirty="0" smtClean="0">
-                <a:solidFill>
-                  <a:schemeClr val="accent1">
-                    <a:lumMod val="75000"/>
-                    <a:alpha val="30000"/>
+                    <a:alpha val="50000"/>
                   </a:schemeClr>
                 </a:solidFill>
                 <a:latin typeface="Arial"/>
@@ -10568,7 +10047,7 @@
     <a:masterClrMapping/>
   </p:clrMapOvr>
   <mc:AlternateContent xmlns:mc="http://schemas.openxmlformats.org/markup-compatibility/2006">
-    <mc:Choice xmlns:p14="http://schemas.microsoft.com/office/powerpoint/2010/main" xmlns="" Requires="p14">
+    <mc:Choice xmlns="" xmlns:p14="http://schemas.microsoft.com/office/powerpoint/2010/main" Requires="p14">
       <p:transition p14:dur="250">
         <p:fade/>
       </p:transition>
@@ -10764,6 +10243,19 @@
               <a:t> </a:t>
             </a:r>
             <a:r>
+              <a:rPr lang="da-DK" sz="850" b="1" kern="0" cap="all" spc="200" dirty="0" smtClean="0">
+                <a:solidFill>
+                  <a:schemeClr val="tx1">
+                    <a:lumMod val="50000"/>
+                    <a:lumOff val="50000"/>
+                  </a:schemeClr>
+                </a:solidFill>
+                <a:latin typeface="Arial"/>
+                <a:cs typeface="Arial"/>
+              </a:rPr>
+              <a:t>31  </a:t>
+            </a:r>
+            <a:r>
               <a:rPr lang="da-DK" sz="850" b="1" kern="0" cap="all" spc="200" dirty="0">
                 <a:solidFill>
                   <a:schemeClr val="tx1">
@@ -10774,7 +10266,7 @@
                 <a:latin typeface="Arial"/>
                 <a:cs typeface="Arial"/>
               </a:rPr>
-              <a:t>24  | </a:t>
+              <a:t>| </a:t>
             </a:r>
             <a:r>
               <a:rPr lang="da-DK" sz="850" b="1" kern="0" spc="200" dirty="0" smtClean="0">
@@ -10941,19 +10433,7 @@
                 <a:latin typeface="Arial"/>
                 <a:cs typeface="Arial"/>
               </a:rPr>
-              <a:t>Power-of-two: </a:t>
-            </a:r>
-            <a:r>
-              <a:rPr lang="en-GB" sz="2400" kern="0" cap="all" spc="200" dirty="0" smtClean="0">
-                <a:solidFill>
-                  <a:schemeClr val="tx2">
-                    <a:lumMod val="50000"/>
-                  </a:schemeClr>
-                </a:solidFill>
-                <a:latin typeface="Arial"/>
-                <a:cs typeface="Arial"/>
-              </a:rPr>
-              <a:t>Part 1 </a:t>
+              <a:t>Power-of-two: Part 1 </a:t>
             </a:r>
             <a:endParaRPr sz="2400" kern="0" cap="all" spc="200" dirty="0">
               <a:solidFill>
@@ -11221,7 +10701,7 @@
                 <a:solidFill>
                   <a:schemeClr val="accent1">
                     <a:lumMod val="75000"/>
-                    <a:alpha val="30000"/>
+                    <a:alpha val="50000"/>
                   </a:schemeClr>
                 </a:solidFill>
                 <a:latin typeface="Arial"/>
@@ -11229,6 +10709,52 @@
               </a:rPr>
               <a:t>GIRAF</a:t>
             </a:r>
+          </a:p>
+          <a:p>
+            <a:pPr marL="12700">
+              <a:lnSpc>
+                <a:spcPct val="100000"/>
+              </a:lnSpc>
+            </a:pPr>
+            <a:r>
+              <a:rPr lang="da-DK" sz="1000" b="1" cap="all" spc="200" dirty="0" smtClean="0">
+                <a:solidFill>
+                  <a:schemeClr val="accent1">
+                    <a:lumMod val="75000"/>
+                    <a:alpha val="50000"/>
+                  </a:schemeClr>
+                </a:solidFill>
+                <a:latin typeface="Arial"/>
+                <a:cs typeface="Arial"/>
+              </a:rPr>
+              <a:t>Game Design</a:t>
+            </a:r>
+          </a:p>
+          <a:p>
+            <a:pPr marL="12700">
+              <a:lnSpc>
+                <a:spcPct val="100000"/>
+              </a:lnSpc>
+            </a:pPr>
+            <a:r>
+              <a:rPr lang="da-DK" sz="1000" b="1" cap="all" spc="200" dirty="0" smtClean="0">
+                <a:solidFill>
+                  <a:schemeClr val="accent1">
+                    <a:lumMod val="75000"/>
+                  </a:schemeClr>
+                </a:solidFill>
+                <a:latin typeface="Arial"/>
+                <a:cs typeface="Arial"/>
+              </a:rPr>
+              <a:t>OpenGL ES</a:t>
+            </a:r>
+          </a:p>
+          <a:p>
+            <a:pPr marL="12700">
+              <a:lnSpc>
+                <a:spcPct val="100000"/>
+              </a:lnSpc>
+            </a:pPr>
             <a:endParaRPr lang="da-DK" sz="1000" b="1" cap="all" spc="200" dirty="0" smtClean="0">
               <a:solidFill>
                 <a:schemeClr val="accent1">
@@ -11251,37 +10777,34 @@
                 <a:solidFill>
                   <a:schemeClr val="accent1">
                     <a:lumMod val="75000"/>
-                    <a:alpha val="30000"/>
-                  </a:schemeClr>
-                </a:solidFill>
-                <a:latin typeface="Arial"/>
-                <a:cs typeface="Arial"/>
-              </a:rPr>
-              <a:t>Game </a:t>
-            </a:r>
+                    <a:alpha val="50000"/>
+                  </a:schemeClr>
+                </a:solidFill>
+                <a:latin typeface="Arial"/>
+                <a:cs typeface="Arial"/>
+              </a:rPr>
+              <a:t>Implementation</a:t>
+            </a:r>
+          </a:p>
+          <a:p>
+            <a:pPr marL="12700">
+              <a:lnSpc>
+                <a:spcPct val="100000"/>
+              </a:lnSpc>
+            </a:pPr>
             <a:r>
               <a:rPr lang="da-DK" sz="1000" b="1" cap="all" spc="200" dirty="0" smtClean="0">
                 <a:solidFill>
                   <a:schemeClr val="accent1">
                     <a:lumMod val="75000"/>
-                    <a:alpha val="30000"/>
-                  </a:schemeClr>
-                </a:solidFill>
-                <a:latin typeface="Arial"/>
-                <a:cs typeface="Arial"/>
-              </a:rPr>
-              <a:t>Design</a:t>
-            </a:r>
-            <a:endParaRPr lang="da-DK" sz="1000" b="1" cap="all" spc="200" dirty="0" smtClean="0">
-              <a:solidFill>
-                <a:schemeClr val="accent1">
-                  <a:lumMod val="75000"/>
-                  <a:alpha val="30000"/>
-                </a:schemeClr>
-              </a:solidFill>
-              <a:latin typeface="Arial"/>
-              <a:cs typeface="Arial"/>
-            </a:endParaRPr>
+                    <a:alpha val="50000"/>
+                  </a:schemeClr>
+                </a:solidFill>
+                <a:latin typeface="Arial"/>
+                <a:cs typeface="Arial"/>
+              </a:rPr>
+              <a:t>Conclusion</a:t>
+            </a:r>
           </a:p>
           <a:p>
             <a:pPr marL="12700">
@@ -11294,115 +10817,7 @@
                 <a:solidFill>
                   <a:schemeClr val="accent1">
                     <a:lumMod val="75000"/>
-                  </a:schemeClr>
-                </a:solidFill>
-                <a:latin typeface="Arial"/>
-                <a:cs typeface="Arial"/>
-              </a:rPr>
-              <a:t>OpenGL </a:t>
-            </a:r>
-            <a:r>
-              <a:rPr lang="da-DK" sz="1000" b="1" cap="all" spc="200" dirty="0" smtClean="0">
-                <a:solidFill>
-                  <a:schemeClr val="accent1">
-                    <a:lumMod val="75000"/>
-                  </a:schemeClr>
-                </a:solidFill>
-                <a:latin typeface="Arial"/>
-                <a:cs typeface="Arial"/>
-              </a:rPr>
-              <a:t>ES</a:t>
-            </a:r>
-          </a:p>
-          <a:p>
-            <a:pPr marL="12700">
-              <a:lnSpc>
-                <a:spcPct val="100000"/>
-              </a:lnSpc>
-            </a:pPr>
-            <a:endParaRPr lang="da-DK" sz="1000" b="1" cap="all" spc="200" dirty="0" smtClean="0">
-              <a:solidFill>
-                <a:schemeClr val="accent1">
-                  <a:lumMod val="75000"/>
-                  <a:alpha val="30000"/>
-                </a:schemeClr>
-              </a:solidFill>
-              <a:latin typeface="Arial"/>
-              <a:cs typeface="Arial"/>
-            </a:endParaRPr>
-          </a:p>
-          <a:p>
-            <a:pPr marL="12700">
-              <a:lnSpc>
-                <a:spcPct val="100000"/>
-              </a:lnSpc>
-            </a:pPr>
-            <a:r>
-              <a:rPr lang="da-DK" sz="1000" b="1" cap="all" spc="200" dirty="0" smtClean="0">
-                <a:solidFill>
-                  <a:schemeClr val="accent1">
-                    <a:lumMod val="75000"/>
-                    <a:alpha val="30000"/>
-                  </a:schemeClr>
-                </a:solidFill>
-                <a:latin typeface="Arial"/>
-                <a:cs typeface="Arial"/>
-              </a:rPr>
-              <a:t>Implementation</a:t>
-            </a:r>
-            <a:endParaRPr lang="da-DK" sz="1000" b="1" cap="all" spc="200" dirty="0" smtClean="0">
-              <a:solidFill>
-                <a:schemeClr val="accent1">
-                  <a:lumMod val="75000"/>
-                  <a:alpha val="30000"/>
-                </a:schemeClr>
-              </a:solidFill>
-              <a:latin typeface="Arial"/>
-              <a:cs typeface="Arial"/>
-            </a:endParaRPr>
-          </a:p>
-          <a:p>
-            <a:pPr marL="12700">
-              <a:lnSpc>
-                <a:spcPct val="100000"/>
-              </a:lnSpc>
-            </a:pPr>
-            <a:r>
-              <a:rPr lang="da-DK" sz="1000" b="1" cap="all" spc="200" dirty="0" smtClean="0">
-                <a:solidFill>
-                  <a:schemeClr val="accent1">
-                    <a:lumMod val="75000"/>
-                    <a:alpha val="30000"/>
-                  </a:schemeClr>
-                </a:solidFill>
-                <a:latin typeface="Arial"/>
-                <a:cs typeface="Arial"/>
-              </a:rPr>
-              <a:t>Conclusion</a:t>
-            </a:r>
-            <a:endParaRPr lang="da-DK" sz="1000" b="1" cap="all" spc="200" dirty="0" smtClean="0">
-              <a:solidFill>
-                <a:schemeClr val="accent1">
-                  <a:lumMod val="75000"/>
-                  <a:alpha val="30000"/>
-                </a:schemeClr>
-              </a:solidFill>
-              <a:latin typeface="Arial"/>
-              <a:cs typeface="Arial"/>
-            </a:endParaRPr>
-          </a:p>
-          <a:p>
-            <a:pPr marL="12700">
-              <a:lnSpc>
-                <a:spcPct val="100000"/>
-              </a:lnSpc>
-            </a:pPr>
-            <a:r>
-              <a:rPr lang="da-DK" sz="1000" b="1" cap="all" spc="200" dirty="0" smtClean="0">
-                <a:solidFill>
-                  <a:schemeClr val="accent1">
-                    <a:lumMod val="75000"/>
-                    <a:alpha val="30000"/>
+                    <a:alpha val="50000"/>
                   </a:schemeClr>
                 </a:solidFill>
                 <a:latin typeface="Arial"/>
@@ -11450,15 +10865,6 @@
               </a:rPr>
               <a:t>Figure 6.2: Page 42</a:t>
             </a:r>
-            <a:endParaRPr lang="en-GB" sz="1200" dirty="0" smtClean="0">
-              <a:solidFill>
-                <a:schemeClr val="accent1">
-                  <a:lumMod val="75000"/>
-                </a:schemeClr>
-              </a:solidFill>
-              <a:latin typeface="Arial" pitchFamily="34" charset="0"/>
-              <a:cs typeface="Arial" pitchFamily="34" charset="0"/>
-            </a:endParaRPr>
           </a:p>
         </p:txBody>
       </p:sp>
@@ -11496,22 +10902,13 @@
               </a:rPr>
               <a:t>Figure 6.3: Page 42</a:t>
             </a:r>
-            <a:endParaRPr lang="en-GB" sz="1200" dirty="0" smtClean="0">
-              <a:solidFill>
-                <a:schemeClr val="accent1">
-                  <a:lumMod val="75000"/>
-                </a:schemeClr>
-              </a:solidFill>
-              <a:latin typeface="Arial" pitchFamily="34" charset="0"/>
-              <a:cs typeface="Arial" pitchFamily="34" charset="0"/>
-            </a:endParaRPr>
           </a:p>
         </p:txBody>
       </p:sp>
     </p:spTree>
     <p:extLst>
       <p:ext uri="{BB962C8B-B14F-4D97-AF65-F5344CB8AC3E}">
-        <p14:creationId xmlns:p14="http://schemas.microsoft.com/office/powerpoint/2010/main" xmlns="" val="585023994"/>
+        <p14:creationId xmlns="" xmlns:p14="http://schemas.microsoft.com/office/powerpoint/2010/main" val="585023994"/>
       </p:ext>
     </p:extLst>
   </p:cSld>
@@ -11519,7 +10916,7 @@
     <a:masterClrMapping/>
   </p:clrMapOvr>
   <mc:AlternateContent xmlns:mc="http://schemas.openxmlformats.org/markup-compatibility/2006">
-    <mc:Choice xmlns:p14="http://schemas.microsoft.com/office/powerpoint/2010/main" xmlns="" Requires="p14">
+    <mc:Choice xmlns="" xmlns:p14="http://schemas.microsoft.com/office/powerpoint/2010/main" Requires="p14">
       <p:transition p14:dur="250">
         <p:fade/>
       </p:transition>
@@ -11747,6 +11144,19 @@
               <a:t> </a:t>
             </a:r>
             <a:r>
+              <a:rPr lang="da-DK" sz="850" b="1" kern="0" cap="all" spc="200" dirty="0" smtClean="0">
+                <a:solidFill>
+                  <a:schemeClr val="tx1">
+                    <a:lumMod val="50000"/>
+                    <a:lumOff val="50000"/>
+                  </a:schemeClr>
+                </a:solidFill>
+                <a:latin typeface="Arial"/>
+                <a:cs typeface="Arial"/>
+              </a:rPr>
+              <a:t>31  </a:t>
+            </a:r>
+            <a:r>
               <a:rPr lang="da-DK" sz="850" b="1" kern="0" cap="all" spc="200" dirty="0">
                 <a:solidFill>
                   <a:schemeClr val="tx1">
@@ -11757,7 +11167,7 @@
                 <a:latin typeface="Arial"/>
                 <a:cs typeface="Arial"/>
               </a:rPr>
-              <a:t>24  | </a:t>
+              <a:t>| </a:t>
             </a:r>
             <a:r>
               <a:rPr lang="da-DK" sz="850" b="1" kern="0" spc="200" dirty="0" smtClean="0">
@@ -11924,19 +11334,7 @@
                 <a:latin typeface="Arial"/>
                 <a:cs typeface="Arial"/>
               </a:rPr>
-              <a:t>Power-of-two: </a:t>
-            </a:r>
-            <a:r>
-              <a:rPr lang="en-GB" sz="2400" kern="0" cap="all" spc="200" dirty="0" smtClean="0">
-                <a:solidFill>
-                  <a:schemeClr val="tx2">
-                    <a:lumMod val="50000"/>
-                  </a:schemeClr>
-                </a:solidFill>
-                <a:latin typeface="Arial"/>
-                <a:cs typeface="Arial"/>
-              </a:rPr>
-              <a:t>Part 2</a:t>
+              <a:t>Power-of-two: Part 2</a:t>
             </a:r>
             <a:endParaRPr sz="2400" kern="0" cap="all" spc="200" dirty="0">
               <a:solidFill>
@@ -12177,7 +11575,7 @@
                 <a:solidFill>
                   <a:schemeClr val="accent1">
                     <a:lumMod val="75000"/>
-                    <a:alpha val="30000"/>
+                    <a:alpha val="50000"/>
                   </a:schemeClr>
                 </a:solidFill>
                 <a:latin typeface="Arial"/>
@@ -12185,6 +11583,52 @@
               </a:rPr>
               <a:t>GIRAF</a:t>
             </a:r>
+          </a:p>
+          <a:p>
+            <a:pPr marL="12700">
+              <a:lnSpc>
+                <a:spcPct val="100000"/>
+              </a:lnSpc>
+            </a:pPr>
+            <a:r>
+              <a:rPr lang="da-DK" sz="1000" b="1" cap="all" spc="200" dirty="0" smtClean="0">
+                <a:solidFill>
+                  <a:schemeClr val="accent1">
+                    <a:lumMod val="75000"/>
+                    <a:alpha val="50000"/>
+                  </a:schemeClr>
+                </a:solidFill>
+                <a:latin typeface="Arial"/>
+                <a:cs typeface="Arial"/>
+              </a:rPr>
+              <a:t>Game Design</a:t>
+            </a:r>
+          </a:p>
+          <a:p>
+            <a:pPr marL="12700">
+              <a:lnSpc>
+                <a:spcPct val="100000"/>
+              </a:lnSpc>
+            </a:pPr>
+            <a:r>
+              <a:rPr lang="da-DK" sz="1000" b="1" cap="all" spc="200" dirty="0" smtClean="0">
+                <a:solidFill>
+                  <a:schemeClr val="accent1">
+                    <a:lumMod val="75000"/>
+                  </a:schemeClr>
+                </a:solidFill>
+                <a:latin typeface="Arial"/>
+                <a:cs typeface="Arial"/>
+              </a:rPr>
+              <a:t>OpenGL ES</a:t>
+            </a:r>
+          </a:p>
+          <a:p>
+            <a:pPr marL="12700">
+              <a:lnSpc>
+                <a:spcPct val="100000"/>
+              </a:lnSpc>
+            </a:pPr>
             <a:endParaRPr lang="da-DK" sz="1000" b="1" cap="all" spc="200" dirty="0" smtClean="0">
               <a:solidFill>
                 <a:schemeClr val="accent1">
@@ -12207,37 +11651,34 @@
                 <a:solidFill>
                   <a:schemeClr val="accent1">
                     <a:lumMod val="75000"/>
-                    <a:alpha val="30000"/>
-                  </a:schemeClr>
-                </a:solidFill>
-                <a:latin typeface="Arial"/>
-                <a:cs typeface="Arial"/>
-              </a:rPr>
-              <a:t>Game </a:t>
-            </a:r>
+                    <a:alpha val="50000"/>
+                  </a:schemeClr>
+                </a:solidFill>
+                <a:latin typeface="Arial"/>
+                <a:cs typeface="Arial"/>
+              </a:rPr>
+              <a:t>Implementation</a:t>
+            </a:r>
+          </a:p>
+          <a:p>
+            <a:pPr marL="12700">
+              <a:lnSpc>
+                <a:spcPct val="100000"/>
+              </a:lnSpc>
+            </a:pPr>
             <a:r>
               <a:rPr lang="da-DK" sz="1000" b="1" cap="all" spc="200" dirty="0" smtClean="0">
                 <a:solidFill>
                   <a:schemeClr val="accent1">
                     <a:lumMod val="75000"/>
-                    <a:alpha val="30000"/>
-                  </a:schemeClr>
-                </a:solidFill>
-                <a:latin typeface="Arial"/>
-                <a:cs typeface="Arial"/>
-              </a:rPr>
-              <a:t>Design</a:t>
-            </a:r>
-            <a:endParaRPr lang="da-DK" sz="1000" b="1" cap="all" spc="200" dirty="0" smtClean="0">
-              <a:solidFill>
-                <a:schemeClr val="accent1">
-                  <a:lumMod val="75000"/>
-                  <a:alpha val="30000"/>
-                </a:schemeClr>
-              </a:solidFill>
-              <a:latin typeface="Arial"/>
-              <a:cs typeface="Arial"/>
-            </a:endParaRPr>
+                    <a:alpha val="50000"/>
+                  </a:schemeClr>
+                </a:solidFill>
+                <a:latin typeface="Arial"/>
+                <a:cs typeface="Arial"/>
+              </a:rPr>
+              <a:t>Conclusion</a:t>
+            </a:r>
           </a:p>
           <a:p>
             <a:pPr marL="12700">
@@ -12250,115 +11691,7 @@
                 <a:solidFill>
                   <a:schemeClr val="accent1">
                     <a:lumMod val="75000"/>
-                  </a:schemeClr>
-                </a:solidFill>
-                <a:latin typeface="Arial"/>
-                <a:cs typeface="Arial"/>
-              </a:rPr>
-              <a:t>OpenGL </a:t>
-            </a:r>
-            <a:r>
-              <a:rPr lang="da-DK" sz="1000" b="1" cap="all" spc="200" dirty="0" smtClean="0">
-                <a:solidFill>
-                  <a:schemeClr val="accent1">
-                    <a:lumMod val="75000"/>
-                  </a:schemeClr>
-                </a:solidFill>
-                <a:latin typeface="Arial"/>
-                <a:cs typeface="Arial"/>
-              </a:rPr>
-              <a:t>ES</a:t>
-            </a:r>
-          </a:p>
-          <a:p>
-            <a:pPr marL="12700">
-              <a:lnSpc>
-                <a:spcPct val="100000"/>
-              </a:lnSpc>
-            </a:pPr>
-            <a:endParaRPr lang="da-DK" sz="1000" b="1" cap="all" spc="200" dirty="0" smtClean="0">
-              <a:solidFill>
-                <a:schemeClr val="accent1">
-                  <a:lumMod val="75000"/>
-                  <a:alpha val="30000"/>
-                </a:schemeClr>
-              </a:solidFill>
-              <a:latin typeface="Arial"/>
-              <a:cs typeface="Arial"/>
-            </a:endParaRPr>
-          </a:p>
-          <a:p>
-            <a:pPr marL="12700">
-              <a:lnSpc>
-                <a:spcPct val="100000"/>
-              </a:lnSpc>
-            </a:pPr>
-            <a:r>
-              <a:rPr lang="da-DK" sz="1000" b="1" cap="all" spc="200" dirty="0" smtClean="0">
-                <a:solidFill>
-                  <a:schemeClr val="accent1">
-                    <a:lumMod val="75000"/>
-                    <a:alpha val="30000"/>
-                  </a:schemeClr>
-                </a:solidFill>
-                <a:latin typeface="Arial"/>
-                <a:cs typeface="Arial"/>
-              </a:rPr>
-              <a:t>Implementation</a:t>
-            </a:r>
-            <a:endParaRPr lang="da-DK" sz="1000" b="1" cap="all" spc="200" dirty="0" smtClean="0">
-              <a:solidFill>
-                <a:schemeClr val="accent1">
-                  <a:lumMod val="75000"/>
-                  <a:alpha val="30000"/>
-                </a:schemeClr>
-              </a:solidFill>
-              <a:latin typeface="Arial"/>
-              <a:cs typeface="Arial"/>
-            </a:endParaRPr>
-          </a:p>
-          <a:p>
-            <a:pPr marL="12700">
-              <a:lnSpc>
-                <a:spcPct val="100000"/>
-              </a:lnSpc>
-            </a:pPr>
-            <a:r>
-              <a:rPr lang="da-DK" sz="1000" b="1" cap="all" spc="200" dirty="0" smtClean="0">
-                <a:solidFill>
-                  <a:schemeClr val="accent1">
-                    <a:lumMod val="75000"/>
-                    <a:alpha val="30000"/>
-                  </a:schemeClr>
-                </a:solidFill>
-                <a:latin typeface="Arial"/>
-                <a:cs typeface="Arial"/>
-              </a:rPr>
-              <a:t>Conclusion</a:t>
-            </a:r>
-            <a:endParaRPr lang="da-DK" sz="1000" b="1" cap="all" spc="200" dirty="0" smtClean="0">
-              <a:solidFill>
-                <a:schemeClr val="accent1">
-                  <a:lumMod val="75000"/>
-                  <a:alpha val="30000"/>
-                </a:schemeClr>
-              </a:solidFill>
-              <a:latin typeface="Arial"/>
-              <a:cs typeface="Arial"/>
-            </a:endParaRPr>
-          </a:p>
-          <a:p>
-            <a:pPr marL="12700">
-              <a:lnSpc>
-                <a:spcPct val="100000"/>
-              </a:lnSpc>
-            </a:pPr>
-            <a:r>
-              <a:rPr lang="da-DK" sz="1000" b="1" cap="all" spc="200" dirty="0" smtClean="0">
-                <a:solidFill>
-                  <a:schemeClr val="accent1">
-                    <a:lumMod val="75000"/>
-                    <a:alpha val="30000"/>
+                    <a:alpha val="50000"/>
                   </a:schemeClr>
                 </a:solidFill>
                 <a:latin typeface="Arial"/>
@@ -12406,15 +11739,6 @@
               </a:rPr>
               <a:t>Figure 6.4: Page 43</a:t>
             </a:r>
-            <a:endParaRPr lang="en-GB" sz="1200" dirty="0" smtClean="0">
-              <a:solidFill>
-                <a:schemeClr val="accent1">
-                  <a:lumMod val="75000"/>
-                </a:schemeClr>
-              </a:solidFill>
-              <a:latin typeface="Arial" pitchFamily="34" charset="0"/>
-              <a:cs typeface="Arial" pitchFamily="34" charset="0"/>
-            </a:endParaRPr>
           </a:p>
         </p:txBody>
       </p:sp>
@@ -12452,22 +11776,13 @@
               </a:rPr>
               <a:t>Figure 6.5: Page 43</a:t>
             </a:r>
-            <a:endParaRPr lang="en-GB" sz="1200" dirty="0" smtClean="0">
-              <a:solidFill>
-                <a:schemeClr val="accent1">
-                  <a:lumMod val="75000"/>
-                </a:schemeClr>
-              </a:solidFill>
-              <a:latin typeface="Arial" pitchFamily="34" charset="0"/>
-              <a:cs typeface="Arial" pitchFamily="34" charset="0"/>
-            </a:endParaRPr>
           </a:p>
         </p:txBody>
       </p:sp>
     </p:spTree>
     <p:extLst>
       <p:ext uri="{BB962C8B-B14F-4D97-AF65-F5344CB8AC3E}">
-        <p14:creationId xmlns:p14="http://schemas.microsoft.com/office/powerpoint/2010/main" xmlns="" val="585023994"/>
+        <p14:creationId xmlns="" xmlns:p14="http://schemas.microsoft.com/office/powerpoint/2010/main" val="585023994"/>
       </p:ext>
     </p:extLst>
   </p:cSld>
@@ -12475,7 +11790,7 @@
     <a:masterClrMapping/>
   </p:clrMapOvr>
   <mc:AlternateContent xmlns:mc="http://schemas.openxmlformats.org/markup-compatibility/2006">
-    <mc:Choice xmlns:p14="http://schemas.microsoft.com/office/powerpoint/2010/main" xmlns="" Requires="p14">
+    <mc:Choice xmlns="" xmlns:p14="http://schemas.microsoft.com/office/powerpoint/2010/main" Requires="p14">
       <p:transition p14:dur="250">
         <p:fade/>
       </p:transition>
@@ -12748,6 +12063,19 @@
               <a:t> </a:t>
             </a:r>
             <a:r>
+              <a:rPr lang="da-DK" sz="850" b="1" kern="0" cap="all" spc="200" dirty="0" smtClean="0">
+                <a:solidFill>
+                  <a:schemeClr val="tx1">
+                    <a:lumMod val="50000"/>
+                    <a:lumOff val="50000"/>
+                  </a:schemeClr>
+                </a:solidFill>
+                <a:latin typeface="Arial"/>
+                <a:cs typeface="Arial"/>
+              </a:rPr>
+              <a:t>31  </a:t>
+            </a:r>
+            <a:r>
               <a:rPr lang="da-DK" sz="850" b="1" kern="0" cap="all" spc="200" dirty="0">
                 <a:solidFill>
                   <a:schemeClr val="tx1">
@@ -12758,7 +12086,7 @@
                 <a:latin typeface="Arial"/>
                 <a:cs typeface="Arial"/>
               </a:rPr>
-              <a:t>24  | </a:t>
+              <a:t>| </a:t>
             </a:r>
             <a:r>
               <a:rPr lang="da-DK" sz="850" b="1" kern="0" spc="200" dirty="0" smtClean="0">
@@ -12974,7 +12302,7 @@
                 <a:solidFill>
                   <a:schemeClr val="accent1">
                     <a:lumMod val="75000"/>
-                    <a:alpha val="30000"/>
+                    <a:alpha val="50000"/>
                   </a:schemeClr>
                 </a:solidFill>
                 <a:latin typeface="Arial"/>
@@ -12982,6 +12310,52 @@
               </a:rPr>
               <a:t>GIRAF</a:t>
             </a:r>
+          </a:p>
+          <a:p>
+            <a:pPr marL="12700">
+              <a:lnSpc>
+                <a:spcPct val="100000"/>
+              </a:lnSpc>
+            </a:pPr>
+            <a:r>
+              <a:rPr lang="da-DK" sz="1000" b="1" cap="all" spc="200" dirty="0" smtClean="0">
+                <a:solidFill>
+                  <a:schemeClr val="accent1">
+                    <a:lumMod val="75000"/>
+                    <a:alpha val="50000"/>
+                  </a:schemeClr>
+                </a:solidFill>
+                <a:latin typeface="Arial"/>
+                <a:cs typeface="Arial"/>
+              </a:rPr>
+              <a:t>Game Design</a:t>
+            </a:r>
+          </a:p>
+          <a:p>
+            <a:pPr marL="12700">
+              <a:lnSpc>
+                <a:spcPct val="100000"/>
+              </a:lnSpc>
+            </a:pPr>
+            <a:r>
+              <a:rPr lang="da-DK" sz="1000" b="1" cap="all" spc="200" dirty="0" smtClean="0">
+                <a:solidFill>
+                  <a:schemeClr val="accent1">
+                    <a:lumMod val="75000"/>
+                  </a:schemeClr>
+                </a:solidFill>
+                <a:latin typeface="Arial"/>
+                <a:cs typeface="Arial"/>
+              </a:rPr>
+              <a:t>OpenGL ES</a:t>
+            </a:r>
+          </a:p>
+          <a:p>
+            <a:pPr marL="12700">
+              <a:lnSpc>
+                <a:spcPct val="100000"/>
+              </a:lnSpc>
+            </a:pPr>
             <a:endParaRPr lang="da-DK" sz="1000" b="1" cap="all" spc="200" dirty="0" smtClean="0">
               <a:solidFill>
                 <a:schemeClr val="accent1">
@@ -13004,37 +12378,34 @@
                 <a:solidFill>
                   <a:schemeClr val="accent1">
                     <a:lumMod val="75000"/>
-                    <a:alpha val="30000"/>
-                  </a:schemeClr>
-                </a:solidFill>
-                <a:latin typeface="Arial"/>
-                <a:cs typeface="Arial"/>
-              </a:rPr>
-              <a:t>Game </a:t>
-            </a:r>
+                    <a:alpha val="50000"/>
+                  </a:schemeClr>
+                </a:solidFill>
+                <a:latin typeface="Arial"/>
+                <a:cs typeface="Arial"/>
+              </a:rPr>
+              <a:t>Implementation</a:t>
+            </a:r>
+          </a:p>
+          <a:p>
+            <a:pPr marL="12700">
+              <a:lnSpc>
+                <a:spcPct val="100000"/>
+              </a:lnSpc>
+            </a:pPr>
             <a:r>
               <a:rPr lang="da-DK" sz="1000" b="1" cap="all" spc="200" dirty="0" smtClean="0">
                 <a:solidFill>
                   <a:schemeClr val="accent1">
                     <a:lumMod val="75000"/>
-                    <a:alpha val="30000"/>
-                  </a:schemeClr>
-                </a:solidFill>
-                <a:latin typeface="Arial"/>
-                <a:cs typeface="Arial"/>
-              </a:rPr>
-              <a:t>Design</a:t>
-            </a:r>
-            <a:endParaRPr lang="da-DK" sz="1000" b="1" cap="all" spc="200" dirty="0" smtClean="0">
-              <a:solidFill>
-                <a:schemeClr val="accent1">
-                  <a:lumMod val="75000"/>
-                  <a:alpha val="30000"/>
-                </a:schemeClr>
-              </a:solidFill>
-              <a:latin typeface="Arial"/>
-              <a:cs typeface="Arial"/>
-            </a:endParaRPr>
+                    <a:alpha val="50000"/>
+                  </a:schemeClr>
+                </a:solidFill>
+                <a:latin typeface="Arial"/>
+                <a:cs typeface="Arial"/>
+              </a:rPr>
+              <a:t>Conclusion</a:t>
+            </a:r>
           </a:p>
           <a:p>
             <a:pPr marL="12700">
@@ -13047,115 +12418,7 @@
                 <a:solidFill>
                   <a:schemeClr val="accent1">
                     <a:lumMod val="75000"/>
-                  </a:schemeClr>
-                </a:solidFill>
-                <a:latin typeface="Arial"/>
-                <a:cs typeface="Arial"/>
-              </a:rPr>
-              <a:t>OpenGL </a:t>
-            </a:r>
-            <a:r>
-              <a:rPr lang="da-DK" sz="1000" b="1" cap="all" spc="200" dirty="0" smtClean="0">
-                <a:solidFill>
-                  <a:schemeClr val="accent1">
-                    <a:lumMod val="75000"/>
-                  </a:schemeClr>
-                </a:solidFill>
-                <a:latin typeface="Arial"/>
-                <a:cs typeface="Arial"/>
-              </a:rPr>
-              <a:t>ES</a:t>
-            </a:r>
-          </a:p>
-          <a:p>
-            <a:pPr marL="12700">
-              <a:lnSpc>
-                <a:spcPct val="100000"/>
-              </a:lnSpc>
-            </a:pPr>
-            <a:endParaRPr lang="da-DK" sz="1000" b="1" cap="all" spc="200" dirty="0" smtClean="0">
-              <a:solidFill>
-                <a:schemeClr val="accent1">
-                  <a:lumMod val="75000"/>
-                  <a:alpha val="30000"/>
-                </a:schemeClr>
-              </a:solidFill>
-              <a:latin typeface="Arial"/>
-              <a:cs typeface="Arial"/>
-            </a:endParaRPr>
-          </a:p>
-          <a:p>
-            <a:pPr marL="12700">
-              <a:lnSpc>
-                <a:spcPct val="100000"/>
-              </a:lnSpc>
-            </a:pPr>
-            <a:r>
-              <a:rPr lang="da-DK" sz="1000" b="1" cap="all" spc="200" dirty="0" smtClean="0">
-                <a:solidFill>
-                  <a:schemeClr val="accent1">
-                    <a:lumMod val="75000"/>
-                    <a:alpha val="30000"/>
-                  </a:schemeClr>
-                </a:solidFill>
-                <a:latin typeface="Arial"/>
-                <a:cs typeface="Arial"/>
-              </a:rPr>
-              <a:t>Implementation</a:t>
-            </a:r>
-            <a:endParaRPr lang="da-DK" sz="1000" b="1" cap="all" spc="200" dirty="0" smtClean="0">
-              <a:solidFill>
-                <a:schemeClr val="accent1">
-                  <a:lumMod val="75000"/>
-                  <a:alpha val="30000"/>
-                </a:schemeClr>
-              </a:solidFill>
-              <a:latin typeface="Arial"/>
-              <a:cs typeface="Arial"/>
-            </a:endParaRPr>
-          </a:p>
-          <a:p>
-            <a:pPr marL="12700">
-              <a:lnSpc>
-                <a:spcPct val="100000"/>
-              </a:lnSpc>
-            </a:pPr>
-            <a:r>
-              <a:rPr lang="da-DK" sz="1000" b="1" cap="all" spc="200" dirty="0" smtClean="0">
-                <a:solidFill>
-                  <a:schemeClr val="accent1">
-                    <a:lumMod val="75000"/>
-                    <a:alpha val="30000"/>
-                  </a:schemeClr>
-                </a:solidFill>
-                <a:latin typeface="Arial"/>
-                <a:cs typeface="Arial"/>
-              </a:rPr>
-              <a:t>Conclusion</a:t>
-            </a:r>
-            <a:endParaRPr lang="da-DK" sz="1000" b="1" cap="all" spc="200" dirty="0" smtClean="0">
-              <a:solidFill>
-                <a:schemeClr val="accent1">
-                  <a:lumMod val="75000"/>
-                  <a:alpha val="30000"/>
-                </a:schemeClr>
-              </a:solidFill>
-              <a:latin typeface="Arial"/>
-              <a:cs typeface="Arial"/>
-            </a:endParaRPr>
-          </a:p>
-          <a:p>
-            <a:pPr marL="12700">
-              <a:lnSpc>
-                <a:spcPct val="100000"/>
-              </a:lnSpc>
-            </a:pPr>
-            <a:r>
-              <a:rPr lang="da-DK" sz="1000" b="1" cap="all" spc="200" dirty="0" smtClean="0">
-                <a:solidFill>
-                  <a:schemeClr val="accent1">
-                    <a:lumMod val="75000"/>
-                    <a:alpha val="30000"/>
+                    <a:alpha val="50000"/>
                   </a:schemeClr>
                 </a:solidFill>
                 <a:latin typeface="Arial"/>
@@ -13203,22 +12466,13 @@
               </a:rPr>
               <a:t>Figure 6.7: Page 46</a:t>
             </a:r>
-            <a:endParaRPr lang="en-GB" sz="1200" dirty="0" smtClean="0">
-              <a:solidFill>
-                <a:schemeClr val="accent1">
-                  <a:lumMod val="75000"/>
-                </a:schemeClr>
-              </a:solidFill>
-              <a:latin typeface="Arial" pitchFamily="34" charset="0"/>
-              <a:cs typeface="Arial" pitchFamily="34" charset="0"/>
-            </a:endParaRPr>
           </a:p>
         </p:txBody>
       </p:sp>
     </p:spTree>
     <p:extLst>
       <p:ext uri="{BB962C8B-B14F-4D97-AF65-F5344CB8AC3E}">
-        <p14:creationId xmlns:p14="http://schemas.microsoft.com/office/powerpoint/2010/main" xmlns="" val="585023994"/>
+        <p14:creationId xmlns="" xmlns:p14="http://schemas.microsoft.com/office/powerpoint/2010/main" val="585023994"/>
       </p:ext>
     </p:extLst>
   </p:cSld>
@@ -13226,7 +12480,7 @@
     <a:masterClrMapping/>
   </p:clrMapOvr>
   <mc:AlternateContent xmlns:mc="http://schemas.openxmlformats.org/markup-compatibility/2006">
-    <mc:Choice xmlns:p14="http://schemas.microsoft.com/office/powerpoint/2010/main" xmlns="" Requires="p14">
+    <mc:Choice xmlns="" xmlns:p14="http://schemas.microsoft.com/office/powerpoint/2010/main" Requires="p14">
       <p:transition p14:dur="250">
         <p:fade/>
       </p:transition>
@@ -13499,6 +12753,19 @@
               <a:t> </a:t>
             </a:r>
             <a:r>
+              <a:rPr lang="da-DK" sz="850" b="1" kern="0" cap="all" spc="200" dirty="0" smtClean="0">
+                <a:solidFill>
+                  <a:schemeClr val="tx1">
+                    <a:lumMod val="50000"/>
+                    <a:lumOff val="50000"/>
+                  </a:schemeClr>
+                </a:solidFill>
+                <a:latin typeface="Arial"/>
+                <a:cs typeface="Arial"/>
+              </a:rPr>
+              <a:t>31  </a:t>
+            </a:r>
+            <a:r>
               <a:rPr lang="da-DK" sz="850" b="1" kern="0" cap="all" spc="200" dirty="0">
                 <a:solidFill>
                   <a:schemeClr val="tx1">
@@ -13509,7 +12776,7 @@
                 <a:latin typeface="Arial"/>
                 <a:cs typeface="Arial"/>
               </a:rPr>
-              <a:t>24  | </a:t>
+              <a:t>| </a:t>
             </a:r>
             <a:r>
               <a:rPr lang="da-DK" sz="850" b="1" kern="0" spc="200" dirty="0" smtClean="0">
@@ -13757,7 +13024,7 @@
                 <a:solidFill>
                   <a:schemeClr val="accent1">
                     <a:lumMod val="75000"/>
-                    <a:alpha val="30000"/>
+                    <a:alpha val="50000"/>
                   </a:schemeClr>
                 </a:solidFill>
                 <a:latin typeface="Arial"/>
@@ -13765,6 +13032,52 @@
               </a:rPr>
               <a:t>GIRAF</a:t>
             </a:r>
+          </a:p>
+          <a:p>
+            <a:pPr marL="12700">
+              <a:lnSpc>
+                <a:spcPct val="100000"/>
+              </a:lnSpc>
+            </a:pPr>
+            <a:r>
+              <a:rPr lang="da-DK" sz="1000" b="1" cap="all" spc="200" dirty="0" smtClean="0">
+                <a:solidFill>
+                  <a:schemeClr val="accent1">
+                    <a:lumMod val="75000"/>
+                    <a:alpha val="50000"/>
+                  </a:schemeClr>
+                </a:solidFill>
+                <a:latin typeface="Arial"/>
+                <a:cs typeface="Arial"/>
+              </a:rPr>
+              <a:t>Game Design</a:t>
+            </a:r>
+          </a:p>
+          <a:p>
+            <a:pPr marL="12700">
+              <a:lnSpc>
+                <a:spcPct val="100000"/>
+              </a:lnSpc>
+            </a:pPr>
+            <a:r>
+              <a:rPr lang="da-DK" sz="1000" b="1" cap="all" spc="200" dirty="0" smtClean="0">
+                <a:solidFill>
+                  <a:schemeClr val="accent1">
+                    <a:lumMod val="75000"/>
+                  </a:schemeClr>
+                </a:solidFill>
+                <a:latin typeface="Arial"/>
+                <a:cs typeface="Arial"/>
+              </a:rPr>
+              <a:t>OpenGL ES</a:t>
+            </a:r>
+          </a:p>
+          <a:p>
+            <a:pPr marL="12700">
+              <a:lnSpc>
+                <a:spcPct val="100000"/>
+              </a:lnSpc>
+            </a:pPr>
             <a:endParaRPr lang="da-DK" sz="1000" b="1" cap="all" spc="200" dirty="0" smtClean="0">
               <a:solidFill>
                 <a:schemeClr val="accent1">
@@ -13787,37 +13100,34 @@
                 <a:solidFill>
                   <a:schemeClr val="accent1">
                     <a:lumMod val="75000"/>
-                    <a:alpha val="30000"/>
-                  </a:schemeClr>
-                </a:solidFill>
-                <a:latin typeface="Arial"/>
-                <a:cs typeface="Arial"/>
-              </a:rPr>
-              <a:t>Game </a:t>
-            </a:r>
+                    <a:alpha val="50000"/>
+                  </a:schemeClr>
+                </a:solidFill>
+                <a:latin typeface="Arial"/>
+                <a:cs typeface="Arial"/>
+              </a:rPr>
+              <a:t>Implementation</a:t>
+            </a:r>
+          </a:p>
+          <a:p>
+            <a:pPr marL="12700">
+              <a:lnSpc>
+                <a:spcPct val="100000"/>
+              </a:lnSpc>
+            </a:pPr>
             <a:r>
               <a:rPr lang="da-DK" sz="1000" b="1" cap="all" spc="200" dirty="0" smtClean="0">
                 <a:solidFill>
                   <a:schemeClr val="accent1">
                     <a:lumMod val="75000"/>
-                    <a:alpha val="30000"/>
-                  </a:schemeClr>
-                </a:solidFill>
-                <a:latin typeface="Arial"/>
-                <a:cs typeface="Arial"/>
-              </a:rPr>
-              <a:t>Design</a:t>
-            </a:r>
-            <a:endParaRPr lang="da-DK" sz="1000" b="1" cap="all" spc="200" dirty="0" smtClean="0">
-              <a:solidFill>
-                <a:schemeClr val="accent1">
-                  <a:lumMod val="75000"/>
-                  <a:alpha val="30000"/>
-                </a:schemeClr>
-              </a:solidFill>
-              <a:latin typeface="Arial"/>
-              <a:cs typeface="Arial"/>
-            </a:endParaRPr>
+                    <a:alpha val="50000"/>
+                  </a:schemeClr>
+                </a:solidFill>
+                <a:latin typeface="Arial"/>
+                <a:cs typeface="Arial"/>
+              </a:rPr>
+              <a:t>Conclusion</a:t>
+            </a:r>
           </a:p>
           <a:p>
             <a:pPr marL="12700">
@@ -13830,115 +13140,7 @@
                 <a:solidFill>
                   <a:schemeClr val="accent1">
                     <a:lumMod val="75000"/>
-                  </a:schemeClr>
-                </a:solidFill>
-                <a:latin typeface="Arial"/>
-                <a:cs typeface="Arial"/>
-              </a:rPr>
-              <a:t>OpenGL </a:t>
-            </a:r>
-            <a:r>
-              <a:rPr lang="da-DK" sz="1000" b="1" cap="all" spc="200" dirty="0" smtClean="0">
-                <a:solidFill>
-                  <a:schemeClr val="accent1">
-                    <a:lumMod val="75000"/>
-                  </a:schemeClr>
-                </a:solidFill>
-                <a:latin typeface="Arial"/>
-                <a:cs typeface="Arial"/>
-              </a:rPr>
-              <a:t>ES</a:t>
-            </a:r>
-          </a:p>
-          <a:p>
-            <a:pPr marL="12700">
-              <a:lnSpc>
-                <a:spcPct val="100000"/>
-              </a:lnSpc>
-            </a:pPr>
-            <a:endParaRPr lang="da-DK" sz="1000" b="1" cap="all" spc="200" dirty="0" smtClean="0">
-              <a:solidFill>
-                <a:schemeClr val="accent1">
-                  <a:lumMod val="75000"/>
-                  <a:alpha val="30000"/>
-                </a:schemeClr>
-              </a:solidFill>
-              <a:latin typeface="Arial"/>
-              <a:cs typeface="Arial"/>
-            </a:endParaRPr>
-          </a:p>
-          <a:p>
-            <a:pPr marL="12700">
-              <a:lnSpc>
-                <a:spcPct val="100000"/>
-              </a:lnSpc>
-            </a:pPr>
-            <a:r>
-              <a:rPr lang="da-DK" sz="1000" b="1" cap="all" spc="200" dirty="0" smtClean="0">
-                <a:solidFill>
-                  <a:schemeClr val="accent1">
-                    <a:lumMod val="75000"/>
-                    <a:alpha val="30000"/>
-                  </a:schemeClr>
-                </a:solidFill>
-                <a:latin typeface="Arial"/>
-                <a:cs typeface="Arial"/>
-              </a:rPr>
-              <a:t>Implementation</a:t>
-            </a:r>
-            <a:endParaRPr lang="da-DK" sz="1000" b="1" cap="all" spc="200" dirty="0" smtClean="0">
-              <a:solidFill>
-                <a:schemeClr val="accent1">
-                  <a:lumMod val="75000"/>
-                  <a:alpha val="30000"/>
-                </a:schemeClr>
-              </a:solidFill>
-              <a:latin typeface="Arial"/>
-              <a:cs typeface="Arial"/>
-            </a:endParaRPr>
-          </a:p>
-          <a:p>
-            <a:pPr marL="12700">
-              <a:lnSpc>
-                <a:spcPct val="100000"/>
-              </a:lnSpc>
-            </a:pPr>
-            <a:r>
-              <a:rPr lang="da-DK" sz="1000" b="1" cap="all" spc="200" dirty="0" smtClean="0">
-                <a:solidFill>
-                  <a:schemeClr val="accent1">
-                    <a:lumMod val="75000"/>
-                    <a:alpha val="30000"/>
-                  </a:schemeClr>
-                </a:solidFill>
-                <a:latin typeface="Arial"/>
-                <a:cs typeface="Arial"/>
-              </a:rPr>
-              <a:t>Conclusion</a:t>
-            </a:r>
-            <a:endParaRPr lang="da-DK" sz="1000" b="1" cap="all" spc="200" dirty="0" smtClean="0">
-              <a:solidFill>
-                <a:schemeClr val="accent1">
-                  <a:lumMod val="75000"/>
-                  <a:alpha val="30000"/>
-                </a:schemeClr>
-              </a:solidFill>
-              <a:latin typeface="Arial"/>
-              <a:cs typeface="Arial"/>
-            </a:endParaRPr>
-          </a:p>
-          <a:p>
-            <a:pPr marL="12700">
-              <a:lnSpc>
-                <a:spcPct val="100000"/>
-              </a:lnSpc>
-            </a:pPr>
-            <a:r>
-              <a:rPr lang="da-DK" sz="1000" b="1" cap="all" spc="200" dirty="0" smtClean="0">
-                <a:solidFill>
-                  <a:schemeClr val="accent1">
-                    <a:lumMod val="75000"/>
-                    <a:alpha val="30000"/>
+                    <a:alpha val="50000"/>
                   </a:schemeClr>
                 </a:solidFill>
                 <a:latin typeface="Arial"/>
@@ -13986,22 +13188,13 @@
               </a:rPr>
               <a:t>Figure 6.7: Page 46</a:t>
             </a:r>
-            <a:endParaRPr lang="en-GB" sz="1200" dirty="0" smtClean="0">
-              <a:solidFill>
-                <a:schemeClr val="accent1">
-                  <a:lumMod val="75000"/>
-                </a:schemeClr>
-              </a:solidFill>
-              <a:latin typeface="Arial" pitchFamily="34" charset="0"/>
-              <a:cs typeface="Arial" pitchFamily="34" charset="0"/>
-            </a:endParaRPr>
           </a:p>
         </p:txBody>
       </p:sp>
     </p:spTree>
     <p:extLst>
       <p:ext uri="{BB962C8B-B14F-4D97-AF65-F5344CB8AC3E}">
-        <p14:creationId xmlns:p14="http://schemas.microsoft.com/office/powerpoint/2010/main" xmlns="" val="585023994"/>
+        <p14:creationId xmlns="" xmlns:p14="http://schemas.microsoft.com/office/powerpoint/2010/main" val="585023994"/>
       </p:ext>
     </p:extLst>
   </p:cSld>
@@ -14009,7 +13202,7 @@
     <a:masterClrMapping/>
   </p:clrMapOvr>
   <mc:AlternateContent xmlns:mc="http://schemas.openxmlformats.org/markup-compatibility/2006">
-    <mc:Choice xmlns:p14="http://schemas.microsoft.com/office/powerpoint/2010/main" xmlns="" Requires="p14">
+    <mc:Choice xmlns="" xmlns:p14="http://schemas.microsoft.com/office/powerpoint/2010/main" Requires="p14">
       <p:transition p14:dur="250">
         <p:fade/>
       </p:transition>
@@ -14190,6 +13383,19 @@
               <a:t> </a:t>
             </a:r>
             <a:r>
+              <a:rPr lang="da-DK" sz="850" b="1" kern="0" cap="all" spc="200" dirty="0" smtClean="0">
+                <a:solidFill>
+                  <a:schemeClr val="tx1">
+                    <a:lumMod val="50000"/>
+                    <a:lumOff val="50000"/>
+                  </a:schemeClr>
+                </a:solidFill>
+                <a:latin typeface="Arial"/>
+                <a:cs typeface="Arial"/>
+              </a:rPr>
+              <a:t>31  </a:t>
+            </a:r>
+            <a:r>
               <a:rPr lang="da-DK" sz="850" b="1" kern="0" cap="all" spc="200" dirty="0">
                 <a:solidFill>
                   <a:schemeClr val="tx1">
@@ -14200,7 +13406,7 @@
                 <a:latin typeface="Arial"/>
                 <a:cs typeface="Arial"/>
               </a:rPr>
-              <a:t>24  | </a:t>
+              <a:t>| </a:t>
             </a:r>
             <a:r>
               <a:rPr lang="da-DK" sz="850" b="1" kern="0" spc="200" dirty="0" smtClean="0">
@@ -14557,22 +13763,13 @@
               </a:rPr>
               <a:t>Figure 6.6: Page 44</a:t>
             </a:r>
-            <a:endParaRPr lang="en-GB" sz="1200" dirty="0" smtClean="0">
-              <a:solidFill>
-                <a:schemeClr val="accent1">
-                  <a:lumMod val="75000"/>
-                </a:schemeClr>
-              </a:solidFill>
-              <a:latin typeface="Arial" pitchFamily="34" charset="0"/>
-              <a:cs typeface="Arial" pitchFamily="34" charset="0"/>
-            </a:endParaRPr>
           </a:p>
         </p:txBody>
       </p:sp>
     </p:spTree>
     <p:extLst>
       <p:ext uri="{BB962C8B-B14F-4D97-AF65-F5344CB8AC3E}">
-        <p14:creationId xmlns:p14="http://schemas.microsoft.com/office/powerpoint/2010/main" xmlns="" val="585023994"/>
+        <p14:creationId xmlns="" xmlns:p14="http://schemas.microsoft.com/office/powerpoint/2010/main" val="585023994"/>
       </p:ext>
     </p:extLst>
   </p:cSld>
@@ -14580,7 +13777,7 @@
     <a:masterClrMapping/>
   </p:clrMapOvr>
   <mc:AlternateContent xmlns:mc="http://schemas.openxmlformats.org/markup-compatibility/2006">
-    <mc:Choice xmlns:p14="http://schemas.microsoft.com/office/powerpoint/2010/main" xmlns="" Requires="p14">
+    <mc:Choice xmlns="" xmlns:p14="http://schemas.microsoft.com/office/powerpoint/2010/main" Requires="p14">
       <p:transition p14:dur="250">
         <p:fade/>
       </p:transition>
@@ -14687,7 +13884,7 @@
           <a:blip r:embed="rId2" cstate="print">
             <a:extLst>
               <a:ext uri="{28A0092B-C50C-407E-A947-70E740481C1C}">
-                <a14:useLocalDpi xmlns:a14="http://schemas.microsoft.com/office/drawing/2010/main" xmlns="" val="0"/>
+                <a14:useLocalDpi xmlns="" xmlns:a14="http://schemas.microsoft.com/office/drawing/2010/main" val="0"/>
               </a:ext>
             </a:extLst>
           </a:blip>
@@ -14782,7 +13979,7 @@
     </p:spTree>
     <p:extLst>
       <p:ext uri="{BB962C8B-B14F-4D97-AF65-F5344CB8AC3E}">
-        <p14:creationId xmlns:p14="http://schemas.microsoft.com/office/powerpoint/2010/main" xmlns="" val="3425622471"/>
+        <p14:creationId xmlns="" xmlns:p14="http://schemas.microsoft.com/office/powerpoint/2010/main" val="3425622471"/>
       </p:ext>
     </p:extLst>
   </p:cSld>
@@ -14790,7 +13987,7 @@
     <a:masterClrMapping/>
   </p:clrMapOvr>
   <mc:AlternateContent xmlns:mc="http://schemas.openxmlformats.org/markup-compatibility/2006">
-    <mc:Choice xmlns:p14="http://schemas.microsoft.com/office/powerpoint/2010/main" xmlns="" Requires="p14">
+    <mc:Choice xmlns="" xmlns:p14="http://schemas.microsoft.com/office/powerpoint/2010/main" Requires="p14">
       <p:transition p14:dur="250">
         <p:fade/>
       </p:transition>
@@ -15056,6 +14253,19 @@
               <a:t> </a:t>
             </a:r>
             <a:r>
+              <a:rPr lang="da-DK" sz="850" b="1" kern="0" cap="all" spc="200" dirty="0" smtClean="0">
+                <a:solidFill>
+                  <a:schemeClr val="tx1">
+                    <a:lumMod val="50000"/>
+                    <a:lumOff val="50000"/>
+                  </a:schemeClr>
+                </a:solidFill>
+                <a:latin typeface="Arial"/>
+                <a:cs typeface="Arial"/>
+              </a:rPr>
+              <a:t>31  </a:t>
+            </a:r>
+            <a:r>
               <a:rPr lang="da-DK" sz="850" b="1" kern="0" cap="all" spc="200" dirty="0">
                 <a:solidFill>
                   <a:schemeClr val="tx1">
@@ -15066,7 +14276,7 @@
                 <a:latin typeface="Arial"/>
                 <a:cs typeface="Arial"/>
               </a:rPr>
-              <a:t>24  | </a:t>
+              <a:t>| </a:t>
             </a:r>
             <a:r>
               <a:rPr lang="da-DK" sz="850" b="1" kern="0" spc="200" dirty="0" smtClean="0">
@@ -15282,7 +14492,7 @@
                 <a:solidFill>
                   <a:schemeClr val="accent1">
                     <a:lumMod val="75000"/>
-                    <a:alpha val="30000"/>
+                    <a:alpha val="50000"/>
                   </a:schemeClr>
                 </a:solidFill>
                 <a:latin typeface="Arial"/>
@@ -15302,7 +14512,7 @@
                 <a:solidFill>
                   <a:schemeClr val="accent1">
                     <a:lumMod val="75000"/>
-                    <a:alpha val="30000"/>
+                    <a:alpha val="50000"/>
                   </a:schemeClr>
                 </a:solidFill>
                 <a:latin typeface="Arial"/>
@@ -15322,7 +14532,7 @@
                 <a:solidFill>
                   <a:schemeClr val="accent1">
                     <a:lumMod val="75000"/>
-                    <a:alpha val="30000"/>
+                    <a:alpha val="50000"/>
                   </a:schemeClr>
                 </a:solidFill>
                 <a:latin typeface="Arial"/>
@@ -15378,7 +14588,7 @@
                 <a:solidFill>
                   <a:schemeClr val="accent1">
                     <a:lumMod val="75000"/>
-                    <a:alpha val="30000"/>
+                    <a:alpha val="50000"/>
                   </a:schemeClr>
                 </a:solidFill>
                 <a:latin typeface="Arial"/>
@@ -15398,7 +14608,7 @@
                 <a:solidFill>
                   <a:schemeClr val="accent1">
                     <a:lumMod val="75000"/>
-                    <a:alpha val="30000"/>
+                    <a:alpha val="50000"/>
                   </a:schemeClr>
                 </a:solidFill>
                 <a:latin typeface="Arial"/>
@@ -15406,16 +14616,6 @@
               </a:rPr>
               <a:t>demonstration</a:t>
             </a:r>
-            <a:endParaRPr lang="da-DK" sz="1000" b="1" cap="all" spc="200" dirty="0" smtClean="0">
-              <a:solidFill>
-                <a:schemeClr val="accent1">
-                  <a:lumMod val="75000"/>
-                  <a:alpha val="30000"/>
-                </a:schemeClr>
-              </a:solidFill>
-              <a:latin typeface="Arial"/>
-              <a:cs typeface="Arial"/>
-            </a:endParaRPr>
           </a:p>
           <a:p>
             <a:endParaRPr lang="da-DK" sz="1000" dirty="0"/>
@@ -15456,22 +14656,13 @@
               </a:rPr>
               <a:t>Figure 9.1: Page 65</a:t>
             </a:r>
-            <a:endParaRPr lang="en-GB" sz="1200" dirty="0" smtClean="0">
-              <a:solidFill>
-                <a:schemeClr val="accent1">
-                  <a:lumMod val="75000"/>
-                </a:schemeClr>
-              </a:solidFill>
-              <a:latin typeface="Arial" pitchFamily="34" charset="0"/>
-              <a:cs typeface="Arial" pitchFamily="34" charset="0"/>
-            </a:endParaRPr>
           </a:p>
         </p:txBody>
       </p:sp>
     </p:spTree>
     <p:extLst>
       <p:ext uri="{BB962C8B-B14F-4D97-AF65-F5344CB8AC3E}">
-        <p14:creationId xmlns:p14="http://schemas.microsoft.com/office/powerpoint/2010/main" xmlns="" val="585023994"/>
+        <p14:creationId xmlns="" xmlns:p14="http://schemas.microsoft.com/office/powerpoint/2010/main" val="585023994"/>
       </p:ext>
     </p:extLst>
   </p:cSld>
@@ -15479,7 +14670,7 @@
     <a:masterClrMapping/>
   </p:clrMapOvr>
   <mc:AlternateContent xmlns:mc="http://schemas.openxmlformats.org/markup-compatibility/2006">
-    <mc:Choice xmlns:p14="http://schemas.microsoft.com/office/powerpoint/2010/main" xmlns="" Requires="p14">
+    <mc:Choice xmlns="" xmlns:p14="http://schemas.microsoft.com/office/powerpoint/2010/main" Requires="p14">
       <p:transition p14:dur="250">
         <p:fade/>
       </p:transition>
@@ -15774,6 +14965,19 @@
               <a:t> </a:t>
             </a:r>
             <a:r>
+              <a:rPr lang="da-DK" sz="850" b="1" kern="0" cap="all" spc="200" dirty="0" smtClean="0">
+                <a:solidFill>
+                  <a:schemeClr val="tx1">
+                    <a:lumMod val="50000"/>
+                    <a:lumOff val="50000"/>
+                  </a:schemeClr>
+                </a:solidFill>
+                <a:latin typeface="Arial"/>
+                <a:cs typeface="Arial"/>
+              </a:rPr>
+              <a:t>31  </a:t>
+            </a:r>
+            <a:r>
               <a:rPr lang="da-DK" sz="850" b="1" kern="0" cap="all" spc="200" dirty="0">
                 <a:solidFill>
                   <a:schemeClr val="tx1">
@@ -15784,7 +14988,7 @@
                 <a:latin typeface="Arial"/>
                 <a:cs typeface="Arial"/>
               </a:rPr>
-              <a:t>24  | </a:t>
+              <a:t>| </a:t>
             </a:r>
             <a:r>
               <a:rPr lang="da-DK" sz="850" b="1" kern="0" spc="200" dirty="0" smtClean="0">
@@ -16038,7 +15242,7 @@
                 <a:solidFill>
                   <a:schemeClr val="accent1">
                     <a:lumMod val="75000"/>
-                    <a:alpha val="30000"/>
+                    <a:alpha val="50000"/>
                   </a:schemeClr>
                 </a:solidFill>
                 <a:latin typeface="Arial"/>
@@ -16058,7 +15262,7 @@
                 <a:solidFill>
                   <a:schemeClr val="accent1">
                     <a:lumMod val="75000"/>
-                    <a:alpha val="30000"/>
+                    <a:alpha val="50000"/>
                   </a:schemeClr>
                 </a:solidFill>
                 <a:latin typeface="Arial"/>
@@ -16078,7 +15282,7 @@
                 <a:solidFill>
                   <a:schemeClr val="accent1">
                     <a:lumMod val="75000"/>
-                    <a:alpha val="30000"/>
+                    <a:alpha val="50000"/>
                   </a:schemeClr>
                 </a:solidFill>
                 <a:latin typeface="Arial"/>
@@ -16134,7 +15338,7 @@
                 <a:solidFill>
                   <a:schemeClr val="accent1">
                     <a:lumMod val="75000"/>
-                    <a:alpha val="30000"/>
+                    <a:alpha val="50000"/>
                   </a:schemeClr>
                 </a:solidFill>
                 <a:latin typeface="Arial"/>
@@ -16154,7 +15358,7 @@
                 <a:solidFill>
                   <a:schemeClr val="accent1">
                     <a:lumMod val="75000"/>
-                    <a:alpha val="30000"/>
+                    <a:alpha val="50000"/>
                   </a:schemeClr>
                 </a:solidFill>
                 <a:latin typeface="Arial"/>
@@ -16162,16 +15366,6 @@
               </a:rPr>
               <a:t>demonstration</a:t>
             </a:r>
-            <a:endParaRPr lang="da-DK" sz="1000" b="1" cap="all" spc="200" dirty="0" smtClean="0">
-              <a:solidFill>
-                <a:schemeClr val="accent1">
-                  <a:lumMod val="75000"/>
-                  <a:alpha val="30000"/>
-                </a:schemeClr>
-              </a:solidFill>
-              <a:latin typeface="Arial"/>
-              <a:cs typeface="Arial"/>
-            </a:endParaRPr>
           </a:p>
           <a:p>
             <a:endParaRPr lang="da-DK" sz="1000" dirty="0"/>
@@ -16181,7 +15375,7 @@
     </p:spTree>
     <p:extLst>
       <p:ext uri="{BB962C8B-B14F-4D97-AF65-F5344CB8AC3E}">
-        <p14:creationId xmlns:p14="http://schemas.microsoft.com/office/powerpoint/2010/main" xmlns="" val="585023994"/>
+        <p14:creationId xmlns="" xmlns:p14="http://schemas.microsoft.com/office/powerpoint/2010/main" val="585023994"/>
       </p:ext>
     </p:extLst>
   </p:cSld>
@@ -16189,7 +15383,7 @@
     <a:masterClrMapping/>
   </p:clrMapOvr>
   <mc:AlternateContent xmlns:mc="http://schemas.openxmlformats.org/markup-compatibility/2006">
-    <mc:Choice xmlns:p14="http://schemas.microsoft.com/office/powerpoint/2010/main" xmlns="" Requires="p14">
+    <mc:Choice xmlns="" xmlns:p14="http://schemas.microsoft.com/office/powerpoint/2010/main" Requires="p14">
       <p:transition p14:dur="250">
         <p:fade/>
       </p:transition>
@@ -16626,6 +15820,19 @@
               <a:t> </a:t>
             </a:r>
             <a:r>
+              <a:rPr lang="da-DK" sz="850" b="1" kern="0" cap="all" spc="200" dirty="0" smtClean="0">
+                <a:solidFill>
+                  <a:schemeClr val="tx1">
+                    <a:lumMod val="50000"/>
+                    <a:lumOff val="50000"/>
+                  </a:schemeClr>
+                </a:solidFill>
+                <a:latin typeface="Arial"/>
+                <a:cs typeface="Arial"/>
+              </a:rPr>
+              <a:t>31  </a:t>
+            </a:r>
+            <a:r>
               <a:rPr lang="da-DK" sz="850" b="1" kern="0" cap="all" spc="200" dirty="0">
                 <a:solidFill>
                   <a:schemeClr val="tx1">
@@ -16636,7 +15843,7 @@
                 <a:latin typeface="Arial"/>
                 <a:cs typeface="Arial"/>
               </a:rPr>
-              <a:t>24  | </a:t>
+              <a:t>| </a:t>
             </a:r>
             <a:r>
               <a:rPr lang="da-DK" sz="850" b="1" kern="0" spc="200" dirty="0" smtClean="0">
@@ -16794,7 +16001,7 @@
                 <a:solidFill>
                   <a:schemeClr val="accent1">
                     <a:lumMod val="75000"/>
-                    <a:alpha val="30000"/>
+                    <a:alpha val="50000"/>
                   </a:schemeClr>
                 </a:solidFill>
                 <a:latin typeface="Arial"/>
@@ -16814,7 +16021,7 @@
                 <a:solidFill>
                   <a:schemeClr val="accent1">
                     <a:lumMod val="75000"/>
-                    <a:alpha val="30000"/>
+                    <a:alpha val="50000"/>
                   </a:schemeClr>
                 </a:solidFill>
                 <a:latin typeface="Arial"/>
@@ -16834,7 +16041,7 @@
                 <a:solidFill>
                   <a:schemeClr val="accent1">
                     <a:lumMod val="75000"/>
-                    <a:alpha val="30000"/>
+                    <a:alpha val="50000"/>
                   </a:schemeClr>
                 </a:solidFill>
                 <a:latin typeface="Arial"/>
@@ -16890,7 +16097,7 @@
                 <a:solidFill>
                   <a:schemeClr val="accent1">
                     <a:lumMod val="75000"/>
-                    <a:alpha val="30000"/>
+                    <a:alpha val="50000"/>
                   </a:schemeClr>
                 </a:solidFill>
                 <a:latin typeface="Arial"/>
@@ -16910,7 +16117,7 @@
                 <a:solidFill>
                   <a:schemeClr val="accent1">
                     <a:lumMod val="75000"/>
-                    <a:alpha val="30000"/>
+                    <a:alpha val="50000"/>
                   </a:schemeClr>
                 </a:solidFill>
                 <a:latin typeface="Arial"/>
@@ -16918,16 +16125,6 @@
               </a:rPr>
               <a:t>demonstration</a:t>
             </a:r>
-            <a:endParaRPr lang="da-DK" sz="1000" b="1" cap="all" spc="200" dirty="0" smtClean="0">
-              <a:solidFill>
-                <a:schemeClr val="accent1">
-                  <a:lumMod val="75000"/>
-                  <a:alpha val="30000"/>
-                </a:schemeClr>
-              </a:solidFill>
-              <a:latin typeface="Arial"/>
-              <a:cs typeface="Arial"/>
-            </a:endParaRPr>
           </a:p>
           <a:p>
             <a:endParaRPr lang="da-DK" sz="1000" dirty="0"/>
@@ -16937,7 +16134,7 @@
     </p:spTree>
     <p:extLst>
       <p:ext uri="{BB962C8B-B14F-4D97-AF65-F5344CB8AC3E}">
-        <p14:creationId xmlns:p14="http://schemas.microsoft.com/office/powerpoint/2010/main" xmlns="" val="585023994"/>
+        <p14:creationId xmlns="" xmlns:p14="http://schemas.microsoft.com/office/powerpoint/2010/main" val="585023994"/>
       </p:ext>
     </p:extLst>
   </p:cSld>
@@ -16945,7 +16142,7 @@
     <a:masterClrMapping/>
   </p:clrMapOvr>
   <mc:AlternateContent xmlns:mc="http://schemas.openxmlformats.org/markup-compatibility/2006">
-    <mc:Choice xmlns:p14="http://schemas.microsoft.com/office/powerpoint/2010/main" xmlns="" Requires="p14">
+    <mc:Choice xmlns="" xmlns:p14="http://schemas.microsoft.com/office/powerpoint/2010/main" Requires="p14">
       <p:transition p14:dur="250">
         <p:fade/>
       </p:transition>
@@ -17052,7 +16249,7 @@
           <a:blip r:embed="rId2" cstate="print">
             <a:extLst>
               <a:ext uri="{28A0092B-C50C-407E-A947-70E740481C1C}">
-                <a14:useLocalDpi xmlns:a14="http://schemas.microsoft.com/office/drawing/2010/main" xmlns="" val="0"/>
+                <a14:useLocalDpi xmlns="" xmlns:a14="http://schemas.microsoft.com/office/drawing/2010/main" val="0"/>
               </a:ext>
             </a:extLst>
           </a:blip>
@@ -17147,7 +16344,7 @@
     </p:spTree>
     <p:extLst>
       <p:ext uri="{BB962C8B-B14F-4D97-AF65-F5344CB8AC3E}">
-        <p14:creationId xmlns:p14="http://schemas.microsoft.com/office/powerpoint/2010/main" xmlns="" val="3425622471"/>
+        <p14:creationId xmlns="" xmlns:p14="http://schemas.microsoft.com/office/powerpoint/2010/main" val="3425622471"/>
       </p:ext>
     </p:extLst>
   </p:cSld>
@@ -17155,7 +16352,7 @@
     <a:masterClrMapping/>
   </p:clrMapOvr>
   <mc:AlternateContent xmlns:mc="http://schemas.openxmlformats.org/markup-compatibility/2006">
-    <mc:Choice xmlns:p14="http://schemas.microsoft.com/office/powerpoint/2010/main" xmlns="" Requires="p14">
+    <mc:Choice xmlns="" xmlns:p14="http://schemas.microsoft.com/office/powerpoint/2010/main" Requires="p14">
       <p:transition p14:dur="250">
         <p:fade/>
       </p:transition>
@@ -17262,7 +16459,7 @@
           <a:blip r:embed="rId2" cstate="print">
             <a:extLst>
               <a:ext uri="{28A0092B-C50C-407E-A947-70E740481C1C}">
-                <a14:useLocalDpi xmlns:a14="http://schemas.microsoft.com/office/drawing/2010/main" xmlns="" val="0"/>
+                <a14:useLocalDpi xmlns="" xmlns:a14="http://schemas.microsoft.com/office/drawing/2010/main" val="0"/>
               </a:ext>
             </a:extLst>
           </a:blip>
@@ -17357,7 +16554,7 @@
     </p:spTree>
     <p:extLst>
       <p:ext uri="{BB962C8B-B14F-4D97-AF65-F5344CB8AC3E}">
-        <p14:creationId xmlns:p14="http://schemas.microsoft.com/office/powerpoint/2010/main" xmlns="" val="3425622471"/>
+        <p14:creationId xmlns="" xmlns:p14="http://schemas.microsoft.com/office/powerpoint/2010/main" val="3425622471"/>
       </p:ext>
     </p:extLst>
   </p:cSld>
@@ -17365,7 +16562,7 @@
     <a:masterClrMapping/>
   </p:clrMapOvr>
   <mc:AlternateContent xmlns:mc="http://schemas.openxmlformats.org/markup-compatibility/2006">
-    <mc:Choice xmlns:p14="http://schemas.microsoft.com/office/powerpoint/2010/main" xmlns="" Requires="p14">
+    <mc:Choice xmlns="" xmlns:p14="http://schemas.microsoft.com/office/powerpoint/2010/main" Requires="p14">
       <p:transition p14:dur="250">
         <p:fade/>
       </p:transition>
@@ -17647,8 +16844,64 @@
                 <a:latin typeface="Arial"/>
                 <a:cs typeface="Arial"/>
               </a:rPr>
-              <a:t>Easy to start</a:t>
-            </a:r>
+              <a:t>Easy to </a:t>
+            </a:r>
+            <a:r>
+              <a:rPr lang="en-GB" b="1" cap="all" spc="200" dirty="0" smtClean="0">
+                <a:solidFill>
+                  <a:schemeClr val="accent1">
+                    <a:lumMod val="75000"/>
+                  </a:schemeClr>
+                </a:solidFill>
+                <a:latin typeface="Arial"/>
+                <a:cs typeface="Arial"/>
+              </a:rPr>
+              <a:t>start</a:t>
+            </a:r>
+          </a:p>
+          <a:p>
+            <a:pPr marL="12700">
+              <a:lnSpc>
+                <a:spcPct val="100000"/>
+              </a:lnSpc>
+            </a:pPr>
+            <a:endParaRPr lang="en-GB" b="1" cap="all" spc="200" dirty="0" smtClean="0">
+              <a:solidFill>
+                <a:schemeClr val="accent1">
+                  <a:lumMod val="75000"/>
+                </a:schemeClr>
+              </a:solidFill>
+              <a:latin typeface="Arial"/>
+              <a:cs typeface="Arial"/>
+            </a:endParaRPr>
+          </a:p>
+          <a:p>
+            <a:pPr marL="12700">
+              <a:lnSpc>
+                <a:spcPct val="100000"/>
+              </a:lnSpc>
+            </a:pPr>
+            <a:r>
+              <a:rPr lang="en-GB" b="1" cap="all" spc="200" dirty="0" smtClean="0">
+                <a:solidFill>
+                  <a:schemeClr val="accent1">
+                    <a:lumMod val="75000"/>
+                  </a:schemeClr>
+                </a:solidFill>
+                <a:latin typeface="Arial"/>
+                <a:cs typeface="Arial"/>
+              </a:rPr>
+              <a:t>Database</a:t>
+            </a:r>
+            <a:endParaRPr lang="en-GB" b="1" cap="all" spc="200" dirty="0" smtClean="0">
+              <a:solidFill>
+                <a:schemeClr val="accent1">
+                  <a:lumMod val="75000"/>
+                </a:schemeClr>
+              </a:solidFill>
+              <a:latin typeface="Arial"/>
+              <a:cs typeface="Arial"/>
+            </a:endParaRPr>
           </a:p>
         </p:txBody>
       </p:sp>
@@ -17737,7 +16990,20 @@
                 <a:latin typeface="Arial"/>
                 <a:cs typeface="Arial"/>
               </a:rPr>
-              <a:t> 24</a:t>
+              <a:t> </a:t>
+            </a:r>
+            <a:r>
+              <a:rPr lang="da-DK" sz="850" b="1" kern="0" cap="all" spc="200" dirty="0" smtClean="0">
+                <a:solidFill>
+                  <a:schemeClr val="tx1">
+                    <a:lumMod val="50000"/>
+                    <a:lumOff val="50000"/>
+                  </a:schemeClr>
+                </a:solidFill>
+                <a:latin typeface="Arial"/>
+                <a:cs typeface="Arial"/>
+              </a:rPr>
+              <a:t>31</a:t>
             </a:r>
             <a:r>
               <a:rPr sz="850" b="1" kern="0" cap="all" spc="200" dirty="0" smtClean="0">
@@ -17763,7 +17029,20 @@
                 <a:latin typeface="Arial"/>
                 <a:cs typeface="Arial"/>
               </a:rPr>
-              <a:t> | </a:t>
+              <a:t> </a:t>
+            </a:r>
+            <a:r>
+              <a:rPr lang="da-DK" sz="850" b="1" kern="0" cap="all" spc="200" dirty="0" smtClean="0">
+                <a:solidFill>
+                  <a:schemeClr val="tx1">
+                    <a:lumMod val="50000"/>
+                    <a:lumOff val="50000"/>
+                  </a:schemeClr>
+                </a:solidFill>
+                <a:latin typeface="Arial"/>
+                <a:cs typeface="Arial"/>
+              </a:rPr>
+              <a:t>| </a:t>
             </a:r>
             <a:r>
               <a:rPr lang="da-DK" sz="850" b="1" kern="0" spc="200" dirty="0" smtClean="0">
@@ -17967,7 +17246,7 @@
                 <a:solidFill>
                   <a:schemeClr val="accent1">
                     <a:lumMod val="75000"/>
-                    <a:alpha val="30000"/>
+                    <a:alpha val="50000"/>
                   </a:schemeClr>
                 </a:solidFill>
                 <a:latin typeface="Arial"/>
@@ -17987,7 +17266,7 @@
                 <a:solidFill>
                   <a:schemeClr val="accent1">
                     <a:lumMod val="75000"/>
-                    <a:alpha val="30000"/>
+                    <a:alpha val="50000"/>
                   </a:schemeClr>
                 </a:solidFill>
                 <a:latin typeface="Arial"/>
@@ -18007,7 +17286,7 @@
                 <a:solidFill>
                   <a:schemeClr val="accent1">
                     <a:lumMod val="75000"/>
-                    <a:alpha val="30000"/>
+                    <a:alpha val="50000"/>
                   </a:schemeClr>
                 </a:solidFill>
                 <a:latin typeface="Arial"/>
@@ -18026,7 +17305,7 @@
               <a:solidFill>
                 <a:schemeClr val="accent1">
                   <a:lumMod val="75000"/>
-                  <a:alpha val="30000"/>
+                  <a:alpha val="50000"/>
                 </a:schemeClr>
               </a:solidFill>
               <a:latin typeface="Arial"/>
@@ -18044,7 +17323,7 @@
                 <a:solidFill>
                   <a:schemeClr val="accent1">
                     <a:lumMod val="75000"/>
-                    <a:alpha val="30000"/>
+                    <a:alpha val="50000"/>
                   </a:schemeClr>
                 </a:solidFill>
                 <a:latin typeface="Arial"/>
@@ -18083,7 +17362,7 @@
                 <a:solidFill>
                   <a:schemeClr val="accent1">
                     <a:lumMod val="75000"/>
-                    <a:alpha val="30000"/>
+                    <a:alpha val="50000"/>
                   </a:schemeClr>
                 </a:solidFill>
                 <a:latin typeface="Arial"/>
@@ -18091,16 +17370,6 @@
               </a:rPr>
               <a:t>demonstration</a:t>
             </a:r>
-            <a:endParaRPr lang="da-DK" sz="1000" b="1" cap="all" spc="200" dirty="0" smtClean="0">
-              <a:solidFill>
-                <a:schemeClr val="accent1">
-                  <a:lumMod val="75000"/>
-                  <a:alpha val="30000"/>
-                </a:schemeClr>
-              </a:solidFill>
-              <a:latin typeface="Arial"/>
-              <a:cs typeface="Arial"/>
-            </a:endParaRPr>
           </a:p>
           <a:p>
             <a:endParaRPr lang="da-DK" sz="1000" dirty="0"/>
@@ -18110,7 +17379,7 @@
     </p:spTree>
     <p:extLst>
       <p:ext uri="{BB962C8B-B14F-4D97-AF65-F5344CB8AC3E}">
-        <p14:creationId xmlns:p14="http://schemas.microsoft.com/office/powerpoint/2010/main" xmlns="" val="772562590"/>
+        <p14:creationId xmlns="" xmlns:p14="http://schemas.microsoft.com/office/powerpoint/2010/main" val="772562590"/>
       </p:ext>
     </p:extLst>
   </p:cSld>
@@ -18118,7 +17387,7 @@
     <a:masterClrMapping/>
   </p:clrMapOvr>
   <mc:AlternateContent xmlns:mc="http://schemas.openxmlformats.org/markup-compatibility/2006">
-    <mc:Choice xmlns:p14="http://schemas.microsoft.com/office/powerpoint/2010/main" xmlns="" Requires="p14">
+    <mc:Choice xmlns="" xmlns:p14="http://schemas.microsoft.com/office/powerpoint/2010/main" Requires="p14">
       <p:transition p14:dur="250">
         <p:fade/>
       </p:transition>
@@ -18225,7 +17494,7 @@
           <a:blip r:embed="rId2" cstate="print">
             <a:extLst>
               <a:ext uri="{28A0092B-C50C-407E-A947-70E740481C1C}">
-                <a14:useLocalDpi xmlns:a14="http://schemas.microsoft.com/office/drawing/2010/main" xmlns="" val="0"/>
+                <a14:useLocalDpi xmlns="" xmlns:a14="http://schemas.microsoft.com/office/drawing/2010/main" val="0"/>
               </a:ext>
             </a:extLst>
           </a:blip>
@@ -18320,7 +17589,7 @@
     </p:spTree>
     <p:extLst>
       <p:ext uri="{BB962C8B-B14F-4D97-AF65-F5344CB8AC3E}">
-        <p14:creationId xmlns:p14="http://schemas.microsoft.com/office/powerpoint/2010/main" xmlns="" val="3425622471"/>
+        <p14:creationId xmlns="" xmlns:p14="http://schemas.microsoft.com/office/powerpoint/2010/main" val="3425622471"/>
       </p:ext>
     </p:extLst>
   </p:cSld>
@@ -18328,7 +17597,7 @@
     <a:masterClrMapping/>
   </p:clrMapOvr>
   <mc:AlternateContent xmlns:mc="http://schemas.openxmlformats.org/markup-compatibility/2006">
-    <mc:Choice xmlns:p14="http://schemas.microsoft.com/office/powerpoint/2010/main" xmlns="" Requires="p14">
+    <mc:Choice xmlns="" xmlns:p14="http://schemas.microsoft.com/office/powerpoint/2010/main" Requires="p14">
       <p:transition p14:dur="250">
         <p:fade/>
       </p:transition>
@@ -18722,7 +17991,33 @@
                 <a:latin typeface="Arial"/>
                 <a:cs typeface="Arial"/>
               </a:rPr>
-              <a:t> 24  | </a:t>
+              <a:t> </a:t>
+            </a:r>
+            <a:r>
+              <a:rPr lang="da-DK" sz="850" b="1" kern="0" cap="all" spc="200" dirty="0" smtClean="0">
+                <a:solidFill>
+                  <a:schemeClr val="tx1">
+                    <a:lumMod val="50000"/>
+                    <a:lumOff val="50000"/>
+                  </a:schemeClr>
+                </a:solidFill>
+                <a:latin typeface="Arial"/>
+                <a:cs typeface="Arial"/>
+              </a:rPr>
+              <a:t>31  </a:t>
+            </a:r>
+            <a:r>
+              <a:rPr lang="da-DK" sz="850" b="1" kern="0" cap="all" spc="200" dirty="0" smtClean="0">
+                <a:solidFill>
+                  <a:schemeClr val="tx1">
+                    <a:lumMod val="50000"/>
+                    <a:lumOff val="50000"/>
+                  </a:schemeClr>
+                </a:solidFill>
+                <a:latin typeface="Arial"/>
+                <a:cs typeface="Arial"/>
+              </a:rPr>
+              <a:t>| </a:t>
             </a:r>
             <a:r>
               <a:rPr lang="da-DK" sz="850" b="1" kern="0" spc="200" dirty="0" smtClean="0">
@@ -18887,10 +18182,58 @@
               </a:rPr>
               <a:t>GIRAF</a:t>
             </a:r>
+          </a:p>
+          <a:p>
+            <a:pPr marL="12700">
+              <a:lnSpc>
+                <a:spcPct val="100000"/>
+              </a:lnSpc>
+            </a:pPr>
+            <a:r>
+              <a:rPr lang="da-DK" sz="1000" b="1" cap="all" spc="200" dirty="0" smtClean="0">
+                <a:solidFill>
+                  <a:schemeClr val="accent1">
+                    <a:lumMod val="75000"/>
+                    <a:alpha val="50000"/>
+                  </a:schemeClr>
+                </a:solidFill>
+                <a:latin typeface="Arial"/>
+                <a:cs typeface="Arial"/>
+              </a:rPr>
+              <a:t>Game Design</a:t>
+            </a:r>
+          </a:p>
+          <a:p>
+            <a:pPr marL="12700">
+              <a:lnSpc>
+                <a:spcPct val="100000"/>
+              </a:lnSpc>
+            </a:pPr>
+            <a:r>
+              <a:rPr lang="da-DK" sz="1000" b="1" cap="all" spc="200" dirty="0" smtClean="0">
+                <a:solidFill>
+                  <a:schemeClr val="accent1">
+                    <a:lumMod val="75000"/>
+                    <a:alpha val="50000"/>
+                  </a:schemeClr>
+                </a:solidFill>
+                <a:latin typeface="Arial"/>
+                <a:cs typeface="Arial"/>
+              </a:rPr>
+              <a:t>OpenGL ES</a:t>
+            </a:r>
+          </a:p>
+          <a:p>
+            <a:pPr marL="12700">
+              <a:lnSpc>
+                <a:spcPct val="100000"/>
+              </a:lnSpc>
+            </a:pPr>
             <a:endParaRPr lang="da-DK" sz="1000" b="1" cap="all" spc="200" dirty="0" smtClean="0">
               <a:solidFill>
                 <a:schemeClr val="accent1">
                   <a:lumMod val="75000"/>
+                  <a:alpha val="50000"/>
                 </a:schemeClr>
               </a:solidFill>
               <a:latin typeface="Arial"/>
@@ -18908,37 +18251,34 @@
                 <a:solidFill>
                   <a:schemeClr val="accent1">
                     <a:lumMod val="75000"/>
-                    <a:alpha val="30000"/>
-                  </a:schemeClr>
-                </a:solidFill>
-                <a:latin typeface="Arial"/>
-                <a:cs typeface="Arial"/>
-              </a:rPr>
-              <a:t>Game </a:t>
-            </a:r>
+                    <a:alpha val="50000"/>
+                  </a:schemeClr>
+                </a:solidFill>
+                <a:latin typeface="Arial"/>
+                <a:cs typeface="Arial"/>
+              </a:rPr>
+              <a:t>Implementation</a:t>
+            </a:r>
+          </a:p>
+          <a:p>
+            <a:pPr marL="12700">
+              <a:lnSpc>
+                <a:spcPct val="100000"/>
+              </a:lnSpc>
+            </a:pPr>
             <a:r>
               <a:rPr lang="da-DK" sz="1000" b="1" cap="all" spc="200" dirty="0" smtClean="0">
                 <a:solidFill>
                   <a:schemeClr val="accent1">
                     <a:lumMod val="75000"/>
-                    <a:alpha val="30000"/>
-                  </a:schemeClr>
-                </a:solidFill>
-                <a:latin typeface="Arial"/>
-                <a:cs typeface="Arial"/>
-              </a:rPr>
-              <a:t>Design</a:t>
-            </a:r>
-            <a:endParaRPr lang="da-DK" sz="1000" b="1" cap="all" spc="200" dirty="0" smtClean="0">
-              <a:solidFill>
-                <a:schemeClr val="accent1">
-                  <a:lumMod val="75000"/>
-                  <a:alpha val="30000"/>
-                </a:schemeClr>
-              </a:solidFill>
-              <a:latin typeface="Arial"/>
-              <a:cs typeface="Arial"/>
-            </a:endParaRPr>
+                    <a:alpha val="50000"/>
+                  </a:schemeClr>
+                </a:solidFill>
+                <a:latin typeface="Arial"/>
+                <a:cs typeface="Arial"/>
+              </a:rPr>
+              <a:t>Conclusion</a:t>
+            </a:r>
           </a:p>
           <a:p>
             <a:pPr marL="12700">
@@ -18951,117 +18291,7 @@
                 <a:solidFill>
                   <a:schemeClr val="accent1">
                     <a:lumMod val="75000"/>
-                    <a:alpha val="30000"/>
-                  </a:schemeClr>
-                </a:solidFill>
-                <a:latin typeface="Arial"/>
-                <a:cs typeface="Arial"/>
-              </a:rPr>
-              <a:t>OpenGL </a:t>
-            </a:r>
-            <a:r>
-              <a:rPr lang="da-DK" sz="1000" b="1" cap="all" spc="200" dirty="0" smtClean="0">
-                <a:solidFill>
-                  <a:schemeClr val="accent1">
-                    <a:lumMod val="75000"/>
-                    <a:alpha val="30000"/>
-                  </a:schemeClr>
-                </a:solidFill>
-                <a:latin typeface="Arial"/>
-                <a:cs typeface="Arial"/>
-              </a:rPr>
-              <a:t>ES</a:t>
-            </a:r>
-          </a:p>
-          <a:p>
-            <a:pPr marL="12700">
-              <a:lnSpc>
-                <a:spcPct val="100000"/>
-              </a:lnSpc>
-            </a:pPr>
-            <a:endParaRPr lang="da-DK" sz="1000" b="1" cap="all" spc="200" dirty="0" smtClean="0">
-              <a:solidFill>
-                <a:schemeClr val="accent1">
-                  <a:lumMod val="75000"/>
-                  <a:alpha val="30000"/>
-                </a:schemeClr>
-              </a:solidFill>
-              <a:latin typeface="Arial"/>
-              <a:cs typeface="Arial"/>
-            </a:endParaRPr>
-          </a:p>
-          <a:p>
-            <a:pPr marL="12700">
-              <a:lnSpc>
-                <a:spcPct val="100000"/>
-              </a:lnSpc>
-            </a:pPr>
-            <a:r>
-              <a:rPr lang="da-DK" sz="1000" b="1" cap="all" spc="200" dirty="0" smtClean="0">
-                <a:solidFill>
-                  <a:schemeClr val="accent1">
-                    <a:lumMod val="75000"/>
-                    <a:alpha val="30000"/>
-                  </a:schemeClr>
-                </a:solidFill>
-                <a:latin typeface="Arial"/>
-                <a:cs typeface="Arial"/>
-              </a:rPr>
-              <a:t>Implementation</a:t>
-            </a:r>
-            <a:endParaRPr lang="da-DK" sz="1000" b="1" cap="all" spc="200" dirty="0" smtClean="0">
-              <a:solidFill>
-                <a:schemeClr val="accent1">
-                  <a:lumMod val="75000"/>
-                  <a:alpha val="30000"/>
-                </a:schemeClr>
-              </a:solidFill>
-              <a:latin typeface="Arial"/>
-              <a:cs typeface="Arial"/>
-            </a:endParaRPr>
-          </a:p>
-          <a:p>
-            <a:pPr marL="12700">
-              <a:lnSpc>
-                <a:spcPct val="100000"/>
-              </a:lnSpc>
-            </a:pPr>
-            <a:r>
-              <a:rPr lang="da-DK" sz="1000" b="1" cap="all" spc="200" dirty="0" smtClean="0">
-                <a:solidFill>
-                  <a:schemeClr val="accent1">
-                    <a:lumMod val="75000"/>
-                    <a:alpha val="30000"/>
-                  </a:schemeClr>
-                </a:solidFill>
-                <a:latin typeface="Arial"/>
-                <a:cs typeface="Arial"/>
-              </a:rPr>
-              <a:t>Conclusion</a:t>
-            </a:r>
-            <a:endParaRPr lang="da-DK" sz="1000" b="1" cap="all" spc="200" dirty="0" smtClean="0">
-              <a:solidFill>
-                <a:schemeClr val="accent1">
-                  <a:lumMod val="75000"/>
-                  <a:alpha val="30000"/>
-                </a:schemeClr>
-              </a:solidFill>
-              <a:latin typeface="Arial"/>
-              <a:cs typeface="Arial"/>
-            </a:endParaRPr>
-          </a:p>
-          <a:p>
-            <a:pPr marL="12700">
-              <a:lnSpc>
-                <a:spcPct val="100000"/>
-              </a:lnSpc>
-            </a:pPr>
-            <a:r>
-              <a:rPr lang="da-DK" sz="1000" b="1" cap="all" spc="200" dirty="0" smtClean="0">
-                <a:solidFill>
-                  <a:schemeClr val="accent1">
-                    <a:lumMod val="75000"/>
-                    <a:alpha val="30000"/>
+                    <a:alpha val="50000"/>
                   </a:schemeClr>
                 </a:solidFill>
                 <a:latin typeface="Arial"/>
@@ -19078,7 +18308,7 @@
     </p:spTree>
     <p:extLst>
       <p:ext uri="{BB962C8B-B14F-4D97-AF65-F5344CB8AC3E}">
-        <p14:creationId xmlns:p14="http://schemas.microsoft.com/office/powerpoint/2010/main" xmlns="" val="585023994"/>
+        <p14:creationId xmlns="" xmlns:p14="http://schemas.microsoft.com/office/powerpoint/2010/main" val="585023994"/>
       </p:ext>
     </p:extLst>
   </p:cSld>
@@ -19086,7 +18316,7 @@
     <a:masterClrMapping/>
   </p:clrMapOvr>
   <mc:AlternateContent xmlns:mc="http://schemas.openxmlformats.org/markup-compatibility/2006">
-    <mc:Choice xmlns:p14="http://schemas.microsoft.com/office/powerpoint/2010/main" xmlns="" Requires="p14">
+    <mc:Choice xmlns="" xmlns:p14="http://schemas.microsoft.com/office/powerpoint/2010/main" Requires="p14">
       <p:transition p14:dur="250">
         <p:fade/>
       </p:transition>
@@ -19305,6 +18535,32 @@
               <a:t> </a:t>
             </a:r>
             <a:r>
+              <a:rPr lang="da-DK" sz="850" b="1" kern="0" cap="all" spc="200" dirty="0" smtClean="0">
+                <a:solidFill>
+                  <a:schemeClr val="tx1">
+                    <a:lumMod val="50000"/>
+                    <a:lumOff val="50000"/>
+                  </a:schemeClr>
+                </a:solidFill>
+                <a:latin typeface="Arial"/>
+                <a:cs typeface="Arial"/>
+              </a:rPr>
+              <a:t>31</a:t>
+            </a:r>
+            <a:r>
+              <a:rPr lang="da-DK" sz="850" b="1" kern="0" cap="all" spc="200" dirty="0" smtClean="0">
+                <a:solidFill>
+                  <a:schemeClr val="tx1">
+                    <a:lumMod val="50000"/>
+                    <a:lumOff val="50000"/>
+                  </a:schemeClr>
+                </a:solidFill>
+                <a:latin typeface="Arial"/>
+                <a:cs typeface="Arial"/>
+              </a:rPr>
+              <a:t>  </a:t>
+            </a:r>
+            <a:r>
               <a:rPr lang="da-DK" sz="850" b="1" kern="0" cap="all" spc="200" dirty="0">
                 <a:solidFill>
                   <a:schemeClr val="tx1">
@@ -19315,7 +18571,7 @@
                 <a:latin typeface="Arial"/>
                 <a:cs typeface="Arial"/>
               </a:rPr>
-              <a:t>24  | </a:t>
+              <a:t>| </a:t>
             </a:r>
             <a:r>
               <a:rPr lang="da-DK" sz="850" b="1" kern="0" spc="200" dirty="0" smtClean="0">
@@ -19670,10 +18926,58 @@
               </a:rPr>
               <a:t>GIRAF</a:t>
             </a:r>
+          </a:p>
+          <a:p>
+            <a:pPr marL="12700">
+              <a:lnSpc>
+                <a:spcPct val="100000"/>
+              </a:lnSpc>
+            </a:pPr>
+            <a:r>
+              <a:rPr lang="da-DK" sz="1000" b="1" cap="all" spc="200" dirty="0" smtClean="0">
+                <a:solidFill>
+                  <a:schemeClr val="accent1">
+                    <a:lumMod val="75000"/>
+                    <a:alpha val="50000"/>
+                  </a:schemeClr>
+                </a:solidFill>
+                <a:latin typeface="Arial"/>
+                <a:cs typeface="Arial"/>
+              </a:rPr>
+              <a:t>Game Design</a:t>
+            </a:r>
+          </a:p>
+          <a:p>
+            <a:pPr marL="12700">
+              <a:lnSpc>
+                <a:spcPct val="100000"/>
+              </a:lnSpc>
+            </a:pPr>
+            <a:r>
+              <a:rPr lang="da-DK" sz="1000" b="1" cap="all" spc="200" dirty="0" smtClean="0">
+                <a:solidFill>
+                  <a:schemeClr val="accent1">
+                    <a:lumMod val="75000"/>
+                    <a:alpha val="50000"/>
+                  </a:schemeClr>
+                </a:solidFill>
+                <a:latin typeface="Arial"/>
+                <a:cs typeface="Arial"/>
+              </a:rPr>
+              <a:t>OpenGL ES</a:t>
+            </a:r>
+          </a:p>
+          <a:p>
+            <a:pPr marL="12700">
+              <a:lnSpc>
+                <a:spcPct val="100000"/>
+              </a:lnSpc>
+            </a:pPr>
             <a:endParaRPr lang="da-DK" sz="1000" b="1" cap="all" spc="200" dirty="0" smtClean="0">
               <a:solidFill>
                 <a:schemeClr val="accent1">
                   <a:lumMod val="75000"/>
+                  <a:alpha val="50000"/>
                 </a:schemeClr>
               </a:solidFill>
               <a:latin typeface="Arial"/>
@@ -19691,37 +18995,34 @@
                 <a:solidFill>
                   <a:schemeClr val="accent1">
                     <a:lumMod val="75000"/>
-                    <a:alpha val="30000"/>
-                  </a:schemeClr>
-                </a:solidFill>
-                <a:latin typeface="Arial"/>
-                <a:cs typeface="Arial"/>
-              </a:rPr>
-              <a:t>Game </a:t>
-            </a:r>
+                    <a:alpha val="50000"/>
+                  </a:schemeClr>
+                </a:solidFill>
+                <a:latin typeface="Arial"/>
+                <a:cs typeface="Arial"/>
+              </a:rPr>
+              <a:t>Implementation</a:t>
+            </a:r>
+          </a:p>
+          <a:p>
+            <a:pPr marL="12700">
+              <a:lnSpc>
+                <a:spcPct val="100000"/>
+              </a:lnSpc>
+            </a:pPr>
             <a:r>
               <a:rPr lang="da-DK" sz="1000" b="1" cap="all" spc="200" dirty="0" smtClean="0">
                 <a:solidFill>
                   <a:schemeClr val="accent1">
                     <a:lumMod val="75000"/>
-                    <a:alpha val="30000"/>
-                  </a:schemeClr>
-                </a:solidFill>
-                <a:latin typeface="Arial"/>
-                <a:cs typeface="Arial"/>
-              </a:rPr>
-              <a:t>Design</a:t>
-            </a:r>
-            <a:endParaRPr lang="da-DK" sz="1000" b="1" cap="all" spc="200" dirty="0" smtClean="0">
-              <a:solidFill>
-                <a:schemeClr val="accent1">
-                  <a:lumMod val="75000"/>
-                  <a:alpha val="30000"/>
-                </a:schemeClr>
-              </a:solidFill>
-              <a:latin typeface="Arial"/>
-              <a:cs typeface="Arial"/>
-            </a:endParaRPr>
+                    <a:alpha val="50000"/>
+                  </a:schemeClr>
+                </a:solidFill>
+                <a:latin typeface="Arial"/>
+                <a:cs typeface="Arial"/>
+              </a:rPr>
+              <a:t>Conclusion</a:t>
+            </a:r>
           </a:p>
           <a:p>
             <a:pPr marL="12700">
@@ -19734,117 +19035,7 @@
                 <a:solidFill>
                   <a:schemeClr val="accent1">
                     <a:lumMod val="75000"/>
-                    <a:alpha val="30000"/>
-                  </a:schemeClr>
-                </a:solidFill>
-                <a:latin typeface="Arial"/>
-                <a:cs typeface="Arial"/>
-              </a:rPr>
-              <a:t>OpenGL </a:t>
-            </a:r>
-            <a:r>
-              <a:rPr lang="da-DK" sz="1000" b="1" cap="all" spc="200" dirty="0" smtClean="0">
-                <a:solidFill>
-                  <a:schemeClr val="accent1">
-                    <a:lumMod val="75000"/>
-                    <a:alpha val="30000"/>
-                  </a:schemeClr>
-                </a:solidFill>
-                <a:latin typeface="Arial"/>
-                <a:cs typeface="Arial"/>
-              </a:rPr>
-              <a:t>ES</a:t>
-            </a:r>
-          </a:p>
-          <a:p>
-            <a:pPr marL="12700">
-              <a:lnSpc>
-                <a:spcPct val="100000"/>
-              </a:lnSpc>
-            </a:pPr>
-            <a:endParaRPr lang="da-DK" sz="1000" b="1" cap="all" spc="200" dirty="0" smtClean="0">
-              <a:solidFill>
-                <a:schemeClr val="accent1">
-                  <a:lumMod val="75000"/>
-                  <a:alpha val="30000"/>
-                </a:schemeClr>
-              </a:solidFill>
-              <a:latin typeface="Arial"/>
-              <a:cs typeface="Arial"/>
-            </a:endParaRPr>
-          </a:p>
-          <a:p>
-            <a:pPr marL="12700">
-              <a:lnSpc>
-                <a:spcPct val="100000"/>
-              </a:lnSpc>
-            </a:pPr>
-            <a:r>
-              <a:rPr lang="da-DK" sz="1000" b="1" cap="all" spc="200" dirty="0" smtClean="0">
-                <a:solidFill>
-                  <a:schemeClr val="accent1">
-                    <a:lumMod val="75000"/>
-                    <a:alpha val="30000"/>
-                  </a:schemeClr>
-                </a:solidFill>
-                <a:latin typeface="Arial"/>
-                <a:cs typeface="Arial"/>
-              </a:rPr>
-              <a:t>Implementation</a:t>
-            </a:r>
-            <a:endParaRPr lang="da-DK" sz="1000" b="1" cap="all" spc="200" dirty="0" smtClean="0">
-              <a:solidFill>
-                <a:schemeClr val="accent1">
-                  <a:lumMod val="75000"/>
-                  <a:alpha val="30000"/>
-                </a:schemeClr>
-              </a:solidFill>
-              <a:latin typeface="Arial"/>
-              <a:cs typeface="Arial"/>
-            </a:endParaRPr>
-          </a:p>
-          <a:p>
-            <a:pPr marL="12700">
-              <a:lnSpc>
-                <a:spcPct val="100000"/>
-              </a:lnSpc>
-            </a:pPr>
-            <a:r>
-              <a:rPr lang="da-DK" sz="1000" b="1" cap="all" spc="200" dirty="0" smtClean="0">
-                <a:solidFill>
-                  <a:schemeClr val="accent1">
-                    <a:lumMod val="75000"/>
-                    <a:alpha val="30000"/>
-                  </a:schemeClr>
-                </a:solidFill>
-                <a:latin typeface="Arial"/>
-                <a:cs typeface="Arial"/>
-              </a:rPr>
-              <a:t>Conclusion</a:t>
-            </a:r>
-            <a:endParaRPr lang="da-DK" sz="1000" b="1" cap="all" spc="200" dirty="0" smtClean="0">
-              <a:solidFill>
-                <a:schemeClr val="accent1">
-                  <a:lumMod val="75000"/>
-                  <a:alpha val="30000"/>
-                </a:schemeClr>
-              </a:solidFill>
-              <a:latin typeface="Arial"/>
-              <a:cs typeface="Arial"/>
-            </a:endParaRPr>
-          </a:p>
-          <a:p>
-            <a:pPr marL="12700">
-              <a:lnSpc>
-                <a:spcPct val="100000"/>
-              </a:lnSpc>
-            </a:pPr>
-            <a:r>
-              <a:rPr lang="da-DK" sz="1000" b="1" cap="all" spc="200" dirty="0" smtClean="0">
-                <a:solidFill>
-                  <a:schemeClr val="accent1">
-                    <a:lumMod val="75000"/>
-                    <a:alpha val="30000"/>
+                    <a:alpha val="50000"/>
                   </a:schemeClr>
                 </a:solidFill>
                 <a:latin typeface="Arial"/>
@@ -19892,22 +19083,13 @@
               </a:rPr>
               <a:t>Figure 3.1: Page 26</a:t>
             </a:r>
-            <a:endParaRPr lang="en-GB" sz="1200" dirty="0" smtClean="0">
-              <a:solidFill>
-                <a:schemeClr val="accent1">
-                  <a:lumMod val="75000"/>
-                </a:schemeClr>
-              </a:solidFill>
-              <a:latin typeface="Arial" pitchFamily="34" charset="0"/>
-              <a:cs typeface="Arial" pitchFamily="34" charset="0"/>
-            </a:endParaRPr>
           </a:p>
         </p:txBody>
       </p:sp>
     </p:spTree>
     <p:extLst>
       <p:ext uri="{BB962C8B-B14F-4D97-AF65-F5344CB8AC3E}">
-        <p14:creationId xmlns:p14="http://schemas.microsoft.com/office/powerpoint/2010/main" xmlns="" val="585023994"/>
+        <p14:creationId xmlns="" xmlns:p14="http://schemas.microsoft.com/office/powerpoint/2010/main" val="585023994"/>
       </p:ext>
     </p:extLst>
   </p:cSld>
@@ -19915,7 +19097,7 @@
     <a:masterClrMapping/>
   </p:clrMapOvr>
   <mc:AlternateContent xmlns:mc="http://schemas.openxmlformats.org/markup-compatibility/2006">
-    <mc:Choice xmlns:p14="http://schemas.microsoft.com/office/powerpoint/2010/main" xmlns="" Requires="p14">
+    <mc:Choice xmlns="" xmlns:p14="http://schemas.microsoft.com/office/powerpoint/2010/main" Requires="p14">
       <p:transition p14:dur="250">
         <p:fade/>
       </p:transition>
@@ -20201,6 +19383,32 @@
               <a:t> </a:t>
             </a:r>
             <a:r>
+              <a:rPr lang="da-DK" sz="850" b="1" kern="0" cap="all" spc="200" dirty="0" smtClean="0">
+                <a:solidFill>
+                  <a:schemeClr val="tx1">
+                    <a:lumMod val="50000"/>
+                    <a:lumOff val="50000"/>
+                  </a:schemeClr>
+                </a:solidFill>
+                <a:latin typeface="Arial"/>
+                <a:cs typeface="Arial"/>
+              </a:rPr>
+              <a:t>31</a:t>
+            </a:r>
+            <a:r>
+              <a:rPr lang="da-DK" sz="850" b="1" kern="0" cap="all" spc="200" dirty="0" smtClean="0">
+                <a:solidFill>
+                  <a:schemeClr val="tx1">
+                    <a:lumMod val="50000"/>
+                    <a:lumOff val="50000"/>
+                  </a:schemeClr>
+                </a:solidFill>
+                <a:latin typeface="Arial"/>
+                <a:cs typeface="Arial"/>
+              </a:rPr>
+              <a:t>  </a:t>
+            </a:r>
+            <a:r>
               <a:rPr lang="da-DK" sz="850" b="1" kern="0" cap="all" spc="200" dirty="0">
                 <a:solidFill>
                   <a:schemeClr val="tx1">
@@ -20211,7 +19419,7 @@
                 <a:latin typeface="Arial"/>
                 <a:cs typeface="Arial"/>
               </a:rPr>
-              <a:t>24  | </a:t>
+              <a:t>| </a:t>
             </a:r>
             <a:r>
               <a:rPr lang="da-DK" sz="850" b="1" kern="0" spc="200" dirty="0" smtClean="0">
@@ -20422,10 +19630,58 @@
               </a:rPr>
               <a:t>GIRAF</a:t>
             </a:r>
+          </a:p>
+          <a:p>
+            <a:pPr marL="12700">
+              <a:lnSpc>
+                <a:spcPct val="100000"/>
+              </a:lnSpc>
+            </a:pPr>
+            <a:r>
+              <a:rPr lang="da-DK" sz="1000" b="1" cap="all" spc="200" dirty="0" smtClean="0">
+                <a:solidFill>
+                  <a:schemeClr val="accent1">
+                    <a:lumMod val="75000"/>
+                    <a:alpha val="50000"/>
+                  </a:schemeClr>
+                </a:solidFill>
+                <a:latin typeface="Arial"/>
+                <a:cs typeface="Arial"/>
+              </a:rPr>
+              <a:t>Game Design</a:t>
+            </a:r>
+          </a:p>
+          <a:p>
+            <a:pPr marL="12700">
+              <a:lnSpc>
+                <a:spcPct val="100000"/>
+              </a:lnSpc>
+            </a:pPr>
+            <a:r>
+              <a:rPr lang="da-DK" sz="1000" b="1" cap="all" spc="200" dirty="0" smtClean="0">
+                <a:solidFill>
+                  <a:schemeClr val="accent1">
+                    <a:lumMod val="75000"/>
+                    <a:alpha val="50000"/>
+                  </a:schemeClr>
+                </a:solidFill>
+                <a:latin typeface="Arial"/>
+                <a:cs typeface="Arial"/>
+              </a:rPr>
+              <a:t>OpenGL ES</a:t>
+            </a:r>
+          </a:p>
+          <a:p>
+            <a:pPr marL="12700">
+              <a:lnSpc>
+                <a:spcPct val="100000"/>
+              </a:lnSpc>
+            </a:pPr>
             <a:endParaRPr lang="da-DK" sz="1000" b="1" cap="all" spc="200" dirty="0" smtClean="0">
               <a:solidFill>
                 <a:schemeClr val="accent1">
                   <a:lumMod val="75000"/>
+                  <a:alpha val="50000"/>
                 </a:schemeClr>
               </a:solidFill>
               <a:latin typeface="Arial"/>
@@ -20443,37 +19699,34 @@
                 <a:solidFill>
                   <a:schemeClr val="accent1">
                     <a:lumMod val="75000"/>
-                    <a:alpha val="30000"/>
-                  </a:schemeClr>
-                </a:solidFill>
-                <a:latin typeface="Arial"/>
-                <a:cs typeface="Arial"/>
-              </a:rPr>
-              <a:t>Game </a:t>
-            </a:r>
+                    <a:alpha val="50000"/>
+                  </a:schemeClr>
+                </a:solidFill>
+                <a:latin typeface="Arial"/>
+                <a:cs typeface="Arial"/>
+              </a:rPr>
+              <a:t>Implementation</a:t>
+            </a:r>
+          </a:p>
+          <a:p>
+            <a:pPr marL="12700">
+              <a:lnSpc>
+                <a:spcPct val="100000"/>
+              </a:lnSpc>
+            </a:pPr>
             <a:r>
               <a:rPr lang="da-DK" sz="1000" b="1" cap="all" spc="200" dirty="0" smtClean="0">
                 <a:solidFill>
                   <a:schemeClr val="accent1">
                     <a:lumMod val="75000"/>
-                    <a:alpha val="30000"/>
-                  </a:schemeClr>
-                </a:solidFill>
-                <a:latin typeface="Arial"/>
-                <a:cs typeface="Arial"/>
-              </a:rPr>
-              <a:t>Design</a:t>
-            </a:r>
-            <a:endParaRPr lang="da-DK" sz="1000" b="1" cap="all" spc="200" dirty="0" smtClean="0">
-              <a:solidFill>
-                <a:schemeClr val="accent1">
-                  <a:lumMod val="75000"/>
-                  <a:alpha val="30000"/>
-                </a:schemeClr>
-              </a:solidFill>
-              <a:latin typeface="Arial"/>
-              <a:cs typeface="Arial"/>
-            </a:endParaRPr>
+                    <a:alpha val="50000"/>
+                  </a:schemeClr>
+                </a:solidFill>
+                <a:latin typeface="Arial"/>
+                <a:cs typeface="Arial"/>
+              </a:rPr>
+              <a:t>Conclusion</a:t>
+            </a:r>
           </a:p>
           <a:p>
             <a:pPr marL="12700">
@@ -20486,117 +19739,7 @@
                 <a:solidFill>
                   <a:schemeClr val="accent1">
                     <a:lumMod val="75000"/>
-                    <a:alpha val="30000"/>
-                  </a:schemeClr>
-                </a:solidFill>
-                <a:latin typeface="Arial"/>
-                <a:cs typeface="Arial"/>
-              </a:rPr>
-              <a:t>OpenGL </a:t>
-            </a:r>
-            <a:r>
-              <a:rPr lang="da-DK" sz="1000" b="1" cap="all" spc="200" dirty="0" smtClean="0">
-                <a:solidFill>
-                  <a:schemeClr val="accent1">
-                    <a:lumMod val="75000"/>
-                    <a:alpha val="30000"/>
-                  </a:schemeClr>
-                </a:solidFill>
-                <a:latin typeface="Arial"/>
-                <a:cs typeface="Arial"/>
-              </a:rPr>
-              <a:t>ES</a:t>
-            </a:r>
-          </a:p>
-          <a:p>
-            <a:pPr marL="12700">
-              <a:lnSpc>
-                <a:spcPct val="100000"/>
-              </a:lnSpc>
-            </a:pPr>
-            <a:endParaRPr lang="da-DK" sz="1000" b="1" cap="all" spc="200" dirty="0" smtClean="0">
-              <a:solidFill>
-                <a:schemeClr val="accent1">
-                  <a:lumMod val="75000"/>
-                  <a:alpha val="30000"/>
-                </a:schemeClr>
-              </a:solidFill>
-              <a:latin typeface="Arial"/>
-              <a:cs typeface="Arial"/>
-            </a:endParaRPr>
-          </a:p>
-          <a:p>
-            <a:pPr marL="12700">
-              <a:lnSpc>
-                <a:spcPct val="100000"/>
-              </a:lnSpc>
-            </a:pPr>
-            <a:r>
-              <a:rPr lang="da-DK" sz="1000" b="1" cap="all" spc="200" dirty="0" smtClean="0">
-                <a:solidFill>
-                  <a:schemeClr val="accent1">
-                    <a:lumMod val="75000"/>
-                    <a:alpha val="30000"/>
-                  </a:schemeClr>
-                </a:solidFill>
-                <a:latin typeface="Arial"/>
-                <a:cs typeface="Arial"/>
-              </a:rPr>
-              <a:t>Implementation</a:t>
-            </a:r>
-            <a:endParaRPr lang="da-DK" sz="1000" b="1" cap="all" spc="200" dirty="0" smtClean="0">
-              <a:solidFill>
-                <a:schemeClr val="accent1">
-                  <a:lumMod val="75000"/>
-                  <a:alpha val="30000"/>
-                </a:schemeClr>
-              </a:solidFill>
-              <a:latin typeface="Arial"/>
-              <a:cs typeface="Arial"/>
-            </a:endParaRPr>
-          </a:p>
-          <a:p>
-            <a:pPr marL="12700">
-              <a:lnSpc>
-                <a:spcPct val="100000"/>
-              </a:lnSpc>
-            </a:pPr>
-            <a:r>
-              <a:rPr lang="da-DK" sz="1000" b="1" cap="all" spc="200" dirty="0" smtClean="0">
-                <a:solidFill>
-                  <a:schemeClr val="accent1">
-                    <a:lumMod val="75000"/>
-                    <a:alpha val="30000"/>
-                  </a:schemeClr>
-                </a:solidFill>
-                <a:latin typeface="Arial"/>
-                <a:cs typeface="Arial"/>
-              </a:rPr>
-              <a:t>Conclusion</a:t>
-            </a:r>
-            <a:endParaRPr lang="da-DK" sz="1000" b="1" cap="all" spc="200" dirty="0" smtClean="0">
-              <a:solidFill>
-                <a:schemeClr val="accent1">
-                  <a:lumMod val="75000"/>
-                  <a:alpha val="30000"/>
-                </a:schemeClr>
-              </a:solidFill>
-              <a:latin typeface="Arial"/>
-              <a:cs typeface="Arial"/>
-            </a:endParaRPr>
-          </a:p>
-          <a:p>
-            <a:pPr marL="12700">
-              <a:lnSpc>
-                <a:spcPct val="100000"/>
-              </a:lnSpc>
-            </a:pPr>
-            <a:r>
-              <a:rPr lang="da-DK" sz="1000" b="1" cap="all" spc="200" dirty="0" smtClean="0">
-                <a:solidFill>
-                  <a:schemeClr val="accent1">
-                    <a:lumMod val="75000"/>
-                    <a:alpha val="30000"/>
+                    <a:alpha val="50000"/>
                   </a:schemeClr>
                 </a:solidFill>
                 <a:latin typeface="Arial"/>
@@ -20613,7 +19756,7 @@
     </p:spTree>
     <p:extLst>
       <p:ext uri="{BB962C8B-B14F-4D97-AF65-F5344CB8AC3E}">
-        <p14:creationId xmlns:p14="http://schemas.microsoft.com/office/powerpoint/2010/main" xmlns="" val="585023994"/>
+        <p14:creationId xmlns="" xmlns:p14="http://schemas.microsoft.com/office/powerpoint/2010/main" val="585023994"/>
       </p:ext>
     </p:extLst>
   </p:cSld>
@@ -20621,7 +19764,7 @@
     <a:masterClrMapping/>
   </p:clrMapOvr>
   <mc:AlternateContent xmlns:mc="http://schemas.openxmlformats.org/markup-compatibility/2006">
-    <mc:Choice xmlns:p14="http://schemas.microsoft.com/office/powerpoint/2010/main" xmlns="" Requires="p14">
+    <mc:Choice xmlns="" xmlns:p14="http://schemas.microsoft.com/office/powerpoint/2010/main" Requires="p14">
       <p:transition p14:dur="250">
         <p:fade/>
       </p:transition>
@@ -20728,7 +19871,7 @@
           <a:blip r:embed="rId2" cstate="print">
             <a:extLst>
               <a:ext uri="{28A0092B-C50C-407E-A947-70E740481C1C}">
-                <a14:useLocalDpi xmlns:a14="http://schemas.microsoft.com/office/drawing/2010/main" xmlns="" val="0"/>
+                <a14:useLocalDpi xmlns="" xmlns:a14="http://schemas.microsoft.com/office/drawing/2010/main" val="0"/>
               </a:ext>
             </a:extLst>
           </a:blip>
@@ -20811,7 +19954,7 @@
     </p:spTree>
     <p:extLst>
       <p:ext uri="{BB962C8B-B14F-4D97-AF65-F5344CB8AC3E}">
-        <p14:creationId xmlns:p14="http://schemas.microsoft.com/office/powerpoint/2010/main" xmlns="" val="3425622471"/>
+        <p14:creationId xmlns="" xmlns:p14="http://schemas.microsoft.com/office/powerpoint/2010/main" val="3425622471"/>
       </p:ext>
     </p:extLst>
   </p:cSld>
@@ -20819,7 +19962,7 @@
     <a:masterClrMapping/>
   </p:clrMapOvr>
   <mc:AlternateContent xmlns:mc="http://schemas.openxmlformats.org/markup-compatibility/2006">
-    <mc:Choice xmlns:p14="http://schemas.microsoft.com/office/powerpoint/2010/main" xmlns="" Requires="p14">
+    <mc:Choice xmlns="" xmlns:p14="http://schemas.microsoft.com/office/powerpoint/2010/main" Requires="p14">
       <p:transition p14:dur="250">
         <p:fade/>
       </p:transition>
@@ -21153,6 +20296,32 @@
               <a:t> </a:t>
             </a:r>
             <a:r>
+              <a:rPr lang="da-DK" sz="850" b="1" kern="0" cap="all" spc="200" dirty="0" smtClean="0">
+                <a:solidFill>
+                  <a:schemeClr val="tx1">
+                    <a:lumMod val="50000"/>
+                    <a:lumOff val="50000"/>
+                  </a:schemeClr>
+                </a:solidFill>
+                <a:latin typeface="Arial"/>
+                <a:cs typeface="Arial"/>
+              </a:rPr>
+              <a:t>31</a:t>
+            </a:r>
+            <a:r>
+              <a:rPr lang="da-DK" sz="850" b="1" kern="0" cap="all" spc="200" dirty="0" smtClean="0">
+                <a:solidFill>
+                  <a:schemeClr val="tx1">
+                    <a:lumMod val="50000"/>
+                    <a:lumOff val="50000"/>
+                  </a:schemeClr>
+                </a:solidFill>
+                <a:latin typeface="Arial"/>
+                <a:cs typeface="Arial"/>
+              </a:rPr>
+              <a:t>  </a:t>
+            </a:r>
+            <a:r>
               <a:rPr lang="da-DK" sz="850" b="1" kern="0" cap="all" spc="200" dirty="0">
                 <a:solidFill>
                   <a:schemeClr val="tx1">
@@ -21163,7 +20332,7 @@
                 <a:latin typeface="Arial"/>
                 <a:cs typeface="Arial"/>
               </a:rPr>
-              <a:t>24  | </a:t>
+              <a:t>| </a:t>
             </a:r>
             <a:r>
               <a:rPr lang="da-DK" sz="850" b="1" kern="0" spc="200" dirty="0" smtClean="0">
@@ -21347,7 +20516,7 @@
                 <a:solidFill>
                   <a:schemeClr val="accent1">
                     <a:lumMod val="75000"/>
-                    <a:alpha val="30000"/>
+                    <a:alpha val="50000"/>
                   </a:schemeClr>
                 </a:solidFill>
                 <a:latin typeface="Arial"/>
@@ -21355,11 +20524,57 @@
               </a:rPr>
               <a:t>GIRAF</a:t>
             </a:r>
+          </a:p>
+          <a:p>
+            <a:pPr marL="12700">
+              <a:lnSpc>
+                <a:spcPct val="100000"/>
+              </a:lnSpc>
+            </a:pPr>
+            <a:r>
+              <a:rPr lang="da-DK" sz="1000" b="1" cap="all" spc="200" dirty="0" smtClean="0">
+                <a:solidFill>
+                  <a:schemeClr val="accent1">
+                    <a:lumMod val="75000"/>
+                  </a:schemeClr>
+                </a:solidFill>
+                <a:latin typeface="Arial"/>
+                <a:cs typeface="Arial"/>
+              </a:rPr>
+              <a:t>Game Design</a:t>
+            </a:r>
+          </a:p>
+          <a:p>
+            <a:pPr marL="12700">
+              <a:lnSpc>
+                <a:spcPct val="100000"/>
+              </a:lnSpc>
+            </a:pPr>
+            <a:r>
+              <a:rPr lang="da-DK" sz="1000" b="1" cap="all" spc="200" dirty="0" smtClean="0">
+                <a:solidFill>
+                  <a:schemeClr val="accent1">
+                    <a:lumMod val="75000"/>
+                    <a:alpha val="50000"/>
+                  </a:schemeClr>
+                </a:solidFill>
+                <a:latin typeface="Arial"/>
+                <a:cs typeface="Arial"/>
+              </a:rPr>
+              <a:t>OpenGL ES</a:t>
+            </a:r>
+          </a:p>
+          <a:p>
+            <a:pPr marL="12700">
+              <a:lnSpc>
+                <a:spcPct val="100000"/>
+              </a:lnSpc>
+            </a:pPr>
             <a:endParaRPr lang="da-DK" sz="1000" b="1" cap="all" spc="200" dirty="0" smtClean="0">
               <a:solidFill>
                 <a:schemeClr val="accent1">
                   <a:lumMod val="75000"/>
-                  <a:alpha val="30000"/>
+                  <a:alpha val="50000"/>
                 </a:schemeClr>
               </a:solidFill>
               <a:latin typeface="Arial"/>
@@ -21377,34 +20592,34 @@
                 <a:solidFill>
                   <a:schemeClr val="accent1">
                     <a:lumMod val="75000"/>
-                  </a:schemeClr>
-                </a:solidFill>
-                <a:latin typeface="Arial"/>
-                <a:cs typeface="Arial"/>
-              </a:rPr>
-              <a:t>Game </a:t>
-            </a:r>
+                    <a:alpha val="50000"/>
+                  </a:schemeClr>
+                </a:solidFill>
+                <a:latin typeface="Arial"/>
+                <a:cs typeface="Arial"/>
+              </a:rPr>
+              <a:t>Implementation</a:t>
+            </a:r>
+          </a:p>
+          <a:p>
+            <a:pPr marL="12700">
+              <a:lnSpc>
+                <a:spcPct val="100000"/>
+              </a:lnSpc>
+            </a:pPr>
             <a:r>
               <a:rPr lang="da-DK" sz="1000" b="1" cap="all" spc="200" dirty="0" smtClean="0">
                 <a:solidFill>
                   <a:schemeClr val="accent1">
                     <a:lumMod val="75000"/>
-                  </a:schemeClr>
-                </a:solidFill>
-                <a:latin typeface="Arial"/>
-                <a:cs typeface="Arial"/>
-              </a:rPr>
-              <a:t>Design</a:t>
-            </a:r>
-            <a:endParaRPr lang="da-DK" sz="1000" b="1" cap="all" spc="200" dirty="0" smtClean="0">
-              <a:solidFill>
-                <a:schemeClr val="accent1">
-                  <a:lumMod val="75000"/>
-                </a:schemeClr>
-              </a:solidFill>
-              <a:latin typeface="Arial"/>
-              <a:cs typeface="Arial"/>
-            </a:endParaRPr>
+                    <a:alpha val="50000"/>
+                  </a:schemeClr>
+                </a:solidFill>
+                <a:latin typeface="Arial"/>
+                <a:cs typeface="Arial"/>
+              </a:rPr>
+              <a:t>Conclusion</a:t>
+            </a:r>
           </a:p>
           <a:p>
             <a:pPr marL="12700">
@@ -21417,117 +20632,7 @@
                 <a:solidFill>
                   <a:schemeClr val="accent1">
                     <a:lumMod val="75000"/>
-                    <a:alpha val="30000"/>
-                  </a:schemeClr>
-                </a:solidFill>
-                <a:latin typeface="Arial"/>
-                <a:cs typeface="Arial"/>
-              </a:rPr>
-              <a:t>OpenGL </a:t>
-            </a:r>
-            <a:r>
-              <a:rPr lang="da-DK" sz="1000" b="1" cap="all" spc="200" dirty="0" smtClean="0">
-                <a:solidFill>
-                  <a:schemeClr val="accent1">
-                    <a:lumMod val="75000"/>
-                    <a:alpha val="30000"/>
-                  </a:schemeClr>
-                </a:solidFill>
-                <a:latin typeface="Arial"/>
-                <a:cs typeface="Arial"/>
-              </a:rPr>
-              <a:t>ES</a:t>
-            </a:r>
-          </a:p>
-          <a:p>
-            <a:pPr marL="12700">
-              <a:lnSpc>
-                <a:spcPct val="100000"/>
-              </a:lnSpc>
-            </a:pPr>
-            <a:endParaRPr lang="da-DK" sz="1000" b="1" cap="all" spc="200" dirty="0" smtClean="0">
-              <a:solidFill>
-                <a:schemeClr val="accent1">
-                  <a:lumMod val="75000"/>
-                  <a:alpha val="30000"/>
-                </a:schemeClr>
-              </a:solidFill>
-              <a:latin typeface="Arial"/>
-              <a:cs typeface="Arial"/>
-            </a:endParaRPr>
-          </a:p>
-          <a:p>
-            <a:pPr marL="12700">
-              <a:lnSpc>
-                <a:spcPct val="100000"/>
-              </a:lnSpc>
-            </a:pPr>
-            <a:r>
-              <a:rPr lang="da-DK" sz="1000" b="1" cap="all" spc="200" dirty="0" smtClean="0">
-                <a:solidFill>
-                  <a:schemeClr val="accent1">
-                    <a:lumMod val="75000"/>
-                    <a:alpha val="30000"/>
-                  </a:schemeClr>
-                </a:solidFill>
-                <a:latin typeface="Arial"/>
-                <a:cs typeface="Arial"/>
-              </a:rPr>
-              <a:t>Implementation</a:t>
-            </a:r>
-            <a:endParaRPr lang="da-DK" sz="1000" b="1" cap="all" spc="200" dirty="0" smtClean="0">
-              <a:solidFill>
-                <a:schemeClr val="accent1">
-                  <a:lumMod val="75000"/>
-                  <a:alpha val="30000"/>
-                </a:schemeClr>
-              </a:solidFill>
-              <a:latin typeface="Arial"/>
-              <a:cs typeface="Arial"/>
-            </a:endParaRPr>
-          </a:p>
-          <a:p>
-            <a:pPr marL="12700">
-              <a:lnSpc>
-                <a:spcPct val="100000"/>
-              </a:lnSpc>
-            </a:pPr>
-            <a:r>
-              <a:rPr lang="da-DK" sz="1000" b="1" cap="all" spc="200" dirty="0" smtClean="0">
-                <a:solidFill>
-                  <a:schemeClr val="accent1">
-                    <a:lumMod val="75000"/>
-                    <a:alpha val="30000"/>
-                  </a:schemeClr>
-                </a:solidFill>
-                <a:latin typeface="Arial"/>
-                <a:cs typeface="Arial"/>
-              </a:rPr>
-              <a:t>Conclusion</a:t>
-            </a:r>
-            <a:endParaRPr lang="da-DK" sz="1000" b="1" cap="all" spc="200" dirty="0" smtClean="0">
-              <a:solidFill>
-                <a:schemeClr val="accent1">
-                  <a:lumMod val="75000"/>
-                  <a:alpha val="30000"/>
-                </a:schemeClr>
-              </a:solidFill>
-              <a:latin typeface="Arial"/>
-              <a:cs typeface="Arial"/>
-            </a:endParaRPr>
-          </a:p>
-          <a:p>
-            <a:pPr marL="12700">
-              <a:lnSpc>
-                <a:spcPct val="100000"/>
-              </a:lnSpc>
-            </a:pPr>
-            <a:r>
-              <a:rPr lang="da-DK" sz="1000" b="1" cap="all" spc="200" dirty="0" smtClean="0">
-                <a:solidFill>
-                  <a:schemeClr val="accent1">
-                    <a:lumMod val="75000"/>
-                    <a:alpha val="30000"/>
+                    <a:alpha val="50000"/>
                   </a:schemeClr>
                 </a:solidFill>
                 <a:latin typeface="Arial"/>
@@ -21575,22 +20680,13 @@
               </a:rPr>
               <a:t>Figure 7.1: Page 52</a:t>
             </a:r>
-            <a:endParaRPr lang="en-GB" sz="1200" dirty="0" smtClean="0">
-              <a:solidFill>
-                <a:schemeClr val="accent1">
-                  <a:lumMod val="75000"/>
-                </a:schemeClr>
-              </a:solidFill>
-              <a:latin typeface="Arial" pitchFamily="34" charset="0"/>
-              <a:cs typeface="Arial" pitchFamily="34" charset="0"/>
-            </a:endParaRPr>
           </a:p>
         </p:txBody>
       </p:sp>
     </p:spTree>
     <p:extLst>
       <p:ext uri="{BB962C8B-B14F-4D97-AF65-F5344CB8AC3E}">
-        <p14:creationId xmlns:p14="http://schemas.microsoft.com/office/powerpoint/2010/main" xmlns="" val="585023994"/>
+        <p14:creationId xmlns="" xmlns:p14="http://schemas.microsoft.com/office/powerpoint/2010/main" val="585023994"/>
       </p:ext>
     </p:extLst>
   </p:cSld>
@@ -21598,7 +20694,7 @@
     <a:masterClrMapping/>
   </p:clrMapOvr>
   <mc:AlternateContent xmlns:mc="http://schemas.openxmlformats.org/markup-compatibility/2006">
-    <mc:Choice xmlns:p14="http://schemas.microsoft.com/office/powerpoint/2010/main" xmlns="" Requires="p14">
+    <mc:Choice xmlns="" xmlns:p14="http://schemas.microsoft.com/office/powerpoint/2010/main" Requires="p14">
       <p:transition p14:dur="250">
         <p:fade/>
       </p:transition>
@@ -21817,6 +20913,19 @@
               <a:t> </a:t>
             </a:r>
             <a:r>
+              <a:rPr lang="da-DK" sz="850" b="1" kern="0" cap="all" spc="200" dirty="0" smtClean="0">
+                <a:solidFill>
+                  <a:schemeClr val="tx1">
+                    <a:lumMod val="50000"/>
+                    <a:lumOff val="50000"/>
+                  </a:schemeClr>
+                </a:solidFill>
+                <a:latin typeface="Arial"/>
+                <a:cs typeface="Arial"/>
+              </a:rPr>
+              <a:t>31  </a:t>
+            </a:r>
+            <a:r>
               <a:rPr lang="da-DK" sz="850" b="1" kern="0" cap="all" spc="200" dirty="0">
                 <a:solidFill>
                   <a:schemeClr val="tx1">
@@ -21827,7 +20936,7 @@
                 <a:latin typeface="Arial"/>
                 <a:cs typeface="Arial"/>
               </a:rPr>
-              <a:t>24  | </a:t>
+              <a:t>| </a:t>
             </a:r>
             <a:r>
               <a:rPr lang="da-DK" sz="850" b="1" kern="0" spc="200" dirty="0" smtClean="0">
@@ -22077,7 +21186,7 @@
                 <a:solidFill>
                   <a:schemeClr val="accent1">
                     <a:lumMod val="75000"/>
-                    <a:alpha val="30000"/>
+                    <a:alpha val="50000"/>
                   </a:schemeClr>
                 </a:solidFill>
                 <a:latin typeface="Arial"/>
@@ -22085,11 +21194,57 @@
               </a:rPr>
               <a:t>GIRAF</a:t>
             </a:r>
+          </a:p>
+          <a:p>
+            <a:pPr marL="12700">
+              <a:lnSpc>
+                <a:spcPct val="100000"/>
+              </a:lnSpc>
+            </a:pPr>
+            <a:r>
+              <a:rPr lang="da-DK" sz="1000" b="1" cap="all" spc="200" dirty="0" smtClean="0">
+                <a:solidFill>
+                  <a:schemeClr val="accent1">
+                    <a:lumMod val="75000"/>
+                  </a:schemeClr>
+                </a:solidFill>
+                <a:latin typeface="Arial"/>
+                <a:cs typeface="Arial"/>
+              </a:rPr>
+              <a:t>Game Design</a:t>
+            </a:r>
+          </a:p>
+          <a:p>
+            <a:pPr marL="12700">
+              <a:lnSpc>
+                <a:spcPct val="100000"/>
+              </a:lnSpc>
+            </a:pPr>
+            <a:r>
+              <a:rPr lang="da-DK" sz="1000" b="1" cap="all" spc="200" dirty="0" smtClean="0">
+                <a:solidFill>
+                  <a:schemeClr val="accent1">
+                    <a:lumMod val="75000"/>
+                    <a:alpha val="50000"/>
+                  </a:schemeClr>
+                </a:solidFill>
+                <a:latin typeface="Arial"/>
+                <a:cs typeface="Arial"/>
+              </a:rPr>
+              <a:t>OpenGL ES</a:t>
+            </a:r>
+          </a:p>
+          <a:p>
+            <a:pPr marL="12700">
+              <a:lnSpc>
+                <a:spcPct val="100000"/>
+              </a:lnSpc>
+            </a:pPr>
             <a:endParaRPr lang="da-DK" sz="1000" b="1" cap="all" spc="200" dirty="0" smtClean="0">
               <a:solidFill>
                 <a:schemeClr val="accent1">
                   <a:lumMod val="75000"/>
-                  <a:alpha val="30000"/>
+                  <a:alpha val="50000"/>
                 </a:schemeClr>
               </a:solidFill>
               <a:latin typeface="Arial"/>
@@ -22107,34 +21262,34 @@
                 <a:solidFill>
                   <a:schemeClr val="accent1">
                     <a:lumMod val="75000"/>
-                  </a:schemeClr>
-                </a:solidFill>
-                <a:latin typeface="Arial"/>
-                <a:cs typeface="Arial"/>
-              </a:rPr>
-              <a:t>Game </a:t>
-            </a:r>
+                    <a:alpha val="50000"/>
+                  </a:schemeClr>
+                </a:solidFill>
+                <a:latin typeface="Arial"/>
+                <a:cs typeface="Arial"/>
+              </a:rPr>
+              <a:t>Implementation</a:t>
+            </a:r>
+          </a:p>
+          <a:p>
+            <a:pPr marL="12700">
+              <a:lnSpc>
+                <a:spcPct val="100000"/>
+              </a:lnSpc>
+            </a:pPr>
             <a:r>
               <a:rPr lang="da-DK" sz="1000" b="1" cap="all" spc="200" dirty="0" smtClean="0">
                 <a:solidFill>
                   <a:schemeClr val="accent1">
                     <a:lumMod val="75000"/>
-                  </a:schemeClr>
-                </a:solidFill>
-                <a:latin typeface="Arial"/>
-                <a:cs typeface="Arial"/>
-              </a:rPr>
-              <a:t>Design</a:t>
-            </a:r>
-            <a:endParaRPr lang="da-DK" sz="1000" b="1" cap="all" spc="200" dirty="0" smtClean="0">
-              <a:solidFill>
-                <a:schemeClr val="accent1">
-                  <a:lumMod val="75000"/>
-                </a:schemeClr>
-              </a:solidFill>
-              <a:latin typeface="Arial"/>
-              <a:cs typeface="Arial"/>
-            </a:endParaRPr>
+                    <a:alpha val="50000"/>
+                  </a:schemeClr>
+                </a:solidFill>
+                <a:latin typeface="Arial"/>
+                <a:cs typeface="Arial"/>
+              </a:rPr>
+              <a:t>Conclusion</a:t>
+            </a:r>
           </a:p>
           <a:p>
             <a:pPr marL="12700">
@@ -22147,117 +21302,7 @@
                 <a:solidFill>
                   <a:schemeClr val="accent1">
                     <a:lumMod val="75000"/>
-                    <a:alpha val="30000"/>
-                  </a:schemeClr>
-                </a:solidFill>
-                <a:latin typeface="Arial"/>
-                <a:cs typeface="Arial"/>
-              </a:rPr>
-              <a:t>OpenGL </a:t>
-            </a:r>
-            <a:r>
-              <a:rPr lang="da-DK" sz="1000" b="1" cap="all" spc="200" dirty="0" smtClean="0">
-                <a:solidFill>
-                  <a:schemeClr val="accent1">
-                    <a:lumMod val="75000"/>
-                    <a:alpha val="30000"/>
-                  </a:schemeClr>
-                </a:solidFill>
-                <a:latin typeface="Arial"/>
-                <a:cs typeface="Arial"/>
-              </a:rPr>
-              <a:t>ES</a:t>
-            </a:r>
-          </a:p>
-          <a:p>
-            <a:pPr marL="12700">
-              <a:lnSpc>
-                <a:spcPct val="100000"/>
-              </a:lnSpc>
-            </a:pPr>
-            <a:endParaRPr lang="da-DK" sz="1000" b="1" cap="all" spc="200" dirty="0" smtClean="0">
-              <a:solidFill>
-                <a:schemeClr val="accent1">
-                  <a:lumMod val="75000"/>
-                  <a:alpha val="30000"/>
-                </a:schemeClr>
-              </a:solidFill>
-              <a:latin typeface="Arial"/>
-              <a:cs typeface="Arial"/>
-            </a:endParaRPr>
-          </a:p>
-          <a:p>
-            <a:pPr marL="12700">
-              <a:lnSpc>
-                <a:spcPct val="100000"/>
-              </a:lnSpc>
-            </a:pPr>
-            <a:r>
-              <a:rPr lang="da-DK" sz="1000" b="1" cap="all" spc="200" dirty="0" smtClean="0">
-                <a:solidFill>
-                  <a:schemeClr val="accent1">
-                    <a:lumMod val="75000"/>
-                    <a:alpha val="30000"/>
-                  </a:schemeClr>
-                </a:solidFill>
-                <a:latin typeface="Arial"/>
-                <a:cs typeface="Arial"/>
-              </a:rPr>
-              <a:t>Implementation</a:t>
-            </a:r>
-            <a:endParaRPr lang="da-DK" sz="1000" b="1" cap="all" spc="200" dirty="0" smtClean="0">
-              <a:solidFill>
-                <a:schemeClr val="accent1">
-                  <a:lumMod val="75000"/>
-                  <a:alpha val="30000"/>
-                </a:schemeClr>
-              </a:solidFill>
-              <a:latin typeface="Arial"/>
-              <a:cs typeface="Arial"/>
-            </a:endParaRPr>
-          </a:p>
-          <a:p>
-            <a:pPr marL="12700">
-              <a:lnSpc>
-                <a:spcPct val="100000"/>
-              </a:lnSpc>
-            </a:pPr>
-            <a:r>
-              <a:rPr lang="da-DK" sz="1000" b="1" cap="all" spc="200" dirty="0" smtClean="0">
-                <a:solidFill>
-                  <a:schemeClr val="accent1">
-                    <a:lumMod val="75000"/>
-                    <a:alpha val="30000"/>
-                  </a:schemeClr>
-                </a:solidFill>
-                <a:latin typeface="Arial"/>
-                <a:cs typeface="Arial"/>
-              </a:rPr>
-              <a:t>Conclusion</a:t>
-            </a:r>
-            <a:endParaRPr lang="da-DK" sz="1000" b="1" cap="all" spc="200" dirty="0" smtClean="0">
-              <a:solidFill>
-                <a:schemeClr val="accent1">
-                  <a:lumMod val="75000"/>
-                  <a:alpha val="30000"/>
-                </a:schemeClr>
-              </a:solidFill>
-              <a:latin typeface="Arial"/>
-              <a:cs typeface="Arial"/>
-            </a:endParaRPr>
-          </a:p>
-          <a:p>
-            <a:pPr marL="12700">
-              <a:lnSpc>
-                <a:spcPct val="100000"/>
-              </a:lnSpc>
-            </a:pPr>
-            <a:r>
-              <a:rPr lang="da-DK" sz="1000" b="1" cap="all" spc="200" dirty="0" smtClean="0">
-                <a:solidFill>
-                  <a:schemeClr val="accent1">
-                    <a:lumMod val="75000"/>
-                    <a:alpha val="30000"/>
+                    <a:alpha val="50000"/>
                   </a:schemeClr>
                 </a:solidFill>
                 <a:latin typeface="Arial"/>
@@ -22305,15 +21350,6 @@
               </a:rPr>
               <a:t>Figure 7.1: Page 52</a:t>
             </a:r>
-            <a:endParaRPr lang="en-GB" sz="1200" dirty="0" smtClean="0">
-              <a:solidFill>
-                <a:schemeClr val="accent1">
-                  <a:lumMod val="75000"/>
-                </a:schemeClr>
-              </a:solidFill>
-              <a:latin typeface="Arial" pitchFamily="34" charset="0"/>
-              <a:cs typeface="Arial" pitchFamily="34" charset="0"/>
-            </a:endParaRPr>
           </a:p>
         </p:txBody>
       </p:sp>
@@ -22351,22 +21387,13 @@
               </a:rPr>
               <a:t>Figure 7.2: Page 53</a:t>
             </a:r>
-            <a:endParaRPr lang="en-GB" sz="1200" dirty="0" smtClean="0">
-              <a:solidFill>
-                <a:schemeClr val="accent1">
-                  <a:lumMod val="75000"/>
-                </a:schemeClr>
-              </a:solidFill>
-              <a:latin typeface="Arial" pitchFamily="34" charset="0"/>
-              <a:cs typeface="Arial" pitchFamily="34" charset="0"/>
-            </a:endParaRPr>
           </a:p>
         </p:txBody>
       </p:sp>
     </p:spTree>
     <p:extLst>
       <p:ext uri="{BB962C8B-B14F-4D97-AF65-F5344CB8AC3E}">
-        <p14:creationId xmlns:p14="http://schemas.microsoft.com/office/powerpoint/2010/main" xmlns="" val="585023994"/>
+        <p14:creationId xmlns="" xmlns:p14="http://schemas.microsoft.com/office/powerpoint/2010/main" val="585023994"/>
       </p:ext>
     </p:extLst>
   </p:cSld>
@@ -22374,7 +21401,7 @@
     <a:masterClrMapping/>
   </p:clrMapOvr>
   <mc:AlternateContent xmlns:mc="http://schemas.openxmlformats.org/markup-compatibility/2006">
-    <mc:Choice xmlns:p14="http://schemas.microsoft.com/office/powerpoint/2010/main" xmlns="" Requires="p14">
+    <mc:Choice xmlns="" xmlns:p14="http://schemas.microsoft.com/office/powerpoint/2010/main" Requires="p14">
       <p:transition p14:dur="250">
         <p:fade/>
       </p:transition>
